--- a/IDERA/segmentos.censo2022.pptx
+++ b/IDERA/segmentos.censo2022.pptx
@@ -35,6 +35,9 @@
     <p:sldId id="278" r:id="rId30"/>
     <p:sldId id="279" r:id="rId31"/>
     <p:sldId id="280" r:id="rId32"/>
+    <p:sldId id="281" r:id="rId33"/>
+    <p:sldId id="282" r:id="rId34"/>
+    <p:sldId id="283" r:id="rId35"/>
   </p:sldIdLst>
   <p:sldSz cx="12192000" cy="6858000"/>
   <p:notesSz cx="7559675" cy="10691812"/>
@@ -9474,12 +9477,12 @@
       </p:grpSpPr>
       <p:sp>
         <p:nvSpPr>
-          <p:cNvPr id="2" name="Title 1"/>
-          <p:cNvSpPr>
-            <a:spLocks noGrp="1"/>
-          </p:cNvSpPr>
-          <p:nvPr>
-            <p:ph type="title"/>
+          <p:cNvPr id="3" name="Content Placeholder 2"/>
+          <p:cNvSpPr>
+            <a:spLocks noGrp="1"/>
+          </p:cNvSpPr>
+          <p:nvPr>
+            <p:ph idx="1"/>
           </p:nvPr>
         </p:nvSpPr>
         <p:spPr/>
@@ -9488,71 +9491,35 @@
           <a:lstStyle/>
           <a:p>
             <a:pPr lvl="0" indent="0" marL="0">
+              <a:spcBef>
+                <a:spcPts val="3000"/>
+              </a:spcBef>
               <a:buNone/>
             </a:pPr>
             <a:r>
-              <a:rPr/>
-              <a:t>Optimización global</a:t>
+              <a:rPr b="1"/>
+              <a:t>Elementos disponibles, o agrupación elemental.</a:t>
             </a:r>
           </a:p>
-        </p:txBody>
-      </p:sp>
-      <p:pic>
-        <p:nvPicPr>
-          <p:cNvPr descr="fig:  imagenes/optimizacion_global.png" id="0" name="Picture 1"/>
-          <p:cNvPicPr>
-            <a:picLocks noGrp="1" noChangeAspect="1"/>
-          </p:cNvPicPr>
-          <p:nvPr/>
-        </p:nvPicPr>
-        <p:blipFill>
-          <a:blip r:embed="rId2"/>
-          <a:stretch>
-            <a:fillRect/>
-          </a:stretch>
-        </p:blipFill>
-        <p:spPr bwMode="auto">
-          <a:xfrm>
-            <a:off x="939800" y="0"/>
-            <a:ext cx="10312400" cy="6350000"/>
-          </a:xfrm>
-          <a:prstGeom prst="rect">
-            <a:avLst/>
-          </a:prstGeom>
-          <a:noFill/>
-          <a:ln w="9525">
-            <a:noFill/>
-            <a:headEnd/>
-            <a:tailEnd/>
-          </a:ln>
-        </p:spPr>
-      </p:pic>
-      <p:sp>
-        <p:nvSpPr>
-          <p:cNvPr id="1" name="TextBox 3"/>
-          <p:cNvSpPr txBox="1"/>
-          <p:nvPr/>
-        </p:nvSpPr>
-        <p:spPr>
-          <a:xfrm>
-            <a:off x="0" y="6350000"/>
-            <a:ext cx="12192000" cy="508000"/>
-          </a:xfrm>
-          <a:prstGeom prst="rect">
-            <a:avLst/>
-          </a:prstGeom>
-          <a:noFill/>
-        </p:spPr>
-        <p:txBody>
-          <a:bodyPr/>
-          <a:lstStyle/>
-          <a:p>
-            <a:pPr lvl="0" indent="0" marL="0" algn="ctr">
-              <a:buNone/>
-            </a:pPr>
+          <a:p>
+            <a:pPr lvl="0"/>
             <a:r>
               <a:rPr/>
-              <a:t>OG</a:t>
+              <a:t>Conteos: lados o manzanas completas</a:t>
+            </a:r>
+          </a:p>
+          <a:p>
+            <a:pPr lvl="0"/>
+            <a:r>
+              <a:rPr/>
+              <a:t>Listados: direcciones, pisos (no puede haber más de 1 segmento por piso) recorridos o manzanas independientes</a:t>
+            </a:r>
+          </a:p>
+          <a:p>
+            <a:pPr lvl="0"/>
+            <a:r>
+              <a:rPr/>
+              <a:t>Varias combinaciones de ambos.</a:t>
             </a:r>
           </a:p>
         </p:txBody>
@@ -9579,6 +9546,188 @@
           <a:chExt cx="0" cy="0"/>
         </a:xfrm>
       </p:grpSpPr>
+      <p:sp>
+        <p:nvSpPr>
+          <p:cNvPr id="3" name="Content Placeholder 2"/>
+          <p:cNvSpPr>
+            <a:spLocks noGrp="1"/>
+          </p:cNvSpPr>
+          <p:nvPr>
+            <p:ph idx="1"/>
+          </p:nvPr>
+        </p:nvSpPr>
+        <p:spPr/>
+        <p:txBody>
+          <a:bodyPr/>
+          <a:lstStyle/>
+          <a:p>
+            <a:pPr lvl="0" indent="0" marL="0">
+              <a:spcBef>
+                <a:spcPts val="3000"/>
+              </a:spcBef>
+              <a:buNone/>
+            </a:pPr>
+            <a:r>
+              <a:rPr b="1"/>
+              <a:t>Algoritmos o Métodos.</a:t>
+            </a:r>
+          </a:p>
+        </p:txBody>
+      </p:sp>
+    </p:spTree>
+  </p:cSld>
+</p:sld>
+</file>
+
+<file path=ppt/slides/slide12.xml><?xml version="1.0" encoding="utf-8"?>
+<p:sld xmlns:a="http://schemas.openxmlformats.org/drawingml/2006/main" xmlns:r="http://schemas.openxmlformats.org/officeDocument/2006/relationships" xmlns:p="http://schemas.openxmlformats.org/presentationml/2006/main">
+  <p:cSld>
+    <p:spTree>
+      <p:nvGrpSpPr>
+        <p:cNvPr id="1" name=""/>
+        <p:cNvGrpSpPr/>
+        <p:nvPr/>
+      </p:nvGrpSpPr>
+      <p:grpSpPr>
+        <a:xfrm>
+          <a:off x="0" y="0"/>
+          <a:ext cx="0" cy="0"/>
+          <a:chOff x="0" y="0"/>
+          <a:chExt cx="0" cy="0"/>
+        </a:xfrm>
+      </p:grpSpPr>
+      <p:sp>
+        <p:nvSpPr>
+          <p:cNvPr id="2" name="Title 1"/>
+          <p:cNvSpPr>
+            <a:spLocks noGrp="1"/>
+          </p:cNvSpPr>
+          <p:nvPr>
+            <p:ph type="title"/>
+          </p:nvPr>
+        </p:nvSpPr>
+        <p:spPr/>
+        <p:txBody>
+          <a:bodyPr/>
+          <a:lstStyle/>
+          <a:p>
+            <a:pPr lvl="0" indent="0" marL="0">
+              <a:buNone/>
+            </a:pPr>
+            <a:r>
+              <a:rPr/>
+              <a:t>Optimización global</a:t>
+            </a:r>
+          </a:p>
+        </p:txBody>
+      </p:sp>
+      <p:pic>
+        <p:nvPicPr>
+          <p:cNvPr descr="fig:  imagenes/optimizacion_global.png" id="0" name="Picture 1"/>
+          <p:cNvPicPr>
+            <a:picLocks noGrp="1" noChangeAspect="1"/>
+          </p:cNvPicPr>
+          <p:nvPr/>
+        </p:nvPicPr>
+        <p:blipFill>
+          <a:blip r:embed="rId2"/>
+          <a:stretch>
+            <a:fillRect/>
+          </a:stretch>
+        </p:blipFill>
+        <p:spPr bwMode="auto">
+          <a:xfrm>
+            <a:off x="939800" y="0"/>
+            <a:ext cx="10312400" cy="6350000"/>
+          </a:xfrm>
+          <a:prstGeom prst="rect">
+            <a:avLst/>
+          </a:prstGeom>
+          <a:noFill/>
+          <a:ln w="9525">
+            <a:noFill/>
+            <a:headEnd/>
+            <a:tailEnd/>
+          </a:ln>
+        </p:spPr>
+      </p:pic>
+      <p:sp>
+        <p:nvSpPr>
+          <p:cNvPr id="1" name="TextBox 3"/>
+          <p:cNvSpPr txBox="1"/>
+          <p:nvPr/>
+        </p:nvSpPr>
+        <p:spPr>
+          <a:xfrm>
+            <a:off x="0" y="6350000"/>
+            <a:ext cx="12192000" cy="508000"/>
+          </a:xfrm>
+          <a:prstGeom prst="rect">
+            <a:avLst/>
+          </a:prstGeom>
+          <a:noFill/>
+        </p:spPr>
+        <p:txBody>
+          <a:bodyPr/>
+          <a:lstStyle/>
+          <a:p>
+            <a:pPr lvl="0" indent="0" marL="0" algn="ctr">
+              <a:buNone/>
+            </a:pPr>
+            <a:r>
+              <a:rPr/>
+              <a:t>Espacio de soluciones</a:t>
+            </a:r>
+          </a:p>
+        </p:txBody>
+      </p:sp>
+    </p:spTree>
+  </p:cSld>
+</p:sld>
+</file>
+
+<file path=ppt/slides/slide13.xml><?xml version="1.0" encoding="utf-8"?>
+<p:sld xmlns:a="http://schemas.openxmlformats.org/drawingml/2006/main" xmlns:r="http://schemas.openxmlformats.org/officeDocument/2006/relationships" xmlns:p="http://schemas.openxmlformats.org/presentationml/2006/main">
+  <p:cSld>
+    <p:spTree>
+      <p:nvGrpSpPr>
+        <p:cNvPr id="1" name=""/>
+        <p:cNvGrpSpPr/>
+        <p:nvPr/>
+      </p:nvGrpSpPr>
+      <p:grpSpPr>
+        <a:xfrm>
+          <a:off x="0" y="0"/>
+          <a:ext cx="0" cy="0"/>
+          <a:chOff x="0" y="0"/>
+          <a:chExt cx="0" cy="0"/>
+        </a:xfrm>
+      </p:grpSpPr>
+      <p:sp>
+        <p:nvSpPr>
+          <p:cNvPr id="2" name="Title 1"/>
+          <p:cNvSpPr>
+            <a:spLocks noGrp="1"/>
+          </p:cNvSpPr>
+          <p:nvPr>
+            <p:ph type="title"/>
+          </p:nvPr>
+        </p:nvSpPr>
+        <p:spPr/>
+        <p:txBody>
+          <a:bodyPr/>
+          <a:lstStyle/>
+          <a:p>
+            <a:pPr lvl="0" indent="0" marL="0">
+              <a:buNone/>
+            </a:pPr>
+            <a:r>
+              <a:rPr/>
+              <a:t>Generación de segmentaciones vecinas</a:t>
+            </a:r>
+          </a:p>
+        </p:txBody>
+      </p:sp>
       <p:pic>
         <p:nvPicPr>
           <p:cNvPr descr="fig:  imagenes/extraer.png" id="0" name="Picture 1"/>
@@ -9634,7 +9783,7 @@
             </a:pPr>
             <a:r>
               <a:rPr/>
-              <a:t>EC</a:t>
+              <a:t>Extraer componente</a:t>
             </a:r>
           </a:p>
         </p:txBody>
@@ -9644,7 +9793,7 @@
 </p:sld>
 </file>
 
-<file path=ppt/slides/slide12.xml><?xml version="1.0" encoding="utf-8"?>
+<file path=ppt/slides/slide14.xml><?xml version="1.0" encoding="utf-8"?>
 <p:sld xmlns:a="http://schemas.openxmlformats.org/drawingml/2006/main" xmlns:r="http://schemas.openxmlformats.org/officeDocument/2006/relationships" xmlns:p="http://schemas.openxmlformats.org/presentationml/2006/main">
   <p:cSld>
     <p:spTree>
@@ -9716,7 +9865,7 @@
             </a:pPr>
             <a:r>
               <a:rPr/>
-              <a:t>TC</a:t>
+              <a:t>Transferir componente</a:t>
             </a:r>
           </a:p>
         </p:txBody>
@@ -9726,7 +9875,7 @@
 </p:sld>
 </file>
 
-<file path=ppt/slides/slide13.xml><?xml version="1.0" encoding="utf-8"?>
+<file path=ppt/slides/slide15.xml><?xml version="1.0" encoding="utf-8"?>
 <p:sld xmlns:a="http://schemas.openxmlformats.org/drawingml/2006/main" xmlns:r="http://schemas.openxmlformats.org/officeDocument/2006/relationships" xmlns:p="http://schemas.openxmlformats.org/presentationml/2006/main">
   <p:cSld>
     <p:spTree>
@@ -9798,7 +9947,7 @@
             </a:pPr>
             <a:r>
               <a:rPr/>
-              <a:t>FD</a:t>
+              <a:t>Fusionar componente</a:t>
             </a:r>
           </a:p>
         </p:txBody>
@@ -9808,7 +9957,7 @@
 </p:sld>
 </file>
 
-<file path=ppt/slides/slide14.xml><?xml version="1.0" encoding="utf-8"?>
+<file path=ppt/slides/slide16.xml><?xml version="1.0" encoding="utf-8"?>
 <p:sld xmlns:a="http://schemas.openxmlformats.org/drawingml/2006/main" xmlns:r="http://schemas.openxmlformats.org/officeDocument/2006/relationships" xmlns:p="http://schemas.openxmlformats.org/presentationml/2006/main">
   <p:cSld>
     <p:spTree>
@@ -9869,7 +10018,7 @@
             <a:pPr lvl="0"/>
             <a:r>
               <a:rPr/>
-              <a:t>El segmento 90 y contiene las viviendas colectivas del radio.</a:t>
+              <a:t>El segmento 90 contiene las viviendas colectivas del radio.</a:t>
             </a:r>
           </a:p>
         </p:txBody>
@@ -9879,7 +10028,64 @@
 </p:sld>
 </file>
 
-<file path=ppt/slides/slide15.xml><?xml version="1.0" encoding="utf-8"?>
+<file path=ppt/slides/slide17.xml><?xml version="1.0" encoding="utf-8"?>
+<p:sld xmlns:a="http://schemas.openxmlformats.org/drawingml/2006/main" xmlns:r="http://schemas.openxmlformats.org/officeDocument/2006/relationships" xmlns:p="http://schemas.openxmlformats.org/presentationml/2006/main">
+  <p:cSld>
+    <p:spTree>
+      <p:nvGrpSpPr>
+        <p:cNvPr id="1" name=""/>
+        <p:cNvGrpSpPr/>
+        <p:nvPr/>
+      </p:nvGrpSpPr>
+      <p:grpSpPr>
+        <a:xfrm>
+          <a:off x="0" y="0"/>
+          <a:ext cx="0" cy="0"/>
+          <a:chOff x="0" y="0"/>
+          <a:chExt cx="0" cy="0"/>
+        </a:xfrm>
+      </p:grpSpPr>
+      <p:sp>
+        <p:nvSpPr>
+          <p:cNvPr id="3" name="Content Placeholder 2"/>
+          <p:cNvSpPr>
+            <a:spLocks noGrp="1"/>
+          </p:cNvSpPr>
+          <p:nvPr>
+            <p:ph idx="1"/>
+          </p:nvPr>
+        </p:nvSpPr>
+        <p:spPr/>
+        <p:txBody>
+          <a:bodyPr/>
+          <a:lstStyle/>
+          <a:p>
+            <a:pPr lvl="0" indent="0" marL="0">
+              <a:spcBef>
+                <a:spcPts val="3000"/>
+              </a:spcBef>
+              <a:buNone/>
+            </a:pPr>
+            <a:r>
+              <a:rPr b="1"/>
+              <a:t>Descripción del problema.</a:t>
+            </a:r>
+          </a:p>
+          <a:p>
+            <a:pPr lvl="0"/>
+            <a:r>
+              <a:rPr/>
+              <a:t>Armar el recorrido de 650.000 censistas para que visiten todas las viviendas del territorio siguiendo las reglas definidas en el MANUAL del SEGMENTADOR.</a:t>
+            </a:r>
+          </a:p>
+        </p:txBody>
+      </p:sp>
+    </p:spTree>
+  </p:cSld>
+</p:sld>
+</file>
+
+<file path=ppt/slides/slide18.xml><?xml version="1.0" encoding="utf-8"?>
 <p:sld xmlns:a="http://schemas.openxmlformats.org/drawingml/2006/main" xmlns:r="http://schemas.openxmlformats.org/officeDocument/2006/relationships" xmlns:p="http://schemas.openxmlformats.org/presentationml/2006/main">
   <p:cSld>
     <p:spTree>
@@ -9921,16 +10127,7 @@
                 </a:pPr>
                 <a:r>
                   <a:rPr b="1"/>
-                  <a:t>Descripción del problema.</a:t>
-                </a:r>
-              </a:p>
-              <a:p>
-                <a:pPr lvl="0" indent="0" marL="0">
-                  <a:buNone/>
-                </a:pPr>
-                <a:r>
-                  <a:rPr/>
-                  <a:t>Armar el recorrido de 650.000 censistas para que visiten todas las viviendas del territorio siguiendo las reglas definidas en el MANUAL del SEGMENTADOR</a:t>
+                  <a:t>El problema</a:t>
                 </a:r>
               </a:p>
               <a:p>
@@ -10029,7 +10226,7 @@
 </p:sld>
 </file>
 
-<file path=ppt/slides/slide16.xml><?xml version="1.0" encoding="utf-8"?>
+<file path=ppt/slides/slide19.xml><?xml version="1.0" encoding="utf-8"?>
 <p:sld xmlns:a="http://schemas.openxmlformats.org/drawingml/2006/main" xmlns:r="http://schemas.openxmlformats.org/officeDocument/2006/relationships" xmlns:p="http://schemas.openxmlformats.org/presentationml/2006/main">
   <p:cSld>
     <p:spTree>
@@ -10079,7 +10276,7 @@
 </p:sld>
 </file>
 
-<file path=ppt/slides/slide17.xml><?xml version="1.0" encoding="utf-8"?>
+<file path=ppt/slides/slide2.xml><?xml version="1.0" encoding="utf-8"?>
 <p:sld xmlns:a="http://schemas.openxmlformats.org/drawingml/2006/main" xmlns:r="http://schemas.openxmlformats.org/officeDocument/2006/relationships" xmlns:p="http://schemas.openxmlformats.org/presentationml/2006/main">
   <p:cSld>
     <p:spTree>
@@ -10112,42 +10309,11 @@
           <a:lstStyle/>
           <a:p>
             <a:pPr lvl="0" indent="0" marL="0">
-              <a:spcBef>
-                <a:spcPts val="3000"/>
-              </a:spcBef>
               <a:buNone/>
             </a:pPr>
             <a:r>
-              <a:rPr b="1"/>
-              <a:t>Función objetivo con costo que incluye penalidad</a:t>
-            </a:r>
-          </a:p>
-          <a:p>
-            <a:pPr lvl="0"/>
-            <a:r>
               <a:rPr/>
-              <a:t>cantidad de viviendas por segmento</a:t>
-            </a:r>
-          </a:p>
-          <a:p>
-            <a:pPr lvl="0"/>
-            <a:r>
-              <a:rPr/>
-              <a:t>cantidad de manzanas por segmento</a:t>
-            </a:r>
-          </a:p>
-          <a:p>
-            <a:pPr lvl="0"/>
-            <a:r>
-              <a:rPr/>
-              <a:t>cantidad de segmentos</a:t>
-            </a:r>
-          </a:p>
-          <a:p>
-            <a:pPr lvl="0"/>
-            <a:r>
-              <a:rPr/>
-              <a:t>cantidad de lados delimitando segmentos</a:t>
+              <a:t>class: center, inverse background-image: url(“plantilla_idera_html/img0.png”)</a:t>
             </a:r>
           </a:p>
         </p:txBody>
@@ -10157,7 +10323,7 @@
 </p:sld>
 </file>
 
-<file path=ppt/slides/slide18.xml><?xml version="1.0" encoding="utf-8"?>
+<file path=ppt/slides/slide20.xml><?xml version="1.0" encoding="utf-8"?>
 <p:sld xmlns:a="http://schemas.openxmlformats.org/drawingml/2006/main" xmlns:r="http://schemas.openxmlformats.org/officeDocument/2006/relationships" xmlns:p="http://schemas.openxmlformats.org/presentationml/2006/main">
   <p:cSld>
     <p:spTree>
@@ -10197,7 +10363,35 @@
             </a:pPr>
             <a:r>
               <a:rPr b="1"/>
-              <a:t>Espacio factible definido por vecindario de segmentación</a:t>
+              <a:t>Función objetivo con costo que incluye penalidad</a:t>
+            </a:r>
+          </a:p>
+          <a:p>
+            <a:pPr lvl="0"/>
+            <a:r>
+              <a:rPr/>
+              <a:t>cantidad de viviendas por segmento</a:t>
+            </a:r>
+          </a:p>
+          <a:p>
+            <a:pPr lvl="0"/>
+            <a:r>
+              <a:rPr/>
+              <a:t>cantidad de manzanas por segmento</a:t>
+            </a:r>
+          </a:p>
+          <a:p>
+            <a:pPr lvl="0"/>
+            <a:r>
+              <a:rPr/>
+              <a:t>cantidad de segmentos</a:t>
+            </a:r>
+          </a:p>
+          <a:p>
+            <a:pPr lvl="0"/>
+            <a:r>
+              <a:rPr/>
+              <a:t>cantidad de lados delimitando segmentos</a:t>
             </a:r>
           </a:p>
         </p:txBody>
@@ -10207,7 +10401,57 @@
 </p:sld>
 </file>
 
-<file path=ppt/slides/slide19.xml><?xml version="1.0" encoding="utf-8"?>
+<file path=ppt/slides/slide21.xml><?xml version="1.0" encoding="utf-8"?>
+<p:sld xmlns:a="http://schemas.openxmlformats.org/drawingml/2006/main" xmlns:r="http://schemas.openxmlformats.org/officeDocument/2006/relationships" xmlns:p="http://schemas.openxmlformats.org/presentationml/2006/main">
+  <p:cSld>
+    <p:spTree>
+      <p:nvGrpSpPr>
+        <p:cNvPr id="1" name=""/>
+        <p:cNvGrpSpPr/>
+        <p:nvPr/>
+      </p:nvGrpSpPr>
+      <p:grpSpPr>
+        <a:xfrm>
+          <a:off x="0" y="0"/>
+          <a:ext cx="0" cy="0"/>
+          <a:chOff x="0" y="0"/>
+          <a:chExt cx="0" cy="0"/>
+        </a:xfrm>
+      </p:grpSpPr>
+      <p:sp>
+        <p:nvSpPr>
+          <p:cNvPr id="3" name="Content Placeholder 2"/>
+          <p:cNvSpPr>
+            <a:spLocks noGrp="1"/>
+          </p:cNvSpPr>
+          <p:nvPr>
+            <p:ph idx="1"/>
+          </p:nvPr>
+        </p:nvSpPr>
+        <p:spPr/>
+        <p:txBody>
+          <a:bodyPr/>
+          <a:lstStyle/>
+          <a:p>
+            <a:pPr lvl="0" indent="0" marL="0">
+              <a:spcBef>
+                <a:spcPts val="3000"/>
+              </a:spcBef>
+              <a:buNone/>
+            </a:pPr>
+            <a:r>
+              <a:rPr b="1"/>
+              <a:t>Espacio factible definido por vecindario de segmentación</a:t>
+            </a:r>
+          </a:p>
+        </p:txBody>
+      </p:sp>
+    </p:spTree>
+  </p:cSld>
+</p:sld>
+</file>
+
+<file path=ppt/slides/slide22.xml><?xml version="1.0" encoding="utf-8"?>
 <p:sld xmlns:a="http://schemas.openxmlformats.org/drawingml/2006/main" xmlns:r="http://schemas.openxmlformats.org/officeDocument/2006/relationships" xmlns:p="http://schemas.openxmlformats.org/presentationml/2006/main">
   <p:cSld>
     <p:spTree>
@@ -10339,7 +10583,7 @@
 </p:sld>
 </file>
 
-<file path=ppt/slides/slide2.xml><?xml version="1.0" encoding="utf-8"?>
+<file path=ppt/slides/slide23.xml><?xml version="1.0" encoding="utf-8"?>
 <p:sld xmlns:a="http://schemas.openxmlformats.org/drawingml/2006/main" xmlns:r="http://schemas.openxmlformats.org/officeDocument/2006/relationships" xmlns:p="http://schemas.openxmlformats.org/presentationml/2006/main">
   <p:cSld>
     <p:spTree>
@@ -10358,53 +10602,6 @@
       </p:grpSpPr>
       <p:sp>
         <p:nvSpPr>
-          <p:cNvPr id="3" name="Content Placeholder 2"/>
-          <p:cNvSpPr>
-            <a:spLocks noGrp="1"/>
-          </p:cNvSpPr>
-          <p:nvPr>
-            <p:ph idx="1"/>
-          </p:nvPr>
-        </p:nvSpPr>
-        <p:spPr/>
-        <p:txBody>
-          <a:bodyPr/>
-          <a:lstStyle/>
-          <a:p>
-            <a:pPr lvl="0" indent="0" marL="0">
-              <a:buNone/>
-            </a:pPr>
-            <a:r>
-              <a:rPr/>
-              <a:t>class: center, inverse background-image: url(“plantilla_idera_html/img0.png”)</a:t>
-            </a:r>
-          </a:p>
-        </p:txBody>
-      </p:sp>
-    </p:spTree>
-  </p:cSld>
-</p:sld>
-</file>
-
-<file path=ppt/slides/slide20.xml><?xml version="1.0" encoding="utf-8"?>
-<p:sld xmlns:a="http://schemas.openxmlformats.org/drawingml/2006/main" xmlns:r="http://schemas.openxmlformats.org/officeDocument/2006/relationships" xmlns:p="http://schemas.openxmlformats.org/presentationml/2006/main">
-  <p:cSld>
-    <p:spTree>
-      <p:nvGrpSpPr>
-        <p:cNvPr id="1" name=""/>
-        <p:cNvGrpSpPr/>
-        <p:nvPr/>
-      </p:nvGrpSpPr>
-      <p:grpSpPr>
-        <a:xfrm>
-          <a:off x="0" y="0"/>
-          <a:ext cx="0" cy="0"/>
-          <a:chOff x="0" y="0"/>
-          <a:chExt cx="0" cy="0"/>
-        </a:xfrm>
-      </p:grpSpPr>
-      <p:sp>
-        <p:nvSpPr>
           <p:cNvPr id="2" name="Title 1"/>
           <p:cNvSpPr>
             <a:spLocks noGrp="1"/>
@@ -10461,7 +10658,7 @@
 </p:sld>
 </file>
 
-<file path=ppt/slides/slide21.xml><?xml version="1.0" encoding="utf-8"?>
+<file path=ppt/slides/slide24.xml><?xml version="1.0" encoding="utf-8"?>
 <p:sld xmlns:a="http://schemas.openxmlformats.org/drawingml/2006/main" xmlns:r="http://schemas.openxmlformats.org/officeDocument/2006/relationships" xmlns:p="http://schemas.openxmlformats.org/presentationml/2006/main">
   <p:cSld>
     <p:spTree>
@@ -10543,7 +10740,7 @@
 </p:sld>
 </file>
 
-<file path=ppt/slides/slide22.xml><?xml version="1.0" encoding="utf-8"?>
+<file path=ppt/slides/slide25.xml><?xml version="1.0" encoding="utf-8"?>
 <p:sld xmlns:a="http://schemas.openxmlformats.org/drawingml/2006/main" xmlns:r="http://schemas.openxmlformats.org/officeDocument/2006/relationships" xmlns:p="http://schemas.openxmlformats.org/presentationml/2006/main">
   <p:cSld>
     <p:spTree>
@@ -10590,7 +10787,7 @@
 </p:sld>
 </file>
 
-<file path=ppt/slides/slide23.xml><?xml version="1.0" encoding="utf-8"?>
+<file path=ppt/slides/slide26.xml><?xml version="1.0" encoding="utf-8"?>
 <p:sld xmlns:a="http://schemas.openxmlformats.org/drawingml/2006/main" xmlns:r="http://schemas.openxmlformats.org/officeDocument/2006/relationships" xmlns:p="http://schemas.openxmlformats.org/presentationml/2006/main">
   <p:cSld>
     <p:spTree>
@@ -10637,7 +10834,7 @@
 </p:sld>
 </file>
 
-<file path=ppt/slides/slide24.xml><?xml version="1.0" encoding="utf-8"?>
+<file path=ppt/slides/slide27.xml><?xml version="1.0" encoding="utf-8"?>
 <p:sld xmlns:a="http://schemas.openxmlformats.org/drawingml/2006/main" xmlns:r="http://schemas.openxmlformats.org/officeDocument/2006/relationships" xmlns:p="http://schemas.openxmlformats.org/presentationml/2006/main">
   <p:cSld>
     <p:spTree>
@@ -10744,7 +10941,7 @@
 </p:sld>
 </file>
 
-<file path=ppt/slides/slide25.xml><?xml version="1.0" encoding="utf-8"?>
+<file path=ppt/slides/slide28.xml><?xml version="1.0" encoding="utf-8"?>
 <p:sld xmlns:a="http://schemas.openxmlformats.org/drawingml/2006/main" xmlns:r="http://schemas.openxmlformats.org/officeDocument/2006/relationships" xmlns:p="http://schemas.openxmlformats.org/presentationml/2006/main">
   <p:cSld>
     <p:spTree>
@@ -10865,7 +11062,16 @@
             </a:pPr>
             <a:r>
               <a:rPr/>
-              <a:t>Es la tarea que permite subdividir el radio censal en unidades operativas menores llamadas segmentos. Para asegurar que todas las viviendas y personas sean censadas, es necesario determinar con anterioridad el área que deberán recorrer los censistas y la carga de trabajo que se le asignará a cada uno de ellos.</a:t>
+              <a:t>Es la tarea que permite subdividir el radio censal en segmentos.</a:t>
+            </a:r>
+          </a:p>
+          <a:p>
+            <a:pPr lvl="0" indent="0" marL="0">
+              <a:buNone/>
+            </a:pPr>
+            <a:r>
+              <a:rPr/>
+              <a:t>Para asegurar que todas las viviendas sean censadas, hay que determinar qué área y qué viviendas le corresponden a cada censista.</a:t>
             </a:r>
           </a:p>
         </p:txBody>
@@ -11023,7 +11229,7 @@
             </a:pPr>
             <a:r>
               <a:rPr/>
-              <a:t>población agrupada únicamente, y conformado por manzanas y/o sectores pertenecientes a una localidad.</a:t>
+              <a:t>— población agrupada únicamente, y conformado por manzanas y/o sectores pertenecientes a una localidad. —</a:t>
             </a:r>
           </a:p>
           <a:p>
@@ -11039,7 +11245,7 @@
             </a:pPr>
             <a:r>
               <a:rPr/>
-              <a:t>agrupada en pequeños poblados o en bordes amanzanados de localidades.</a:t>
+              <a:t>— agrupada en pequeños poblados o en bordes amanzanados de localidades. —</a:t>
             </a:r>
           </a:p>
         </p:txBody>
@@ -11089,21 +11295,21 @@
             </a:pPr>
             <a:r>
               <a:rPr b="1"/>
-              <a:t>Límites del segmento</a:t>
+              <a:t>Delimitación del segmento</a:t>
             </a:r>
           </a:p>
           <a:p>
             <a:pPr lvl="0"/>
             <a:r>
               <a:rPr/>
-              <a:t>Todo espacio con o sin viviendas debe estar asignado a algún segmento.</a:t>
+              <a:t>Todo espacio (con o sin viviendas) debe estar asignado a un segmento.</a:t>
             </a:r>
           </a:p>
           <a:p>
             <a:pPr lvl="0"/>
             <a:r>
               <a:rPr/>
-              <a:t>Identificar claramente Inicio y Fin de cada uno.</a:t>
+              <a:t>Identificar claramente Inicio y Fin de cada segmento.</a:t>
             </a:r>
           </a:p>
         </p:txBody>
@@ -11172,28 +11378,21 @@
             <a:pPr lvl="0"/>
             <a:r>
               <a:rPr/>
-              <a:t>recorridos discontinuo</a:t>
+              <a:t>Recorrido discontinuo</a:t>
             </a:r>
           </a:p>
           <a:p>
             <a:pPr lvl="0"/>
             <a:r>
               <a:rPr/>
-              <a:t>Cruces en diagonal</a:t>
+              <a:t>Cruce en diagonal</a:t>
             </a:r>
           </a:p>
           <a:p>
             <a:pPr lvl="0"/>
             <a:r>
               <a:rPr/>
-              <a:t>En lo posible cruces de avenidas, rutas, vías de ferrocarril o cursos de agua.</a:t>
-            </a:r>
-          </a:p>
-          <a:p>
-            <a:pPr lvl="0"/>
-            <a:r>
-              <a:rPr/>
-              <a:t>Identificar claramente INICIO y FIN de cada segmento.</a:t>
+              <a:t>“En lo posible” cruce de avenidas, rutas, vías de ferrocarril o cursos de agua.</a:t>
             </a:r>
           </a:p>
         </p:txBody>
@@ -11300,7 +11499,7 @@
             </a:pPr>
             <a:r>
               <a:rPr/>
-              <a:t>M</a:t>
+              <a:t>Mapas de análisis</a:t>
             </a:r>
           </a:p>
         </p:txBody>
@@ -11350,48 +11549,6 @@
             </a:pPr>
             <a:r>
               <a:rPr b="1"/>
-              <a:t>Descripción más precisa y Definiciones.</a:t>
-            </a:r>
-          </a:p>
-          <a:p>
-            <a:pPr lvl="0" indent="0" marL="0">
-              <a:buNone/>
-            </a:pPr>
-            <a:r>
-              <a:rPr/>
-              <a:t>Los segmentos deberán tener:</a:t>
-            </a:r>
-          </a:p>
-          <a:p>
-            <a:pPr lvl="0"/>
-            <a:r>
-              <a:rPr/>
-              <a:t>Una carga.</a:t>
-            </a:r>
-          </a:p>
-          <a:p>
-            <a:pPr lvl="0"/>
-            <a:r>
-              <a:rPr/>
-              <a:t>Continuidad.</a:t>
-            </a:r>
-          </a:p>
-          <a:p>
-            <a:pPr lvl="0"/>
-            <a:r>
-              <a:rPr/>
-              <a:t>Recorrido.</a:t>
-            </a:r>
-          </a:p>
-          <a:p>
-            <a:pPr lvl="0" indent="0" marL="0">
-              <a:spcBef>
-                <a:spcPts val="3000"/>
-              </a:spcBef>
-              <a:buNone/>
-            </a:pPr>
-            <a:r>
-              <a:rPr b="1"/>
               <a:t>Tipos de Radios Urbanos o parte Urbana de Radios Mixtos</a:t>
             </a:r>
           </a:p>
@@ -11425,52 +11582,7 @@
             <a:pPr lvl="0"/>
             <a:r>
               <a:rPr/>
-              <a:t>Combinados: situaciones intermedias algunas manzanas con pocas viviendas o algunos lados con muchas viviendas.</a:t>
-            </a:r>
-          </a:p>
-          <a:p>
-            <a:pPr lvl="0" indent="0" marL="0">
-              <a:spcBef>
-                <a:spcPts val="3000"/>
-              </a:spcBef>
-              <a:buNone/>
-            </a:pPr>
-            <a:r>
-              <a:rPr b="1"/>
-              <a:t>Algoritmos o Métodos.</a:t>
-            </a:r>
-          </a:p>
-          <a:p>
-            <a:pPr lvl="0" indent="0" marL="0">
-              <a:spcBef>
-                <a:spcPts val="3000"/>
-              </a:spcBef>
-              <a:buNone/>
-            </a:pPr>
-            <a:r>
-              <a:rPr b="1"/>
-              <a:t>Elementos disponibles, o agrupación elemental.</a:t>
-            </a:r>
-          </a:p>
-          <a:p>
-            <a:pPr lvl="0"/>
-            <a:r>
-              <a:rPr/>
-              <a:t>Conteos: lados o manzanas completas</a:t>
-            </a:r>
-          </a:p>
-          <a:p>
-            <a:pPr lvl="0"/>
-            <a:r>
-              <a:rPr/>
-              <a:t>Listados: direcciones, pisos (no puede haber más de 1 segmento por piso) recorridos o manzanas independientes</a:t>
-            </a:r>
-          </a:p>
-          <a:p>
-            <a:pPr lvl="0"/>
-            <a:r>
-              <a:rPr/>
-              <a:t>Varias combinaciones de ambos.</a:t>
+              <a:t>Combinados: situaciones intermedias, algunas manzanas con pocas viviendas o algunos lados con muchas viviendas.</a:t>
             </a:r>
           </a:p>
         </p:txBody>

--- a/IDERA/segmentos.censo2022.pptx
+++ b/IDERA/segmentos.censo2022.pptx
@@ -37,7 +37,6 @@
     <p:sldId id="280" r:id="rId32"/>
     <p:sldId id="281" r:id="rId33"/>
     <p:sldId id="282" r:id="rId34"/>
-    <p:sldId id="283" r:id="rId35"/>
   </p:sldIdLst>
   <p:sldSz cx="12192000" cy="6858000"/>
   <p:notesSz cx="7559675" cy="10691812"/>
@@ -85,7 +84,7 @@
       </p:grpSpPr>
       <p:sp>
         <p:nvSpPr>
-          <p:cNvPr id="30" name="PlaceHolder 1"/>
+          <p:cNvPr id="29" name="PlaceHolder 1"/>
           <p:cNvSpPr>
             <a:spLocks noGrp="1"/>
           </p:cNvSpPr>
@@ -95,8 +94,8 @@
         </p:nvSpPr>
         <p:spPr>
           <a:xfrm>
-            <a:off x="4251600" y="2537640"/>
-            <a:ext cx="3688200" cy="1875240"/>
+            <a:off x="2762280" y="273600"/>
+            <a:ext cx="8397720" cy="1144800"/>
           </a:xfrm>
           <a:prstGeom prst="rect">
             <a:avLst/>
@@ -114,48 +113,48 @@
       </p:sp>
       <p:sp>
         <p:nvSpPr>
-          <p:cNvPr id="31" name="PlaceHolder 2"/>
-          <p:cNvSpPr>
-            <a:spLocks noGrp="1"/>
-          </p:cNvSpPr>
-          <p:nvPr>
-            <p:ph type="body"/>
-          </p:nvPr>
-        </p:nvSpPr>
-        <p:spPr>
-          <a:xfrm>
-            <a:off x="2880000" y="1368000"/>
-            <a:ext cx="8701920" cy="2009880"/>
-          </a:xfrm>
-          <a:prstGeom prst="rect">
-            <a:avLst/>
-          </a:prstGeom>
-        </p:spPr>
-        <p:txBody>
-          <a:bodyPr lIns="0" rIns="0" tIns="0" bIns="0">
-            <a:normAutofit/>
-          </a:bodyPr>
-          <a:p>
-            <a:endParaRPr b="0" lang="es-AR" sz="3200" spc="-1" strike="noStrike">
-              <a:latin typeface="Arial"/>
-            </a:endParaRPr>
-          </a:p>
-        </p:txBody>
-      </p:sp>
-      <p:sp>
-        <p:nvSpPr>
-          <p:cNvPr id="32" name="PlaceHolder 3"/>
-          <p:cNvSpPr>
-            <a:spLocks noGrp="1"/>
-          </p:cNvSpPr>
-          <p:nvPr>
-            <p:ph type="body"/>
-          </p:nvPr>
-        </p:nvSpPr>
-        <p:spPr>
-          <a:xfrm>
-            <a:off x="2880000" y="3569040"/>
-            <a:ext cx="8701920" cy="2009880"/>
+          <p:cNvPr id="30" name="PlaceHolder 2"/>
+          <p:cNvSpPr>
+            <a:spLocks noGrp="1"/>
+          </p:cNvSpPr>
+          <p:nvPr>
+            <p:ph type="body"/>
+          </p:nvPr>
+        </p:nvSpPr>
+        <p:spPr>
+          <a:xfrm>
+            <a:off x="2304000" y="1512000"/>
+            <a:ext cx="9504000" cy="2232000"/>
+          </a:xfrm>
+          <a:prstGeom prst="rect">
+            <a:avLst/>
+          </a:prstGeom>
+        </p:spPr>
+        <p:txBody>
+          <a:bodyPr lIns="0" rIns="0" tIns="0" bIns="0">
+            <a:normAutofit/>
+          </a:bodyPr>
+          <a:p>
+            <a:endParaRPr b="0" lang="es-AR" sz="3200" spc="-1" strike="noStrike">
+              <a:latin typeface="Arial"/>
+            </a:endParaRPr>
+          </a:p>
+        </p:txBody>
+      </p:sp>
+      <p:sp>
+        <p:nvSpPr>
+          <p:cNvPr id="31" name="PlaceHolder 3"/>
+          <p:cNvSpPr>
+            <a:spLocks noGrp="1"/>
+          </p:cNvSpPr>
+          <p:nvPr>
+            <p:ph type="body"/>
+          </p:nvPr>
+        </p:nvSpPr>
+        <p:spPr>
+          <a:xfrm>
+            <a:off x="2304000" y="3956400"/>
+            <a:ext cx="9504000" cy="2232000"/>
           </a:xfrm>
           <a:prstGeom prst="rect">
             <a:avLst/>
@@ -196,7 +195,7 @@
       </p:grpSpPr>
       <p:sp>
         <p:nvSpPr>
-          <p:cNvPr id="33" name="PlaceHolder 1"/>
+          <p:cNvPr id="32" name="PlaceHolder 1"/>
           <p:cNvSpPr>
             <a:spLocks noGrp="1"/>
           </p:cNvSpPr>
@@ -206,8 +205,8 @@
         </p:nvSpPr>
         <p:spPr>
           <a:xfrm>
-            <a:off x="4251600" y="2537640"/>
-            <a:ext cx="3688200" cy="1875240"/>
+            <a:off x="2762280" y="273600"/>
+            <a:ext cx="8397720" cy="1144800"/>
           </a:xfrm>
           <a:prstGeom prst="rect">
             <a:avLst/>
@@ -225,108 +224,108 @@
       </p:sp>
       <p:sp>
         <p:nvSpPr>
-          <p:cNvPr id="34" name="PlaceHolder 2"/>
-          <p:cNvSpPr>
-            <a:spLocks noGrp="1"/>
-          </p:cNvSpPr>
-          <p:nvPr>
-            <p:ph type="body"/>
-          </p:nvPr>
-        </p:nvSpPr>
-        <p:spPr>
-          <a:xfrm>
-            <a:off x="2880000" y="1368000"/>
-            <a:ext cx="4246200" cy="2009880"/>
-          </a:xfrm>
-          <a:prstGeom prst="rect">
-            <a:avLst/>
-          </a:prstGeom>
-        </p:spPr>
-        <p:txBody>
-          <a:bodyPr lIns="0" rIns="0" tIns="0" bIns="0">
-            <a:normAutofit/>
-          </a:bodyPr>
-          <a:p>
-            <a:endParaRPr b="0" lang="es-AR" sz="3200" spc="-1" strike="noStrike">
-              <a:latin typeface="Arial"/>
-            </a:endParaRPr>
-          </a:p>
-        </p:txBody>
-      </p:sp>
-      <p:sp>
-        <p:nvSpPr>
-          <p:cNvPr id="35" name="PlaceHolder 3"/>
-          <p:cNvSpPr>
-            <a:spLocks noGrp="1"/>
-          </p:cNvSpPr>
-          <p:nvPr>
-            <p:ph type="body"/>
-          </p:nvPr>
-        </p:nvSpPr>
-        <p:spPr>
-          <a:xfrm>
-            <a:off x="7338960" y="1368000"/>
-            <a:ext cx="4246200" cy="2009880"/>
-          </a:xfrm>
-          <a:prstGeom prst="rect">
-            <a:avLst/>
-          </a:prstGeom>
-        </p:spPr>
-        <p:txBody>
-          <a:bodyPr lIns="0" rIns="0" tIns="0" bIns="0">
-            <a:normAutofit/>
-          </a:bodyPr>
-          <a:p>
-            <a:endParaRPr b="0" lang="es-AR" sz="3200" spc="-1" strike="noStrike">
-              <a:latin typeface="Arial"/>
-            </a:endParaRPr>
-          </a:p>
-        </p:txBody>
-      </p:sp>
-      <p:sp>
-        <p:nvSpPr>
-          <p:cNvPr id="36" name="PlaceHolder 4"/>
-          <p:cNvSpPr>
-            <a:spLocks noGrp="1"/>
-          </p:cNvSpPr>
-          <p:nvPr>
-            <p:ph type="body"/>
-          </p:nvPr>
-        </p:nvSpPr>
-        <p:spPr>
-          <a:xfrm>
-            <a:off x="2880000" y="3569040"/>
-            <a:ext cx="4246200" cy="2009880"/>
-          </a:xfrm>
-          <a:prstGeom prst="rect">
-            <a:avLst/>
-          </a:prstGeom>
-        </p:spPr>
-        <p:txBody>
-          <a:bodyPr lIns="0" rIns="0" tIns="0" bIns="0">
-            <a:normAutofit/>
-          </a:bodyPr>
-          <a:p>
-            <a:endParaRPr b="0" lang="es-AR" sz="3200" spc="-1" strike="noStrike">
-              <a:latin typeface="Arial"/>
-            </a:endParaRPr>
-          </a:p>
-        </p:txBody>
-      </p:sp>
-      <p:sp>
-        <p:nvSpPr>
-          <p:cNvPr id="37" name="PlaceHolder 5"/>
-          <p:cNvSpPr>
-            <a:spLocks noGrp="1"/>
-          </p:cNvSpPr>
-          <p:nvPr>
-            <p:ph type="body"/>
-          </p:nvPr>
-        </p:nvSpPr>
-        <p:spPr>
-          <a:xfrm>
-            <a:off x="7338960" y="3569040"/>
-            <a:ext cx="4246200" cy="2009880"/>
+          <p:cNvPr id="33" name="PlaceHolder 2"/>
+          <p:cNvSpPr>
+            <a:spLocks noGrp="1"/>
+          </p:cNvSpPr>
+          <p:nvPr>
+            <p:ph type="body"/>
+          </p:nvPr>
+        </p:nvSpPr>
+        <p:spPr>
+          <a:xfrm>
+            <a:off x="2304000" y="1512000"/>
+            <a:ext cx="4637880" cy="2232000"/>
+          </a:xfrm>
+          <a:prstGeom prst="rect">
+            <a:avLst/>
+          </a:prstGeom>
+        </p:spPr>
+        <p:txBody>
+          <a:bodyPr lIns="0" rIns="0" tIns="0" bIns="0">
+            <a:normAutofit/>
+          </a:bodyPr>
+          <a:p>
+            <a:endParaRPr b="0" lang="es-AR" sz="3200" spc="-1" strike="noStrike">
+              <a:latin typeface="Arial"/>
+            </a:endParaRPr>
+          </a:p>
+        </p:txBody>
+      </p:sp>
+      <p:sp>
+        <p:nvSpPr>
+          <p:cNvPr id="34" name="PlaceHolder 3"/>
+          <p:cNvSpPr>
+            <a:spLocks noGrp="1"/>
+          </p:cNvSpPr>
+          <p:nvPr>
+            <p:ph type="body"/>
+          </p:nvPr>
+        </p:nvSpPr>
+        <p:spPr>
+          <a:xfrm>
+            <a:off x="7174080" y="1512000"/>
+            <a:ext cx="4637880" cy="2232000"/>
+          </a:xfrm>
+          <a:prstGeom prst="rect">
+            <a:avLst/>
+          </a:prstGeom>
+        </p:spPr>
+        <p:txBody>
+          <a:bodyPr lIns="0" rIns="0" tIns="0" bIns="0">
+            <a:normAutofit/>
+          </a:bodyPr>
+          <a:p>
+            <a:endParaRPr b="0" lang="es-AR" sz="3200" spc="-1" strike="noStrike">
+              <a:latin typeface="Arial"/>
+            </a:endParaRPr>
+          </a:p>
+        </p:txBody>
+      </p:sp>
+      <p:sp>
+        <p:nvSpPr>
+          <p:cNvPr id="35" name="PlaceHolder 4"/>
+          <p:cNvSpPr>
+            <a:spLocks noGrp="1"/>
+          </p:cNvSpPr>
+          <p:nvPr>
+            <p:ph type="body"/>
+          </p:nvPr>
+        </p:nvSpPr>
+        <p:spPr>
+          <a:xfrm>
+            <a:off x="2304000" y="3956400"/>
+            <a:ext cx="4637880" cy="2232000"/>
+          </a:xfrm>
+          <a:prstGeom prst="rect">
+            <a:avLst/>
+          </a:prstGeom>
+        </p:spPr>
+        <p:txBody>
+          <a:bodyPr lIns="0" rIns="0" tIns="0" bIns="0">
+            <a:normAutofit/>
+          </a:bodyPr>
+          <a:p>
+            <a:endParaRPr b="0" lang="es-AR" sz="3200" spc="-1" strike="noStrike">
+              <a:latin typeface="Arial"/>
+            </a:endParaRPr>
+          </a:p>
+        </p:txBody>
+      </p:sp>
+      <p:sp>
+        <p:nvSpPr>
+          <p:cNvPr id="36" name="PlaceHolder 5"/>
+          <p:cNvSpPr>
+            <a:spLocks noGrp="1"/>
+          </p:cNvSpPr>
+          <p:nvPr>
+            <p:ph type="body"/>
+          </p:nvPr>
+        </p:nvSpPr>
+        <p:spPr>
+          <a:xfrm>
+            <a:off x="7174080" y="3956400"/>
+            <a:ext cx="4637880" cy="2232000"/>
           </a:xfrm>
           <a:prstGeom prst="rect">
             <a:avLst/>
@@ -367,7 +366,7 @@
       </p:grpSpPr>
       <p:sp>
         <p:nvSpPr>
-          <p:cNvPr id="38" name="PlaceHolder 1"/>
+          <p:cNvPr id="37" name="PlaceHolder 1"/>
           <p:cNvSpPr>
             <a:spLocks noGrp="1"/>
           </p:cNvSpPr>
@@ -377,8 +376,8 @@
         </p:nvSpPr>
         <p:spPr>
           <a:xfrm>
-            <a:off x="4251600" y="2537640"/>
-            <a:ext cx="3688200" cy="1875240"/>
+            <a:off x="2762280" y="273600"/>
+            <a:ext cx="8397720" cy="1144800"/>
           </a:xfrm>
           <a:prstGeom prst="rect">
             <a:avLst/>
@@ -396,168 +395,168 @@
       </p:sp>
       <p:sp>
         <p:nvSpPr>
-          <p:cNvPr id="39" name="PlaceHolder 2"/>
-          <p:cNvSpPr>
-            <a:spLocks noGrp="1"/>
-          </p:cNvSpPr>
-          <p:nvPr>
-            <p:ph type="body"/>
-          </p:nvPr>
-        </p:nvSpPr>
-        <p:spPr>
-          <a:xfrm>
-            <a:off x="2880000" y="1368000"/>
-            <a:ext cx="2801880" cy="2009880"/>
-          </a:xfrm>
-          <a:prstGeom prst="rect">
-            <a:avLst/>
-          </a:prstGeom>
-        </p:spPr>
-        <p:txBody>
-          <a:bodyPr lIns="0" rIns="0" tIns="0" bIns="0">
-            <a:normAutofit/>
-          </a:bodyPr>
-          <a:p>
-            <a:endParaRPr b="0" lang="es-AR" sz="3200" spc="-1" strike="noStrike">
-              <a:latin typeface="Arial"/>
-            </a:endParaRPr>
-          </a:p>
-        </p:txBody>
-      </p:sp>
-      <p:sp>
-        <p:nvSpPr>
-          <p:cNvPr id="40" name="PlaceHolder 3"/>
-          <p:cNvSpPr>
-            <a:spLocks noGrp="1"/>
-          </p:cNvSpPr>
-          <p:nvPr>
-            <p:ph type="body"/>
-          </p:nvPr>
-        </p:nvSpPr>
-        <p:spPr>
-          <a:xfrm>
-            <a:off x="5822280" y="1368000"/>
-            <a:ext cx="2801880" cy="2009880"/>
-          </a:xfrm>
-          <a:prstGeom prst="rect">
-            <a:avLst/>
-          </a:prstGeom>
-        </p:spPr>
-        <p:txBody>
-          <a:bodyPr lIns="0" rIns="0" tIns="0" bIns="0">
-            <a:normAutofit/>
-          </a:bodyPr>
-          <a:p>
-            <a:endParaRPr b="0" lang="es-AR" sz="3200" spc="-1" strike="noStrike">
-              <a:latin typeface="Arial"/>
-            </a:endParaRPr>
-          </a:p>
-        </p:txBody>
-      </p:sp>
-      <p:sp>
-        <p:nvSpPr>
-          <p:cNvPr id="41" name="PlaceHolder 4"/>
-          <p:cNvSpPr>
-            <a:spLocks noGrp="1"/>
-          </p:cNvSpPr>
-          <p:nvPr>
-            <p:ph type="body"/>
-          </p:nvPr>
-        </p:nvSpPr>
-        <p:spPr>
-          <a:xfrm>
-            <a:off x="8764560" y="1368000"/>
-            <a:ext cx="2801880" cy="2009880"/>
-          </a:xfrm>
-          <a:prstGeom prst="rect">
-            <a:avLst/>
-          </a:prstGeom>
-        </p:spPr>
-        <p:txBody>
-          <a:bodyPr lIns="0" rIns="0" tIns="0" bIns="0">
-            <a:normAutofit/>
-          </a:bodyPr>
-          <a:p>
-            <a:endParaRPr b="0" lang="es-AR" sz="3200" spc="-1" strike="noStrike">
-              <a:latin typeface="Arial"/>
-            </a:endParaRPr>
-          </a:p>
-        </p:txBody>
-      </p:sp>
-      <p:sp>
-        <p:nvSpPr>
-          <p:cNvPr id="42" name="PlaceHolder 5"/>
-          <p:cNvSpPr>
-            <a:spLocks noGrp="1"/>
-          </p:cNvSpPr>
-          <p:nvPr>
-            <p:ph type="body"/>
-          </p:nvPr>
-        </p:nvSpPr>
-        <p:spPr>
-          <a:xfrm>
-            <a:off x="2880000" y="3569040"/>
-            <a:ext cx="2801880" cy="2009880"/>
-          </a:xfrm>
-          <a:prstGeom prst="rect">
-            <a:avLst/>
-          </a:prstGeom>
-        </p:spPr>
-        <p:txBody>
-          <a:bodyPr lIns="0" rIns="0" tIns="0" bIns="0">
-            <a:normAutofit/>
-          </a:bodyPr>
-          <a:p>
-            <a:endParaRPr b="0" lang="es-AR" sz="3200" spc="-1" strike="noStrike">
-              <a:latin typeface="Arial"/>
-            </a:endParaRPr>
-          </a:p>
-        </p:txBody>
-      </p:sp>
-      <p:sp>
-        <p:nvSpPr>
-          <p:cNvPr id="43" name="PlaceHolder 6"/>
-          <p:cNvSpPr>
-            <a:spLocks noGrp="1"/>
-          </p:cNvSpPr>
-          <p:nvPr>
-            <p:ph type="body"/>
-          </p:nvPr>
-        </p:nvSpPr>
-        <p:spPr>
-          <a:xfrm>
-            <a:off x="5822280" y="3569040"/>
-            <a:ext cx="2801880" cy="2009880"/>
-          </a:xfrm>
-          <a:prstGeom prst="rect">
-            <a:avLst/>
-          </a:prstGeom>
-        </p:spPr>
-        <p:txBody>
-          <a:bodyPr lIns="0" rIns="0" tIns="0" bIns="0">
-            <a:normAutofit/>
-          </a:bodyPr>
-          <a:p>
-            <a:endParaRPr b="0" lang="es-AR" sz="3200" spc="-1" strike="noStrike">
-              <a:latin typeface="Arial"/>
-            </a:endParaRPr>
-          </a:p>
-        </p:txBody>
-      </p:sp>
-      <p:sp>
-        <p:nvSpPr>
-          <p:cNvPr id="44" name="PlaceHolder 7"/>
-          <p:cNvSpPr>
-            <a:spLocks noGrp="1"/>
-          </p:cNvSpPr>
-          <p:nvPr>
-            <p:ph type="body"/>
-          </p:nvPr>
-        </p:nvSpPr>
-        <p:spPr>
-          <a:xfrm>
-            <a:off x="8764560" y="3569040"/>
-            <a:ext cx="2801880" cy="2009880"/>
+          <p:cNvPr id="38" name="PlaceHolder 2"/>
+          <p:cNvSpPr>
+            <a:spLocks noGrp="1"/>
+          </p:cNvSpPr>
+          <p:nvPr>
+            <p:ph type="body"/>
+          </p:nvPr>
+        </p:nvSpPr>
+        <p:spPr>
+          <a:xfrm>
+            <a:off x="2304000" y="1512000"/>
+            <a:ext cx="3060000" cy="2232000"/>
+          </a:xfrm>
+          <a:prstGeom prst="rect">
+            <a:avLst/>
+          </a:prstGeom>
+        </p:spPr>
+        <p:txBody>
+          <a:bodyPr lIns="0" rIns="0" tIns="0" bIns="0">
+            <a:normAutofit/>
+          </a:bodyPr>
+          <a:p>
+            <a:endParaRPr b="0" lang="es-AR" sz="3200" spc="-1" strike="noStrike">
+              <a:latin typeface="Arial"/>
+            </a:endParaRPr>
+          </a:p>
+        </p:txBody>
+      </p:sp>
+      <p:sp>
+        <p:nvSpPr>
+          <p:cNvPr id="39" name="PlaceHolder 3"/>
+          <p:cNvSpPr>
+            <a:spLocks noGrp="1"/>
+          </p:cNvSpPr>
+          <p:nvPr>
+            <p:ph type="body"/>
+          </p:nvPr>
+        </p:nvSpPr>
+        <p:spPr>
+          <a:xfrm>
+            <a:off x="5517360" y="1512000"/>
+            <a:ext cx="3060000" cy="2232000"/>
+          </a:xfrm>
+          <a:prstGeom prst="rect">
+            <a:avLst/>
+          </a:prstGeom>
+        </p:spPr>
+        <p:txBody>
+          <a:bodyPr lIns="0" rIns="0" tIns="0" bIns="0">
+            <a:normAutofit/>
+          </a:bodyPr>
+          <a:p>
+            <a:endParaRPr b="0" lang="es-AR" sz="3200" spc="-1" strike="noStrike">
+              <a:latin typeface="Arial"/>
+            </a:endParaRPr>
+          </a:p>
+        </p:txBody>
+      </p:sp>
+      <p:sp>
+        <p:nvSpPr>
+          <p:cNvPr id="40" name="PlaceHolder 4"/>
+          <p:cNvSpPr>
+            <a:spLocks noGrp="1"/>
+          </p:cNvSpPr>
+          <p:nvPr>
+            <p:ph type="body"/>
+          </p:nvPr>
+        </p:nvSpPr>
+        <p:spPr>
+          <a:xfrm>
+            <a:off x="8730720" y="1512000"/>
+            <a:ext cx="3060000" cy="2232000"/>
+          </a:xfrm>
+          <a:prstGeom prst="rect">
+            <a:avLst/>
+          </a:prstGeom>
+        </p:spPr>
+        <p:txBody>
+          <a:bodyPr lIns="0" rIns="0" tIns="0" bIns="0">
+            <a:normAutofit/>
+          </a:bodyPr>
+          <a:p>
+            <a:endParaRPr b="0" lang="es-AR" sz="3200" spc="-1" strike="noStrike">
+              <a:latin typeface="Arial"/>
+            </a:endParaRPr>
+          </a:p>
+        </p:txBody>
+      </p:sp>
+      <p:sp>
+        <p:nvSpPr>
+          <p:cNvPr id="41" name="PlaceHolder 5"/>
+          <p:cNvSpPr>
+            <a:spLocks noGrp="1"/>
+          </p:cNvSpPr>
+          <p:nvPr>
+            <p:ph type="body"/>
+          </p:nvPr>
+        </p:nvSpPr>
+        <p:spPr>
+          <a:xfrm>
+            <a:off x="2304000" y="3956400"/>
+            <a:ext cx="3060000" cy="2232000"/>
+          </a:xfrm>
+          <a:prstGeom prst="rect">
+            <a:avLst/>
+          </a:prstGeom>
+        </p:spPr>
+        <p:txBody>
+          <a:bodyPr lIns="0" rIns="0" tIns="0" bIns="0">
+            <a:normAutofit/>
+          </a:bodyPr>
+          <a:p>
+            <a:endParaRPr b="0" lang="es-AR" sz="3200" spc="-1" strike="noStrike">
+              <a:latin typeface="Arial"/>
+            </a:endParaRPr>
+          </a:p>
+        </p:txBody>
+      </p:sp>
+      <p:sp>
+        <p:nvSpPr>
+          <p:cNvPr id="42" name="PlaceHolder 6"/>
+          <p:cNvSpPr>
+            <a:spLocks noGrp="1"/>
+          </p:cNvSpPr>
+          <p:nvPr>
+            <p:ph type="body"/>
+          </p:nvPr>
+        </p:nvSpPr>
+        <p:spPr>
+          <a:xfrm>
+            <a:off x="5517360" y="3956400"/>
+            <a:ext cx="3060000" cy="2232000"/>
+          </a:xfrm>
+          <a:prstGeom prst="rect">
+            <a:avLst/>
+          </a:prstGeom>
+        </p:spPr>
+        <p:txBody>
+          <a:bodyPr lIns="0" rIns="0" tIns="0" bIns="0">
+            <a:normAutofit/>
+          </a:bodyPr>
+          <a:p>
+            <a:endParaRPr b="0" lang="es-AR" sz="3200" spc="-1" strike="noStrike">
+              <a:latin typeface="Arial"/>
+            </a:endParaRPr>
+          </a:p>
+        </p:txBody>
+      </p:sp>
+      <p:sp>
+        <p:nvSpPr>
+          <p:cNvPr id="43" name="PlaceHolder 7"/>
+          <p:cNvSpPr>
+            <a:spLocks noGrp="1"/>
+          </p:cNvSpPr>
+          <p:nvPr>
+            <p:ph type="body"/>
+          </p:nvPr>
+        </p:nvSpPr>
+        <p:spPr>
+          <a:xfrm>
+            <a:off x="8730720" y="3956400"/>
+            <a:ext cx="3060000" cy="2232000"/>
           </a:xfrm>
           <a:prstGeom prst="rect">
             <a:avLst/>
@@ -620,7 +619,7 @@
       </p:grpSpPr>
       <p:sp>
         <p:nvSpPr>
-          <p:cNvPr id="51" name="PlaceHolder 1"/>
+          <p:cNvPr id="53" name="PlaceHolder 1"/>
           <p:cNvSpPr>
             <a:spLocks noGrp="1"/>
           </p:cNvSpPr>
@@ -630,8 +629,8 @@
         </p:nvSpPr>
         <p:spPr>
           <a:xfrm>
-            <a:off x="4251600" y="2537640"/>
-            <a:ext cx="3688200" cy="1875240"/>
+            <a:off x="2762280" y="273600"/>
+            <a:ext cx="8397720" cy="1144800"/>
           </a:xfrm>
           <a:prstGeom prst="rect">
             <a:avLst/>
@@ -649,7 +648,7 @@
       </p:sp>
       <p:sp>
         <p:nvSpPr>
-          <p:cNvPr id="52" name="PlaceHolder 2"/>
+          <p:cNvPr id="54" name="PlaceHolder 2"/>
           <p:cNvSpPr>
             <a:spLocks noGrp="1"/>
           </p:cNvSpPr>
@@ -659,8 +658,8 @@
         </p:nvSpPr>
         <p:spPr>
           <a:xfrm>
-            <a:off x="2880000" y="1368000"/>
-            <a:ext cx="8701920" cy="4213800"/>
+            <a:off x="2304000" y="1512000"/>
+            <a:ext cx="9504000" cy="4680000"/>
           </a:xfrm>
           <a:prstGeom prst="rect">
             <a:avLst/>
@@ -700,7 +699,7 @@
       </p:grpSpPr>
       <p:sp>
         <p:nvSpPr>
-          <p:cNvPr id="53" name="PlaceHolder 1"/>
+          <p:cNvPr id="55" name="PlaceHolder 1"/>
           <p:cNvSpPr>
             <a:spLocks noGrp="1"/>
           </p:cNvSpPr>
@@ -710,8 +709,8 @@
         </p:nvSpPr>
         <p:spPr>
           <a:xfrm>
-            <a:off x="4251600" y="2537640"/>
-            <a:ext cx="3688200" cy="1875240"/>
+            <a:off x="2762280" y="273600"/>
+            <a:ext cx="8397720" cy="1144800"/>
           </a:xfrm>
           <a:prstGeom prst="rect">
             <a:avLst/>
@@ -729,18 +728,18 @@
       </p:sp>
       <p:sp>
         <p:nvSpPr>
-          <p:cNvPr id="54" name="PlaceHolder 2"/>
-          <p:cNvSpPr>
-            <a:spLocks noGrp="1"/>
-          </p:cNvSpPr>
-          <p:nvPr>
-            <p:ph type="body"/>
-          </p:nvPr>
-        </p:nvSpPr>
-        <p:spPr>
-          <a:xfrm>
-            <a:off x="2880000" y="1368000"/>
-            <a:ext cx="8701920" cy="4213800"/>
+          <p:cNvPr id="56" name="PlaceHolder 2"/>
+          <p:cNvSpPr>
+            <a:spLocks noGrp="1"/>
+          </p:cNvSpPr>
+          <p:nvPr>
+            <p:ph type="body"/>
+          </p:nvPr>
+        </p:nvSpPr>
+        <p:spPr>
+          <a:xfrm>
+            <a:off x="2304000" y="1512000"/>
+            <a:ext cx="9504000" cy="4680000"/>
           </a:xfrm>
           <a:prstGeom prst="rect">
             <a:avLst/>
@@ -781,7 +780,7 @@
       </p:grpSpPr>
       <p:sp>
         <p:nvSpPr>
-          <p:cNvPr id="55" name="PlaceHolder 1"/>
+          <p:cNvPr id="57" name="PlaceHolder 1"/>
           <p:cNvSpPr>
             <a:spLocks noGrp="1"/>
           </p:cNvSpPr>
@@ -791,8 +790,8 @@
         </p:nvSpPr>
         <p:spPr>
           <a:xfrm>
-            <a:off x="4251600" y="2537640"/>
-            <a:ext cx="3688200" cy="1875240"/>
+            <a:off x="2762280" y="273600"/>
+            <a:ext cx="8397720" cy="1144800"/>
           </a:xfrm>
           <a:prstGeom prst="rect">
             <a:avLst/>
@@ -810,48 +809,48 @@
       </p:sp>
       <p:sp>
         <p:nvSpPr>
-          <p:cNvPr id="56" name="PlaceHolder 2"/>
-          <p:cNvSpPr>
-            <a:spLocks noGrp="1"/>
-          </p:cNvSpPr>
-          <p:nvPr>
-            <p:ph type="body"/>
-          </p:nvPr>
-        </p:nvSpPr>
-        <p:spPr>
-          <a:xfrm>
-            <a:off x="2880000" y="1368000"/>
-            <a:ext cx="4246200" cy="4213800"/>
-          </a:xfrm>
-          <a:prstGeom prst="rect">
-            <a:avLst/>
-          </a:prstGeom>
-        </p:spPr>
-        <p:txBody>
-          <a:bodyPr lIns="0" rIns="0" tIns="0" bIns="0">
-            <a:normAutofit/>
-          </a:bodyPr>
-          <a:p>
-            <a:endParaRPr b="0" lang="es-AR" sz="3200" spc="-1" strike="noStrike">
-              <a:latin typeface="Arial"/>
-            </a:endParaRPr>
-          </a:p>
-        </p:txBody>
-      </p:sp>
-      <p:sp>
-        <p:nvSpPr>
-          <p:cNvPr id="57" name="PlaceHolder 3"/>
-          <p:cNvSpPr>
-            <a:spLocks noGrp="1"/>
-          </p:cNvSpPr>
-          <p:nvPr>
-            <p:ph type="body"/>
-          </p:nvPr>
-        </p:nvSpPr>
-        <p:spPr>
-          <a:xfrm>
-            <a:off x="7338960" y="1368000"/>
-            <a:ext cx="4246200" cy="4213800"/>
+          <p:cNvPr id="58" name="PlaceHolder 2"/>
+          <p:cNvSpPr>
+            <a:spLocks noGrp="1"/>
+          </p:cNvSpPr>
+          <p:nvPr>
+            <p:ph type="body"/>
+          </p:nvPr>
+        </p:nvSpPr>
+        <p:spPr>
+          <a:xfrm>
+            <a:off x="2304000" y="1512000"/>
+            <a:ext cx="4637880" cy="4680000"/>
+          </a:xfrm>
+          <a:prstGeom prst="rect">
+            <a:avLst/>
+          </a:prstGeom>
+        </p:spPr>
+        <p:txBody>
+          <a:bodyPr lIns="0" rIns="0" tIns="0" bIns="0">
+            <a:normAutofit/>
+          </a:bodyPr>
+          <a:p>
+            <a:endParaRPr b="0" lang="es-AR" sz="3200" spc="-1" strike="noStrike">
+              <a:latin typeface="Arial"/>
+            </a:endParaRPr>
+          </a:p>
+        </p:txBody>
+      </p:sp>
+      <p:sp>
+        <p:nvSpPr>
+          <p:cNvPr id="59" name="PlaceHolder 3"/>
+          <p:cNvSpPr>
+            <a:spLocks noGrp="1"/>
+          </p:cNvSpPr>
+          <p:nvPr>
+            <p:ph type="body"/>
+          </p:nvPr>
+        </p:nvSpPr>
+        <p:spPr>
+          <a:xfrm>
+            <a:off x="7174080" y="1512000"/>
+            <a:ext cx="4637880" cy="4680000"/>
           </a:xfrm>
           <a:prstGeom prst="rect">
             <a:avLst/>
@@ -892,7 +891,7 @@
       </p:grpSpPr>
       <p:sp>
         <p:nvSpPr>
-          <p:cNvPr id="58" name="PlaceHolder 1"/>
+          <p:cNvPr id="60" name="PlaceHolder 1"/>
           <p:cNvSpPr>
             <a:spLocks noGrp="1"/>
           </p:cNvSpPr>
@@ -902,8 +901,8 @@
         </p:nvSpPr>
         <p:spPr>
           <a:xfrm>
-            <a:off x="4251600" y="2537640"/>
-            <a:ext cx="3688200" cy="1875240"/>
+            <a:off x="2762280" y="273600"/>
+            <a:ext cx="8397720" cy="1144800"/>
           </a:xfrm>
           <a:prstGeom prst="rect">
             <a:avLst/>
@@ -943,7 +942,7 @@
       </p:grpSpPr>
       <p:sp>
         <p:nvSpPr>
-          <p:cNvPr id="59" name="PlaceHolder 1"/>
+          <p:cNvPr id="61" name="PlaceHolder 1"/>
           <p:cNvSpPr>
             <a:spLocks noGrp="1"/>
           </p:cNvSpPr>
@@ -953,8 +952,8 @@
         </p:nvSpPr>
         <p:spPr>
           <a:xfrm>
-            <a:off x="4251600" y="2924640"/>
-            <a:ext cx="3688200" cy="5104440"/>
+            <a:off x="2762280" y="273600"/>
+            <a:ext cx="8397720" cy="5307840"/>
           </a:xfrm>
           <a:prstGeom prst="rect">
             <a:avLst/>
@@ -994,7 +993,7 @@
       </p:grpSpPr>
       <p:sp>
         <p:nvSpPr>
-          <p:cNvPr id="60" name="PlaceHolder 1"/>
+          <p:cNvPr id="62" name="PlaceHolder 1"/>
           <p:cNvSpPr>
             <a:spLocks noGrp="1"/>
           </p:cNvSpPr>
@@ -1004,8 +1003,8 @@
         </p:nvSpPr>
         <p:spPr>
           <a:xfrm>
-            <a:off x="4251600" y="2537640"/>
-            <a:ext cx="3688200" cy="1875240"/>
+            <a:off x="2762280" y="273600"/>
+            <a:ext cx="8397720" cy="1144800"/>
           </a:xfrm>
           <a:prstGeom prst="rect">
             <a:avLst/>
@@ -1023,78 +1022,78 @@
       </p:sp>
       <p:sp>
         <p:nvSpPr>
-          <p:cNvPr id="61" name="PlaceHolder 2"/>
-          <p:cNvSpPr>
-            <a:spLocks noGrp="1"/>
-          </p:cNvSpPr>
-          <p:nvPr>
-            <p:ph type="body"/>
-          </p:nvPr>
-        </p:nvSpPr>
-        <p:spPr>
-          <a:xfrm>
-            <a:off x="2880000" y="1368000"/>
-            <a:ext cx="4246200" cy="2009880"/>
-          </a:xfrm>
-          <a:prstGeom prst="rect">
-            <a:avLst/>
-          </a:prstGeom>
-        </p:spPr>
-        <p:txBody>
-          <a:bodyPr lIns="0" rIns="0" tIns="0" bIns="0">
-            <a:normAutofit/>
-          </a:bodyPr>
-          <a:p>
-            <a:endParaRPr b="0" lang="es-AR" sz="3200" spc="-1" strike="noStrike">
-              <a:latin typeface="Arial"/>
-            </a:endParaRPr>
-          </a:p>
-        </p:txBody>
-      </p:sp>
-      <p:sp>
-        <p:nvSpPr>
-          <p:cNvPr id="62" name="PlaceHolder 3"/>
-          <p:cNvSpPr>
-            <a:spLocks noGrp="1"/>
-          </p:cNvSpPr>
-          <p:nvPr>
-            <p:ph type="body"/>
-          </p:nvPr>
-        </p:nvSpPr>
-        <p:spPr>
-          <a:xfrm>
-            <a:off x="7338960" y="1368000"/>
-            <a:ext cx="4246200" cy="4213800"/>
-          </a:xfrm>
-          <a:prstGeom prst="rect">
-            <a:avLst/>
-          </a:prstGeom>
-        </p:spPr>
-        <p:txBody>
-          <a:bodyPr lIns="0" rIns="0" tIns="0" bIns="0">
-            <a:normAutofit/>
-          </a:bodyPr>
-          <a:p>
-            <a:endParaRPr b="0" lang="es-AR" sz="3200" spc="-1" strike="noStrike">
-              <a:latin typeface="Arial"/>
-            </a:endParaRPr>
-          </a:p>
-        </p:txBody>
-      </p:sp>
-      <p:sp>
-        <p:nvSpPr>
-          <p:cNvPr id="63" name="PlaceHolder 4"/>
-          <p:cNvSpPr>
-            <a:spLocks noGrp="1"/>
-          </p:cNvSpPr>
-          <p:nvPr>
-            <p:ph type="body"/>
-          </p:nvPr>
-        </p:nvSpPr>
-        <p:spPr>
-          <a:xfrm>
-            <a:off x="2880000" y="3569040"/>
-            <a:ext cx="4246200" cy="2009880"/>
+          <p:cNvPr id="63" name="PlaceHolder 2"/>
+          <p:cNvSpPr>
+            <a:spLocks noGrp="1"/>
+          </p:cNvSpPr>
+          <p:nvPr>
+            <p:ph type="body"/>
+          </p:nvPr>
+        </p:nvSpPr>
+        <p:spPr>
+          <a:xfrm>
+            <a:off x="2304000" y="1512000"/>
+            <a:ext cx="4637880" cy="2232000"/>
+          </a:xfrm>
+          <a:prstGeom prst="rect">
+            <a:avLst/>
+          </a:prstGeom>
+        </p:spPr>
+        <p:txBody>
+          <a:bodyPr lIns="0" rIns="0" tIns="0" bIns="0">
+            <a:normAutofit/>
+          </a:bodyPr>
+          <a:p>
+            <a:endParaRPr b="0" lang="es-AR" sz="3200" spc="-1" strike="noStrike">
+              <a:latin typeface="Arial"/>
+            </a:endParaRPr>
+          </a:p>
+        </p:txBody>
+      </p:sp>
+      <p:sp>
+        <p:nvSpPr>
+          <p:cNvPr id="64" name="PlaceHolder 3"/>
+          <p:cNvSpPr>
+            <a:spLocks noGrp="1"/>
+          </p:cNvSpPr>
+          <p:nvPr>
+            <p:ph type="body"/>
+          </p:nvPr>
+        </p:nvSpPr>
+        <p:spPr>
+          <a:xfrm>
+            <a:off x="7174080" y="1512000"/>
+            <a:ext cx="4637880" cy="4680000"/>
+          </a:xfrm>
+          <a:prstGeom prst="rect">
+            <a:avLst/>
+          </a:prstGeom>
+        </p:spPr>
+        <p:txBody>
+          <a:bodyPr lIns="0" rIns="0" tIns="0" bIns="0">
+            <a:normAutofit/>
+          </a:bodyPr>
+          <a:p>
+            <a:endParaRPr b="0" lang="es-AR" sz="3200" spc="-1" strike="noStrike">
+              <a:latin typeface="Arial"/>
+            </a:endParaRPr>
+          </a:p>
+        </p:txBody>
+      </p:sp>
+      <p:sp>
+        <p:nvSpPr>
+          <p:cNvPr id="65" name="PlaceHolder 4"/>
+          <p:cNvSpPr>
+            <a:spLocks noGrp="1"/>
+          </p:cNvSpPr>
+          <p:nvPr>
+            <p:ph type="body"/>
+          </p:nvPr>
+        </p:nvSpPr>
+        <p:spPr>
+          <a:xfrm>
+            <a:off x="2304000" y="3956400"/>
+            <a:ext cx="4637880" cy="2232000"/>
           </a:xfrm>
           <a:prstGeom prst="rect">
             <a:avLst/>
@@ -1303,7 +1302,7 @@
       </p:grpSpPr>
       <p:sp>
         <p:nvSpPr>
-          <p:cNvPr id="64" name="PlaceHolder 1"/>
+          <p:cNvPr id="66" name="PlaceHolder 1"/>
           <p:cNvSpPr>
             <a:spLocks noGrp="1"/>
           </p:cNvSpPr>
@@ -1313,8 +1312,8 @@
         </p:nvSpPr>
         <p:spPr>
           <a:xfrm>
-            <a:off x="4251600" y="2537640"/>
-            <a:ext cx="3688200" cy="1875240"/>
+            <a:off x="2762280" y="273600"/>
+            <a:ext cx="8397720" cy="1144800"/>
           </a:xfrm>
           <a:prstGeom prst="rect">
             <a:avLst/>
@@ -1332,78 +1331,78 @@
       </p:sp>
       <p:sp>
         <p:nvSpPr>
-          <p:cNvPr id="65" name="PlaceHolder 2"/>
-          <p:cNvSpPr>
-            <a:spLocks noGrp="1"/>
-          </p:cNvSpPr>
-          <p:nvPr>
-            <p:ph type="body"/>
-          </p:nvPr>
-        </p:nvSpPr>
-        <p:spPr>
-          <a:xfrm>
-            <a:off x="2880000" y="1368000"/>
-            <a:ext cx="4246200" cy="4213800"/>
-          </a:xfrm>
-          <a:prstGeom prst="rect">
-            <a:avLst/>
-          </a:prstGeom>
-        </p:spPr>
-        <p:txBody>
-          <a:bodyPr lIns="0" rIns="0" tIns="0" bIns="0">
-            <a:normAutofit/>
-          </a:bodyPr>
-          <a:p>
-            <a:endParaRPr b="0" lang="es-AR" sz="3200" spc="-1" strike="noStrike">
-              <a:latin typeface="Arial"/>
-            </a:endParaRPr>
-          </a:p>
-        </p:txBody>
-      </p:sp>
-      <p:sp>
-        <p:nvSpPr>
-          <p:cNvPr id="66" name="PlaceHolder 3"/>
-          <p:cNvSpPr>
-            <a:spLocks noGrp="1"/>
-          </p:cNvSpPr>
-          <p:nvPr>
-            <p:ph type="body"/>
-          </p:nvPr>
-        </p:nvSpPr>
-        <p:spPr>
-          <a:xfrm>
-            <a:off x="7338960" y="1368000"/>
-            <a:ext cx="4246200" cy="2009880"/>
-          </a:xfrm>
-          <a:prstGeom prst="rect">
-            <a:avLst/>
-          </a:prstGeom>
-        </p:spPr>
-        <p:txBody>
-          <a:bodyPr lIns="0" rIns="0" tIns="0" bIns="0">
-            <a:normAutofit/>
-          </a:bodyPr>
-          <a:p>
-            <a:endParaRPr b="0" lang="es-AR" sz="3200" spc="-1" strike="noStrike">
-              <a:latin typeface="Arial"/>
-            </a:endParaRPr>
-          </a:p>
-        </p:txBody>
-      </p:sp>
-      <p:sp>
-        <p:nvSpPr>
-          <p:cNvPr id="67" name="PlaceHolder 4"/>
-          <p:cNvSpPr>
-            <a:spLocks noGrp="1"/>
-          </p:cNvSpPr>
-          <p:nvPr>
-            <p:ph type="body"/>
-          </p:nvPr>
-        </p:nvSpPr>
-        <p:spPr>
-          <a:xfrm>
-            <a:off x="7338960" y="3569040"/>
-            <a:ext cx="4246200" cy="2009880"/>
+          <p:cNvPr id="67" name="PlaceHolder 2"/>
+          <p:cNvSpPr>
+            <a:spLocks noGrp="1"/>
+          </p:cNvSpPr>
+          <p:nvPr>
+            <p:ph type="body"/>
+          </p:nvPr>
+        </p:nvSpPr>
+        <p:spPr>
+          <a:xfrm>
+            <a:off x="2304000" y="1512000"/>
+            <a:ext cx="4637880" cy="4680000"/>
+          </a:xfrm>
+          <a:prstGeom prst="rect">
+            <a:avLst/>
+          </a:prstGeom>
+        </p:spPr>
+        <p:txBody>
+          <a:bodyPr lIns="0" rIns="0" tIns="0" bIns="0">
+            <a:normAutofit/>
+          </a:bodyPr>
+          <a:p>
+            <a:endParaRPr b="0" lang="es-AR" sz="3200" spc="-1" strike="noStrike">
+              <a:latin typeface="Arial"/>
+            </a:endParaRPr>
+          </a:p>
+        </p:txBody>
+      </p:sp>
+      <p:sp>
+        <p:nvSpPr>
+          <p:cNvPr id="68" name="PlaceHolder 3"/>
+          <p:cNvSpPr>
+            <a:spLocks noGrp="1"/>
+          </p:cNvSpPr>
+          <p:nvPr>
+            <p:ph type="body"/>
+          </p:nvPr>
+        </p:nvSpPr>
+        <p:spPr>
+          <a:xfrm>
+            <a:off x="7174080" y="1512000"/>
+            <a:ext cx="4637880" cy="2232000"/>
+          </a:xfrm>
+          <a:prstGeom prst="rect">
+            <a:avLst/>
+          </a:prstGeom>
+        </p:spPr>
+        <p:txBody>
+          <a:bodyPr lIns="0" rIns="0" tIns="0" bIns="0">
+            <a:normAutofit/>
+          </a:bodyPr>
+          <a:p>
+            <a:endParaRPr b="0" lang="es-AR" sz="3200" spc="-1" strike="noStrike">
+              <a:latin typeface="Arial"/>
+            </a:endParaRPr>
+          </a:p>
+        </p:txBody>
+      </p:sp>
+      <p:sp>
+        <p:nvSpPr>
+          <p:cNvPr id="69" name="PlaceHolder 4"/>
+          <p:cNvSpPr>
+            <a:spLocks noGrp="1"/>
+          </p:cNvSpPr>
+          <p:nvPr>
+            <p:ph type="body"/>
+          </p:nvPr>
+        </p:nvSpPr>
+        <p:spPr>
+          <a:xfrm>
+            <a:off x="7174080" y="3956400"/>
+            <a:ext cx="4637880" cy="2232000"/>
           </a:xfrm>
           <a:prstGeom prst="rect">
             <a:avLst/>
@@ -1444,7 +1443,7 @@
       </p:grpSpPr>
       <p:sp>
         <p:nvSpPr>
-          <p:cNvPr id="68" name="PlaceHolder 1"/>
+          <p:cNvPr id="70" name="PlaceHolder 1"/>
           <p:cNvSpPr>
             <a:spLocks noGrp="1"/>
           </p:cNvSpPr>
@@ -1454,8 +1453,8 @@
         </p:nvSpPr>
         <p:spPr>
           <a:xfrm>
-            <a:off x="4251600" y="2537640"/>
-            <a:ext cx="3688200" cy="1875240"/>
+            <a:off x="2762280" y="273600"/>
+            <a:ext cx="8397720" cy="1144800"/>
           </a:xfrm>
           <a:prstGeom prst="rect">
             <a:avLst/>
@@ -1473,78 +1472,78 @@
       </p:sp>
       <p:sp>
         <p:nvSpPr>
-          <p:cNvPr id="69" name="PlaceHolder 2"/>
-          <p:cNvSpPr>
-            <a:spLocks noGrp="1"/>
-          </p:cNvSpPr>
-          <p:nvPr>
-            <p:ph type="body"/>
-          </p:nvPr>
-        </p:nvSpPr>
-        <p:spPr>
-          <a:xfrm>
-            <a:off x="2880000" y="1368000"/>
-            <a:ext cx="4246200" cy="2009880"/>
-          </a:xfrm>
-          <a:prstGeom prst="rect">
-            <a:avLst/>
-          </a:prstGeom>
-        </p:spPr>
-        <p:txBody>
-          <a:bodyPr lIns="0" rIns="0" tIns="0" bIns="0">
-            <a:normAutofit/>
-          </a:bodyPr>
-          <a:p>
-            <a:endParaRPr b="0" lang="es-AR" sz="3200" spc="-1" strike="noStrike">
-              <a:latin typeface="Arial"/>
-            </a:endParaRPr>
-          </a:p>
-        </p:txBody>
-      </p:sp>
-      <p:sp>
-        <p:nvSpPr>
-          <p:cNvPr id="70" name="PlaceHolder 3"/>
-          <p:cNvSpPr>
-            <a:spLocks noGrp="1"/>
-          </p:cNvSpPr>
-          <p:nvPr>
-            <p:ph type="body"/>
-          </p:nvPr>
-        </p:nvSpPr>
-        <p:spPr>
-          <a:xfrm>
-            <a:off x="7338960" y="1368000"/>
-            <a:ext cx="4246200" cy="2009880"/>
-          </a:xfrm>
-          <a:prstGeom prst="rect">
-            <a:avLst/>
-          </a:prstGeom>
-        </p:spPr>
-        <p:txBody>
-          <a:bodyPr lIns="0" rIns="0" tIns="0" bIns="0">
-            <a:normAutofit/>
-          </a:bodyPr>
-          <a:p>
-            <a:endParaRPr b="0" lang="es-AR" sz="3200" spc="-1" strike="noStrike">
-              <a:latin typeface="Arial"/>
-            </a:endParaRPr>
-          </a:p>
-        </p:txBody>
-      </p:sp>
-      <p:sp>
-        <p:nvSpPr>
-          <p:cNvPr id="71" name="PlaceHolder 4"/>
-          <p:cNvSpPr>
-            <a:spLocks noGrp="1"/>
-          </p:cNvSpPr>
-          <p:nvPr>
-            <p:ph type="body"/>
-          </p:nvPr>
-        </p:nvSpPr>
-        <p:spPr>
-          <a:xfrm>
-            <a:off x="2880000" y="3569040"/>
-            <a:ext cx="8701920" cy="2009880"/>
+          <p:cNvPr id="71" name="PlaceHolder 2"/>
+          <p:cNvSpPr>
+            <a:spLocks noGrp="1"/>
+          </p:cNvSpPr>
+          <p:nvPr>
+            <p:ph type="body"/>
+          </p:nvPr>
+        </p:nvSpPr>
+        <p:spPr>
+          <a:xfrm>
+            <a:off x="2304000" y="1512000"/>
+            <a:ext cx="4637880" cy="2232000"/>
+          </a:xfrm>
+          <a:prstGeom prst="rect">
+            <a:avLst/>
+          </a:prstGeom>
+        </p:spPr>
+        <p:txBody>
+          <a:bodyPr lIns="0" rIns="0" tIns="0" bIns="0">
+            <a:normAutofit/>
+          </a:bodyPr>
+          <a:p>
+            <a:endParaRPr b="0" lang="es-AR" sz="3200" spc="-1" strike="noStrike">
+              <a:latin typeface="Arial"/>
+            </a:endParaRPr>
+          </a:p>
+        </p:txBody>
+      </p:sp>
+      <p:sp>
+        <p:nvSpPr>
+          <p:cNvPr id="72" name="PlaceHolder 3"/>
+          <p:cNvSpPr>
+            <a:spLocks noGrp="1"/>
+          </p:cNvSpPr>
+          <p:nvPr>
+            <p:ph type="body"/>
+          </p:nvPr>
+        </p:nvSpPr>
+        <p:spPr>
+          <a:xfrm>
+            <a:off x="7174080" y="1512000"/>
+            <a:ext cx="4637880" cy="2232000"/>
+          </a:xfrm>
+          <a:prstGeom prst="rect">
+            <a:avLst/>
+          </a:prstGeom>
+        </p:spPr>
+        <p:txBody>
+          <a:bodyPr lIns="0" rIns="0" tIns="0" bIns="0">
+            <a:normAutofit/>
+          </a:bodyPr>
+          <a:p>
+            <a:endParaRPr b="0" lang="es-AR" sz="3200" spc="-1" strike="noStrike">
+              <a:latin typeface="Arial"/>
+            </a:endParaRPr>
+          </a:p>
+        </p:txBody>
+      </p:sp>
+      <p:sp>
+        <p:nvSpPr>
+          <p:cNvPr id="73" name="PlaceHolder 4"/>
+          <p:cNvSpPr>
+            <a:spLocks noGrp="1"/>
+          </p:cNvSpPr>
+          <p:nvPr>
+            <p:ph type="body"/>
+          </p:nvPr>
+        </p:nvSpPr>
+        <p:spPr>
+          <a:xfrm>
+            <a:off x="2304000" y="3956400"/>
+            <a:ext cx="9504000" cy="2232000"/>
           </a:xfrm>
           <a:prstGeom prst="rect">
             <a:avLst/>
@@ -1585,7 +1584,7 @@
       </p:grpSpPr>
       <p:sp>
         <p:nvSpPr>
-          <p:cNvPr id="72" name="PlaceHolder 1"/>
+          <p:cNvPr id="74" name="PlaceHolder 1"/>
           <p:cNvSpPr>
             <a:spLocks noGrp="1"/>
           </p:cNvSpPr>
@@ -1595,8 +1594,8 @@
         </p:nvSpPr>
         <p:spPr>
           <a:xfrm>
-            <a:off x="4251600" y="2537640"/>
-            <a:ext cx="3688200" cy="1875240"/>
+            <a:off x="2762280" y="273600"/>
+            <a:ext cx="8397720" cy="1144800"/>
           </a:xfrm>
           <a:prstGeom prst="rect">
             <a:avLst/>
@@ -1614,48 +1613,48 @@
       </p:sp>
       <p:sp>
         <p:nvSpPr>
-          <p:cNvPr id="73" name="PlaceHolder 2"/>
-          <p:cNvSpPr>
-            <a:spLocks noGrp="1"/>
-          </p:cNvSpPr>
-          <p:nvPr>
-            <p:ph type="body"/>
-          </p:nvPr>
-        </p:nvSpPr>
-        <p:spPr>
-          <a:xfrm>
-            <a:off x="2880000" y="1368000"/>
-            <a:ext cx="8701920" cy="2009880"/>
-          </a:xfrm>
-          <a:prstGeom prst="rect">
-            <a:avLst/>
-          </a:prstGeom>
-        </p:spPr>
-        <p:txBody>
-          <a:bodyPr lIns="0" rIns="0" tIns="0" bIns="0">
-            <a:normAutofit/>
-          </a:bodyPr>
-          <a:p>
-            <a:endParaRPr b="0" lang="es-AR" sz="3200" spc="-1" strike="noStrike">
-              <a:latin typeface="Arial"/>
-            </a:endParaRPr>
-          </a:p>
-        </p:txBody>
-      </p:sp>
-      <p:sp>
-        <p:nvSpPr>
-          <p:cNvPr id="74" name="PlaceHolder 3"/>
-          <p:cNvSpPr>
-            <a:spLocks noGrp="1"/>
-          </p:cNvSpPr>
-          <p:nvPr>
-            <p:ph type="body"/>
-          </p:nvPr>
-        </p:nvSpPr>
-        <p:spPr>
-          <a:xfrm>
-            <a:off x="2880000" y="3569040"/>
-            <a:ext cx="8701920" cy="2009880"/>
+          <p:cNvPr id="75" name="PlaceHolder 2"/>
+          <p:cNvSpPr>
+            <a:spLocks noGrp="1"/>
+          </p:cNvSpPr>
+          <p:nvPr>
+            <p:ph type="body"/>
+          </p:nvPr>
+        </p:nvSpPr>
+        <p:spPr>
+          <a:xfrm>
+            <a:off x="2304000" y="1512000"/>
+            <a:ext cx="9504000" cy="2232000"/>
+          </a:xfrm>
+          <a:prstGeom prst="rect">
+            <a:avLst/>
+          </a:prstGeom>
+        </p:spPr>
+        <p:txBody>
+          <a:bodyPr lIns="0" rIns="0" tIns="0" bIns="0">
+            <a:normAutofit/>
+          </a:bodyPr>
+          <a:p>
+            <a:endParaRPr b="0" lang="es-AR" sz="3200" spc="-1" strike="noStrike">
+              <a:latin typeface="Arial"/>
+            </a:endParaRPr>
+          </a:p>
+        </p:txBody>
+      </p:sp>
+      <p:sp>
+        <p:nvSpPr>
+          <p:cNvPr id="76" name="PlaceHolder 3"/>
+          <p:cNvSpPr>
+            <a:spLocks noGrp="1"/>
+          </p:cNvSpPr>
+          <p:nvPr>
+            <p:ph type="body"/>
+          </p:nvPr>
+        </p:nvSpPr>
+        <p:spPr>
+          <a:xfrm>
+            <a:off x="2304000" y="3956400"/>
+            <a:ext cx="9504000" cy="2232000"/>
           </a:xfrm>
           <a:prstGeom prst="rect">
             <a:avLst/>
@@ -1696,7 +1695,7 @@
       </p:grpSpPr>
       <p:sp>
         <p:nvSpPr>
-          <p:cNvPr id="75" name="PlaceHolder 1"/>
+          <p:cNvPr id="77" name="PlaceHolder 1"/>
           <p:cNvSpPr>
             <a:spLocks noGrp="1"/>
           </p:cNvSpPr>
@@ -1706,8 +1705,8 @@
         </p:nvSpPr>
         <p:spPr>
           <a:xfrm>
-            <a:off x="4251600" y="2537640"/>
-            <a:ext cx="3688200" cy="1875240"/>
+            <a:off x="2762280" y="273600"/>
+            <a:ext cx="8397720" cy="1144800"/>
           </a:xfrm>
           <a:prstGeom prst="rect">
             <a:avLst/>
@@ -1725,108 +1724,108 @@
       </p:sp>
       <p:sp>
         <p:nvSpPr>
-          <p:cNvPr id="76" name="PlaceHolder 2"/>
-          <p:cNvSpPr>
-            <a:spLocks noGrp="1"/>
-          </p:cNvSpPr>
-          <p:nvPr>
-            <p:ph type="body"/>
-          </p:nvPr>
-        </p:nvSpPr>
-        <p:spPr>
-          <a:xfrm>
-            <a:off x="2880000" y="1368000"/>
-            <a:ext cx="4246200" cy="2009880"/>
-          </a:xfrm>
-          <a:prstGeom prst="rect">
-            <a:avLst/>
-          </a:prstGeom>
-        </p:spPr>
-        <p:txBody>
-          <a:bodyPr lIns="0" rIns="0" tIns="0" bIns="0">
-            <a:normAutofit/>
-          </a:bodyPr>
-          <a:p>
-            <a:endParaRPr b="0" lang="es-AR" sz="3200" spc="-1" strike="noStrike">
-              <a:latin typeface="Arial"/>
-            </a:endParaRPr>
-          </a:p>
-        </p:txBody>
-      </p:sp>
-      <p:sp>
-        <p:nvSpPr>
-          <p:cNvPr id="77" name="PlaceHolder 3"/>
-          <p:cNvSpPr>
-            <a:spLocks noGrp="1"/>
-          </p:cNvSpPr>
-          <p:nvPr>
-            <p:ph type="body"/>
-          </p:nvPr>
-        </p:nvSpPr>
-        <p:spPr>
-          <a:xfrm>
-            <a:off x="7338960" y="1368000"/>
-            <a:ext cx="4246200" cy="2009880"/>
-          </a:xfrm>
-          <a:prstGeom prst="rect">
-            <a:avLst/>
-          </a:prstGeom>
-        </p:spPr>
-        <p:txBody>
-          <a:bodyPr lIns="0" rIns="0" tIns="0" bIns="0">
-            <a:normAutofit/>
-          </a:bodyPr>
-          <a:p>
-            <a:endParaRPr b="0" lang="es-AR" sz="3200" spc="-1" strike="noStrike">
-              <a:latin typeface="Arial"/>
-            </a:endParaRPr>
-          </a:p>
-        </p:txBody>
-      </p:sp>
-      <p:sp>
-        <p:nvSpPr>
-          <p:cNvPr id="78" name="PlaceHolder 4"/>
-          <p:cNvSpPr>
-            <a:spLocks noGrp="1"/>
-          </p:cNvSpPr>
-          <p:nvPr>
-            <p:ph type="body"/>
-          </p:nvPr>
-        </p:nvSpPr>
-        <p:spPr>
-          <a:xfrm>
-            <a:off x="2880000" y="3569040"/>
-            <a:ext cx="4246200" cy="2009880"/>
-          </a:xfrm>
-          <a:prstGeom prst="rect">
-            <a:avLst/>
-          </a:prstGeom>
-        </p:spPr>
-        <p:txBody>
-          <a:bodyPr lIns="0" rIns="0" tIns="0" bIns="0">
-            <a:normAutofit/>
-          </a:bodyPr>
-          <a:p>
-            <a:endParaRPr b="0" lang="es-AR" sz="3200" spc="-1" strike="noStrike">
-              <a:latin typeface="Arial"/>
-            </a:endParaRPr>
-          </a:p>
-        </p:txBody>
-      </p:sp>
-      <p:sp>
-        <p:nvSpPr>
-          <p:cNvPr id="79" name="PlaceHolder 5"/>
-          <p:cNvSpPr>
-            <a:spLocks noGrp="1"/>
-          </p:cNvSpPr>
-          <p:nvPr>
-            <p:ph type="body"/>
-          </p:nvPr>
-        </p:nvSpPr>
-        <p:spPr>
-          <a:xfrm>
-            <a:off x="7338960" y="3569040"/>
-            <a:ext cx="4246200" cy="2009880"/>
+          <p:cNvPr id="78" name="PlaceHolder 2"/>
+          <p:cNvSpPr>
+            <a:spLocks noGrp="1"/>
+          </p:cNvSpPr>
+          <p:nvPr>
+            <p:ph type="body"/>
+          </p:nvPr>
+        </p:nvSpPr>
+        <p:spPr>
+          <a:xfrm>
+            <a:off x="2304000" y="1512000"/>
+            <a:ext cx="4637880" cy="2232000"/>
+          </a:xfrm>
+          <a:prstGeom prst="rect">
+            <a:avLst/>
+          </a:prstGeom>
+        </p:spPr>
+        <p:txBody>
+          <a:bodyPr lIns="0" rIns="0" tIns="0" bIns="0">
+            <a:normAutofit/>
+          </a:bodyPr>
+          <a:p>
+            <a:endParaRPr b="0" lang="es-AR" sz="3200" spc="-1" strike="noStrike">
+              <a:latin typeface="Arial"/>
+            </a:endParaRPr>
+          </a:p>
+        </p:txBody>
+      </p:sp>
+      <p:sp>
+        <p:nvSpPr>
+          <p:cNvPr id="79" name="PlaceHolder 3"/>
+          <p:cNvSpPr>
+            <a:spLocks noGrp="1"/>
+          </p:cNvSpPr>
+          <p:nvPr>
+            <p:ph type="body"/>
+          </p:nvPr>
+        </p:nvSpPr>
+        <p:spPr>
+          <a:xfrm>
+            <a:off x="7174080" y="1512000"/>
+            <a:ext cx="4637880" cy="2232000"/>
+          </a:xfrm>
+          <a:prstGeom prst="rect">
+            <a:avLst/>
+          </a:prstGeom>
+        </p:spPr>
+        <p:txBody>
+          <a:bodyPr lIns="0" rIns="0" tIns="0" bIns="0">
+            <a:normAutofit/>
+          </a:bodyPr>
+          <a:p>
+            <a:endParaRPr b="0" lang="es-AR" sz="3200" spc="-1" strike="noStrike">
+              <a:latin typeface="Arial"/>
+            </a:endParaRPr>
+          </a:p>
+        </p:txBody>
+      </p:sp>
+      <p:sp>
+        <p:nvSpPr>
+          <p:cNvPr id="80" name="PlaceHolder 4"/>
+          <p:cNvSpPr>
+            <a:spLocks noGrp="1"/>
+          </p:cNvSpPr>
+          <p:nvPr>
+            <p:ph type="body"/>
+          </p:nvPr>
+        </p:nvSpPr>
+        <p:spPr>
+          <a:xfrm>
+            <a:off x="2304000" y="3956400"/>
+            <a:ext cx="4637880" cy="2232000"/>
+          </a:xfrm>
+          <a:prstGeom prst="rect">
+            <a:avLst/>
+          </a:prstGeom>
+        </p:spPr>
+        <p:txBody>
+          <a:bodyPr lIns="0" rIns="0" tIns="0" bIns="0">
+            <a:normAutofit/>
+          </a:bodyPr>
+          <a:p>
+            <a:endParaRPr b="0" lang="es-AR" sz="3200" spc="-1" strike="noStrike">
+              <a:latin typeface="Arial"/>
+            </a:endParaRPr>
+          </a:p>
+        </p:txBody>
+      </p:sp>
+      <p:sp>
+        <p:nvSpPr>
+          <p:cNvPr id="81" name="PlaceHolder 5"/>
+          <p:cNvSpPr>
+            <a:spLocks noGrp="1"/>
+          </p:cNvSpPr>
+          <p:nvPr>
+            <p:ph type="body"/>
+          </p:nvPr>
+        </p:nvSpPr>
+        <p:spPr>
+          <a:xfrm>
+            <a:off x="7174080" y="3956400"/>
+            <a:ext cx="4637880" cy="2232000"/>
           </a:xfrm>
           <a:prstGeom prst="rect">
             <a:avLst/>
@@ -1867,7 +1866,7 @@
       </p:grpSpPr>
       <p:sp>
         <p:nvSpPr>
-          <p:cNvPr id="80" name="PlaceHolder 1"/>
+          <p:cNvPr id="82" name="PlaceHolder 1"/>
           <p:cNvSpPr>
             <a:spLocks noGrp="1"/>
           </p:cNvSpPr>
@@ -1877,8 +1876,8 @@
         </p:nvSpPr>
         <p:spPr>
           <a:xfrm>
-            <a:off x="4251600" y="2537640"/>
-            <a:ext cx="3688200" cy="1875240"/>
+            <a:off x="2762280" y="273600"/>
+            <a:ext cx="8397720" cy="1144800"/>
           </a:xfrm>
           <a:prstGeom prst="rect">
             <a:avLst/>
@@ -1896,168 +1895,168 @@
       </p:sp>
       <p:sp>
         <p:nvSpPr>
-          <p:cNvPr id="81" name="PlaceHolder 2"/>
-          <p:cNvSpPr>
-            <a:spLocks noGrp="1"/>
-          </p:cNvSpPr>
-          <p:nvPr>
-            <p:ph type="body"/>
-          </p:nvPr>
-        </p:nvSpPr>
-        <p:spPr>
-          <a:xfrm>
-            <a:off x="2880000" y="1368000"/>
-            <a:ext cx="2801880" cy="2009880"/>
-          </a:xfrm>
-          <a:prstGeom prst="rect">
-            <a:avLst/>
-          </a:prstGeom>
-        </p:spPr>
-        <p:txBody>
-          <a:bodyPr lIns="0" rIns="0" tIns="0" bIns="0">
-            <a:normAutofit/>
-          </a:bodyPr>
-          <a:p>
-            <a:endParaRPr b="0" lang="es-AR" sz="3200" spc="-1" strike="noStrike">
-              <a:latin typeface="Arial"/>
-            </a:endParaRPr>
-          </a:p>
-        </p:txBody>
-      </p:sp>
-      <p:sp>
-        <p:nvSpPr>
-          <p:cNvPr id="82" name="PlaceHolder 3"/>
-          <p:cNvSpPr>
-            <a:spLocks noGrp="1"/>
-          </p:cNvSpPr>
-          <p:nvPr>
-            <p:ph type="body"/>
-          </p:nvPr>
-        </p:nvSpPr>
-        <p:spPr>
-          <a:xfrm>
-            <a:off x="5822280" y="1368000"/>
-            <a:ext cx="2801880" cy="2009880"/>
-          </a:xfrm>
-          <a:prstGeom prst="rect">
-            <a:avLst/>
-          </a:prstGeom>
-        </p:spPr>
-        <p:txBody>
-          <a:bodyPr lIns="0" rIns="0" tIns="0" bIns="0">
-            <a:normAutofit/>
-          </a:bodyPr>
-          <a:p>
-            <a:endParaRPr b="0" lang="es-AR" sz="3200" spc="-1" strike="noStrike">
-              <a:latin typeface="Arial"/>
-            </a:endParaRPr>
-          </a:p>
-        </p:txBody>
-      </p:sp>
-      <p:sp>
-        <p:nvSpPr>
-          <p:cNvPr id="83" name="PlaceHolder 4"/>
-          <p:cNvSpPr>
-            <a:spLocks noGrp="1"/>
-          </p:cNvSpPr>
-          <p:nvPr>
-            <p:ph type="body"/>
-          </p:nvPr>
-        </p:nvSpPr>
-        <p:spPr>
-          <a:xfrm>
-            <a:off x="8764560" y="1368000"/>
-            <a:ext cx="2801880" cy="2009880"/>
-          </a:xfrm>
-          <a:prstGeom prst="rect">
-            <a:avLst/>
-          </a:prstGeom>
-        </p:spPr>
-        <p:txBody>
-          <a:bodyPr lIns="0" rIns="0" tIns="0" bIns="0">
-            <a:normAutofit/>
-          </a:bodyPr>
-          <a:p>
-            <a:endParaRPr b="0" lang="es-AR" sz="3200" spc="-1" strike="noStrike">
-              <a:latin typeface="Arial"/>
-            </a:endParaRPr>
-          </a:p>
-        </p:txBody>
-      </p:sp>
-      <p:sp>
-        <p:nvSpPr>
-          <p:cNvPr id="84" name="PlaceHolder 5"/>
-          <p:cNvSpPr>
-            <a:spLocks noGrp="1"/>
-          </p:cNvSpPr>
-          <p:nvPr>
-            <p:ph type="body"/>
-          </p:nvPr>
-        </p:nvSpPr>
-        <p:spPr>
-          <a:xfrm>
-            <a:off x="2880000" y="3569040"/>
-            <a:ext cx="2801880" cy="2009880"/>
-          </a:xfrm>
-          <a:prstGeom prst="rect">
-            <a:avLst/>
-          </a:prstGeom>
-        </p:spPr>
-        <p:txBody>
-          <a:bodyPr lIns="0" rIns="0" tIns="0" bIns="0">
-            <a:normAutofit/>
-          </a:bodyPr>
-          <a:p>
-            <a:endParaRPr b="0" lang="es-AR" sz="3200" spc="-1" strike="noStrike">
-              <a:latin typeface="Arial"/>
-            </a:endParaRPr>
-          </a:p>
-        </p:txBody>
-      </p:sp>
-      <p:sp>
-        <p:nvSpPr>
-          <p:cNvPr id="85" name="PlaceHolder 6"/>
-          <p:cNvSpPr>
-            <a:spLocks noGrp="1"/>
-          </p:cNvSpPr>
-          <p:nvPr>
-            <p:ph type="body"/>
-          </p:nvPr>
-        </p:nvSpPr>
-        <p:spPr>
-          <a:xfrm>
-            <a:off x="5822280" y="3569040"/>
-            <a:ext cx="2801880" cy="2009880"/>
-          </a:xfrm>
-          <a:prstGeom prst="rect">
-            <a:avLst/>
-          </a:prstGeom>
-        </p:spPr>
-        <p:txBody>
-          <a:bodyPr lIns="0" rIns="0" tIns="0" bIns="0">
-            <a:normAutofit/>
-          </a:bodyPr>
-          <a:p>
-            <a:endParaRPr b="0" lang="es-AR" sz="3200" spc="-1" strike="noStrike">
-              <a:latin typeface="Arial"/>
-            </a:endParaRPr>
-          </a:p>
-        </p:txBody>
-      </p:sp>
-      <p:sp>
-        <p:nvSpPr>
-          <p:cNvPr id="86" name="PlaceHolder 7"/>
-          <p:cNvSpPr>
-            <a:spLocks noGrp="1"/>
-          </p:cNvSpPr>
-          <p:nvPr>
-            <p:ph type="body"/>
-          </p:nvPr>
-        </p:nvSpPr>
-        <p:spPr>
-          <a:xfrm>
-            <a:off x="8764560" y="3569040"/>
-            <a:ext cx="2801880" cy="2009880"/>
+          <p:cNvPr id="83" name="PlaceHolder 2"/>
+          <p:cNvSpPr>
+            <a:spLocks noGrp="1"/>
+          </p:cNvSpPr>
+          <p:nvPr>
+            <p:ph type="body"/>
+          </p:nvPr>
+        </p:nvSpPr>
+        <p:spPr>
+          <a:xfrm>
+            <a:off x="2304000" y="1512000"/>
+            <a:ext cx="3060000" cy="2232000"/>
+          </a:xfrm>
+          <a:prstGeom prst="rect">
+            <a:avLst/>
+          </a:prstGeom>
+        </p:spPr>
+        <p:txBody>
+          <a:bodyPr lIns="0" rIns="0" tIns="0" bIns="0">
+            <a:normAutofit/>
+          </a:bodyPr>
+          <a:p>
+            <a:endParaRPr b="0" lang="es-AR" sz="3200" spc="-1" strike="noStrike">
+              <a:latin typeface="Arial"/>
+            </a:endParaRPr>
+          </a:p>
+        </p:txBody>
+      </p:sp>
+      <p:sp>
+        <p:nvSpPr>
+          <p:cNvPr id="84" name="PlaceHolder 3"/>
+          <p:cNvSpPr>
+            <a:spLocks noGrp="1"/>
+          </p:cNvSpPr>
+          <p:nvPr>
+            <p:ph type="body"/>
+          </p:nvPr>
+        </p:nvSpPr>
+        <p:spPr>
+          <a:xfrm>
+            <a:off x="5517360" y="1512000"/>
+            <a:ext cx="3060000" cy="2232000"/>
+          </a:xfrm>
+          <a:prstGeom prst="rect">
+            <a:avLst/>
+          </a:prstGeom>
+        </p:spPr>
+        <p:txBody>
+          <a:bodyPr lIns="0" rIns="0" tIns="0" bIns="0">
+            <a:normAutofit/>
+          </a:bodyPr>
+          <a:p>
+            <a:endParaRPr b="0" lang="es-AR" sz="3200" spc="-1" strike="noStrike">
+              <a:latin typeface="Arial"/>
+            </a:endParaRPr>
+          </a:p>
+        </p:txBody>
+      </p:sp>
+      <p:sp>
+        <p:nvSpPr>
+          <p:cNvPr id="85" name="PlaceHolder 4"/>
+          <p:cNvSpPr>
+            <a:spLocks noGrp="1"/>
+          </p:cNvSpPr>
+          <p:nvPr>
+            <p:ph type="body"/>
+          </p:nvPr>
+        </p:nvSpPr>
+        <p:spPr>
+          <a:xfrm>
+            <a:off x="8730720" y="1512000"/>
+            <a:ext cx="3060000" cy="2232000"/>
+          </a:xfrm>
+          <a:prstGeom prst="rect">
+            <a:avLst/>
+          </a:prstGeom>
+        </p:spPr>
+        <p:txBody>
+          <a:bodyPr lIns="0" rIns="0" tIns="0" bIns="0">
+            <a:normAutofit/>
+          </a:bodyPr>
+          <a:p>
+            <a:endParaRPr b="0" lang="es-AR" sz="3200" spc="-1" strike="noStrike">
+              <a:latin typeface="Arial"/>
+            </a:endParaRPr>
+          </a:p>
+        </p:txBody>
+      </p:sp>
+      <p:sp>
+        <p:nvSpPr>
+          <p:cNvPr id="86" name="PlaceHolder 5"/>
+          <p:cNvSpPr>
+            <a:spLocks noGrp="1"/>
+          </p:cNvSpPr>
+          <p:nvPr>
+            <p:ph type="body"/>
+          </p:nvPr>
+        </p:nvSpPr>
+        <p:spPr>
+          <a:xfrm>
+            <a:off x="2304000" y="3956400"/>
+            <a:ext cx="3060000" cy="2232000"/>
+          </a:xfrm>
+          <a:prstGeom prst="rect">
+            <a:avLst/>
+          </a:prstGeom>
+        </p:spPr>
+        <p:txBody>
+          <a:bodyPr lIns="0" rIns="0" tIns="0" bIns="0">
+            <a:normAutofit/>
+          </a:bodyPr>
+          <a:p>
+            <a:endParaRPr b="0" lang="es-AR" sz="3200" spc="-1" strike="noStrike">
+              <a:latin typeface="Arial"/>
+            </a:endParaRPr>
+          </a:p>
+        </p:txBody>
+      </p:sp>
+      <p:sp>
+        <p:nvSpPr>
+          <p:cNvPr id="87" name="PlaceHolder 6"/>
+          <p:cNvSpPr>
+            <a:spLocks noGrp="1"/>
+          </p:cNvSpPr>
+          <p:nvPr>
+            <p:ph type="body"/>
+          </p:nvPr>
+        </p:nvSpPr>
+        <p:spPr>
+          <a:xfrm>
+            <a:off x="5517360" y="3956400"/>
+            <a:ext cx="3060000" cy="2232000"/>
+          </a:xfrm>
+          <a:prstGeom prst="rect">
+            <a:avLst/>
+          </a:prstGeom>
+        </p:spPr>
+        <p:txBody>
+          <a:bodyPr lIns="0" rIns="0" tIns="0" bIns="0">
+            <a:normAutofit/>
+          </a:bodyPr>
+          <a:p>
+            <a:endParaRPr b="0" lang="es-AR" sz="3200" spc="-1" strike="noStrike">
+              <a:latin typeface="Arial"/>
+            </a:endParaRPr>
+          </a:p>
+        </p:txBody>
+      </p:sp>
+      <p:sp>
+        <p:nvSpPr>
+          <p:cNvPr id="88" name="PlaceHolder 7"/>
+          <p:cNvSpPr>
+            <a:spLocks noGrp="1"/>
+          </p:cNvSpPr>
+          <p:nvPr>
+            <p:ph type="body"/>
+          </p:nvPr>
+        </p:nvSpPr>
+        <p:spPr>
+          <a:xfrm>
+            <a:off x="8730720" y="3956400"/>
+            <a:ext cx="3060000" cy="2232000"/>
           </a:xfrm>
           <a:prstGeom prst="rect">
             <a:avLst/>
@@ -2130,8 +2129,8 @@
         </p:nvSpPr>
         <p:spPr>
           <a:xfrm>
-            <a:off x="4251600" y="2537640"/>
-            <a:ext cx="3688200" cy="1875240"/>
+            <a:off x="2762280" y="273600"/>
+            <a:ext cx="8397720" cy="1144800"/>
           </a:xfrm>
           <a:prstGeom prst="rect">
             <a:avLst/>
@@ -2159,8 +2158,8 @@
         </p:nvSpPr>
         <p:spPr>
           <a:xfrm>
-            <a:off x="2880000" y="1368000"/>
-            <a:ext cx="8701920" cy="4213800"/>
+            <a:off x="2304000" y="1512000"/>
+            <a:ext cx="9504000" cy="4680000"/>
           </a:xfrm>
           <a:prstGeom prst="rect">
             <a:avLst/>
@@ -2210,8 +2209,8 @@
         </p:nvSpPr>
         <p:spPr>
           <a:xfrm>
-            <a:off x="4251600" y="2537640"/>
-            <a:ext cx="3688200" cy="1875240"/>
+            <a:off x="2762280" y="273600"/>
+            <a:ext cx="8397720" cy="1144800"/>
           </a:xfrm>
           <a:prstGeom prst="rect">
             <a:avLst/>
@@ -2239,8 +2238,8 @@
         </p:nvSpPr>
         <p:spPr>
           <a:xfrm>
-            <a:off x="2880000" y="1368000"/>
-            <a:ext cx="8701920" cy="4213800"/>
+            <a:off x="2304000" y="1512000"/>
+            <a:ext cx="9504000" cy="4680000"/>
           </a:xfrm>
           <a:prstGeom prst="rect">
             <a:avLst/>
@@ -2291,8 +2290,8 @@
         </p:nvSpPr>
         <p:spPr>
           <a:xfrm>
-            <a:off x="4251600" y="2537640"/>
-            <a:ext cx="3688200" cy="1875240"/>
+            <a:off x="2762280" y="273600"/>
+            <a:ext cx="8397720" cy="1144800"/>
           </a:xfrm>
           <a:prstGeom prst="rect">
             <a:avLst/>
@@ -2320,8 +2319,8 @@
         </p:nvSpPr>
         <p:spPr>
           <a:xfrm>
-            <a:off x="2880000" y="1368000"/>
-            <a:ext cx="4246200" cy="4213800"/>
+            <a:off x="2304000" y="1512000"/>
+            <a:ext cx="4637880" cy="4680000"/>
           </a:xfrm>
           <a:prstGeom prst="rect">
             <a:avLst/>
@@ -2350,8 +2349,8 @@
         </p:nvSpPr>
         <p:spPr>
           <a:xfrm>
-            <a:off x="7338960" y="1368000"/>
-            <a:ext cx="4246200" cy="4213800"/>
+            <a:off x="7174080" y="1512000"/>
+            <a:ext cx="4637880" cy="4680000"/>
           </a:xfrm>
           <a:prstGeom prst="rect">
             <a:avLst/>
@@ -2402,8 +2401,8 @@
         </p:nvSpPr>
         <p:spPr>
           <a:xfrm>
-            <a:off x="4251600" y="2537640"/>
-            <a:ext cx="3688200" cy="1875240"/>
+            <a:off x="2762280" y="273600"/>
+            <a:ext cx="8397720" cy="1144800"/>
           </a:xfrm>
           <a:prstGeom prst="rect">
             <a:avLst/>
@@ -2698,8 +2697,8 @@
         </p:nvSpPr>
         <p:spPr>
           <a:xfrm>
-            <a:off x="4251600" y="2924640"/>
-            <a:ext cx="3688200" cy="5104440"/>
+            <a:off x="2762280" y="273600"/>
+            <a:ext cx="8397720" cy="5307840"/>
           </a:xfrm>
           <a:prstGeom prst="rect">
             <a:avLst/>
@@ -2749,8 +2748,8 @@
         </p:nvSpPr>
         <p:spPr>
           <a:xfrm>
-            <a:off x="4251600" y="2537640"/>
-            <a:ext cx="3688200" cy="1875240"/>
+            <a:off x="2762280" y="273600"/>
+            <a:ext cx="8397720" cy="1144800"/>
           </a:xfrm>
           <a:prstGeom prst="rect">
             <a:avLst/>
@@ -2778,8 +2777,8 @@
         </p:nvSpPr>
         <p:spPr>
           <a:xfrm>
-            <a:off x="2880000" y="1368000"/>
-            <a:ext cx="4246200" cy="2009880"/>
+            <a:off x="2304000" y="1512000"/>
+            <a:ext cx="4637880" cy="2232000"/>
           </a:xfrm>
           <a:prstGeom prst="rect">
             <a:avLst/>
@@ -2808,8 +2807,8 @@
         </p:nvSpPr>
         <p:spPr>
           <a:xfrm>
-            <a:off x="7338960" y="1368000"/>
-            <a:ext cx="4246200" cy="4213800"/>
+            <a:off x="7174080" y="1512000"/>
+            <a:ext cx="4637880" cy="4680000"/>
           </a:xfrm>
           <a:prstGeom prst="rect">
             <a:avLst/>
@@ -2838,8 +2837,8 @@
         </p:nvSpPr>
         <p:spPr>
           <a:xfrm>
-            <a:off x="2880000" y="3569040"/>
-            <a:ext cx="4246200" cy="2009880"/>
+            <a:off x="2304000" y="3956400"/>
+            <a:ext cx="4637880" cy="2232000"/>
           </a:xfrm>
           <a:prstGeom prst="rect">
             <a:avLst/>
@@ -2890,8 +2889,8 @@
         </p:nvSpPr>
         <p:spPr>
           <a:xfrm>
-            <a:off x="4251600" y="2537640"/>
-            <a:ext cx="3688200" cy="1875240"/>
+            <a:off x="2762280" y="273600"/>
+            <a:ext cx="8397720" cy="1144800"/>
           </a:xfrm>
           <a:prstGeom prst="rect">
             <a:avLst/>
@@ -2919,8 +2918,8 @@
         </p:nvSpPr>
         <p:spPr>
           <a:xfrm>
-            <a:off x="2880000" y="1368000"/>
-            <a:ext cx="4246200" cy="4213800"/>
+            <a:off x="2304000" y="1512000"/>
+            <a:ext cx="4637880" cy="4680000"/>
           </a:xfrm>
           <a:prstGeom prst="rect">
             <a:avLst/>
@@ -2949,8 +2948,8 @@
         </p:nvSpPr>
         <p:spPr>
           <a:xfrm>
-            <a:off x="7338960" y="1368000"/>
-            <a:ext cx="4246200" cy="2009880"/>
+            <a:off x="7174080" y="1512000"/>
+            <a:ext cx="4637880" cy="2232000"/>
           </a:xfrm>
           <a:prstGeom prst="rect">
             <a:avLst/>
@@ -2979,8 +2978,8 @@
         </p:nvSpPr>
         <p:spPr>
           <a:xfrm>
-            <a:off x="7338960" y="3569040"/>
-            <a:ext cx="4246200" cy="2009880"/>
+            <a:off x="7174080" y="3956400"/>
+            <a:ext cx="4637880" cy="2232000"/>
           </a:xfrm>
           <a:prstGeom prst="rect">
             <a:avLst/>
@@ -3031,8 +3030,8 @@
         </p:nvSpPr>
         <p:spPr>
           <a:xfrm>
-            <a:off x="4251600" y="2537640"/>
-            <a:ext cx="3688200" cy="1875240"/>
+            <a:off x="2762280" y="273600"/>
+            <a:ext cx="8397720" cy="1144800"/>
           </a:xfrm>
           <a:prstGeom prst="rect">
             <a:avLst/>
@@ -3060,8 +3059,8 @@
         </p:nvSpPr>
         <p:spPr>
           <a:xfrm>
-            <a:off x="2880000" y="1368000"/>
-            <a:ext cx="4246200" cy="2009880"/>
+            <a:off x="2304000" y="1512000"/>
+            <a:ext cx="4637880" cy="2232000"/>
           </a:xfrm>
           <a:prstGeom prst="rect">
             <a:avLst/>
@@ -3090,8 +3089,8 @@
         </p:nvSpPr>
         <p:spPr>
           <a:xfrm>
-            <a:off x="7338960" y="1368000"/>
-            <a:ext cx="4246200" cy="2009880"/>
+            <a:off x="7174080" y="1512000"/>
+            <a:ext cx="4637880" cy="2232000"/>
           </a:xfrm>
           <a:prstGeom prst="rect">
             <a:avLst/>
@@ -3120,8 +3119,8 @@
         </p:nvSpPr>
         <p:spPr>
           <a:xfrm>
-            <a:off x="2880000" y="3569040"/>
-            <a:ext cx="8701920" cy="2009880"/>
+            <a:off x="2304000" y="3956400"/>
+            <a:ext cx="9504000" cy="2232000"/>
           </a:xfrm>
           <a:prstGeom prst="rect">
             <a:avLst/>
@@ -3172,8 +3171,8 @@
         </p:nvSpPr>
         <p:spPr>
           <a:xfrm>
-            <a:off x="4251600" y="2537640"/>
-            <a:ext cx="3688200" cy="1875240"/>
+            <a:off x="2762280" y="273600"/>
+            <a:ext cx="8397720" cy="1144800"/>
           </a:xfrm>
           <a:prstGeom prst="rect">
             <a:avLst/>
@@ -3201,8 +3200,8 @@
         </p:nvSpPr>
         <p:spPr>
           <a:xfrm>
-            <a:off x="2880000" y="1368000"/>
-            <a:ext cx="8701920" cy="2009880"/>
+            <a:off x="2304000" y="1512000"/>
+            <a:ext cx="9504000" cy="2232000"/>
           </a:xfrm>
           <a:prstGeom prst="rect">
             <a:avLst/>
@@ -3231,8 +3230,8 @@
         </p:nvSpPr>
         <p:spPr>
           <a:xfrm>
-            <a:off x="2880000" y="3569040"/>
-            <a:ext cx="8701920" cy="2009880"/>
+            <a:off x="2304000" y="3956400"/>
+            <a:ext cx="9504000" cy="2232000"/>
           </a:xfrm>
           <a:prstGeom prst="rect">
             <a:avLst/>
@@ -3283,8 +3282,8 @@
         </p:nvSpPr>
         <p:spPr>
           <a:xfrm>
-            <a:off x="4251600" y="2537640"/>
-            <a:ext cx="3688200" cy="1875240"/>
+            <a:off x="2762280" y="273600"/>
+            <a:ext cx="8397720" cy="1144800"/>
           </a:xfrm>
           <a:prstGeom prst="rect">
             <a:avLst/>
@@ -3312,8 +3311,8 @@
         </p:nvSpPr>
         <p:spPr>
           <a:xfrm>
-            <a:off x="2880000" y="1368000"/>
-            <a:ext cx="4246200" cy="2009880"/>
+            <a:off x="2304000" y="1512000"/>
+            <a:ext cx="4637880" cy="2232000"/>
           </a:xfrm>
           <a:prstGeom prst="rect">
             <a:avLst/>
@@ -3342,8 +3341,8 @@
         </p:nvSpPr>
         <p:spPr>
           <a:xfrm>
-            <a:off x="7338960" y="1368000"/>
-            <a:ext cx="4246200" cy="2009880"/>
+            <a:off x="7174080" y="1512000"/>
+            <a:ext cx="4637880" cy="2232000"/>
           </a:xfrm>
           <a:prstGeom prst="rect">
             <a:avLst/>
@@ -3372,8 +3371,8 @@
         </p:nvSpPr>
         <p:spPr>
           <a:xfrm>
-            <a:off x="2880000" y="3569040"/>
-            <a:ext cx="4246200" cy="2009880"/>
+            <a:off x="2304000" y="3956400"/>
+            <a:ext cx="4637880" cy="2232000"/>
           </a:xfrm>
           <a:prstGeom prst="rect">
             <a:avLst/>
@@ -3402,8 +3401,8 @@
         </p:nvSpPr>
         <p:spPr>
           <a:xfrm>
-            <a:off x="7338960" y="3569040"/>
-            <a:ext cx="4246200" cy="2009880"/>
+            <a:off x="7174080" y="3956400"/>
+            <a:ext cx="4637880" cy="2232000"/>
           </a:xfrm>
           <a:prstGeom prst="rect">
             <a:avLst/>
@@ -3454,8 +3453,8 @@
         </p:nvSpPr>
         <p:spPr>
           <a:xfrm>
-            <a:off x="4251600" y="2537640"/>
-            <a:ext cx="3688200" cy="1875240"/>
+            <a:off x="2762280" y="273600"/>
+            <a:ext cx="8397720" cy="1144800"/>
           </a:xfrm>
           <a:prstGeom prst="rect">
             <a:avLst/>
@@ -3483,8 +3482,8 @@
         </p:nvSpPr>
         <p:spPr>
           <a:xfrm>
-            <a:off x="2880000" y="1368000"/>
-            <a:ext cx="2801880" cy="2009880"/>
+            <a:off x="2304000" y="1512000"/>
+            <a:ext cx="3060000" cy="2232000"/>
           </a:xfrm>
           <a:prstGeom prst="rect">
             <a:avLst/>
@@ -3513,8 +3512,8 @@
         </p:nvSpPr>
         <p:spPr>
           <a:xfrm>
-            <a:off x="5822280" y="1368000"/>
-            <a:ext cx="2801880" cy="2009880"/>
+            <a:off x="5517360" y="1512000"/>
+            <a:ext cx="3060000" cy="2232000"/>
           </a:xfrm>
           <a:prstGeom prst="rect">
             <a:avLst/>
@@ -3543,8 +3542,8 @@
         </p:nvSpPr>
         <p:spPr>
           <a:xfrm>
-            <a:off x="8764560" y="1368000"/>
-            <a:ext cx="2801880" cy="2009880"/>
+            <a:off x="8730720" y="1512000"/>
+            <a:ext cx="3060000" cy="2232000"/>
           </a:xfrm>
           <a:prstGeom prst="rect">
             <a:avLst/>
@@ -3573,8 +3572,8 @@
         </p:nvSpPr>
         <p:spPr>
           <a:xfrm>
-            <a:off x="2880000" y="3569040"/>
-            <a:ext cx="2801880" cy="2009880"/>
+            <a:off x="2304000" y="3956400"/>
+            <a:ext cx="3060000" cy="2232000"/>
           </a:xfrm>
           <a:prstGeom prst="rect">
             <a:avLst/>
@@ -3603,8 +3602,8 @@
         </p:nvSpPr>
         <p:spPr>
           <a:xfrm>
-            <a:off x="5822280" y="3569040"/>
-            <a:ext cx="2801880" cy="2009880"/>
+            <a:off x="5517360" y="3956400"/>
+            <a:ext cx="3060000" cy="2232000"/>
           </a:xfrm>
           <a:prstGeom prst="rect">
             <a:avLst/>
@@ -3633,8 +3632,8 @@
         </p:nvSpPr>
         <p:spPr>
           <a:xfrm>
-            <a:off x="8764560" y="3569040"/>
-            <a:ext cx="2801880" cy="2009880"/>
+            <a:off x="8730720" y="3956400"/>
+            <a:ext cx="3060000" cy="2232000"/>
           </a:xfrm>
           <a:prstGeom prst="rect">
             <a:avLst/>
@@ -3697,7 +3696,7 @@
       </p:grpSpPr>
       <p:sp>
         <p:nvSpPr>
-          <p:cNvPr id="136" name="PlaceHolder 1"/>
+          <p:cNvPr id="137" name="PlaceHolder 1"/>
           <p:cNvSpPr>
             <a:spLocks noGrp="1"/>
           </p:cNvSpPr>
@@ -3707,8 +3706,8 @@
         </p:nvSpPr>
         <p:spPr>
           <a:xfrm>
-            <a:off x="4251600" y="2537640"/>
-            <a:ext cx="3688200" cy="1875240"/>
+            <a:off x="2762280" y="273600"/>
+            <a:ext cx="8397720" cy="1144800"/>
           </a:xfrm>
           <a:prstGeom prst="rect">
             <a:avLst/>
@@ -3726,7 +3725,7 @@
       </p:sp>
       <p:sp>
         <p:nvSpPr>
-          <p:cNvPr id="137" name="PlaceHolder 2"/>
+          <p:cNvPr id="138" name="PlaceHolder 2"/>
           <p:cNvSpPr>
             <a:spLocks noGrp="1"/>
           </p:cNvSpPr>
@@ -3736,8 +3735,8 @@
         </p:nvSpPr>
         <p:spPr>
           <a:xfrm>
-            <a:off x="2880000" y="1368000"/>
-            <a:ext cx="8701920" cy="4213800"/>
+            <a:off x="2304000" y="1512000"/>
+            <a:ext cx="9504000" cy="4680000"/>
           </a:xfrm>
           <a:prstGeom prst="rect">
             <a:avLst/>
@@ -3777,7 +3776,7 @@
       </p:grpSpPr>
       <p:sp>
         <p:nvSpPr>
-          <p:cNvPr id="138" name="PlaceHolder 1"/>
+          <p:cNvPr id="139" name="PlaceHolder 1"/>
           <p:cNvSpPr>
             <a:spLocks noGrp="1"/>
           </p:cNvSpPr>
@@ -3787,8 +3786,8 @@
         </p:nvSpPr>
         <p:spPr>
           <a:xfrm>
-            <a:off x="4251600" y="2537640"/>
-            <a:ext cx="3688200" cy="1875240"/>
+            <a:off x="2762280" y="273600"/>
+            <a:ext cx="8397720" cy="1144800"/>
           </a:xfrm>
           <a:prstGeom prst="rect">
             <a:avLst/>
@@ -3806,18 +3805,18 @@
       </p:sp>
       <p:sp>
         <p:nvSpPr>
-          <p:cNvPr id="139" name="PlaceHolder 2"/>
-          <p:cNvSpPr>
-            <a:spLocks noGrp="1"/>
-          </p:cNvSpPr>
-          <p:nvPr>
-            <p:ph type="body"/>
-          </p:nvPr>
-        </p:nvSpPr>
-        <p:spPr>
-          <a:xfrm>
-            <a:off x="2880000" y="1368000"/>
-            <a:ext cx="8701920" cy="4213800"/>
+          <p:cNvPr id="140" name="PlaceHolder 2"/>
+          <p:cNvSpPr>
+            <a:spLocks noGrp="1"/>
+          </p:cNvSpPr>
+          <p:nvPr>
+            <p:ph type="body"/>
+          </p:nvPr>
+        </p:nvSpPr>
+        <p:spPr>
+          <a:xfrm>
+            <a:off x="2304000" y="1512000"/>
+            <a:ext cx="9504000" cy="4680000"/>
           </a:xfrm>
           <a:prstGeom prst="rect">
             <a:avLst/>
@@ -4143,7 +4142,7 @@
       </p:grpSpPr>
       <p:sp>
         <p:nvSpPr>
-          <p:cNvPr id="140" name="PlaceHolder 1"/>
+          <p:cNvPr id="141" name="PlaceHolder 1"/>
           <p:cNvSpPr>
             <a:spLocks noGrp="1"/>
           </p:cNvSpPr>
@@ -4153,8 +4152,8 @@
         </p:nvSpPr>
         <p:spPr>
           <a:xfrm>
-            <a:off x="4251600" y="2537640"/>
-            <a:ext cx="3688200" cy="1875240"/>
+            <a:off x="2762280" y="273600"/>
+            <a:ext cx="8397720" cy="1144800"/>
           </a:xfrm>
           <a:prstGeom prst="rect">
             <a:avLst/>
@@ -4172,48 +4171,48 @@
       </p:sp>
       <p:sp>
         <p:nvSpPr>
-          <p:cNvPr id="141" name="PlaceHolder 2"/>
-          <p:cNvSpPr>
-            <a:spLocks noGrp="1"/>
-          </p:cNvSpPr>
-          <p:nvPr>
-            <p:ph type="body"/>
-          </p:nvPr>
-        </p:nvSpPr>
-        <p:spPr>
-          <a:xfrm>
-            <a:off x="2880000" y="1368000"/>
-            <a:ext cx="4246200" cy="4213800"/>
-          </a:xfrm>
-          <a:prstGeom prst="rect">
-            <a:avLst/>
-          </a:prstGeom>
-        </p:spPr>
-        <p:txBody>
-          <a:bodyPr lIns="0" rIns="0" tIns="0" bIns="0">
-            <a:normAutofit/>
-          </a:bodyPr>
-          <a:p>
-            <a:endParaRPr b="0" lang="es-AR" sz="3200" spc="-1" strike="noStrike">
-              <a:latin typeface="Arial"/>
-            </a:endParaRPr>
-          </a:p>
-        </p:txBody>
-      </p:sp>
-      <p:sp>
-        <p:nvSpPr>
-          <p:cNvPr id="142" name="PlaceHolder 3"/>
-          <p:cNvSpPr>
-            <a:spLocks noGrp="1"/>
-          </p:cNvSpPr>
-          <p:nvPr>
-            <p:ph type="body"/>
-          </p:nvPr>
-        </p:nvSpPr>
-        <p:spPr>
-          <a:xfrm>
-            <a:off x="7338960" y="1368000"/>
-            <a:ext cx="4246200" cy="4213800"/>
+          <p:cNvPr id="142" name="PlaceHolder 2"/>
+          <p:cNvSpPr>
+            <a:spLocks noGrp="1"/>
+          </p:cNvSpPr>
+          <p:nvPr>
+            <p:ph type="body"/>
+          </p:nvPr>
+        </p:nvSpPr>
+        <p:spPr>
+          <a:xfrm>
+            <a:off x="2304000" y="1512000"/>
+            <a:ext cx="4637880" cy="4680000"/>
+          </a:xfrm>
+          <a:prstGeom prst="rect">
+            <a:avLst/>
+          </a:prstGeom>
+        </p:spPr>
+        <p:txBody>
+          <a:bodyPr lIns="0" rIns="0" tIns="0" bIns="0">
+            <a:normAutofit/>
+          </a:bodyPr>
+          <a:p>
+            <a:endParaRPr b="0" lang="es-AR" sz="3200" spc="-1" strike="noStrike">
+              <a:latin typeface="Arial"/>
+            </a:endParaRPr>
+          </a:p>
+        </p:txBody>
+      </p:sp>
+      <p:sp>
+        <p:nvSpPr>
+          <p:cNvPr id="143" name="PlaceHolder 3"/>
+          <p:cNvSpPr>
+            <a:spLocks noGrp="1"/>
+          </p:cNvSpPr>
+          <p:nvPr>
+            <p:ph type="body"/>
+          </p:nvPr>
+        </p:nvSpPr>
+        <p:spPr>
+          <a:xfrm>
+            <a:off x="7174080" y="1512000"/>
+            <a:ext cx="4637880" cy="4680000"/>
           </a:xfrm>
           <a:prstGeom prst="rect">
             <a:avLst/>
@@ -4254,7 +4253,7 @@
       </p:grpSpPr>
       <p:sp>
         <p:nvSpPr>
-          <p:cNvPr id="143" name="PlaceHolder 1"/>
+          <p:cNvPr id="144" name="PlaceHolder 1"/>
           <p:cNvSpPr>
             <a:spLocks noGrp="1"/>
           </p:cNvSpPr>
@@ -4264,8 +4263,8 @@
         </p:nvSpPr>
         <p:spPr>
           <a:xfrm>
-            <a:off x="4251600" y="2537640"/>
-            <a:ext cx="3688200" cy="1875240"/>
+            <a:off x="2762280" y="273600"/>
+            <a:ext cx="8397720" cy="1144800"/>
           </a:xfrm>
           <a:prstGeom prst="rect">
             <a:avLst/>
@@ -4305,7 +4304,7 @@
       </p:grpSpPr>
       <p:sp>
         <p:nvSpPr>
-          <p:cNvPr id="144" name="PlaceHolder 1"/>
+          <p:cNvPr id="145" name="PlaceHolder 1"/>
           <p:cNvSpPr>
             <a:spLocks noGrp="1"/>
           </p:cNvSpPr>
@@ -4315,8 +4314,8 @@
         </p:nvSpPr>
         <p:spPr>
           <a:xfrm>
-            <a:off x="4251600" y="2924640"/>
-            <a:ext cx="3688200" cy="5104440"/>
+            <a:off x="2762280" y="273600"/>
+            <a:ext cx="8397720" cy="5307840"/>
           </a:xfrm>
           <a:prstGeom prst="rect">
             <a:avLst/>
@@ -4356,7 +4355,7 @@
       </p:grpSpPr>
       <p:sp>
         <p:nvSpPr>
-          <p:cNvPr id="145" name="PlaceHolder 1"/>
+          <p:cNvPr id="146" name="PlaceHolder 1"/>
           <p:cNvSpPr>
             <a:spLocks noGrp="1"/>
           </p:cNvSpPr>
@@ -4366,8 +4365,8 @@
         </p:nvSpPr>
         <p:spPr>
           <a:xfrm>
-            <a:off x="4251600" y="2537640"/>
-            <a:ext cx="3688200" cy="1875240"/>
+            <a:off x="2762280" y="273600"/>
+            <a:ext cx="8397720" cy="1144800"/>
           </a:xfrm>
           <a:prstGeom prst="rect">
             <a:avLst/>
@@ -4385,78 +4384,78 @@
       </p:sp>
       <p:sp>
         <p:nvSpPr>
-          <p:cNvPr id="146" name="PlaceHolder 2"/>
-          <p:cNvSpPr>
-            <a:spLocks noGrp="1"/>
-          </p:cNvSpPr>
-          <p:nvPr>
-            <p:ph type="body"/>
-          </p:nvPr>
-        </p:nvSpPr>
-        <p:spPr>
-          <a:xfrm>
-            <a:off x="2880000" y="1368000"/>
-            <a:ext cx="4246200" cy="2009880"/>
-          </a:xfrm>
-          <a:prstGeom prst="rect">
-            <a:avLst/>
-          </a:prstGeom>
-        </p:spPr>
-        <p:txBody>
-          <a:bodyPr lIns="0" rIns="0" tIns="0" bIns="0">
-            <a:normAutofit/>
-          </a:bodyPr>
-          <a:p>
-            <a:endParaRPr b="0" lang="es-AR" sz="3200" spc="-1" strike="noStrike">
-              <a:latin typeface="Arial"/>
-            </a:endParaRPr>
-          </a:p>
-        </p:txBody>
-      </p:sp>
-      <p:sp>
-        <p:nvSpPr>
-          <p:cNvPr id="147" name="PlaceHolder 3"/>
-          <p:cNvSpPr>
-            <a:spLocks noGrp="1"/>
-          </p:cNvSpPr>
-          <p:nvPr>
-            <p:ph type="body"/>
-          </p:nvPr>
-        </p:nvSpPr>
-        <p:spPr>
-          <a:xfrm>
-            <a:off x="7338960" y="1368000"/>
-            <a:ext cx="4246200" cy="4213800"/>
-          </a:xfrm>
-          <a:prstGeom prst="rect">
-            <a:avLst/>
-          </a:prstGeom>
-        </p:spPr>
-        <p:txBody>
-          <a:bodyPr lIns="0" rIns="0" tIns="0" bIns="0">
-            <a:normAutofit/>
-          </a:bodyPr>
-          <a:p>
-            <a:endParaRPr b="0" lang="es-AR" sz="3200" spc="-1" strike="noStrike">
-              <a:latin typeface="Arial"/>
-            </a:endParaRPr>
-          </a:p>
-        </p:txBody>
-      </p:sp>
-      <p:sp>
-        <p:nvSpPr>
-          <p:cNvPr id="148" name="PlaceHolder 4"/>
-          <p:cNvSpPr>
-            <a:spLocks noGrp="1"/>
-          </p:cNvSpPr>
-          <p:nvPr>
-            <p:ph type="body"/>
-          </p:nvPr>
-        </p:nvSpPr>
-        <p:spPr>
-          <a:xfrm>
-            <a:off x="2880000" y="3569040"/>
-            <a:ext cx="4246200" cy="2009880"/>
+          <p:cNvPr id="147" name="PlaceHolder 2"/>
+          <p:cNvSpPr>
+            <a:spLocks noGrp="1"/>
+          </p:cNvSpPr>
+          <p:nvPr>
+            <p:ph type="body"/>
+          </p:nvPr>
+        </p:nvSpPr>
+        <p:spPr>
+          <a:xfrm>
+            <a:off x="2304000" y="1512000"/>
+            <a:ext cx="4637880" cy="2232000"/>
+          </a:xfrm>
+          <a:prstGeom prst="rect">
+            <a:avLst/>
+          </a:prstGeom>
+        </p:spPr>
+        <p:txBody>
+          <a:bodyPr lIns="0" rIns="0" tIns="0" bIns="0">
+            <a:normAutofit/>
+          </a:bodyPr>
+          <a:p>
+            <a:endParaRPr b="0" lang="es-AR" sz="3200" spc="-1" strike="noStrike">
+              <a:latin typeface="Arial"/>
+            </a:endParaRPr>
+          </a:p>
+        </p:txBody>
+      </p:sp>
+      <p:sp>
+        <p:nvSpPr>
+          <p:cNvPr id="148" name="PlaceHolder 3"/>
+          <p:cNvSpPr>
+            <a:spLocks noGrp="1"/>
+          </p:cNvSpPr>
+          <p:nvPr>
+            <p:ph type="body"/>
+          </p:nvPr>
+        </p:nvSpPr>
+        <p:spPr>
+          <a:xfrm>
+            <a:off x="7174080" y="1512000"/>
+            <a:ext cx="4637880" cy="4680000"/>
+          </a:xfrm>
+          <a:prstGeom prst="rect">
+            <a:avLst/>
+          </a:prstGeom>
+        </p:spPr>
+        <p:txBody>
+          <a:bodyPr lIns="0" rIns="0" tIns="0" bIns="0">
+            <a:normAutofit/>
+          </a:bodyPr>
+          <a:p>
+            <a:endParaRPr b="0" lang="es-AR" sz="3200" spc="-1" strike="noStrike">
+              <a:latin typeface="Arial"/>
+            </a:endParaRPr>
+          </a:p>
+        </p:txBody>
+      </p:sp>
+      <p:sp>
+        <p:nvSpPr>
+          <p:cNvPr id="149" name="PlaceHolder 4"/>
+          <p:cNvSpPr>
+            <a:spLocks noGrp="1"/>
+          </p:cNvSpPr>
+          <p:nvPr>
+            <p:ph type="body"/>
+          </p:nvPr>
+        </p:nvSpPr>
+        <p:spPr>
+          <a:xfrm>
+            <a:off x="2304000" y="3956400"/>
+            <a:ext cx="4637880" cy="2232000"/>
           </a:xfrm>
           <a:prstGeom prst="rect">
             <a:avLst/>
@@ -4497,7 +4496,7 @@
       </p:grpSpPr>
       <p:sp>
         <p:nvSpPr>
-          <p:cNvPr id="149" name="PlaceHolder 1"/>
+          <p:cNvPr id="150" name="PlaceHolder 1"/>
           <p:cNvSpPr>
             <a:spLocks noGrp="1"/>
           </p:cNvSpPr>
@@ -4507,8 +4506,8 @@
         </p:nvSpPr>
         <p:spPr>
           <a:xfrm>
-            <a:off x="4251600" y="2537640"/>
-            <a:ext cx="3688200" cy="1875240"/>
+            <a:off x="2762280" y="273600"/>
+            <a:ext cx="8397720" cy="1144800"/>
           </a:xfrm>
           <a:prstGeom prst="rect">
             <a:avLst/>
@@ -4526,78 +4525,78 @@
       </p:sp>
       <p:sp>
         <p:nvSpPr>
-          <p:cNvPr id="150" name="PlaceHolder 2"/>
-          <p:cNvSpPr>
-            <a:spLocks noGrp="1"/>
-          </p:cNvSpPr>
-          <p:nvPr>
-            <p:ph type="body"/>
-          </p:nvPr>
-        </p:nvSpPr>
-        <p:spPr>
-          <a:xfrm>
-            <a:off x="2880000" y="1368000"/>
-            <a:ext cx="4246200" cy="4213800"/>
-          </a:xfrm>
-          <a:prstGeom prst="rect">
-            <a:avLst/>
-          </a:prstGeom>
-        </p:spPr>
-        <p:txBody>
-          <a:bodyPr lIns="0" rIns="0" tIns="0" bIns="0">
-            <a:normAutofit/>
-          </a:bodyPr>
-          <a:p>
-            <a:endParaRPr b="0" lang="es-AR" sz="3200" spc="-1" strike="noStrike">
-              <a:latin typeface="Arial"/>
-            </a:endParaRPr>
-          </a:p>
-        </p:txBody>
-      </p:sp>
-      <p:sp>
-        <p:nvSpPr>
-          <p:cNvPr id="151" name="PlaceHolder 3"/>
-          <p:cNvSpPr>
-            <a:spLocks noGrp="1"/>
-          </p:cNvSpPr>
-          <p:nvPr>
-            <p:ph type="body"/>
-          </p:nvPr>
-        </p:nvSpPr>
-        <p:spPr>
-          <a:xfrm>
-            <a:off x="7338960" y="1368000"/>
-            <a:ext cx="4246200" cy="2009880"/>
-          </a:xfrm>
-          <a:prstGeom prst="rect">
-            <a:avLst/>
-          </a:prstGeom>
-        </p:spPr>
-        <p:txBody>
-          <a:bodyPr lIns="0" rIns="0" tIns="0" bIns="0">
-            <a:normAutofit/>
-          </a:bodyPr>
-          <a:p>
-            <a:endParaRPr b="0" lang="es-AR" sz="3200" spc="-1" strike="noStrike">
-              <a:latin typeface="Arial"/>
-            </a:endParaRPr>
-          </a:p>
-        </p:txBody>
-      </p:sp>
-      <p:sp>
-        <p:nvSpPr>
-          <p:cNvPr id="152" name="PlaceHolder 4"/>
-          <p:cNvSpPr>
-            <a:spLocks noGrp="1"/>
-          </p:cNvSpPr>
-          <p:nvPr>
-            <p:ph type="body"/>
-          </p:nvPr>
-        </p:nvSpPr>
-        <p:spPr>
-          <a:xfrm>
-            <a:off x="7338960" y="3569040"/>
-            <a:ext cx="4246200" cy="2009880"/>
+          <p:cNvPr id="151" name="PlaceHolder 2"/>
+          <p:cNvSpPr>
+            <a:spLocks noGrp="1"/>
+          </p:cNvSpPr>
+          <p:nvPr>
+            <p:ph type="body"/>
+          </p:nvPr>
+        </p:nvSpPr>
+        <p:spPr>
+          <a:xfrm>
+            <a:off x="2304000" y="1512000"/>
+            <a:ext cx="4637880" cy="4680000"/>
+          </a:xfrm>
+          <a:prstGeom prst="rect">
+            <a:avLst/>
+          </a:prstGeom>
+        </p:spPr>
+        <p:txBody>
+          <a:bodyPr lIns="0" rIns="0" tIns="0" bIns="0">
+            <a:normAutofit/>
+          </a:bodyPr>
+          <a:p>
+            <a:endParaRPr b="0" lang="es-AR" sz="3200" spc="-1" strike="noStrike">
+              <a:latin typeface="Arial"/>
+            </a:endParaRPr>
+          </a:p>
+        </p:txBody>
+      </p:sp>
+      <p:sp>
+        <p:nvSpPr>
+          <p:cNvPr id="152" name="PlaceHolder 3"/>
+          <p:cNvSpPr>
+            <a:spLocks noGrp="1"/>
+          </p:cNvSpPr>
+          <p:nvPr>
+            <p:ph type="body"/>
+          </p:nvPr>
+        </p:nvSpPr>
+        <p:spPr>
+          <a:xfrm>
+            <a:off x="7174080" y="1512000"/>
+            <a:ext cx="4637880" cy="2232000"/>
+          </a:xfrm>
+          <a:prstGeom prst="rect">
+            <a:avLst/>
+          </a:prstGeom>
+        </p:spPr>
+        <p:txBody>
+          <a:bodyPr lIns="0" rIns="0" tIns="0" bIns="0">
+            <a:normAutofit/>
+          </a:bodyPr>
+          <a:p>
+            <a:endParaRPr b="0" lang="es-AR" sz="3200" spc="-1" strike="noStrike">
+              <a:latin typeface="Arial"/>
+            </a:endParaRPr>
+          </a:p>
+        </p:txBody>
+      </p:sp>
+      <p:sp>
+        <p:nvSpPr>
+          <p:cNvPr id="153" name="PlaceHolder 4"/>
+          <p:cNvSpPr>
+            <a:spLocks noGrp="1"/>
+          </p:cNvSpPr>
+          <p:nvPr>
+            <p:ph type="body"/>
+          </p:nvPr>
+        </p:nvSpPr>
+        <p:spPr>
+          <a:xfrm>
+            <a:off x="7174080" y="3956400"/>
+            <a:ext cx="4637880" cy="2232000"/>
           </a:xfrm>
           <a:prstGeom prst="rect">
             <a:avLst/>
@@ -4638,7 +4637,7 @@
       </p:grpSpPr>
       <p:sp>
         <p:nvSpPr>
-          <p:cNvPr id="153" name="PlaceHolder 1"/>
+          <p:cNvPr id="154" name="PlaceHolder 1"/>
           <p:cNvSpPr>
             <a:spLocks noGrp="1"/>
           </p:cNvSpPr>
@@ -4648,8 +4647,8 @@
         </p:nvSpPr>
         <p:spPr>
           <a:xfrm>
-            <a:off x="4251600" y="2537640"/>
-            <a:ext cx="3688200" cy="1875240"/>
+            <a:off x="2762280" y="273600"/>
+            <a:ext cx="8397720" cy="1144800"/>
           </a:xfrm>
           <a:prstGeom prst="rect">
             <a:avLst/>
@@ -4667,78 +4666,78 @@
       </p:sp>
       <p:sp>
         <p:nvSpPr>
-          <p:cNvPr id="154" name="PlaceHolder 2"/>
-          <p:cNvSpPr>
-            <a:spLocks noGrp="1"/>
-          </p:cNvSpPr>
-          <p:nvPr>
-            <p:ph type="body"/>
-          </p:nvPr>
-        </p:nvSpPr>
-        <p:spPr>
-          <a:xfrm>
-            <a:off x="2880000" y="1368000"/>
-            <a:ext cx="4246200" cy="2009880"/>
-          </a:xfrm>
-          <a:prstGeom prst="rect">
-            <a:avLst/>
-          </a:prstGeom>
-        </p:spPr>
-        <p:txBody>
-          <a:bodyPr lIns="0" rIns="0" tIns="0" bIns="0">
-            <a:normAutofit/>
-          </a:bodyPr>
-          <a:p>
-            <a:endParaRPr b="0" lang="es-AR" sz="3200" spc="-1" strike="noStrike">
-              <a:latin typeface="Arial"/>
-            </a:endParaRPr>
-          </a:p>
-        </p:txBody>
-      </p:sp>
-      <p:sp>
-        <p:nvSpPr>
-          <p:cNvPr id="155" name="PlaceHolder 3"/>
-          <p:cNvSpPr>
-            <a:spLocks noGrp="1"/>
-          </p:cNvSpPr>
-          <p:nvPr>
-            <p:ph type="body"/>
-          </p:nvPr>
-        </p:nvSpPr>
-        <p:spPr>
-          <a:xfrm>
-            <a:off x="7338960" y="1368000"/>
-            <a:ext cx="4246200" cy="2009880"/>
-          </a:xfrm>
-          <a:prstGeom prst="rect">
-            <a:avLst/>
-          </a:prstGeom>
-        </p:spPr>
-        <p:txBody>
-          <a:bodyPr lIns="0" rIns="0" tIns="0" bIns="0">
-            <a:normAutofit/>
-          </a:bodyPr>
-          <a:p>
-            <a:endParaRPr b="0" lang="es-AR" sz="3200" spc="-1" strike="noStrike">
-              <a:latin typeface="Arial"/>
-            </a:endParaRPr>
-          </a:p>
-        </p:txBody>
-      </p:sp>
-      <p:sp>
-        <p:nvSpPr>
-          <p:cNvPr id="156" name="PlaceHolder 4"/>
-          <p:cNvSpPr>
-            <a:spLocks noGrp="1"/>
-          </p:cNvSpPr>
-          <p:nvPr>
-            <p:ph type="body"/>
-          </p:nvPr>
-        </p:nvSpPr>
-        <p:spPr>
-          <a:xfrm>
-            <a:off x="2880000" y="3569040"/>
-            <a:ext cx="8701920" cy="2009880"/>
+          <p:cNvPr id="155" name="PlaceHolder 2"/>
+          <p:cNvSpPr>
+            <a:spLocks noGrp="1"/>
+          </p:cNvSpPr>
+          <p:nvPr>
+            <p:ph type="body"/>
+          </p:nvPr>
+        </p:nvSpPr>
+        <p:spPr>
+          <a:xfrm>
+            <a:off x="2304000" y="1512000"/>
+            <a:ext cx="4637880" cy="2232000"/>
+          </a:xfrm>
+          <a:prstGeom prst="rect">
+            <a:avLst/>
+          </a:prstGeom>
+        </p:spPr>
+        <p:txBody>
+          <a:bodyPr lIns="0" rIns="0" tIns="0" bIns="0">
+            <a:normAutofit/>
+          </a:bodyPr>
+          <a:p>
+            <a:endParaRPr b="0" lang="es-AR" sz="3200" spc="-1" strike="noStrike">
+              <a:latin typeface="Arial"/>
+            </a:endParaRPr>
+          </a:p>
+        </p:txBody>
+      </p:sp>
+      <p:sp>
+        <p:nvSpPr>
+          <p:cNvPr id="156" name="PlaceHolder 3"/>
+          <p:cNvSpPr>
+            <a:spLocks noGrp="1"/>
+          </p:cNvSpPr>
+          <p:nvPr>
+            <p:ph type="body"/>
+          </p:nvPr>
+        </p:nvSpPr>
+        <p:spPr>
+          <a:xfrm>
+            <a:off x="7174080" y="1512000"/>
+            <a:ext cx="4637880" cy="2232000"/>
+          </a:xfrm>
+          <a:prstGeom prst="rect">
+            <a:avLst/>
+          </a:prstGeom>
+        </p:spPr>
+        <p:txBody>
+          <a:bodyPr lIns="0" rIns="0" tIns="0" bIns="0">
+            <a:normAutofit/>
+          </a:bodyPr>
+          <a:p>
+            <a:endParaRPr b="0" lang="es-AR" sz="3200" spc="-1" strike="noStrike">
+              <a:latin typeface="Arial"/>
+            </a:endParaRPr>
+          </a:p>
+        </p:txBody>
+      </p:sp>
+      <p:sp>
+        <p:nvSpPr>
+          <p:cNvPr id="157" name="PlaceHolder 4"/>
+          <p:cNvSpPr>
+            <a:spLocks noGrp="1"/>
+          </p:cNvSpPr>
+          <p:nvPr>
+            <p:ph type="body"/>
+          </p:nvPr>
+        </p:nvSpPr>
+        <p:spPr>
+          <a:xfrm>
+            <a:off x="2304000" y="3956400"/>
+            <a:ext cx="9504000" cy="2232000"/>
           </a:xfrm>
           <a:prstGeom prst="rect">
             <a:avLst/>
@@ -4779,7 +4778,7 @@
       </p:grpSpPr>
       <p:sp>
         <p:nvSpPr>
-          <p:cNvPr id="157" name="PlaceHolder 1"/>
+          <p:cNvPr id="158" name="PlaceHolder 1"/>
           <p:cNvSpPr>
             <a:spLocks noGrp="1"/>
           </p:cNvSpPr>
@@ -4789,8 +4788,8 @@
         </p:nvSpPr>
         <p:spPr>
           <a:xfrm>
-            <a:off x="4251600" y="2537640"/>
-            <a:ext cx="3688200" cy="1875240"/>
+            <a:off x="2762280" y="273600"/>
+            <a:ext cx="8397720" cy="1144800"/>
           </a:xfrm>
           <a:prstGeom prst="rect">
             <a:avLst/>
@@ -4808,48 +4807,48 @@
       </p:sp>
       <p:sp>
         <p:nvSpPr>
-          <p:cNvPr id="158" name="PlaceHolder 2"/>
-          <p:cNvSpPr>
-            <a:spLocks noGrp="1"/>
-          </p:cNvSpPr>
-          <p:nvPr>
-            <p:ph type="body"/>
-          </p:nvPr>
-        </p:nvSpPr>
-        <p:spPr>
-          <a:xfrm>
-            <a:off x="2880000" y="1368000"/>
-            <a:ext cx="8701920" cy="2009880"/>
-          </a:xfrm>
-          <a:prstGeom prst="rect">
-            <a:avLst/>
-          </a:prstGeom>
-        </p:spPr>
-        <p:txBody>
-          <a:bodyPr lIns="0" rIns="0" tIns="0" bIns="0">
-            <a:normAutofit/>
-          </a:bodyPr>
-          <a:p>
-            <a:endParaRPr b="0" lang="es-AR" sz="3200" spc="-1" strike="noStrike">
-              <a:latin typeface="Arial"/>
-            </a:endParaRPr>
-          </a:p>
-        </p:txBody>
-      </p:sp>
-      <p:sp>
-        <p:nvSpPr>
-          <p:cNvPr id="159" name="PlaceHolder 3"/>
-          <p:cNvSpPr>
-            <a:spLocks noGrp="1"/>
-          </p:cNvSpPr>
-          <p:nvPr>
-            <p:ph type="body"/>
-          </p:nvPr>
-        </p:nvSpPr>
-        <p:spPr>
-          <a:xfrm>
-            <a:off x="2880000" y="3569040"/>
-            <a:ext cx="8701920" cy="2009880"/>
+          <p:cNvPr id="159" name="PlaceHolder 2"/>
+          <p:cNvSpPr>
+            <a:spLocks noGrp="1"/>
+          </p:cNvSpPr>
+          <p:nvPr>
+            <p:ph type="body"/>
+          </p:nvPr>
+        </p:nvSpPr>
+        <p:spPr>
+          <a:xfrm>
+            <a:off x="2304000" y="1512000"/>
+            <a:ext cx="9504000" cy="2232000"/>
+          </a:xfrm>
+          <a:prstGeom prst="rect">
+            <a:avLst/>
+          </a:prstGeom>
+        </p:spPr>
+        <p:txBody>
+          <a:bodyPr lIns="0" rIns="0" tIns="0" bIns="0">
+            <a:normAutofit/>
+          </a:bodyPr>
+          <a:p>
+            <a:endParaRPr b="0" lang="es-AR" sz="3200" spc="-1" strike="noStrike">
+              <a:latin typeface="Arial"/>
+            </a:endParaRPr>
+          </a:p>
+        </p:txBody>
+      </p:sp>
+      <p:sp>
+        <p:nvSpPr>
+          <p:cNvPr id="160" name="PlaceHolder 3"/>
+          <p:cNvSpPr>
+            <a:spLocks noGrp="1"/>
+          </p:cNvSpPr>
+          <p:nvPr>
+            <p:ph type="body"/>
+          </p:nvPr>
+        </p:nvSpPr>
+        <p:spPr>
+          <a:xfrm>
+            <a:off x="2304000" y="3956400"/>
+            <a:ext cx="9504000" cy="2232000"/>
           </a:xfrm>
           <a:prstGeom prst="rect">
             <a:avLst/>
@@ -4890,7 +4889,7 @@
       </p:grpSpPr>
       <p:sp>
         <p:nvSpPr>
-          <p:cNvPr id="160" name="PlaceHolder 1"/>
+          <p:cNvPr id="161" name="PlaceHolder 1"/>
           <p:cNvSpPr>
             <a:spLocks noGrp="1"/>
           </p:cNvSpPr>
@@ -4900,8 +4899,8 @@
         </p:nvSpPr>
         <p:spPr>
           <a:xfrm>
-            <a:off x="4251600" y="2537640"/>
-            <a:ext cx="3688200" cy="1875240"/>
+            <a:off x="2762280" y="273600"/>
+            <a:ext cx="8397720" cy="1144800"/>
           </a:xfrm>
           <a:prstGeom prst="rect">
             <a:avLst/>
@@ -4919,108 +4918,108 @@
       </p:sp>
       <p:sp>
         <p:nvSpPr>
-          <p:cNvPr id="161" name="PlaceHolder 2"/>
-          <p:cNvSpPr>
-            <a:spLocks noGrp="1"/>
-          </p:cNvSpPr>
-          <p:nvPr>
-            <p:ph type="body"/>
-          </p:nvPr>
-        </p:nvSpPr>
-        <p:spPr>
-          <a:xfrm>
-            <a:off x="2880000" y="1368000"/>
-            <a:ext cx="4246200" cy="2009880"/>
-          </a:xfrm>
-          <a:prstGeom prst="rect">
-            <a:avLst/>
-          </a:prstGeom>
-        </p:spPr>
-        <p:txBody>
-          <a:bodyPr lIns="0" rIns="0" tIns="0" bIns="0">
-            <a:normAutofit/>
-          </a:bodyPr>
-          <a:p>
-            <a:endParaRPr b="0" lang="es-AR" sz="3200" spc="-1" strike="noStrike">
-              <a:latin typeface="Arial"/>
-            </a:endParaRPr>
-          </a:p>
-        </p:txBody>
-      </p:sp>
-      <p:sp>
-        <p:nvSpPr>
-          <p:cNvPr id="162" name="PlaceHolder 3"/>
-          <p:cNvSpPr>
-            <a:spLocks noGrp="1"/>
-          </p:cNvSpPr>
-          <p:nvPr>
-            <p:ph type="body"/>
-          </p:nvPr>
-        </p:nvSpPr>
-        <p:spPr>
-          <a:xfrm>
-            <a:off x="7338960" y="1368000"/>
-            <a:ext cx="4246200" cy="2009880"/>
-          </a:xfrm>
-          <a:prstGeom prst="rect">
-            <a:avLst/>
-          </a:prstGeom>
-        </p:spPr>
-        <p:txBody>
-          <a:bodyPr lIns="0" rIns="0" tIns="0" bIns="0">
-            <a:normAutofit/>
-          </a:bodyPr>
-          <a:p>
-            <a:endParaRPr b="0" lang="es-AR" sz="3200" spc="-1" strike="noStrike">
-              <a:latin typeface="Arial"/>
-            </a:endParaRPr>
-          </a:p>
-        </p:txBody>
-      </p:sp>
-      <p:sp>
-        <p:nvSpPr>
-          <p:cNvPr id="163" name="PlaceHolder 4"/>
-          <p:cNvSpPr>
-            <a:spLocks noGrp="1"/>
-          </p:cNvSpPr>
-          <p:nvPr>
-            <p:ph type="body"/>
-          </p:nvPr>
-        </p:nvSpPr>
-        <p:spPr>
-          <a:xfrm>
-            <a:off x="2880000" y="3569040"/>
-            <a:ext cx="4246200" cy="2009880"/>
-          </a:xfrm>
-          <a:prstGeom prst="rect">
-            <a:avLst/>
-          </a:prstGeom>
-        </p:spPr>
-        <p:txBody>
-          <a:bodyPr lIns="0" rIns="0" tIns="0" bIns="0">
-            <a:normAutofit/>
-          </a:bodyPr>
-          <a:p>
-            <a:endParaRPr b="0" lang="es-AR" sz="3200" spc="-1" strike="noStrike">
-              <a:latin typeface="Arial"/>
-            </a:endParaRPr>
-          </a:p>
-        </p:txBody>
-      </p:sp>
-      <p:sp>
-        <p:nvSpPr>
-          <p:cNvPr id="164" name="PlaceHolder 5"/>
-          <p:cNvSpPr>
-            <a:spLocks noGrp="1"/>
-          </p:cNvSpPr>
-          <p:nvPr>
-            <p:ph type="body"/>
-          </p:nvPr>
-        </p:nvSpPr>
-        <p:spPr>
-          <a:xfrm>
-            <a:off x="7338960" y="3569040"/>
-            <a:ext cx="4246200" cy="2009880"/>
+          <p:cNvPr id="162" name="PlaceHolder 2"/>
+          <p:cNvSpPr>
+            <a:spLocks noGrp="1"/>
+          </p:cNvSpPr>
+          <p:nvPr>
+            <p:ph type="body"/>
+          </p:nvPr>
+        </p:nvSpPr>
+        <p:spPr>
+          <a:xfrm>
+            <a:off x="2304000" y="1512000"/>
+            <a:ext cx="4637880" cy="2232000"/>
+          </a:xfrm>
+          <a:prstGeom prst="rect">
+            <a:avLst/>
+          </a:prstGeom>
+        </p:spPr>
+        <p:txBody>
+          <a:bodyPr lIns="0" rIns="0" tIns="0" bIns="0">
+            <a:normAutofit/>
+          </a:bodyPr>
+          <a:p>
+            <a:endParaRPr b="0" lang="es-AR" sz="3200" spc="-1" strike="noStrike">
+              <a:latin typeface="Arial"/>
+            </a:endParaRPr>
+          </a:p>
+        </p:txBody>
+      </p:sp>
+      <p:sp>
+        <p:nvSpPr>
+          <p:cNvPr id="163" name="PlaceHolder 3"/>
+          <p:cNvSpPr>
+            <a:spLocks noGrp="1"/>
+          </p:cNvSpPr>
+          <p:nvPr>
+            <p:ph type="body"/>
+          </p:nvPr>
+        </p:nvSpPr>
+        <p:spPr>
+          <a:xfrm>
+            <a:off x="7174080" y="1512000"/>
+            <a:ext cx="4637880" cy="2232000"/>
+          </a:xfrm>
+          <a:prstGeom prst="rect">
+            <a:avLst/>
+          </a:prstGeom>
+        </p:spPr>
+        <p:txBody>
+          <a:bodyPr lIns="0" rIns="0" tIns="0" bIns="0">
+            <a:normAutofit/>
+          </a:bodyPr>
+          <a:p>
+            <a:endParaRPr b="0" lang="es-AR" sz="3200" spc="-1" strike="noStrike">
+              <a:latin typeface="Arial"/>
+            </a:endParaRPr>
+          </a:p>
+        </p:txBody>
+      </p:sp>
+      <p:sp>
+        <p:nvSpPr>
+          <p:cNvPr id="164" name="PlaceHolder 4"/>
+          <p:cNvSpPr>
+            <a:spLocks noGrp="1"/>
+          </p:cNvSpPr>
+          <p:nvPr>
+            <p:ph type="body"/>
+          </p:nvPr>
+        </p:nvSpPr>
+        <p:spPr>
+          <a:xfrm>
+            <a:off x="2304000" y="3956400"/>
+            <a:ext cx="4637880" cy="2232000"/>
+          </a:xfrm>
+          <a:prstGeom prst="rect">
+            <a:avLst/>
+          </a:prstGeom>
+        </p:spPr>
+        <p:txBody>
+          <a:bodyPr lIns="0" rIns="0" tIns="0" bIns="0">
+            <a:normAutofit/>
+          </a:bodyPr>
+          <a:p>
+            <a:endParaRPr b="0" lang="es-AR" sz="3200" spc="-1" strike="noStrike">
+              <a:latin typeface="Arial"/>
+            </a:endParaRPr>
+          </a:p>
+        </p:txBody>
+      </p:sp>
+      <p:sp>
+        <p:nvSpPr>
+          <p:cNvPr id="165" name="PlaceHolder 5"/>
+          <p:cNvSpPr>
+            <a:spLocks noGrp="1"/>
+          </p:cNvSpPr>
+          <p:nvPr>
+            <p:ph type="body"/>
+          </p:nvPr>
+        </p:nvSpPr>
+        <p:spPr>
+          <a:xfrm>
+            <a:off x="7174080" y="3956400"/>
+            <a:ext cx="4637880" cy="2232000"/>
           </a:xfrm>
           <a:prstGeom prst="rect">
             <a:avLst/>
@@ -5061,7 +5060,7 @@
       </p:grpSpPr>
       <p:sp>
         <p:nvSpPr>
-          <p:cNvPr id="165" name="PlaceHolder 1"/>
+          <p:cNvPr id="166" name="PlaceHolder 1"/>
           <p:cNvSpPr>
             <a:spLocks noGrp="1"/>
           </p:cNvSpPr>
@@ -5071,8 +5070,8 @@
         </p:nvSpPr>
         <p:spPr>
           <a:xfrm>
-            <a:off x="4251600" y="2537640"/>
-            <a:ext cx="3688200" cy="1875240"/>
+            <a:off x="2762280" y="273600"/>
+            <a:ext cx="8397720" cy="1144800"/>
           </a:xfrm>
           <a:prstGeom prst="rect">
             <a:avLst/>
@@ -5090,168 +5089,168 @@
       </p:sp>
       <p:sp>
         <p:nvSpPr>
-          <p:cNvPr id="166" name="PlaceHolder 2"/>
-          <p:cNvSpPr>
-            <a:spLocks noGrp="1"/>
-          </p:cNvSpPr>
-          <p:nvPr>
-            <p:ph type="body"/>
-          </p:nvPr>
-        </p:nvSpPr>
-        <p:spPr>
-          <a:xfrm>
-            <a:off x="2880000" y="1368000"/>
-            <a:ext cx="2801880" cy="2009880"/>
-          </a:xfrm>
-          <a:prstGeom prst="rect">
-            <a:avLst/>
-          </a:prstGeom>
-        </p:spPr>
-        <p:txBody>
-          <a:bodyPr lIns="0" rIns="0" tIns="0" bIns="0">
-            <a:normAutofit/>
-          </a:bodyPr>
-          <a:p>
-            <a:endParaRPr b="0" lang="es-AR" sz="3200" spc="-1" strike="noStrike">
-              <a:latin typeface="Arial"/>
-            </a:endParaRPr>
-          </a:p>
-        </p:txBody>
-      </p:sp>
-      <p:sp>
-        <p:nvSpPr>
-          <p:cNvPr id="167" name="PlaceHolder 3"/>
-          <p:cNvSpPr>
-            <a:spLocks noGrp="1"/>
-          </p:cNvSpPr>
-          <p:nvPr>
-            <p:ph type="body"/>
-          </p:nvPr>
-        </p:nvSpPr>
-        <p:spPr>
-          <a:xfrm>
-            <a:off x="5822280" y="1368000"/>
-            <a:ext cx="2801880" cy="2009880"/>
-          </a:xfrm>
-          <a:prstGeom prst="rect">
-            <a:avLst/>
-          </a:prstGeom>
-        </p:spPr>
-        <p:txBody>
-          <a:bodyPr lIns="0" rIns="0" tIns="0" bIns="0">
-            <a:normAutofit/>
-          </a:bodyPr>
-          <a:p>
-            <a:endParaRPr b="0" lang="es-AR" sz="3200" spc="-1" strike="noStrike">
-              <a:latin typeface="Arial"/>
-            </a:endParaRPr>
-          </a:p>
-        </p:txBody>
-      </p:sp>
-      <p:sp>
-        <p:nvSpPr>
-          <p:cNvPr id="168" name="PlaceHolder 4"/>
-          <p:cNvSpPr>
-            <a:spLocks noGrp="1"/>
-          </p:cNvSpPr>
-          <p:nvPr>
-            <p:ph type="body"/>
-          </p:nvPr>
-        </p:nvSpPr>
-        <p:spPr>
-          <a:xfrm>
-            <a:off x="8764560" y="1368000"/>
-            <a:ext cx="2801880" cy="2009880"/>
-          </a:xfrm>
-          <a:prstGeom prst="rect">
-            <a:avLst/>
-          </a:prstGeom>
-        </p:spPr>
-        <p:txBody>
-          <a:bodyPr lIns="0" rIns="0" tIns="0" bIns="0">
-            <a:normAutofit/>
-          </a:bodyPr>
-          <a:p>
-            <a:endParaRPr b="0" lang="es-AR" sz="3200" spc="-1" strike="noStrike">
-              <a:latin typeface="Arial"/>
-            </a:endParaRPr>
-          </a:p>
-        </p:txBody>
-      </p:sp>
-      <p:sp>
-        <p:nvSpPr>
-          <p:cNvPr id="169" name="PlaceHolder 5"/>
-          <p:cNvSpPr>
-            <a:spLocks noGrp="1"/>
-          </p:cNvSpPr>
-          <p:nvPr>
-            <p:ph type="body"/>
-          </p:nvPr>
-        </p:nvSpPr>
-        <p:spPr>
-          <a:xfrm>
-            <a:off x="2880000" y="3569040"/>
-            <a:ext cx="2801880" cy="2009880"/>
-          </a:xfrm>
-          <a:prstGeom prst="rect">
-            <a:avLst/>
-          </a:prstGeom>
-        </p:spPr>
-        <p:txBody>
-          <a:bodyPr lIns="0" rIns="0" tIns="0" bIns="0">
-            <a:normAutofit/>
-          </a:bodyPr>
-          <a:p>
-            <a:endParaRPr b="0" lang="es-AR" sz="3200" spc="-1" strike="noStrike">
-              <a:latin typeface="Arial"/>
-            </a:endParaRPr>
-          </a:p>
-        </p:txBody>
-      </p:sp>
-      <p:sp>
-        <p:nvSpPr>
-          <p:cNvPr id="170" name="PlaceHolder 6"/>
-          <p:cNvSpPr>
-            <a:spLocks noGrp="1"/>
-          </p:cNvSpPr>
-          <p:nvPr>
-            <p:ph type="body"/>
-          </p:nvPr>
-        </p:nvSpPr>
-        <p:spPr>
-          <a:xfrm>
-            <a:off x="5822280" y="3569040"/>
-            <a:ext cx="2801880" cy="2009880"/>
-          </a:xfrm>
-          <a:prstGeom prst="rect">
-            <a:avLst/>
-          </a:prstGeom>
-        </p:spPr>
-        <p:txBody>
-          <a:bodyPr lIns="0" rIns="0" tIns="0" bIns="0">
-            <a:normAutofit/>
-          </a:bodyPr>
-          <a:p>
-            <a:endParaRPr b="0" lang="es-AR" sz="3200" spc="-1" strike="noStrike">
-              <a:latin typeface="Arial"/>
-            </a:endParaRPr>
-          </a:p>
-        </p:txBody>
-      </p:sp>
-      <p:sp>
-        <p:nvSpPr>
-          <p:cNvPr id="171" name="PlaceHolder 7"/>
-          <p:cNvSpPr>
-            <a:spLocks noGrp="1"/>
-          </p:cNvSpPr>
-          <p:nvPr>
-            <p:ph type="body"/>
-          </p:nvPr>
-        </p:nvSpPr>
-        <p:spPr>
-          <a:xfrm>
-            <a:off x="8764560" y="3569040"/>
-            <a:ext cx="2801880" cy="2009880"/>
+          <p:cNvPr id="167" name="PlaceHolder 2"/>
+          <p:cNvSpPr>
+            <a:spLocks noGrp="1"/>
+          </p:cNvSpPr>
+          <p:nvPr>
+            <p:ph type="body"/>
+          </p:nvPr>
+        </p:nvSpPr>
+        <p:spPr>
+          <a:xfrm>
+            <a:off x="2304000" y="1512000"/>
+            <a:ext cx="3060000" cy="2232000"/>
+          </a:xfrm>
+          <a:prstGeom prst="rect">
+            <a:avLst/>
+          </a:prstGeom>
+        </p:spPr>
+        <p:txBody>
+          <a:bodyPr lIns="0" rIns="0" tIns="0" bIns="0">
+            <a:normAutofit/>
+          </a:bodyPr>
+          <a:p>
+            <a:endParaRPr b="0" lang="es-AR" sz="3200" spc="-1" strike="noStrike">
+              <a:latin typeface="Arial"/>
+            </a:endParaRPr>
+          </a:p>
+        </p:txBody>
+      </p:sp>
+      <p:sp>
+        <p:nvSpPr>
+          <p:cNvPr id="168" name="PlaceHolder 3"/>
+          <p:cNvSpPr>
+            <a:spLocks noGrp="1"/>
+          </p:cNvSpPr>
+          <p:nvPr>
+            <p:ph type="body"/>
+          </p:nvPr>
+        </p:nvSpPr>
+        <p:spPr>
+          <a:xfrm>
+            <a:off x="5517360" y="1512000"/>
+            <a:ext cx="3060000" cy="2232000"/>
+          </a:xfrm>
+          <a:prstGeom prst="rect">
+            <a:avLst/>
+          </a:prstGeom>
+        </p:spPr>
+        <p:txBody>
+          <a:bodyPr lIns="0" rIns="0" tIns="0" bIns="0">
+            <a:normAutofit/>
+          </a:bodyPr>
+          <a:p>
+            <a:endParaRPr b="0" lang="es-AR" sz="3200" spc="-1" strike="noStrike">
+              <a:latin typeface="Arial"/>
+            </a:endParaRPr>
+          </a:p>
+        </p:txBody>
+      </p:sp>
+      <p:sp>
+        <p:nvSpPr>
+          <p:cNvPr id="169" name="PlaceHolder 4"/>
+          <p:cNvSpPr>
+            <a:spLocks noGrp="1"/>
+          </p:cNvSpPr>
+          <p:nvPr>
+            <p:ph type="body"/>
+          </p:nvPr>
+        </p:nvSpPr>
+        <p:spPr>
+          <a:xfrm>
+            <a:off x="8730720" y="1512000"/>
+            <a:ext cx="3060000" cy="2232000"/>
+          </a:xfrm>
+          <a:prstGeom prst="rect">
+            <a:avLst/>
+          </a:prstGeom>
+        </p:spPr>
+        <p:txBody>
+          <a:bodyPr lIns="0" rIns="0" tIns="0" bIns="0">
+            <a:normAutofit/>
+          </a:bodyPr>
+          <a:p>
+            <a:endParaRPr b="0" lang="es-AR" sz="3200" spc="-1" strike="noStrike">
+              <a:latin typeface="Arial"/>
+            </a:endParaRPr>
+          </a:p>
+        </p:txBody>
+      </p:sp>
+      <p:sp>
+        <p:nvSpPr>
+          <p:cNvPr id="170" name="PlaceHolder 5"/>
+          <p:cNvSpPr>
+            <a:spLocks noGrp="1"/>
+          </p:cNvSpPr>
+          <p:nvPr>
+            <p:ph type="body"/>
+          </p:nvPr>
+        </p:nvSpPr>
+        <p:spPr>
+          <a:xfrm>
+            <a:off x="2304000" y="3956400"/>
+            <a:ext cx="3060000" cy="2232000"/>
+          </a:xfrm>
+          <a:prstGeom prst="rect">
+            <a:avLst/>
+          </a:prstGeom>
+        </p:spPr>
+        <p:txBody>
+          <a:bodyPr lIns="0" rIns="0" tIns="0" bIns="0">
+            <a:normAutofit/>
+          </a:bodyPr>
+          <a:p>
+            <a:endParaRPr b="0" lang="es-AR" sz="3200" spc="-1" strike="noStrike">
+              <a:latin typeface="Arial"/>
+            </a:endParaRPr>
+          </a:p>
+        </p:txBody>
+      </p:sp>
+      <p:sp>
+        <p:nvSpPr>
+          <p:cNvPr id="171" name="PlaceHolder 6"/>
+          <p:cNvSpPr>
+            <a:spLocks noGrp="1"/>
+          </p:cNvSpPr>
+          <p:nvPr>
+            <p:ph type="body"/>
+          </p:nvPr>
+        </p:nvSpPr>
+        <p:spPr>
+          <a:xfrm>
+            <a:off x="5517360" y="3956400"/>
+            <a:ext cx="3060000" cy="2232000"/>
+          </a:xfrm>
+          <a:prstGeom prst="rect">
+            <a:avLst/>
+          </a:prstGeom>
+        </p:spPr>
+        <p:txBody>
+          <a:bodyPr lIns="0" rIns="0" tIns="0" bIns="0">
+            <a:normAutofit/>
+          </a:bodyPr>
+          <a:p>
+            <a:endParaRPr b="0" lang="es-AR" sz="3200" spc="-1" strike="noStrike">
+              <a:latin typeface="Arial"/>
+            </a:endParaRPr>
+          </a:p>
+        </p:txBody>
+      </p:sp>
+      <p:sp>
+        <p:nvSpPr>
+          <p:cNvPr id="172" name="PlaceHolder 7"/>
+          <p:cNvSpPr>
+            <a:spLocks noGrp="1"/>
+          </p:cNvSpPr>
+          <p:nvPr>
+            <p:ph type="body"/>
+          </p:nvPr>
+        </p:nvSpPr>
+        <p:spPr>
+          <a:xfrm>
+            <a:off x="8730720" y="3956400"/>
+            <a:ext cx="3060000" cy="2232000"/>
           </a:xfrm>
           <a:prstGeom prst="rect">
             <a:avLst/>
@@ -5733,7 +5732,7 @@
       </p:grpSpPr>
       <p:sp>
         <p:nvSpPr>
-          <p:cNvPr id="178" name="PlaceHolder 1"/>
+          <p:cNvPr id="179" name="PlaceHolder 1"/>
           <p:cNvSpPr>
             <a:spLocks noGrp="1"/>
           </p:cNvSpPr>
@@ -5743,8 +5742,8 @@
         </p:nvSpPr>
         <p:spPr>
           <a:xfrm>
-            <a:off x="4251600" y="2537640"/>
-            <a:ext cx="3688200" cy="1875240"/>
+            <a:off x="2762280" y="273600"/>
+            <a:ext cx="8397720" cy="1144800"/>
           </a:xfrm>
           <a:prstGeom prst="rect">
             <a:avLst/>
@@ -5762,7 +5761,7 @@
       </p:sp>
       <p:sp>
         <p:nvSpPr>
-          <p:cNvPr id="179" name="PlaceHolder 2"/>
+          <p:cNvPr id="180" name="PlaceHolder 2"/>
           <p:cNvSpPr>
             <a:spLocks noGrp="1"/>
           </p:cNvSpPr>
@@ -5772,8 +5771,8 @@
         </p:nvSpPr>
         <p:spPr>
           <a:xfrm>
-            <a:off x="2880000" y="1368000"/>
-            <a:ext cx="8701920" cy="4213800"/>
+            <a:off x="2304000" y="1512000"/>
+            <a:ext cx="9504000" cy="4680000"/>
           </a:xfrm>
           <a:prstGeom prst="rect">
             <a:avLst/>
@@ -5813,7 +5812,7 @@
       </p:grpSpPr>
       <p:sp>
         <p:nvSpPr>
-          <p:cNvPr id="180" name="PlaceHolder 1"/>
+          <p:cNvPr id="181" name="PlaceHolder 1"/>
           <p:cNvSpPr>
             <a:spLocks noGrp="1"/>
           </p:cNvSpPr>
@@ -5823,8 +5822,8 @@
         </p:nvSpPr>
         <p:spPr>
           <a:xfrm>
-            <a:off x="4251600" y="2537640"/>
-            <a:ext cx="3688200" cy="1875240"/>
+            <a:off x="2762280" y="273600"/>
+            <a:ext cx="8397720" cy="1144800"/>
           </a:xfrm>
           <a:prstGeom prst="rect">
             <a:avLst/>
@@ -5842,18 +5841,18 @@
       </p:sp>
       <p:sp>
         <p:nvSpPr>
-          <p:cNvPr id="181" name="PlaceHolder 2"/>
-          <p:cNvSpPr>
-            <a:spLocks noGrp="1"/>
-          </p:cNvSpPr>
-          <p:nvPr>
-            <p:ph type="body"/>
-          </p:nvPr>
-        </p:nvSpPr>
-        <p:spPr>
-          <a:xfrm>
-            <a:off x="2880000" y="1368000"/>
-            <a:ext cx="8701920" cy="4213800"/>
+          <p:cNvPr id="182" name="PlaceHolder 2"/>
+          <p:cNvSpPr>
+            <a:spLocks noGrp="1"/>
+          </p:cNvSpPr>
+          <p:nvPr>
+            <p:ph type="body"/>
+          </p:nvPr>
+        </p:nvSpPr>
+        <p:spPr>
+          <a:xfrm>
+            <a:off x="2304000" y="1512000"/>
+            <a:ext cx="9504000" cy="4680000"/>
           </a:xfrm>
           <a:prstGeom prst="rect">
             <a:avLst/>
@@ -5894,7 +5893,7 @@
       </p:grpSpPr>
       <p:sp>
         <p:nvSpPr>
-          <p:cNvPr id="182" name="PlaceHolder 1"/>
+          <p:cNvPr id="183" name="PlaceHolder 1"/>
           <p:cNvSpPr>
             <a:spLocks noGrp="1"/>
           </p:cNvSpPr>
@@ -5904,8 +5903,8 @@
         </p:nvSpPr>
         <p:spPr>
           <a:xfrm>
-            <a:off x="4251600" y="2537640"/>
-            <a:ext cx="3688200" cy="1875240"/>
+            <a:off x="2762280" y="273600"/>
+            <a:ext cx="8397720" cy="1144800"/>
           </a:xfrm>
           <a:prstGeom prst="rect">
             <a:avLst/>
@@ -5923,48 +5922,48 @@
       </p:sp>
       <p:sp>
         <p:nvSpPr>
-          <p:cNvPr id="183" name="PlaceHolder 2"/>
-          <p:cNvSpPr>
-            <a:spLocks noGrp="1"/>
-          </p:cNvSpPr>
-          <p:nvPr>
-            <p:ph type="body"/>
-          </p:nvPr>
-        </p:nvSpPr>
-        <p:spPr>
-          <a:xfrm>
-            <a:off x="2880000" y="1368000"/>
-            <a:ext cx="4246200" cy="4213800"/>
-          </a:xfrm>
-          <a:prstGeom prst="rect">
-            <a:avLst/>
-          </a:prstGeom>
-        </p:spPr>
-        <p:txBody>
-          <a:bodyPr lIns="0" rIns="0" tIns="0" bIns="0">
-            <a:normAutofit/>
-          </a:bodyPr>
-          <a:p>
-            <a:endParaRPr b="0" lang="es-AR" sz="3200" spc="-1" strike="noStrike">
-              <a:latin typeface="Arial"/>
-            </a:endParaRPr>
-          </a:p>
-        </p:txBody>
-      </p:sp>
-      <p:sp>
-        <p:nvSpPr>
-          <p:cNvPr id="184" name="PlaceHolder 3"/>
-          <p:cNvSpPr>
-            <a:spLocks noGrp="1"/>
-          </p:cNvSpPr>
-          <p:nvPr>
-            <p:ph type="body"/>
-          </p:nvPr>
-        </p:nvSpPr>
-        <p:spPr>
-          <a:xfrm>
-            <a:off x="7338960" y="1368000"/>
-            <a:ext cx="4246200" cy="4213800"/>
+          <p:cNvPr id="184" name="PlaceHolder 2"/>
+          <p:cNvSpPr>
+            <a:spLocks noGrp="1"/>
+          </p:cNvSpPr>
+          <p:nvPr>
+            <p:ph type="body"/>
+          </p:nvPr>
+        </p:nvSpPr>
+        <p:spPr>
+          <a:xfrm>
+            <a:off x="2304000" y="1512000"/>
+            <a:ext cx="4637880" cy="4680000"/>
+          </a:xfrm>
+          <a:prstGeom prst="rect">
+            <a:avLst/>
+          </a:prstGeom>
+        </p:spPr>
+        <p:txBody>
+          <a:bodyPr lIns="0" rIns="0" tIns="0" bIns="0">
+            <a:normAutofit/>
+          </a:bodyPr>
+          <a:p>
+            <a:endParaRPr b="0" lang="es-AR" sz="3200" spc="-1" strike="noStrike">
+              <a:latin typeface="Arial"/>
+            </a:endParaRPr>
+          </a:p>
+        </p:txBody>
+      </p:sp>
+      <p:sp>
+        <p:nvSpPr>
+          <p:cNvPr id="185" name="PlaceHolder 3"/>
+          <p:cNvSpPr>
+            <a:spLocks noGrp="1"/>
+          </p:cNvSpPr>
+          <p:nvPr>
+            <p:ph type="body"/>
+          </p:nvPr>
+        </p:nvSpPr>
+        <p:spPr>
+          <a:xfrm>
+            <a:off x="7174080" y="1512000"/>
+            <a:ext cx="4637880" cy="4680000"/>
           </a:xfrm>
           <a:prstGeom prst="rect">
             <a:avLst/>
@@ -6005,7 +6004,7 @@
       </p:grpSpPr>
       <p:sp>
         <p:nvSpPr>
-          <p:cNvPr id="185" name="PlaceHolder 1"/>
+          <p:cNvPr id="186" name="PlaceHolder 1"/>
           <p:cNvSpPr>
             <a:spLocks noGrp="1"/>
           </p:cNvSpPr>
@@ -6015,8 +6014,8 @@
         </p:nvSpPr>
         <p:spPr>
           <a:xfrm>
-            <a:off x="4251600" y="2537640"/>
-            <a:ext cx="3688200" cy="1875240"/>
+            <a:off x="2762280" y="273600"/>
+            <a:ext cx="8397720" cy="1144800"/>
           </a:xfrm>
           <a:prstGeom prst="rect">
             <a:avLst/>
@@ -6056,7 +6055,7 @@
       </p:grpSpPr>
       <p:sp>
         <p:nvSpPr>
-          <p:cNvPr id="186" name="PlaceHolder 1"/>
+          <p:cNvPr id="187" name="PlaceHolder 1"/>
           <p:cNvSpPr>
             <a:spLocks noGrp="1"/>
           </p:cNvSpPr>
@@ -6066,8 +6065,8 @@
         </p:nvSpPr>
         <p:spPr>
           <a:xfrm>
-            <a:off x="4251600" y="2924640"/>
-            <a:ext cx="3688200" cy="5104440"/>
+            <a:off x="2762280" y="273600"/>
+            <a:ext cx="8397720" cy="5307840"/>
           </a:xfrm>
           <a:prstGeom prst="rect">
             <a:avLst/>
@@ -6107,7 +6106,7 @@
       </p:grpSpPr>
       <p:sp>
         <p:nvSpPr>
-          <p:cNvPr id="187" name="PlaceHolder 1"/>
+          <p:cNvPr id="188" name="PlaceHolder 1"/>
           <p:cNvSpPr>
             <a:spLocks noGrp="1"/>
           </p:cNvSpPr>
@@ -6117,8 +6116,8 @@
         </p:nvSpPr>
         <p:spPr>
           <a:xfrm>
-            <a:off x="4251600" y="2537640"/>
-            <a:ext cx="3688200" cy="1875240"/>
+            <a:off x="2762280" y="273600"/>
+            <a:ext cx="8397720" cy="1144800"/>
           </a:xfrm>
           <a:prstGeom prst="rect">
             <a:avLst/>
@@ -6136,78 +6135,78 @@
       </p:sp>
       <p:sp>
         <p:nvSpPr>
-          <p:cNvPr id="188" name="PlaceHolder 2"/>
-          <p:cNvSpPr>
-            <a:spLocks noGrp="1"/>
-          </p:cNvSpPr>
-          <p:nvPr>
-            <p:ph type="body"/>
-          </p:nvPr>
-        </p:nvSpPr>
-        <p:spPr>
-          <a:xfrm>
-            <a:off x="2880000" y="1368000"/>
-            <a:ext cx="4246200" cy="2009880"/>
-          </a:xfrm>
-          <a:prstGeom prst="rect">
-            <a:avLst/>
-          </a:prstGeom>
-        </p:spPr>
-        <p:txBody>
-          <a:bodyPr lIns="0" rIns="0" tIns="0" bIns="0">
-            <a:normAutofit/>
-          </a:bodyPr>
-          <a:p>
-            <a:endParaRPr b="0" lang="es-AR" sz="3200" spc="-1" strike="noStrike">
-              <a:latin typeface="Arial"/>
-            </a:endParaRPr>
-          </a:p>
-        </p:txBody>
-      </p:sp>
-      <p:sp>
-        <p:nvSpPr>
-          <p:cNvPr id="189" name="PlaceHolder 3"/>
-          <p:cNvSpPr>
-            <a:spLocks noGrp="1"/>
-          </p:cNvSpPr>
-          <p:nvPr>
-            <p:ph type="body"/>
-          </p:nvPr>
-        </p:nvSpPr>
-        <p:spPr>
-          <a:xfrm>
-            <a:off x="7338960" y="1368000"/>
-            <a:ext cx="4246200" cy="4213800"/>
-          </a:xfrm>
-          <a:prstGeom prst="rect">
-            <a:avLst/>
-          </a:prstGeom>
-        </p:spPr>
-        <p:txBody>
-          <a:bodyPr lIns="0" rIns="0" tIns="0" bIns="0">
-            <a:normAutofit/>
-          </a:bodyPr>
-          <a:p>
-            <a:endParaRPr b="0" lang="es-AR" sz="3200" spc="-1" strike="noStrike">
-              <a:latin typeface="Arial"/>
-            </a:endParaRPr>
-          </a:p>
-        </p:txBody>
-      </p:sp>
-      <p:sp>
-        <p:nvSpPr>
-          <p:cNvPr id="190" name="PlaceHolder 4"/>
-          <p:cNvSpPr>
-            <a:spLocks noGrp="1"/>
-          </p:cNvSpPr>
-          <p:nvPr>
-            <p:ph type="body"/>
-          </p:nvPr>
-        </p:nvSpPr>
-        <p:spPr>
-          <a:xfrm>
-            <a:off x="2880000" y="3569040"/>
-            <a:ext cx="4246200" cy="2009880"/>
+          <p:cNvPr id="189" name="PlaceHolder 2"/>
+          <p:cNvSpPr>
+            <a:spLocks noGrp="1"/>
+          </p:cNvSpPr>
+          <p:nvPr>
+            <p:ph type="body"/>
+          </p:nvPr>
+        </p:nvSpPr>
+        <p:spPr>
+          <a:xfrm>
+            <a:off x="2304000" y="1512000"/>
+            <a:ext cx="4637880" cy="2232000"/>
+          </a:xfrm>
+          <a:prstGeom prst="rect">
+            <a:avLst/>
+          </a:prstGeom>
+        </p:spPr>
+        <p:txBody>
+          <a:bodyPr lIns="0" rIns="0" tIns="0" bIns="0">
+            <a:normAutofit/>
+          </a:bodyPr>
+          <a:p>
+            <a:endParaRPr b="0" lang="es-AR" sz="3200" spc="-1" strike="noStrike">
+              <a:latin typeface="Arial"/>
+            </a:endParaRPr>
+          </a:p>
+        </p:txBody>
+      </p:sp>
+      <p:sp>
+        <p:nvSpPr>
+          <p:cNvPr id="190" name="PlaceHolder 3"/>
+          <p:cNvSpPr>
+            <a:spLocks noGrp="1"/>
+          </p:cNvSpPr>
+          <p:nvPr>
+            <p:ph type="body"/>
+          </p:nvPr>
+        </p:nvSpPr>
+        <p:spPr>
+          <a:xfrm>
+            <a:off x="7174080" y="1512000"/>
+            <a:ext cx="4637880" cy="4680000"/>
+          </a:xfrm>
+          <a:prstGeom prst="rect">
+            <a:avLst/>
+          </a:prstGeom>
+        </p:spPr>
+        <p:txBody>
+          <a:bodyPr lIns="0" rIns="0" tIns="0" bIns="0">
+            <a:normAutofit/>
+          </a:bodyPr>
+          <a:p>
+            <a:endParaRPr b="0" lang="es-AR" sz="3200" spc="-1" strike="noStrike">
+              <a:latin typeface="Arial"/>
+            </a:endParaRPr>
+          </a:p>
+        </p:txBody>
+      </p:sp>
+      <p:sp>
+        <p:nvSpPr>
+          <p:cNvPr id="191" name="PlaceHolder 4"/>
+          <p:cNvSpPr>
+            <a:spLocks noGrp="1"/>
+          </p:cNvSpPr>
+          <p:nvPr>
+            <p:ph type="body"/>
+          </p:nvPr>
+        </p:nvSpPr>
+        <p:spPr>
+          <a:xfrm>
+            <a:off x="2304000" y="3956400"/>
+            <a:ext cx="4637880" cy="2232000"/>
           </a:xfrm>
           <a:prstGeom prst="rect">
             <a:avLst/>
@@ -6248,7 +6247,7 @@
       </p:grpSpPr>
       <p:sp>
         <p:nvSpPr>
-          <p:cNvPr id="191" name="PlaceHolder 1"/>
+          <p:cNvPr id="192" name="PlaceHolder 1"/>
           <p:cNvSpPr>
             <a:spLocks noGrp="1"/>
           </p:cNvSpPr>
@@ -6258,8 +6257,8 @@
         </p:nvSpPr>
         <p:spPr>
           <a:xfrm>
-            <a:off x="4251600" y="2537640"/>
-            <a:ext cx="3688200" cy="1875240"/>
+            <a:off x="2762280" y="273600"/>
+            <a:ext cx="8397720" cy="1144800"/>
           </a:xfrm>
           <a:prstGeom prst="rect">
             <a:avLst/>
@@ -6277,78 +6276,78 @@
       </p:sp>
       <p:sp>
         <p:nvSpPr>
-          <p:cNvPr id="192" name="PlaceHolder 2"/>
-          <p:cNvSpPr>
-            <a:spLocks noGrp="1"/>
-          </p:cNvSpPr>
-          <p:nvPr>
-            <p:ph type="body"/>
-          </p:nvPr>
-        </p:nvSpPr>
-        <p:spPr>
-          <a:xfrm>
-            <a:off x="2880000" y="1368000"/>
-            <a:ext cx="4246200" cy="4213800"/>
-          </a:xfrm>
-          <a:prstGeom prst="rect">
-            <a:avLst/>
-          </a:prstGeom>
-        </p:spPr>
-        <p:txBody>
-          <a:bodyPr lIns="0" rIns="0" tIns="0" bIns="0">
-            <a:normAutofit/>
-          </a:bodyPr>
-          <a:p>
-            <a:endParaRPr b="0" lang="es-AR" sz="3200" spc="-1" strike="noStrike">
-              <a:latin typeface="Arial"/>
-            </a:endParaRPr>
-          </a:p>
-        </p:txBody>
-      </p:sp>
-      <p:sp>
-        <p:nvSpPr>
-          <p:cNvPr id="193" name="PlaceHolder 3"/>
-          <p:cNvSpPr>
-            <a:spLocks noGrp="1"/>
-          </p:cNvSpPr>
-          <p:nvPr>
-            <p:ph type="body"/>
-          </p:nvPr>
-        </p:nvSpPr>
-        <p:spPr>
-          <a:xfrm>
-            <a:off x="7338960" y="1368000"/>
-            <a:ext cx="4246200" cy="2009880"/>
-          </a:xfrm>
-          <a:prstGeom prst="rect">
-            <a:avLst/>
-          </a:prstGeom>
-        </p:spPr>
-        <p:txBody>
-          <a:bodyPr lIns="0" rIns="0" tIns="0" bIns="0">
-            <a:normAutofit/>
-          </a:bodyPr>
-          <a:p>
-            <a:endParaRPr b="0" lang="es-AR" sz="3200" spc="-1" strike="noStrike">
-              <a:latin typeface="Arial"/>
-            </a:endParaRPr>
-          </a:p>
-        </p:txBody>
-      </p:sp>
-      <p:sp>
-        <p:nvSpPr>
-          <p:cNvPr id="194" name="PlaceHolder 4"/>
-          <p:cNvSpPr>
-            <a:spLocks noGrp="1"/>
-          </p:cNvSpPr>
-          <p:nvPr>
-            <p:ph type="body"/>
-          </p:nvPr>
-        </p:nvSpPr>
-        <p:spPr>
-          <a:xfrm>
-            <a:off x="7338960" y="3569040"/>
-            <a:ext cx="4246200" cy="2009880"/>
+          <p:cNvPr id="193" name="PlaceHolder 2"/>
+          <p:cNvSpPr>
+            <a:spLocks noGrp="1"/>
+          </p:cNvSpPr>
+          <p:nvPr>
+            <p:ph type="body"/>
+          </p:nvPr>
+        </p:nvSpPr>
+        <p:spPr>
+          <a:xfrm>
+            <a:off x="2304000" y="1512000"/>
+            <a:ext cx="4637880" cy="4680000"/>
+          </a:xfrm>
+          <a:prstGeom prst="rect">
+            <a:avLst/>
+          </a:prstGeom>
+        </p:spPr>
+        <p:txBody>
+          <a:bodyPr lIns="0" rIns="0" tIns="0" bIns="0">
+            <a:normAutofit/>
+          </a:bodyPr>
+          <a:p>
+            <a:endParaRPr b="0" lang="es-AR" sz="3200" spc="-1" strike="noStrike">
+              <a:latin typeface="Arial"/>
+            </a:endParaRPr>
+          </a:p>
+        </p:txBody>
+      </p:sp>
+      <p:sp>
+        <p:nvSpPr>
+          <p:cNvPr id="194" name="PlaceHolder 3"/>
+          <p:cNvSpPr>
+            <a:spLocks noGrp="1"/>
+          </p:cNvSpPr>
+          <p:nvPr>
+            <p:ph type="body"/>
+          </p:nvPr>
+        </p:nvSpPr>
+        <p:spPr>
+          <a:xfrm>
+            <a:off x="7174080" y="1512000"/>
+            <a:ext cx="4637880" cy="2232000"/>
+          </a:xfrm>
+          <a:prstGeom prst="rect">
+            <a:avLst/>
+          </a:prstGeom>
+        </p:spPr>
+        <p:txBody>
+          <a:bodyPr lIns="0" rIns="0" tIns="0" bIns="0">
+            <a:normAutofit/>
+          </a:bodyPr>
+          <a:p>
+            <a:endParaRPr b="0" lang="es-AR" sz="3200" spc="-1" strike="noStrike">
+              <a:latin typeface="Arial"/>
+            </a:endParaRPr>
+          </a:p>
+        </p:txBody>
+      </p:sp>
+      <p:sp>
+        <p:nvSpPr>
+          <p:cNvPr id="195" name="PlaceHolder 4"/>
+          <p:cNvSpPr>
+            <a:spLocks noGrp="1"/>
+          </p:cNvSpPr>
+          <p:nvPr>
+            <p:ph type="body"/>
+          </p:nvPr>
+        </p:nvSpPr>
+        <p:spPr>
+          <a:xfrm>
+            <a:off x="7174080" y="3956400"/>
+            <a:ext cx="4637880" cy="2232000"/>
           </a:xfrm>
           <a:prstGeom prst="rect">
             <a:avLst/>
@@ -6389,7 +6388,7 @@
       </p:grpSpPr>
       <p:sp>
         <p:nvSpPr>
-          <p:cNvPr id="195" name="PlaceHolder 1"/>
+          <p:cNvPr id="196" name="PlaceHolder 1"/>
           <p:cNvSpPr>
             <a:spLocks noGrp="1"/>
           </p:cNvSpPr>
@@ -6399,8 +6398,8 @@
         </p:nvSpPr>
         <p:spPr>
           <a:xfrm>
-            <a:off x="4251600" y="2537640"/>
-            <a:ext cx="3688200" cy="1875240"/>
+            <a:off x="2762280" y="273600"/>
+            <a:ext cx="8397720" cy="1144800"/>
           </a:xfrm>
           <a:prstGeom prst="rect">
             <a:avLst/>
@@ -6418,78 +6417,78 @@
       </p:sp>
       <p:sp>
         <p:nvSpPr>
-          <p:cNvPr id="196" name="PlaceHolder 2"/>
-          <p:cNvSpPr>
-            <a:spLocks noGrp="1"/>
-          </p:cNvSpPr>
-          <p:nvPr>
-            <p:ph type="body"/>
-          </p:nvPr>
-        </p:nvSpPr>
-        <p:spPr>
-          <a:xfrm>
-            <a:off x="2880000" y="1368000"/>
-            <a:ext cx="4246200" cy="2009880"/>
-          </a:xfrm>
-          <a:prstGeom prst="rect">
-            <a:avLst/>
-          </a:prstGeom>
-        </p:spPr>
-        <p:txBody>
-          <a:bodyPr lIns="0" rIns="0" tIns="0" bIns="0">
-            <a:normAutofit/>
-          </a:bodyPr>
-          <a:p>
-            <a:endParaRPr b="0" lang="es-AR" sz="3200" spc="-1" strike="noStrike">
-              <a:latin typeface="Arial"/>
-            </a:endParaRPr>
-          </a:p>
-        </p:txBody>
-      </p:sp>
-      <p:sp>
-        <p:nvSpPr>
-          <p:cNvPr id="197" name="PlaceHolder 3"/>
-          <p:cNvSpPr>
-            <a:spLocks noGrp="1"/>
-          </p:cNvSpPr>
-          <p:nvPr>
-            <p:ph type="body"/>
-          </p:nvPr>
-        </p:nvSpPr>
-        <p:spPr>
-          <a:xfrm>
-            <a:off x="7338960" y="1368000"/>
-            <a:ext cx="4246200" cy="2009880"/>
-          </a:xfrm>
-          <a:prstGeom prst="rect">
-            <a:avLst/>
-          </a:prstGeom>
-        </p:spPr>
-        <p:txBody>
-          <a:bodyPr lIns="0" rIns="0" tIns="0" bIns="0">
-            <a:normAutofit/>
-          </a:bodyPr>
-          <a:p>
-            <a:endParaRPr b="0" lang="es-AR" sz="3200" spc="-1" strike="noStrike">
-              <a:latin typeface="Arial"/>
-            </a:endParaRPr>
-          </a:p>
-        </p:txBody>
-      </p:sp>
-      <p:sp>
-        <p:nvSpPr>
-          <p:cNvPr id="198" name="PlaceHolder 4"/>
-          <p:cNvSpPr>
-            <a:spLocks noGrp="1"/>
-          </p:cNvSpPr>
-          <p:nvPr>
-            <p:ph type="body"/>
-          </p:nvPr>
-        </p:nvSpPr>
-        <p:spPr>
-          <a:xfrm>
-            <a:off x="2880000" y="3569040"/>
-            <a:ext cx="8701920" cy="2009880"/>
+          <p:cNvPr id="197" name="PlaceHolder 2"/>
+          <p:cNvSpPr>
+            <a:spLocks noGrp="1"/>
+          </p:cNvSpPr>
+          <p:nvPr>
+            <p:ph type="body"/>
+          </p:nvPr>
+        </p:nvSpPr>
+        <p:spPr>
+          <a:xfrm>
+            <a:off x="2304000" y="1512000"/>
+            <a:ext cx="4637880" cy="2232000"/>
+          </a:xfrm>
+          <a:prstGeom prst="rect">
+            <a:avLst/>
+          </a:prstGeom>
+        </p:spPr>
+        <p:txBody>
+          <a:bodyPr lIns="0" rIns="0" tIns="0" bIns="0">
+            <a:normAutofit/>
+          </a:bodyPr>
+          <a:p>
+            <a:endParaRPr b="0" lang="es-AR" sz="3200" spc="-1" strike="noStrike">
+              <a:latin typeface="Arial"/>
+            </a:endParaRPr>
+          </a:p>
+        </p:txBody>
+      </p:sp>
+      <p:sp>
+        <p:nvSpPr>
+          <p:cNvPr id="198" name="PlaceHolder 3"/>
+          <p:cNvSpPr>
+            <a:spLocks noGrp="1"/>
+          </p:cNvSpPr>
+          <p:nvPr>
+            <p:ph type="body"/>
+          </p:nvPr>
+        </p:nvSpPr>
+        <p:spPr>
+          <a:xfrm>
+            <a:off x="7174080" y="1512000"/>
+            <a:ext cx="4637880" cy="2232000"/>
+          </a:xfrm>
+          <a:prstGeom prst="rect">
+            <a:avLst/>
+          </a:prstGeom>
+        </p:spPr>
+        <p:txBody>
+          <a:bodyPr lIns="0" rIns="0" tIns="0" bIns="0">
+            <a:normAutofit/>
+          </a:bodyPr>
+          <a:p>
+            <a:endParaRPr b="0" lang="es-AR" sz="3200" spc="-1" strike="noStrike">
+              <a:latin typeface="Arial"/>
+            </a:endParaRPr>
+          </a:p>
+        </p:txBody>
+      </p:sp>
+      <p:sp>
+        <p:nvSpPr>
+          <p:cNvPr id="199" name="PlaceHolder 4"/>
+          <p:cNvSpPr>
+            <a:spLocks noGrp="1"/>
+          </p:cNvSpPr>
+          <p:nvPr>
+            <p:ph type="body"/>
+          </p:nvPr>
+        </p:nvSpPr>
+        <p:spPr>
+          <a:xfrm>
+            <a:off x="2304000" y="3956400"/>
+            <a:ext cx="9504000" cy="2232000"/>
           </a:xfrm>
           <a:prstGeom prst="rect">
             <a:avLst/>
@@ -6530,7 +6529,7 @@
       </p:grpSpPr>
       <p:sp>
         <p:nvSpPr>
-          <p:cNvPr id="199" name="PlaceHolder 1"/>
+          <p:cNvPr id="200" name="PlaceHolder 1"/>
           <p:cNvSpPr>
             <a:spLocks noGrp="1"/>
           </p:cNvSpPr>
@@ -6540,8 +6539,8 @@
         </p:nvSpPr>
         <p:spPr>
           <a:xfrm>
-            <a:off x="4251600" y="2537640"/>
-            <a:ext cx="3688200" cy="1875240"/>
+            <a:off x="2762280" y="273600"/>
+            <a:ext cx="8397720" cy="1144800"/>
           </a:xfrm>
           <a:prstGeom prst="rect">
             <a:avLst/>
@@ -6559,48 +6558,48 @@
       </p:sp>
       <p:sp>
         <p:nvSpPr>
-          <p:cNvPr id="200" name="PlaceHolder 2"/>
-          <p:cNvSpPr>
-            <a:spLocks noGrp="1"/>
-          </p:cNvSpPr>
-          <p:nvPr>
-            <p:ph type="body"/>
-          </p:nvPr>
-        </p:nvSpPr>
-        <p:spPr>
-          <a:xfrm>
-            <a:off x="2880000" y="1368000"/>
-            <a:ext cx="8701920" cy="2009880"/>
-          </a:xfrm>
-          <a:prstGeom prst="rect">
-            <a:avLst/>
-          </a:prstGeom>
-        </p:spPr>
-        <p:txBody>
-          <a:bodyPr lIns="0" rIns="0" tIns="0" bIns="0">
-            <a:normAutofit/>
-          </a:bodyPr>
-          <a:p>
-            <a:endParaRPr b="0" lang="es-AR" sz="3200" spc="-1" strike="noStrike">
-              <a:latin typeface="Arial"/>
-            </a:endParaRPr>
-          </a:p>
-        </p:txBody>
-      </p:sp>
-      <p:sp>
-        <p:nvSpPr>
-          <p:cNvPr id="201" name="PlaceHolder 3"/>
-          <p:cNvSpPr>
-            <a:spLocks noGrp="1"/>
-          </p:cNvSpPr>
-          <p:nvPr>
-            <p:ph type="body"/>
-          </p:nvPr>
-        </p:nvSpPr>
-        <p:spPr>
-          <a:xfrm>
-            <a:off x="2880000" y="3569040"/>
-            <a:ext cx="8701920" cy="2009880"/>
+          <p:cNvPr id="201" name="PlaceHolder 2"/>
+          <p:cNvSpPr>
+            <a:spLocks noGrp="1"/>
+          </p:cNvSpPr>
+          <p:nvPr>
+            <p:ph type="body"/>
+          </p:nvPr>
+        </p:nvSpPr>
+        <p:spPr>
+          <a:xfrm>
+            <a:off x="2304000" y="1512000"/>
+            <a:ext cx="9504000" cy="2232000"/>
+          </a:xfrm>
+          <a:prstGeom prst="rect">
+            <a:avLst/>
+          </a:prstGeom>
+        </p:spPr>
+        <p:txBody>
+          <a:bodyPr lIns="0" rIns="0" tIns="0" bIns="0">
+            <a:normAutofit/>
+          </a:bodyPr>
+          <a:p>
+            <a:endParaRPr b="0" lang="es-AR" sz="3200" spc="-1" strike="noStrike">
+              <a:latin typeface="Arial"/>
+            </a:endParaRPr>
+          </a:p>
+        </p:txBody>
+      </p:sp>
+      <p:sp>
+        <p:nvSpPr>
+          <p:cNvPr id="202" name="PlaceHolder 3"/>
+          <p:cNvSpPr>
+            <a:spLocks noGrp="1"/>
+          </p:cNvSpPr>
+          <p:nvPr>
+            <p:ph type="body"/>
+          </p:nvPr>
+        </p:nvSpPr>
+        <p:spPr>
+          <a:xfrm>
+            <a:off x="2304000" y="3956400"/>
+            <a:ext cx="9504000" cy="2232000"/>
           </a:xfrm>
           <a:prstGeom prst="rect">
             <a:avLst/>
@@ -6641,7 +6640,7 @@
       </p:grpSpPr>
       <p:sp>
         <p:nvSpPr>
-          <p:cNvPr id="202" name="PlaceHolder 1"/>
+          <p:cNvPr id="203" name="PlaceHolder 1"/>
           <p:cNvSpPr>
             <a:spLocks noGrp="1"/>
           </p:cNvSpPr>
@@ -6651,8 +6650,8 @@
         </p:nvSpPr>
         <p:spPr>
           <a:xfrm>
-            <a:off x="4251600" y="2537640"/>
-            <a:ext cx="3688200" cy="1875240"/>
+            <a:off x="2762280" y="273600"/>
+            <a:ext cx="8397720" cy="1144800"/>
           </a:xfrm>
           <a:prstGeom prst="rect">
             <a:avLst/>
@@ -6670,108 +6669,108 @@
       </p:sp>
       <p:sp>
         <p:nvSpPr>
-          <p:cNvPr id="203" name="PlaceHolder 2"/>
-          <p:cNvSpPr>
-            <a:spLocks noGrp="1"/>
-          </p:cNvSpPr>
-          <p:nvPr>
-            <p:ph type="body"/>
-          </p:nvPr>
-        </p:nvSpPr>
-        <p:spPr>
-          <a:xfrm>
-            <a:off x="2880000" y="1368000"/>
-            <a:ext cx="4246200" cy="2009880"/>
-          </a:xfrm>
-          <a:prstGeom prst="rect">
-            <a:avLst/>
-          </a:prstGeom>
-        </p:spPr>
-        <p:txBody>
-          <a:bodyPr lIns="0" rIns="0" tIns="0" bIns="0">
-            <a:normAutofit/>
-          </a:bodyPr>
-          <a:p>
-            <a:endParaRPr b="0" lang="es-AR" sz="3200" spc="-1" strike="noStrike">
-              <a:latin typeface="Arial"/>
-            </a:endParaRPr>
-          </a:p>
-        </p:txBody>
-      </p:sp>
-      <p:sp>
-        <p:nvSpPr>
-          <p:cNvPr id="204" name="PlaceHolder 3"/>
-          <p:cNvSpPr>
-            <a:spLocks noGrp="1"/>
-          </p:cNvSpPr>
-          <p:nvPr>
-            <p:ph type="body"/>
-          </p:nvPr>
-        </p:nvSpPr>
-        <p:spPr>
-          <a:xfrm>
-            <a:off x="7338960" y="1368000"/>
-            <a:ext cx="4246200" cy="2009880"/>
-          </a:xfrm>
-          <a:prstGeom prst="rect">
-            <a:avLst/>
-          </a:prstGeom>
-        </p:spPr>
-        <p:txBody>
-          <a:bodyPr lIns="0" rIns="0" tIns="0" bIns="0">
-            <a:normAutofit/>
-          </a:bodyPr>
-          <a:p>
-            <a:endParaRPr b="0" lang="es-AR" sz="3200" spc="-1" strike="noStrike">
-              <a:latin typeface="Arial"/>
-            </a:endParaRPr>
-          </a:p>
-        </p:txBody>
-      </p:sp>
-      <p:sp>
-        <p:nvSpPr>
-          <p:cNvPr id="205" name="PlaceHolder 4"/>
-          <p:cNvSpPr>
-            <a:spLocks noGrp="1"/>
-          </p:cNvSpPr>
-          <p:nvPr>
-            <p:ph type="body"/>
-          </p:nvPr>
-        </p:nvSpPr>
-        <p:spPr>
-          <a:xfrm>
-            <a:off x="2880000" y="3569040"/>
-            <a:ext cx="4246200" cy="2009880"/>
-          </a:xfrm>
-          <a:prstGeom prst="rect">
-            <a:avLst/>
-          </a:prstGeom>
-        </p:spPr>
-        <p:txBody>
-          <a:bodyPr lIns="0" rIns="0" tIns="0" bIns="0">
-            <a:normAutofit/>
-          </a:bodyPr>
-          <a:p>
-            <a:endParaRPr b="0" lang="es-AR" sz="3200" spc="-1" strike="noStrike">
-              <a:latin typeface="Arial"/>
-            </a:endParaRPr>
-          </a:p>
-        </p:txBody>
-      </p:sp>
-      <p:sp>
-        <p:nvSpPr>
-          <p:cNvPr id="206" name="PlaceHolder 5"/>
-          <p:cNvSpPr>
-            <a:spLocks noGrp="1"/>
-          </p:cNvSpPr>
-          <p:nvPr>
-            <p:ph type="body"/>
-          </p:nvPr>
-        </p:nvSpPr>
-        <p:spPr>
-          <a:xfrm>
-            <a:off x="7338960" y="3569040"/>
-            <a:ext cx="4246200" cy="2009880"/>
+          <p:cNvPr id="204" name="PlaceHolder 2"/>
+          <p:cNvSpPr>
+            <a:spLocks noGrp="1"/>
+          </p:cNvSpPr>
+          <p:nvPr>
+            <p:ph type="body"/>
+          </p:nvPr>
+        </p:nvSpPr>
+        <p:spPr>
+          <a:xfrm>
+            <a:off x="2304000" y="1512000"/>
+            <a:ext cx="4637880" cy="2232000"/>
+          </a:xfrm>
+          <a:prstGeom prst="rect">
+            <a:avLst/>
+          </a:prstGeom>
+        </p:spPr>
+        <p:txBody>
+          <a:bodyPr lIns="0" rIns="0" tIns="0" bIns="0">
+            <a:normAutofit/>
+          </a:bodyPr>
+          <a:p>
+            <a:endParaRPr b="0" lang="es-AR" sz="3200" spc="-1" strike="noStrike">
+              <a:latin typeface="Arial"/>
+            </a:endParaRPr>
+          </a:p>
+        </p:txBody>
+      </p:sp>
+      <p:sp>
+        <p:nvSpPr>
+          <p:cNvPr id="205" name="PlaceHolder 3"/>
+          <p:cNvSpPr>
+            <a:spLocks noGrp="1"/>
+          </p:cNvSpPr>
+          <p:nvPr>
+            <p:ph type="body"/>
+          </p:nvPr>
+        </p:nvSpPr>
+        <p:spPr>
+          <a:xfrm>
+            <a:off x="7174080" y="1512000"/>
+            <a:ext cx="4637880" cy="2232000"/>
+          </a:xfrm>
+          <a:prstGeom prst="rect">
+            <a:avLst/>
+          </a:prstGeom>
+        </p:spPr>
+        <p:txBody>
+          <a:bodyPr lIns="0" rIns="0" tIns="0" bIns="0">
+            <a:normAutofit/>
+          </a:bodyPr>
+          <a:p>
+            <a:endParaRPr b="0" lang="es-AR" sz="3200" spc="-1" strike="noStrike">
+              <a:latin typeface="Arial"/>
+            </a:endParaRPr>
+          </a:p>
+        </p:txBody>
+      </p:sp>
+      <p:sp>
+        <p:nvSpPr>
+          <p:cNvPr id="206" name="PlaceHolder 4"/>
+          <p:cNvSpPr>
+            <a:spLocks noGrp="1"/>
+          </p:cNvSpPr>
+          <p:nvPr>
+            <p:ph type="body"/>
+          </p:nvPr>
+        </p:nvSpPr>
+        <p:spPr>
+          <a:xfrm>
+            <a:off x="2304000" y="3956400"/>
+            <a:ext cx="4637880" cy="2232000"/>
+          </a:xfrm>
+          <a:prstGeom prst="rect">
+            <a:avLst/>
+          </a:prstGeom>
+        </p:spPr>
+        <p:txBody>
+          <a:bodyPr lIns="0" rIns="0" tIns="0" bIns="0">
+            <a:normAutofit/>
+          </a:bodyPr>
+          <a:p>
+            <a:endParaRPr b="0" lang="es-AR" sz="3200" spc="-1" strike="noStrike">
+              <a:latin typeface="Arial"/>
+            </a:endParaRPr>
+          </a:p>
+        </p:txBody>
+      </p:sp>
+      <p:sp>
+        <p:nvSpPr>
+          <p:cNvPr id="207" name="PlaceHolder 5"/>
+          <p:cNvSpPr>
+            <a:spLocks noGrp="1"/>
+          </p:cNvSpPr>
+          <p:nvPr>
+            <p:ph type="body"/>
+          </p:nvPr>
+        </p:nvSpPr>
+        <p:spPr>
+          <a:xfrm>
+            <a:off x="7174080" y="3956400"/>
+            <a:ext cx="4637880" cy="2232000"/>
           </a:xfrm>
           <a:prstGeom prst="rect">
             <a:avLst/>
@@ -6812,7 +6811,7 @@
       </p:grpSpPr>
       <p:sp>
         <p:nvSpPr>
-          <p:cNvPr id="17" name="PlaceHolder 1"/>
+          <p:cNvPr id="16" name="PlaceHolder 1"/>
           <p:cNvSpPr>
             <a:spLocks noGrp="1"/>
           </p:cNvSpPr>
@@ -6822,8 +6821,8 @@
         </p:nvSpPr>
         <p:spPr>
           <a:xfrm>
-            <a:off x="4251600" y="2924640"/>
-            <a:ext cx="3688200" cy="5104440"/>
+            <a:off x="2762280" y="273600"/>
+            <a:ext cx="8397720" cy="5307840"/>
           </a:xfrm>
           <a:prstGeom prst="rect">
             <a:avLst/>
@@ -6863,7 +6862,7 @@
       </p:grpSpPr>
       <p:sp>
         <p:nvSpPr>
-          <p:cNvPr id="207" name="PlaceHolder 1"/>
+          <p:cNvPr id="208" name="PlaceHolder 1"/>
           <p:cNvSpPr>
             <a:spLocks noGrp="1"/>
           </p:cNvSpPr>
@@ -6873,8 +6872,8 @@
         </p:nvSpPr>
         <p:spPr>
           <a:xfrm>
-            <a:off x="4251600" y="2537640"/>
-            <a:ext cx="3688200" cy="1875240"/>
+            <a:off x="2762280" y="273600"/>
+            <a:ext cx="8397720" cy="1144800"/>
           </a:xfrm>
           <a:prstGeom prst="rect">
             <a:avLst/>
@@ -6892,168 +6891,168 @@
       </p:sp>
       <p:sp>
         <p:nvSpPr>
-          <p:cNvPr id="208" name="PlaceHolder 2"/>
-          <p:cNvSpPr>
-            <a:spLocks noGrp="1"/>
-          </p:cNvSpPr>
-          <p:nvPr>
-            <p:ph type="body"/>
-          </p:nvPr>
-        </p:nvSpPr>
-        <p:spPr>
-          <a:xfrm>
-            <a:off x="2880000" y="1368000"/>
-            <a:ext cx="2801880" cy="2009880"/>
-          </a:xfrm>
-          <a:prstGeom prst="rect">
-            <a:avLst/>
-          </a:prstGeom>
-        </p:spPr>
-        <p:txBody>
-          <a:bodyPr lIns="0" rIns="0" tIns="0" bIns="0">
-            <a:normAutofit/>
-          </a:bodyPr>
-          <a:p>
-            <a:endParaRPr b="0" lang="es-AR" sz="3200" spc="-1" strike="noStrike">
-              <a:latin typeface="Arial"/>
-            </a:endParaRPr>
-          </a:p>
-        </p:txBody>
-      </p:sp>
-      <p:sp>
-        <p:nvSpPr>
-          <p:cNvPr id="209" name="PlaceHolder 3"/>
-          <p:cNvSpPr>
-            <a:spLocks noGrp="1"/>
-          </p:cNvSpPr>
-          <p:nvPr>
-            <p:ph type="body"/>
-          </p:nvPr>
-        </p:nvSpPr>
-        <p:spPr>
-          <a:xfrm>
-            <a:off x="5822280" y="1368000"/>
-            <a:ext cx="2801880" cy="2009880"/>
-          </a:xfrm>
-          <a:prstGeom prst="rect">
-            <a:avLst/>
-          </a:prstGeom>
-        </p:spPr>
-        <p:txBody>
-          <a:bodyPr lIns="0" rIns="0" tIns="0" bIns="0">
-            <a:normAutofit/>
-          </a:bodyPr>
-          <a:p>
-            <a:endParaRPr b="0" lang="es-AR" sz="3200" spc="-1" strike="noStrike">
-              <a:latin typeface="Arial"/>
-            </a:endParaRPr>
-          </a:p>
-        </p:txBody>
-      </p:sp>
-      <p:sp>
-        <p:nvSpPr>
-          <p:cNvPr id="210" name="PlaceHolder 4"/>
-          <p:cNvSpPr>
-            <a:spLocks noGrp="1"/>
-          </p:cNvSpPr>
-          <p:nvPr>
-            <p:ph type="body"/>
-          </p:nvPr>
-        </p:nvSpPr>
-        <p:spPr>
-          <a:xfrm>
-            <a:off x="8764560" y="1368000"/>
-            <a:ext cx="2801880" cy="2009880"/>
-          </a:xfrm>
-          <a:prstGeom prst="rect">
-            <a:avLst/>
-          </a:prstGeom>
-        </p:spPr>
-        <p:txBody>
-          <a:bodyPr lIns="0" rIns="0" tIns="0" bIns="0">
-            <a:normAutofit/>
-          </a:bodyPr>
-          <a:p>
-            <a:endParaRPr b="0" lang="es-AR" sz="3200" spc="-1" strike="noStrike">
-              <a:latin typeface="Arial"/>
-            </a:endParaRPr>
-          </a:p>
-        </p:txBody>
-      </p:sp>
-      <p:sp>
-        <p:nvSpPr>
-          <p:cNvPr id="211" name="PlaceHolder 5"/>
-          <p:cNvSpPr>
-            <a:spLocks noGrp="1"/>
-          </p:cNvSpPr>
-          <p:nvPr>
-            <p:ph type="body"/>
-          </p:nvPr>
-        </p:nvSpPr>
-        <p:spPr>
-          <a:xfrm>
-            <a:off x="2880000" y="3569040"/>
-            <a:ext cx="2801880" cy="2009880"/>
-          </a:xfrm>
-          <a:prstGeom prst="rect">
-            <a:avLst/>
-          </a:prstGeom>
-        </p:spPr>
-        <p:txBody>
-          <a:bodyPr lIns="0" rIns="0" tIns="0" bIns="0">
-            <a:normAutofit/>
-          </a:bodyPr>
-          <a:p>
-            <a:endParaRPr b="0" lang="es-AR" sz="3200" spc="-1" strike="noStrike">
-              <a:latin typeface="Arial"/>
-            </a:endParaRPr>
-          </a:p>
-        </p:txBody>
-      </p:sp>
-      <p:sp>
-        <p:nvSpPr>
-          <p:cNvPr id="212" name="PlaceHolder 6"/>
-          <p:cNvSpPr>
-            <a:spLocks noGrp="1"/>
-          </p:cNvSpPr>
-          <p:nvPr>
-            <p:ph type="body"/>
-          </p:nvPr>
-        </p:nvSpPr>
-        <p:spPr>
-          <a:xfrm>
-            <a:off x="5822280" y="3569040"/>
-            <a:ext cx="2801880" cy="2009880"/>
-          </a:xfrm>
-          <a:prstGeom prst="rect">
-            <a:avLst/>
-          </a:prstGeom>
-        </p:spPr>
-        <p:txBody>
-          <a:bodyPr lIns="0" rIns="0" tIns="0" bIns="0">
-            <a:normAutofit/>
-          </a:bodyPr>
-          <a:p>
-            <a:endParaRPr b="0" lang="es-AR" sz="3200" spc="-1" strike="noStrike">
-              <a:latin typeface="Arial"/>
-            </a:endParaRPr>
-          </a:p>
-        </p:txBody>
-      </p:sp>
-      <p:sp>
-        <p:nvSpPr>
-          <p:cNvPr id="213" name="PlaceHolder 7"/>
-          <p:cNvSpPr>
-            <a:spLocks noGrp="1"/>
-          </p:cNvSpPr>
-          <p:nvPr>
-            <p:ph type="body"/>
-          </p:nvPr>
-        </p:nvSpPr>
-        <p:spPr>
-          <a:xfrm>
-            <a:off x="8764560" y="3569040"/>
-            <a:ext cx="2801880" cy="2009880"/>
+          <p:cNvPr id="209" name="PlaceHolder 2"/>
+          <p:cNvSpPr>
+            <a:spLocks noGrp="1"/>
+          </p:cNvSpPr>
+          <p:nvPr>
+            <p:ph type="body"/>
+          </p:nvPr>
+        </p:nvSpPr>
+        <p:spPr>
+          <a:xfrm>
+            <a:off x="2304000" y="1512000"/>
+            <a:ext cx="3060000" cy="2232000"/>
+          </a:xfrm>
+          <a:prstGeom prst="rect">
+            <a:avLst/>
+          </a:prstGeom>
+        </p:spPr>
+        <p:txBody>
+          <a:bodyPr lIns="0" rIns="0" tIns="0" bIns="0">
+            <a:normAutofit/>
+          </a:bodyPr>
+          <a:p>
+            <a:endParaRPr b="0" lang="es-AR" sz="3200" spc="-1" strike="noStrike">
+              <a:latin typeface="Arial"/>
+            </a:endParaRPr>
+          </a:p>
+        </p:txBody>
+      </p:sp>
+      <p:sp>
+        <p:nvSpPr>
+          <p:cNvPr id="210" name="PlaceHolder 3"/>
+          <p:cNvSpPr>
+            <a:spLocks noGrp="1"/>
+          </p:cNvSpPr>
+          <p:nvPr>
+            <p:ph type="body"/>
+          </p:nvPr>
+        </p:nvSpPr>
+        <p:spPr>
+          <a:xfrm>
+            <a:off x="5517360" y="1512000"/>
+            <a:ext cx="3060000" cy="2232000"/>
+          </a:xfrm>
+          <a:prstGeom prst="rect">
+            <a:avLst/>
+          </a:prstGeom>
+        </p:spPr>
+        <p:txBody>
+          <a:bodyPr lIns="0" rIns="0" tIns="0" bIns="0">
+            <a:normAutofit/>
+          </a:bodyPr>
+          <a:p>
+            <a:endParaRPr b="0" lang="es-AR" sz="3200" spc="-1" strike="noStrike">
+              <a:latin typeface="Arial"/>
+            </a:endParaRPr>
+          </a:p>
+        </p:txBody>
+      </p:sp>
+      <p:sp>
+        <p:nvSpPr>
+          <p:cNvPr id="211" name="PlaceHolder 4"/>
+          <p:cNvSpPr>
+            <a:spLocks noGrp="1"/>
+          </p:cNvSpPr>
+          <p:nvPr>
+            <p:ph type="body"/>
+          </p:nvPr>
+        </p:nvSpPr>
+        <p:spPr>
+          <a:xfrm>
+            <a:off x="8730720" y="1512000"/>
+            <a:ext cx="3060000" cy="2232000"/>
+          </a:xfrm>
+          <a:prstGeom prst="rect">
+            <a:avLst/>
+          </a:prstGeom>
+        </p:spPr>
+        <p:txBody>
+          <a:bodyPr lIns="0" rIns="0" tIns="0" bIns="0">
+            <a:normAutofit/>
+          </a:bodyPr>
+          <a:p>
+            <a:endParaRPr b="0" lang="es-AR" sz="3200" spc="-1" strike="noStrike">
+              <a:latin typeface="Arial"/>
+            </a:endParaRPr>
+          </a:p>
+        </p:txBody>
+      </p:sp>
+      <p:sp>
+        <p:nvSpPr>
+          <p:cNvPr id="212" name="PlaceHolder 5"/>
+          <p:cNvSpPr>
+            <a:spLocks noGrp="1"/>
+          </p:cNvSpPr>
+          <p:nvPr>
+            <p:ph type="body"/>
+          </p:nvPr>
+        </p:nvSpPr>
+        <p:spPr>
+          <a:xfrm>
+            <a:off x="2304000" y="3956400"/>
+            <a:ext cx="3060000" cy="2232000"/>
+          </a:xfrm>
+          <a:prstGeom prst="rect">
+            <a:avLst/>
+          </a:prstGeom>
+        </p:spPr>
+        <p:txBody>
+          <a:bodyPr lIns="0" rIns="0" tIns="0" bIns="0">
+            <a:normAutofit/>
+          </a:bodyPr>
+          <a:p>
+            <a:endParaRPr b="0" lang="es-AR" sz="3200" spc="-1" strike="noStrike">
+              <a:latin typeface="Arial"/>
+            </a:endParaRPr>
+          </a:p>
+        </p:txBody>
+      </p:sp>
+      <p:sp>
+        <p:nvSpPr>
+          <p:cNvPr id="213" name="PlaceHolder 6"/>
+          <p:cNvSpPr>
+            <a:spLocks noGrp="1"/>
+          </p:cNvSpPr>
+          <p:nvPr>
+            <p:ph type="body"/>
+          </p:nvPr>
+        </p:nvSpPr>
+        <p:spPr>
+          <a:xfrm>
+            <a:off x="5517360" y="3956400"/>
+            <a:ext cx="3060000" cy="2232000"/>
+          </a:xfrm>
+          <a:prstGeom prst="rect">
+            <a:avLst/>
+          </a:prstGeom>
+        </p:spPr>
+        <p:txBody>
+          <a:bodyPr lIns="0" rIns="0" tIns="0" bIns="0">
+            <a:normAutofit/>
+          </a:bodyPr>
+          <a:p>
+            <a:endParaRPr b="0" lang="es-AR" sz="3200" spc="-1" strike="noStrike">
+              <a:latin typeface="Arial"/>
+            </a:endParaRPr>
+          </a:p>
+        </p:txBody>
+      </p:sp>
+      <p:sp>
+        <p:nvSpPr>
+          <p:cNvPr id="214" name="PlaceHolder 7"/>
+          <p:cNvSpPr>
+            <a:spLocks noGrp="1"/>
+          </p:cNvSpPr>
+          <p:nvPr>
+            <p:ph type="body"/>
+          </p:nvPr>
+        </p:nvSpPr>
+        <p:spPr>
+          <a:xfrm>
+            <a:off x="8730720" y="3956400"/>
+            <a:ext cx="3060000" cy="2232000"/>
           </a:xfrm>
           <a:prstGeom prst="rect">
             <a:avLst/>
@@ -7116,7 +7115,7 @@
       </p:grpSpPr>
       <p:sp>
         <p:nvSpPr>
-          <p:cNvPr id="219" name="PlaceHolder 1"/>
+          <p:cNvPr id="221" name="PlaceHolder 1"/>
           <p:cNvSpPr>
             <a:spLocks noGrp="1"/>
           </p:cNvSpPr>
@@ -7126,8 +7125,8 @@
         </p:nvSpPr>
         <p:spPr>
           <a:xfrm>
-            <a:off x="4251600" y="2537640"/>
-            <a:ext cx="3688200" cy="1875240"/>
+            <a:off x="2762280" y="273600"/>
+            <a:ext cx="8397720" cy="1144800"/>
           </a:xfrm>
           <a:prstGeom prst="rect">
             <a:avLst/>
@@ -7145,7 +7144,7 @@
       </p:sp>
       <p:sp>
         <p:nvSpPr>
-          <p:cNvPr id="220" name="PlaceHolder 2"/>
+          <p:cNvPr id="222" name="PlaceHolder 2"/>
           <p:cNvSpPr>
             <a:spLocks noGrp="1"/>
           </p:cNvSpPr>
@@ -7155,8 +7154,8 @@
         </p:nvSpPr>
         <p:spPr>
           <a:xfrm>
-            <a:off x="2880000" y="1368000"/>
-            <a:ext cx="8701920" cy="4213800"/>
+            <a:off x="2304000" y="1512000"/>
+            <a:ext cx="9504000" cy="4680000"/>
           </a:xfrm>
           <a:prstGeom prst="rect">
             <a:avLst/>
@@ -7196,7 +7195,7 @@
       </p:grpSpPr>
       <p:sp>
         <p:nvSpPr>
-          <p:cNvPr id="221" name="PlaceHolder 1"/>
+          <p:cNvPr id="223" name="PlaceHolder 1"/>
           <p:cNvSpPr>
             <a:spLocks noGrp="1"/>
           </p:cNvSpPr>
@@ -7206,8 +7205,8 @@
         </p:nvSpPr>
         <p:spPr>
           <a:xfrm>
-            <a:off x="4251600" y="2537640"/>
-            <a:ext cx="3688200" cy="1875240"/>
+            <a:off x="2762280" y="273600"/>
+            <a:ext cx="8397720" cy="1144800"/>
           </a:xfrm>
           <a:prstGeom prst="rect">
             <a:avLst/>
@@ -7225,18 +7224,18 @@
       </p:sp>
       <p:sp>
         <p:nvSpPr>
-          <p:cNvPr id="222" name="PlaceHolder 2"/>
-          <p:cNvSpPr>
-            <a:spLocks noGrp="1"/>
-          </p:cNvSpPr>
-          <p:nvPr>
-            <p:ph type="body"/>
-          </p:nvPr>
-        </p:nvSpPr>
-        <p:spPr>
-          <a:xfrm>
-            <a:off x="2880000" y="1368000"/>
-            <a:ext cx="8701920" cy="4213800"/>
+          <p:cNvPr id="224" name="PlaceHolder 2"/>
+          <p:cNvSpPr>
+            <a:spLocks noGrp="1"/>
+          </p:cNvSpPr>
+          <p:nvPr>
+            <p:ph type="body"/>
+          </p:nvPr>
+        </p:nvSpPr>
+        <p:spPr>
+          <a:xfrm>
+            <a:off x="2304000" y="1512000"/>
+            <a:ext cx="9504000" cy="4680000"/>
           </a:xfrm>
           <a:prstGeom prst="rect">
             <a:avLst/>
@@ -7277,7 +7276,7 @@
       </p:grpSpPr>
       <p:sp>
         <p:nvSpPr>
-          <p:cNvPr id="223" name="PlaceHolder 1"/>
+          <p:cNvPr id="225" name="PlaceHolder 1"/>
           <p:cNvSpPr>
             <a:spLocks noGrp="1"/>
           </p:cNvSpPr>
@@ -7287,8 +7286,8 @@
         </p:nvSpPr>
         <p:spPr>
           <a:xfrm>
-            <a:off x="4251600" y="2537640"/>
-            <a:ext cx="3688200" cy="1875240"/>
+            <a:off x="2762280" y="273600"/>
+            <a:ext cx="8397720" cy="1144800"/>
           </a:xfrm>
           <a:prstGeom prst="rect">
             <a:avLst/>
@@ -7306,48 +7305,48 @@
       </p:sp>
       <p:sp>
         <p:nvSpPr>
-          <p:cNvPr id="224" name="PlaceHolder 2"/>
-          <p:cNvSpPr>
-            <a:spLocks noGrp="1"/>
-          </p:cNvSpPr>
-          <p:nvPr>
-            <p:ph type="body"/>
-          </p:nvPr>
-        </p:nvSpPr>
-        <p:spPr>
-          <a:xfrm>
-            <a:off x="2880000" y="1368000"/>
-            <a:ext cx="4246200" cy="4213800"/>
-          </a:xfrm>
-          <a:prstGeom prst="rect">
-            <a:avLst/>
-          </a:prstGeom>
-        </p:spPr>
-        <p:txBody>
-          <a:bodyPr lIns="0" rIns="0" tIns="0" bIns="0">
-            <a:normAutofit/>
-          </a:bodyPr>
-          <a:p>
-            <a:endParaRPr b="0" lang="es-AR" sz="3200" spc="-1" strike="noStrike">
-              <a:latin typeface="Arial"/>
-            </a:endParaRPr>
-          </a:p>
-        </p:txBody>
-      </p:sp>
-      <p:sp>
-        <p:nvSpPr>
-          <p:cNvPr id="225" name="PlaceHolder 3"/>
-          <p:cNvSpPr>
-            <a:spLocks noGrp="1"/>
-          </p:cNvSpPr>
-          <p:nvPr>
-            <p:ph type="body"/>
-          </p:nvPr>
-        </p:nvSpPr>
-        <p:spPr>
-          <a:xfrm>
-            <a:off x="7338960" y="1368000"/>
-            <a:ext cx="4246200" cy="4213800"/>
+          <p:cNvPr id="226" name="PlaceHolder 2"/>
+          <p:cNvSpPr>
+            <a:spLocks noGrp="1"/>
+          </p:cNvSpPr>
+          <p:nvPr>
+            <p:ph type="body"/>
+          </p:nvPr>
+        </p:nvSpPr>
+        <p:spPr>
+          <a:xfrm>
+            <a:off x="2304000" y="1512000"/>
+            <a:ext cx="4637880" cy="4680000"/>
+          </a:xfrm>
+          <a:prstGeom prst="rect">
+            <a:avLst/>
+          </a:prstGeom>
+        </p:spPr>
+        <p:txBody>
+          <a:bodyPr lIns="0" rIns="0" tIns="0" bIns="0">
+            <a:normAutofit/>
+          </a:bodyPr>
+          <a:p>
+            <a:endParaRPr b="0" lang="es-AR" sz="3200" spc="-1" strike="noStrike">
+              <a:latin typeface="Arial"/>
+            </a:endParaRPr>
+          </a:p>
+        </p:txBody>
+      </p:sp>
+      <p:sp>
+        <p:nvSpPr>
+          <p:cNvPr id="227" name="PlaceHolder 3"/>
+          <p:cNvSpPr>
+            <a:spLocks noGrp="1"/>
+          </p:cNvSpPr>
+          <p:nvPr>
+            <p:ph type="body"/>
+          </p:nvPr>
+        </p:nvSpPr>
+        <p:spPr>
+          <a:xfrm>
+            <a:off x="7174080" y="1512000"/>
+            <a:ext cx="4637880" cy="4680000"/>
           </a:xfrm>
           <a:prstGeom prst="rect">
             <a:avLst/>
@@ -7388,7 +7387,7 @@
       </p:grpSpPr>
       <p:sp>
         <p:nvSpPr>
-          <p:cNvPr id="226" name="PlaceHolder 1"/>
+          <p:cNvPr id="228" name="PlaceHolder 1"/>
           <p:cNvSpPr>
             <a:spLocks noGrp="1"/>
           </p:cNvSpPr>
@@ -7398,8 +7397,8 @@
         </p:nvSpPr>
         <p:spPr>
           <a:xfrm>
-            <a:off x="4251600" y="2537640"/>
-            <a:ext cx="3688200" cy="1875240"/>
+            <a:off x="2762280" y="273600"/>
+            <a:ext cx="8397720" cy="1144800"/>
           </a:xfrm>
           <a:prstGeom prst="rect">
             <a:avLst/>
@@ -7439,7 +7438,7 @@
       </p:grpSpPr>
       <p:sp>
         <p:nvSpPr>
-          <p:cNvPr id="227" name="PlaceHolder 1"/>
+          <p:cNvPr id="229" name="PlaceHolder 1"/>
           <p:cNvSpPr>
             <a:spLocks noGrp="1"/>
           </p:cNvSpPr>
@@ -7449,8 +7448,8 @@
         </p:nvSpPr>
         <p:spPr>
           <a:xfrm>
-            <a:off x="4251600" y="2924640"/>
-            <a:ext cx="3688200" cy="5104440"/>
+            <a:off x="2762280" y="273600"/>
+            <a:ext cx="8397720" cy="5307840"/>
           </a:xfrm>
           <a:prstGeom prst="rect">
             <a:avLst/>
@@ -7490,7 +7489,7 @@
       </p:grpSpPr>
       <p:sp>
         <p:nvSpPr>
-          <p:cNvPr id="228" name="PlaceHolder 1"/>
+          <p:cNvPr id="230" name="PlaceHolder 1"/>
           <p:cNvSpPr>
             <a:spLocks noGrp="1"/>
           </p:cNvSpPr>
@@ -7500,8 +7499,8 @@
         </p:nvSpPr>
         <p:spPr>
           <a:xfrm>
-            <a:off x="4251600" y="2537640"/>
-            <a:ext cx="3688200" cy="1875240"/>
+            <a:off x="2762280" y="273600"/>
+            <a:ext cx="8397720" cy="1144800"/>
           </a:xfrm>
           <a:prstGeom prst="rect">
             <a:avLst/>
@@ -7519,78 +7518,78 @@
       </p:sp>
       <p:sp>
         <p:nvSpPr>
-          <p:cNvPr id="229" name="PlaceHolder 2"/>
-          <p:cNvSpPr>
-            <a:spLocks noGrp="1"/>
-          </p:cNvSpPr>
-          <p:nvPr>
-            <p:ph type="body"/>
-          </p:nvPr>
-        </p:nvSpPr>
-        <p:spPr>
-          <a:xfrm>
-            <a:off x="2880000" y="1368000"/>
-            <a:ext cx="4246200" cy="2009880"/>
-          </a:xfrm>
-          <a:prstGeom prst="rect">
-            <a:avLst/>
-          </a:prstGeom>
-        </p:spPr>
-        <p:txBody>
-          <a:bodyPr lIns="0" rIns="0" tIns="0" bIns="0">
-            <a:normAutofit/>
-          </a:bodyPr>
-          <a:p>
-            <a:endParaRPr b="0" lang="es-AR" sz="3200" spc="-1" strike="noStrike">
-              <a:latin typeface="Arial"/>
-            </a:endParaRPr>
-          </a:p>
-        </p:txBody>
-      </p:sp>
-      <p:sp>
-        <p:nvSpPr>
-          <p:cNvPr id="230" name="PlaceHolder 3"/>
-          <p:cNvSpPr>
-            <a:spLocks noGrp="1"/>
-          </p:cNvSpPr>
-          <p:nvPr>
-            <p:ph type="body"/>
-          </p:nvPr>
-        </p:nvSpPr>
-        <p:spPr>
-          <a:xfrm>
-            <a:off x="7338960" y="1368000"/>
-            <a:ext cx="4246200" cy="4213800"/>
-          </a:xfrm>
-          <a:prstGeom prst="rect">
-            <a:avLst/>
-          </a:prstGeom>
-        </p:spPr>
-        <p:txBody>
-          <a:bodyPr lIns="0" rIns="0" tIns="0" bIns="0">
-            <a:normAutofit/>
-          </a:bodyPr>
-          <a:p>
-            <a:endParaRPr b="0" lang="es-AR" sz="3200" spc="-1" strike="noStrike">
-              <a:latin typeface="Arial"/>
-            </a:endParaRPr>
-          </a:p>
-        </p:txBody>
-      </p:sp>
-      <p:sp>
-        <p:nvSpPr>
-          <p:cNvPr id="231" name="PlaceHolder 4"/>
-          <p:cNvSpPr>
-            <a:spLocks noGrp="1"/>
-          </p:cNvSpPr>
-          <p:nvPr>
-            <p:ph type="body"/>
-          </p:nvPr>
-        </p:nvSpPr>
-        <p:spPr>
-          <a:xfrm>
-            <a:off x="2880000" y="3569040"/>
-            <a:ext cx="4246200" cy="2009880"/>
+          <p:cNvPr id="231" name="PlaceHolder 2"/>
+          <p:cNvSpPr>
+            <a:spLocks noGrp="1"/>
+          </p:cNvSpPr>
+          <p:nvPr>
+            <p:ph type="body"/>
+          </p:nvPr>
+        </p:nvSpPr>
+        <p:spPr>
+          <a:xfrm>
+            <a:off x="2304000" y="1512000"/>
+            <a:ext cx="4637880" cy="2232000"/>
+          </a:xfrm>
+          <a:prstGeom prst="rect">
+            <a:avLst/>
+          </a:prstGeom>
+        </p:spPr>
+        <p:txBody>
+          <a:bodyPr lIns="0" rIns="0" tIns="0" bIns="0">
+            <a:normAutofit/>
+          </a:bodyPr>
+          <a:p>
+            <a:endParaRPr b="0" lang="es-AR" sz="3200" spc="-1" strike="noStrike">
+              <a:latin typeface="Arial"/>
+            </a:endParaRPr>
+          </a:p>
+        </p:txBody>
+      </p:sp>
+      <p:sp>
+        <p:nvSpPr>
+          <p:cNvPr id="232" name="PlaceHolder 3"/>
+          <p:cNvSpPr>
+            <a:spLocks noGrp="1"/>
+          </p:cNvSpPr>
+          <p:nvPr>
+            <p:ph type="body"/>
+          </p:nvPr>
+        </p:nvSpPr>
+        <p:spPr>
+          <a:xfrm>
+            <a:off x="7174080" y="1512000"/>
+            <a:ext cx="4637880" cy="4680000"/>
+          </a:xfrm>
+          <a:prstGeom prst="rect">
+            <a:avLst/>
+          </a:prstGeom>
+        </p:spPr>
+        <p:txBody>
+          <a:bodyPr lIns="0" rIns="0" tIns="0" bIns="0">
+            <a:normAutofit/>
+          </a:bodyPr>
+          <a:p>
+            <a:endParaRPr b="0" lang="es-AR" sz="3200" spc="-1" strike="noStrike">
+              <a:latin typeface="Arial"/>
+            </a:endParaRPr>
+          </a:p>
+        </p:txBody>
+      </p:sp>
+      <p:sp>
+        <p:nvSpPr>
+          <p:cNvPr id="233" name="PlaceHolder 4"/>
+          <p:cNvSpPr>
+            <a:spLocks noGrp="1"/>
+          </p:cNvSpPr>
+          <p:nvPr>
+            <p:ph type="body"/>
+          </p:nvPr>
+        </p:nvSpPr>
+        <p:spPr>
+          <a:xfrm>
+            <a:off x="2304000" y="3956400"/>
+            <a:ext cx="4637880" cy="2232000"/>
           </a:xfrm>
           <a:prstGeom prst="rect">
             <a:avLst/>
@@ -7631,7 +7630,7 @@
       </p:grpSpPr>
       <p:sp>
         <p:nvSpPr>
-          <p:cNvPr id="232" name="PlaceHolder 1"/>
+          <p:cNvPr id="234" name="PlaceHolder 1"/>
           <p:cNvSpPr>
             <a:spLocks noGrp="1"/>
           </p:cNvSpPr>
@@ -7641,8 +7640,8 @@
         </p:nvSpPr>
         <p:spPr>
           <a:xfrm>
-            <a:off x="4251600" y="2537640"/>
-            <a:ext cx="3688200" cy="1875240"/>
+            <a:off x="2762280" y="273600"/>
+            <a:ext cx="8397720" cy="1144800"/>
           </a:xfrm>
           <a:prstGeom prst="rect">
             <a:avLst/>
@@ -7660,78 +7659,78 @@
       </p:sp>
       <p:sp>
         <p:nvSpPr>
-          <p:cNvPr id="233" name="PlaceHolder 2"/>
-          <p:cNvSpPr>
-            <a:spLocks noGrp="1"/>
-          </p:cNvSpPr>
-          <p:nvPr>
-            <p:ph type="body"/>
-          </p:nvPr>
-        </p:nvSpPr>
-        <p:spPr>
-          <a:xfrm>
-            <a:off x="2880000" y="1368000"/>
-            <a:ext cx="4246200" cy="4213800"/>
-          </a:xfrm>
-          <a:prstGeom prst="rect">
-            <a:avLst/>
-          </a:prstGeom>
-        </p:spPr>
-        <p:txBody>
-          <a:bodyPr lIns="0" rIns="0" tIns="0" bIns="0">
-            <a:normAutofit/>
-          </a:bodyPr>
-          <a:p>
-            <a:endParaRPr b="0" lang="es-AR" sz="3200" spc="-1" strike="noStrike">
-              <a:latin typeface="Arial"/>
-            </a:endParaRPr>
-          </a:p>
-        </p:txBody>
-      </p:sp>
-      <p:sp>
-        <p:nvSpPr>
-          <p:cNvPr id="234" name="PlaceHolder 3"/>
-          <p:cNvSpPr>
-            <a:spLocks noGrp="1"/>
-          </p:cNvSpPr>
-          <p:nvPr>
-            <p:ph type="body"/>
-          </p:nvPr>
-        </p:nvSpPr>
-        <p:spPr>
-          <a:xfrm>
-            <a:off x="7338960" y="1368000"/>
-            <a:ext cx="4246200" cy="2009880"/>
-          </a:xfrm>
-          <a:prstGeom prst="rect">
-            <a:avLst/>
-          </a:prstGeom>
-        </p:spPr>
-        <p:txBody>
-          <a:bodyPr lIns="0" rIns="0" tIns="0" bIns="0">
-            <a:normAutofit/>
-          </a:bodyPr>
-          <a:p>
-            <a:endParaRPr b="0" lang="es-AR" sz="3200" spc="-1" strike="noStrike">
-              <a:latin typeface="Arial"/>
-            </a:endParaRPr>
-          </a:p>
-        </p:txBody>
-      </p:sp>
-      <p:sp>
-        <p:nvSpPr>
-          <p:cNvPr id="235" name="PlaceHolder 4"/>
-          <p:cNvSpPr>
-            <a:spLocks noGrp="1"/>
-          </p:cNvSpPr>
-          <p:nvPr>
-            <p:ph type="body"/>
-          </p:nvPr>
-        </p:nvSpPr>
-        <p:spPr>
-          <a:xfrm>
-            <a:off x="7338960" y="3569040"/>
-            <a:ext cx="4246200" cy="2009880"/>
+          <p:cNvPr id="235" name="PlaceHolder 2"/>
+          <p:cNvSpPr>
+            <a:spLocks noGrp="1"/>
+          </p:cNvSpPr>
+          <p:nvPr>
+            <p:ph type="body"/>
+          </p:nvPr>
+        </p:nvSpPr>
+        <p:spPr>
+          <a:xfrm>
+            <a:off x="2304000" y="1512000"/>
+            <a:ext cx="4637880" cy="4680000"/>
+          </a:xfrm>
+          <a:prstGeom prst="rect">
+            <a:avLst/>
+          </a:prstGeom>
+        </p:spPr>
+        <p:txBody>
+          <a:bodyPr lIns="0" rIns="0" tIns="0" bIns="0">
+            <a:normAutofit/>
+          </a:bodyPr>
+          <a:p>
+            <a:endParaRPr b="0" lang="es-AR" sz="3200" spc="-1" strike="noStrike">
+              <a:latin typeface="Arial"/>
+            </a:endParaRPr>
+          </a:p>
+        </p:txBody>
+      </p:sp>
+      <p:sp>
+        <p:nvSpPr>
+          <p:cNvPr id="236" name="PlaceHolder 3"/>
+          <p:cNvSpPr>
+            <a:spLocks noGrp="1"/>
+          </p:cNvSpPr>
+          <p:nvPr>
+            <p:ph type="body"/>
+          </p:nvPr>
+        </p:nvSpPr>
+        <p:spPr>
+          <a:xfrm>
+            <a:off x="7174080" y="1512000"/>
+            <a:ext cx="4637880" cy="2232000"/>
+          </a:xfrm>
+          <a:prstGeom prst="rect">
+            <a:avLst/>
+          </a:prstGeom>
+        </p:spPr>
+        <p:txBody>
+          <a:bodyPr lIns="0" rIns="0" tIns="0" bIns="0">
+            <a:normAutofit/>
+          </a:bodyPr>
+          <a:p>
+            <a:endParaRPr b="0" lang="es-AR" sz="3200" spc="-1" strike="noStrike">
+              <a:latin typeface="Arial"/>
+            </a:endParaRPr>
+          </a:p>
+        </p:txBody>
+      </p:sp>
+      <p:sp>
+        <p:nvSpPr>
+          <p:cNvPr id="237" name="PlaceHolder 4"/>
+          <p:cNvSpPr>
+            <a:spLocks noGrp="1"/>
+          </p:cNvSpPr>
+          <p:nvPr>
+            <p:ph type="body"/>
+          </p:nvPr>
+        </p:nvSpPr>
+        <p:spPr>
+          <a:xfrm>
+            <a:off x="7174080" y="3956400"/>
+            <a:ext cx="4637880" cy="2232000"/>
           </a:xfrm>
           <a:prstGeom prst="rect">
             <a:avLst/>
@@ -7772,7 +7771,7 @@
       </p:grpSpPr>
       <p:sp>
         <p:nvSpPr>
-          <p:cNvPr id="236" name="PlaceHolder 1"/>
+          <p:cNvPr id="238" name="PlaceHolder 1"/>
           <p:cNvSpPr>
             <a:spLocks noGrp="1"/>
           </p:cNvSpPr>
@@ -7782,8 +7781,8 @@
         </p:nvSpPr>
         <p:spPr>
           <a:xfrm>
-            <a:off x="4251600" y="2537640"/>
-            <a:ext cx="3688200" cy="1875240"/>
+            <a:off x="2762280" y="273600"/>
+            <a:ext cx="8397720" cy="1144800"/>
           </a:xfrm>
           <a:prstGeom prst="rect">
             <a:avLst/>
@@ -7801,78 +7800,78 @@
       </p:sp>
       <p:sp>
         <p:nvSpPr>
-          <p:cNvPr id="237" name="PlaceHolder 2"/>
-          <p:cNvSpPr>
-            <a:spLocks noGrp="1"/>
-          </p:cNvSpPr>
-          <p:nvPr>
-            <p:ph type="body"/>
-          </p:nvPr>
-        </p:nvSpPr>
-        <p:spPr>
-          <a:xfrm>
-            <a:off x="2880000" y="1368000"/>
-            <a:ext cx="4246200" cy="2009880"/>
-          </a:xfrm>
-          <a:prstGeom prst="rect">
-            <a:avLst/>
-          </a:prstGeom>
-        </p:spPr>
-        <p:txBody>
-          <a:bodyPr lIns="0" rIns="0" tIns="0" bIns="0">
-            <a:normAutofit/>
-          </a:bodyPr>
-          <a:p>
-            <a:endParaRPr b="0" lang="es-AR" sz="3200" spc="-1" strike="noStrike">
-              <a:latin typeface="Arial"/>
-            </a:endParaRPr>
-          </a:p>
-        </p:txBody>
-      </p:sp>
-      <p:sp>
-        <p:nvSpPr>
-          <p:cNvPr id="238" name="PlaceHolder 3"/>
-          <p:cNvSpPr>
-            <a:spLocks noGrp="1"/>
-          </p:cNvSpPr>
-          <p:nvPr>
-            <p:ph type="body"/>
-          </p:nvPr>
-        </p:nvSpPr>
-        <p:spPr>
-          <a:xfrm>
-            <a:off x="7338960" y="1368000"/>
-            <a:ext cx="4246200" cy="2009880"/>
-          </a:xfrm>
-          <a:prstGeom prst="rect">
-            <a:avLst/>
-          </a:prstGeom>
-        </p:spPr>
-        <p:txBody>
-          <a:bodyPr lIns="0" rIns="0" tIns="0" bIns="0">
-            <a:normAutofit/>
-          </a:bodyPr>
-          <a:p>
-            <a:endParaRPr b="0" lang="es-AR" sz="3200" spc="-1" strike="noStrike">
-              <a:latin typeface="Arial"/>
-            </a:endParaRPr>
-          </a:p>
-        </p:txBody>
-      </p:sp>
-      <p:sp>
-        <p:nvSpPr>
-          <p:cNvPr id="239" name="PlaceHolder 4"/>
-          <p:cNvSpPr>
-            <a:spLocks noGrp="1"/>
-          </p:cNvSpPr>
-          <p:nvPr>
-            <p:ph type="body"/>
-          </p:nvPr>
-        </p:nvSpPr>
-        <p:spPr>
-          <a:xfrm>
-            <a:off x="2880000" y="3569040"/>
-            <a:ext cx="8701920" cy="2009880"/>
+          <p:cNvPr id="239" name="PlaceHolder 2"/>
+          <p:cNvSpPr>
+            <a:spLocks noGrp="1"/>
+          </p:cNvSpPr>
+          <p:nvPr>
+            <p:ph type="body"/>
+          </p:nvPr>
+        </p:nvSpPr>
+        <p:spPr>
+          <a:xfrm>
+            <a:off x="2304000" y="1512000"/>
+            <a:ext cx="4637880" cy="2232000"/>
+          </a:xfrm>
+          <a:prstGeom prst="rect">
+            <a:avLst/>
+          </a:prstGeom>
+        </p:spPr>
+        <p:txBody>
+          <a:bodyPr lIns="0" rIns="0" tIns="0" bIns="0">
+            <a:normAutofit/>
+          </a:bodyPr>
+          <a:p>
+            <a:endParaRPr b="0" lang="es-AR" sz="3200" spc="-1" strike="noStrike">
+              <a:latin typeface="Arial"/>
+            </a:endParaRPr>
+          </a:p>
+        </p:txBody>
+      </p:sp>
+      <p:sp>
+        <p:nvSpPr>
+          <p:cNvPr id="240" name="PlaceHolder 3"/>
+          <p:cNvSpPr>
+            <a:spLocks noGrp="1"/>
+          </p:cNvSpPr>
+          <p:nvPr>
+            <p:ph type="body"/>
+          </p:nvPr>
+        </p:nvSpPr>
+        <p:spPr>
+          <a:xfrm>
+            <a:off x="7174080" y="1512000"/>
+            <a:ext cx="4637880" cy="2232000"/>
+          </a:xfrm>
+          <a:prstGeom prst="rect">
+            <a:avLst/>
+          </a:prstGeom>
+        </p:spPr>
+        <p:txBody>
+          <a:bodyPr lIns="0" rIns="0" tIns="0" bIns="0">
+            <a:normAutofit/>
+          </a:bodyPr>
+          <a:p>
+            <a:endParaRPr b="0" lang="es-AR" sz="3200" spc="-1" strike="noStrike">
+              <a:latin typeface="Arial"/>
+            </a:endParaRPr>
+          </a:p>
+        </p:txBody>
+      </p:sp>
+      <p:sp>
+        <p:nvSpPr>
+          <p:cNvPr id="241" name="PlaceHolder 4"/>
+          <p:cNvSpPr>
+            <a:spLocks noGrp="1"/>
+          </p:cNvSpPr>
+          <p:nvPr>
+            <p:ph type="body"/>
+          </p:nvPr>
+        </p:nvSpPr>
+        <p:spPr>
+          <a:xfrm>
+            <a:off x="2304000" y="3956400"/>
+            <a:ext cx="9504000" cy="2232000"/>
           </a:xfrm>
           <a:prstGeom prst="rect">
             <a:avLst/>
@@ -8008,7 +8007,7 @@
       </p:grpSpPr>
       <p:sp>
         <p:nvSpPr>
-          <p:cNvPr id="240" name="PlaceHolder 1"/>
+          <p:cNvPr id="242" name="PlaceHolder 1"/>
           <p:cNvSpPr>
             <a:spLocks noGrp="1"/>
           </p:cNvSpPr>
@@ -8018,8 +8017,8 @@
         </p:nvSpPr>
         <p:spPr>
           <a:xfrm>
-            <a:off x="4251600" y="2537640"/>
-            <a:ext cx="3688200" cy="1875240"/>
+            <a:off x="2762280" y="273600"/>
+            <a:ext cx="8397720" cy="1144800"/>
           </a:xfrm>
           <a:prstGeom prst="rect">
             <a:avLst/>
@@ -8037,48 +8036,48 @@
       </p:sp>
       <p:sp>
         <p:nvSpPr>
-          <p:cNvPr id="241" name="PlaceHolder 2"/>
-          <p:cNvSpPr>
-            <a:spLocks noGrp="1"/>
-          </p:cNvSpPr>
-          <p:nvPr>
-            <p:ph type="body"/>
-          </p:nvPr>
-        </p:nvSpPr>
-        <p:spPr>
-          <a:xfrm>
-            <a:off x="2880000" y="1368000"/>
-            <a:ext cx="8701920" cy="2009880"/>
-          </a:xfrm>
-          <a:prstGeom prst="rect">
-            <a:avLst/>
-          </a:prstGeom>
-        </p:spPr>
-        <p:txBody>
-          <a:bodyPr lIns="0" rIns="0" tIns="0" bIns="0">
-            <a:normAutofit/>
-          </a:bodyPr>
-          <a:p>
-            <a:endParaRPr b="0" lang="es-AR" sz="3200" spc="-1" strike="noStrike">
-              <a:latin typeface="Arial"/>
-            </a:endParaRPr>
-          </a:p>
-        </p:txBody>
-      </p:sp>
-      <p:sp>
-        <p:nvSpPr>
-          <p:cNvPr id="242" name="PlaceHolder 3"/>
-          <p:cNvSpPr>
-            <a:spLocks noGrp="1"/>
-          </p:cNvSpPr>
-          <p:nvPr>
-            <p:ph type="body"/>
-          </p:nvPr>
-        </p:nvSpPr>
-        <p:spPr>
-          <a:xfrm>
-            <a:off x="2880000" y="3569040"/>
-            <a:ext cx="8701920" cy="2009880"/>
+          <p:cNvPr id="243" name="PlaceHolder 2"/>
+          <p:cNvSpPr>
+            <a:spLocks noGrp="1"/>
+          </p:cNvSpPr>
+          <p:nvPr>
+            <p:ph type="body"/>
+          </p:nvPr>
+        </p:nvSpPr>
+        <p:spPr>
+          <a:xfrm>
+            <a:off x="2304000" y="1512000"/>
+            <a:ext cx="9504000" cy="2232000"/>
+          </a:xfrm>
+          <a:prstGeom prst="rect">
+            <a:avLst/>
+          </a:prstGeom>
+        </p:spPr>
+        <p:txBody>
+          <a:bodyPr lIns="0" rIns="0" tIns="0" bIns="0">
+            <a:normAutofit/>
+          </a:bodyPr>
+          <a:p>
+            <a:endParaRPr b="0" lang="es-AR" sz="3200" spc="-1" strike="noStrike">
+              <a:latin typeface="Arial"/>
+            </a:endParaRPr>
+          </a:p>
+        </p:txBody>
+      </p:sp>
+      <p:sp>
+        <p:nvSpPr>
+          <p:cNvPr id="244" name="PlaceHolder 3"/>
+          <p:cNvSpPr>
+            <a:spLocks noGrp="1"/>
+          </p:cNvSpPr>
+          <p:nvPr>
+            <p:ph type="body"/>
+          </p:nvPr>
+        </p:nvSpPr>
+        <p:spPr>
+          <a:xfrm>
+            <a:off x="2304000" y="3956400"/>
+            <a:ext cx="9504000" cy="2232000"/>
           </a:xfrm>
           <a:prstGeom prst="rect">
             <a:avLst/>
@@ -8119,7 +8118,7 @@
       </p:grpSpPr>
       <p:sp>
         <p:nvSpPr>
-          <p:cNvPr id="243" name="PlaceHolder 1"/>
+          <p:cNvPr id="245" name="PlaceHolder 1"/>
           <p:cNvSpPr>
             <a:spLocks noGrp="1"/>
           </p:cNvSpPr>
@@ -8129,8 +8128,8 @@
         </p:nvSpPr>
         <p:spPr>
           <a:xfrm>
-            <a:off x="4251600" y="2537640"/>
-            <a:ext cx="3688200" cy="1875240"/>
+            <a:off x="2762280" y="273600"/>
+            <a:ext cx="8397720" cy="1144800"/>
           </a:xfrm>
           <a:prstGeom prst="rect">
             <a:avLst/>
@@ -8148,108 +8147,108 @@
       </p:sp>
       <p:sp>
         <p:nvSpPr>
-          <p:cNvPr id="244" name="PlaceHolder 2"/>
-          <p:cNvSpPr>
-            <a:spLocks noGrp="1"/>
-          </p:cNvSpPr>
-          <p:nvPr>
-            <p:ph type="body"/>
-          </p:nvPr>
-        </p:nvSpPr>
-        <p:spPr>
-          <a:xfrm>
-            <a:off x="2880000" y="1368000"/>
-            <a:ext cx="4246200" cy="2009880"/>
-          </a:xfrm>
-          <a:prstGeom prst="rect">
-            <a:avLst/>
-          </a:prstGeom>
-        </p:spPr>
-        <p:txBody>
-          <a:bodyPr lIns="0" rIns="0" tIns="0" bIns="0">
-            <a:normAutofit/>
-          </a:bodyPr>
-          <a:p>
-            <a:endParaRPr b="0" lang="es-AR" sz="3200" spc="-1" strike="noStrike">
-              <a:latin typeface="Arial"/>
-            </a:endParaRPr>
-          </a:p>
-        </p:txBody>
-      </p:sp>
-      <p:sp>
-        <p:nvSpPr>
-          <p:cNvPr id="245" name="PlaceHolder 3"/>
-          <p:cNvSpPr>
-            <a:spLocks noGrp="1"/>
-          </p:cNvSpPr>
-          <p:nvPr>
-            <p:ph type="body"/>
-          </p:nvPr>
-        </p:nvSpPr>
-        <p:spPr>
-          <a:xfrm>
-            <a:off x="7338960" y="1368000"/>
-            <a:ext cx="4246200" cy="2009880"/>
-          </a:xfrm>
-          <a:prstGeom prst="rect">
-            <a:avLst/>
-          </a:prstGeom>
-        </p:spPr>
-        <p:txBody>
-          <a:bodyPr lIns="0" rIns="0" tIns="0" bIns="0">
-            <a:normAutofit/>
-          </a:bodyPr>
-          <a:p>
-            <a:endParaRPr b="0" lang="es-AR" sz="3200" spc="-1" strike="noStrike">
-              <a:latin typeface="Arial"/>
-            </a:endParaRPr>
-          </a:p>
-        </p:txBody>
-      </p:sp>
-      <p:sp>
-        <p:nvSpPr>
-          <p:cNvPr id="246" name="PlaceHolder 4"/>
-          <p:cNvSpPr>
-            <a:spLocks noGrp="1"/>
-          </p:cNvSpPr>
-          <p:nvPr>
-            <p:ph type="body"/>
-          </p:nvPr>
-        </p:nvSpPr>
-        <p:spPr>
-          <a:xfrm>
-            <a:off x="2880000" y="3569040"/>
-            <a:ext cx="4246200" cy="2009880"/>
-          </a:xfrm>
-          <a:prstGeom prst="rect">
-            <a:avLst/>
-          </a:prstGeom>
-        </p:spPr>
-        <p:txBody>
-          <a:bodyPr lIns="0" rIns="0" tIns="0" bIns="0">
-            <a:normAutofit/>
-          </a:bodyPr>
-          <a:p>
-            <a:endParaRPr b="0" lang="es-AR" sz="3200" spc="-1" strike="noStrike">
-              <a:latin typeface="Arial"/>
-            </a:endParaRPr>
-          </a:p>
-        </p:txBody>
-      </p:sp>
-      <p:sp>
-        <p:nvSpPr>
-          <p:cNvPr id="247" name="PlaceHolder 5"/>
-          <p:cNvSpPr>
-            <a:spLocks noGrp="1"/>
-          </p:cNvSpPr>
-          <p:nvPr>
-            <p:ph type="body"/>
-          </p:nvPr>
-        </p:nvSpPr>
-        <p:spPr>
-          <a:xfrm>
-            <a:off x="7338960" y="3569040"/>
-            <a:ext cx="4246200" cy="2009880"/>
+          <p:cNvPr id="246" name="PlaceHolder 2"/>
+          <p:cNvSpPr>
+            <a:spLocks noGrp="1"/>
+          </p:cNvSpPr>
+          <p:nvPr>
+            <p:ph type="body"/>
+          </p:nvPr>
+        </p:nvSpPr>
+        <p:spPr>
+          <a:xfrm>
+            <a:off x="2304000" y="1512000"/>
+            <a:ext cx="4637880" cy="2232000"/>
+          </a:xfrm>
+          <a:prstGeom prst="rect">
+            <a:avLst/>
+          </a:prstGeom>
+        </p:spPr>
+        <p:txBody>
+          <a:bodyPr lIns="0" rIns="0" tIns="0" bIns="0">
+            <a:normAutofit/>
+          </a:bodyPr>
+          <a:p>
+            <a:endParaRPr b="0" lang="es-AR" sz="3200" spc="-1" strike="noStrike">
+              <a:latin typeface="Arial"/>
+            </a:endParaRPr>
+          </a:p>
+        </p:txBody>
+      </p:sp>
+      <p:sp>
+        <p:nvSpPr>
+          <p:cNvPr id="247" name="PlaceHolder 3"/>
+          <p:cNvSpPr>
+            <a:spLocks noGrp="1"/>
+          </p:cNvSpPr>
+          <p:nvPr>
+            <p:ph type="body"/>
+          </p:nvPr>
+        </p:nvSpPr>
+        <p:spPr>
+          <a:xfrm>
+            <a:off x="7174080" y="1512000"/>
+            <a:ext cx="4637880" cy="2232000"/>
+          </a:xfrm>
+          <a:prstGeom prst="rect">
+            <a:avLst/>
+          </a:prstGeom>
+        </p:spPr>
+        <p:txBody>
+          <a:bodyPr lIns="0" rIns="0" tIns="0" bIns="0">
+            <a:normAutofit/>
+          </a:bodyPr>
+          <a:p>
+            <a:endParaRPr b="0" lang="es-AR" sz="3200" spc="-1" strike="noStrike">
+              <a:latin typeface="Arial"/>
+            </a:endParaRPr>
+          </a:p>
+        </p:txBody>
+      </p:sp>
+      <p:sp>
+        <p:nvSpPr>
+          <p:cNvPr id="248" name="PlaceHolder 4"/>
+          <p:cNvSpPr>
+            <a:spLocks noGrp="1"/>
+          </p:cNvSpPr>
+          <p:nvPr>
+            <p:ph type="body"/>
+          </p:nvPr>
+        </p:nvSpPr>
+        <p:spPr>
+          <a:xfrm>
+            <a:off x="2304000" y="3956400"/>
+            <a:ext cx="4637880" cy="2232000"/>
+          </a:xfrm>
+          <a:prstGeom prst="rect">
+            <a:avLst/>
+          </a:prstGeom>
+        </p:spPr>
+        <p:txBody>
+          <a:bodyPr lIns="0" rIns="0" tIns="0" bIns="0">
+            <a:normAutofit/>
+          </a:bodyPr>
+          <a:p>
+            <a:endParaRPr b="0" lang="es-AR" sz="3200" spc="-1" strike="noStrike">
+              <a:latin typeface="Arial"/>
+            </a:endParaRPr>
+          </a:p>
+        </p:txBody>
+      </p:sp>
+      <p:sp>
+        <p:nvSpPr>
+          <p:cNvPr id="249" name="PlaceHolder 5"/>
+          <p:cNvSpPr>
+            <a:spLocks noGrp="1"/>
+          </p:cNvSpPr>
+          <p:nvPr>
+            <p:ph type="body"/>
+          </p:nvPr>
+        </p:nvSpPr>
+        <p:spPr>
+          <a:xfrm>
+            <a:off x="7174080" y="3956400"/>
+            <a:ext cx="4637880" cy="2232000"/>
           </a:xfrm>
           <a:prstGeom prst="rect">
             <a:avLst/>
@@ -8290,7 +8289,7 @@
       </p:grpSpPr>
       <p:sp>
         <p:nvSpPr>
-          <p:cNvPr id="248" name="PlaceHolder 1"/>
+          <p:cNvPr id="250" name="PlaceHolder 1"/>
           <p:cNvSpPr>
             <a:spLocks noGrp="1"/>
           </p:cNvSpPr>
@@ -8300,8 +8299,8 @@
         </p:nvSpPr>
         <p:spPr>
           <a:xfrm>
-            <a:off x="4251600" y="2537640"/>
-            <a:ext cx="3688200" cy="1875240"/>
+            <a:off x="2762280" y="273600"/>
+            <a:ext cx="8397720" cy="1144800"/>
           </a:xfrm>
           <a:prstGeom prst="rect">
             <a:avLst/>
@@ -8319,168 +8318,168 @@
       </p:sp>
       <p:sp>
         <p:nvSpPr>
-          <p:cNvPr id="249" name="PlaceHolder 2"/>
-          <p:cNvSpPr>
-            <a:spLocks noGrp="1"/>
-          </p:cNvSpPr>
-          <p:nvPr>
-            <p:ph type="body"/>
-          </p:nvPr>
-        </p:nvSpPr>
-        <p:spPr>
-          <a:xfrm>
-            <a:off x="2880000" y="1368000"/>
-            <a:ext cx="2801880" cy="2009880"/>
-          </a:xfrm>
-          <a:prstGeom prst="rect">
-            <a:avLst/>
-          </a:prstGeom>
-        </p:spPr>
-        <p:txBody>
-          <a:bodyPr lIns="0" rIns="0" tIns="0" bIns="0">
-            <a:normAutofit/>
-          </a:bodyPr>
-          <a:p>
-            <a:endParaRPr b="0" lang="es-AR" sz="3200" spc="-1" strike="noStrike">
-              <a:latin typeface="Arial"/>
-            </a:endParaRPr>
-          </a:p>
-        </p:txBody>
-      </p:sp>
-      <p:sp>
-        <p:nvSpPr>
-          <p:cNvPr id="250" name="PlaceHolder 3"/>
-          <p:cNvSpPr>
-            <a:spLocks noGrp="1"/>
-          </p:cNvSpPr>
-          <p:nvPr>
-            <p:ph type="body"/>
-          </p:nvPr>
-        </p:nvSpPr>
-        <p:spPr>
-          <a:xfrm>
-            <a:off x="5822280" y="1368000"/>
-            <a:ext cx="2801880" cy="2009880"/>
-          </a:xfrm>
-          <a:prstGeom prst="rect">
-            <a:avLst/>
-          </a:prstGeom>
-        </p:spPr>
-        <p:txBody>
-          <a:bodyPr lIns="0" rIns="0" tIns="0" bIns="0">
-            <a:normAutofit/>
-          </a:bodyPr>
-          <a:p>
-            <a:endParaRPr b="0" lang="es-AR" sz="3200" spc="-1" strike="noStrike">
-              <a:latin typeface="Arial"/>
-            </a:endParaRPr>
-          </a:p>
-        </p:txBody>
-      </p:sp>
-      <p:sp>
-        <p:nvSpPr>
-          <p:cNvPr id="251" name="PlaceHolder 4"/>
-          <p:cNvSpPr>
-            <a:spLocks noGrp="1"/>
-          </p:cNvSpPr>
-          <p:nvPr>
-            <p:ph type="body"/>
-          </p:nvPr>
-        </p:nvSpPr>
-        <p:spPr>
-          <a:xfrm>
-            <a:off x="8764560" y="1368000"/>
-            <a:ext cx="2801880" cy="2009880"/>
-          </a:xfrm>
-          <a:prstGeom prst="rect">
-            <a:avLst/>
-          </a:prstGeom>
-        </p:spPr>
-        <p:txBody>
-          <a:bodyPr lIns="0" rIns="0" tIns="0" bIns="0">
-            <a:normAutofit/>
-          </a:bodyPr>
-          <a:p>
-            <a:endParaRPr b="0" lang="es-AR" sz="3200" spc="-1" strike="noStrike">
-              <a:latin typeface="Arial"/>
-            </a:endParaRPr>
-          </a:p>
-        </p:txBody>
-      </p:sp>
-      <p:sp>
-        <p:nvSpPr>
-          <p:cNvPr id="252" name="PlaceHolder 5"/>
-          <p:cNvSpPr>
-            <a:spLocks noGrp="1"/>
-          </p:cNvSpPr>
-          <p:nvPr>
-            <p:ph type="body"/>
-          </p:nvPr>
-        </p:nvSpPr>
-        <p:spPr>
-          <a:xfrm>
-            <a:off x="2880000" y="3569040"/>
-            <a:ext cx="2801880" cy="2009880"/>
-          </a:xfrm>
-          <a:prstGeom prst="rect">
-            <a:avLst/>
-          </a:prstGeom>
-        </p:spPr>
-        <p:txBody>
-          <a:bodyPr lIns="0" rIns="0" tIns="0" bIns="0">
-            <a:normAutofit/>
-          </a:bodyPr>
-          <a:p>
-            <a:endParaRPr b="0" lang="es-AR" sz="3200" spc="-1" strike="noStrike">
-              <a:latin typeface="Arial"/>
-            </a:endParaRPr>
-          </a:p>
-        </p:txBody>
-      </p:sp>
-      <p:sp>
-        <p:nvSpPr>
-          <p:cNvPr id="253" name="PlaceHolder 6"/>
-          <p:cNvSpPr>
-            <a:spLocks noGrp="1"/>
-          </p:cNvSpPr>
-          <p:nvPr>
-            <p:ph type="body"/>
-          </p:nvPr>
-        </p:nvSpPr>
-        <p:spPr>
-          <a:xfrm>
-            <a:off x="5822280" y="3569040"/>
-            <a:ext cx="2801880" cy="2009880"/>
-          </a:xfrm>
-          <a:prstGeom prst="rect">
-            <a:avLst/>
-          </a:prstGeom>
-        </p:spPr>
-        <p:txBody>
-          <a:bodyPr lIns="0" rIns="0" tIns="0" bIns="0">
-            <a:normAutofit/>
-          </a:bodyPr>
-          <a:p>
-            <a:endParaRPr b="0" lang="es-AR" sz="3200" spc="-1" strike="noStrike">
-              <a:latin typeface="Arial"/>
-            </a:endParaRPr>
-          </a:p>
-        </p:txBody>
-      </p:sp>
-      <p:sp>
-        <p:nvSpPr>
-          <p:cNvPr id="254" name="PlaceHolder 7"/>
-          <p:cNvSpPr>
-            <a:spLocks noGrp="1"/>
-          </p:cNvSpPr>
-          <p:nvPr>
-            <p:ph type="body"/>
-          </p:nvPr>
-        </p:nvSpPr>
-        <p:spPr>
-          <a:xfrm>
-            <a:off x="8764560" y="3569040"/>
-            <a:ext cx="2801880" cy="2009880"/>
+          <p:cNvPr id="251" name="PlaceHolder 2"/>
+          <p:cNvSpPr>
+            <a:spLocks noGrp="1"/>
+          </p:cNvSpPr>
+          <p:nvPr>
+            <p:ph type="body"/>
+          </p:nvPr>
+        </p:nvSpPr>
+        <p:spPr>
+          <a:xfrm>
+            <a:off x="2304000" y="1512000"/>
+            <a:ext cx="3060000" cy="2232000"/>
+          </a:xfrm>
+          <a:prstGeom prst="rect">
+            <a:avLst/>
+          </a:prstGeom>
+        </p:spPr>
+        <p:txBody>
+          <a:bodyPr lIns="0" rIns="0" tIns="0" bIns="0">
+            <a:normAutofit/>
+          </a:bodyPr>
+          <a:p>
+            <a:endParaRPr b="0" lang="es-AR" sz="3200" spc="-1" strike="noStrike">
+              <a:latin typeface="Arial"/>
+            </a:endParaRPr>
+          </a:p>
+        </p:txBody>
+      </p:sp>
+      <p:sp>
+        <p:nvSpPr>
+          <p:cNvPr id="252" name="PlaceHolder 3"/>
+          <p:cNvSpPr>
+            <a:spLocks noGrp="1"/>
+          </p:cNvSpPr>
+          <p:nvPr>
+            <p:ph type="body"/>
+          </p:nvPr>
+        </p:nvSpPr>
+        <p:spPr>
+          <a:xfrm>
+            <a:off x="5517360" y="1512000"/>
+            <a:ext cx="3060000" cy="2232000"/>
+          </a:xfrm>
+          <a:prstGeom prst="rect">
+            <a:avLst/>
+          </a:prstGeom>
+        </p:spPr>
+        <p:txBody>
+          <a:bodyPr lIns="0" rIns="0" tIns="0" bIns="0">
+            <a:normAutofit/>
+          </a:bodyPr>
+          <a:p>
+            <a:endParaRPr b="0" lang="es-AR" sz="3200" spc="-1" strike="noStrike">
+              <a:latin typeface="Arial"/>
+            </a:endParaRPr>
+          </a:p>
+        </p:txBody>
+      </p:sp>
+      <p:sp>
+        <p:nvSpPr>
+          <p:cNvPr id="253" name="PlaceHolder 4"/>
+          <p:cNvSpPr>
+            <a:spLocks noGrp="1"/>
+          </p:cNvSpPr>
+          <p:nvPr>
+            <p:ph type="body"/>
+          </p:nvPr>
+        </p:nvSpPr>
+        <p:spPr>
+          <a:xfrm>
+            <a:off x="8730720" y="1512000"/>
+            <a:ext cx="3060000" cy="2232000"/>
+          </a:xfrm>
+          <a:prstGeom prst="rect">
+            <a:avLst/>
+          </a:prstGeom>
+        </p:spPr>
+        <p:txBody>
+          <a:bodyPr lIns="0" rIns="0" tIns="0" bIns="0">
+            <a:normAutofit/>
+          </a:bodyPr>
+          <a:p>
+            <a:endParaRPr b="0" lang="es-AR" sz="3200" spc="-1" strike="noStrike">
+              <a:latin typeface="Arial"/>
+            </a:endParaRPr>
+          </a:p>
+        </p:txBody>
+      </p:sp>
+      <p:sp>
+        <p:nvSpPr>
+          <p:cNvPr id="254" name="PlaceHolder 5"/>
+          <p:cNvSpPr>
+            <a:spLocks noGrp="1"/>
+          </p:cNvSpPr>
+          <p:nvPr>
+            <p:ph type="body"/>
+          </p:nvPr>
+        </p:nvSpPr>
+        <p:spPr>
+          <a:xfrm>
+            <a:off x="2304000" y="3956400"/>
+            <a:ext cx="3060000" cy="2232000"/>
+          </a:xfrm>
+          <a:prstGeom prst="rect">
+            <a:avLst/>
+          </a:prstGeom>
+        </p:spPr>
+        <p:txBody>
+          <a:bodyPr lIns="0" rIns="0" tIns="0" bIns="0">
+            <a:normAutofit/>
+          </a:bodyPr>
+          <a:p>
+            <a:endParaRPr b="0" lang="es-AR" sz="3200" spc="-1" strike="noStrike">
+              <a:latin typeface="Arial"/>
+            </a:endParaRPr>
+          </a:p>
+        </p:txBody>
+      </p:sp>
+      <p:sp>
+        <p:nvSpPr>
+          <p:cNvPr id="255" name="PlaceHolder 6"/>
+          <p:cNvSpPr>
+            <a:spLocks noGrp="1"/>
+          </p:cNvSpPr>
+          <p:nvPr>
+            <p:ph type="body"/>
+          </p:nvPr>
+        </p:nvSpPr>
+        <p:spPr>
+          <a:xfrm>
+            <a:off x="5517360" y="3956400"/>
+            <a:ext cx="3060000" cy="2232000"/>
+          </a:xfrm>
+          <a:prstGeom prst="rect">
+            <a:avLst/>
+          </a:prstGeom>
+        </p:spPr>
+        <p:txBody>
+          <a:bodyPr lIns="0" rIns="0" tIns="0" bIns="0">
+            <a:normAutofit/>
+          </a:bodyPr>
+          <a:p>
+            <a:endParaRPr b="0" lang="es-AR" sz="3200" spc="-1" strike="noStrike">
+              <a:latin typeface="Arial"/>
+            </a:endParaRPr>
+          </a:p>
+        </p:txBody>
+      </p:sp>
+      <p:sp>
+        <p:nvSpPr>
+          <p:cNvPr id="256" name="PlaceHolder 7"/>
+          <p:cNvSpPr>
+            <a:spLocks noGrp="1"/>
+          </p:cNvSpPr>
+          <p:nvPr>
+            <p:ph type="body"/>
+          </p:nvPr>
+        </p:nvSpPr>
+        <p:spPr>
+          <a:xfrm>
+            <a:off x="8730720" y="3956400"/>
+            <a:ext cx="3060000" cy="2232000"/>
           </a:xfrm>
           <a:prstGeom prst="rect">
             <a:avLst/>
@@ -8796,7 +8795,7 @@
       </p:grpSpPr>
       <p:sp>
         <p:nvSpPr>
-          <p:cNvPr id="26" name="PlaceHolder 1"/>
+          <p:cNvPr id="25" name="PlaceHolder 1"/>
           <p:cNvSpPr>
             <a:spLocks noGrp="1"/>
           </p:cNvSpPr>
@@ -8806,8 +8805,8 @@
         </p:nvSpPr>
         <p:spPr>
           <a:xfrm>
-            <a:off x="4251600" y="2537640"/>
-            <a:ext cx="3688200" cy="1875240"/>
+            <a:off x="2762280" y="273600"/>
+            <a:ext cx="8397720" cy="1144800"/>
           </a:xfrm>
           <a:prstGeom prst="rect">
             <a:avLst/>
@@ -8825,78 +8824,78 @@
       </p:sp>
       <p:sp>
         <p:nvSpPr>
-          <p:cNvPr id="27" name="PlaceHolder 2"/>
-          <p:cNvSpPr>
-            <a:spLocks noGrp="1"/>
-          </p:cNvSpPr>
-          <p:nvPr>
-            <p:ph type="body"/>
-          </p:nvPr>
-        </p:nvSpPr>
-        <p:spPr>
-          <a:xfrm>
-            <a:off x="2880000" y="1368000"/>
-            <a:ext cx="4246200" cy="2009880"/>
-          </a:xfrm>
-          <a:prstGeom prst="rect">
-            <a:avLst/>
-          </a:prstGeom>
-        </p:spPr>
-        <p:txBody>
-          <a:bodyPr lIns="0" rIns="0" tIns="0" bIns="0">
-            <a:normAutofit/>
-          </a:bodyPr>
-          <a:p>
-            <a:endParaRPr b="0" lang="es-AR" sz="3200" spc="-1" strike="noStrike">
-              <a:latin typeface="Arial"/>
-            </a:endParaRPr>
-          </a:p>
-        </p:txBody>
-      </p:sp>
-      <p:sp>
-        <p:nvSpPr>
-          <p:cNvPr id="28" name="PlaceHolder 3"/>
-          <p:cNvSpPr>
-            <a:spLocks noGrp="1"/>
-          </p:cNvSpPr>
-          <p:nvPr>
-            <p:ph type="body"/>
-          </p:nvPr>
-        </p:nvSpPr>
-        <p:spPr>
-          <a:xfrm>
-            <a:off x="7338960" y="1368000"/>
-            <a:ext cx="4246200" cy="2009880"/>
-          </a:xfrm>
-          <a:prstGeom prst="rect">
-            <a:avLst/>
-          </a:prstGeom>
-        </p:spPr>
-        <p:txBody>
-          <a:bodyPr lIns="0" rIns="0" tIns="0" bIns="0">
-            <a:normAutofit/>
-          </a:bodyPr>
-          <a:p>
-            <a:endParaRPr b="0" lang="es-AR" sz="3200" spc="-1" strike="noStrike">
-              <a:latin typeface="Arial"/>
-            </a:endParaRPr>
-          </a:p>
-        </p:txBody>
-      </p:sp>
-      <p:sp>
-        <p:nvSpPr>
-          <p:cNvPr id="29" name="PlaceHolder 4"/>
-          <p:cNvSpPr>
-            <a:spLocks noGrp="1"/>
-          </p:cNvSpPr>
-          <p:nvPr>
-            <p:ph type="body"/>
-          </p:nvPr>
-        </p:nvSpPr>
-        <p:spPr>
-          <a:xfrm>
-            <a:off x="2880000" y="3569040"/>
-            <a:ext cx="8701920" cy="2009880"/>
+          <p:cNvPr id="26" name="PlaceHolder 2"/>
+          <p:cNvSpPr>
+            <a:spLocks noGrp="1"/>
+          </p:cNvSpPr>
+          <p:nvPr>
+            <p:ph type="body"/>
+          </p:nvPr>
+        </p:nvSpPr>
+        <p:spPr>
+          <a:xfrm>
+            <a:off x="2304000" y="1512000"/>
+            <a:ext cx="4637880" cy="2232000"/>
+          </a:xfrm>
+          <a:prstGeom prst="rect">
+            <a:avLst/>
+          </a:prstGeom>
+        </p:spPr>
+        <p:txBody>
+          <a:bodyPr lIns="0" rIns="0" tIns="0" bIns="0">
+            <a:normAutofit/>
+          </a:bodyPr>
+          <a:p>
+            <a:endParaRPr b="0" lang="es-AR" sz="3200" spc="-1" strike="noStrike">
+              <a:latin typeface="Arial"/>
+            </a:endParaRPr>
+          </a:p>
+        </p:txBody>
+      </p:sp>
+      <p:sp>
+        <p:nvSpPr>
+          <p:cNvPr id="27" name="PlaceHolder 3"/>
+          <p:cNvSpPr>
+            <a:spLocks noGrp="1"/>
+          </p:cNvSpPr>
+          <p:nvPr>
+            <p:ph type="body"/>
+          </p:nvPr>
+        </p:nvSpPr>
+        <p:spPr>
+          <a:xfrm>
+            <a:off x="7174080" y="1512000"/>
+            <a:ext cx="4637880" cy="2232000"/>
+          </a:xfrm>
+          <a:prstGeom prst="rect">
+            <a:avLst/>
+          </a:prstGeom>
+        </p:spPr>
+        <p:txBody>
+          <a:bodyPr lIns="0" rIns="0" tIns="0" bIns="0">
+            <a:normAutofit/>
+          </a:bodyPr>
+          <a:p>
+            <a:endParaRPr b="0" lang="es-AR" sz="3200" spc="-1" strike="noStrike">
+              <a:latin typeface="Arial"/>
+            </a:endParaRPr>
+          </a:p>
+        </p:txBody>
+      </p:sp>
+      <p:sp>
+        <p:nvSpPr>
+          <p:cNvPr id="28" name="PlaceHolder 4"/>
+          <p:cNvSpPr>
+            <a:spLocks noGrp="1"/>
+          </p:cNvSpPr>
+          <p:nvPr>
+            <p:ph type="body"/>
+          </p:nvPr>
+        </p:nvSpPr>
+        <p:spPr>
+          <a:xfrm>
+            <a:off x="2304000" y="3956400"/>
+            <a:ext cx="9504000" cy="2232000"/>
           </a:xfrm>
           <a:prstGeom prst="rect">
             <a:avLst/>
@@ -8958,7 +8957,7 @@
         <p:spPr>
           <a:xfrm>
             <a:off x="11041200" y="-75960"/>
-            <a:ext cx="921960" cy="1182240"/>
+            <a:ext cx="921600" cy="1181880"/>
           </a:xfrm>
           <a:prstGeom prst="rect">
             <a:avLst/>
@@ -8981,7 +8980,7 @@
         <p:spPr>
           <a:xfrm>
             <a:off x="690120" y="5774400"/>
-            <a:ext cx="2641680" cy="609840"/>
+            <a:ext cx="2641320" cy="609480"/>
           </a:xfrm>
           <a:prstGeom prst="rect">
             <a:avLst/>
@@ -9004,7 +9003,7 @@
         <p:spPr>
           <a:xfrm>
             <a:off x="9820440" y="5774400"/>
-            <a:ext cx="713520" cy="565560"/>
+            <a:ext cx="713160" cy="565200"/>
           </a:xfrm>
           <a:prstGeom prst="rect">
             <a:avLst/>
@@ -9021,13 +9020,15 @@
           <p:nvPr/>
         </p:nvPicPr>
         <p:blipFill>
-          <a:blip r:embed="rId6"/>
+          <a:blip r:embed="rId6">
+            <a:lum contrast="15000"/>
+          </a:blip>
           <a:stretch/>
         </p:blipFill>
         <p:spPr>
           <a:xfrm>
             <a:off x="10671840" y="5774400"/>
-            <a:ext cx="587520" cy="516960"/>
+            <a:ext cx="587160" cy="516600"/>
           </a:xfrm>
           <a:prstGeom prst="rect">
             <a:avLst/>
@@ -9050,7 +9051,7 @@
         <p:spPr>
           <a:xfrm>
             <a:off x="542520" y="417960"/>
-            <a:ext cx="2260080" cy="2035080"/>
+            <a:ext cx="1374840" cy="1238040"/>
           </a:xfrm>
           <a:prstGeom prst="rect">
             <a:avLst/>
@@ -9062,7 +9063,33 @@
       </p:pic>
       <p:sp>
         <p:nvSpPr>
-          <p:cNvPr id="5" name="PlaceHolder 1"/>
+          <p:cNvPr id="5" name="CustomShape 1"/>
+          <p:cNvSpPr/>
+          <p:nvPr/>
+        </p:nvSpPr>
+        <p:spPr>
+          <a:xfrm>
+            <a:off x="6264000" y="3600000"/>
+            <a:ext cx="5039640" cy="345960"/>
+          </a:xfrm>
+          <a:prstGeom prst="rect">
+            <a:avLst/>
+          </a:prstGeom>
+          <a:noFill/>
+          <a:ln>
+            <a:noFill/>
+          </a:ln>
+        </p:spPr>
+        <p:style>
+          <a:lnRef idx="0"/>
+          <a:fillRef idx="0"/>
+          <a:effectRef idx="0"/>
+          <a:fontRef idx="minor"/>
+        </p:style>
+      </p:sp>
+      <p:sp>
+        <p:nvSpPr>
+          <p:cNvPr id="6" name="PlaceHolder 2"/>
           <p:cNvSpPr>
             <a:spLocks noGrp="1"/>
           </p:cNvSpPr>
@@ -9072,8 +9099,8 @@
         </p:nvSpPr>
         <p:spPr>
           <a:xfrm>
-            <a:off x="4251600" y="2924640"/>
-            <a:ext cx="3688200" cy="1100880"/>
+            <a:off x="2016000" y="144000"/>
+            <a:ext cx="9288000" cy="1440000"/>
           </a:xfrm>
           <a:prstGeom prst="rect">
             <a:avLst/>
@@ -9082,80 +9109,33 @@
         <p:txBody>
           <a:bodyPr anchor="ctr" bIns="0" lIns="0" rIns="0" tIns="0"/>
           <a:p>
+            <a:pPr algn="ctr"/>
             <a:r>
-              <a:rPr b="0" lang="es-AR" spc="-1" strike="noStrike" sz="1800">
+              <a:rPr b="0" lang="es-AR" spc="-1" strike="noStrike" sz="4400">
                 <a:latin typeface="Arial"/>
               </a:rPr>
-              <a:t>Pulse </a:t>
+              <a:t>Pulse para editar el formato del texto de título</a:t>
             </a:r>
-            <a:r>
-              <a:rPr b="0" lang="es-AR" spc="-1" strike="noStrike" sz="1800">
-                <a:latin typeface="Arial"/>
-              </a:rPr>
-              <a:t>para </a:t>
-            </a:r>
-            <a:r>
-              <a:rPr b="0" lang="es-AR" spc="-1" strike="noStrike" sz="1800">
-                <a:latin typeface="Arial"/>
-              </a:rPr>
-              <a:t>editar </a:t>
-            </a:r>
-            <a:r>
-              <a:rPr b="0" lang="es-AR" spc="-1" strike="noStrike" sz="1800">
-                <a:latin typeface="Arial"/>
-              </a:rPr>
-              <a:t>el </a:t>
-            </a:r>
-            <a:r>
-              <a:rPr b="0" lang="es-AR" spc="-1" strike="noStrike" sz="1800">
-                <a:latin typeface="Arial"/>
-              </a:rPr>
-              <a:t>format</a:t>
-            </a:r>
-            <a:r>
-              <a:rPr b="0" lang="es-AR" spc="-1" strike="noStrike" sz="1800">
-                <a:latin typeface="Arial"/>
-              </a:rPr>
-              <a:t>o del </a:t>
-            </a:r>
-            <a:r>
-              <a:rPr b="0" lang="es-AR" spc="-1" strike="noStrike" sz="1800">
-                <a:latin typeface="Arial"/>
-              </a:rPr>
-              <a:t>texto </a:t>
-            </a:r>
-            <a:r>
-              <a:rPr b="0" lang="es-AR" spc="-1" strike="noStrike" sz="1800">
-                <a:latin typeface="Arial"/>
-              </a:rPr>
-              <a:t>de </a:t>
-            </a:r>
-            <a:r>
-              <a:rPr b="0" lang="es-AR" spc="-1" strike="noStrike" sz="1800">
-                <a:latin typeface="Arial"/>
-              </a:rPr>
-              <a:t>título</a:t>
-            </a:r>
-            <a:endParaRPr b="0" lang="es-AR" spc="-1" strike="noStrike" sz="1800">
-              <a:latin typeface="Arial"/>
-            </a:endParaRPr>
-          </a:p>
-        </p:txBody>
-      </p:sp>
-      <p:sp>
-        <p:nvSpPr>
-          <p:cNvPr id="6" name="PlaceHolder 2"/>
-          <p:cNvSpPr>
-            <a:spLocks noGrp="1"/>
-          </p:cNvSpPr>
-          <p:nvPr>
-            <p:ph type="body"/>
-          </p:nvPr>
-        </p:nvSpPr>
-        <p:spPr>
-          <a:xfrm>
-            <a:off x="2880000" y="1368000"/>
-            <a:ext cx="8701920" cy="4213800"/>
+            <a:endParaRPr b="0" lang="es-AR" spc="-1" strike="noStrike" sz="4400">
+              <a:latin typeface="Arial"/>
+            </a:endParaRPr>
+          </a:p>
+        </p:txBody>
+      </p:sp>
+      <p:sp>
+        <p:nvSpPr>
+          <p:cNvPr id="7" name="PlaceHolder 3"/>
+          <p:cNvSpPr>
+            <a:spLocks noGrp="1"/>
+          </p:cNvSpPr>
+          <p:nvPr>
+            <p:ph type="body"/>
+          </p:nvPr>
+        </p:nvSpPr>
+        <p:spPr>
+          <a:xfrm>
+            <a:off x="648000" y="1584000"/>
+            <a:ext cx="10933920" cy="4680000"/>
           </a:xfrm>
           <a:prstGeom prst="rect">
             <a:avLst/>
@@ -9181,7 +9161,19 @@
               <a:rPr b="0" lang="es-AR" spc="-1" strike="noStrike" sz="3200">
                 <a:latin typeface="Arial"/>
               </a:rPr>
-              <a:t>Pulse para editar el formato de esquema del texto</a:t>
+              <a:t>Pulse para editar el </a:t>
+            </a:r>
+            <a:r>
+              <a:rPr b="0" lang="es-AR" spc="-1" strike="noStrike" sz="3200">
+                <a:latin typeface="Arial"/>
+              </a:rPr>
+              <a:t>formato de esquema </a:t>
+            </a:r>
+            <a:r>
+              <a:rPr b="0" lang="es-AR" spc="-1" strike="noStrike" sz="3200">
+                <a:latin typeface="Arial"/>
+              </a:rPr>
+              <a:t>del texto</a:t>
             </a:r>
             <a:endParaRPr b="0" lang="es-AR" spc="-1" strike="noStrike" sz="3200">
               <a:latin typeface="Arial"/>
@@ -9203,7 +9195,13 @@
               <a:rPr b="0" lang="es-AR" spc="-1" strike="noStrike" sz="2800">
                 <a:latin typeface="Arial"/>
               </a:rPr>
-              <a:t>Segundo nivel del esquema</a:t>
+              <a:t>Segundo nivel del </a:t>
+            </a:r>
+            <a:r>
+              <a:rPr b="0" lang="es-AR" spc="-1" strike="noStrike" sz="2800">
+                <a:latin typeface="Arial"/>
+              </a:rPr>
+              <a:t>esquema</a:t>
             </a:r>
             <a:endParaRPr b="0" lang="es-AR" spc="-1" strike="noStrike" sz="2800">
               <a:latin typeface="Arial"/>
@@ -9225,7 +9223,13 @@
               <a:rPr b="0" lang="es-AR" spc="-1" strike="noStrike" sz="2400">
                 <a:latin typeface="Arial"/>
               </a:rPr>
-              <a:t>Tercer nivel del esquema</a:t>
+              <a:t>Tercer nivel del </a:t>
+            </a:r>
+            <a:r>
+              <a:rPr b="0" lang="es-AR" spc="-1" strike="noStrike" sz="2400">
+                <a:latin typeface="Arial"/>
+              </a:rPr>
+              <a:t>esquema</a:t>
             </a:r>
             <a:endParaRPr b="0" lang="es-AR" spc="-1" strike="noStrike" sz="2400">
               <a:latin typeface="Arial"/>
@@ -9247,7 +9251,13 @@
               <a:rPr b="0" lang="es-AR" spc="-1" strike="noStrike" sz="2000">
                 <a:latin typeface="Arial"/>
               </a:rPr>
-              <a:t>Cuarto nivel del esquema</a:t>
+              <a:t>Cuarto nivel del </a:t>
+            </a:r>
+            <a:r>
+              <a:rPr b="0" lang="es-AR" spc="-1" strike="noStrike" sz="2000">
+                <a:latin typeface="Arial"/>
+              </a:rPr>
+              <a:t>esquema</a:t>
             </a:r>
             <a:endParaRPr b="0" lang="es-AR" spc="-1" strike="noStrike" sz="2000">
               <a:latin typeface="Arial"/>
@@ -9269,7 +9279,13 @@
               <a:rPr b="0" lang="es-AR" spc="-1" strike="noStrike" sz="2000">
                 <a:latin typeface="Arial"/>
               </a:rPr>
-              <a:t>Quinto nivel del esquema</a:t>
+              <a:t>Quinto nivel del </a:t>
+            </a:r>
+            <a:r>
+              <a:rPr b="0" lang="es-AR" spc="-1" strike="noStrike" sz="2000">
+                <a:latin typeface="Arial"/>
+              </a:rPr>
+              <a:t>esquema</a:t>
             </a:r>
             <a:endParaRPr b="0" lang="es-AR" spc="-1" strike="noStrike" sz="2000">
               <a:latin typeface="Arial"/>
@@ -9291,7 +9307,13 @@
               <a:rPr b="0" lang="es-AR" spc="-1" strike="noStrike" sz="2000">
                 <a:latin typeface="Arial"/>
               </a:rPr>
-              <a:t>Sexto nivel del esquema</a:t>
+              <a:t>Sexto nivel </a:t>
+            </a:r>
+            <a:r>
+              <a:rPr b="0" lang="es-AR" spc="-1" strike="noStrike" sz="2000">
+                <a:latin typeface="Arial"/>
+              </a:rPr>
+              <a:t>del esquema</a:t>
             </a:r>
             <a:endParaRPr b="0" lang="es-AR" spc="-1" strike="noStrike" sz="2000">
               <a:latin typeface="Arial"/>
@@ -9313,63 +9335,21 @@
               <a:rPr b="0" lang="es-AR" spc="-1" strike="noStrike" sz="2000">
                 <a:latin typeface="Arial"/>
               </a:rPr>
-              <a:t>Séptimo nivel del esquema</a:t>
+              <a:t>Séptimo </a:t>
+            </a:r>
+            <a:r>
+              <a:rPr b="0" lang="es-AR" spc="-1" strike="noStrike" sz="2000">
+                <a:latin typeface="Arial"/>
+              </a:rPr>
+              <a:t>nivel del </a:t>
+            </a:r>
+            <a:r>
+              <a:rPr b="0" lang="es-AR" spc="-1" strike="noStrike" sz="2000">
+                <a:latin typeface="Arial"/>
+              </a:rPr>
+              <a:t>esquema</a:t>
             </a:r>
             <a:endParaRPr b="0" lang="es-AR" spc="-1" strike="noStrike" sz="2000">
-              <a:latin typeface="Arial"/>
-            </a:endParaRPr>
-          </a:p>
-        </p:txBody>
-      </p:sp>
-      <p:sp>
-        <p:nvSpPr>
-          <p:cNvPr id="7" name="TextShape 3"/>
-          <p:cNvSpPr txBox="1"/>
-          <p:nvPr/>
-        </p:nvSpPr>
-        <p:spPr>
-          <a:xfrm>
-            <a:off x="6264000" y="3600000"/>
-            <a:ext cx="5040000" cy="346320"/>
-          </a:xfrm>
-          <a:prstGeom prst="rect">
-            <a:avLst/>
-          </a:prstGeom>
-          <a:noFill/>
-          <a:ln>
-            <a:noFill/>
-          </a:ln>
-        </p:spPr>
-      </p:sp>
-      <p:sp>
-        <p:nvSpPr>
-          <p:cNvPr id="8" name="TextShape 4"/>
-          <p:cNvSpPr txBox="1"/>
-          <p:nvPr/>
-        </p:nvSpPr>
-        <p:spPr>
-          <a:xfrm>
-            <a:off x="1800000" y="6384240"/>
-            <a:ext cx="8342280" cy="426600"/>
-          </a:xfrm>
-          <a:prstGeom prst="rect">
-            <a:avLst/>
-          </a:prstGeom>
-          <a:noFill/>
-          <a:ln>
-            <a:noFill/>
-          </a:ln>
-        </p:spPr>
-        <p:txBody>
-          <a:bodyPr bIns="45000" lIns="90000" rIns="90000" tIns="45000"/>
-          <a:p>
-            <a:fld id="{AB5C0D63-0191-4B77-82E3-7FF5B2E6CD32}" type="slidename">
-              <a:rPr b="0" lang="es-AR" spc="-1" strike="noStrike" sz="1800">
-                <a:latin typeface="Arial"/>
-              </a:rPr>
-              <a:t>&lt;nombre-diapositiva&gt;</a:t>
-            </a:fld>
-            <a:endParaRPr b="0" lang="es-AR" spc="-1" strike="noStrike" sz="1800">
               <a:latin typeface="Arial"/>
             </a:endParaRPr>
           </a:p>
@@ -9415,7 +9395,7 @@
       <p:sp/>
       <p:sp>
         <p:nvSpPr>
-          <p:cNvPr id="220" name="PlaceHolder 2"/>
+          <p:cNvPr id="222" name="PlaceHolder 2"/>
           <p:cNvSpPr>
             <a:spLocks noGrp="1"/>
           </p:cNvSpPr>
@@ -9425,8 +9405,8 @@
         </p:nvSpPr>
         <p:spPr>
           <a:xfrm>
-            <a:off x="2880000" y="1368000"/>
-            <a:ext cx="8701920" cy="4213800"/>
+            <a:off x="2304000" y="1512000"/>
+            <a:ext cx="9504000" cy="4680000"/>
           </a:xfrm>
           <a:prstGeom prst="rect">
             <a:avLst/>
@@ -9477,12 +9457,12 @@
       </p:grpSpPr>
       <p:sp>
         <p:nvSpPr>
-          <p:cNvPr id="3" name="Content Placeholder 2"/>
-          <p:cNvSpPr>
-            <a:spLocks noGrp="1"/>
-          </p:cNvSpPr>
-          <p:nvPr>
-            <p:ph idx="1"/>
+          <p:cNvPr id="2" name="Title 1"/>
+          <p:cNvSpPr>
+            <a:spLocks noGrp="1"/>
+          </p:cNvSpPr>
+          <p:nvPr>
+            <p:ph type="title"/>
           </p:nvPr>
         </p:nvSpPr>
         <p:spPr/>
@@ -9491,35 +9471,11 @@
           <a:lstStyle/>
           <a:p>
             <a:pPr lvl="0" indent="0" marL="0">
-              <a:spcBef>
-                <a:spcPts val="3000"/>
-              </a:spcBef>
               <a:buNone/>
             </a:pPr>
             <a:r>
-              <a:rPr b="1"/>
-              <a:t>Elementos disponibles, o agrupación elemental.</a:t>
-            </a:r>
-          </a:p>
-          <a:p>
-            <a:pPr lvl="0"/>
-            <a:r>
               <a:rPr/>
-              <a:t>Conteos: lados o manzanas completas</a:t>
-            </a:r>
-          </a:p>
-          <a:p>
-            <a:pPr lvl="0"/>
-            <a:r>
-              <a:rPr/>
-              <a:t>Listados: direcciones, pisos (no puede haber más de 1 segmento por piso) recorridos o manzanas independientes</a:t>
-            </a:r>
-          </a:p>
-          <a:p>
-            <a:pPr lvl="0"/>
-            <a:r>
-              <a:rPr/>
-              <a:t>Varias combinaciones de ambos.</a:t>
+              <a:t>Algoritmos o Métodos.</a:t>
             </a:r>
           </a:p>
         </p:txBody>
@@ -9548,12 +9504,12 @@
       </p:grpSpPr>
       <p:sp>
         <p:nvSpPr>
-          <p:cNvPr id="3" name="Content Placeholder 2"/>
-          <p:cNvSpPr>
-            <a:spLocks noGrp="1"/>
-          </p:cNvSpPr>
-          <p:nvPr>
-            <p:ph idx="1"/>
+          <p:cNvPr id="2" name="Title 1"/>
+          <p:cNvSpPr>
+            <a:spLocks noGrp="1"/>
+          </p:cNvSpPr>
+          <p:nvPr>
+            <p:ph type="title"/>
           </p:nvPr>
         </p:nvSpPr>
         <p:spPr/>
@@ -9562,14 +9518,71 @@
           <a:lstStyle/>
           <a:p>
             <a:pPr lvl="0" indent="0" marL="0">
-              <a:spcBef>
-                <a:spcPts val="3000"/>
-              </a:spcBef>
               <a:buNone/>
             </a:pPr>
             <a:r>
-              <a:rPr b="1"/>
-              <a:t>Algoritmos o Métodos.</a:t>
+              <a:rPr/>
+              <a:t>Optimización global</a:t>
+            </a:r>
+          </a:p>
+        </p:txBody>
+      </p:sp>
+      <p:pic>
+        <p:nvPicPr>
+          <p:cNvPr descr="fig:  imagenes/optimizacion_global.png" id="0" name="Picture 1"/>
+          <p:cNvPicPr>
+            <a:picLocks noGrp="1" noChangeAspect="1"/>
+          </p:cNvPicPr>
+          <p:nvPr/>
+        </p:nvPicPr>
+        <p:blipFill>
+          <a:blip r:embed="rId2"/>
+          <a:stretch>
+            <a:fillRect/>
+          </a:stretch>
+        </p:blipFill>
+        <p:spPr bwMode="auto">
+          <a:xfrm>
+            <a:off x="939800" y="0"/>
+            <a:ext cx="10312400" cy="6350000"/>
+          </a:xfrm>
+          <a:prstGeom prst="rect">
+            <a:avLst/>
+          </a:prstGeom>
+          <a:noFill/>
+          <a:ln w="9525">
+            <a:noFill/>
+            <a:headEnd/>
+            <a:tailEnd/>
+          </a:ln>
+        </p:spPr>
+      </p:pic>
+      <p:sp>
+        <p:nvSpPr>
+          <p:cNvPr id="1" name="TextBox 3"/>
+          <p:cNvSpPr txBox="1"/>
+          <p:nvPr/>
+        </p:nvSpPr>
+        <p:spPr>
+          <a:xfrm>
+            <a:off x="0" y="6350000"/>
+            <a:ext cx="12192000" cy="508000"/>
+          </a:xfrm>
+          <a:prstGeom prst="rect">
+            <a:avLst/>
+          </a:prstGeom>
+          <a:noFill/>
+        </p:spPr>
+        <p:txBody>
+          <a:bodyPr/>
+          <a:lstStyle/>
+          <a:p>
+            <a:pPr lvl="0" indent="0" marL="0" algn="ctr">
+              <a:buNone/>
+            </a:pPr>
+            <a:r>
+              <a:rPr/>
+              <a:t>Espacio de soluciones</a:t>
             </a:r>
           </a:p>
         </p:txBody>
@@ -9616,113 +9629,6 @@
             </a:pPr>
             <a:r>
               <a:rPr/>
-              <a:t>Optimización global</a:t>
-            </a:r>
-          </a:p>
-        </p:txBody>
-      </p:sp>
-      <p:pic>
-        <p:nvPicPr>
-          <p:cNvPr descr="fig:  imagenes/optimizacion_global.png" id="0" name="Picture 1"/>
-          <p:cNvPicPr>
-            <a:picLocks noGrp="1" noChangeAspect="1"/>
-          </p:cNvPicPr>
-          <p:nvPr/>
-        </p:nvPicPr>
-        <p:blipFill>
-          <a:blip r:embed="rId2"/>
-          <a:stretch>
-            <a:fillRect/>
-          </a:stretch>
-        </p:blipFill>
-        <p:spPr bwMode="auto">
-          <a:xfrm>
-            <a:off x="939800" y="0"/>
-            <a:ext cx="10312400" cy="6350000"/>
-          </a:xfrm>
-          <a:prstGeom prst="rect">
-            <a:avLst/>
-          </a:prstGeom>
-          <a:noFill/>
-          <a:ln w="9525">
-            <a:noFill/>
-            <a:headEnd/>
-            <a:tailEnd/>
-          </a:ln>
-        </p:spPr>
-      </p:pic>
-      <p:sp>
-        <p:nvSpPr>
-          <p:cNvPr id="1" name="TextBox 3"/>
-          <p:cNvSpPr txBox="1"/>
-          <p:nvPr/>
-        </p:nvSpPr>
-        <p:spPr>
-          <a:xfrm>
-            <a:off x="0" y="6350000"/>
-            <a:ext cx="12192000" cy="508000"/>
-          </a:xfrm>
-          <a:prstGeom prst="rect">
-            <a:avLst/>
-          </a:prstGeom>
-          <a:noFill/>
-        </p:spPr>
-        <p:txBody>
-          <a:bodyPr/>
-          <a:lstStyle/>
-          <a:p>
-            <a:pPr lvl="0" indent="0" marL="0" algn="ctr">
-              <a:buNone/>
-            </a:pPr>
-            <a:r>
-              <a:rPr/>
-              <a:t>Espacio de soluciones</a:t>
-            </a:r>
-          </a:p>
-        </p:txBody>
-      </p:sp>
-    </p:spTree>
-  </p:cSld>
-</p:sld>
-</file>
-
-<file path=ppt/slides/slide13.xml><?xml version="1.0" encoding="utf-8"?>
-<p:sld xmlns:a="http://schemas.openxmlformats.org/drawingml/2006/main" xmlns:r="http://schemas.openxmlformats.org/officeDocument/2006/relationships" xmlns:p="http://schemas.openxmlformats.org/presentationml/2006/main">
-  <p:cSld>
-    <p:spTree>
-      <p:nvGrpSpPr>
-        <p:cNvPr id="1" name=""/>
-        <p:cNvGrpSpPr/>
-        <p:nvPr/>
-      </p:nvGrpSpPr>
-      <p:grpSpPr>
-        <a:xfrm>
-          <a:off x="0" y="0"/>
-          <a:ext cx="0" cy="0"/>
-          <a:chOff x="0" y="0"/>
-          <a:chExt cx="0" cy="0"/>
-        </a:xfrm>
-      </p:grpSpPr>
-      <p:sp>
-        <p:nvSpPr>
-          <p:cNvPr id="2" name="Title 1"/>
-          <p:cNvSpPr>
-            <a:spLocks noGrp="1"/>
-          </p:cNvSpPr>
-          <p:nvPr>
-            <p:ph type="title"/>
-          </p:nvPr>
-        </p:nvSpPr>
-        <p:spPr/>
-        <p:txBody>
-          <a:bodyPr/>
-          <a:lstStyle/>
-          <a:p>
-            <a:pPr lvl="0" indent="0" marL="0">
-              <a:buNone/>
-            </a:pPr>
-            <a:r>
-              <a:rPr/>
               <a:t>Generación de segmentaciones vecinas</a:t>
             </a:r>
           </a:p>
@@ -9793,7 +9699,7 @@
 </p:sld>
 </file>
 
-<file path=ppt/slides/slide14.xml><?xml version="1.0" encoding="utf-8"?>
+<file path=ppt/slides/slide13.xml><?xml version="1.0" encoding="utf-8"?>
 <p:sld xmlns:a="http://schemas.openxmlformats.org/drawingml/2006/main" xmlns:r="http://schemas.openxmlformats.org/officeDocument/2006/relationships" xmlns:p="http://schemas.openxmlformats.org/presentationml/2006/main">
   <p:cSld>
     <p:spTree>
@@ -9875,7 +9781,7 @@
 </p:sld>
 </file>
 
-<file path=ppt/slides/slide15.xml><?xml version="1.0" encoding="utf-8"?>
+<file path=ppt/slides/slide14.xml><?xml version="1.0" encoding="utf-8"?>
 <p:sld xmlns:a="http://schemas.openxmlformats.org/drawingml/2006/main" xmlns:r="http://schemas.openxmlformats.org/officeDocument/2006/relationships" xmlns:p="http://schemas.openxmlformats.org/presentationml/2006/main">
   <p:cSld>
     <p:spTree>
@@ -9957,6 +9863,90 @@
 </p:sld>
 </file>
 
+<file path=ppt/slides/slide15.xml><?xml version="1.0" encoding="utf-8"?>
+<p:sld xmlns:a="http://schemas.openxmlformats.org/drawingml/2006/main" xmlns:r="http://schemas.openxmlformats.org/officeDocument/2006/relationships" xmlns:p="http://schemas.openxmlformats.org/presentationml/2006/main">
+  <p:cSld>
+    <p:spTree>
+      <p:nvGrpSpPr>
+        <p:cNvPr id="1" name=""/>
+        <p:cNvGrpSpPr/>
+        <p:nvPr/>
+      </p:nvGrpSpPr>
+      <p:grpSpPr>
+        <a:xfrm>
+          <a:off x="0" y="0"/>
+          <a:ext cx="0" cy="0"/>
+          <a:chOff x="0" y="0"/>
+          <a:chExt cx="0" cy="0"/>
+        </a:xfrm>
+      </p:grpSpPr>
+      <p:sp>
+        <p:nvSpPr>
+          <p:cNvPr id="2" name="Title 1"/>
+          <p:cNvSpPr>
+            <a:spLocks noGrp="1"/>
+          </p:cNvSpPr>
+          <p:nvPr>
+            <p:ph type="title"/>
+          </p:nvPr>
+        </p:nvSpPr>
+        <p:spPr/>
+        <p:txBody>
+          <a:bodyPr/>
+          <a:lstStyle/>
+          <a:p>
+            <a:pPr lvl="0" indent="0" marL="0">
+              <a:buNone/>
+            </a:pPr>
+            <a:r>
+              <a:rPr/>
+              <a:t>Numeración de los segmentos</a:t>
+            </a:r>
+          </a:p>
+        </p:txBody>
+      </p:sp>
+      <p:sp>
+        <p:nvSpPr>
+          <p:cNvPr id="3" name="Content Placeholder 2"/>
+          <p:cNvSpPr>
+            <a:spLocks noGrp="1"/>
+          </p:cNvSpPr>
+          <p:nvPr>
+            <p:ph idx="1"/>
+          </p:nvPr>
+        </p:nvSpPr>
+        <p:spPr/>
+        <p:txBody>
+          <a:bodyPr/>
+          <a:lstStyle/>
+          <a:p>
+            <a:pPr lvl="0"/>
+            <a:r>
+              <a:rPr/>
+              <a:t>Cada segmento del radio urbano se identifica con un número de dos dígitos, de 01 en más, dentro del radio.</a:t>
+            </a:r>
+          </a:p>
+          <a:p>
+            <a:pPr lvl="0"/>
+            <a:r>
+              <a:rPr/>
+              <a:t>En el área urbana del radio mixto los segmentos se numeran del 60 en más excluyendo al 90.</a:t>
+            </a:r>
+          </a:p>
+          <a:p>
+            <a:pPr lvl="0"/>
+            <a:r>
+              <a:rPr/>
+              <a:t>El segmento 90 contiene las viviendas colectivas del radio.</a:t>
+            </a:r>
+          </a:p>
+        </p:txBody>
+      </p:sp>
+    </p:spTree>
+  </p:cSld>
+</p:sld>
+</file>
+
 <file path=ppt/slides/slide16.xml><?xml version="1.0" encoding="utf-8"?>
 <p:sld xmlns:a="http://schemas.openxmlformats.org/drawingml/2006/main" xmlns:r="http://schemas.openxmlformats.org/officeDocument/2006/relationships" xmlns:p="http://schemas.openxmlformats.org/presentationml/2006/main">
   <p:cSld>
@@ -9976,12 +9966,12 @@
       </p:grpSpPr>
       <p:sp>
         <p:nvSpPr>
-          <p:cNvPr id="3" name="Content Placeholder 2"/>
-          <p:cNvSpPr>
-            <a:spLocks noGrp="1"/>
-          </p:cNvSpPr>
-          <p:nvPr>
-            <p:ph idx="1"/>
+          <p:cNvPr id="2" name="Title 1"/>
+          <p:cNvSpPr>
+            <a:spLocks noGrp="1"/>
+          </p:cNvSpPr>
+          <p:nvPr>
+            <p:ph type="title"/>
           </p:nvPr>
         </p:nvSpPr>
         <p:spPr/>
@@ -9990,35 +9980,34 @@
           <a:lstStyle/>
           <a:p>
             <a:pPr lvl="0" indent="0" marL="0">
-              <a:spcBef>
-                <a:spcPts val="3000"/>
-              </a:spcBef>
               <a:buNone/>
             </a:pPr>
             <a:r>
-              <a:rPr b="1"/>
-              <a:t>Numeración de los segmentos</a:t>
+              <a:rPr/>
+              <a:t>Descripción del problema.</a:t>
             </a:r>
           </a:p>
+        </p:txBody>
+      </p:sp>
+      <p:sp>
+        <p:nvSpPr>
+          <p:cNvPr id="3" name="Content Placeholder 2"/>
+          <p:cNvSpPr>
+            <a:spLocks noGrp="1"/>
+          </p:cNvSpPr>
+          <p:nvPr>
+            <p:ph idx="1"/>
+          </p:nvPr>
+        </p:nvSpPr>
+        <p:spPr/>
+        <p:txBody>
+          <a:bodyPr/>
+          <a:lstStyle/>
           <a:p>
             <a:pPr lvl="0"/>
             <a:r>
               <a:rPr/>
-              <a:t>Cada segmento del radio urbano se identifica con un número de dos dígitos, de 01 en más, dentro del radio.</a:t>
-            </a:r>
-          </a:p>
-          <a:p>
-            <a:pPr lvl="0"/>
-            <a:r>
-              <a:rPr/>
-              <a:t>En el área urbana del radio mixto los segmentos se numeran del 60 en más excluyendo al 90.</a:t>
-            </a:r>
-          </a:p>
-          <a:p>
-            <a:pPr lvl="0"/>
-            <a:r>
-              <a:rPr/>
-              <a:t>El segmento 90 contiene las viviendas colectivas del radio.</a:t>
+              <a:t>Armar el recorrido de 650.000 censistas para que visiten todas las viviendas del territorio siguiendo las reglas definidas en el MANUAL del SEGMENTADOR.</a:t>
             </a:r>
           </a:p>
         </p:txBody>
@@ -10029,63 +10018,6 @@
 </file>
 
 <file path=ppt/slides/slide17.xml><?xml version="1.0" encoding="utf-8"?>
-<p:sld xmlns:a="http://schemas.openxmlformats.org/drawingml/2006/main" xmlns:r="http://schemas.openxmlformats.org/officeDocument/2006/relationships" xmlns:p="http://schemas.openxmlformats.org/presentationml/2006/main">
-  <p:cSld>
-    <p:spTree>
-      <p:nvGrpSpPr>
-        <p:cNvPr id="1" name=""/>
-        <p:cNvGrpSpPr/>
-        <p:nvPr/>
-      </p:nvGrpSpPr>
-      <p:grpSpPr>
-        <a:xfrm>
-          <a:off x="0" y="0"/>
-          <a:ext cx="0" cy="0"/>
-          <a:chOff x="0" y="0"/>
-          <a:chExt cx="0" cy="0"/>
-        </a:xfrm>
-      </p:grpSpPr>
-      <p:sp>
-        <p:nvSpPr>
-          <p:cNvPr id="3" name="Content Placeholder 2"/>
-          <p:cNvSpPr>
-            <a:spLocks noGrp="1"/>
-          </p:cNvSpPr>
-          <p:nvPr>
-            <p:ph idx="1"/>
-          </p:nvPr>
-        </p:nvSpPr>
-        <p:spPr/>
-        <p:txBody>
-          <a:bodyPr/>
-          <a:lstStyle/>
-          <a:p>
-            <a:pPr lvl="0" indent="0" marL="0">
-              <a:spcBef>
-                <a:spcPts val="3000"/>
-              </a:spcBef>
-              <a:buNone/>
-            </a:pPr>
-            <a:r>
-              <a:rPr b="1"/>
-              <a:t>Descripción del problema.</a:t>
-            </a:r>
-          </a:p>
-          <a:p>
-            <a:pPr lvl="0"/>
-            <a:r>
-              <a:rPr/>
-              <a:t>Armar el recorrido de 650.000 censistas para que visiten todas las viviendas del territorio siguiendo las reglas definidas en el MANUAL del SEGMENTADOR.</a:t>
-            </a:r>
-          </a:p>
-        </p:txBody>
-      </p:sp>
-    </p:spTree>
-  </p:cSld>
-</p:sld>
-</file>
-
-<file path=ppt/slides/slide18.xml><?xml version="1.0" encoding="utf-8"?>
 <p:sld xmlns:a="http://schemas.openxmlformats.org/drawingml/2006/main" xmlns:r="http://schemas.openxmlformats.org/officeDocument/2006/relationships" xmlns:p="http://schemas.openxmlformats.org/presentationml/2006/main">
   <p:cSld>
     <p:spTree>
@@ -10226,6 +10158,53 @@
 </p:sld>
 </file>
 
+<file path=ppt/slides/slide18.xml><?xml version="1.0" encoding="utf-8"?>
+<p:sld xmlns:a="http://schemas.openxmlformats.org/drawingml/2006/main" xmlns:r="http://schemas.openxmlformats.org/officeDocument/2006/relationships" xmlns:p="http://schemas.openxmlformats.org/presentationml/2006/main">
+  <p:cSld>
+    <p:spTree>
+      <p:nvGrpSpPr>
+        <p:cNvPr id="1" name=""/>
+        <p:cNvGrpSpPr/>
+        <p:nvPr/>
+      </p:nvGrpSpPr>
+      <p:grpSpPr>
+        <a:xfrm>
+          <a:off x="0" y="0"/>
+          <a:ext cx="0" cy="0"/>
+          <a:chOff x="0" y="0"/>
+          <a:chExt cx="0" cy="0"/>
+        </a:xfrm>
+      </p:grpSpPr>
+      <p:sp>
+        <p:nvSpPr>
+          <p:cNvPr id="2" name="Title 1"/>
+          <p:cNvSpPr>
+            <a:spLocks noGrp="1"/>
+          </p:cNvSpPr>
+          <p:nvPr>
+            <p:ph type="title"/>
+          </p:nvPr>
+        </p:nvSpPr>
+        <p:spPr/>
+        <p:txBody>
+          <a:bodyPr/>
+          <a:lstStyle/>
+          <a:p>
+            <a:pPr lvl="0" indent="0" marL="0">
+              <a:buNone/>
+            </a:pPr>
+            <a:r>
+              <a:rPr/>
+              <a:t>Optimización Discreta</a:t>
+            </a:r>
+          </a:p>
+        </p:txBody>
+      </p:sp>
+    </p:spTree>
+  </p:cSld>
+</p:sld>
+</file>
+
 <file path=ppt/slides/slide19.xml><?xml version="1.0" encoding="utf-8"?>
 <p:sld xmlns:a="http://schemas.openxmlformats.org/drawingml/2006/main" xmlns:r="http://schemas.openxmlformats.org/officeDocument/2006/relationships" xmlns:p="http://schemas.openxmlformats.org/presentationml/2006/main">
   <p:cSld>
@@ -10266,7 +10245,35 @@
             </a:pPr>
             <a:r>
               <a:rPr b="1"/>
-              <a:t>Optimización Discreta</a:t>
+              <a:t>Función objetivo con costo que incluye penalidad</a:t>
+            </a:r>
+          </a:p>
+          <a:p>
+            <a:pPr lvl="0"/>
+            <a:r>
+              <a:rPr/>
+              <a:t>cantidad de viviendas por segmento</a:t>
+            </a:r>
+          </a:p>
+          <a:p>
+            <a:pPr lvl="0"/>
+            <a:r>
+              <a:rPr/>
+              <a:t>cantidad de manzanas por segmento</a:t>
+            </a:r>
+          </a:p>
+          <a:p>
+            <a:pPr lvl="0"/>
+            <a:r>
+              <a:rPr/>
+              <a:t>cantidad de segmentos</a:t>
+            </a:r>
+          </a:p>
+          <a:p>
+            <a:pPr lvl="0"/>
+            <a:r>
+              <a:rPr/>
+              <a:t>cantidad de lados delimitando segmentos</a:t>
             </a:r>
           </a:p>
         </p:txBody>
@@ -10295,12 +10302,12 @@
       </p:grpSpPr>
       <p:sp>
         <p:nvSpPr>
-          <p:cNvPr id="3" name="Content Placeholder 2"/>
-          <p:cNvSpPr>
-            <a:spLocks noGrp="1"/>
-          </p:cNvSpPr>
-          <p:nvPr>
-            <p:ph idx="1"/>
+          <p:cNvPr id="2" name="Title 1"/>
+          <p:cNvSpPr>
+            <a:spLocks noGrp="1"/>
+          </p:cNvSpPr>
+          <p:nvPr>
+            <p:ph type="title"/>
           </p:nvPr>
         </p:nvSpPr>
         <p:spPr/>
@@ -10313,7 +10320,53 @@
             </a:pPr>
             <a:r>
               <a:rPr/>
-              <a:t>class: center, inverse background-image: url(“plantilla_idera_html/img0.png”)</a:t>
+              <a:t>Introducción al problema.</a:t>
+            </a:r>
+          </a:p>
+        </p:txBody>
+      </p:sp>
+      <p:sp>
+        <p:nvSpPr>
+          <p:cNvPr id="3" name="Content Placeholder 2"/>
+          <p:cNvSpPr>
+            <a:spLocks noGrp="1"/>
+          </p:cNvSpPr>
+          <p:nvPr>
+            <p:ph idx="1"/>
+          </p:nvPr>
+        </p:nvSpPr>
+        <p:spPr/>
+        <p:txBody>
+          <a:bodyPr/>
+          <a:lstStyle/>
+          <a:p>
+            <a:pPr lvl="0" indent="0" marL="0">
+              <a:spcBef>
+                <a:spcPts val="3000"/>
+              </a:spcBef>
+              <a:buNone/>
+            </a:pPr>
+            <a:r>
+              <a:rPr b="1"/>
+              <a:t>¿Que es la segmentación?</a:t>
+            </a:r>
+          </a:p>
+          <a:p>
+            <a:pPr lvl="0" indent="0" marL="0">
+              <a:buNone/>
+            </a:pPr>
+            <a:r>
+              <a:rPr/>
+              <a:t>Son las tareas que permiten subdividir el radio censal en segmentos.</a:t>
+            </a:r>
+          </a:p>
+          <a:p>
+            <a:pPr lvl="0" indent="0" marL="0">
+              <a:buNone/>
+            </a:pPr>
+            <a:r>
+              <a:rPr/>
+              <a:t>Para asegurar que todas las viviendas sean censadas, hay que determinar qué área y qué viviendas le corresponden a cada censista.</a:t>
             </a:r>
           </a:p>
         </p:txBody>
@@ -10363,35 +10416,7 @@
             </a:pPr>
             <a:r>
               <a:rPr b="1"/>
-              <a:t>Función objetivo con costo que incluye penalidad</a:t>
-            </a:r>
-          </a:p>
-          <a:p>
-            <a:pPr lvl="0"/>
-            <a:r>
-              <a:rPr/>
-              <a:t>cantidad de viviendas por segmento</a:t>
-            </a:r>
-          </a:p>
-          <a:p>
-            <a:pPr lvl="0"/>
-            <a:r>
-              <a:rPr/>
-              <a:t>cantidad de manzanas por segmento</a:t>
-            </a:r>
-          </a:p>
-          <a:p>
-            <a:pPr lvl="0"/>
-            <a:r>
-              <a:rPr/>
-              <a:t>cantidad de segmentos</a:t>
-            </a:r>
-          </a:p>
-          <a:p>
-            <a:pPr lvl="0"/>
-            <a:r>
-              <a:rPr/>
-              <a:t>cantidad de lados delimitando segmentos</a:t>
+              <a:t>Espacio factible definido por vecindario de segmentación</a:t>
             </a:r>
           </a:p>
         </p:txBody>
@@ -10402,56 +10427,6 @@
 </file>
 
 <file path=ppt/slides/slide21.xml><?xml version="1.0" encoding="utf-8"?>
-<p:sld xmlns:a="http://schemas.openxmlformats.org/drawingml/2006/main" xmlns:r="http://schemas.openxmlformats.org/officeDocument/2006/relationships" xmlns:p="http://schemas.openxmlformats.org/presentationml/2006/main">
-  <p:cSld>
-    <p:spTree>
-      <p:nvGrpSpPr>
-        <p:cNvPr id="1" name=""/>
-        <p:cNvGrpSpPr/>
-        <p:nvPr/>
-      </p:nvGrpSpPr>
-      <p:grpSpPr>
-        <a:xfrm>
-          <a:off x="0" y="0"/>
-          <a:ext cx="0" cy="0"/>
-          <a:chOff x="0" y="0"/>
-          <a:chExt cx="0" cy="0"/>
-        </a:xfrm>
-      </p:grpSpPr>
-      <p:sp>
-        <p:nvSpPr>
-          <p:cNvPr id="3" name="Content Placeholder 2"/>
-          <p:cNvSpPr>
-            <a:spLocks noGrp="1"/>
-          </p:cNvSpPr>
-          <p:nvPr>
-            <p:ph idx="1"/>
-          </p:nvPr>
-        </p:nvSpPr>
-        <p:spPr/>
-        <p:txBody>
-          <a:bodyPr/>
-          <a:lstStyle/>
-          <a:p>
-            <a:pPr lvl="0" indent="0" marL="0">
-              <a:spcBef>
-                <a:spcPts val="3000"/>
-              </a:spcBef>
-              <a:buNone/>
-            </a:pPr>
-            <a:r>
-              <a:rPr b="1"/>
-              <a:t>Espacio factible definido por vecindario de segmentación</a:t>
-            </a:r>
-          </a:p>
-        </p:txBody>
-      </p:sp>
-    </p:spTree>
-  </p:cSld>
-</p:sld>
-</file>
-
-<file path=ppt/slides/slide22.xml><?xml version="1.0" encoding="utf-8"?>
 <p:sld xmlns:a="http://schemas.openxmlformats.org/drawingml/2006/main" xmlns:r="http://schemas.openxmlformats.org/officeDocument/2006/relationships" xmlns:p="http://schemas.openxmlformats.org/presentationml/2006/main">
   <p:cSld>
     <p:spTree>
@@ -10583,7 +10558,7 @@
 </p:sld>
 </file>
 
-<file path=ppt/slides/slide23.xml><?xml version="1.0" encoding="utf-8"?>
+<file path=ppt/slides/slide22.xml><?xml version="1.0" encoding="utf-8"?>
 <p:sld xmlns:a="http://schemas.openxmlformats.org/drawingml/2006/main" xmlns:r="http://schemas.openxmlformats.org/officeDocument/2006/relationships" xmlns:p="http://schemas.openxmlformats.org/presentationml/2006/main">
   <p:cSld>
     <p:spTree>
@@ -10625,29 +10600,61 @@
           </a:p>
         </p:txBody>
       </p:sp>
-      <p:sp>
-        <p:nvSpPr>
-          <p:cNvPr id="3" name="Content Placeholder 2"/>
-          <p:cNvSpPr>
-            <a:spLocks noGrp="1"/>
-          </p:cNvSpPr>
-          <p:nvPr>
-            <p:ph idx="1"/>
-          </p:nvPr>
-        </p:nvSpPr>
-        <p:spPr/>
+      <p:pic>
+        <p:nvPicPr>
+          <p:cNvPr descr="fig:  imagenes/DTL.png" id="0" name="Picture 1"/>
+          <p:cNvPicPr>
+            <a:picLocks noGrp="1" noChangeAspect="1"/>
+          </p:cNvPicPr>
+          <p:nvPr/>
+        </p:nvPicPr>
+        <p:blipFill>
+          <a:blip r:embed="rId2"/>
+          <a:stretch>
+            <a:fillRect/>
+          </a:stretch>
+        </p:blipFill>
+        <p:spPr bwMode="auto">
+          <a:xfrm>
+            <a:off x="3022600" y="0"/>
+            <a:ext cx="6146800" cy="6350000"/>
+          </a:xfrm>
+          <a:prstGeom prst="rect">
+            <a:avLst/>
+          </a:prstGeom>
+          <a:noFill/>
+          <a:ln w="9525">
+            <a:noFill/>
+            <a:headEnd/>
+            <a:tailEnd/>
+          </a:ln>
+        </p:spPr>
+      </p:pic>
+      <p:sp>
+        <p:nvSpPr>
+          <p:cNvPr id="1" name="TextBox 3"/>
+          <p:cNvSpPr txBox="1"/>
+          <p:nvPr/>
+        </p:nvSpPr>
+        <p:spPr>
+          <a:xfrm>
+            <a:off x="0" y="6350000"/>
+            <a:ext cx="12192000" cy="508000"/>
+          </a:xfrm>
+          <a:prstGeom prst="rect">
+            <a:avLst/>
+          </a:prstGeom>
+          <a:noFill/>
+        </p:spPr>
         <p:txBody>
           <a:bodyPr/>
           <a:lstStyle/>
           <a:p>
-            <a:pPr lvl="0" indent="0" marL="0">
-              <a:spcBef>
-                <a:spcPts val="3000"/>
-              </a:spcBef>
+            <a:pPr lvl="0" indent="0" marL="0" algn="ctr">
               <a:buNone/>
             </a:pPr>
             <a:r>
-              <a:rPr b="1"/>
+              <a:rPr/>
               <a:t>DTL</a:t>
             </a:r>
           </a:p>
@@ -10658,7 +10665,7 @@
 </p:sld>
 </file>
 
-<file path=ppt/slides/slide24.xml><?xml version="1.0" encoding="utf-8"?>
+<file path=ppt/slides/slide23.xml><?xml version="1.0" encoding="utf-8"?>
 <p:sld xmlns:a="http://schemas.openxmlformats.org/drawingml/2006/main" xmlns:r="http://schemas.openxmlformats.org/officeDocument/2006/relationships" xmlns:p="http://schemas.openxmlformats.org/presentationml/2006/main">
   <p:cSld>
     <p:spTree>
@@ -10740,6 +10747,53 @@
 </p:sld>
 </file>
 
+<file path=ppt/slides/slide24.xml><?xml version="1.0" encoding="utf-8"?>
+<p:sld xmlns:a="http://schemas.openxmlformats.org/drawingml/2006/main" xmlns:r="http://schemas.openxmlformats.org/officeDocument/2006/relationships" xmlns:p="http://schemas.openxmlformats.org/presentationml/2006/main">
+  <p:cSld>
+    <p:spTree>
+      <p:nvGrpSpPr>
+        <p:cNvPr id="1" name=""/>
+        <p:cNvGrpSpPr/>
+        <p:nvPr/>
+      </p:nvGrpSpPr>
+      <p:grpSpPr>
+        <a:xfrm>
+          <a:off x="0" y="0"/>
+          <a:ext cx="0" cy="0"/>
+          <a:chOff x="0" y="0"/>
+          <a:chExt cx="0" cy="0"/>
+        </a:xfrm>
+      </p:grpSpPr>
+      <p:sp>
+        <p:nvSpPr>
+          <p:cNvPr id="2" name="Title 1"/>
+          <p:cNvSpPr>
+            <a:spLocks noGrp="1"/>
+          </p:cNvSpPr>
+          <p:nvPr>
+            <p:ph type="title"/>
+          </p:nvPr>
+        </p:nvSpPr>
+        <p:spPr/>
+        <p:txBody>
+          <a:bodyPr/>
+          <a:lstStyle/>
+          <a:p>
+            <a:pPr lvl="0" indent="0" marL="0">
+              <a:buNone/>
+            </a:pPr>
+            <a:r>
+              <a:rPr/>
+              <a:t>Segmentación.</a:t>
+            </a:r>
+          </a:p>
+        </p:txBody>
+      </p:sp>
+    </p:spTree>
+  </p:cSld>
+</p:sld>
+</file>
+
 <file path=ppt/slides/slide25.xml><?xml version="1.0" encoding="utf-8"?>
 <p:sld xmlns:a="http://schemas.openxmlformats.org/drawingml/2006/main" xmlns:r="http://schemas.openxmlformats.org/officeDocument/2006/relationships" xmlns:p="http://schemas.openxmlformats.org/presentationml/2006/main">
   <p:cSld>
@@ -10777,7 +10831,7 @@
             </a:pPr>
             <a:r>
               <a:rPr/>
-              <a:t>Segmentación.</a:t>
+              <a:t>Generación de resumenes.</a:t>
             </a:r>
           </a:p>
         </p:txBody>
@@ -10824,7 +10878,67 @@
             </a:pPr>
             <a:r>
               <a:rPr/>
-              <a:t>Generación de resumenes.</a:t>
+              <a:t>Salidas Gráficas.</a:t>
+            </a:r>
+          </a:p>
+        </p:txBody>
+      </p:sp>
+      <p:pic>
+        <p:nvPicPr>
+          <p:cNvPr descr="fig:  imagenes/plugin.png" id="0" name="Picture 1"/>
+          <p:cNvPicPr>
+            <a:picLocks noGrp="1" noChangeAspect="1"/>
+          </p:cNvPicPr>
+          <p:nvPr/>
+        </p:nvPicPr>
+        <p:blipFill>
+          <a:blip r:embed="rId2"/>
+          <a:stretch>
+            <a:fillRect/>
+          </a:stretch>
+        </p:blipFill>
+        <p:spPr bwMode="auto">
+          <a:xfrm>
+            <a:off x="0" y="127000"/>
+            <a:ext cx="12192000" cy="6096000"/>
+          </a:xfrm>
+          <a:prstGeom prst="rect">
+            <a:avLst/>
+          </a:prstGeom>
+          <a:noFill/>
+          <a:ln w="9525">
+            <a:noFill/>
+            <a:headEnd/>
+            <a:tailEnd/>
+          </a:ln>
+        </p:spPr>
+      </p:pic>
+      <p:sp>
+        <p:nvSpPr>
+          <p:cNvPr id="1" name="TextBox 3"/>
+          <p:cNvSpPr txBox="1"/>
+          <p:nvPr/>
+        </p:nvSpPr>
+        <p:spPr>
+          <a:xfrm>
+            <a:off x="0" y="6350000"/>
+            <a:ext cx="12192000" cy="508000"/>
+          </a:xfrm>
+          <a:prstGeom prst="rect">
+            <a:avLst/>
+          </a:prstGeom>
+          <a:noFill/>
+        </p:spPr>
+        <p:txBody>
+          <a:bodyPr/>
+          <a:lstStyle/>
+          <a:p>
+            <a:pPr lvl="0" indent="0" marL="0" algn="ctr">
+              <a:buNone/>
+            </a:pPr>
+            <a:r>
+              <a:rPr/>
+              <a:t>Plugin</a:t>
             </a:r>
           </a:p>
         </p:txBody>
@@ -10871,113 +10985,6 @@
             </a:pPr>
             <a:r>
               <a:rPr/>
-              <a:t>Salidas Gráficas.</a:t>
-            </a:r>
-          </a:p>
-        </p:txBody>
-      </p:sp>
-      <p:pic>
-        <p:nvPicPr>
-          <p:cNvPr descr="fig:  imagenes/plugin.png" id="0" name="Picture 1"/>
-          <p:cNvPicPr>
-            <a:picLocks noGrp="1" noChangeAspect="1"/>
-          </p:cNvPicPr>
-          <p:nvPr/>
-        </p:nvPicPr>
-        <p:blipFill>
-          <a:blip r:embed="rId2"/>
-          <a:stretch>
-            <a:fillRect/>
-          </a:stretch>
-        </p:blipFill>
-        <p:spPr bwMode="auto">
-          <a:xfrm>
-            <a:off x="0" y="127000"/>
-            <a:ext cx="12192000" cy="6096000"/>
-          </a:xfrm>
-          <a:prstGeom prst="rect">
-            <a:avLst/>
-          </a:prstGeom>
-          <a:noFill/>
-          <a:ln w="9525">
-            <a:noFill/>
-            <a:headEnd/>
-            <a:tailEnd/>
-          </a:ln>
-        </p:spPr>
-      </p:pic>
-      <p:sp>
-        <p:nvSpPr>
-          <p:cNvPr id="1" name="TextBox 3"/>
-          <p:cNvSpPr txBox="1"/>
-          <p:nvPr/>
-        </p:nvSpPr>
-        <p:spPr>
-          <a:xfrm>
-            <a:off x="0" y="6350000"/>
-            <a:ext cx="12192000" cy="508000"/>
-          </a:xfrm>
-          <a:prstGeom prst="rect">
-            <a:avLst/>
-          </a:prstGeom>
-          <a:noFill/>
-        </p:spPr>
-        <p:txBody>
-          <a:bodyPr/>
-          <a:lstStyle/>
-          <a:p>
-            <a:pPr lvl="0" indent="0" marL="0" algn="ctr">
-              <a:buNone/>
-            </a:pPr>
-            <a:r>
-              <a:rPr/>
-              <a:t>Plugin</a:t>
-            </a:r>
-          </a:p>
-        </p:txBody>
-      </p:sp>
-    </p:spTree>
-  </p:cSld>
-</p:sld>
-</file>
-
-<file path=ppt/slides/slide28.xml><?xml version="1.0" encoding="utf-8"?>
-<p:sld xmlns:a="http://schemas.openxmlformats.org/drawingml/2006/main" xmlns:r="http://schemas.openxmlformats.org/officeDocument/2006/relationships" xmlns:p="http://schemas.openxmlformats.org/presentationml/2006/main">
-  <p:cSld>
-    <p:spTree>
-      <p:nvGrpSpPr>
-        <p:cNvPr id="1" name=""/>
-        <p:cNvGrpSpPr/>
-        <p:nvPr/>
-      </p:nvGrpSpPr>
-      <p:grpSpPr>
-        <a:xfrm>
-          <a:off x="0" y="0"/>
-          <a:ext cx="0" cy="0"/>
-          <a:chOff x="0" y="0"/>
-          <a:chExt cx="0" cy="0"/>
-        </a:xfrm>
-      </p:grpSpPr>
-      <p:sp>
-        <p:nvSpPr>
-          <p:cNvPr id="2" name="Title 1"/>
-          <p:cNvSpPr>
-            <a:spLocks noGrp="1"/>
-          </p:cNvSpPr>
-          <p:nvPr>
-            <p:ph type="title"/>
-          </p:nvPr>
-        </p:nvSpPr>
-        <p:spPr/>
-        <p:txBody>
-          <a:bodyPr/>
-          <a:lstStyle/>
-          <a:p>
-            <a:pPr lvl="0" indent="0" marL="0">
-              <a:buNone/>
-            </a:pPr>
-            <a:r>
-              <a:rPr/>
               <a:t>Conclusiones.</a:t>
             </a:r>
           </a:p>
@@ -11025,7 +11032,7 @@
             </a:pPr>
             <a:r>
               <a:rPr/>
-              <a:t>Introducción al problema.</a:t>
+              <a:t>Tareas: Generar mapas, recorridos, planillas.</a:t>
             </a:r>
           </a:p>
         </p:txBody>
@@ -11045,33 +11052,45 @@
           <a:bodyPr/>
           <a:lstStyle/>
           <a:p>
-            <a:pPr lvl="0" indent="0" marL="0">
-              <a:spcBef>
-                <a:spcPts val="3000"/>
-              </a:spcBef>
-              <a:buNone/>
-            </a:pPr>
-            <a:r>
-              <a:rPr b="1"/>
-              <a:t>¿Que es la segmentación?</a:t>
-            </a:r>
-          </a:p>
-          <a:p>
-            <a:pPr lvl="0" indent="0" marL="0">
-              <a:buNone/>
-            </a:pPr>
+            <a:pPr lvl="0"/>
             <a:r>
               <a:rPr/>
-              <a:t>Es la tarea que permite subdividir el radio censal en segmentos.</a:t>
+              <a:t>16 millones de domicilios.</a:t>
             </a:r>
           </a:p>
           <a:p>
-            <a:pPr lvl="0" indent="0" marL="0">
-              <a:buNone/>
-            </a:pPr>
+            <a:pPr lvl="0"/>
             <a:r>
               <a:rPr/>
-              <a:t>Para asegurar que todas las viviendas sean censadas, hay que determinar qué área y qué viviendas le corresponden a cada censista.</a:t>
+              <a:t>Carga promedio en zona urbana: entre 30 y 36 viviendas (según la provincia)</a:t>
+            </a:r>
+          </a:p>
+          <a:p>
+            <a:pPr lvl="0"/>
+            <a:r>
+              <a:rPr/>
+              <a:t>Carga promedio en asentamientos: 18 viviendas.</a:t>
+            </a:r>
+          </a:p>
+          <a:p>
+            <a:pPr lvl="0"/>
+            <a:r>
+              <a:rPr/>
+              <a:t>Carga promedio en zona suburbana: 12 a 15 viviendas.</a:t>
+            </a:r>
+          </a:p>
+          <a:p>
+            <a:pPr lvl="0"/>
+            <a:r>
+              <a:rPr/>
+              <a:t>De 8 a 12 hs. de trabajo.</a:t>
+            </a:r>
+          </a:p>
+          <a:p>
+            <a:pPr lvl="0"/>
+            <a:r>
+              <a:rPr/>
+              <a:t>Aprox. 650 mil censistas</a:t>
             </a:r>
           </a:p>
         </p:txBody>
@@ -11100,12 +11119,12 @@
       </p:grpSpPr>
       <p:sp>
         <p:nvSpPr>
-          <p:cNvPr id="3" name="Content Placeholder 2"/>
-          <p:cNvSpPr>
-            <a:spLocks noGrp="1"/>
-          </p:cNvSpPr>
-          <p:nvPr>
-            <p:ph idx="1"/>
+          <p:cNvPr id="2" name="Title 1"/>
+          <p:cNvSpPr>
+            <a:spLocks noGrp="1"/>
+          </p:cNvSpPr>
+          <p:nvPr>
+            <p:ph type="title"/>
           </p:nvPr>
         </p:nvSpPr>
         <p:spPr/>
@@ -11114,56 +11133,59 @@
           <a:lstStyle/>
           <a:p>
             <a:pPr lvl="0" indent="0" marL="0">
-              <a:spcBef>
-                <a:spcPts val="3000"/>
-              </a:spcBef>
               <a:buNone/>
             </a:pPr>
             <a:r>
-              <a:rPr b="1"/>
-              <a:t>Descripción somera: Generar mapas, recorridos, planillas.</a:t>
+              <a:rPr/>
+              <a:t>Tipos de Radios</a:t>
             </a:r>
           </a:p>
+        </p:txBody>
+      </p:sp>
+      <p:sp>
+        <p:nvSpPr>
+          <p:cNvPr id="3" name="Content Placeholder 2"/>
+          <p:cNvSpPr>
+            <a:spLocks noGrp="1"/>
+          </p:cNvSpPr>
+          <p:nvPr>
+            <p:ph idx="1"/>
+          </p:nvPr>
+        </p:nvSpPr>
+        <p:spPr/>
+        <p:txBody>
+          <a:bodyPr/>
+          <a:lstStyle/>
           <a:p>
             <a:pPr lvl="0"/>
             <a:r>
               <a:rPr/>
-              <a:t>16 millones de domicilios.</a:t>
+              <a:t>Urbano</a:t>
+            </a:r>
+          </a:p>
+          <a:p>
+            <a:pPr lvl="0" indent="0" marL="0">
+              <a:buNone/>
+            </a:pPr>
+            <a:r>
+              <a:rPr/>
+              <a:t>— población agrupada únicamente, y conformado por manzanas y/o sectores pertenecientes a una localidad. —</a:t>
             </a:r>
           </a:p>
           <a:p>
             <a:pPr lvl="0"/>
             <a:r>
               <a:rPr/>
-              <a:t>Carga promedio en zona urbana: entre 30 y 36 viviendas (según la provincia)</a:t>
+              <a:t>Suburbano</a:t>
             </a:r>
           </a:p>
           <a:p>
-            <a:pPr lvl="0"/>
+            <a:pPr lvl="0" indent="0" marL="0">
+              <a:buNone/>
+            </a:pPr>
             <a:r>
               <a:rPr/>
-              <a:t>Carga promedio en asentamientos: 18 viviendas.</a:t>
-            </a:r>
-          </a:p>
-          <a:p>
-            <a:pPr lvl="0"/>
-            <a:r>
-              <a:rPr/>
-              <a:t>Carga promedio en zona suburbana: 12 a 15 viviendas.</a:t>
-            </a:r>
-          </a:p>
-          <a:p>
-            <a:pPr lvl="0"/>
-            <a:r>
-              <a:rPr/>
-              <a:t>De 8 a 12 hs. de trabajo.</a:t>
-            </a:r>
-          </a:p>
-          <a:p>
-            <a:pPr lvl="0"/>
-            <a:r>
-              <a:rPr/>
-              <a:t>Aprox. 650 mil censistas</a:t>
+              <a:t>— agrupada en pequeños poblados o en bordes amanzanados de localidades. —</a:t>
             </a:r>
           </a:p>
         </p:txBody>
@@ -11192,60 +11214,55 @@
       </p:grpSpPr>
       <p:sp>
         <p:nvSpPr>
-          <p:cNvPr id="3" name="Content Placeholder 2"/>
-          <p:cNvSpPr>
-            <a:spLocks noGrp="1"/>
-          </p:cNvSpPr>
-          <p:nvPr>
-            <p:ph idx="1"/>
+          <p:cNvPr id="2" name="Title 1"/>
+          <p:cNvSpPr>
+            <a:spLocks noGrp="1"/>
+          </p:cNvSpPr>
+          <p:nvPr>
+            <p:ph type="title"/>
           </p:nvPr>
         </p:nvSpPr>
         <p:spPr/>
         <p:txBody>
           <a:bodyPr/>
           <a:lstStyle/>
-          <a:p>
-            <a:pPr lvl="0" indent="0" marL="0">
-              <a:spcBef>
-                <a:spcPts val="3000"/>
-              </a:spcBef>
-              <a:buNone/>
-            </a:pPr>
-            <a:r>
-              <a:rPr b="1"/>
-              <a:t>Tipos de Radios</a:t>
-            </a:r>
-          </a:p>
-          <a:p>
-            <a:pPr lvl="0"/>
-            <a:r>
-              <a:rPr/>
-              <a:t>Urbano</a:t>
-            </a:r>
-          </a:p>
           <a:p>
             <a:pPr lvl="0" indent="0" marL="0">
               <a:buNone/>
             </a:pPr>
             <a:r>
               <a:rPr/>
-              <a:t>— población agrupada únicamente, y conformado por manzanas y/o sectores pertenecientes a una localidad. —</a:t>
+              <a:t>Delimitación del segmento</a:t>
             </a:r>
           </a:p>
+        </p:txBody>
+      </p:sp>
+      <p:sp>
+        <p:nvSpPr>
+          <p:cNvPr id="3" name="Content Placeholder 2"/>
+          <p:cNvSpPr>
+            <a:spLocks noGrp="1"/>
+          </p:cNvSpPr>
+          <p:nvPr>
+            <p:ph idx="1"/>
+          </p:nvPr>
+        </p:nvSpPr>
+        <p:spPr/>
+        <p:txBody>
+          <a:bodyPr/>
+          <a:lstStyle/>
           <a:p>
             <a:pPr lvl="0"/>
             <a:r>
               <a:rPr/>
-              <a:t>Suburbano</a:t>
+              <a:t>Todo espacio (con o sin viviendas) debe estar asignado a un segmento.</a:t>
             </a:r>
           </a:p>
           <a:p>
-            <a:pPr lvl="0" indent="0" marL="0">
-              <a:buNone/>
-            </a:pPr>
+            <a:pPr lvl="0"/>
             <a:r>
               <a:rPr/>
-              <a:t>— agrupada en pequeños poblados o en bordes amanzanados de localidades. —</a:t>
+              <a:t>Identificar claramente Inicio y Fin de cada segmento.</a:t>
             </a:r>
           </a:p>
         </p:txBody>
@@ -11274,6 +11291,31 @@
       </p:grpSpPr>
       <p:sp>
         <p:nvSpPr>
+          <p:cNvPr id="2" name="Title 1"/>
+          <p:cNvSpPr>
+            <a:spLocks noGrp="1"/>
+          </p:cNvSpPr>
+          <p:nvPr>
+            <p:ph type="title"/>
+          </p:nvPr>
+        </p:nvSpPr>
+        <p:spPr/>
+        <p:txBody>
+          <a:bodyPr/>
+          <a:lstStyle/>
+          <a:p>
+            <a:pPr lvl="0" indent="0" marL="0">
+              <a:buNone/>
+            </a:pPr>
+            <a:r>
+              <a:rPr/>
+              <a:t>Facilitar el recorrido del censista</a:t>
+            </a:r>
+          </a:p>
+        </p:txBody>
+      </p:sp>
+      <p:sp>
+        <p:nvSpPr>
           <p:cNvPr id="3" name="Content Placeholder 2"/>
           <p:cNvSpPr>
             <a:spLocks noGrp="1"/>
@@ -11295,21 +11337,28 @@
             </a:pPr>
             <a:r>
               <a:rPr b="1"/>
-              <a:t>Delimitación del segmento</a:t>
+              <a:t>Evitar</a:t>
             </a:r>
           </a:p>
           <a:p>
             <a:pPr lvl="0"/>
             <a:r>
               <a:rPr/>
-              <a:t>Todo espacio (con o sin viviendas) debe estar asignado a un segmento.</a:t>
+              <a:t>Recorrido discontinuo</a:t>
             </a:r>
           </a:p>
           <a:p>
             <a:pPr lvl="0"/>
             <a:r>
               <a:rPr/>
-              <a:t>Identificar claramente Inicio y Fin de cada segmento.</a:t>
+              <a:t>Cruce en diagonal</a:t>
+            </a:r>
+          </a:p>
+          <a:p>
+            <a:pPr lvl="0"/>
+            <a:r>
+              <a:rPr/>
+              <a:t>“En lo posible” cruce de avenidas, rutas, vías de ferrocarril o cursos de agua.</a:t>
             </a:r>
           </a:p>
         </p:txBody>
@@ -11338,12 +11387,12 @@
       </p:grpSpPr>
       <p:sp>
         <p:nvSpPr>
-          <p:cNvPr id="3" name="Content Placeholder 2"/>
-          <p:cNvSpPr>
-            <a:spLocks noGrp="1"/>
-          </p:cNvSpPr>
-          <p:nvPr>
-            <p:ph idx="1"/>
+          <p:cNvPr id="2" name="Title 1"/>
+          <p:cNvSpPr>
+            <a:spLocks noGrp="1"/>
+          </p:cNvSpPr>
+          <p:nvPr>
+            <p:ph type="title"/>
           </p:nvPr>
         </p:nvSpPr>
         <p:spPr/>
@@ -11352,47 +11401,71 @@
           <a:lstStyle/>
           <a:p>
             <a:pPr lvl="0" indent="0" marL="0">
-              <a:spcBef>
-                <a:spcPts val="3000"/>
-              </a:spcBef>
               <a:buNone/>
             </a:pPr>
             <a:r>
-              <a:rPr b="1"/>
-              <a:t>Facilitar el recorrido del censista</a:t>
+              <a:rPr/>
+              <a:t>Segmentos</a:t>
             </a:r>
           </a:p>
-          <a:p>
-            <a:pPr lvl="0" indent="0" marL="0">
-              <a:spcBef>
-                <a:spcPts val="3000"/>
-              </a:spcBef>
+        </p:txBody>
+      </p:sp>
+      <p:pic>
+        <p:nvPicPr>
+          <p:cNvPr descr="fig:  imagenes/mapa.png" id="0" name="Picture 1"/>
+          <p:cNvPicPr>
+            <a:picLocks noGrp="1" noChangeAspect="1"/>
+          </p:cNvPicPr>
+          <p:nvPr/>
+        </p:nvPicPr>
+        <p:blipFill>
+          <a:blip r:embed="rId2"/>
+          <a:stretch>
+            <a:fillRect/>
+          </a:stretch>
+        </p:blipFill>
+        <p:spPr bwMode="auto">
+          <a:xfrm>
+            <a:off x="431800" y="0"/>
+            <a:ext cx="11328400" cy="6350000"/>
+          </a:xfrm>
+          <a:prstGeom prst="rect">
+            <a:avLst/>
+          </a:prstGeom>
+          <a:noFill/>
+          <a:ln w="9525">
+            <a:noFill/>
+            <a:headEnd/>
+            <a:tailEnd/>
+          </a:ln>
+        </p:spPr>
+      </p:pic>
+      <p:sp>
+        <p:nvSpPr>
+          <p:cNvPr id="1" name="TextBox 3"/>
+          <p:cNvSpPr txBox="1"/>
+          <p:nvPr/>
+        </p:nvSpPr>
+        <p:spPr>
+          <a:xfrm>
+            <a:off x="0" y="6350000"/>
+            <a:ext cx="12192000" cy="508000"/>
+          </a:xfrm>
+          <a:prstGeom prst="rect">
+            <a:avLst/>
+          </a:prstGeom>
+          <a:noFill/>
+        </p:spPr>
+        <p:txBody>
+          <a:bodyPr/>
+          <a:lstStyle/>
+          <a:p>
+            <a:pPr lvl="0" indent="0" marL="0" algn="ctr">
               <a:buNone/>
             </a:pPr>
             <a:r>
-              <a:rPr b="1"/>
-              <a:t>Evitar</a:t>
-            </a:r>
-          </a:p>
-          <a:p>
-            <a:pPr lvl="0"/>
-            <a:r>
               <a:rPr/>
-              <a:t>Recorrido discontinuo</a:t>
-            </a:r>
-          </a:p>
-          <a:p>
-            <a:pPr lvl="0"/>
-            <a:r>
-              <a:rPr/>
-              <a:t>Cruce en diagonal</a:t>
-            </a:r>
-          </a:p>
-          <a:p>
-            <a:pPr lvl="0"/>
-            <a:r>
-              <a:rPr/>
-              <a:t>“En lo posible” cruce de avenidas, rutas, vías de ferrocarril o cursos de agua.</a:t>
+              <a:t>Mapas de análisis</a:t>
             </a:r>
           </a:p>
         </p:txBody>
@@ -11439,67 +11512,56 @@
             </a:pPr>
             <a:r>
               <a:rPr/>
-              <a:t>Segmentos</a:t>
+              <a:t>Tipos de Radios Urbanos o parte Urbana de Radios Mixtos</a:t>
             </a:r>
           </a:p>
         </p:txBody>
       </p:sp>
-      <p:pic>
-        <p:nvPicPr>
-          <p:cNvPr descr="fig:  imagenes/mapa.png" id="0" name="Picture 1"/>
-          <p:cNvPicPr>
-            <a:picLocks noGrp="1" noChangeAspect="1"/>
-          </p:cNvPicPr>
-          <p:nvPr/>
-        </p:nvPicPr>
-        <p:blipFill>
-          <a:blip r:embed="rId2"/>
-          <a:stretch>
-            <a:fillRect/>
-          </a:stretch>
-        </p:blipFill>
-        <p:spPr bwMode="auto">
-          <a:xfrm>
-            <a:off x="431800" y="0"/>
-            <a:ext cx="11328400" cy="6350000"/>
-          </a:xfrm>
-          <a:prstGeom prst="rect">
-            <a:avLst/>
-          </a:prstGeom>
-          <a:noFill/>
-          <a:ln w="9525">
-            <a:noFill/>
-            <a:headEnd/>
-            <a:tailEnd/>
-          </a:ln>
-        </p:spPr>
-      </p:pic>
-      <p:sp>
-        <p:nvSpPr>
-          <p:cNvPr id="1" name="TextBox 3"/>
-          <p:cNvSpPr txBox="1"/>
-          <p:nvPr/>
-        </p:nvSpPr>
-        <p:spPr>
-          <a:xfrm>
-            <a:off x="0" y="6350000"/>
-            <a:ext cx="12192000" cy="508000"/>
-          </a:xfrm>
-          <a:prstGeom prst="rect">
-            <a:avLst/>
-          </a:prstGeom>
-          <a:noFill/>
-        </p:spPr>
+      <p:sp>
+        <p:nvSpPr>
+          <p:cNvPr id="3" name="Content Placeholder 2"/>
+          <p:cNvSpPr>
+            <a:spLocks noGrp="1"/>
+          </p:cNvSpPr>
+          <p:nvPr>
+            <p:ph idx="1"/>
+          </p:nvPr>
+        </p:nvSpPr>
+        <p:spPr/>
         <p:txBody>
           <a:bodyPr/>
           <a:lstStyle/>
           <a:p>
-            <a:pPr lvl="0" indent="0" marL="0" algn="ctr">
+            <a:pPr lvl="0" indent="0" marL="0">
+              <a:spcBef>
+                <a:spcPts val="3000"/>
+              </a:spcBef>
               <a:buNone/>
             </a:pPr>
             <a:r>
+              <a:rPr b="1"/>
+              <a:t>Según distribución de viviendas dada una carga deseada.</a:t>
+            </a:r>
+          </a:p>
+          <a:p>
+            <a:pPr lvl="0"/>
+            <a:r>
               <a:rPr/>
-              <a:t>Mapas de análisis</a:t>
+              <a:t>Esparcidos: todos los lados con pocas viviendas.</a:t>
+            </a:r>
+          </a:p>
+          <a:p>
+            <a:pPr lvl="0"/>
+            <a:r>
+              <a:rPr/>
+              <a:t>Densos: todas las manzanas con muchas viviendas.</a:t>
+            </a:r>
+          </a:p>
+          <a:p>
+            <a:pPr lvl="0"/>
+            <a:r>
+              <a:rPr/>
+              <a:t>Combinados: situaciones intermedias, algunas manzanas con pocas viviendas o algunos lados con muchas viviendas.</a:t>
             </a:r>
           </a:p>
         </p:txBody>
@@ -11528,12 +11590,12 @@
       </p:grpSpPr>
       <p:sp>
         <p:nvSpPr>
-          <p:cNvPr id="3" name="Content Placeholder 2"/>
-          <p:cNvSpPr>
-            <a:spLocks noGrp="1"/>
-          </p:cNvSpPr>
-          <p:nvPr>
-            <p:ph idx="1"/>
+          <p:cNvPr id="2" name="Title 1"/>
+          <p:cNvSpPr>
+            <a:spLocks noGrp="1"/>
+          </p:cNvSpPr>
+          <p:nvPr>
+            <p:ph type="title"/>
           </p:nvPr>
         </p:nvSpPr>
         <p:spPr/>
@@ -11542,47 +11604,48 @@
           <a:lstStyle/>
           <a:p>
             <a:pPr lvl="0" indent="0" marL="0">
-              <a:spcBef>
-                <a:spcPts val="3000"/>
-              </a:spcBef>
               <a:buNone/>
             </a:pPr>
             <a:r>
-              <a:rPr b="1"/>
-              <a:t>Tipos de Radios Urbanos o parte Urbana de Radios Mixtos</a:t>
+              <a:rPr/>
+              <a:t>Elementos disponibles, o agrupación elemental.</a:t>
             </a:r>
           </a:p>
-          <a:p>
-            <a:pPr lvl="0" indent="0" marL="0">
-              <a:spcBef>
-                <a:spcPts val="3000"/>
-              </a:spcBef>
-              <a:buNone/>
-            </a:pPr>
-            <a:r>
-              <a:rPr b="1"/>
-              <a:t>Según distribución de viviendas dada una carga deseada.</a:t>
-            </a:r>
-          </a:p>
+        </p:txBody>
+      </p:sp>
+      <p:sp>
+        <p:nvSpPr>
+          <p:cNvPr id="3" name="Content Placeholder 2"/>
+          <p:cNvSpPr>
+            <a:spLocks noGrp="1"/>
+          </p:cNvSpPr>
+          <p:nvPr>
+            <p:ph idx="1"/>
+          </p:nvPr>
+        </p:nvSpPr>
+        <p:spPr/>
+        <p:txBody>
+          <a:bodyPr/>
+          <a:lstStyle/>
           <a:p>
             <a:pPr lvl="0"/>
             <a:r>
               <a:rPr/>
-              <a:t>Esparcidos: todos los lados con pocas viviendas.</a:t>
+              <a:t>Conteos: lados o manzanas completas</a:t>
             </a:r>
           </a:p>
           <a:p>
             <a:pPr lvl="0"/>
             <a:r>
               <a:rPr/>
-              <a:t>Densos: todas las manzanas con muchas viviendas.</a:t>
+              <a:t>Listados: direcciones, pisos (no puede haber más de 1 segmento por piso) recorridos o manzanas independientes</a:t>
             </a:r>
           </a:p>
           <a:p>
             <a:pPr lvl="0"/>
             <a:r>
               <a:rPr/>
-              <a:t>Combinados: situaciones intermedias, algunas manzanas con pocas viviendas o algunos lados con muchas viviendas.</a:t>
+              <a:t>Varias combinaciones de ambos.</a:t>
             </a:r>
           </a:p>
         </p:txBody>

--- a/IDERA/segmentos.censo2022.pptx
+++ b/IDERA/segmentos.censo2022.pptx
@@ -37,6 +37,8 @@
     <p:sldId id="280" r:id="rId32"/>
     <p:sldId id="281" r:id="rId33"/>
     <p:sldId id="282" r:id="rId34"/>
+    <p:sldId id="283" r:id="rId35"/>
+    <p:sldId id="284" r:id="rId36"/>
   </p:sldIdLst>
   <p:sldSz cx="12192000" cy="6858000"/>
   <p:notesSz cx="7559675" cy="10691812"/>
@@ -9732,8 +9734,8 @@
         </p:blipFill>
         <p:spPr bwMode="auto">
           <a:xfrm>
-            <a:off x="1079500" y="0"/>
-            <a:ext cx="10033000" cy="6350000"/>
+            <a:off x="1498600" y="0"/>
+            <a:ext cx="9207500" cy="6350000"/>
           </a:xfrm>
           <a:prstGeom prst="rect">
             <a:avLst/>
@@ -10034,125 +10036,52 @@
           <a:chExt cx="0" cy="0"/>
         </a:xfrm>
       </p:grpSpPr>
-      <mc:AlternateContent xmlns:mc="http://schemas.openxmlformats.org/markup-compatibility/2006">
-        <mc:Choice xmlns:a14="http://schemas.microsoft.com/office/drawing/2010/main" Requires="a14">
-          <p:sp>
-            <p:nvSpPr>
-              <p:cNvPr id="3" name="Content Placeholder 2"/>
-              <p:cNvSpPr>
-                <a:spLocks noGrp="1"/>
-              </p:cNvSpPr>
-              <p:nvPr>
-                <p:ph idx="1"/>
-              </p:nvPr>
-            </p:nvSpPr>
-            <p:spPr/>
-            <p:txBody>
-              <a:bodyPr/>
-              <a:lstStyle/>
-              <a:p>
-                <a:pPr lvl="0" indent="0" marL="0">
-                  <a:spcBef>
-                    <a:spcPts val="3000"/>
-                  </a:spcBef>
-                  <a:buNone/>
-                </a:pPr>
-                <a:r>
-                  <a:rPr b="1"/>
-                  <a:t>El problema</a:t>
-                </a:r>
-              </a:p>
-              <a:p>
-                <a:pPr lvl="0" indent="0" marL="0">
-                  <a:buNone/>
-                </a:pPr>
-                <a:r>
-                  <a:rPr/>
-                  <a:t>Un problema de optimización, matemáticamente se formulan como: </a:t>
-                </a:r>
-                <a14:m>
-                  <m:oMath xmlns:m="http://schemas.openxmlformats.org/officeDocument/2006/math">
-                    <m:r>
-                      <m:t>M</m:t>
-                    </m:r>
-                    <m:r>
-                      <m:t>i</m:t>
-                    </m:r>
-                    <m:r>
-                      <m:t>n</m:t>
-                    </m:r>
-                    <m:r>
-                      <m:t>f</m:t>
-                    </m:r>
-                    <m:d>
-                      <m:dPr>
-                        <m:begChr m:val="("/>
-                        <m:endChr m:val=")"/>
-                        <m:sepChr m:val=""/>
-                        <m:grow/>
-                      </m:dPr>
-                      <m:e>
-                        <m:r>
-                          <m:t>x</m:t>
-                        </m:r>
-                      </m:e>
-                    </m:d>
-                    <m:r>
-                      <m:t>s</m:t>
-                    </m:r>
-                    <m:r>
-                      <m:t>u</m:t>
-                    </m:r>
-                    <m:r>
-                      <m:t>j</m:t>
-                    </m:r>
-                    <m:r>
-                      <m:t>e</m:t>
-                    </m:r>
-                    <m:r>
-                      <m:t>t</m:t>
-                    </m:r>
-                    <m:r>
-                      <m:t>o</m:t>
-                    </m:r>
-                    <m:r>
-                      <m:t>a</m:t>
-                    </m:r>
-                    <m:r>
-                      <m:rPr>
-                        <m:sty m:val="p"/>
-                      </m:rPr>
-                      <m:t>:</m:t>
-                    </m:r>
-                    <m:r>
-                      <m:t>x</m:t>
-                    </m:r>
-                    <m:r>
-                      <m:t>E</m:t>
-                    </m:r>
-                    <m:r>
-                      <m:t>S</m:t>
-                    </m:r>
-                  </m:oMath>
-                </a14:m>
-                <a:r>
-                  <a:rPr/>
-                  <a:t> , donde S es el conjunto de los valores entre los que podemos buscar la solución, lo que se llama conjunto de soluciones factibles.</a:t>
-                </a:r>
-              </a:p>
-              <a:p>
-                <a:pPr lvl="0" indent="0" marL="0">
-                  <a:buNone/>
-                </a:pPr>
-                <a:r>
-                  <a:rPr/>
-                  <a:t>En este caso, $ S $ es el conjunto de todas las segmentaciones posibles, $ x $ es una segmentación y $ f(x) $ es el costo de dicha segmentación.</a:t>
-                </a:r>
-              </a:p>
-            </p:txBody>
-          </p:sp>
-        </mc:Choice>
-      </mc:AlternateContent>
+      <p:sp>
+        <p:nvSpPr>
+          <p:cNvPr id="3" name="Content Placeholder 2"/>
+          <p:cNvSpPr>
+            <a:spLocks noGrp="1"/>
+          </p:cNvSpPr>
+          <p:nvPr>
+            <p:ph idx="1"/>
+          </p:nvPr>
+        </p:nvSpPr>
+        <p:spPr/>
+        <p:txBody>
+          <a:bodyPr/>
+          <a:lstStyle/>
+          <a:p>
+            <a:pPr lvl="0" indent="0" marL="0">
+              <a:spcBef>
+                <a:spcPts val="3000"/>
+              </a:spcBef>
+              <a:buNone/>
+            </a:pPr>
+            <a:r>
+              <a:rPr b="1"/>
+              <a:t>El problema</a:t>
+            </a:r>
+          </a:p>
+          <a:p>
+            <a:pPr lvl="0" indent="0" marL="0">
+              <a:buNone/>
+            </a:pPr>
+            <a:r>
+              <a:rPr/>
+              <a:t>Un problema de optimización, matemáticamente se formulan como: $ Min f(x) sujeto a: x S $ , donde $ S $ es el conjunto de los valores entre los que podemos buscar la solución, lo que se llama conjunto de soluciones factibles.</a:t>
+            </a:r>
+          </a:p>
+          <a:p>
+            <a:pPr lvl="0" indent="0" marL="0">
+              <a:buNone/>
+            </a:pPr>
+            <a:r>
+              <a:rPr/>
+              <a:t>En este caso, $ S $ es el conjunto de todas las segmentaciones posibles, $ x $ es una segmentación y $ f(x) $ es el costo de dicha segmentación.</a:t>
+            </a:r>
+          </a:p>
+        </p:txBody>
+      </p:sp>
     </p:spTree>
   </p:cSld>
 </p:sld>
@@ -10177,12 +10106,12 @@
       </p:grpSpPr>
       <p:sp>
         <p:nvSpPr>
-          <p:cNvPr id="2" name="Title 1"/>
-          <p:cNvSpPr>
-            <a:spLocks noGrp="1"/>
-          </p:cNvSpPr>
-          <p:nvPr>
-            <p:ph type="title"/>
+          <p:cNvPr id="3" name="Content Placeholder 2"/>
+          <p:cNvSpPr>
+            <a:spLocks noGrp="1"/>
+          </p:cNvSpPr>
+          <p:nvPr>
+            <p:ph idx="1"/>
           </p:nvPr>
         </p:nvSpPr>
         <p:spPr/>
@@ -10191,11 +10120,35 @@
           <a:lstStyle/>
           <a:p>
             <a:pPr lvl="0" indent="0" marL="0">
+              <a:spcBef>
+                <a:spcPts val="3000"/>
+              </a:spcBef>
               <a:buNone/>
             </a:pPr>
             <a:r>
+              <a:rPr b="1"/>
+              <a:t>Función objetivo con costo que incluye penalidad</a:t>
+            </a:r>
+          </a:p>
+          <a:p>
+            <a:pPr lvl="0"/>
+            <a:r>
               <a:rPr/>
-              <a:t>Optimización Discreta</a:t>
+              <a:t>cantidad de viviendas por segmento</a:t>
+            </a:r>
+          </a:p>
+          <a:p>
+            <a:pPr lvl="0"/>
+            <a:r>
+              <a:rPr/>
+              <a:t>cantidad de manzanas por segmento</a:t>
+            </a:r>
+          </a:p>
+          <a:p>
+            <a:pPr lvl="0"/>
+            <a:r>
+              <a:rPr/>
+              <a:t>tipos de ejes que se cruzan</a:t>
             </a:r>
           </a:p>
         </p:txBody>
@@ -10245,35 +10198,7 @@
             </a:pPr>
             <a:r>
               <a:rPr b="1"/>
-              <a:t>Función objetivo con costo que incluye penalidad</a:t>
-            </a:r>
-          </a:p>
-          <a:p>
-            <a:pPr lvl="0"/>
-            <a:r>
-              <a:rPr/>
-              <a:t>cantidad de viviendas por segmento</a:t>
-            </a:r>
-          </a:p>
-          <a:p>
-            <a:pPr lvl="0"/>
-            <a:r>
-              <a:rPr/>
-              <a:t>cantidad de manzanas por segmento</a:t>
-            </a:r>
-          </a:p>
-          <a:p>
-            <a:pPr lvl="0"/>
-            <a:r>
-              <a:rPr/>
-              <a:t>cantidad de segmentos</a:t>
-            </a:r>
-          </a:p>
-          <a:p>
-            <a:pPr lvl="0"/>
-            <a:r>
-              <a:rPr/>
-              <a:t>cantidad de lados delimitando segmentos</a:t>
+              <a:t>Espacio factible definido por vecindario de segmentación</a:t>
             </a:r>
           </a:p>
         </p:txBody>
@@ -10395,12 +10320,12 @@
       </p:grpSpPr>
       <p:sp>
         <p:nvSpPr>
-          <p:cNvPr id="3" name="Content Placeholder 2"/>
-          <p:cNvSpPr>
-            <a:spLocks noGrp="1"/>
-          </p:cNvSpPr>
-          <p:nvPr>
-            <p:ph idx="1"/>
+          <p:cNvPr id="3" name="Text Placeholder 2"/>
+          <p:cNvSpPr>
+            <a:spLocks noGrp="1"/>
+          </p:cNvSpPr>
+          <p:nvPr>
+            <p:ph idx="1" type="body"/>
           </p:nvPr>
         </p:nvSpPr>
         <p:spPr/>
@@ -10416,7 +10341,117 @@
             </a:pPr>
             <a:r>
               <a:rPr b="1"/>
-              <a:t>Espacio factible definido por vecindario de segmentación</a:t>
+              <a:t>Optimización Discreta</a:t>
+            </a:r>
+          </a:p>
+        </p:txBody>
+      </p:sp>
+      <p:pic>
+        <p:nvPicPr>
+          <p:cNvPr descr="fig:  imagenes/optimizacion_discreta.png" id="0" name="Picture 1"/>
+          <p:cNvPicPr>
+            <a:picLocks noGrp="1" noChangeAspect="1"/>
+          </p:cNvPicPr>
+          <p:nvPr/>
+        </p:nvPicPr>
+        <p:blipFill>
+          <a:blip r:embed="rId2"/>
+          <a:stretch>
+            <a:fillRect/>
+          </a:stretch>
+        </p:blipFill>
+        <p:spPr bwMode="auto">
+          <a:xfrm>
+            <a:off x="952500" y="1625600"/>
+            <a:ext cx="3048000" cy="2451100"/>
+          </a:xfrm>
+          <a:prstGeom prst="rect">
+            <a:avLst/>
+          </a:prstGeom>
+          <a:noFill/>
+          <a:ln w="9525">
+            <a:noFill/>
+            <a:headEnd/>
+            <a:tailEnd/>
+          </a:ln>
+        </p:spPr>
+      </p:pic>
+      <p:sp>
+        <p:nvSpPr>
+          <p:cNvPr id="1" name="TextBox 3"/>
+          <p:cNvSpPr txBox="1"/>
+          <p:nvPr/>
+        </p:nvSpPr>
+        <p:spPr>
+          <a:xfrm>
+            <a:off x="457200" y="4076700"/>
+            <a:ext cx="4038600" cy="508000"/>
+          </a:xfrm>
+          <a:prstGeom prst="rect">
+            <a:avLst/>
+          </a:prstGeom>
+          <a:noFill/>
+        </p:spPr>
+        <p:txBody>
+          <a:bodyPr/>
+          <a:lstStyle/>
+          <a:p>
+            <a:pPr lvl="0" indent="0" marL="0" algn="ctr">
+              <a:buNone/>
+            </a:pPr>
+            <a:r>
+              <a:rPr/>
+              <a:t>OD</a:t>
+            </a:r>
+          </a:p>
+        </p:txBody>
+      </p:sp>
+      <p:sp>
+        <p:nvSpPr>
+          <p:cNvPr id="5" name="Text Placeholder 4"/>
+          <p:cNvSpPr>
+            <a:spLocks noGrp="1"/>
+          </p:cNvSpPr>
+          <p:nvPr>
+            <p:ph idx="3" sz="quarter" type="body"/>
+          </p:nvPr>
+        </p:nvSpPr>
+        <p:spPr/>
+        <p:txBody>
+          <a:bodyPr/>
+          <a:lstStyle/>
+          <a:p>
+            <a:pPr lvl="0"/>
+            <a:r>
+              <a:rPr/>
+              <a:t>Vecinos se calculan con operaciones elementales</a:t>
+            </a:r>
+          </a:p>
+          <a:p>
+            <a:pPr lvl="0">
+              <a:buAutoNum type="arabicPeriod"/>
+            </a:pPr>
+            <a:r>
+              <a:rPr/>
+              <a:t>extraer componente (manzana o lado) de segmento</a:t>
+            </a:r>
+          </a:p>
+          <a:p>
+            <a:pPr lvl="0">
+              <a:buAutoNum type="arabicPeriod"/>
+            </a:pPr>
+            <a:r>
+              <a:rPr/>
+              <a:t>transferir componente de un segmento a otro</a:t>
+            </a:r>
+          </a:p>
+          <a:p>
+            <a:pPr lvl="0">
+              <a:buAutoNum type="arabicPeriod"/>
+            </a:pPr>
+            <a:r>
+              <a:rPr/>
+              <a:t>fusionar 2 segmentos</a:t>
             </a:r>
           </a:p>
         </p:txBody>
@@ -10443,85 +10478,30 @@
           <a:chExt cx="0" cy="0"/>
         </a:xfrm>
       </p:grpSpPr>
-      <p:pic>
-        <p:nvPicPr>
-          <p:cNvPr descr="fig:  imagenes/ETL.png" id="0" name="Picture 1"/>
-          <p:cNvPicPr>
-            <a:picLocks noGrp="1" noChangeAspect="1"/>
-          </p:cNvPicPr>
-          <p:nvPr/>
-        </p:nvPicPr>
-        <p:blipFill>
-          <a:blip r:embed="rId2"/>
-          <a:stretch>
-            <a:fillRect/>
-          </a:stretch>
-        </p:blipFill>
-        <p:spPr bwMode="auto">
-          <a:xfrm>
-            <a:off x="1346200" y="1193800"/>
-            <a:ext cx="2260600" cy="2882900"/>
-          </a:xfrm>
-          <a:prstGeom prst="rect">
-            <a:avLst/>
-          </a:prstGeom>
-          <a:noFill/>
-          <a:ln w="9525">
-            <a:noFill/>
-            <a:headEnd/>
-            <a:tailEnd/>
-          </a:ln>
-        </p:spPr>
-      </p:pic>
-      <p:sp>
-        <p:nvSpPr>
-          <p:cNvPr id="1" name="TextBox 3"/>
-          <p:cNvSpPr txBox="1"/>
-          <p:nvPr/>
-        </p:nvSpPr>
-        <p:spPr>
-          <a:xfrm>
-            <a:off x="457200" y="4076700"/>
-            <a:ext cx="4038600" cy="508000"/>
-          </a:xfrm>
-          <a:prstGeom prst="rect">
-            <a:avLst/>
-          </a:prstGeom>
-          <a:noFill/>
-        </p:spPr>
+      <p:sp>
+        <p:nvSpPr>
+          <p:cNvPr id="3" name="Content Placeholder 2"/>
+          <p:cNvSpPr>
+            <a:spLocks noGrp="1"/>
+          </p:cNvSpPr>
+          <p:nvPr>
+            <p:ph idx="1"/>
+          </p:nvPr>
+        </p:nvSpPr>
+        <p:spPr/>
         <p:txBody>
           <a:bodyPr/>
           <a:lstStyle/>
           <a:p>
-            <a:pPr lvl="0" indent="0" marL="0" algn="ctr">
+            <a:pPr lvl="0" indent="0" marL="0">
+              <a:spcBef>
+                <a:spcPts val="3000"/>
+              </a:spcBef>
               <a:buNone/>
             </a:pPr>
             <a:r>
-              <a:rPr/>
-              <a:t>ETL</a:t>
-            </a:r>
-          </a:p>
-        </p:txBody>
-      </p:sp>
-      <p:sp>
-        <p:nvSpPr>
-          <p:cNvPr id="4" name="Content Placeholder 3"/>
-          <p:cNvSpPr>
-            <a:spLocks noGrp="1"/>
-          </p:cNvSpPr>
-          <p:nvPr>
-            <p:ph idx="2" sz="half"/>
-          </p:nvPr>
-        </p:nvSpPr>
-        <p:spPr/>
-        <p:txBody>
-          <a:bodyPr/>
-          <a:lstStyle/>
-          <a:p>
-            <a:pPr lvl="0"/>
-            <a:r>
-              <a:rPr/>
-              <a:t>Vecinos se calculan con operaciones elementales</a:t>
+              <a:rPr b="1"/>
+              <a:t>Algoritmo para radios esparcidos (lados completos)</a:t>
             </a:r>
           </a:p>
           <a:p>
@@ -10530,7 +10510,7 @@
             </a:pPr>
             <a:r>
               <a:rPr/>
-              <a:t>extraer componente (manzana o lado) de segmento</a:t>
+              <a:t>tomar una segmentación inicial y hacer que sea la actual</a:t>
             </a:r>
           </a:p>
           <a:p>
@@ -10539,7 +10519,7 @@
             </a:pPr>
             <a:r>
               <a:rPr/>
-              <a:t>transferir componente de un segmento a otro</a:t>
+              <a:t>calcular todas las segmentaciones vecinas a la actual y elejir una de costo mínimo</a:t>
             </a:r>
           </a:p>
           <a:p>
@@ -10548,7 +10528,16 @@
             </a:pPr>
             <a:r>
               <a:rPr/>
-              <a:t>fusionar 2 segmentos</a:t>
+              <a:t>si su costo es menor que el costo de la segmentación actual, hacer ésta la nueva segmentación actual</a:t>
+            </a:r>
+          </a:p>
+          <a:p>
+            <a:pPr lvl="0">
+              <a:buAutoNum type="arabicPeriod"/>
+            </a:pPr>
+            <a:r>
+              <a:rPr/>
+              <a:t>si no, la segmentación actual es un mínimo local, terminar.</a:t>
             </a:r>
           </a:p>
         </p:txBody>
@@ -10577,6 +10566,169 @@
       </p:grpSpPr>
       <p:sp>
         <p:nvSpPr>
+          <p:cNvPr id="3" name="Content Placeholder 2"/>
+          <p:cNvSpPr>
+            <a:spLocks noGrp="1"/>
+          </p:cNvSpPr>
+          <p:nvPr>
+            <p:ph idx="1"/>
+          </p:nvPr>
+        </p:nvSpPr>
+        <p:spPr/>
+        <p:txBody>
+          <a:bodyPr/>
+          <a:lstStyle/>
+          <a:p>
+            <a:pPr lvl="0" indent="0" marL="0">
+              <a:spcBef>
+                <a:spcPts val="3000"/>
+              </a:spcBef>
+              <a:buNone/>
+            </a:pPr>
+            <a:r>
+              <a:rPr b="1"/>
+              <a:t>Algoritmo para radios densos (manzanas independientes)</a:t>
+            </a:r>
+          </a:p>
+          <a:p>
+            <a:pPr lvl="0">
+              <a:buAutoNum type="arabicPeriod"/>
+            </a:pPr>
+            <a:r>
+              <a:rPr/>
+              <a:t>en cada manzana encontrar el número entero $ d_m $ más cercano a cantidad de viviendas de la manzana dividido cantidad de viviendas deseada</a:t>
+            </a:r>
+          </a:p>
+          <a:p>
+            <a:pPr lvl="0">
+              <a:buAutoNum type="arabicPeriod"/>
+            </a:pPr>
+            <a:r>
+              <a:rPr/>
+              <a:t>hacer ese el número de segmentos en la manzana $ m $</a:t>
+            </a:r>
+          </a:p>
+          <a:p>
+            <a:pPr lvl="0">
+              <a:buAutoNum type="arabicPeriod"/>
+            </a:pPr>
+            <a:r>
+              <a:rPr/>
+              <a:t>calcular la cantidad de viviendas por segmento en la manzana $ m $ , $ s_m = v_m / d_m $</a:t>
+            </a:r>
+          </a:p>
+          <a:p>
+            <a:pPr lvl="0">
+              <a:buAutoNum type="arabicPeriod"/>
+            </a:pPr>
+            <a:r>
+              <a:rPr/>
+              <a:t>cortar el listado de la manzana $ m $ cortando a piso enteros anavanzando con segmentos de cantidad de viviendas lo más cercano a $ s_m $ posible</a:t>
+            </a:r>
+          </a:p>
+        </p:txBody>
+      </p:sp>
+    </p:spTree>
+  </p:cSld>
+</p:sld>
+</file>
+
+<file path=ppt/slides/slide23.xml><?xml version="1.0" encoding="utf-8"?>
+<p:sld xmlns:a="http://schemas.openxmlformats.org/drawingml/2006/main" xmlns:r="http://schemas.openxmlformats.org/officeDocument/2006/relationships" xmlns:p="http://schemas.openxmlformats.org/presentationml/2006/main">
+  <p:cSld>
+    <p:spTree>
+      <p:nvGrpSpPr>
+        <p:cNvPr id="1" name=""/>
+        <p:cNvGrpSpPr/>
+        <p:nvPr/>
+      </p:nvGrpSpPr>
+      <p:grpSpPr>
+        <a:xfrm>
+          <a:off x="0" y="0"/>
+          <a:ext cx="0" cy="0"/>
+          <a:chOff x="0" y="0"/>
+          <a:chExt cx="0" cy="0"/>
+        </a:xfrm>
+      </p:grpSpPr>
+      <p:sp>
+        <p:nvSpPr>
+          <p:cNvPr id="3" name="Content Placeholder 2"/>
+          <p:cNvSpPr>
+            <a:spLocks noGrp="1"/>
+          </p:cNvSpPr>
+          <p:nvPr>
+            <p:ph idx="1"/>
+          </p:nvPr>
+        </p:nvSpPr>
+        <p:spPr/>
+        <p:txBody>
+          <a:bodyPr/>
+          <a:lstStyle/>
+          <a:p>
+            <a:pPr lvl="0" indent="0" marL="0">
+              <a:spcBef>
+                <a:spcPts val="3000"/>
+              </a:spcBef>
+              <a:buNone/>
+            </a:pPr>
+            <a:r>
+              <a:rPr b="1"/>
+              <a:t>Algoritmo para radios combinados</a:t>
+            </a:r>
+          </a:p>
+          <a:p>
+            <a:pPr lvl="0">
+              <a:buAutoNum type="arabicPeriod"/>
+            </a:pPr>
+            <a:r>
+              <a:rPr/>
+              <a:t>aplicar el algoritmo para radios esparcidos (lados completos)</a:t>
+            </a:r>
+          </a:p>
+          <a:p>
+            <a:pPr lvl="0">
+              <a:buAutoNum type="arabicPeriod"/>
+            </a:pPr>
+            <a:r>
+              <a:rPr/>
+              <a:t>para todos los segmentos que superen un valor umbral de viviendas aplicar algoritmo de (listado) manzana independiente</a:t>
+            </a:r>
+          </a:p>
+          <a:p>
+            <a:pPr lvl="0">
+              <a:buAutoNum type="arabicPeriod"/>
+            </a:pPr>
+            <a:r>
+              <a:rPr/>
+              <a:t>juntar segmentos con cero o pocas viviendas</a:t>
+            </a:r>
+          </a:p>
+        </p:txBody>
+      </p:sp>
+    </p:spTree>
+  </p:cSld>
+</p:sld>
+</file>
+
+<file path=ppt/slides/slide24.xml><?xml version="1.0" encoding="utf-8"?>
+<p:sld xmlns:a="http://schemas.openxmlformats.org/drawingml/2006/main" xmlns:r="http://schemas.openxmlformats.org/officeDocument/2006/relationships" xmlns:p="http://schemas.openxmlformats.org/presentationml/2006/main">
+  <p:cSld>
+    <p:spTree>
+      <p:nvGrpSpPr>
+        <p:cNvPr id="1" name=""/>
+        <p:cNvGrpSpPr/>
+        <p:nvPr/>
+      </p:nvGrpSpPr>
+      <p:grpSpPr>
+        <a:xfrm>
+          <a:off x="0" y="0"/>
+          <a:ext cx="0" cy="0"/>
+          <a:chOff x="0" y="0"/>
+          <a:chExt cx="0" cy="0"/>
+        </a:xfrm>
+      </p:grpSpPr>
+      <p:sp>
+        <p:nvSpPr>
           <p:cNvPr id="2" name="Title 1"/>
           <p:cNvSpPr>
             <a:spLocks noGrp="1"/>
@@ -10665,7 +10817,7 @@
 </p:sld>
 </file>
 
-<file path=ppt/slides/slide23.xml><?xml version="1.0" encoding="utf-8"?>
+<file path=ppt/slides/slide25.xml><?xml version="1.0" encoding="utf-8"?>
 <p:sld xmlns:a="http://schemas.openxmlformats.org/drawingml/2006/main" xmlns:r="http://schemas.openxmlformats.org/officeDocument/2006/relationships" xmlns:p="http://schemas.openxmlformats.org/presentationml/2006/main">
   <p:cSld>
     <p:spTree>
@@ -10747,100 +10899,6 @@
 </p:sld>
 </file>
 
-<file path=ppt/slides/slide24.xml><?xml version="1.0" encoding="utf-8"?>
-<p:sld xmlns:a="http://schemas.openxmlformats.org/drawingml/2006/main" xmlns:r="http://schemas.openxmlformats.org/officeDocument/2006/relationships" xmlns:p="http://schemas.openxmlformats.org/presentationml/2006/main">
-  <p:cSld>
-    <p:spTree>
-      <p:nvGrpSpPr>
-        <p:cNvPr id="1" name=""/>
-        <p:cNvGrpSpPr/>
-        <p:nvPr/>
-      </p:nvGrpSpPr>
-      <p:grpSpPr>
-        <a:xfrm>
-          <a:off x="0" y="0"/>
-          <a:ext cx="0" cy="0"/>
-          <a:chOff x="0" y="0"/>
-          <a:chExt cx="0" cy="0"/>
-        </a:xfrm>
-      </p:grpSpPr>
-      <p:sp>
-        <p:nvSpPr>
-          <p:cNvPr id="2" name="Title 1"/>
-          <p:cNvSpPr>
-            <a:spLocks noGrp="1"/>
-          </p:cNvSpPr>
-          <p:nvPr>
-            <p:ph type="title"/>
-          </p:nvPr>
-        </p:nvSpPr>
-        <p:spPr/>
-        <p:txBody>
-          <a:bodyPr/>
-          <a:lstStyle/>
-          <a:p>
-            <a:pPr lvl="0" indent="0" marL="0">
-              <a:buNone/>
-            </a:pPr>
-            <a:r>
-              <a:rPr/>
-              <a:t>Segmentación.</a:t>
-            </a:r>
-          </a:p>
-        </p:txBody>
-      </p:sp>
-    </p:spTree>
-  </p:cSld>
-</p:sld>
-</file>
-
-<file path=ppt/slides/slide25.xml><?xml version="1.0" encoding="utf-8"?>
-<p:sld xmlns:a="http://schemas.openxmlformats.org/drawingml/2006/main" xmlns:r="http://schemas.openxmlformats.org/officeDocument/2006/relationships" xmlns:p="http://schemas.openxmlformats.org/presentationml/2006/main">
-  <p:cSld>
-    <p:spTree>
-      <p:nvGrpSpPr>
-        <p:cNvPr id="1" name=""/>
-        <p:cNvGrpSpPr/>
-        <p:nvPr/>
-      </p:nvGrpSpPr>
-      <p:grpSpPr>
-        <a:xfrm>
-          <a:off x="0" y="0"/>
-          <a:ext cx="0" cy="0"/>
-          <a:chOff x="0" y="0"/>
-          <a:chExt cx="0" cy="0"/>
-        </a:xfrm>
-      </p:grpSpPr>
-      <p:sp>
-        <p:nvSpPr>
-          <p:cNvPr id="2" name="Title 1"/>
-          <p:cNvSpPr>
-            <a:spLocks noGrp="1"/>
-          </p:cNvSpPr>
-          <p:nvPr>
-            <p:ph type="title"/>
-          </p:nvPr>
-        </p:nvSpPr>
-        <p:spPr/>
-        <p:txBody>
-          <a:bodyPr/>
-          <a:lstStyle/>
-          <a:p>
-            <a:pPr lvl="0" indent="0" marL="0">
-              <a:buNone/>
-            </a:pPr>
-            <a:r>
-              <a:rPr/>
-              <a:t>Generación de resumenes.</a:t>
-            </a:r>
-          </a:p>
-        </p:txBody>
-      </p:sp>
-    </p:spTree>
-  </p:cSld>
-</p:sld>
-</file>
-
 <file path=ppt/slides/slide26.xml><?xml version="1.0" encoding="utf-8"?>
 <p:sld xmlns:a="http://schemas.openxmlformats.org/drawingml/2006/main" xmlns:r="http://schemas.openxmlformats.org/officeDocument/2006/relationships" xmlns:p="http://schemas.openxmlformats.org/presentationml/2006/main">
   <p:cSld>
@@ -10878,6 +10936,100 @@
             </a:pPr>
             <a:r>
               <a:rPr/>
+              <a:t>Segmentación.</a:t>
+            </a:r>
+          </a:p>
+        </p:txBody>
+      </p:sp>
+    </p:spTree>
+  </p:cSld>
+</p:sld>
+</file>
+
+<file path=ppt/slides/slide27.xml><?xml version="1.0" encoding="utf-8"?>
+<p:sld xmlns:a="http://schemas.openxmlformats.org/drawingml/2006/main" xmlns:r="http://schemas.openxmlformats.org/officeDocument/2006/relationships" xmlns:p="http://schemas.openxmlformats.org/presentationml/2006/main">
+  <p:cSld>
+    <p:spTree>
+      <p:nvGrpSpPr>
+        <p:cNvPr id="1" name=""/>
+        <p:cNvGrpSpPr/>
+        <p:nvPr/>
+      </p:nvGrpSpPr>
+      <p:grpSpPr>
+        <a:xfrm>
+          <a:off x="0" y="0"/>
+          <a:ext cx="0" cy="0"/>
+          <a:chOff x="0" y="0"/>
+          <a:chExt cx="0" cy="0"/>
+        </a:xfrm>
+      </p:grpSpPr>
+      <p:sp>
+        <p:nvSpPr>
+          <p:cNvPr id="2" name="Title 1"/>
+          <p:cNvSpPr>
+            <a:spLocks noGrp="1"/>
+          </p:cNvSpPr>
+          <p:nvPr>
+            <p:ph type="title"/>
+          </p:nvPr>
+        </p:nvSpPr>
+        <p:spPr/>
+        <p:txBody>
+          <a:bodyPr/>
+          <a:lstStyle/>
+          <a:p>
+            <a:pPr lvl="0" indent="0" marL="0">
+              <a:buNone/>
+            </a:pPr>
+            <a:r>
+              <a:rPr/>
+              <a:t>Generación de resumenes.</a:t>
+            </a:r>
+          </a:p>
+        </p:txBody>
+      </p:sp>
+    </p:spTree>
+  </p:cSld>
+</p:sld>
+</file>
+
+<file path=ppt/slides/slide28.xml><?xml version="1.0" encoding="utf-8"?>
+<p:sld xmlns:a="http://schemas.openxmlformats.org/drawingml/2006/main" xmlns:r="http://schemas.openxmlformats.org/officeDocument/2006/relationships" xmlns:p="http://schemas.openxmlformats.org/presentationml/2006/main">
+  <p:cSld>
+    <p:spTree>
+      <p:nvGrpSpPr>
+        <p:cNvPr id="1" name=""/>
+        <p:cNvGrpSpPr/>
+        <p:nvPr/>
+      </p:nvGrpSpPr>
+      <p:grpSpPr>
+        <a:xfrm>
+          <a:off x="0" y="0"/>
+          <a:ext cx="0" cy="0"/>
+          <a:chOff x="0" y="0"/>
+          <a:chExt cx="0" cy="0"/>
+        </a:xfrm>
+      </p:grpSpPr>
+      <p:sp>
+        <p:nvSpPr>
+          <p:cNvPr id="2" name="Title 1"/>
+          <p:cNvSpPr>
+            <a:spLocks noGrp="1"/>
+          </p:cNvSpPr>
+          <p:nvPr>
+            <p:ph type="title"/>
+          </p:nvPr>
+        </p:nvSpPr>
+        <p:spPr/>
+        <p:txBody>
+          <a:bodyPr/>
+          <a:lstStyle/>
+          <a:p>
+            <a:pPr lvl="0" indent="0" marL="0">
+              <a:buNone/>
+            </a:pPr>
+            <a:r>
+              <a:rPr/>
               <a:t>Salidas Gráficas.</a:t>
             </a:r>
           </a:p>
@@ -10948,7 +11100,7 @@
 </p:sld>
 </file>
 
-<file path=ppt/slides/slide27.xml><?xml version="1.0" encoding="utf-8"?>
+<file path=ppt/slides/slide29.xml><?xml version="1.0" encoding="utf-8"?>
 <p:sld xmlns:a="http://schemas.openxmlformats.org/drawingml/2006/main" xmlns:r="http://schemas.openxmlformats.org/officeDocument/2006/relationships" xmlns:p="http://schemas.openxmlformats.org/presentationml/2006/main">
   <p:cSld>
     <p:spTree>

--- a/IDERA/segmentos.censo2022.pptx
+++ b/IDERA/segmentos.censo2022.pptx
@@ -39,6 +39,8 @@
     <p:sldId id="282" r:id="rId34"/>
     <p:sldId id="283" r:id="rId35"/>
     <p:sldId id="284" r:id="rId36"/>
+    <p:sldId id="285" r:id="rId37"/>
+    <p:sldId id="286" r:id="rId38"/>
   </p:sldIdLst>
   <p:sldSz cx="12192000" cy="6858000"/>
   <p:notesSz cx="7559675" cy="10691812"/>
@@ -10009,7 +10011,7 @@
             <a:pPr lvl="0"/>
             <a:r>
               <a:rPr/>
-              <a:t>Armar el recorrido de 650.000 censistas para que visiten todas las viviendas del territorio siguiendo las reglas definidas en el MANUAL del SEGMENTADOR.</a:t>
+              <a:t>Armar el recorrido de 650.000 censistas para que visiten todas las viviendas del territorio siguiendo las reglas definidas en el MANUAL del SEGMENTADOR.</a:t>
             </a:r>
           </a:p>
         </p:txBody>
@@ -10036,52 +10038,166 @@
           <a:chExt cx="0" cy="0"/>
         </a:xfrm>
       </p:grpSpPr>
-      <p:sp>
-        <p:nvSpPr>
-          <p:cNvPr id="3" name="Content Placeholder 2"/>
-          <p:cNvSpPr>
-            <a:spLocks noGrp="1"/>
-          </p:cNvSpPr>
-          <p:nvPr>
-            <p:ph idx="1"/>
-          </p:nvPr>
-        </p:nvSpPr>
-        <p:spPr/>
-        <p:txBody>
-          <a:bodyPr/>
-          <a:lstStyle/>
-          <a:p>
-            <a:pPr lvl="0" indent="0" marL="0">
-              <a:spcBef>
-                <a:spcPts val="3000"/>
-              </a:spcBef>
-              <a:buNone/>
-            </a:pPr>
-            <a:r>
-              <a:rPr b="1"/>
-              <a:t>El problema</a:t>
-            </a:r>
-          </a:p>
-          <a:p>
-            <a:pPr lvl="0" indent="0" marL="0">
-              <a:buNone/>
-            </a:pPr>
-            <a:r>
-              <a:rPr/>
-              <a:t>Un problema de optimización, matemáticamente se formulan como: $ Min f(x) sujeto a: x S $ , donde $ S $ es el conjunto de los valores entre los que podemos buscar la solución, lo que se llama conjunto de soluciones factibles.</a:t>
-            </a:r>
-          </a:p>
-          <a:p>
-            <a:pPr lvl="0" indent="0" marL="0">
-              <a:buNone/>
-            </a:pPr>
-            <a:r>
-              <a:rPr/>
-              <a:t>En este caso, $ S $ es el conjunto de todas las segmentaciones posibles, $ x $ es una segmentación y $ f(x) $ es el costo de dicha segmentación.</a:t>
-            </a:r>
-          </a:p>
-        </p:txBody>
-      </p:sp>
+      <mc:AlternateContent xmlns:mc="http://schemas.openxmlformats.org/markup-compatibility/2006">
+        <mc:Choice xmlns:a14="http://schemas.microsoft.com/office/drawing/2010/main" Requires="a14">
+          <p:sp>
+            <p:nvSpPr>
+              <p:cNvPr id="3" name="Content Placeholder 2"/>
+              <p:cNvSpPr>
+                <a:spLocks noGrp="1"/>
+              </p:cNvSpPr>
+              <p:nvPr>
+                <p:ph idx="1"/>
+              </p:nvPr>
+            </p:nvSpPr>
+            <p:spPr/>
+            <p:txBody>
+              <a:bodyPr/>
+              <a:lstStyle/>
+              <a:p>
+                <a:pPr lvl="0" indent="0" marL="0">
+                  <a:spcBef>
+                    <a:spcPts val="3000"/>
+                  </a:spcBef>
+                  <a:buNone/>
+                </a:pPr>
+                <a:r>
+                  <a:rPr b="1"/>
+                  <a:t>El problema</a:t>
+                </a:r>
+              </a:p>
+              <a:p>
+                <a:pPr lvl="0" indent="0" marL="0">
+                  <a:buNone/>
+                </a:pPr>
+                <a:r>
+                  <a:rPr/>
+                  <a:t>Un problema de optimización, matemáticamente se formulan como: </a:t>
+                </a:r>
+                <a14:m>
+                  <m:oMath xmlns:m="http://schemas.openxmlformats.org/officeDocument/2006/math">
+                    <m:r>
+                      <m:t>M</m:t>
+                    </m:r>
+                    <m:r>
+                      <m:t>i</m:t>
+                    </m:r>
+                    <m:r>
+                      <m:t>n</m:t>
+                    </m:r>
+                    <m:r>
+                      <m:t>f</m:t>
+                    </m:r>
+                    <m:d>
+                      <m:dPr>
+                        <m:begChr m:val="("/>
+                        <m:endChr m:val=")"/>
+                        <m:sepChr m:val=""/>
+                        <m:grow/>
+                      </m:dPr>
+                      <m:e>
+                        <m:r>
+                          <m:t>x</m:t>
+                        </m:r>
+                      </m:e>
+                    </m:d>
+                  </m:oMath>
+                </a14:m>
+                <a:r>
+                  <a:rPr/>
+                  <a:t> sujeto a: </a:t>
+                </a:r>
+                <a14:m>
+                  <m:oMath xmlns:m="http://schemas.openxmlformats.org/officeDocument/2006/math">
+                    <m:r>
+                      <m:t>x</m:t>
+                    </m:r>
+                    <m:r>
+                      <m:rPr>
+                        <m:sty m:val="p"/>
+                      </m:rPr>
+                      <m:t>∈</m:t>
+                    </m:r>
+                    <m:r>
+                      <m:t>S</m:t>
+                    </m:r>
+                  </m:oMath>
+                </a14:m>
+                <a:r>
+                  <a:rPr/>
+                  <a:t>, donde </a:t>
+                </a:r>
+                <a14:m>
+                  <m:oMath xmlns:m="http://schemas.openxmlformats.org/officeDocument/2006/math">
+                    <m:r>
+                      <m:t>S</m:t>
+                    </m:r>
+                  </m:oMath>
+                </a14:m>
+                <a:r>
+                  <a:rPr/>
+                  <a:t> es el conjunto de los valores entre los que podemos buscar la solución, lo que se llama conjunto de soluciones factibles.</a:t>
+                </a:r>
+              </a:p>
+              <a:p>
+                <a:pPr lvl="0" indent="0" marL="0">
+                  <a:buNone/>
+                </a:pPr>
+                <a:r>
+                  <a:rPr/>
+                  <a:t>En este caso, </a:t>
+                </a:r>
+                <a14:m>
+                  <m:oMath xmlns:m="http://schemas.openxmlformats.org/officeDocument/2006/math">
+                    <m:r>
+                      <m:t>S</m:t>
+                    </m:r>
+                  </m:oMath>
+                </a14:m>
+                <a:r>
+                  <a:rPr/>
+                  <a:t> es el conjunto de todas las segmentaciones posibles, </a:t>
+                </a:r>
+                <a14:m>
+                  <m:oMath xmlns:m="http://schemas.openxmlformats.org/officeDocument/2006/math">
+                    <m:r>
+                      <m:t>x</m:t>
+                    </m:r>
+                  </m:oMath>
+                </a14:m>
+                <a:r>
+                  <a:rPr/>
+                  <a:t> es una segmentación y </a:t>
+                </a:r>
+                <a14:m>
+                  <m:oMath xmlns:m="http://schemas.openxmlformats.org/officeDocument/2006/math">
+                    <m:r>
+                      <m:t>f</m:t>
+                    </m:r>
+                    <m:d>
+                      <m:dPr>
+                        <m:begChr m:val="("/>
+                        <m:endChr m:val=")"/>
+                        <m:sepChr m:val=""/>
+                        <m:grow/>
+                      </m:dPr>
+                      <m:e>
+                        <m:r>
+                          <m:t>x</m:t>
+                        </m:r>
+                      </m:e>
+                    </m:d>
+                  </m:oMath>
+                </a14:m>
+                <a:r>
+                  <a:rPr/>
+                  <a:t> es el costo de dicha segmentación.</a:t>
+                </a:r>
+              </a:p>
+            </p:txBody>
+          </p:sp>
+        </mc:Choice>
+      </mc:AlternateContent>
     </p:spTree>
   </p:cSld>
 </p:sld>
@@ -10134,21 +10250,21 @@
             <a:pPr lvl="0"/>
             <a:r>
               <a:rPr/>
-              <a:t>cantidad de viviendas por segmento</a:t>
+              <a:t>Cantidad de viviendas por segmento</a:t>
             </a:r>
           </a:p>
           <a:p>
             <a:pPr lvl="0"/>
             <a:r>
               <a:rPr/>
-              <a:t>cantidad de manzanas por segmento</a:t>
+              <a:t>Cantidad de manzanas por segmento</a:t>
             </a:r>
           </a:p>
           <a:p>
             <a:pPr lvl="0"/>
             <a:r>
               <a:rPr/>
-              <a:t>tipos de ejes que se cruzan</a:t>
+              <a:t>Tipos de ejes que se cruzan</a:t>
             </a:r>
           </a:p>
         </p:txBody>
@@ -10433,7 +10549,7 @@
             </a:pPr>
             <a:r>
               <a:rPr/>
-              <a:t>extraer componente (manzana o lado) de segmento</a:t>
+              <a:t>Extraer componente (manzana o lado) de segmento</a:t>
             </a:r>
           </a:p>
           <a:p>
@@ -10442,7 +10558,7 @@
             </a:pPr>
             <a:r>
               <a:rPr/>
-              <a:t>transferir componente de un segmento a otro</a:t>
+              <a:t>Transferir componente de un segmento a otro</a:t>
             </a:r>
           </a:p>
           <a:p>
@@ -10451,7 +10567,7 @@
             </a:pPr>
             <a:r>
               <a:rPr/>
-              <a:t>fusionar 2 segmentos</a:t>
+              <a:t>Fusionar 2 segmentos</a:t>
             </a:r>
           </a:p>
         </p:txBody>
@@ -10510,7 +10626,7 @@
             </a:pPr>
             <a:r>
               <a:rPr/>
-              <a:t>tomar una segmentación inicial y hacer que sea la actual</a:t>
+              <a:t>Tomar una segmentación inicial y hacer que sea la actual</a:t>
             </a:r>
           </a:p>
           <a:p>
@@ -10519,7 +10635,7 @@
             </a:pPr>
             <a:r>
               <a:rPr/>
-              <a:t>calcular todas las segmentaciones vecinas a la actual y elejir una de costo mínimo</a:t>
+              <a:t>Calcular todas las segmentaciones vecinas a la actual y elejir una de costo mínimo</a:t>
             </a:r>
           </a:p>
           <a:p>
@@ -10528,7 +10644,7 @@
             </a:pPr>
             <a:r>
               <a:rPr/>
-              <a:t>si su costo es menor que el costo de la segmentación actual, hacer ésta la nueva segmentación actual</a:t>
+              <a:t>Si su costo es menor que el costo de la segmentación actual, hacer ésta la nueva segmentación actual</a:t>
             </a:r>
           </a:p>
           <a:p>
@@ -10537,7 +10653,7 @@
             </a:pPr>
             <a:r>
               <a:rPr/>
-              <a:t>si no, la segmentación actual es un mínimo local, terminar.</a:t>
+              <a:t>Si no, la segmentación actual es un mínimo local, terminar.</a:t>
             </a:r>
           </a:p>
         </p:txBody>
@@ -10564,70 +10680,195 @@
           <a:chExt cx="0" cy="0"/>
         </a:xfrm>
       </p:grpSpPr>
-      <p:sp>
-        <p:nvSpPr>
-          <p:cNvPr id="3" name="Content Placeholder 2"/>
-          <p:cNvSpPr>
-            <a:spLocks noGrp="1"/>
-          </p:cNvSpPr>
-          <p:nvPr>
-            <p:ph idx="1"/>
-          </p:nvPr>
-        </p:nvSpPr>
-        <p:spPr/>
-        <p:txBody>
-          <a:bodyPr/>
-          <a:lstStyle/>
-          <a:p>
-            <a:pPr lvl="0" indent="0" marL="0">
-              <a:spcBef>
-                <a:spcPts val="3000"/>
-              </a:spcBef>
-              <a:buNone/>
-            </a:pPr>
-            <a:r>
-              <a:rPr b="1"/>
-              <a:t>Algoritmo para radios densos (manzanas independientes)</a:t>
-            </a:r>
-          </a:p>
-          <a:p>
-            <a:pPr lvl="0">
-              <a:buAutoNum type="arabicPeriod"/>
-            </a:pPr>
-            <a:r>
-              <a:rPr/>
-              <a:t>en cada manzana encontrar el número entero $ d_m $ más cercano a cantidad de viviendas de la manzana dividido cantidad de viviendas deseada</a:t>
-            </a:r>
-          </a:p>
-          <a:p>
-            <a:pPr lvl="0">
-              <a:buAutoNum type="arabicPeriod"/>
-            </a:pPr>
-            <a:r>
-              <a:rPr/>
-              <a:t>hacer ese el número de segmentos en la manzana $ m $</a:t>
-            </a:r>
-          </a:p>
-          <a:p>
-            <a:pPr lvl="0">
-              <a:buAutoNum type="arabicPeriod"/>
-            </a:pPr>
-            <a:r>
-              <a:rPr/>
-              <a:t>calcular la cantidad de viviendas por segmento en la manzana $ m $ , $ s_m = v_m / d_m $</a:t>
-            </a:r>
-          </a:p>
-          <a:p>
-            <a:pPr lvl="0">
-              <a:buAutoNum type="arabicPeriod"/>
-            </a:pPr>
-            <a:r>
-              <a:rPr/>
-              <a:t>cortar el listado de la manzana $ m $ cortando a piso enteros anavanzando con segmentos de cantidad de viviendas lo más cercano a $ s_m $ posible</a:t>
-            </a:r>
-          </a:p>
-        </p:txBody>
-      </p:sp>
+      <mc:AlternateContent xmlns:mc="http://schemas.openxmlformats.org/markup-compatibility/2006">
+        <mc:Choice xmlns:a14="http://schemas.microsoft.com/office/drawing/2010/main" Requires="a14">
+          <p:sp>
+            <p:nvSpPr>
+              <p:cNvPr id="3" name="Content Placeholder 2"/>
+              <p:cNvSpPr>
+                <a:spLocks noGrp="1"/>
+              </p:cNvSpPr>
+              <p:nvPr>
+                <p:ph idx="1"/>
+              </p:nvPr>
+            </p:nvSpPr>
+            <p:spPr/>
+            <p:txBody>
+              <a:bodyPr/>
+              <a:lstStyle/>
+              <a:p>
+                <a:pPr lvl="0" indent="0" marL="0">
+                  <a:spcBef>
+                    <a:spcPts val="3000"/>
+                  </a:spcBef>
+                  <a:buNone/>
+                </a:pPr>
+                <a:r>
+                  <a:rPr b="1"/>
+                  <a:t>Algoritmo para radios densos (manzanas independientes)</a:t>
+                </a:r>
+              </a:p>
+              <a:p>
+                <a:pPr lvl="0">
+                  <a:buAutoNum type="arabicPeriod"/>
+                </a:pPr>
+                <a:r>
+                  <a:rPr/>
+                  <a:t>En cada manzana encontrar el número entero </a:t>
+                </a:r>
+                <a14:m>
+                  <m:oMath xmlns:m="http://schemas.openxmlformats.org/officeDocument/2006/math">
+                    <m:sSub>
+                      <m:e>
+                        <m:r>
+                          <m:t>d</m:t>
+                        </m:r>
+                      </m:e>
+                      <m:sub>
+                        <m:r>
+                          <m:t>m</m:t>
+                        </m:r>
+                      </m:sub>
+                    </m:sSub>
+                  </m:oMath>
+                </a14:m>
+                <a:r>
+                  <a:rPr/>
+                  <a:t> más cercano a cantidad de viviendas de la manzana dividido cantidad de viviendas deseada</a:t>
+                </a:r>
+              </a:p>
+              <a:p>
+                <a:pPr lvl="0">
+                  <a:buAutoNum type="arabicPeriod"/>
+                </a:pPr>
+                <a:r>
+                  <a:rPr/>
+                  <a:t>Hacer ese el número de segmentos en la manzana </a:t>
+                </a:r>
+                <a14:m>
+                  <m:oMath xmlns:m="http://schemas.openxmlformats.org/officeDocument/2006/math">
+                    <m:r>
+                      <m:t>m</m:t>
+                    </m:r>
+                  </m:oMath>
+                </a14:m>
+              </a:p>
+              <a:p>
+                <a:pPr lvl="0">
+                  <a:buAutoNum type="arabicPeriod"/>
+                </a:pPr>
+                <a:r>
+                  <a:rPr/>
+                  <a:t>Calcular la cantidad de viviendas por segmento en la manzana </a:t>
+                </a:r>
+                <a14:m>
+                  <m:oMath xmlns:m="http://schemas.openxmlformats.org/officeDocument/2006/math">
+                    <m:r>
+                      <m:t>m</m:t>
+                    </m:r>
+                  </m:oMath>
+                </a14:m>
+                <a:r>
+                  <a:rPr/>
+                  <a:t>, </a:t>
+                </a:r>
+                <a14:m>
+                  <m:oMath xmlns:m="http://schemas.openxmlformats.org/officeDocument/2006/math">
+                    <m:sSub>
+                      <m:e>
+                        <m:r>
+                          <m:t>s</m:t>
+                        </m:r>
+                      </m:e>
+                      <m:sub>
+                        <m:r>
+                          <m:t>m</m:t>
+                        </m:r>
+                      </m:sub>
+                    </m:sSub>
+                    <m:r>
+                      <m:rPr>
+                        <m:sty m:val="p"/>
+                      </m:rPr>
+                      <m:t>=</m:t>
+                    </m:r>
+                    <m:sSub>
+                      <m:e>
+                        <m:r>
+                          <m:t>v</m:t>
+                        </m:r>
+                      </m:e>
+                      <m:sub>
+                        <m:r>
+                          <m:t>m</m:t>
+                        </m:r>
+                      </m:sub>
+                    </m:sSub>
+                    <m:r>
+                      <m:rPr>
+                        <m:sty m:val="p"/>
+                      </m:rPr>
+                      <m:t>/</m:t>
+                    </m:r>
+                    <m:sSub>
+                      <m:e>
+                        <m:r>
+                          <m:t>d</m:t>
+                        </m:r>
+                      </m:e>
+                      <m:sub>
+                        <m:r>
+                          <m:t>m</m:t>
+                        </m:r>
+                      </m:sub>
+                    </m:sSub>
+                  </m:oMath>
+                </a14:m>
+              </a:p>
+              <a:p>
+                <a:pPr lvl="0">
+                  <a:buAutoNum type="arabicPeriod"/>
+                </a:pPr>
+                <a:r>
+                  <a:rPr/>
+                  <a:t>Cortar el listado de la manzana </a:t>
+                </a:r>
+                <a14:m>
+                  <m:oMath xmlns:m="http://schemas.openxmlformats.org/officeDocument/2006/math">
+                    <m:r>
+                      <m:t>m</m:t>
+                    </m:r>
+                  </m:oMath>
+                </a14:m>
+                <a:r>
+                  <a:rPr/>
+                  <a:t> cortando a piso enteros anavanzando con segmentos de cantidad de viviendas lo más cercano a </a:t>
+                </a:r>
+                <a14:m>
+                  <m:oMath xmlns:m="http://schemas.openxmlformats.org/officeDocument/2006/math">
+                    <m:sSub>
+                      <m:e>
+                        <m:r>
+                          <m:t>s</m:t>
+                        </m:r>
+                      </m:e>
+                      <m:sub>
+                        <m:r>
+                          <m:t>m</m:t>
+                        </m:r>
+                      </m:sub>
+                    </m:sSub>
+                  </m:oMath>
+                </a14:m>
+                <a:r>
+                  <a:rPr/>
+                  <a:t> posible</a:t>
+                </a:r>
+              </a:p>
+            </p:txBody>
+          </p:sp>
+        </mc:Choice>
+      </mc:AlternateContent>
     </p:spTree>
   </p:cSld>
 </p:sld>
@@ -10682,7 +10923,7 @@
             </a:pPr>
             <a:r>
               <a:rPr/>
-              <a:t>aplicar el algoritmo para radios esparcidos (lados completos)</a:t>
+              <a:t>Aplicar el algoritmo para radios esparcidos (lados completos)</a:t>
             </a:r>
           </a:p>
           <a:p>
@@ -10691,7 +10932,7 @@
             </a:pPr>
             <a:r>
               <a:rPr/>
-              <a:t>para todos los segmentos que superen un valor umbral de viviendas aplicar algoritmo de (listado) manzana independiente</a:t>
+              <a:t>Para todos los segmentos que superen un valor umbral de viviendas aplicar algoritmo de (listado) manzana independiente</a:t>
             </a:r>
           </a:p>
           <a:p>
@@ -10700,7 +10941,7 @@
             </a:pPr>
             <a:r>
               <a:rPr/>
-              <a:t>juntar segmentos con cero o pocas viviendas</a:t>
+              <a:t>Juntar segmentos con cero o pocas viviendas</a:t>
             </a:r>
           </a:p>
         </p:txBody>
@@ -10834,66 +11075,67 @@
           <a:chExt cx="0" cy="0"/>
         </a:xfrm>
       </p:grpSpPr>
-      <p:pic>
-        <p:nvPicPr>
-          <p:cNvPr descr="fig:  imagenes/amigos.png" id="0" name="Picture 1"/>
-          <p:cNvPicPr>
-            <a:picLocks noGrp="1" noChangeAspect="1"/>
-          </p:cNvPicPr>
-          <p:nvPr/>
-        </p:nvPicPr>
-        <p:blipFill>
-          <a:blip r:embed="rId2"/>
-          <a:stretch>
-            <a:fillRect/>
-          </a:stretch>
-        </p:blipFill>
-        <p:spPr bwMode="auto">
-          <a:xfrm>
-            <a:off x="0" y="2832100"/>
-            <a:ext cx="12192000" cy="698500"/>
-          </a:xfrm>
-          <a:prstGeom prst="rect">
-            <a:avLst/>
-          </a:prstGeom>
-          <a:noFill/>
-          <a:ln w="9525">
-            <a:noFill/>
-            <a:headEnd/>
-            <a:tailEnd/>
-          </a:ln>
-        </p:spPr>
-      </p:pic>
-      <p:sp>
-        <p:nvSpPr>
-          <p:cNvPr id="1" name="TextBox 3"/>
-          <p:cNvSpPr txBox="1"/>
-          <p:nvPr/>
-        </p:nvSpPr>
-        <p:spPr>
-          <a:xfrm>
-            <a:off x="0" y="6350000"/>
-            <a:ext cx="12192000" cy="508000"/>
-          </a:xfrm>
-          <a:prstGeom prst="rect">
-            <a:avLst/>
-          </a:prstGeom>
-          <a:noFill/>
-        </p:spPr>
-        <p:txBody>
-          <a:bodyPr/>
-          <a:lstStyle/>
-          <a:p>
-            <a:pPr lvl="0" indent="0" marL="0" algn="ctr">
-              <a:buNone/>
-            </a:pPr>
-            <a:r>
-              <a:rPr/>
-              <a:t>L</a:t>
-            </a:r>
-          </a:p>
-        </p:txBody>
-      </p:sp>
+      <p:graphicFrame>
+        <p:nvGraphicFramePr>
+          <p:cNvPr id="6" name="Content Placeholder 5"/>
+          <p:cNvGraphicFramePr>
+            <a:graphicFrameLocks noGrp="1"/>
+          </p:cNvGraphicFramePr>
+          <p:nvPr>
+            <p:ph idx="1"/>
+          </p:nvPr>
+        </p:nvGraphicFramePr>
+        <p:xfrm>
+          <a:off x="0" y="0"/>
+          <a:ext cx="12192000" cy="6858000"/>
+        </p:xfrm>
+        <a:graphic>
+          <a:graphicData uri="http://schemas.openxmlformats.org/drawingml/2006/table">
+            <a:tbl>
+              <a:tblPr firstRow="0" bandRow="1">
+                <a:tableStyleId>{5C22544A-7EE6-4342-B048-85BDC9FD1C3A}</a:tableStyleId>
+              </a:tblPr>
+              <a:tblGrid>
+                <a:gridCol w="12192000"/>
+              </a:tblGrid>
+              <a:tr h="0">
+                <a:tc>
+                  <a:txBody>
+                    <a:bodyPr/>
+                    <a:lstStyle/>
+                    <a:p>
+                      <a:pPr lvl="0" indent="0" marL="0" algn="l">
+                        <a:buNone/>
+                      </a:pPr>
+                      <a:r>
+                        <a:rPr/>
+                        <a:t># Software utilizado</a:t>
+                      </a:r>
+                    </a:p>
+                  </a:txBody>
+                </a:tc>
+              </a:tr>
+              <a:tr h="0">
+                <a:tc>
+                  <a:txBody>
+                    <a:bodyPr/>
+                    <a:lstStyle/>
+                    <a:p>
+                      <a:pPr lvl="0" indent="0" marL="0" algn="l">
+                        <a:buNone/>
+                      </a:pPr>
+                      <a:r>
+                        <a:rPr/>
+                        <a:t>L</a:t>
+                      </a:r>
+                    </a:p>
+                  </a:txBody>
+                </a:tc>
+              </a:tr>
+            </a:tbl>
+          </a:graphicData>
+        </a:graphic>
+      </p:graphicFrame>
     </p:spTree>
   </p:cSld>
 </p:sld>
@@ -10941,6 +11183,66 @@
           </a:p>
         </p:txBody>
       </p:sp>
+      <p:pic>
+        <p:nvPicPr>
+          <p:cNvPr descr="fig:  imagenes/SP.png" id="0" name="Picture 1"/>
+          <p:cNvPicPr>
+            <a:picLocks noGrp="1" noChangeAspect="1"/>
+          </p:cNvPicPr>
+          <p:nvPr/>
+        </p:nvPicPr>
+        <p:blipFill>
+          <a:blip r:embed="rId2"/>
+          <a:stretch>
+            <a:fillRect/>
+          </a:stretch>
+        </p:blipFill>
+        <p:spPr bwMode="auto">
+          <a:xfrm>
+            <a:off x="3289300" y="0"/>
+            <a:ext cx="5613400" cy="6350000"/>
+          </a:xfrm>
+          <a:prstGeom prst="rect">
+            <a:avLst/>
+          </a:prstGeom>
+          <a:noFill/>
+          <a:ln w="9525">
+            <a:noFill/>
+            <a:headEnd/>
+            <a:tailEnd/>
+          </a:ln>
+        </p:spPr>
+      </p:pic>
+      <p:sp>
+        <p:nvSpPr>
+          <p:cNvPr id="1" name="TextBox 3"/>
+          <p:cNvSpPr txBox="1"/>
+          <p:nvPr/>
+        </p:nvSpPr>
+        <p:spPr>
+          <a:xfrm>
+            <a:off x="0" y="6350000"/>
+            <a:ext cx="12192000" cy="508000"/>
+          </a:xfrm>
+          <a:prstGeom prst="rect">
+            <a:avLst/>
+          </a:prstGeom>
+          <a:noFill/>
+        </p:spPr>
+        <p:txBody>
+          <a:bodyPr/>
+          <a:lstStyle/>
+          <a:p>
+            <a:pPr lvl="0" indent="0" marL="0" algn="ctr">
+              <a:buNone/>
+            </a:pPr>
+            <a:r>
+              <a:rPr/>
+              <a:t>Parámetros</a:t>
+            </a:r>
+          </a:p>
+        </p:txBody>
+      </p:sp>
     </p:spTree>
   </p:cSld>
 </p:sld>
@@ -10988,6 +11290,66 @@
           </a:p>
         </p:txBody>
       </p:sp>
+      <p:pic>
+        <p:nvPicPr>
+          <p:cNvPr descr="fig:  imagenes/R3.png" id="0" name="Picture 1"/>
+          <p:cNvPicPr>
+            <a:picLocks noGrp="1" noChangeAspect="1"/>
+          </p:cNvPicPr>
+          <p:nvPr/>
+        </p:nvPicPr>
+        <p:blipFill>
+          <a:blip r:embed="rId2"/>
+          <a:stretch>
+            <a:fillRect/>
+          </a:stretch>
+        </p:blipFill>
+        <p:spPr bwMode="auto">
+          <a:xfrm>
+            <a:off x="0" y="355600"/>
+            <a:ext cx="12192000" cy="5651500"/>
+          </a:xfrm>
+          <a:prstGeom prst="rect">
+            <a:avLst/>
+          </a:prstGeom>
+          <a:noFill/>
+          <a:ln w="9525">
+            <a:noFill/>
+            <a:headEnd/>
+            <a:tailEnd/>
+          </a:ln>
+        </p:spPr>
+      </p:pic>
+      <p:sp>
+        <p:nvSpPr>
+          <p:cNvPr id="1" name="TextBox 3"/>
+          <p:cNvSpPr txBox="1"/>
+          <p:nvPr/>
+        </p:nvSpPr>
+        <p:spPr>
+          <a:xfrm>
+            <a:off x="0" y="6350000"/>
+            <a:ext cx="12192000" cy="508000"/>
+          </a:xfrm>
+          <a:prstGeom prst="rect">
+            <a:avLst/>
+          </a:prstGeom>
+          <a:noFill/>
+        </p:spPr>
+        <p:txBody>
+          <a:bodyPr/>
+          <a:lstStyle/>
+          <a:p>
+            <a:pPr lvl="0" indent="0" marL="0" algn="ctr">
+              <a:buNone/>
+            </a:pPr>
+            <a:r>
+              <a:rPr/>
+              <a:t>Resumen R3</a:t>
+            </a:r>
+          </a:p>
+        </p:txBody>
+      </p:sp>
     </p:spTree>
   </p:cSld>
 </p:sld>
@@ -11117,31 +11479,67 @@
           <a:chExt cx="0" cy="0"/>
         </a:xfrm>
       </p:grpSpPr>
-      <p:sp>
-        <p:nvSpPr>
-          <p:cNvPr id="2" name="Title 1"/>
-          <p:cNvSpPr>
-            <a:spLocks noGrp="1"/>
-          </p:cNvSpPr>
-          <p:nvPr>
-            <p:ph type="title"/>
-          </p:nvPr>
-        </p:nvSpPr>
-        <p:spPr/>
-        <p:txBody>
-          <a:bodyPr/>
-          <a:lstStyle/>
-          <a:p>
-            <a:pPr lvl="0" indent="0" marL="0">
-              <a:buNone/>
-            </a:pPr>
-            <a:r>
-              <a:rPr/>
-              <a:t>Conclusiones.</a:t>
-            </a:r>
-          </a:p>
-        </p:txBody>
-      </p:sp>
+      <p:graphicFrame>
+        <p:nvGraphicFramePr>
+          <p:cNvPr id="6" name="Content Placeholder 5"/>
+          <p:cNvGraphicFramePr>
+            <a:graphicFrameLocks noGrp="1"/>
+          </p:cNvGraphicFramePr>
+          <p:nvPr>
+            <p:ph idx="1"/>
+          </p:nvPr>
+        </p:nvGraphicFramePr>
+        <p:xfrm>
+          <a:off x="0" y="0"/>
+          <a:ext cx="12192000" cy="6858000"/>
+        </p:xfrm>
+        <a:graphic>
+          <a:graphicData uri="http://schemas.openxmlformats.org/drawingml/2006/table">
+            <a:tbl>
+              <a:tblPr firstRow="0" bandRow="1">
+                <a:tableStyleId>{5C22544A-7EE6-4342-B048-85BDC9FD1C3A}</a:tableStyleId>
+              </a:tblPr>
+              <a:tblGrid>
+                <a:gridCol w="12192000"/>
+              </a:tblGrid>
+              <a:tr h="0">
+                <a:tc>
+                  <a:txBody>
+                    <a:bodyPr/>
+                    <a:lstStyle/>
+                    <a:p>
+                      <a:pPr lvl="0" indent="0" marL="0" algn="l">
+                        <a:buNone/>
+                      </a:pPr>
+                      <a:r>
+                        <a:rPr/>
+                        <a:t># Optmización de recursos</a:t>
+                      </a:r>
+                    </a:p>
+                  </a:txBody>
+                </a:tc>
+              </a:tr>
+              <a:tr h="0">
+                <a:tc>
+                  <a:txBody>
+                    <a:bodyPr/>
+                    <a:lstStyle/>
+                    <a:p>
+                      <a:pPr lvl="0" indent="0" marL="0" algn="l">
+                        <a:buNone/>
+                      </a:pPr>
+                      <a:r>
+                        <a:rPr/>
+                        <a:t>* Se redujo el tiempo de armado e impresion de mapas * Se utilizó el complemento atlas para automatizar el armado de los mapas para censistas, jefes de radios, fracciones, departamentos y la planilla de recorrido del censista R3 * Se informatizó y masificó la distribución de planos utilizando formato digital (.pdf .png) * Se fomentó el uso de herramientas de software libre, QGIS</a:t>
+                      </a:r>
+                    </a:p>
+                  </a:txBody>
+                </a:tc>
+              </a:tr>
+            </a:tbl>
+          </a:graphicData>
+        </a:graphic>
+      </p:graphicFrame>
     </p:spTree>
   </p:cSld>
 </p:sld>
@@ -11243,6 +11641,160 @@
             <a:r>
               <a:rPr/>
               <a:t>Aprox. 650 mil censistas</a:t>
+            </a:r>
+          </a:p>
+        </p:txBody>
+      </p:sp>
+    </p:spTree>
+  </p:cSld>
+</p:sld>
+</file>
+
+<file path=ppt/slides/slide30.xml><?xml version="1.0" encoding="utf-8"?>
+<p:sld xmlns:a="http://schemas.openxmlformats.org/drawingml/2006/main" xmlns:r="http://schemas.openxmlformats.org/officeDocument/2006/relationships" xmlns:p="http://schemas.openxmlformats.org/presentationml/2006/main">
+  <p:cSld>
+    <p:spTree>
+      <p:nvGrpSpPr>
+        <p:cNvPr id="1" name=""/>
+        <p:cNvGrpSpPr/>
+        <p:nvPr/>
+      </p:nvGrpSpPr>
+      <p:grpSpPr>
+        <a:xfrm>
+          <a:off x="0" y="0"/>
+          <a:ext cx="0" cy="0"/>
+          <a:chOff x="0" y="0"/>
+          <a:chExt cx="0" cy="0"/>
+        </a:xfrm>
+      </p:grpSpPr>
+      <p:sp>
+        <p:nvSpPr>
+          <p:cNvPr id="2" name="Title 1"/>
+          <p:cNvSpPr>
+            <a:spLocks noGrp="1"/>
+          </p:cNvSpPr>
+          <p:nvPr>
+            <p:ph type="title"/>
+          </p:nvPr>
+        </p:nvSpPr>
+        <p:spPr/>
+        <p:txBody>
+          <a:bodyPr/>
+          <a:lstStyle/>
+          <a:p>
+            <a:pPr lvl="0" indent="0" marL="0">
+              <a:buNone/>
+            </a:pPr>
+            <a:r>
+              <a:rPr/>
+              <a:t>Espacio de trabajo QGIS</a:t>
+            </a:r>
+          </a:p>
+        </p:txBody>
+      </p:sp>
+      <p:pic>
+        <p:nvPicPr>
+          <p:cNvPr descr="fig:  imagenes/SG_fraccion.png" id="0" name="Picture 1"/>
+          <p:cNvPicPr>
+            <a:picLocks noGrp="1" noChangeAspect="1"/>
+          </p:cNvPicPr>
+          <p:nvPr/>
+        </p:nvPicPr>
+        <p:blipFill>
+          <a:blip r:embed="rId2"/>
+          <a:stretch>
+            <a:fillRect/>
+          </a:stretch>
+        </p:blipFill>
+        <p:spPr bwMode="auto">
+          <a:xfrm>
+            <a:off x="0" y="355600"/>
+            <a:ext cx="12192000" cy="5638800"/>
+          </a:xfrm>
+          <a:prstGeom prst="rect">
+            <a:avLst/>
+          </a:prstGeom>
+          <a:noFill/>
+          <a:ln w="9525">
+            <a:noFill/>
+            <a:headEnd/>
+            <a:tailEnd/>
+          </a:ln>
+        </p:spPr>
+      </p:pic>
+      <p:sp>
+        <p:nvSpPr>
+          <p:cNvPr id="1" name="TextBox 3"/>
+          <p:cNvSpPr txBox="1"/>
+          <p:nvPr/>
+        </p:nvSpPr>
+        <p:spPr>
+          <a:xfrm>
+            <a:off x="0" y="6350000"/>
+            <a:ext cx="12192000" cy="508000"/>
+          </a:xfrm>
+          <a:prstGeom prst="rect">
+            <a:avLst/>
+          </a:prstGeom>
+          <a:noFill/>
+        </p:spPr>
+        <p:txBody>
+          <a:bodyPr/>
+          <a:lstStyle/>
+          <a:p>
+            <a:pPr lvl="0" indent="0" marL="0" algn="ctr">
+              <a:buNone/>
+            </a:pPr>
+            <a:r>
+              <a:rPr/>
+              <a:t>Mapa Fracción</a:t>
+            </a:r>
+          </a:p>
+        </p:txBody>
+      </p:sp>
+    </p:spTree>
+  </p:cSld>
+</p:sld>
+</file>
+
+<file path=ppt/slides/slide31.xml><?xml version="1.0" encoding="utf-8"?>
+<p:sld xmlns:a="http://schemas.openxmlformats.org/drawingml/2006/main" xmlns:r="http://schemas.openxmlformats.org/officeDocument/2006/relationships" xmlns:p="http://schemas.openxmlformats.org/presentationml/2006/main">
+  <p:cSld>
+    <p:spTree>
+      <p:nvGrpSpPr>
+        <p:cNvPr id="1" name=""/>
+        <p:cNvGrpSpPr/>
+        <p:nvPr/>
+      </p:nvGrpSpPr>
+      <p:grpSpPr>
+        <a:xfrm>
+          <a:off x="0" y="0"/>
+          <a:ext cx="0" cy="0"/>
+          <a:chOff x="0" y="0"/>
+          <a:chExt cx="0" cy="0"/>
+        </a:xfrm>
+      </p:grpSpPr>
+      <p:sp>
+        <p:nvSpPr>
+          <p:cNvPr id="2" name="Title 1"/>
+          <p:cNvSpPr>
+            <a:spLocks noGrp="1"/>
+          </p:cNvSpPr>
+          <p:nvPr>
+            <p:ph type="title"/>
+          </p:nvPr>
+        </p:nvSpPr>
+        <p:spPr/>
+        <p:txBody>
+          <a:bodyPr/>
+          <a:lstStyle/>
+          <a:p>
+            <a:pPr lvl="0" indent="0" marL="0">
+              <a:buNone/>
+            </a:pPr>
+            <a:r>
+              <a:rPr/>
+              <a:t>Conclusiones.</a:t>
             </a:r>
           </a:p>
         </p:txBody>

--- a/IDERA/segmentos.censo2022.pptx
+++ b/IDERA/segmentos.censo2022.pptx
@@ -7,44 +7,499 @@
     <p:sldMasterId id="2147483674" r:id="rId4"/>
     <p:sldMasterId id="2147483687" r:id="rId5"/>
     <p:sldMasterId id="2147483700" r:id="rId6"/>
-    <p:sldMasterId id="2147483713" r:id="rId7"/>
   </p:sldMasterIdLst>
+  <p:notesMasterIdLst>
+    <p:notesMasterId r:id="rId38"/>
+  </p:notesMasterIdLst>
   <p:sldIdLst>
-    <p:sldId id="256" r:id="rId8"/>
-    <p:sldId id="257" r:id="rId9"/>
-    <p:sldId id="258" r:id="rId10"/>
-    <p:sldId id="259" r:id="rId11"/>
-    <p:sldId id="260" r:id="rId12"/>
-    <p:sldId id="261" r:id="rId13"/>
-    <p:sldId id="262" r:id="rId14"/>
-    <p:sldId id="263" r:id="rId15"/>
-    <p:sldId id="264" r:id="rId16"/>
-    <p:sldId id="265" r:id="rId17"/>
-    <p:sldId id="266" r:id="rId18"/>
-    <p:sldId id="267" r:id="rId19"/>
-    <p:sldId id="268" r:id="rId20"/>
-    <p:sldId id="269" r:id="rId21"/>
-    <p:sldId id="270" r:id="rId22"/>
-    <p:sldId id="271" r:id="rId23"/>
-    <p:sldId id="272" r:id="rId24"/>
-    <p:sldId id="273" r:id="rId25"/>
-    <p:sldId id="274" r:id="rId26"/>
-    <p:sldId id="275" r:id="rId27"/>
-    <p:sldId id="276" r:id="rId28"/>
-    <p:sldId id="277" r:id="rId29"/>
-    <p:sldId id="278" r:id="rId30"/>
-    <p:sldId id="279" r:id="rId31"/>
-    <p:sldId id="280" r:id="rId32"/>
-    <p:sldId id="281" r:id="rId33"/>
-    <p:sldId id="282" r:id="rId34"/>
-    <p:sldId id="283" r:id="rId35"/>
-    <p:sldId id="284" r:id="rId36"/>
-    <p:sldId id="285" r:id="rId37"/>
-    <p:sldId id="286" r:id="rId38"/>
+    <p:sldId id="256" r:id="rId7"/>
+    <p:sldId id="257" r:id="rId8"/>
+    <p:sldId id="258" r:id="rId9"/>
+    <p:sldId id="259" r:id="rId10"/>
+    <p:sldId id="260" r:id="rId11"/>
+    <p:sldId id="261" r:id="rId12"/>
+    <p:sldId id="262" r:id="rId13"/>
+    <p:sldId id="263" r:id="rId14"/>
+    <p:sldId id="264" r:id="rId15"/>
+    <p:sldId id="265" r:id="rId16"/>
+    <p:sldId id="266" r:id="rId17"/>
+    <p:sldId id="267" r:id="rId18"/>
+    <p:sldId id="268" r:id="rId19"/>
+    <p:sldId id="269" r:id="rId20"/>
+    <p:sldId id="270" r:id="rId21"/>
+    <p:sldId id="271" r:id="rId22"/>
+    <p:sldId id="272" r:id="rId23"/>
+    <p:sldId id="273" r:id="rId24"/>
+    <p:sldId id="274" r:id="rId25"/>
+    <p:sldId id="275" r:id="rId26"/>
+    <p:sldId id="276" r:id="rId27"/>
+    <p:sldId id="277" r:id="rId28"/>
+    <p:sldId id="278" r:id="rId29"/>
+    <p:sldId id="279" r:id="rId30"/>
+    <p:sldId id="280" r:id="rId31"/>
+    <p:sldId id="281" r:id="rId32"/>
+    <p:sldId id="282" r:id="rId33"/>
+    <p:sldId id="283" r:id="rId34"/>
+    <p:sldId id="284" r:id="rId35"/>
+    <p:sldId id="285" r:id="rId36"/>
+    <p:sldId id="286" r:id="rId37"/>
   </p:sldIdLst>
   <p:sldSz cx="12192000" cy="6858000"/>
-  <p:notesSz cx="7559675" cy="10691812"/>
+  <p:notesSz cx="7559675" cy="10691813"/>
 </p:presentation>
+</file>
+
+<file path=ppt/notesMasters/notesMaster1.xml><?xml version="1.0" encoding="utf-8"?>
+<p:notesMaster xmlns:a="http://schemas.openxmlformats.org/drawingml/2006/main" xmlns:r="http://schemas.openxmlformats.org/officeDocument/2006/relationships" xmlns:p="http://schemas.openxmlformats.org/presentationml/2006/main">
+  <p:cSld>
+    <p:bg>
+      <p:bgRef idx="1001">
+        <a:schemeClr val="bg1"/>
+      </p:bgRef>
+    </p:bg>
+    <p:spTree>
+      <p:nvGrpSpPr>
+        <p:cNvPr id="1" name=""/>
+        <p:cNvGrpSpPr/>
+        <p:nvPr/>
+      </p:nvGrpSpPr>
+      <p:grpSpPr>
+        <a:xfrm>
+          <a:off x="0" y="0"/>
+          <a:ext cx="0" cy="0"/>
+          <a:chOff x="0" y="0"/>
+          <a:chExt cx="0" cy="0"/>
+        </a:xfrm>
+      </p:grpSpPr>
+      <p:sp>
+        <p:nvSpPr>
+          <p:cNvPr id="2" name="Header Placeholder 1"/>
+          <p:cNvSpPr>
+            <a:spLocks noGrp="1"/>
+          </p:cNvSpPr>
+          <p:nvPr>
+            <p:ph type="hdr" sz="quarter"/>
+          </p:nvPr>
+        </p:nvSpPr>
+        <p:spPr>
+          <a:xfrm>
+            <a:off x="0" y="0"/>
+            <a:ext cx="2971800" cy="458788"/>
+          </a:xfrm>
+          <a:prstGeom prst="rect">
+            <a:avLst/>
+          </a:prstGeom>
+        </p:spPr>
+        <p:txBody>
+          <a:bodyPr vert="horz" lIns="91440" tIns="45720" rIns="91440" bIns="45720" rtlCol="0"/>
+          <a:lstStyle>
+            <a:lvl1pPr algn="l">
+              <a:defRPr sz="1200"/>
+            </a:lvl1pPr>
+          </a:lstStyle>
+          <a:p>
+            <a:endParaRPr lang="en-US"/>
+          </a:p>
+        </p:txBody>
+      </p:sp>
+      <p:sp>
+        <p:nvSpPr>
+          <p:cNvPr id="3" name="Date Placeholder 2"/>
+          <p:cNvSpPr>
+            <a:spLocks noGrp="1"/>
+          </p:cNvSpPr>
+          <p:nvPr>
+            <p:ph type="dt" idx="1"/>
+          </p:nvPr>
+        </p:nvSpPr>
+        <p:spPr>
+          <a:xfrm>
+            <a:off x="3884613" y="0"/>
+            <a:ext cx="2971800" cy="458788"/>
+          </a:xfrm>
+          <a:prstGeom prst="rect">
+            <a:avLst/>
+          </a:prstGeom>
+        </p:spPr>
+        <p:txBody>
+          <a:bodyPr vert="horz" lIns="91440" tIns="45720" rIns="91440" bIns="45720" rtlCol="0"/>
+          <a:lstStyle>
+            <a:lvl1pPr algn="r">
+              <a:defRPr sz="1200"/>
+            </a:lvl1pPr>
+          </a:lstStyle>
+          <a:p>
+            <a:fld id="{0F9C1CCF-B725-44A7-AA57-5E433BD85C9F}" type="datetimeFigureOut">
+              <a:rPr lang="en-US" smtClean="0"/>
+              <a:t>1/2/22</a:t>
+            </a:fld>
+            <a:endParaRPr lang="en-US"/>
+          </a:p>
+        </p:txBody>
+      </p:sp>
+      <p:sp>
+        <p:nvSpPr>
+          <p:cNvPr id="4" name="Slide Image Placeholder 3"/>
+          <p:cNvSpPr>
+            <a:spLocks noGrp="1" noRot="1" noChangeAspect="1"/>
+          </p:cNvSpPr>
+          <p:nvPr>
+            <p:ph type="sldImg" idx="2"/>
+          </p:nvPr>
+        </p:nvSpPr>
+        <p:spPr>
+          <a:xfrm>
+            <a:off x="685800" y="1143000"/>
+            <a:ext cx="5486400" cy="3086100"/>
+          </a:xfrm>
+          <a:prstGeom prst="rect">
+            <a:avLst/>
+          </a:prstGeom>
+          <a:noFill/>
+          <a:ln w="12700">
+            <a:solidFill>
+              <a:prstClr val="black"/>
+            </a:solidFill>
+          </a:ln>
+        </p:spPr>
+        <p:txBody>
+          <a:bodyPr vert="horz" lIns="91440" tIns="45720" rIns="91440" bIns="45720" rtlCol="0" anchor="ctr"/>
+          <a:lstStyle/>
+          <a:p>
+            <a:endParaRPr lang="en-US"/>
+          </a:p>
+        </p:txBody>
+      </p:sp>
+      <p:sp>
+        <p:nvSpPr>
+          <p:cNvPr id="5" name="Notes Placeholder 4"/>
+          <p:cNvSpPr>
+            <a:spLocks noGrp="1"/>
+          </p:cNvSpPr>
+          <p:nvPr>
+            <p:ph type="body" sz="quarter" idx="3"/>
+          </p:nvPr>
+        </p:nvSpPr>
+        <p:spPr>
+          <a:xfrm>
+            <a:off x="685800" y="4400550"/>
+            <a:ext cx="5486400" cy="3600450"/>
+          </a:xfrm>
+          <a:prstGeom prst="rect">
+            <a:avLst/>
+          </a:prstGeom>
+        </p:spPr>
+        <p:txBody>
+          <a:bodyPr vert="horz" lIns="91440" tIns="45720" rIns="91440" bIns="45720" rtlCol="0"/>
+          <a:lstStyle/>
+          <a:p>
+            <a:pPr lvl="0"/>
+            <a:r>
+              <a:rPr lang="en-US"/>
+              <a:t>Click to edit Master text styles</a:t>
+            </a:r>
+          </a:p>
+          <a:p>
+            <a:pPr lvl="1"/>
+            <a:r>
+              <a:rPr lang="en-US"/>
+              <a:t>Second level</a:t>
+            </a:r>
+          </a:p>
+          <a:p>
+            <a:pPr lvl="2"/>
+            <a:r>
+              <a:rPr lang="en-US"/>
+              <a:t>Third level</a:t>
+            </a:r>
+          </a:p>
+          <a:p>
+            <a:pPr lvl="3"/>
+            <a:r>
+              <a:rPr lang="en-US"/>
+              <a:t>Fourth level</a:t>
+            </a:r>
+          </a:p>
+          <a:p>
+            <a:pPr lvl="4"/>
+            <a:r>
+              <a:rPr lang="en-US"/>
+              <a:t>Fifth level</a:t>
+            </a:r>
+          </a:p>
+        </p:txBody>
+      </p:sp>
+      <p:sp>
+        <p:nvSpPr>
+          <p:cNvPr id="6" name="Footer Placeholder 5"/>
+          <p:cNvSpPr>
+            <a:spLocks noGrp="1"/>
+          </p:cNvSpPr>
+          <p:nvPr>
+            <p:ph type="ftr" sz="quarter" idx="4"/>
+          </p:nvPr>
+        </p:nvSpPr>
+        <p:spPr>
+          <a:xfrm>
+            <a:off x="0" y="8685213"/>
+            <a:ext cx="2971800" cy="458787"/>
+          </a:xfrm>
+          <a:prstGeom prst="rect">
+            <a:avLst/>
+          </a:prstGeom>
+        </p:spPr>
+        <p:txBody>
+          <a:bodyPr vert="horz" lIns="91440" tIns="45720" rIns="91440" bIns="45720" rtlCol="0" anchor="b"/>
+          <a:lstStyle>
+            <a:lvl1pPr algn="l">
+              <a:defRPr sz="1200"/>
+            </a:lvl1pPr>
+          </a:lstStyle>
+          <a:p>
+            <a:endParaRPr lang="en-US"/>
+          </a:p>
+        </p:txBody>
+      </p:sp>
+      <p:sp>
+        <p:nvSpPr>
+          <p:cNvPr id="7" name="Slide Number Placeholder 6"/>
+          <p:cNvSpPr>
+            <a:spLocks noGrp="1"/>
+          </p:cNvSpPr>
+          <p:nvPr>
+            <p:ph type="sldNum" sz="quarter" idx="5"/>
+          </p:nvPr>
+        </p:nvSpPr>
+        <p:spPr>
+          <a:xfrm>
+            <a:off x="3884613" y="8685213"/>
+            <a:ext cx="2971800" cy="458787"/>
+          </a:xfrm>
+          <a:prstGeom prst="rect">
+            <a:avLst/>
+          </a:prstGeom>
+        </p:spPr>
+        <p:txBody>
+          <a:bodyPr vert="horz" lIns="91440" tIns="45720" rIns="91440" bIns="45720" rtlCol="0" anchor="b"/>
+          <a:lstStyle>
+            <a:lvl1pPr algn="r">
+              <a:defRPr sz="1200"/>
+            </a:lvl1pPr>
+          </a:lstStyle>
+          <a:p>
+            <a:fld id="{18BDFEC3-8487-43E8-A154-7C12CBC1FFF2}" type="slidenum">
+              <a:rPr lang="en-US" smtClean="0"/>
+              <a:t>‹#›</a:t>
+            </a:fld>
+            <a:endParaRPr lang="en-US"/>
+          </a:p>
+        </p:txBody>
+      </p:sp>
+    </p:spTree>
+    <p:extLst>
+      <p:ext uri="{BB962C8B-B14F-4D97-AF65-F5344CB8AC3E}">
+        <p14:creationId xmlns:p14="http://schemas.microsoft.com/office/powerpoint/2010/main" val="3782709779"/>
+      </p:ext>
+    </p:extLst>
+  </p:cSld>
+  <p:clrMap bg1="lt1" tx1="dk1" bg2="lt2" tx2="dk2" accent1="accent1" accent2="accent2" accent3="accent3" accent4="accent4" accent5="accent5" accent6="accent6" hlink="hlink" folHlink="folHlink"/>
+  <p:notesStyle>
+    <a:lvl1pPr marL="0" algn="l" defTabSz="914400" rtl="0" eaLnBrk="1" latinLnBrk="0" hangingPunct="1">
+      <a:defRPr sz="1200" kern="1200">
+        <a:solidFill>
+          <a:schemeClr val="tx1"/>
+        </a:solidFill>
+        <a:latin typeface="+mn-lt"/>
+        <a:ea typeface="+mn-ea"/>
+        <a:cs typeface="+mn-cs"/>
+      </a:defRPr>
+    </a:lvl1pPr>
+    <a:lvl2pPr marL="457200" algn="l" defTabSz="914400" rtl="0" eaLnBrk="1" latinLnBrk="0" hangingPunct="1">
+      <a:defRPr sz="1200" kern="1200">
+        <a:solidFill>
+          <a:schemeClr val="tx1"/>
+        </a:solidFill>
+        <a:latin typeface="+mn-lt"/>
+        <a:ea typeface="+mn-ea"/>
+        <a:cs typeface="+mn-cs"/>
+      </a:defRPr>
+    </a:lvl2pPr>
+    <a:lvl3pPr marL="914400" algn="l" defTabSz="914400" rtl="0" eaLnBrk="1" latinLnBrk="0" hangingPunct="1">
+      <a:defRPr sz="1200" kern="1200">
+        <a:solidFill>
+          <a:schemeClr val="tx1"/>
+        </a:solidFill>
+        <a:latin typeface="+mn-lt"/>
+        <a:ea typeface="+mn-ea"/>
+        <a:cs typeface="+mn-cs"/>
+      </a:defRPr>
+    </a:lvl3pPr>
+    <a:lvl4pPr marL="1371600" algn="l" defTabSz="914400" rtl="0" eaLnBrk="1" latinLnBrk="0" hangingPunct="1">
+      <a:defRPr sz="1200" kern="1200">
+        <a:solidFill>
+          <a:schemeClr val="tx1"/>
+        </a:solidFill>
+        <a:latin typeface="+mn-lt"/>
+        <a:ea typeface="+mn-ea"/>
+        <a:cs typeface="+mn-cs"/>
+      </a:defRPr>
+    </a:lvl4pPr>
+    <a:lvl5pPr marL="1828800" algn="l" defTabSz="914400" rtl="0" eaLnBrk="1" latinLnBrk="0" hangingPunct="1">
+      <a:defRPr sz="1200" kern="1200">
+        <a:solidFill>
+          <a:schemeClr val="tx1"/>
+        </a:solidFill>
+        <a:latin typeface="+mn-lt"/>
+        <a:ea typeface="+mn-ea"/>
+        <a:cs typeface="+mn-cs"/>
+      </a:defRPr>
+    </a:lvl5pPr>
+    <a:lvl6pPr marL="2286000" algn="l" defTabSz="914400" rtl="0" eaLnBrk="1" latinLnBrk="0" hangingPunct="1">
+      <a:defRPr sz="1200" kern="1200">
+        <a:solidFill>
+          <a:schemeClr val="tx1"/>
+        </a:solidFill>
+        <a:latin typeface="+mn-lt"/>
+        <a:ea typeface="+mn-ea"/>
+        <a:cs typeface="+mn-cs"/>
+      </a:defRPr>
+    </a:lvl6pPr>
+    <a:lvl7pPr marL="2743200" algn="l" defTabSz="914400" rtl="0" eaLnBrk="1" latinLnBrk="0" hangingPunct="1">
+      <a:defRPr sz="1200" kern="1200">
+        <a:solidFill>
+          <a:schemeClr val="tx1"/>
+        </a:solidFill>
+        <a:latin typeface="+mn-lt"/>
+        <a:ea typeface="+mn-ea"/>
+        <a:cs typeface="+mn-cs"/>
+      </a:defRPr>
+    </a:lvl7pPr>
+    <a:lvl8pPr marL="3200400" algn="l" defTabSz="914400" rtl="0" eaLnBrk="1" latinLnBrk="0" hangingPunct="1">
+      <a:defRPr sz="1200" kern="1200">
+        <a:solidFill>
+          <a:schemeClr val="tx1"/>
+        </a:solidFill>
+        <a:latin typeface="+mn-lt"/>
+        <a:ea typeface="+mn-ea"/>
+        <a:cs typeface="+mn-cs"/>
+      </a:defRPr>
+    </a:lvl8pPr>
+    <a:lvl9pPr marL="3657600" algn="l" defTabSz="914400" rtl="0" eaLnBrk="1" latinLnBrk="0" hangingPunct="1">
+      <a:defRPr sz="1200" kern="1200">
+        <a:solidFill>
+          <a:schemeClr val="tx1"/>
+        </a:solidFill>
+        <a:latin typeface="+mn-lt"/>
+        <a:ea typeface="+mn-ea"/>
+        <a:cs typeface="+mn-cs"/>
+      </a:defRPr>
+    </a:lvl9pPr>
+  </p:notesStyle>
+</p:notesMaster>
+</file>
+
+<file path=ppt/notesSlides/notesSlide1.xml><?xml version="1.0" encoding="utf-8"?>
+<p:notes xmlns:a="http://schemas.openxmlformats.org/drawingml/2006/main" xmlns:r="http://schemas.openxmlformats.org/officeDocument/2006/relationships" xmlns:p="http://schemas.openxmlformats.org/presentationml/2006/main">
+  <p:cSld>
+    <p:spTree>
+      <p:nvGrpSpPr>
+        <p:cNvPr id="1" name=""/>
+        <p:cNvGrpSpPr/>
+        <p:nvPr/>
+      </p:nvGrpSpPr>
+      <p:grpSpPr>
+        <a:xfrm>
+          <a:off x="0" y="0"/>
+          <a:ext cx="0" cy="0"/>
+          <a:chOff x="0" y="0"/>
+          <a:chExt cx="0" cy="0"/>
+        </a:xfrm>
+      </p:grpSpPr>
+      <p:sp>
+        <p:nvSpPr>
+          <p:cNvPr id="2" name="Slide Image Placeholder 1"/>
+          <p:cNvSpPr>
+            <a:spLocks noGrp="1" noRot="1" noChangeAspect="1"/>
+          </p:cNvSpPr>
+          <p:nvPr>
+            <p:ph type="sldImg"/>
+          </p:nvPr>
+        </p:nvSpPr>
+        <p:spPr/>
+      </p:sp>
+      <p:sp>
+        <p:nvSpPr>
+          <p:cNvPr id="3" name="Notes Placeholder 2"/>
+          <p:cNvSpPr>
+            <a:spLocks noGrp="1"/>
+          </p:cNvSpPr>
+          <p:nvPr>
+            <p:ph type="body" idx="1"/>
+          </p:nvPr>
+        </p:nvSpPr>
+        <p:spPr/>
+        <p:txBody>
+          <a:bodyPr/>
+          <a:lstStyle/>
+          <a:p>
+            <a:pPr lvl="0" indent="0" marL="0">
+              <a:buNone/>
+            </a:pPr>
+            <a:r>
+              <a:rPr b="1"/>
+              <a:t>Urbano:</a:t>
+            </a:r>
+            <a:r>
+              <a:rPr/>
+              <a:t> población agrupada únicamente, y conformado por manzanas y/o sectores pertenecientes a una localidad.</a:t>
+            </a:r>
+          </a:p>
+          <a:p>
+            <a:pPr lvl="0" indent="0" marL="0">
+              <a:buNone/>
+            </a:pPr>
+          </a:p>
+          <a:p>
+            <a:pPr lvl="0" indent="0" marL="0">
+              <a:buNone/>
+            </a:pPr>
+            <a:r>
+              <a:rPr b="1"/>
+              <a:t>Suburbano:</a:t>
+            </a:r>
+            <a:r>
+              <a:rPr/>
+              <a:t> agrupada en pequeños poblados o en bordes amanzanados de localidades.</a:t>
+            </a:r>
+          </a:p>
+        </p:txBody>
+      </p:sp>
+      <p:sp>
+        <p:nvSpPr>
+          <p:cNvPr id="4" name="Slide Number Placeholder 3"/>
+          <p:cNvSpPr>
+            <a:spLocks noGrp="1"/>
+          </p:cNvSpPr>
+          <p:nvPr>
+            <p:ph type="sldNum" sz="quarter" idx="10"/>
+          </p:nvPr>
+        </p:nvSpPr>
+        <p:spPr/>
+        <p:txBody>
+          <a:bodyPr/>
+          <a:lstStyle/>
+          <a:p>
+            <a:fld id="{18BDFEC3-8487-43E8-A154-7C12CBC1FFF2}" type="slidenum">
+              <a:rPr lang="en-US"/>
+              <a:t>4</a:t>
+            </a:fld>
+            <a:endParaRPr lang="en-US"/>
+          </a:p>
+        </p:txBody>
+      </p:sp>
+    </p:spTree>
+  </p:cSld>
+</p:notes>
 </file>
 
 <file path=ppt/slideLayouts/slideLayout1.xml><?xml version="1.0" encoding="utf-8"?>
@@ -98,17 +553,25 @@
         </p:nvSpPr>
         <p:spPr>
           <a:xfrm>
-            <a:off x="2762280" y="273600"/>
-            <a:ext cx="8397720" cy="1144800"/>
-          </a:xfrm>
-          <a:prstGeom prst="rect">
-            <a:avLst/>
-          </a:prstGeom>
-        </p:spPr>
-        <p:txBody>
-          <a:bodyPr lIns="0" rIns="0" tIns="0" bIns="0" anchor="ctr"/>
-          <a:p>
-            <a:pPr algn="ctr"/>
+            <a:off x="609480" y="273600"/>
+            <a:ext cx="10972440" cy="1144800"/>
+          </a:xfrm>
+          <a:prstGeom prst="rect">
+            <a:avLst/>
+          </a:prstGeom>
+          <a:noFill/>
+          <a:ln w="0">
+            <a:noFill/>
+          </a:ln>
+        </p:spPr>
+        <p:txBody>
+          <a:bodyPr lIns="0" rIns="0" tIns="0" bIns="0" anchor="ctr">
+            <a:noAutofit/>
+          </a:bodyPr>
+          <a:p>
+            <a:pPr algn="ctr">
+              <a:buNone/>
+            </a:pPr>
             <a:endParaRPr b="0" lang="es-AR" sz="4400" spc="-1" strike="noStrike">
               <a:latin typeface="Arial"/>
             </a:endParaRPr>
@@ -122,20 +585,24 @@
             <a:spLocks noGrp="1"/>
           </p:cNvSpPr>
           <p:nvPr>
-            <p:ph type="body"/>
-          </p:nvPr>
-        </p:nvSpPr>
-        <p:spPr>
-          <a:xfrm>
-            <a:off x="2304000" y="1512000"/>
-            <a:ext cx="9504000" cy="2232000"/>
-          </a:xfrm>
-          <a:prstGeom prst="rect">
-            <a:avLst/>
-          </a:prstGeom>
-        </p:spPr>
-        <p:txBody>
-          <a:bodyPr lIns="0" rIns="0" tIns="0" bIns="0">
+            <p:ph/>
+          </p:nvPr>
+        </p:nvSpPr>
+        <p:spPr>
+          <a:xfrm>
+            <a:off x="609480" y="1604520"/>
+            <a:ext cx="10972440" cy="1896840"/>
+          </a:xfrm>
+          <a:prstGeom prst="rect">
+            <a:avLst/>
+          </a:prstGeom>
+          <a:noFill/>
+          <a:ln w="0">
+            <a:noFill/>
+          </a:ln>
+        </p:spPr>
+        <p:txBody>
+          <a:bodyPr lIns="0" rIns="0" tIns="0" bIns="0" anchor="t">
             <a:normAutofit/>
           </a:bodyPr>
           <a:p>
@@ -152,20 +619,24 @@
             <a:spLocks noGrp="1"/>
           </p:cNvSpPr>
           <p:nvPr>
-            <p:ph type="body"/>
-          </p:nvPr>
-        </p:nvSpPr>
-        <p:spPr>
-          <a:xfrm>
-            <a:off x="2304000" y="3956400"/>
-            <a:ext cx="9504000" cy="2232000"/>
-          </a:xfrm>
-          <a:prstGeom prst="rect">
-            <a:avLst/>
-          </a:prstGeom>
-        </p:spPr>
-        <p:txBody>
-          <a:bodyPr lIns="0" rIns="0" tIns="0" bIns="0">
+            <p:ph/>
+          </p:nvPr>
+        </p:nvSpPr>
+        <p:spPr>
+          <a:xfrm>
+            <a:off x="609480" y="3682080"/>
+            <a:ext cx="10972440" cy="1896840"/>
+          </a:xfrm>
+          <a:prstGeom prst="rect">
+            <a:avLst/>
+          </a:prstGeom>
+          <a:noFill/>
+          <a:ln w="0">
+            <a:noFill/>
+          </a:ln>
+        </p:spPr>
+        <p:txBody>
+          <a:bodyPr lIns="0" rIns="0" tIns="0" bIns="0" anchor="t">
             <a:normAutofit/>
           </a:bodyPr>
           <a:p>
@@ -209,17 +680,25 @@
         </p:nvSpPr>
         <p:spPr>
           <a:xfrm>
-            <a:off x="2762280" y="273600"/>
-            <a:ext cx="8397720" cy="1144800"/>
-          </a:xfrm>
-          <a:prstGeom prst="rect">
-            <a:avLst/>
-          </a:prstGeom>
-        </p:spPr>
-        <p:txBody>
-          <a:bodyPr lIns="0" rIns="0" tIns="0" bIns="0" anchor="ctr"/>
-          <a:p>
-            <a:pPr algn="ctr"/>
+            <a:off x="609480" y="273600"/>
+            <a:ext cx="10972440" cy="1144800"/>
+          </a:xfrm>
+          <a:prstGeom prst="rect">
+            <a:avLst/>
+          </a:prstGeom>
+          <a:noFill/>
+          <a:ln w="0">
+            <a:noFill/>
+          </a:ln>
+        </p:spPr>
+        <p:txBody>
+          <a:bodyPr lIns="0" rIns="0" tIns="0" bIns="0" anchor="ctr">
+            <a:noAutofit/>
+          </a:bodyPr>
+          <a:p>
+            <a:pPr algn="ctr">
+              <a:buNone/>
+            </a:pPr>
             <a:endParaRPr b="0" lang="es-AR" sz="4400" spc="-1" strike="noStrike">
               <a:latin typeface="Arial"/>
             </a:endParaRPr>
@@ -233,20 +712,24 @@
             <a:spLocks noGrp="1"/>
           </p:cNvSpPr>
           <p:nvPr>
-            <p:ph type="body"/>
-          </p:nvPr>
-        </p:nvSpPr>
-        <p:spPr>
-          <a:xfrm>
-            <a:off x="2304000" y="1512000"/>
-            <a:ext cx="4637880" cy="2232000"/>
-          </a:xfrm>
-          <a:prstGeom prst="rect">
-            <a:avLst/>
-          </a:prstGeom>
-        </p:spPr>
-        <p:txBody>
-          <a:bodyPr lIns="0" rIns="0" tIns="0" bIns="0">
+            <p:ph/>
+          </p:nvPr>
+        </p:nvSpPr>
+        <p:spPr>
+          <a:xfrm>
+            <a:off x="609480" y="1604520"/>
+            <a:ext cx="5354280" cy="1896840"/>
+          </a:xfrm>
+          <a:prstGeom prst="rect">
+            <a:avLst/>
+          </a:prstGeom>
+          <a:noFill/>
+          <a:ln w="0">
+            <a:noFill/>
+          </a:ln>
+        </p:spPr>
+        <p:txBody>
+          <a:bodyPr lIns="0" rIns="0" tIns="0" bIns="0" anchor="t">
             <a:normAutofit/>
           </a:bodyPr>
           <a:p>
@@ -263,20 +746,24 @@
             <a:spLocks noGrp="1"/>
           </p:cNvSpPr>
           <p:nvPr>
-            <p:ph type="body"/>
-          </p:nvPr>
-        </p:nvSpPr>
-        <p:spPr>
-          <a:xfrm>
-            <a:off x="7174080" y="1512000"/>
-            <a:ext cx="4637880" cy="2232000"/>
-          </a:xfrm>
-          <a:prstGeom prst="rect">
-            <a:avLst/>
-          </a:prstGeom>
-        </p:spPr>
-        <p:txBody>
-          <a:bodyPr lIns="0" rIns="0" tIns="0" bIns="0">
+            <p:ph/>
+          </p:nvPr>
+        </p:nvSpPr>
+        <p:spPr>
+          <a:xfrm>
+            <a:off x="6231960" y="1604520"/>
+            <a:ext cx="5354280" cy="1896840"/>
+          </a:xfrm>
+          <a:prstGeom prst="rect">
+            <a:avLst/>
+          </a:prstGeom>
+          <a:noFill/>
+          <a:ln w="0">
+            <a:noFill/>
+          </a:ln>
+        </p:spPr>
+        <p:txBody>
+          <a:bodyPr lIns="0" rIns="0" tIns="0" bIns="0" anchor="t">
             <a:normAutofit/>
           </a:bodyPr>
           <a:p>
@@ -293,20 +780,24 @@
             <a:spLocks noGrp="1"/>
           </p:cNvSpPr>
           <p:nvPr>
-            <p:ph type="body"/>
-          </p:nvPr>
-        </p:nvSpPr>
-        <p:spPr>
-          <a:xfrm>
-            <a:off x="2304000" y="3956400"/>
-            <a:ext cx="4637880" cy="2232000"/>
-          </a:xfrm>
-          <a:prstGeom prst="rect">
-            <a:avLst/>
-          </a:prstGeom>
-        </p:spPr>
-        <p:txBody>
-          <a:bodyPr lIns="0" rIns="0" tIns="0" bIns="0">
+            <p:ph/>
+          </p:nvPr>
+        </p:nvSpPr>
+        <p:spPr>
+          <a:xfrm>
+            <a:off x="609480" y="3682080"/>
+            <a:ext cx="5354280" cy="1896840"/>
+          </a:xfrm>
+          <a:prstGeom prst="rect">
+            <a:avLst/>
+          </a:prstGeom>
+          <a:noFill/>
+          <a:ln w="0">
+            <a:noFill/>
+          </a:ln>
+        </p:spPr>
+        <p:txBody>
+          <a:bodyPr lIns="0" rIns="0" tIns="0" bIns="0" anchor="t">
             <a:normAutofit/>
           </a:bodyPr>
           <a:p>
@@ -323,20 +814,24 @@
             <a:spLocks noGrp="1"/>
           </p:cNvSpPr>
           <p:nvPr>
-            <p:ph type="body"/>
-          </p:nvPr>
-        </p:nvSpPr>
-        <p:spPr>
-          <a:xfrm>
-            <a:off x="7174080" y="3956400"/>
-            <a:ext cx="4637880" cy="2232000"/>
-          </a:xfrm>
-          <a:prstGeom prst="rect">
-            <a:avLst/>
-          </a:prstGeom>
-        </p:spPr>
-        <p:txBody>
-          <a:bodyPr lIns="0" rIns="0" tIns="0" bIns="0">
+            <p:ph/>
+          </p:nvPr>
+        </p:nvSpPr>
+        <p:spPr>
+          <a:xfrm>
+            <a:off x="6231960" y="3682080"/>
+            <a:ext cx="5354280" cy="1896840"/>
+          </a:xfrm>
+          <a:prstGeom prst="rect">
+            <a:avLst/>
+          </a:prstGeom>
+          <a:noFill/>
+          <a:ln w="0">
+            <a:noFill/>
+          </a:ln>
+        </p:spPr>
+        <p:txBody>
+          <a:bodyPr lIns="0" rIns="0" tIns="0" bIns="0" anchor="t">
             <a:normAutofit/>
           </a:bodyPr>
           <a:p>
@@ -380,17 +875,25 @@
         </p:nvSpPr>
         <p:spPr>
           <a:xfrm>
-            <a:off x="2762280" y="273600"/>
-            <a:ext cx="8397720" cy="1144800"/>
-          </a:xfrm>
-          <a:prstGeom prst="rect">
-            <a:avLst/>
-          </a:prstGeom>
-        </p:spPr>
-        <p:txBody>
-          <a:bodyPr lIns="0" rIns="0" tIns="0" bIns="0" anchor="ctr"/>
-          <a:p>
-            <a:pPr algn="ctr"/>
+            <a:off x="609480" y="273600"/>
+            <a:ext cx="10972440" cy="1144800"/>
+          </a:xfrm>
+          <a:prstGeom prst="rect">
+            <a:avLst/>
+          </a:prstGeom>
+          <a:noFill/>
+          <a:ln w="0">
+            <a:noFill/>
+          </a:ln>
+        </p:spPr>
+        <p:txBody>
+          <a:bodyPr lIns="0" rIns="0" tIns="0" bIns="0" anchor="ctr">
+            <a:noAutofit/>
+          </a:bodyPr>
+          <a:p>
+            <a:pPr algn="ctr">
+              <a:buNone/>
+            </a:pPr>
             <a:endParaRPr b="0" lang="es-AR" sz="4400" spc="-1" strike="noStrike">
               <a:latin typeface="Arial"/>
             </a:endParaRPr>
@@ -404,20 +907,24 @@
             <a:spLocks noGrp="1"/>
           </p:cNvSpPr>
           <p:nvPr>
-            <p:ph type="body"/>
-          </p:nvPr>
-        </p:nvSpPr>
-        <p:spPr>
-          <a:xfrm>
-            <a:off x="2304000" y="1512000"/>
-            <a:ext cx="3060000" cy="2232000"/>
-          </a:xfrm>
-          <a:prstGeom prst="rect">
-            <a:avLst/>
-          </a:prstGeom>
-        </p:spPr>
-        <p:txBody>
-          <a:bodyPr lIns="0" rIns="0" tIns="0" bIns="0">
+            <p:ph/>
+          </p:nvPr>
+        </p:nvSpPr>
+        <p:spPr>
+          <a:xfrm>
+            <a:off x="609480" y="1604520"/>
+            <a:ext cx="3533040" cy="1896840"/>
+          </a:xfrm>
+          <a:prstGeom prst="rect">
+            <a:avLst/>
+          </a:prstGeom>
+          <a:noFill/>
+          <a:ln w="0">
+            <a:noFill/>
+          </a:ln>
+        </p:spPr>
+        <p:txBody>
+          <a:bodyPr lIns="0" rIns="0" tIns="0" bIns="0" anchor="t">
             <a:normAutofit/>
           </a:bodyPr>
           <a:p>
@@ -434,20 +941,24 @@
             <a:spLocks noGrp="1"/>
           </p:cNvSpPr>
           <p:nvPr>
-            <p:ph type="body"/>
-          </p:nvPr>
-        </p:nvSpPr>
-        <p:spPr>
-          <a:xfrm>
-            <a:off x="5517360" y="1512000"/>
-            <a:ext cx="3060000" cy="2232000"/>
-          </a:xfrm>
-          <a:prstGeom prst="rect">
-            <a:avLst/>
-          </a:prstGeom>
-        </p:spPr>
-        <p:txBody>
-          <a:bodyPr lIns="0" rIns="0" tIns="0" bIns="0">
+            <p:ph/>
+          </p:nvPr>
+        </p:nvSpPr>
+        <p:spPr>
+          <a:xfrm>
+            <a:off x="4319640" y="1604520"/>
+            <a:ext cx="3533040" cy="1896840"/>
+          </a:xfrm>
+          <a:prstGeom prst="rect">
+            <a:avLst/>
+          </a:prstGeom>
+          <a:noFill/>
+          <a:ln w="0">
+            <a:noFill/>
+          </a:ln>
+        </p:spPr>
+        <p:txBody>
+          <a:bodyPr lIns="0" rIns="0" tIns="0" bIns="0" anchor="t">
             <a:normAutofit/>
           </a:bodyPr>
           <a:p>
@@ -464,20 +975,24 @@
             <a:spLocks noGrp="1"/>
           </p:cNvSpPr>
           <p:nvPr>
-            <p:ph type="body"/>
-          </p:nvPr>
-        </p:nvSpPr>
-        <p:spPr>
-          <a:xfrm>
-            <a:off x="8730720" y="1512000"/>
-            <a:ext cx="3060000" cy="2232000"/>
-          </a:xfrm>
-          <a:prstGeom prst="rect">
-            <a:avLst/>
-          </a:prstGeom>
-        </p:spPr>
-        <p:txBody>
-          <a:bodyPr lIns="0" rIns="0" tIns="0" bIns="0">
+            <p:ph/>
+          </p:nvPr>
+        </p:nvSpPr>
+        <p:spPr>
+          <a:xfrm>
+            <a:off x="8029800" y="1604520"/>
+            <a:ext cx="3533040" cy="1896840"/>
+          </a:xfrm>
+          <a:prstGeom prst="rect">
+            <a:avLst/>
+          </a:prstGeom>
+          <a:noFill/>
+          <a:ln w="0">
+            <a:noFill/>
+          </a:ln>
+        </p:spPr>
+        <p:txBody>
+          <a:bodyPr lIns="0" rIns="0" tIns="0" bIns="0" anchor="t">
             <a:normAutofit/>
           </a:bodyPr>
           <a:p>
@@ -494,20 +1009,24 @@
             <a:spLocks noGrp="1"/>
           </p:cNvSpPr>
           <p:nvPr>
-            <p:ph type="body"/>
-          </p:nvPr>
-        </p:nvSpPr>
-        <p:spPr>
-          <a:xfrm>
-            <a:off x="2304000" y="3956400"/>
-            <a:ext cx="3060000" cy="2232000"/>
-          </a:xfrm>
-          <a:prstGeom prst="rect">
-            <a:avLst/>
-          </a:prstGeom>
-        </p:spPr>
-        <p:txBody>
-          <a:bodyPr lIns="0" rIns="0" tIns="0" bIns="0">
+            <p:ph/>
+          </p:nvPr>
+        </p:nvSpPr>
+        <p:spPr>
+          <a:xfrm>
+            <a:off x="609480" y="3682080"/>
+            <a:ext cx="3533040" cy="1896840"/>
+          </a:xfrm>
+          <a:prstGeom prst="rect">
+            <a:avLst/>
+          </a:prstGeom>
+          <a:noFill/>
+          <a:ln w="0">
+            <a:noFill/>
+          </a:ln>
+        </p:spPr>
+        <p:txBody>
+          <a:bodyPr lIns="0" rIns="0" tIns="0" bIns="0" anchor="t">
             <a:normAutofit/>
           </a:bodyPr>
           <a:p>
@@ -524,20 +1043,24 @@
             <a:spLocks noGrp="1"/>
           </p:cNvSpPr>
           <p:nvPr>
-            <p:ph type="body"/>
-          </p:nvPr>
-        </p:nvSpPr>
-        <p:spPr>
-          <a:xfrm>
-            <a:off x="5517360" y="3956400"/>
-            <a:ext cx="3060000" cy="2232000"/>
-          </a:xfrm>
-          <a:prstGeom prst="rect">
-            <a:avLst/>
-          </a:prstGeom>
-        </p:spPr>
-        <p:txBody>
-          <a:bodyPr lIns="0" rIns="0" tIns="0" bIns="0">
+            <p:ph/>
+          </p:nvPr>
+        </p:nvSpPr>
+        <p:spPr>
+          <a:xfrm>
+            <a:off x="4319640" y="3682080"/>
+            <a:ext cx="3533040" cy="1896840"/>
+          </a:xfrm>
+          <a:prstGeom prst="rect">
+            <a:avLst/>
+          </a:prstGeom>
+          <a:noFill/>
+          <a:ln w="0">
+            <a:noFill/>
+          </a:ln>
+        </p:spPr>
+        <p:txBody>
+          <a:bodyPr lIns="0" rIns="0" tIns="0" bIns="0" anchor="t">
             <a:normAutofit/>
           </a:bodyPr>
           <a:p>
@@ -554,20 +1077,24 @@
             <a:spLocks noGrp="1"/>
           </p:cNvSpPr>
           <p:nvPr>
-            <p:ph type="body"/>
-          </p:nvPr>
-        </p:nvSpPr>
-        <p:spPr>
-          <a:xfrm>
-            <a:off x="8730720" y="3956400"/>
-            <a:ext cx="3060000" cy="2232000"/>
-          </a:xfrm>
-          <a:prstGeom prst="rect">
-            <a:avLst/>
-          </a:prstGeom>
-        </p:spPr>
-        <p:txBody>
-          <a:bodyPr lIns="0" rIns="0" tIns="0" bIns="0">
+            <p:ph/>
+          </p:nvPr>
+        </p:nvSpPr>
+        <p:spPr>
+          <a:xfrm>
+            <a:off x="8029800" y="3682080"/>
+            <a:ext cx="3533040" cy="1896840"/>
+          </a:xfrm>
+          <a:prstGeom prst="rect">
+            <a:avLst/>
+          </a:prstGeom>
+          <a:noFill/>
+          <a:ln w="0">
+            <a:noFill/>
+          </a:ln>
+        </p:spPr>
+        <p:txBody>
+          <a:bodyPr lIns="0" rIns="0" tIns="0" bIns="0" anchor="t">
             <a:normAutofit/>
           </a:bodyPr>
           <a:p>
@@ -633,17 +1160,25 @@
         </p:nvSpPr>
         <p:spPr>
           <a:xfrm>
-            <a:off x="2762280" y="273600"/>
-            <a:ext cx="8397720" cy="1144800"/>
-          </a:xfrm>
-          <a:prstGeom prst="rect">
-            <a:avLst/>
-          </a:prstGeom>
-        </p:spPr>
-        <p:txBody>
-          <a:bodyPr lIns="0" rIns="0" tIns="0" bIns="0" anchor="ctr"/>
-          <a:p>
-            <a:pPr algn="ctr"/>
+            <a:off x="609480" y="273600"/>
+            <a:ext cx="10972440" cy="1144800"/>
+          </a:xfrm>
+          <a:prstGeom prst="rect">
+            <a:avLst/>
+          </a:prstGeom>
+          <a:noFill/>
+          <a:ln w="0">
+            <a:noFill/>
+          </a:ln>
+        </p:spPr>
+        <p:txBody>
+          <a:bodyPr lIns="0" rIns="0" tIns="0" bIns="0" anchor="ctr">
+            <a:noAutofit/>
+          </a:bodyPr>
+          <a:p>
+            <a:pPr algn="ctr">
+              <a:buNone/>
+            </a:pPr>
             <a:endParaRPr b="0" lang="es-AR" sz="4400" spc="-1" strike="noStrike">
               <a:latin typeface="Arial"/>
             </a:endParaRPr>
@@ -662,17 +1197,25 @@
         </p:nvSpPr>
         <p:spPr>
           <a:xfrm>
-            <a:off x="2304000" y="1512000"/>
-            <a:ext cx="9504000" cy="4680000"/>
-          </a:xfrm>
-          <a:prstGeom prst="rect">
-            <a:avLst/>
-          </a:prstGeom>
-        </p:spPr>
-        <p:txBody>
-          <a:bodyPr lIns="0" rIns="0" tIns="0" bIns="0" anchor="ctr"/>
-          <a:p>
-            <a:pPr algn="ctr"/>
+            <a:off x="609480" y="1604520"/>
+            <a:ext cx="10972440" cy="3977280"/>
+          </a:xfrm>
+          <a:prstGeom prst="rect">
+            <a:avLst/>
+          </a:prstGeom>
+          <a:noFill/>
+          <a:ln w="0">
+            <a:noFill/>
+          </a:ln>
+        </p:spPr>
+        <p:txBody>
+          <a:bodyPr lIns="0" rIns="0" tIns="0" bIns="0" anchor="ctr">
+            <a:noAutofit/>
+          </a:bodyPr>
+          <a:p>
+            <a:pPr algn="ctr">
+              <a:buNone/>
+            </a:pPr>
             <a:endParaRPr b="0" lang="es-AR" sz="3200" spc="-1" strike="noStrike">
               <a:latin typeface="Arial"/>
             </a:endParaRPr>
@@ -713,17 +1256,25 @@
         </p:nvSpPr>
         <p:spPr>
           <a:xfrm>
-            <a:off x="2762280" y="273600"/>
-            <a:ext cx="8397720" cy="1144800"/>
-          </a:xfrm>
-          <a:prstGeom prst="rect">
-            <a:avLst/>
-          </a:prstGeom>
-        </p:spPr>
-        <p:txBody>
-          <a:bodyPr lIns="0" rIns="0" tIns="0" bIns="0" anchor="ctr"/>
-          <a:p>
-            <a:pPr algn="ctr"/>
+            <a:off x="609480" y="273600"/>
+            <a:ext cx="10972440" cy="1144800"/>
+          </a:xfrm>
+          <a:prstGeom prst="rect">
+            <a:avLst/>
+          </a:prstGeom>
+          <a:noFill/>
+          <a:ln w="0">
+            <a:noFill/>
+          </a:ln>
+        </p:spPr>
+        <p:txBody>
+          <a:bodyPr lIns="0" rIns="0" tIns="0" bIns="0" anchor="ctr">
+            <a:noAutofit/>
+          </a:bodyPr>
+          <a:p>
+            <a:pPr algn="ctr">
+              <a:buNone/>
+            </a:pPr>
             <a:endParaRPr b="0" lang="es-AR" sz="4400" spc="-1" strike="noStrike">
               <a:latin typeface="Arial"/>
             </a:endParaRPr>
@@ -737,20 +1288,24 @@
             <a:spLocks noGrp="1"/>
           </p:cNvSpPr>
           <p:nvPr>
-            <p:ph type="body"/>
-          </p:nvPr>
-        </p:nvSpPr>
-        <p:spPr>
-          <a:xfrm>
-            <a:off x="2304000" y="1512000"/>
-            <a:ext cx="9504000" cy="4680000"/>
-          </a:xfrm>
-          <a:prstGeom prst="rect">
-            <a:avLst/>
-          </a:prstGeom>
-        </p:spPr>
-        <p:txBody>
-          <a:bodyPr lIns="0" rIns="0" tIns="0" bIns="0">
+            <p:ph/>
+          </p:nvPr>
+        </p:nvSpPr>
+        <p:spPr>
+          <a:xfrm>
+            <a:off x="609480" y="1604520"/>
+            <a:ext cx="10972440" cy="3977280"/>
+          </a:xfrm>
+          <a:prstGeom prst="rect">
+            <a:avLst/>
+          </a:prstGeom>
+          <a:noFill/>
+          <a:ln w="0">
+            <a:noFill/>
+          </a:ln>
+        </p:spPr>
+        <p:txBody>
+          <a:bodyPr lIns="0" rIns="0" tIns="0" bIns="0" anchor="t">
             <a:normAutofit/>
           </a:bodyPr>
           <a:p>
@@ -794,17 +1349,25 @@
         </p:nvSpPr>
         <p:spPr>
           <a:xfrm>
-            <a:off x="2762280" y="273600"/>
-            <a:ext cx="8397720" cy="1144800"/>
-          </a:xfrm>
-          <a:prstGeom prst="rect">
-            <a:avLst/>
-          </a:prstGeom>
-        </p:spPr>
-        <p:txBody>
-          <a:bodyPr lIns="0" rIns="0" tIns="0" bIns="0" anchor="ctr"/>
-          <a:p>
-            <a:pPr algn="ctr"/>
+            <a:off x="609480" y="273600"/>
+            <a:ext cx="10972440" cy="1144800"/>
+          </a:xfrm>
+          <a:prstGeom prst="rect">
+            <a:avLst/>
+          </a:prstGeom>
+          <a:noFill/>
+          <a:ln w="0">
+            <a:noFill/>
+          </a:ln>
+        </p:spPr>
+        <p:txBody>
+          <a:bodyPr lIns="0" rIns="0" tIns="0" bIns="0" anchor="ctr">
+            <a:noAutofit/>
+          </a:bodyPr>
+          <a:p>
+            <a:pPr algn="ctr">
+              <a:buNone/>
+            </a:pPr>
             <a:endParaRPr b="0" lang="es-AR" sz="4400" spc="-1" strike="noStrike">
               <a:latin typeface="Arial"/>
             </a:endParaRPr>
@@ -818,20 +1381,24 @@
             <a:spLocks noGrp="1"/>
           </p:cNvSpPr>
           <p:nvPr>
-            <p:ph type="body"/>
-          </p:nvPr>
-        </p:nvSpPr>
-        <p:spPr>
-          <a:xfrm>
-            <a:off x="2304000" y="1512000"/>
-            <a:ext cx="4637880" cy="4680000"/>
-          </a:xfrm>
-          <a:prstGeom prst="rect">
-            <a:avLst/>
-          </a:prstGeom>
-        </p:spPr>
-        <p:txBody>
-          <a:bodyPr lIns="0" rIns="0" tIns="0" bIns="0">
+            <p:ph/>
+          </p:nvPr>
+        </p:nvSpPr>
+        <p:spPr>
+          <a:xfrm>
+            <a:off x="609480" y="1604520"/>
+            <a:ext cx="5354280" cy="3977280"/>
+          </a:xfrm>
+          <a:prstGeom prst="rect">
+            <a:avLst/>
+          </a:prstGeom>
+          <a:noFill/>
+          <a:ln w="0">
+            <a:noFill/>
+          </a:ln>
+        </p:spPr>
+        <p:txBody>
+          <a:bodyPr lIns="0" rIns="0" tIns="0" bIns="0" anchor="t">
             <a:normAutofit/>
           </a:bodyPr>
           <a:p>
@@ -848,20 +1415,24 @@
             <a:spLocks noGrp="1"/>
           </p:cNvSpPr>
           <p:nvPr>
-            <p:ph type="body"/>
-          </p:nvPr>
-        </p:nvSpPr>
-        <p:spPr>
-          <a:xfrm>
-            <a:off x="7174080" y="1512000"/>
-            <a:ext cx="4637880" cy="4680000"/>
-          </a:xfrm>
-          <a:prstGeom prst="rect">
-            <a:avLst/>
-          </a:prstGeom>
-        </p:spPr>
-        <p:txBody>
-          <a:bodyPr lIns="0" rIns="0" tIns="0" bIns="0">
+            <p:ph/>
+          </p:nvPr>
+        </p:nvSpPr>
+        <p:spPr>
+          <a:xfrm>
+            <a:off x="6231960" y="1604520"/>
+            <a:ext cx="5354280" cy="3977280"/>
+          </a:xfrm>
+          <a:prstGeom prst="rect">
+            <a:avLst/>
+          </a:prstGeom>
+          <a:noFill/>
+          <a:ln w="0">
+            <a:noFill/>
+          </a:ln>
+        </p:spPr>
+        <p:txBody>
+          <a:bodyPr lIns="0" rIns="0" tIns="0" bIns="0" anchor="t">
             <a:normAutofit/>
           </a:bodyPr>
           <a:p>
@@ -905,17 +1476,25 @@
         </p:nvSpPr>
         <p:spPr>
           <a:xfrm>
-            <a:off x="2762280" y="273600"/>
-            <a:ext cx="8397720" cy="1144800"/>
-          </a:xfrm>
-          <a:prstGeom prst="rect">
-            <a:avLst/>
-          </a:prstGeom>
-        </p:spPr>
-        <p:txBody>
-          <a:bodyPr lIns="0" rIns="0" tIns="0" bIns="0" anchor="ctr"/>
-          <a:p>
-            <a:pPr algn="ctr"/>
+            <a:off x="609480" y="273600"/>
+            <a:ext cx="10972440" cy="1144800"/>
+          </a:xfrm>
+          <a:prstGeom prst="rect">
+            <a:avLst/>
+          </a:prstGeom>
+          <a:noFill/>
+          <a:ln w="0">
+            <a:noFill/>
+          </a:ln>
+        </p:spPr>
+        <p:txBody>
+          <a:bodyPr lIns="0" rIns="0" tIns="0" bIns="0" anchor="ctr">
+            <a:noAutofit/>
+          </a:bodyPr>
+          <a:p>
+            <a:pPr algn="ctr">
+              <a:buNone/>
+            </a:pPr>
             <a:endParaRPr b="0" lang="es-AR" sz="4400" spc="-1" strike="noStrike">
               <a:latin typeface="Arial"/>
             </a:endParaRPr>
@@ -956,17 +1535,25 @@
         </p:nvSpPr>
         <p:spPr>
           <a:xfrm>
-            <a:off x="2762280" y="273600"/>
-            <a:ext cx="8397720" cy="5307840"/>
-          </a:xfrm>
-          <a:prstGeom prst="rect">
-            <a:avLst/>
-          </a:prstGeom>
-        </p:spPr>
-        <p:txBody>
-          <a:bodyPr lIns="0" rIns="0" tIns="0" bIns="0" anchor="ctr"/>
-          <a:p>
-            <a:pPr algn="ctr"/>
+            <a:off x="609480" y="273600"/>
+            <a:ext cx="10972440" cy="5307840"/>
+          </a:xfrm>
+          <a:prstGeom prst="rect">
+            <a:avLst/>
+          </a:prstGeom>
+          <a:noFill/>
+          <a:ln w="0">
+            <a:noFill/>
+          </a:ln>
+        </p:spPr>
+        <p:txBody>
+          <a:bodyPr lIns="0" rIns="0" tIns="0" bIns="0" anchor="ctr">
+            <a:noAutofit/>
+          </a:bodyPr>
+          <a:p>
+            <a:pPr algn="ctr">
+              <a:buNone/>
+            </a:pPr>
             <a:endParaRPr b="0" lang="es-AR" sz="3200" spc="-1" strike="noStrike">
               <a:latin typeface="Arial"/>
             </a:endParaRPr>
@@ -1007,17 +1594,25 @@
         </p:nvSpPr>
         <p:spPr>
           <a:xfrm>
-            <a:off x="2762280" y="273600"/>
-            <a:ext cx="8397720" cy="1144800"/>
-          </a:xfrm>
-          <a:prstGeom prst="rect">
-            <a:avLst/>
-          </a:prstGeom>
-        </p:spPr>
-        <p:txBody>
-          <a:bodyPr lIns="0" rIns="0" tIns="0" bIns="0" anchor="ctr"/>
-          <a:p>
-            <a:pPr algn="ctr"/>
+            <a:off x="609480" y="273600"/>
+            <a:ext cx="10972440" cy="1144800"/>
+          </a:xfrm>
+          <a:prstGeom prst="rect">
+            <a:avLst/>
+          </a:prstGeom>
+          <a:noFill/>
+          <a:ln w="0">
+            <a:noFill/>
+          </a:ln>
+        </p:spPr>
+        <p:txBody>
+          <a:bodyPr lIns="0" rIns="0" tIns="0" bIns="0" anchor="ctr">
+            <a:noAutofit/>
+          </a:bodyPr>
+          <a:p>
+            <a:pPr algn="ctr">
+              <a:buNone/>
+            </a:pPr>
             <a:endParaRPr b="0" lang="es-AR" sz="4400" spc="-1" strike="noStrike">
               <a:latin typeface="Arial"/>
             </a:endParaRPr>
@@ -1031,20 +1626,24 @@
             <a:spLocks noGrp="1"/>
           </p:cNvSpPr>
           <p:nvPr>
-            <p:ph type="body"/>
-          </p:nvPr>
-        </p:nvSpPr>
-        <p:spPr>
-          <a:xfrm>
-            <a:off x="2304000" y="1512000"/>
-            <a:ext cx="4637880" cy="2232000"/>
-          </a:xfrm>
-          <a:prstGeom prst="rect">
-            <a:avLst/>
-          </a:prstGeom>
-        </p:spPr>
-        <p:txBody>
-          <a:bodyPr lIns="0" rIns="0" tIns="0" bIns="0">
+            <p:ph/>
+          </p:nvPr>
+        </p:nvSpPr>
+        <p:spPr>
+          <a:xfrm>
+            <a:off x="609480" y="1604520"/>
+            <a:ext cx="5354280" cy="1896840"/>
+          </a:xfrm>
+          <a:prstGeom prst="rect">
+            <a:avLst/>
+          </a:prstGeom>
+          <a:noFill/>
+          <a:ln w="0">
+            <a:noFill/>
+          </a:ln>
+        </p:spPr>
+        <p:txBody>
+          <a:bodyPr lIns="0" rIns="0" tIns="0" bIns="0" anchor="t">
             <a:normAutofit/>
           </a:bodyPr>
           <a:p>
@@ -1061,20 +1660,24 @@
             <a:spLocks noGrp="1"/>
           </p:cNvSpPr>
           <p:nvPr>
-            <p:ph type="body"/>
-          </p:nvPr>
-        </p:nvSpPr>
-        <p:spPr>
-          <a:xfrm>
-            <a:off x="7174080" y="1512000"/>
-            <a:ext cx="4637880" cy="4680000"/>
-          </a:xfrm>
-          <a:prstGeom prst="rect">
-            <a:avLst/>
-          </a:prstGeom>
-        </p:spPr>
-        <p:txBody>
-          <a:bodyPr lIns="0" rIns="0" tIns="0" bIns="0">
+            <p:ph/>
+          </p:nvPr>
+        </p:nvSpPr>
+        <p:spPr>
+          <a:xfrm>
+            <a:off x="6231960" y="1604520"/>
+            <a:ext cx="5354280" cy="3977280"/>
+          </a:xfrm>
+          <a:prstGeom prst="rect">
+            <a:avLst/>
+          </a:prstGeom>
+          <a:noFill/>
+          <a:ln w="0">
+            <a:noFill/>
+          </a:ln>
+        </p:spPr>
+        <p:txBody>
+          <a:bodyPr lIns="0" rIns="0" tIns="0" bIns="0" anchor="t">
             <a:normAutofit/>
           </a:bodyPr>
           <a:p>
@@ -1091,20 +1694,24 @@
             <a:spLocks noGrp="1"/>
           </p:cNvSpPr>
           <p:nvPr>
-            <p:ph type="body"/>
-          </p:nvPr>
-        </p:nvSpPr>
-        <p:spPr>
-          <a:xfrm>
-            <a:off x="2304000" y="3956400"/>
-            <a:ext cx="4637880" cy="2232000"/>
-          </a:xfrm>
-          <a:prstGeom prst="rect">
-            <a:avLst/>
-          </a:prstGeom>
-        </p:spPr>
-        <p:txBody>
-          <a:bodyPr lIns="0" rIns="0" tIns="0" bIns="0">
+            <p:ph/>
+          </p:nvPr>
+        </p:nvSpPr>
+        <p:spPr>
+          <a:xfrm>
+            <a:off x="609480" y="3682080"/>
+            <a:ext cx="5354280" cy="1896840"/>
+          </a:xfrm>
+          <a:prstGeom prst="rect">
+            <a:avLst/>
+          </a:prstGeom>
+          <a:noFill/>
+          <a:ln w="0">
+            <a:noFill/>
+          </a:ln>
+        </p:spPr>
+        <p:txBody>
+          <a:bodyPr lIns="0" rIns="0" tIns="0" bIns="0" anchor="t">
             <a:normAutofit/>
           </a:bodyPr>
           <a:p>
@@ -1316,17 +1923,25 @@
         </p:nvSpPr>
         <p:spPr>
           <a:xfrm>
-            <a:off x="2762280" y="273600"/>
-            <a:ext cx="8397720" cy="1144800"/>
-          </a:xfrm>
-          <a:prstGeom prst="rect">
-            <a:avLst/>
-          </a:prstGeom>
-        </p:spPr>
-        <p:txBody>
-          <a:bodyPr lIns="0" rIns="0" tIns="0" bIns="0" anchor="ctr"/>
-          <a:p>
-            <a:pPr algn="ctr"/>
+            <a:off x="609480" y="273600"/>
+            <a:ext cx="10972440" cy="1144800"/>
+          </a:xfrm>
+          <a:prstGeom prst="rect">
+            <a:avLst/>
+          </a:prstGeom>
+          <a:noFill/>
+          <a:ln w="0">
+            <a:noFill/>
+          </a:ln>
+        </p:spPr>
+        <p:txBody>
+          <a:bodyPr lIns="0" rIns="0" tIns="0" bIns="0" anchor="ctr">
+            <a:noAutofit/>
+          </a:bodyPr>
+          <a:p>
+            <a:pPr algn="ctr">
+              <a:buNone/>
+            </a:pPr>
             <a:endParaRPr b="0" lang="es-AR" sz="4400" spc="-1" strike="noStrike">
               <a:latin typeface="Arial"/>
             </a:endParaRPr>
@@ -1340,20 +1955,24 @@
             <a:spLocks noGrp="1"/>
           </p:cNvSpPr>
           <p:nvPr>
-            <p:ph type="body"/>
-          </p:nvPr>
-        </p:nvSpPr>
-        <p:spPr>
-          <a:xfrm>
-            <a:off x="2304000" y="1512000"/>
-            <a:ext cx="4637880" cy="4680000"/>
-          </a:xfrm>
-          <a:prstGeom prst="rect">
-            <a:avLst/>
-          </a:prstGeom>
-        </p:spPr>
-        <p:txBody>
-          <a:bodyPr lIns="0" rIns="0" tIns="0" bIns="0">
+            <p:ph/>
+          </p:nvPr>
+        </p:nvSpPr>
+        <p:spPr>
+          <a:xfrm>
+            <a:off x="609480" y="1604520"/>
+            <a:ext cx="5354280" cy="3977280"/>
+          </a:xfrm>
+          <a:prstGeom prst="rect">
+            <a:avLst/>
+          </a:prstGeom>
+          <a:noFill/>
+          <a:ln w="0">
+            <a:noFill/>
+          </a:ln>
+        </p:spPr>
+        <p:txBody>
+          <a:bodyPr lIns="0" rIns="0" tIns="0" bIns="0" anchor="t">
             <a:normAutofit/>
           </a:bodyPr>
           <a:p>
@@ -1370,20 +1989,24 @@
             <a:spLocks noGrp="1"/>
           </p:cNvSpPr>
           <p:nvPr>
-            <p:ph type="body"/>
-          </p:nvPr>
-        </p:nvSpPr>
-        <p:spPr>
-          <a:xfrm>
-            <a:off x="7174080" y="1512000"/>
-            <a:ext cx="4637880" cy="2232000"/>
-          </a:xfrm>
-          <a:prstGeom prst="rect">
-            <a:avLst/>
-          </a:prstGeom>
-        </p:spPr>
-        <p:txBody>
-          <a:bodyPr lIns="0" rIns="0" tIns="0" bIns="0">
+            <p:ph/>
+          </p:nvPr>
+        </p:nvSpPr>
+        <p:spPr>
+          <a:xfrm>
+            <a:off x="6231960" y="1604520"/>
+            <a:ext cx="5354280" cy="1896840"/>
+          </a:xfrm>
+          <a:prstGeom prst="rect">
+            <a:avLst/>
+          </a:prstGeom>
+          <a:noFill/>
+          <a:ln w="0">
+            <a:noFill/>
+          </a:ln>
+        </p:spPr>
+        <p:txBody>
+          <a:bodyPr lIns="0" rIns="0" tIns="0" bIns="0" anchor="t">
             <a:normAutofit/>
           </a:bodyPr>
           <a:p>
@@ -1400,20 +2023,24 @@
             <a:spLocks noGrp="1"/>
           </p:cNvSpPr>
           <p:nvPr>
-            <p:ph type="body"/>
-          </p:nvPr>
-        </p:nvSpPr>
-        <p:spPr>
-          <a:xfrm>
-            <a:off x="7174080" y="3956400"/>
-            <a:ext cx="4637880" cy="2232000"/>
-          </a:xfrm>
-          <a:prstGeom prst="rect">
-            <a:avLst/>
-          </a:prstGeom>
-        </p:spPr>
-        <p:txBody>
-          <a:bodyPr lIns="0" rIns="0" tIns="0" bIns="0">
+            <p:ph/>
+          </p:nvPr>
+        </p:nvSpPr>
+        <p:spPr>
+          <a:xfrm>
+            <a:off x="6231960" y="3682080"/>
+            <a:ext cx="5354280" cy="1896840"/>
+          </a:xfrm>
+          <a:prstGeom prst="rect">
+            <a:avLst/>
+          </a:prstGeom>
+          <a:noFill/>
+          <a:ln w="0">
+            <a:noFill/>
+          </a:ln>
+        </p:spPr>
+        <p:txBody>
+          <a:bodyPr lIns="0" rIns="0" tIns="0" bIns="0" anchor="t">
             <a:normAutofit/>
           </a:bodyPr>
           <a:p>
@@ -1457,17 +2084,25 @@
         </p:nvSpPr>
         <p:spPr>
           <a:xfrm>
-            <a:off x="2762280" y="273600"/>
-            <a:ext cx="8397720" cy="1144800"/>
-          </a:xfrm>
-          <a:prstGeom prst="rect">
-            <a:avLst/>
-          </a:prstGeom>
-        </p:spPr>
-        <p:txBody>
-          <a:bodyPr lIns="0" rIns="0" tIns="0" bIns="0" anchor="ctr"/>
-          <a:p>
-            <a:pPr algn="ctr"/>
+            <a:off x="609480" y="273600"/>
+            <a:ext cx="10972440" cy="1144800"/>
+          </a:xfrm>
+          <a:prstGeom prst="rect">
+            <a:avLst/>
+          </a:prstGeom>
+          <a:noFill/>
+          <a:ln w="0">
+            <a:noFill/>
+          </a:ln>
+        </p:spPr>
+        <p:txBody>
+          <a:bodyPr lIns="0" rIns="0" tIns="0" bIns="0" anchor="ctr">
+            <a:noAutofit/>
+          </a:bodyPr>
+          <a:p>
+            <a:pPr algn="ctr">
+              <a:buNone/>
+            </a:pPr>
             <a:endParaRPr b="0" lang="es-AR" sz="4400" spc="-1" strike="noStrike">
               <a:latin typeface="Arial"/>
             </a:endParaRPr>
@@ -1481,20 +2116,24 @@
             <a:spLocks noGrp="1"/>
           </p:cNvSpPr>
           <p:nvPr>
-            <p:ph type="body"/>
-          </p:nvPr>
-        </p:nvSpPr>
-        <p:spPr>
-          <a:xfrm>
-            <a:off x="2304000" y="1512000"/>
-            <a:ext cx="4637880" cy="2232000"/>
-          </a:xfrm>
-          <a:prstGeom prst="rect">
-            <a:avLst/>
-          </a:prstGeom>
-        </p:spPr>
-        <p:txBody>
-          <a:bodyPr lIns="0" rIns="0" tIns="0" bIns="0">
+            <p:ph/>
+          </p:nvPr>
+        </p:nvSpPr>
+        <p:spPr>
+          <a:xfrm>
+            <a:off x="609480" y="1604520"/>
+            <a:ext cx="5354280" cy="1896840"/>
+          </a:xfrm>
+          <a:prstGeom prst="rect">
+            <a:avLst/>
+          </a:prstGeom>
+          <a:noFill/>
+          <a:ln w="0">
+            <a:noFill/>
+          </a:ln>
+        </p:spPr>
+        <p:txBody>
+          <a:bodyPr lIns="0" rIns="0" tIns="0" bIns="0" anchor="t">
             <a:normAutofit/>
           </a:bodyPr>
           <a:p>
@@ -1511,20 +2150,24 @@
             <a:spLocks noGrp="1"/>
           </p:cNvSpPr>
           <p:nvPr>
-            <p:ph type="body"/>
-          </p:nvPr>
-        </p:nvSpPr>
-        <p:spPr>
-          <a:xfrm>
-            <a:off x="7174080" y="1512000"/>
-            <a:ext cx="4637880" cy="2232000"/>
-          </a:xfrm>
-          <a:prstGeom prst="rect">
-            <a:avLst/>
-          </a:prstGeom>
-        </p:spPr>
-        <p:txBody>
-          <a:bodyPr lIns="0" rIns="0" tIns="0" bIns="0">
+            <p:ph/>
+          </p:nvPr>
+        </p:nvSpPr>
+        <p:spPr>
+          <a:xfrm>
+            <a:off x="6231960" y="1604520"/>
+            <a:ext cx="5354280" cy="1896840"/>
+          </a:xfrm>
+          <a:prstGeom prst="rect">
+            <a:avLst/>
+          </a:prstGeom>
+          <a:noFill/>
+          <a:ln w="0">
+            <a:noFill/>
+          </a:ln>
+        </p:spPr>
+        <p:txBody>
+          <a:bodyPr lIns="0" rIns="0" tIns="0" bIns="0" anchor="t">
             <a:normAutofit/>
           </a:bodyPr>
           <a:p>
@@ -1541,20 +2184,24 @@
             <a:spLocks noGrp="1"/>
           </p:cNvSpPr>
           <p:nvPr>
-            <p:ph type="body"/>
-          </p:nvPr>
-        </p:nvSpPr>
-        <p:spPr>
-          <a:xfrm>
-            <a:off x="2304000" y="3956400"/>
-            <a:ext cx="9504000" cy="2232000"/>
-          </a:xfrm>
-          <a:prstGeom prst="rect">
-            <a:avLst/>
-          </a:prstGeom>
-        </p:spPr>
-        <p:txBody>
-          <a:bodyPr lIns="0" rIns="0" tIns="0" bIns="0">
+            <p:ph/>
+          </p:nvPr>
+        </p:nvSpPr>
+        <p:spPr>
+          <a:xfrm>
+            <a:off x="609480" y="3682080"/>
+            <a:ext cx="10972440" cy="1896840"/>
+          </a:xfrm>
+          <a:prstGeom prst="rect">
+            <a:avLst/>
+          </a:prstGeom>
+          <a:noFill/>
+          <a:ln w="0">
+            <a:noFill/>
+          </a:ln>
+        </p:spPr>
+        <p:txBody>
+          <a:bodyPr lIns="0" rIns="0" tIns="0" bIns="0" anchor="t">
             <a:normAutofit/>
           </a:bodyPr>
           <a:p>
@@ -1598,17 +2245,25 @@
         </p:nvSpPr>
         <p:spPr>
           <a:xfrm>
-            <a:off x="2762280" y="273600"/>
-            <a:ext cx="8397720" cy="1144800"/>
-          </a:xfrm>
-          <a:prstGeom prst="rect">
-            <a:avLst/>
-          </a:prstGeom>
-        </p:spPr>
-        <p:txBody>
-          <a:bodyPr lIns="0" rIns="0" tIns="0" bIns="0" anchor="ctr"/>
-          <a:p>
-            <a:pPr algn="ctr"/>
+            <a:off x="609480" y="273600"/>
+            <a:ext cx="10972440" cy="1144800"/>
+          </a:xfrm>
+          <a:prstGeom prst="rect">
+            <a:avLst/>
+          </a:prstGeom>
+          <a:noFill/>
+          <a:ln w="0">
+            <a:noFill/>
+          </a:ln>
+        </p:spPr>
+        <p:txBody>
+          <a:bodyPr lIns="0" rIns="0" tIns="0" bIns="0" anchor="ctr">
+            <a:noAutofit/>
+          </a:bodyPr>
+          <a:p>
+            <a:pPr algn="ctr">
+              <a:buNone/>
+            </a:pPr>
             <a:endParaRPr b="0" lang="es-AR" sz="4400" spc="-1" strike="noStrike">
               <a:latin typeface="Arial"/>
             </a:endParaRPr>
@@ -1622,20 +2277,24 @@
             <a:spLocks noGrp="1"/>
           </p:cNvSpPr>
           <p:nvPr>
-            <p:ph type="body"/>
-          </p:nvPr>
-        </p:nvSpPr>
-        <p:spPr>
-          <a:xfrm>
-            <a:off x="2304000" y="1512000"/>
-            <a:ext cx="9504000" cy="2232000"/>
-          </a:xfrm>
-          <a:prstGeom prst="rect">
-            <a:avLst/>
-          </a:prstGeom>
-        </p:spPr>
-        <p:txBody>
-          <a:bodyPr lIns="0" rIns="0" tIns="0" bIns="0">
+            <p:ph/>
+          </p:nvPr>
+        </p:nvSpPr>
+        <p:spPr>
+          <a:xfrm>
+            <a:off x="609480" y="1604520"/>
+            <a:ext cx="10972440" cy="1896840"/>
+          </a:xfrm>
+          <a:prstGeom prst="rect">
+            <a:avLst/>
+          </a:prstGeom>
+          <a:noFill/>
+          <a:ln w="0">
+            <a:noFill/>
+          </a:ln>
+        </p:spPr>
+        <p:txBody>
+          <a:bodyPr lIns="0" rIns="0" tIns="0" bIns="0" anchor="t">
             <a:normAutofit/>
           </a:bodyPr>
           <a:p>
@@ -1652,20 +2311,24 @@
             <a:spLocks noGrp="1"/>
           </p:cNvSpPr>
           <p:nvPr>
-            <p:ph type="body"/>
-          </p:nvPr>
-        </p:nvSpPr>
-        <p:spPr>
-          <a:xfrm>
-            <a:off x="2304000" y="3956400"/>
-            <a:ext cx="9504000" cy="2232000"/>
-          </a:xfrm>
-          <a:prstGeom prst="rect">
-            <a:avLst/>
-          </a:prstGeom>
-        </p:spPr>
-        <p:txBody>
-          <a:bodyPr lIns="0" rIns="0" tIns="0" bIns="0">
+            <p:ph/>
+          </p:nvPr>
+        </p:nvSpPr>
+        <p:spPr>
+          <a:xfrm>
+            <a:off x="609480" y="3682080"/>
+            <a:ext cx="10972440" cy="1896840"/>
+          </a:xfrm>
+          <a:prstGeom prst="rect">
+            <a:avLst/>
+          </a:prstGeom>
+          <a:noFill/>
+          <a:ln w="0">
+            <a:noFill/>
+          </a:ln>
+        </p:spPr>
+        <p:txBody>
+          <a:bodyPr lIns="0" rIns="0" tIns="0" bIns="0" anchor="t">
             <a:normAutofit/>
           </a:bodyPr>
           <a:p>
@@ -1709,17 +2372,25 @@
         </p:nvSpPr>
         <p:spPr>
           <a:xfrm>
-            <a:off x="2762280" y="273600"/>
-            <a:ext cx="8397720" cy="1144800"/>
-          </a:xfrm>
-          <a:prstGeom prst="rect">
-            <a:avLst/>
-          </a:prstGeom>
-        </p:spPr>
-        <p:txBody>
-          <a:bodyPr lIns="0" rIns="0" tIns="0" bIns="0" anchor="ctr"/>
-          <a:p>
-            <a:pPr algn="ctr"/>
+            <a:off x="609480" y="273600"/>
+            <a:ext cx="10972440" cy="1144800"/>
+          </a:xfrm>
+          <a:prstGeom prst="rect">
+            <a:avLst/>
+          </a:prstGeom>
+          <a:noFill/>
+          <a:ln w="0">
+            <a:noFill/>
+          </a:ln>
+        </p:spPr>
+        <p:txBody>
+          <a:bodyPr lIns="0" rIns="0" tIns="0" bIns="0" anchor="ctr">
+            <a:noAutofit/>
+          </a:bodyPr>
+          <a:p>
+            <a:pPr algn="ctr">
+              <a:buNone/>
+            </a:pPr>
             <a:endParaRPr b="0" lang="es-AR" sz="4400" spc="-1" strike="noStrike">
               <a:latin typeface="Arial"/>
             </a:endParaRPr>
@@ -1733,20 +2404,24 @@
             <a:spLocks noGrp="1"/>
           </p:cNvSpPr>
           <p:nvPr>
-            <p:ph type="body"/>
-          </p:nvPr>
-        </p:nvSpPr>
-        <p:spPr>
-          <a:xfrm>
-            <a:off x="2304000" y="1512000"/>
-            <a:ext cx="4637880" cy="2232000"/>
-          </a:xfrm>
-          <a:prstGeom prst="rect">
-            <a:avLst/>
-          </a:prstGeom>
-        </p:spPr>
-        <p:txBody>
-          <a:bodyPr lIns="0" rIns="0" tIns="0" bIns="0">
+            <p:ph/>
+          </p:nvPr>
+        </p:nvSpPr>
+        <p:spPr>
+          <a:xfrm>
+            <a:off x="609480" y="1604520"/>
+            <a:ext cx="5354280" cy="1896840"/>
+          </a:xfrm>
+          <a:prstGeom prst="rect">
+            <a:avLst/>
+          </a:prstGeom>
+          <a:noFill/>
+          <a:ln w="0">
+            <a:noFill/>
+          </a:ln>
+        </p:spPr>
+        <p:txBody>
+          <a:bodyPr lIns="0" rIns="0" tIns="0" bIns="0" anchor="t">
             <a:normAutofit/>
           </a:bodyPr>
           <a:p>
@@ -1763,20 +2438,24 @@
             <a:spLocks noGrp="1"/>
           </p:cNvSpPr>
           <p:nvPr>
-            <p:ph type="body"/>
-          </p:nvPr>
-        </p:nvSpPr>
-        <p:spPr>
-          <a:xfrm>
-            <a:off x="7174080" y="1512000"/>
-            <a:ext cx="4637880" cy="2232000"/>
-          </a:xfrm>
-          <a:prstGeom prst="rect">
-            <a:avLst/>
-          </a:prstGeom>
-        </p:spPr>
-        <p:txBody>
-          <a:bodyPr lIns="0" rIns="0" tIns="0" bIns="0">
+            <p:ph/>
+          </p:nvPr>
+        </p:nvSpPr>
+        <p:spPr>
+          <a:xfrm>
+            <a:off x="6231960" y="1604520"/>
+            <a:ext cx="5354280" cy="1896840"/>
+          </a:xfrm>
+          <a:prstGeom prst="rect">
+            <a:avLst/>
+          </a:prstGeom>
+          <a:noFill/>
+          <a:ln w="0">
+            <a:noFill/>
+          </a:ln>
+        </p:spPr>
+        <p:txBody>
+          <a:bodyPr lIns="0" rIns="0" tIns="0" bIns="0" anchor="t">
             <a:normAutofit/>
           </a:bodyPr>
           <a:p>
@@ -1793,20 +2472,24 @@
             <a:spLocks noGrp="1"/>
           </p:cNvSpPr>
           <p:nvPr>
-            <p:ph type="body"/>
-          </p:nvPr>
-        </p:nvSpPr>
-        <p:spPr>
-          <a:xfrm>
-            <a:off x="2304000" y="3956400"/>
-            <a:ext cx="4637880" cy="2232000"/>
-          </a:xfrm>
-          <a:prstGeom prst="rect">
-            <a:avLst/>
-          </a:prstGeom>
-        </p:spPr>
-        <p:txBody>
-          <a:bodyPr lIns="0" rIns="0" tIns="0" bIns="0">
+            <p:ph/>
+          </p:nvPr>
+        </p:nvSpPr>
+        <p:spPr>
+          <a:xfrm>
+            <a:off x="609480" y="3682080"/>
+            <a:ext cx="5354280" cy="1896840"/>
+          </a:xfrm>
+          <a:prstGeom prst="rect">
+            <a:avLst/>
+          </a:prstGeom>
+          <a:noFill/>
+          <a:ln w="0">
+            <a:noFill/>
+          </a:ln>
+        </p:spPr>
+        <p:txBody>
+          <a:bodyPr lIns="0" rIns="0" tIns="0" bIns="0" anchor="t">
             <a:normAutofit/>
           </a:bodyPr>
           <a:p>
@@ -1823,20 +2506,24 @@
             <a:spLocks noGrp="1"/>
           </p:cNvSpPr>
           <p:nvPr>
-            <p:ph type="body"/>
-          </p:nvPr>
-        </p:nvSpPr>
-        <p:spPr>
-          <a:xfrm>
-            <a:off x="7174080" y="3956400"/>
-            <a:ext cx="4637880" cy="2232000"/>
-          </a:xfrm>
-          <a:prstGeom prst="rect">
-            <a:avLst/>
-          </a:prstGeom>
-        </p:spPr>
-        <p:txBody>
-          <a:bodyPr lIns="0" rIns="0" tIns="0" bIns="0">
+            <p:ph/>
+          </p:nvPr>
+        </p:nvSpPr>
+        <p:spPr>
+          <a:xfrm>
+            <a:off x="6231960" y="3682080"/>
+            <a:ext cx="5354280" cy="1896840"/>
+          </a:xfrm>
+          <a:prstGeom prst="rect">
+            <a:avLst/>
+          </a:prstGeom>
+          <a:noFill/>
+          <a:ln w="0">
+            <a:noFill/>
+          </a:ln>
+        </p:spPr>
+        <p:txBody>
+          <a:bodyPr lIns="0" rIns="0" tIns="0" bIns="0" anchor="t">
             <a:normAutofit/>
           </a:bodyPr>
           <a:p>
@@ -1880,17 +2567,25 @@
         </p:nvSpPr>
         <p:spPr>
           <a:xfrm>
-            <a:off x="2762280" y="273600"/>
-            <a:ext cx="8397720" cy="1144800"/>
-          </a:xfrm>
-          <a:prstGeom prst="rect">
-            <a:avLst/>
-          </a:prstGeom>
-        </p:spPr>
-        <p:txBody>
-          <a:bodyPr lIns="0" rIns="0" tIns="0" bIns="0" anchor="ctr"/>
-          <a:p>
-            <a:pPr algn="ctr"/>
+            <a:off x="609480" y="273600"/>
+            <a:ext cx="10972440" cy="1144800"/>
+          </a:xfrm>
+          <a:prstGeom prst="rect">
+            <a:avLst/>
+          </a:prstGeom>
+          <a:noFill/>
+          <a:ln w="0">
+            <a:noFill/>
+          </a:ln>
+        </p:spPr>
+        <p:txBody>
+          <a:bodyPr lIns="0" rIns="0" tIns="0" bIns="0" anchor="ctr">
+            <a:noAutofit/>
+          </a:bodyPr>
+          <a:p>
+            <a:pPr algn="ctr">
+              <a:buNone/>
+            </a:pPr>
             <a:endParaRPr b="0" lang="es-AR" sz="4400" spc="-1" strike="noStrike">
               <a:latin typeface="Arial"/>
             </a:endParaRPr>
@@ -1904,20 +2599,24 @@
             <a:spLocks noGrp="1"/>
           </p:cNvSpPr>
           <p:nvPr>
-            <p:ph type="body"/>
-          </p:nvPr>
-        </p:nvSpPr>
-        <p:spPr>
-          <a:xfrm>
-            <a:off x="2304000" y="1512000"/>
-            <a:ext cx="3060000" cy="2232000"/>
-          </a:xfrm>
-          <a:prstGeom prst="rect">
-            <a:avLst/>
-          </a:prstGeom>
-        </p:spPr>
-        <p:txBody>
-          <a:bodyPr lIns="0" rIns="0" tIns="0" bIns="0">
+            <p:ph/>
+          </p:nvPr>
+        </p:nvSpPr>
+        <p:spPr>
+          <a:xfrm>
+            <a:off x="609480" y="1604520"/>
+            <a:ext cx="3533040" cy="1896840"/>
+          </a:xfrm>
+          <a:prstGeom prst="rect">
+            <a:avLst/>
+          </a:prstGeom>
+          <a:noFill/>
+          <a:ln w="0">
+            <a:noFill/>
+          </a:ln>
+        </p:spPr>
+        <p:txBody>
+          <a:bodyPr lIns="0" rIns="0" tIns="0" bIns="0" anchor="t">
             <a:normAutofit/>
           </a:bodyPr>
           <a:p>
@@ -1934,20 +2633,24 @@
             <a:spLocks noGrp="1"/>
           </p:cNvSpPr>
           <p:nvPr>
-            <p:ph type="body"/>
-          </p:nvPr>
-        </p:nvSpPr>
-        <p:spPr>
-          <a:xfrm>
-            <a:off x="5517360" y="1512000"/>
-            <a:ext cx="3060000" cy="2232000"/>
-          </a:xfrm>
-          <a:prstGeom prst="rect">
-            <a:avLst/>
-          </a:prstGeom>
-        </p:spPr>
-        <p:txBody>
-          <a:bodyPr lIns="0" rIns="0" tIns="0" bIns="0">
+            <p:ph/>
+          </p:nvPr>
+        </p:nvSpPr>
+        <p:spPr>
+          <a:xfrm>
+            <a:off x="4319640" y="1604520"/>
+            <a:ext cx="3533040" cy="1896840"/>
+          </a:xfrm>
+          <a:prstGeom prst="rect">
+            <a:avLst/>
+          </a:prstGeom>
+          <a:noFill/>
+          <a:ln w="0">
+            <a:noFill/>
+          </a:ln>
+        </p:spPr>
+        <p:txBody>
+          <a:bodyPr lIns="0" rIns="0" tIns="0" bIns="0" anchor="t">
             <a:normAutofit/>
           </a:bodyPr>
           <a:p>
@@ -1964,20 +2667,24 @@
             <a:spLocks noGrp="1"/>
           </p:cNvSpPr>
           <p:nvPr>
-            <p:ph type="body"/>
-          </p:nvPr>
-        </p:nvSpPr>
-        <p:spPr>
-          <a:xfrm>
-            <a:off x="8730720" y="1512000"/>
-            <a:ext cx="3060000" cy="2232000"/>
-          </a:xfrm>
-          <a:prstGeom prst="rect">
-            <a:avLst/>
-          </a:prstGeom>
-        </p:spPr>
-        <p:txBody>
-          <a:bodyPr lIns="0" rIns="0" tIns="0" bIns="0">
+            <p:ph/>
+          </p:nvPr>
+        </p:nvSpPr>
+        <p:spPr>
+          <a:xfrm>
+            <a:off x="8029800" y="1604520"/>
+            <a:ext cx="3533040" cy="1896840"/>
+          </a:xfrm>
+          <a:prstGeom prst="rect">
+            <a:avLst/>
+          </a:prstGeom>
+          <a:noFill/>
+          <a:ln w="0">
+            <a:noFill/>
+          </a:ln>
+        </p:spPr>
+        <p:txBody>
+          <a:bodyPr lIns="0" rIns="0" tIns="0" bIns="0" anchor="t">
             <a:normAutofit/>
           </a:bodyPr>
           <a:p>
@@ -1994,20 +2701,24 @@
             <a:spLocks noGrp="1"/>
           </p:cNvSpPr>
           <p:nvPr>
-            <p:ph type="body"/>
-          </p:nvPr>
-        </p:nvSpPr>
-        <p:spPr>
-          <a:xfrm>
-            <a:off x="2304000" y="3956400"/>
-            <a:ext cx="3060000" cy="2232000"/>
-          </a:xfrm>
-          <a:prstGeom prst="rect">
-            <a:avLst/>
-          </a:prstGeom>
-        </p:spPr>
-        <p:txBody>
-          <a:bodyPr lIns="0" rIns="0" tIns="0" bIns="0">
+            <p:ph/>
+          </p:nvPr>
+        </p:nvSpPr>
+        <p:spPr>
+          <a:xfrm>
+            <a:off x="609480" y="3682080"/>
+            <a:ext cx="3533040" cy="1896840"/>
+          </a:xfrm>
+          <a:prstGeom prst="rect">
+            <a:avLst/>
+          </a:prstGeom>
+          <a:noFill/>
+          <a:ln w="0">
+            <a:noFill/>
+          </a:ln>
+        </p:spPr>
+        <p:txBody>
+          <a:bodyPr lIns="0" rIns="0" tIns="0" bIns="0" anchor="t">
             <a:normAutofit/>
           </a:bodyPr>
           <a:p>
@@ -2024,20 +2735,24 @@
             <a:spLocks noGrp="1"/>
           </p:cNvSpPr>
           <p:nvPr>
-            <p:ph type="body"/>
-          </p:nvPr>
-        </p:nvSpPr>
-        <p:spPr>
-          <a:xfrm>
-            <a:off x="5517360" y="3956400"/>
-            <a:ext cx="3060000" cy="2232000"/>
-          </a:xfrm>
-          <a:prstGeom prst="rect">
-            <a:avLst/>
-          </a:prstGeom>
-        </p:spPr>
-        <p:txBody>
-          <a:bodyPr lIns="0" rIns="0" tIns="0" bIns="0">
+            <p:ph/>
+          </p:nvPr>
+        </p:nvSpPr>
+        <p:spPr>
+          <a:xfrm>
+            <a:off x="4319640" y="3682080"/>
+            <a:ext cx="3533040" cy="1896840"/>
+          </a:xfrm>
+          <a:prstGeom prst="rect">
+            <a:avLst/>
+          </a:prstGeom>
+          <a:noFill/>
+          <a:ln w="0">
+            <a:noFill/>
+          </a:ln>
+        </p:spPr>
+        <p:txBody>
+          <a:bodyPr lIns="0" rIns="0" tIns="0" bIns="0" anchor="t">
             <a:normAutofit/>
           </a:bodyPr>
           <a:p>
@@ -2054,20 +2769,24 @@
             <a:spLocks noGrp="1"/>
           </p:cNvSpPr>
           <p:nvPr>
-            <p:ph type="body"/>
-          </p:nvPr>
-        </p:nvSpPr>
-        <p:spPr>
-          <a:xfrm>
-            <a:off x="8730720" y="3956400"/>
-            <a:ext cx="3060000" cy="2232000"/>
-          </a:xfrm>
-          <a:prstGeom prst="rect">
-            <a:avLst/>
-          </a:prstGeom>
-        </p:spPr>
-        <p:txBody>
-          <a:bodyPr lIns="0" rIns="0" tIns="0" bIns="0">
+            <p:ph/>
+          </p:nvPr>
+        </p:nvSpPr>
+        <p:spPr>
+          <a:xfrm>
+            <a:off x="8029800" y="3682080"/>
+            <a:ext cx="3533040" cy="1896840"/>
+          </a:xfrm>
+          <a:prstGeom prst="rect">
+            <a:avLst/>
+          </a:prstGeom>
+          <a:noFill/>
+          <a:ln w="0">
+            <a:noFill/>
+          </a:ln>
+        </p:spPr>
+        <p:txBody>
+          <a:bodyPr lIns="0" rIns="0" tIns="0" bIns="0" anchor="t">
             <a:normAutofit/>
           </a:bodyPr>
           <a:p>
@@ -2133,17 +2852,25 @@
         </p:nvSpPr>
         <p:spPr>
           <a:xfrm>
-            <a:off x="2762280" y="273600"/>
-            <a:ext cx="8397720" cy="1144800"/>
-          </a:xfrm>
-          <a:prstGeom prst="rect">
-            <a:avLst/>
-          </a:prstGeom>
-        </p:spPr>
-        <p:txBody>
-          <a:bodyPr lIns="0" rIns="0" tIns="0" bIns="0" anchor="ctr"/>
-          <a:p>
-            <a:pPr algn="ctr"/>
+            <a:off x="609480" y="273600"/>
+            <a:ext cx="10972440" cy="1144800"/>
+          </a:xfrm>
+          <a:prstGeom prst="rect">
+            <a:avLst/>
+          </a:prstGeom>
+          <a:noFill/>
+          <a:ln w="0">
+            <a:noFill/>
+          </a:ln>
+        </p:spPr>
+        <p:txBody>
+          <a:bodyPr lIns="0" rIns="0" tIns="0" bIns="0" anchor="ctr">
+            <a:noAutofit/>
+          </a:bodyPr>
+          <a:p>
+            <a:pPr algn="ctr">
+              <a:buNone/>
+            </a:pPr>
             <a:endParaRPr b="0" lang="es-AR" sz="4400" spc="-1" strike="noStrike">
               <a:latin typeface="Arial"/>
             </a:endParaRPr>
@@ -2162,17 +2889,25 @@
         </p:nvSpPr>
         <p:spPr>
           <a:xfrm>
-            <a:off x="2304000" y="1512000"/>
-            <a:ext cx="9504000" cy="4680000"/>
-          </a:xfrm>
-          <a:prstGeom prst="rect">
-            <a:avLst/>
-          </a:prstGeom>
-        </p:spPr>
-        <p:txBody>
-          <a:bodyPr lIns="0" rIns="0" tIns="0" bIns="0" anchor="ctr"/>
-          <a:p>
-            <a:pPr algn="ctr"/>
+            <a:off x="609480" y="1604520"/>
+            <a:ext cx="10972440" cy="3977280"/>
+          </a:xfrm>
+          <a:prstGeom prst="rect">
+            <a:avLst/>
+          </a:prstGeom>
+          <a:noFill/>
+          <a:ln w="0">
+            <a:noFill/>
+          </a:ln>
+        </p:spPr>
+        <p:txBody>
+          <a:bodyPr lIns="0" rIns="0" tIns="0" bIns="0" anchor="ctr">
+            <a:noAutofit/>
+          </a:bodyPr>
+          <a:p>
+            <a:pPr algn="ctr">
+              <a:buNone/>
+            </a:pPr>
             <a:endParaRPr b="0" lang="es-AR" sz="3200" spc="-1" strike="noStrike">
               <a:latin typeface="Arial"/>
             </a:endParaRPr>
@@ -2213,17 +2948,25 @@
         </p:nvSpPr>
         <p:spPr>
           <a:xfrm>
-            <a:off x="2762280" y="273600"/>
-            <a:ext cx="8397720" cy="1144800"/>
-          </a:xfrm>
-          <a:prstGeom prst="rect">
-            <a:avLst/>
-          </a:prstGeom>
-        </p:spPr>
-        <p:txBody>
-          <a:bodyPr lIns="0" rIns="0" tIns="0" bIns="0" anchor="ctr"/>
-          <a:p>
-            <a:pPr algn="ctr"/>
+            <a:off x="609480" y="273600"/>
+            <a:ext cx="10972440" cy="1144800"/>
+          </a:xfrm>
+          <a:prstGeom prst="rect">
+            <a:avLst/>
+          </a:prstGeom>
+          <a:noFill/>
+          <a:ln w="0">
+            <a:noFill/>
+          </a:ln>
+        </p:spPr>
+        <p:txBody>
+          <a:bodyPr lIns="0" rIns="0" tIns="0" bIns="0" anchor="ctr">
+            <a:noAutofit/>
+          </a:bodyPr>
+          <a:p>
+            <a:pPr algn="ctr">
+              <a:buNone/>
+            </a:pPr>
             <a:endParaRPr b="0" lang="es-AR" sz="4400" spc="-1" strike="noStrike">
               <a:latin typeface="Arial"/>
             </a:endParaRPr>
@@ -2237,20 +2980,24 @@
             <a:spLocks noGrp="1"/>
           </p:cNvSpPr>
           <p:nvPr>
-            <p:ph type="body"/>
-          </p:nvPr>
-        </p:nvSpPr>
-        <p:spPr>
-          <a:xfrm>
-            <a:off x="2304000" y="1512000"/>
-            <a:ext cx="9504000" cy="4680000"/>
-          </a:xfrm>
-          <a:prstGeom prst="rect">
-            <a:avLst/>
-          </a:prstGeom>
-        </p:spPr>
-        <p:txBody>
-          <a:bodyPr lIns="0" rIns="0" tIns="0" bIns="0">
+            <p:ph/>
+          </p:nvPr>
+        </p:nvSpPr>
+        <p:spPr>
+          <a:xfrm>
+            <a:off x="609480" y="1604520"/>
+            <a:ext cx="10972440" cy="3977280"/>
+          </a:xfrm>
+          <a:prstGeom prst="rect">
+            <a:avLst/>
+          </a:prstGeom>
+          <a:noFill/>
+          <a:ln w="0">
+            <a:noFill/>
+          </a:ln>
+        </p:spPr>
+        <p:txBody>
+          <a:bodyPr lIns="0" rIns="0" tIns="0" bIns="0" anchor="t">
             <a:normAutofit/>
           </a:bodyPr>
           <a:p>
@@ -2294,17 +3041,25 @@
         </p:nvSpPr>
         <p:spPr>
           <a:xfrm>
-            <a:off x="2762280" y="273600"/>
-            <a:ext cx="8397720" cy="1144800"/>
-          </a:xfrm>
-          <a:prstGeom prst="rect">
-            <a:avLst/>
-          </a:prstGeom>
-        </p:spPr>
-        <p:txBody>
-          <a:bodyPr lIns="0" rIns="0" tIns="0" bIns="0" anchor="ctr"/>
-          <a:p>
-            <a:pPr algn="ctr"/>
+            <a:off x="609480" y="273600"/>
+            <a:ext cx="10972440" cy="1144800"/>
+          </a:xfrm>
+          <a:prstGeom prst="rect">
+            <a:avLst/>
+          </a:prstGeom>
+          <a:noFill/>
+          <a:ln w="0">
+            <a:noFill/>
+          </a:ln>
+        </p:spPr>
+        <p:txBody>
+          <a:bodyPr lIns="0" rIns="0" tIns="0" bIns="0" anchor="ctr">
+            <a:noAutofit/>
+          </a:bodyPr>
+          <a:p>
+            <a:pPr algn="ctr">
+              <a:buNone/>
+            </a:pPr>
             <a:endParaRPr b="0" lang="es-AR" sz="4400" spc="-1" strike="noStrike">
               <a:latin typeface="Arial"/>
             </a:endParaRPr>
@@ -2318,20 +3073,24 @@
             <a:spLocks noGrp="1"/>
           </p:cNvSpPr>
           <p:nvPr>
-            <p:ph type="body"/>
-          </p:nvPr>
-        </p:nvSpPr>
-        <p:spPr>
-          <a:xfrm>
-            <a:off x="2304000" y="1512000"/>
-            <a:ext cx="4637880" cy="4680000"/>
-          </a:xfrm>
-          <a:prstGeom prst="rect">
-            <a:avLst/>
-          </a:prstGeom>
-        </p:spPr>
-        <p:txBody>
-          <a:bodyPr lIns="0" rIns="0" tIns="0" bIns="0">
+            <p:ph/>
+          </p:nvPr>
+        </p:nvSpPr>
+        <p:spPr>
+          <a:xfrm>
+            <a:off x="609480" y="1604520"/>
+            <a:ext cx="5354280" cy="3977280"/>
+          </a:xfrm>
+          <a:prstGeom prst="rect">
+            <a:avLst/>
+          </a:prstGeom>
+          <a:noFill/>
+          <a:ln w="0">
+            <a:noFill/>
+          </a:ln>
+        </p:spPr>
+        <p:txBody>
+          <a:bodyPr lIns="0" rIns="0" tIns="0" bIns="0" anchor="t">
             <a:normAutofit/>
           </a:bodyPr>
           <a:p>
@@ -2348,20 +3107,24 @@
             <a:spLocks noGrp="1"/>
           </p:cNvSpPr>
           <p:nvPr>
-            <p:ph type="body"/>
-          </p:nvPr>
-        </p:nvSpPr>
-        <p:spPr>
-          <a:xfrm>
-            <a:off x="7174080" y="1512000"/>
-            <a:ext cx="4637880" cy="4680000"/>
-          </a:xfrm>
-          <a:prstGeom prst="rect">
-            <a:avLst/>
-          </a:prstGeom>
-        </p:spPr>
-        <p:txBody>
-          <a:bodyPr lIns="0" rIns="0" tIns="0" bIns="0">
+            <p:ph/>
+          </p:nvPr>
+        </p:nvSpPr>
+        <p:spPr>
+          <a:xfrm>
+            <a:off x="6231960" y="1604520"/>
+            <a:ext cx="5354280" cy="3977280"/>
+          </a:xfrm>
+          <a:prstGeom prst="rect">
+            <a:avLst/>
+          </a:prstGeom>
+          <a:noFill/>
+          <a:ln w="0">
+            <a:noFill/>
+          </a:ln>
+        </p:spPr>
+        <p:txBody>
+          <a:bodyPr lIns="0" rIns="0" tIns="0" bIns="0" anchor="t">
             <a:normAutofit/>
           </a:bodyPr>
           <a:p>
@@ -2405,17 +3168,25 @@
         </p:nvSpPr>
         <p:spPr>
           <a:xfrm>
-            <a:off x="2762280" y="273600"/>
-            <a:ext cx="8397720" cy="1144800"/>
-          </a:xfrm>
-          <a:prstGeom prst="rect">
-            <a:avLst/>
-          </a:prstGeom>
-        </p:spPr>
-        <p:txBody>
-          <a:bodyPr lIns="0" rIns="0" tIns="0" bIns="0" anchor="ctr"/>
-          <a:p>
-            <a:pPr algn="ctr"/>
+            <a:off x="609480" y="273600"/>
+            <a:ext cx="10972440" cy="1144800"/>
+          </a:xfrm>
+          <a:prstGeom prst="rect">
+            <a:avLst/>
+          </a:prstGeom>
+          <a:noFill/>
+          <a:ln w="0">
+            <a:noFill/>
+          </a:ln>
+        </p:spPr>
+        <p:txBody>
+          <a:bodyPr lIns="0" rIns="0" tIns="0" bIns="0" anchor="ctr">
+            <a:noAutofit/>
+          </a:bodyPr>
+          <a:p>
+            <a:pPr algn="ctr">
+              <a:buNone/>
+            </a:pPr>
             <a:endParaRPr b="0" lang="es-AR" sz="4400" spc="-1" strike="noStrike">
               <a:latin typeface="Arial"/>
             </a:endParaRPr>
@@ -2701,17 +3472,25 @@
         </p:nvSpPr>
         <p:spPr>
           <a:xfrm>
-            <a:off x="2762280" y="273600"/>
-            <a:ext cx="8397720" cy="5307840"/>
-          </a:xfrm>
-          <a:prstGeom prst="rect">
-            <a:avLst/>
-          </a:prstGeom>
-        </p:spPr>
-        <p:txBody>
-          <a:bodyPr lIns="0" rIns="0" tIns="0" bIns="0" anchor="ctr"/>
-          <a:p>
-            <a:pPr algn="ctr"/>
+            <a:off x="609480" y="273600"/>
+            <a:ext cx="10972440" cy="5307840"/>
+          </a:xfrm>
+          <a:prstGeom prst="rect">
+            <a:avLst/>
+          </a:prstGeom>
+          <a:noFill/>
+          <a:ln w="0">
+            <a:noFill/>
+          </a:ln>
+        </p:spPr>
+        <p:txBody>
+          <a:bodyPr lIns="0" rIns="0" tIns="0" bIns="0" anchor="ctr">
+            <a:noAutofit/>
+          </a:bodyPr>
+          <a:p>
+            <a:pPr algn="ctr">
+              <a:buNone/>
+            </a:pPr>
             <a:endParaRPr b="0" lang="es-AR" sz="3200" spc="-1" strike="noStrike">
               <a:latin typeface="Arial"/>
             </a:endParaRPr>
@@ -2752,17 +3531,25 @@
         </p:nvSpPr>
         <p:spPr>
           <a:xfrm>
-            <a:off x="2762280" y="273600"/>
-            <a:ext cx="8397720" cy="1144800"/>
-          </a:xfrm>
-          <a:prstGeom prst="rect">
-            <a:avLst/>
-          </a:prstGeom>
-        </p:spPr>
-        <p:txBody>
-          <a:bodyPr lIns="0" rIns="0" tIns="0" bIns="0" anchor="ctr"/>
-          <a:p>
-            <a:pPr algn="ctr"/>
+            <a:off x="609480" y="273600"/>
+            <a:ext cx="10972440" cy="1144800"/>
+          </a:xfrm>
+          <a:prstGeom prst="rect">
+            <a:avLst/>
+          </a:prstGeom>
+          <a:noFill/>
+          <a:ln w="0">
+            <a:noFill/>
+          </a:ln>
+        </p:spPr>
+        <p:txBody>
+          <a:bodyPr lIns="0" rIns="0" tIns="0" bIns="0" anchor="ctr">
+            <a:noAutofit/>
+          </a:bodyPr>
+          <a:p>
+            <a:pPr algn="ctr">
+              <a:buNone/>
+            </a:pPr>
             <a:endParaRPr b="0" lang="es-AR" sz="4400" spc="-1" strike="noStrike">
               <a:latin typeface="Arial"/>
             </a:endParaRPr>
@@ -2776,20 +3563,24 @@
             <a:spLocks noGrp="1"/>
           </p:cNvSpPr>
           <p:nvPr>
-            <p:ph type="body"/>
-          </p:nvPr>
-        </p:nvSpPr>
-        <p:spPr>
-          <a:xfrm>
-            <a:off x="2304000" y="1512000"/>
-            <a:ext cx="4637880" cy="2232000"/>
-          </a:xfrm>
-          <a:prstGeom prst="rect">
-            <a:avLst/>
-          </a:prstGeom>
-        </p:spPr>
-        <p:txBody>
-          <a:bodyPr lIns="0" rIns="0" tIns="0" bIns="0">
+            <p:ph/>
+          </p:nvPr>
+        </p:nvSpPr>
+        <p:spPr>
+          <a:xfrm>
+            <a:off x="609480" y="1604520"/>
+            <a:ext cx="5354280" cy="1896840"/>
+          </a:xfrm>
+          <a:prstGeom prst="rect">
+            <a:avLst/>
+          </a:prstGeom>
+          <a:noFill/>
+          <a:ln w="0">
+            <a:noFill/>
+          </a:ln>
+        </p:spPr>
+        <p:txBody>
+          <a:bodyPr lIns="0" rIns="0" tIns="0" bIns="0" anchor="t">
             <a:normAutofit/>
           </a:bodyPr>
           <a:p>
@@ -2806,20 +3597,24 @@
             <a:spLocks noGrp="1"/>
           </p:cNvSpPr>
           <p:nvPr>
-            <p:ph type="body"/>
-          </p:nvPr>
-        </p:nvSpPr>
-        <p:spPr>
-          <a:xfrm>
-            <a:off x="7174080" y="1512000"/>
-            <a:ext cx="4637880" cy="4680000"/>
-          </a:xfrm>
-          <a:prstGeom prst="rect">
-            <a:avLst/>
-          </a:prstGeom>
-        </p:spPr>
-        <p:txBody>
-          <a:bodyPr lIns="0" rIns="0" tIns="0" bIns="0">
+            <p:ph/>
+          </p:nvPr>
+        </p:nvSpPr>
+        <p:spPr>
+          <a:xfrm>
+            <a:off x="6231960" y="1604520"/>
+            <a:ext cx="5354280" cy="3977280"/>
+          </a:xfrm>
+          <a:prstGeom prst="rect">
+            <a:avLst/>
+          </a:prstGeom>
+          <a:noFill/>
+          <a:ln w="0">
+            <a:noFill/>
+          </a:ln>
+        </p:spPr>
+        <p:txBody>
+          <a:bodyPr lIns="0" rIns="0" tIns="0" bIns="0" anchor="t">
             <a:normAutofit/>
           </a:bodyPr>
           <a:p>
@@ -2836,20 +3631,24 @@
             <a:spLocks noGrp="1"/>
           </p:cNvSpPr>
           <p:nvPr>
-            <p:ph type="body"/>
-          </p:nvPr>
-        </p:nvSpPr>
-        <p:spPr>
-          <a:xfrm>
-            <a:off x="2304000" y="3956400"/>
-            <a:ext cx="4637880" cy="2232000"/>
-          </a:xfrm>
-          <a:prstGeom prst="rect">
-            <a:avLst/>
-          </a:prstGeom>
-        </p:spPr>
-        <p:txBody>
-          <a:bodyPr lIns="0" rIns="0" tIns="0" bIns="0">
+            <p:ph/>
+          </p:nvPr>
+        </p:nvSpPr>
+        <p:spPr>
+          <a:xfrm>
+            <a:off x="609480" y="3682080"/>
+            <a:ext cx="5354280" cy="1896840"/>
+          </a:xfrm>
+          <a:prstGeom prst="rect">
+            <a:avLst/>
+          </a:prstGeom>
+          <a:noFill/>
+          <a:ln w="0">
+            <a:noFill/>
+          </a:ln>
+        </p:spPr>
+        <p:txBody>
+          <a:bodyPr lIns="0" rIns="0" tIns="0" bIns="0" anchor="t">
             <a:normAutofit/>
           </a:bodyPr>
           <a:p>
@@ -2893,17 +3692,25 @@
         </p:nvSpPr>
         <p:spPr>
           <a:xfrm>
-            <a:off x="2762280" y="273600"/>
-            <a:ext cx="8397720" cy="1144800"/>
-          </a:xfrm>
-          <a:prstGeom prst="rect">
-            <a:avLst/>
-          </a:prstGeom>
-        </p:spPr>
-        <p:txBody>
-          <a:bodyPr lIns="0" rIns="0" tIns="0" bIns="0" anchor="ctr"/>
-          <a:p>
-            <a:pPr algn="ctr"/>
+            <a:off x="609480" y="273600"/>
+            <a:ext cx="10972440" cy="1144800"/>
+          </a:xfrm>
+          <a:prstGeom prst="rect">
+            <a:avLst/>
+          </a:prstGeom>
+          <a:noFill/>
+          <a:ln w="0">
+            <a:noFill/>
+          </a:ln>
+        </p:spPr>
+        <p:txBody>
+          <a:bodyPr lIns="0" rIns="0" tIns="0" bIns="0" anchor="ctr">
+            <a:noAutofit/>
+          </a:bodyPr>
+          <a:p>
+            <a:pPr algn="ctr">
+              <a:buNone/>
+            </a:pPr>
             <a:endParaRPr b="0" lang="es-AR" sz="4400" spc="-1" strike="noStrike">
               <a:latin typeface="Arial"/>
             </a:endParaRPr>
@@ -2917,20 +3724,24 @@
             <a:spLocks noGrp="1"/>
           </p:cNvSpPr>
           <p:nvPr>
-            <p:ph type="body"/>
-          </p:nvPr>
-        </p:nvSpPr>
-        <p:spPr>
-          <a:xfrm>
-            <a:off x="2304000" y="1512000"/>
-            <a:ext cx="4637880" cy="4680000"/>
-          </a:xfrm>
-          <a:prstGeom prst="rect">
-            <a:avLst/>
-          </a:prstGeom>
-        </p:spPr>
-        <p:txBody>
-          <a:bodyPr lIns="0" rIns="0" tIns="0" bIns="0">
+            <p:ph/>
+          </p:nvPr>
+        </p:nvSpPr>
+        <p:spPr>
+          <a:xfrm>
+            <a:off x="609480" y="1604520"/>
+            <a:ext cx="5354280" cy="3977280"/>
+          </a:xfrm>
+          <a:prstGeom prst="rect">
+            <a:avLst/>
+          </a:prstGeom>
+          <a:noFill/>
+          <a:ln w="0">
+            <a:noFill/>
+          </a:ln>
+        </p:spPr>
+        <p:txBody>
+          <a:bodyPr lIns="0" rIns="0" tIns="0" bIns="0" anchor="t">
             <a:normAutofit/>
           </a:bodyPr>
           <a:p>
@@ -2947,20 +3758,24 @@
             <a:spLocks noGrp="1"/>
           </p:cNvSpPr>
           <p:nvPr>
-            <p:ph type="body"/>
-          </p:nvPr>
-        </p:nvSpPr>
-        <p:spPr>
-          <a:xfrm>
-            <a:off x="7174080" y="1512000"/>
-            <a:ext cx="4637880" cy="2232000"/>
-          </a:xfrm>
-          <a:prstGeom prst="rect">
-            <a:avLst/>
-          </a:prstGeom>
-        </p:spPr>
-        <p:txBody>
-          <a:bodyPr lIns="0" rIns="0" tIns="0" bIns="0">
+            <p:ph/>
+          </p:nvPr>
+        </p:nvSpPr>
+        <p:spPr>
+          <a:xfrm>
+            <a:off x="6231960" y="1604520"/>
+            <a:ext cx="5354280" cy="1896840"/>
+          </a:xfrm>
+          <a:prstGeom prst="rect">
+            <a:avLst/>
+          </a:prstGeom>
+          <a:noFill/>
+          <a:ln w="0">
+            <a:noFill/>
+          </a:ln>
+        </p:spPr>
+        <p:txBody>
+          <a:bodyPr lIns="0" rIns="0" tIns="0" bIns="0" anchor="t">
             <a:normAutofit/>
           </a:bodyPr>
           <a:p>
@@ -2977,20 +3792,24 @@
             <a:spLocks noGrp="1"/>
           </p:cNvSpPr>
           <p:nvPr>
-            <p:ph type="body"/>
-          </p:nvPr>
-        </p:nvSpPr>
-        <p:spPr>
-          <a:xfrm>
-            <a:off x="7174080" y="3956400"/>
-            <a:ext cx="4637880" cy="2232000"/>
-          </a:xfrm>
-          <a:prstGeom prst="rect">
-            <a:avLst/>
-          </a:prstGeom>
-        </p:spPr>
-        <p:txBody>
-          <a:bodyPr lIns="0" rIns="0" tIns="0" bIns="0">
+            <p:ph/>
+          </p:nvPr>
+        </p:nvSpPr>
+        <p:spPr>
+          <a:xfrm>
+            <a:off x="6231960" y="3682080"/>
+            <a:ext cx="5354280" cy="1896840"/>
+          </a:xfrm>
+          <a:prstGeom prst="rect">
+            <a:avLst/>
+          </a:prstGeom>
+          <a:noFill/>
+          <a:ln w="0">
+            <a:noFill/>
+          </a:ln>
+        </p:spPr>
+        <p:txBody>
+          <a:bodyPr lIns="0" rIns="0" tIns="0" bIns="0" anchor="t">
             <a:normAutofit/>
           </a:bodyPr>
           <a:p>
@@ -3034,17 +3853,25 @@
         </p:nvSpPr>
         <p:spPr>
           <a:xfrm>
-            <a:off x="2762280" y="273600"/>
-            <a:ext cx="8397720" cy="1144800"/>
-          </a:xfrm>
-          <a:prstGeom prst="rect">
-            <a:avLst/>
-          </a:prstGeom>
-        </p:spPr>
-        <p:txBody>
-          <a:bodyPr lIns="0" rIns="0" tIns="0" bIns="0" anchor="ctr"/>
-          <a:p>
-            <a:pPr algn="ctr"/>
+            <a:off x="609480" y="273600"/>
+            <a:ext cx="10972440" cy="1144800"/>
+          </a:xfrm>
+          <a:prstGeom prst="rect">
+            <a:avLst/>
+          </a:prstGeom>
+          <a:noFill/>
+          <a:ln w="0">
+            <a:noFill/>
+          </a:ln>
+        </p:spPr>
+        <p:txBody>
+          <a:bodyPr lIns="0" rIns="0" tIns="0" bIns="0" anchor="ctr">
+            <a:noAutofit/>
+          </a:bodyPr>
+          <a:p>
+            <a:pPr algn="ctr">
+              <a:buNone/>
+            </a:pPr>
             <a:endParaRPr b="0" lang="es-AR" sz="4400" spc="-1" strike="noStrike">
               <a:latin typeface="Arial"/>
             </a:endParaRPr>
@@ -3058,20 +3885,24 @@
             <a:spLocks noGrp="1"/>
           </p:cNvSpPr>
           <p:nvPr>
-            <p:ph type="body"/>
-          </p:nvPr>
-        </p:nvSpPr>
-        <p:spPr>
-          <a:xfrm>
-            <a:off x="2304000" y="1512000"/>
-            <a:ext cx="4637880" cy="2232000"/>
-          </a:xfrm>
-          <a:prstGeom prst="rect">
-            <a:avLst/>
-          </a:prstGeom>
-        </p:spPr>
-        <p:txBody>
-          <a:bodyPr lIns="0" rIns="0" tIns="0" bIns="0">
+            <p:ph/>
+          </p:nvPr>
+        </p:nvSpPr>
+        <p:spPr>
+          <a:xfrm>
+            <a:off x="609480" y="1604520"/>
+            <a:ext cx="5354280" cy="1896840"/>
+          </a:xfrm>
+          <a:prstGeom prst="rect">
+            <a:avLst/>
+          </a:prstGeom>
+          <a:noFill/>
+          <a:ln w="0">
+            <a:noFill/>
+          </a:ln>
+        </p:spPr>
+        <p:txBody>
+          <a:bodyPr lIns="0" rIns="0" tIns="0" bIns="0" anchor="t">
             <a:normAutofit/>
           </a:bodyPr>
           <a:p>
@@ -3088,20 +3919,24 @@
             <a:spLocks noGrp="1"/>
           </p:cNvSpPr>
           <p:nvPr>
-            <p:ph type="body"/>
-          </p:nvPr>
-        </p:nvSpPr>
-        <p:spPr>
-          <a:xfrm>
-            <a:off x="7174080" y="1512000"/>
-            <a:ext cx="4637880" cy="2232000"/>
-          </a:xfrm>
-          <a:prstGeom prst="rect">
-            <a:avLst/>
-          </a:prstGeom>
-        </p:spPr>
-        <p:txBody>
-          <a:bodyPr lIns="0" rIns="0" tIns="0" bIns="0">
+            <p:ph/>
+          </p:nvPr>
+        </p:nvSpPr>
+        <p:spPr>
+          <a:xfrm>
+            <a:off x="6231960" y="1604520"/>
+            <a:ext cx="5354280" cy="1896840"/>
+          </a:xfrm>
+          <a:prstGeom prst="rect">
+            <a:avLst/>
+          </a:prstGeom>
+          <a:noFill/>
+          <a:ln w="0">
+            <a:noFill/>
+          </a:ln>
+        </p:spPr>
+        <p:txBody>
+          <a:bodyPr lIns="0" rIns="0" tIns="0" bIns="0" anchor="t">
             <a:normAutofit/>
           </a:bodyPr>
           <a:p>
@@ -3118,20 +3953,24 @@
             <a:spLocks noGrp="1"/>
           </p:cNvSpPr>
           <p:nvPr>
-            <p:ph type="body"/>
-          </p:nvPr>
-        </p:nvSpPr>
-        <p:spPr>
-          <a:xfrm>
-            <a:off x="2304000" y="3956400"/>
-            <a:ext cx="9504000" cy="2232000"/>
-          </a:xfrm>
-          <a:prstGeom prst="rect">
-            <a:avLst/>
-          </a:prstGeom>
-        </p:spPr>
-        <p:txBody>
-          <a:bodyPr lIns="0" rIns="0" tIns="0" bIns="0">
+            <p:ph/>
+          </p:nvPr>
+        </p:nvSpPr>
+        <p:spPr>
+          <a:xfrm>
+            <a:off x="609480" y="3682080"/>
+            <a:ext cx="10972440" cy="1896840"/>
+          </a:xfrm>
+          <a:prstGeom prst="rect">
+            <a:avLst/>
+          </a:prstGeom>
+          <a:noFill/>
+          <a:ln w="0">
+            <a:noFill/>
+          </a:ln>
+        </p:spPr>
+        <p:txBody>
+          <a:bodyPr lIns="0" rIns="0" tIns="0" bIns="0" anchor="t">
             <a:normAutofit/>
           </a:bodyPr>
           <a:p>
@@ -3175,17 +4014,25 @@
         </p:nvSpPr>
         <p:spPr>
           <a:xfrm>
-            <a:off x="2762280" y="273600"/>
-            <a:ext cx="8397720" cy="1144800"/>
-          </a:xfrm>
-          <a:prstGeom prst="rect">
-            <a:avLst/>
-          </a:prstGeom>
-        </p:spPr>
-        <p:txBody>
-          <a:bodyPr lIns="0" rIns="0" tIns="0" bIns="0" anchor="ctr"/>
-          <a:p>
-            <a:pPr algn="ctr"/>
+            <a:off x="609480" y="273600"/>
+            <a:ext cx="10972440" cy="1144800"/>
+          </a:xfrm>
+          <a:prstGeom prst="rect">
+            <a:avLst/>
+          </a:prstGeom>
+          <a:noFill/>
+          <a:ln w="0">
+            <a:noFill/>
+          </a:ln>
+        </p:spPr>
+        <p:txBody>
+          <a:bodyPr lIns="0" rIns="0" tIns="0" bIns="0" anchor="ctr">
+            <a:noAutofit/>
+          </a:bodyPr>
+          <a:p>
+            <a:pPr algn="ctr">
+              <a:buNone/>
+            </a:pPr>
             <a:endParaRPr b="0" lang="es-AR" sz="4400" spc="-1" strike="noStrike">
               <a:latin typeface="Arial"/>
             </a:endParaRPr>
@@ -3199,20 +4046,24 @@
             <a:spLocks noGrp="1"/>
           </p:cNvSpPr>
           <p:nvPr>
-            <p:ph type="body"/>
-          </p:nvPr>
-        </p:nvSpPr>
-        <p:spPr>
-          <a:xfrm>
-            <a:off x="2304000" y="1512000"/>
-            <a:ext cx="9504000" cy="2232000"/>
-          </a:xfrm>
-          <a:prstGeom prst="rect">
-            <a:avLst/>
-          </a:prstGeom>
-        </p:spPr>
-        <p:txBody>
-          <a:bodyPr lIns="0" rIns="0" tIns="0" bIns="0">
+            <p:ph/>
+          </p:nvPr>
+        </p:nvSpPr>
+        <p:spPr>
+          <a:xfrm>
+            <a:off x="609480" y="1604520"/>
+            <a:ext cx="10972440" cy="1896840"/>
+          </a:xfrm>
+          <a:prstGeom prst="rect">
+            <a:avLst/>
+          </a:prstGeom>
+          <a:noFill/>
+          <a:ln w="0">
+            <a:noFill/>
+          </a:ln>
+        </p:spPr>
+        <p:txBody>
+          <a:bodyPr lIns="0" rIns="0" tIns="0" bIns="0" anchor="t">
             <a:normAutofit/>
           </a:bodyPr>
           <a:p>
@@ -3229,20 +4080,24 @@
             <a:spLocks noGrp="1"/>
           </p:cNvSpPr>
           <p:nvPr>
-            <p:ph type="body"/>
-          </p:nvPr>
-        </p:nvSpPr>
-        <p:spPr>
-          <a:xfrm>
-            <a:off x="2304000" y="3956400"/>
-            <a:ext cx="9504000" cy="2232000"/>
-          </a:xfrm>
-          <a:prstGeom prst="rect">
-            <a:avLst/>
-          </a:prstGeom>
-        </p:spPr>
-        <p:txBody>
-          <a:bodyPr lIns="0" rIns="0" tIns="0" bIns="0">
+            <p:ph/>
+          </p:nvPr>
+        </p:nvSpPr>
+        <p:spPr>
+          <a:xfrm>
+            <a:off x="609480" y="3682080"/>
+            <a:ext cx="10972440" cy="1896840"/>
+          </a:xfrm>
+          <a:prstGeom prst="rect">
+            <a:avLst/>
+          </a:prstGeom>
+          <a:noFill/>
+          <a:ln w="0">
+            <a:noFill/>
+          </a:ln>
+        </p:spPr>
+        <p:txBody>
+          <a:bodyPr lIns="0" rIns="0" tIns="0" bIns="0" anchor="t">
             <a:normAutofit/>
           </a:bodyPr>
           <a:p>
@@ -3286,17 +4141,25 @@
         </p:nvSpPr>
         <p:spPr>
           <a:xfrm>
-            <a:off x="2762280" y="273600"/>
-            <a:ext cx="8397720" cy="1144800"/>
-          </a:xfrm>
-          <a:prstGeom prst="rect">
-            <a:avLst/>
-          </a:prstGeom>
-        </p:spPr>
-        <p:txBody>
-          <a:bodyPr lIns="0" rIns="0" tIns="0" bIns="0" anchor="ctr"/>
-          <a:p>
-            <a:pPr algn="ctr"/>
+            <a:off x="609480" y="273600"/>
+            <a:ext cx="10972440" cy="1144800"/>
+          </a:xfrm>
+          <a:prstGeom prst="rect">
+            <a:avLst/>
+          </a:prstGeom>
+          <a:noFill/>
+          <a:ln w="0">
+            <a:noFill/>
+          </a:ln>
+        </p:spPr>
+        <p:txBody>
+          <a:bodyPr lIns="0" rIns="0" tIns="0" bIns="0" anchor="ctr">
+            <a:noAutofit/>
+          </a:bodyPr>
+          <a:p>
+            <a:pPr algn="ctr">
+              <a:buNone/>
+            </a:pPr>
             <a:endParaRPr b="0" lang="es-AR" sz="4400" spc="-1" strike="noStrike">
               <a:latin typeface="Arial"/>
             </a:endParaRPr>
@@ -3310,20 +4173,24 @@
             <a:spLocks noGrp="1"/>
           </p:cNvSpPr>
           <p:nvPr>
-            <p:ph type="body"/>
-          </p:nvPr>
-        </p:nvSpPr>
-        <p:spPr>
-          <a:xfrm>
-            <a:off x="2304000" y="1512000"/>
-            <a:ext cx="4637880" cy="2232000"/>
-          </a:xfrm>
-          <a:prstGeom prst="rect">
-            <a:avLst/>
-          </a:prstGeom>
-        </p:spPr>
-        <p:txBody>
-          <a:bodyPr lIns="0" rIns="0" tIns="0" bIns="0">
+            <p:ph/>
+          </p:nvPr>
+        </p:nvSpPr>
+        <p:spPr>
+          <a:xfrm>
+            <a:off x="609480" y="1604520"/>
+            <a:ext cx="5354280" cy="1896840"/>
+          </a:xfrm>
+          <a:prstGeom prst="rect">
+            <a:avLst/>
+          </a:prstGeom>
+          <a:noFill/>
+          <a:ln w="0">
+            <a:noFill/>
+          </a:ln>
+        </p:spPr>
+        <p:txBody>
+          <a:bodyPr lIns="0" rIns="0" tIns="0" bIns="0" anchor="t">
             <a:normAutofit/>
           </a:bodyPr>
           <a:p>
@@ -3340,20 +4207,24 @@
             <a:spLocks noGrp="1"/>
           </p:cNvSpPr>
           <p:nvPr>
-            <p:ph type="body"/>
-          </p:nvPr>
-        </p:nvSpPr>
-        <p:spPr>
-          <a:xfrm>
-            <a:off x="7174080" y="1512000"/>
-            <a:ext cx="4637880" cy="2232000"/>
-          </a:xfrm>
-          <a:prstGeom prst="rect">
-            <a:avLst/>
-          </a:prstGeom>
-        </p:spPr>
-        <p:txBody>
-          <a:bodyPr lIns="0" rIns="0" tIns="0" bIns="0">
+            <p:ph/>
+          </p:nvPr>
+        </p:nvSpPr>
+        <p:spPr>
+          <a:xfrm>
+            <a:off x="6231960" y="1604520"/>
+            <a:ext cx="5354280" cy="1896840"/>
+          </a:xfrm>
+          <a:prstGeom prst="rect">
+            <a:avLst/>
+          </a:prstGeom>
+          <a:noFill/>
+          <a:ln w="0">
+            <a:noFill/>
+          </a:ln>
+        </p:spPr>
+        <p:txBody>
+          <a:bodyPr lIns="0" rIns="0" tIns="0" bIns="0" anchor="t">
             <a:normAutofit/>
           </a:bodyPr>
           <a:p>
@@ -3370,20 +4241,24 @@
             <a:spLocks noGrp="1"/>
           </p:cNvSpPr>
           <p:nvPr>
-            <p:ph type="body"/>
-          </p:nvPr>
-        </p:nvSpPr>
-        <p:spPr>
-          <a:xfrm>
-            <a:off x="2304000" y="3956400"/>
-            <a:ext cx="4637880" cy="2232000"/>
-          </a:xfrm>
-          <a:prstGeom prst="rect">
-            <a:avLst/>
-          </a:prstGeom>
-        </p:spPr>
-        <p:txBody>
-          <a:bodyPr lIns="0" rIns="0" tIns="0" bIns="0">
+            <p:ph/>
+          </p:nvPr>
+        </p:nvSpPr>
+        <p:spPr>
+          <a:xfrm>
+            <a:off x="609480" y="3682080"/>
+            <a:ext cx="5354280" cy="1896840"/>
+          </a:xfrm>
+          <a:prstGeom prst="rect">
+            <a:avLst/>
+          </a:prstGeom>
+          <a:noFill/>
+          <a:ln w="0">
+            <a:noFill/>
+          </a:ln>
+        </p:spPr>
+        <p:txBody>
+          <a:bodyPr lIns="0" rIns="0" tIns="0" bIns="0" anchor="t">
             <a:normAutofit/>
           </a:bodyPr>
           <a:p>
@@ -3400,20 +4275,24 @@
             <a:spLocks noGrp="1"/>
           </p:cNvSpPr>
           <p:nvPr>
-            <p:ph type="body"/>
-          </p:nvPr>
-        </p:nvSpPr>
-        <p:spPr>
-          <a:xfrm>
-            <a:off x="7174080" y="3956400"/>
-            <a:ext cx="4637880" cy="2232000"/>
-          </a:xfrm>
-          <a:prstGeom prst="rect">
-            <a:avLst/>
-          </a:prstGeom>
-        </p:spPr>
-        <p:txBody>
-          <a:bodyPr lIns="0" rIns="0" tIns="0" bIns="0">
+            <p:ph/>
+          </p:nvPr>
+        </p:nvSpPr>
+        <p:spPr>
+          <a:xfrm>
+            <a:off x="6231960" y="3682080"/>
+            <a:ext cx="5354280" cy="1896840"/>
+          </a:xfrm>
+          <a:prstGeom prst="rect">
+            <a:avLst/>
+          </a:prstGeom>
+          <a:noFill/>
+          <a:ln w="0">
+            <a:noFill/>
+          </a:ln>
+        </p:spPr>
+        <p:txBody>
+          <a:bodyPr lIns="0" rIns="0" tIns="0" bIns="0" anchor="t">
             <a:normAutofit/>
           </a:bodyPr>
           <a:p>
@@ -3457,17 +4336,25 @@
         </p:nvSpPr>
         <p:spPr>
           <a:xfrm>
-            <a:off x="2762280" y="273600"/>
-            <a:ext cx="8397720" cy="1144800"/>
-          </a:xfrm>
-          <a:prstGeom prst="rect">
-            <a:avLst/>
-          </a:prstGeom>
-        </p:spPr>
-        <p:txBody>
-          <a:bodyPr lIns="0" rIns="0" tIns="0" bIns="0" anchor="ctr"/>
-          <a:p>
-            <a:pPr algn="ctr"/>
+            <a:off x="609480" y="273600"/>
+            <a:ext cx="10972440" cy="1144800"/>
+          </a:xfrm>
+          <a:prstGeom prst="rect">
+            <a:avLst/>
+          </a:prstGeom>
+          <a:noFill/>
+          <a:ln w="0">
+            <a:noFill/>
+          </a:ln>
+        </p:spPr>
+        <p:txBody>
+          <a:bodyPr lIns="0" rIns="0" tIns="0" bIns="0" anchor="ctr">
+            <a:noAutofit/>
+          </a:bodyPr>
+          <a:p>
+            <a:pPr algn="ctr">
+              <a:buNone/>
+            </a:pPr>
             <a:endParaRPr b="0" lang="es-AR" sz="4400" spc="-1" strike="noStrike">
               <a:latin typeface="Arial"/>
             </a:endParaRPr>
@@ -3481,20 +4368,24 @@
             <a:spLocks noGrp="1"/>
           </p:cNvSpPr>
           <p:nvPr>
-            <p:ph type="body"/>
-          </p:nvPr>
-        </p:nvSpPr>
-        <p:spPr>
-          <a:xfrm>
-            <a:off x="2304000" y="1512000"/>
-            <a:ext cx="3060000" cy="2232000"/>
-          </a:xfrm>
-          <a:prstGeom prst="rect">
-            <a:avLst/>
-          </a:prstGeom>
-        </p:spPr>
-        <p:txBody>
-          <a:bodyPr lIns="0" rIns="0" tIns="0" bIns="0">
+            <p:ph/>
+          </p:nvPr>
+        </p:nvSpPr>
+        <p:spPr>
+          <a:xfrm>
+            <a:off x="609480" y="1604520"/>
+            <a:ext cx="3533040" cy="1896840"/>
+          </a:xfrm>
+          <a:prstGeom prst="rect">
+            <a:avLst/>
+          </a:prstGeom>
+          <a:noFill/>
+          <a:ln w="0">
+            <a:noFill/>
+          </a:ln>
+        </p:spPr>
+        <p:txBody>
+          <a:bodyPr lIns="0" rIns="0" tIns="0" bIns="0" anchor="t">
             <a:normAutofit/>
           </a:bodyPr>
           <a:p>
@@ -3511,20 +4402,24 @@
             <a:spLocks noGrp="1"/>
           </p:cNvSpPr>
           <p:nvPr>
-            <p:ph type="body"/>
-          </p:nvPr>
-        </p:nvSpPr>
-        <p:spPr>
-          <a:xfrm>
-            <a:off x="5517360" y="1512000"/>
-            <a:ext cx="3060000" cy="2232000"/>
-          </a:xfrm>
-          <a:prstGeom prst="rect">
-            <a:avLst/>
-          </a:prstGeom>
-        </p:spPr>
-        <p:txBody>
-          <a:bodyPr lIns="0" rIns="0" tIns="0" bIns="0">
+            <p:ph/>
+          </p:nvPr>
+        </p:nvSpPr>
+        <p:spPr>
+          <a:xfrm>
+            <a:off x="4319640" y="1604520"/>
+            <a:ext cx="3533040" cy="1896840"/>
+          </a:xfrm>
+          <a:prstGeom prst="rect">
+            <a:avLst/>
+          </a:prstGeom>
+          <a:noFill/>
+          <a:ln w="0">
+            <a:noFill/>
+          </a:ln>
+        </p:spPr>
+        <p:txBody>
+          <a:bodyPr lIns="0" rIns="0" tIns="0" bIns="0" anchor="t">
             <a:normAutofit/>
           </a:bodyPr>
           <a:p>
@@ -3541,20 +4436,24 @@
             <a:spLocks noGrp="1"/>
           </p:cNvSpPr>
           <p:nvPr>
-            <p:ph type="body"/>
-          </p:nvPr>
-        </p:nvSpPr>
-        <p:spPr>
-          <a:xfrm>
-            <a:off x="8730720" y="1512000"/>
-            <a:ext cx="3060000" cy="2232000"/>
-          </a:xfrm>
-          <a:prstGeom prst="rect">
-            <a:avLst/>
-          </a:prstGeom>
-        </p:spPr>
-        <p:txBody>
-          <a:bodyPr lIns="0" rIns="0" tIns="0" bIns="0">
+            <p:ph/>
+          </p:nvPr>
+        </p:nvSpPr>
+        <p:spPr>
+          <a:xfrm>
+            <a:off x="8029800" y="1604520"/>
+            <a:ext cx="3533040" cy="1896840"/>
+          </a:xfrm>
+          <a:prstGeom prst="rect">
+            <a:avLst/>
+          </a:prstGeom>
+          <a:noFill/>
+          <a:ln w="0">
+            <a:noFill/>
+          </a:ln>
+        </p:spPr>
+        <p:txBody>
+          <a:bodyPr lIns="0" rIns="0" tIns="0" bIns="0" anchor="t">
             <a:normAutofit/>
           </a:bodyPr>
           <a:p>
@@ -3571,20 +4470,24 @@
             <a:spLocks noGrp="1"/>
           </p:cNvSpPr>
           <p:nvPr>
-            <p:ph type="body"/>
-          </p:nvPr>
-        </p:nvSpPr>
-        <p:spPr>
-          <a:xfrm>
-            <a:off x="2304000" y="3956400"/>
-            <a:ext cx="3060000" cy="2232000"/>
-          </a:xfrm>
-          <a:prstGeom prst="rect">
-            <a:avLst/>
-          </a:prstGeom>
-        </p:spPr>
-        <p:txBody>
-          <a:bodyPr lIns="0" rIns="0" tIns="0" bIns="0">
+            <p:ph/>
+          </p:nvPr>
+        </p:nvSpPr>
+        <p:spPr>
+          <a:xfrm>
+            <a:off x="609480" y="3682080"/>
+            <a:ext cx="3533040" cy="1896840"/>
+          </a:xfrm>
+          <a:prstGeom prst="rect">
+            <a:avLst/>
+          </a:prstGeom>
+          <a:noFill/>
+          <a:ln w="0">
+            <a:noFill/>
+          </a:ln>
+        </p:spPr>
+        <p:txBody>
+          <a:bodyPr lIns="0" rIns="0" tIns="0" bIns="0" anchor="t">
             <a:normAutofit/>
           </a:bodyPr>
           <a:p>
@@ -3601,20 +4504,24 @@
             <a:spLocks noGrp="1"/>
           </p:cNvSpPr>
           <p:nvPr>
-            <p:ph type="body"/>
-          </p:nvPr>
-        </p:nvSpPr>
-        <p:spPr>
-          <a:xfrm>
-            <a:off x="5517360" y="3956400"/>
-            <a:ext cx="3060000" cy="2232000"/>
-          </a:xfrm>
-          <a:prstGeom prst="rect">
-            <a:avLst/>
-          </a:prstGeom>
-        </p:spPr>
-        <p:txBody>
-          <a:bodyPr lIns="0" rIns="0" tIns="0" bIns="0">
+            <p:ph/>
+          </p:nvPr>
+        </p:nvSpPr>
+        <p:spPr>
+          <a:xfrm>
+            <a:off x="4319640" y="3682080"/>
+            <a:ext cx="3533040" cy="1896840"/>
+          </a:xfrm>
+          <a:prstGeom prst="rect">
+            <a:avLst/>
+          </a:prstGeom>
+          <a:noFill/>
+          <a:ln w="0">
+            <a:noFill/>
+          </a:ln>
+        </p:spPr>
+        <p:txBody>
+          <a:bodyPr lIns="0" rIns="0" tIns="0" bIns="0" anchor="t">
             <a:normAutofit/>
           </a:bodyPr>
           <a:p>
@@ -3631,20 +4538,24 @@
             <a:spLocks noGrp="1"/>
           </p:cNvSpPr>
           <p:nvPr>
-            <p:ph type="body"/>
-          </p:nvPr>
-        </p:nvSpPr>
-        <p:spPr>
-          <a:xfrm>
-            <a:off x="8730720" y="3956400"/>
-            <a:ext cx="3060000" cy="2232000"/>
-          </a:xfrm>
-          <a:prstGeom prst="rect">
-            <a:avLst/>
-          </a:prstGeom>
-        </p:spPr>
-        <p:txBody>
-          <a:bodyPr lIns="0" rIns="0" tIns="0" bIns="0">
+            <p:ph/>
+          </p:nvPr>
+        </p:nvSpPr>
+        <p:spPr>
+          <a:xfrm>
+            <a:off x="8029800" y="3682080"/>
+            <a:ext cx="3533040" cy="1896840"/>
+          </a:xfrm>
+          <a:prstGeom prst="rect">
+            <a:avLst/>
+          </a:prstGeom>
+          <a:noFill/>
+          <a:ln w="0">
+            <a:noFill/>
+          </a:ln>
+        </p:spPr>
+        <p:txBody>
+          <a:bodyPr lIns="0" rIns="0" tIns="0" bIns="0" anchor="t">
             <a:normAutofit/>
           </a:bodyPr>
           <a:p>
@@ -3700,7 +4611,7 @@
       </p:grpSpPr>
       <p:sp>
         <p:nvSpPr>
-          <p:cNvPr id="137" name="PlaceHolder 1"/>
+          <p:cNvPr id="136" name="PlaceHolder 1"/>
           <p:cNvSpPr>
             <a:spLocks noGrp="1"/>
           </p:cNvSpPr>
@@ -3710,17 +4621,25 @@
         </p:nvSpPr>
         <p:spPr>
           <a:xfrm>
-            <a:off x="2762280" y="273600"/>
-            <a:ext cx="8397720" cy="1144800"/>
-          </a:xfrm>
-          <a:prstGeom prst="rect">
-            <a:avLst/>
-          </a:prstGeom>
-        </p:spPr>
-        <p:txBody>
-          <a:bodyPr lIns="0" rIns="0" tIns="0" bIns="0" anchor="ctr"/>
-          <a:p>
-            <a:pPr algn="ctr"/>
+            <a:off x="609480" y="273600"/>
+            <a:ext cx="10972440" cy="1144800"/>
+          </a:xfrm>
+          <a:prstGeom prst="rect">
+            <a:avLst/>
+          </a:prstGeom>
+          <a:noFill/>
+          <a:ln w="0">
+            <a:noFill/>
+          </a:ln>
+        </p:spPr>
+        <p:txBody>
+          <a:bodyPr lIns="0" rIns="0" tIns="0" bIns="0" anchor="ctr">
+            <a:noAutofit/>
+          </a:bodyPr>
+          <a:p>
+            <a:pPr algn="ctr">
+              <a:buNone/>
+            </a:pPr>
             <a:endParaRPr b="0" lang="es-AR" sz="4400" spc="-1" strike="noStrike">
               <a:latin typeface="Arial"/>
             </a:endParaRPr>
@@ -3729,7 +4648,7 @@
       </p:sp>
       <p:sp>
         <p:nvSpPr>
-          <p:cNvPr id="138" name="PlaceHolder 2"/>
+          <p:cNvPr id="137" name="PlaceHolder 2"/>
           <p:cNvSpPr>
             <a:spLocks noGrp="1"/>
           </p:cNvSpPr>
@@ -3739,17 +4658,25 @@
         </p:nvSpPr>
         <p:spPr>
           <a:xfrm>
-            <a:off x="2304000" y="1512000"/>
-            <a:ext cx="9504000" cy="4680000"/>
-          </a:xfrm>
-          <a:prstGeom prst="rect">
-            <a:avLst/>
-          </a:prstGeom>
-        </p:spPr>
-        <p:txBody>
-          <a:bodyPr lIns="0" rIns="0" tIns="0" bIns="0" anchor="ctr"/>
-          <a:p>
-            <a:pPr algn="ctr"/>
+            <a:off x="609480" y="1604520"/>
+            <a:ext cx="10972440" cy="3977280"/>
+          </a:xfrm>
+          <a:prstGeom prst="rect">
+            <a:avLst/>
+          </a:prstGeom>
+          <a:noFill/>
+          <a:ln w="0">
+            <a:noFill/>
+          </a:ln>
+        </p:spPr>
+        <p:txBody>
+          <a:bodyPr lIns="0" rIns="0" tIns="0" bIns="0" anchor="ctr">
+            <a:noAutofit/>
+          </a:bodyPr>
+          <a:p>
+            <a:pPr algn="ctr">
+              <a:buNone/>
+            </a:pPr>
             <a:endParaRPr b="0" lang="es-AR" sz="3200" spc="-1" strike="noStrike">
               <a:latin typeface="Arial"/>
             </a:endParaRPr>
@@ -3780,7 +4707,7 @@
       </p:grpSpPr>
       <p:sp>
         <p:nvSpPr>
-          <p:cNvPr id="139" name="PlaceHolder 1"/>
+          <p:cNvPr id="138" name="PlaceHolder 1"/>
           <p:cNvSpPr>
             <a:spLocks noGrp="1"/>
           </p:cNvSpPr>
@@ -3790,17 +4717,25 @@
         </p:nvSpPr>
         <p:spPr>
           <a:xfrm>
-            <a:off x="2762280" y="273600"/>
-            <a:ext cx="8397720" cy="1144800"/>
-          </a:xfrm>
-          <a:prstGeom prst="rect">
-            <a:avLst/>
-          </a:prstGeom>
-        </p:spPr>
-        <p:txBody>
-          <a:bodyPr lIns="0" rIns="0" tIns="0" bIns="0" anchor="ctr"/>
-          <a:p>
-            <a:pPr algn="ctr"/>
+            <a:off x="609480" y="273600"/>
+            <a:ext cx="10972440" cy="1144800"/>
+          </a:xfrm>
+          <a:prstGeom prst="rect">
+            <a:avLst/>
+          </a:prstGeom>
+          <a:noFill/>
+          <a:ln w="0">
+            <a:noFill/>
+          </a:ln>
+        </p:spPr>
+        <p:txBody>
+          <a:bodyPr lIns="0" rIns="0" tIns="0" bIns="0" anchor="ctr">
+            <a:noAutofit/>
+          </a:bodyPr>
+          <a:p>
+            <a:pPr algn="ctr">
+              <a:buNone/>
+            </a:pPr>
             <a:endParaRPr b="0" lang="es-AR" sz="4400" spc="-1" strike="noStrike">
               <a:latin typeface="Arial"/>
             </a:endParaRPr>
@@ -3809,25 +4744,29 @@
       </p:sp>
       <p:sp>
         <p:nvSpPr>
-          <p:cNvPr id="140" name="PlaceHolder 2"/>
-          <p:cNvSpPr>
-            <a:spLocks noGrp="1"/>
-          </p:cNvSpPr>
-          <p:nvPr>
-            <p:ph type="body"/>
-          </p:nvPr>
-        </p:nvSpPr>
-        <p:spPr>
-          <a:xfrm>
-            <a:off x="2304000" y="1512000"/>
-            <a:ext cx="9504000" cy="4680000"/>
-          </a:xfrm>
-          <a:prstGeom prst="rect">
-            <a:avLst/>
-          </a:prstGeom>
-        </p:spPr>
-        <p:txBody>
-          <a:bodyPr lIns="0" rIns="0" tIns="0" bIns="0">
+          <p:cNvPr id="139" name="PlaceHolder 2"/>
+          <p:cNvSpPr>
+            <a:spLocks noGrp="1"/>
+          </p:cNvSpPr>
+          <p:nvPr>
+            <p:ph/>
+          </p:nvPr>
+        </p:nvSpPr>
+        <p:spPr>
+          <a:xfrm>
+            <a:off x="609480" y="1604520"/>
+            <a:ext cx="10972440" cy="3977280"/>
+          </a:xfrm>
+          <a:prstGeom prst="rect">
+            <a:avLst/>
+          </a:prstGeom>
+          <a:noFill/>
+          <a:ln w="0">
+            <a:noFill/>
+          </a:ln>
+        </p:spPr>
+        <p:txBody>
+          <a:bodyPr lIns="0" rIns="0" tIns="0" bIns="0" anchor="t">
             <a:normAutofit/>
           </a:bodyPr>
           <a:p>
@@ -4146,7 +5085,7 @@
       </p:grpSpPr>
       <p:sp>
         <p:nvSpPr>
-          <p:cNvPr id="141" name="PlaceHolder 1"/>
+          <p:cNvPr id="140" name="PlaceHolder 1"/>
           <p:cNvSpPr>
             <a:spLocks noGrp="1"/>
           </p:cNvSpPr>
@@ -4156,17 +5095,25 @@
         </p:nvSpPr>
         <p:spPr>
           <a:xfrm>
-            <a:off x="2762280" y="273600"/>
-            <a:ext cx="8397720" cy="1144800"/>
-          </a:xfrm>
-          <a:prstGeom prst="rect">
-            <a:avLst/>
-          </a:prstGeom>
-        </p:spPr>
-        <p:txBody>
-          <a:bodyPr lIns="0" rIns="0" tIns="0" bIns="0" anchor="ctr"/>
-          <a:p>
-            <a:pPr algn="ctr"/>
+            <a:off x="609480" y="273600"/>
+            <a:ext cx="10972440" cy="1144800"/>
+          </a:xfrm>
+          <a:prstGeom prst="rect">
+            <a:avLst/>
+          </a:prstGeom>
+          <a:noFill/>
+          <a:ln w="0">
+            <a:noFill/>
+          </a:ln>
+        </p:spPr>
+        <p:txBody>
+          <a:bodyPr lIns="0" rIns="0" tIns="0" bIns="0" anchor="ctr">
+            <a:noAutofit/>
+          </a:bodyPr>
+          <a:p>
+            <a:pPr algn="ctr">
+              <a:buNone/>
+            </a:pPr>
             <a:endParaRPr b="0" lang="es-AR" sz="4400" spc="-1" strike="noStrike">
               <a:latin typeface="Arial"/>
             </a:endParaRPr>
@@ -4175,25 +5122,29 @@
       </p:sp>
       <p:sp>
         <p:nvSpPr>
-          <p:cNvPr id="142" name="PlaceHolder 2"/>
-          <p:cNvSpPr>
-            <a:spLocks noGrp="1"/>
-          </p:cNvSpPr>
-          <p:nvPr>
-            <p:ph type="body"/>
-          </p:nvPr>
-        </p:nvSpPr>
-        <p:spPr>
-          <a:xfrm>
-            <a:off x="2304000" y="1512000"/>
-            <a:ext cx="4637880" cy="4680000"/>
-          </a:xfrm>
-          <a:prstGeom prst="rect">
-            <a:avLst/>
-          </a:prstGeom>
-        </p:spPr>
-        <p:txBody>
-          <a:bodyPr lIns="0" rIns="0" tIns="0" bIns="0">
+          <p:cNvPr id="141" name="PlaceHolder 2"/>
+          <p:cNvSpPr>
+            <a:spLocks noGrp="1"/>
+          </p:cNvSpPr>
+          <p:nvPr>
+            <p:ph/>
+          </p:nvPr>
+        </p:nvSpPr>
+        <p:spPr>
+          <a:xfrm>
+            <a:off x="609480" y="1604520"/>
+            <a:ext cx="5354280" cy="3977280"/>
+          </a:xfrm>
+          <a:prstGeom prst="rect">
+            <a:avLst/>
+          </a:prstGeom>
+          <a:noFill/>
+          <a:ln w="0">
+            <a:noFill/>
+          </a:ln>
+        </p:spPr>
+        <p:txBody>
+          <a:bodyPr lIns="0" rIns="0" tIns="0" bIns="0" anchor="t">
             <a:normAutofit/>
           </a:bodyPr>
           <a:p>
@@ -4205,25 +5156,29 @@
       </p:sp>
       <p:sp>
         <p:nvSpPr>
-          <p:cNvPr id="143" name="PlaceHolder 3"/>
-          <p:cNvSpPr>
-            <a:spLocks noGrp="1"/>
-          </p:cNvSpPr>
-          <p:nvPr>
-            <p:ph type="body"/>
-          </p:nvPr>
-        </p:nvSpPr>
-        <p:spPr>
-          <a:xfrm>
-            <a:off x="7174080" y="1512000"/>
-            <a:ext cx="4637880" cy="4680000"/>
-          </a:xfrm>
-          <a:prstGeom prst="rect">
-            <a:avLst/>
-          </a:prstGeom>
-        </p:spPr>
-        <p:txBody>
-          <a:bodyPr lIns="0" rIns="0" tIns="0" bIns="0">
+          <p:cNvPr id="142" name="PlaceHolder 3"/>
+          <p:cNvSpPr>
+            <a:spLocks noGrp="1"/>
+          </p:cNvSpPr>
+          <p:nvPr>
+            <p:ph/>
+          </p:nvPr>
+        </p:nvSpPr>
+        <p:spPr>
+          <a:xfrm>
+            <a:off x="6231960" y="1604520"/>
+            <a:ext cx="5354280" cy="3977280"/>
+          </a:xfrm>
+          <a:prstGeom prst="rect">
+            <a:avLst/>
+          </a:prstGeom>
+          <a:noFill/>
+          <a:ln w="0">
+            <a:noFill/>
+          </a:ln>
+        </p:spPr>
+        <p:txBody>
+          <a:bodyPr lIns="0" rIns="0" tIns="0" bIns="0" anchor="t">
             <a:normAutofit/>
           </a:bodyPr>
           <a:p>
@@ -4257,7 +5212,7 @@
       </p:grpSpPr>
       <p:sp>
         <p:nvSpPr>
-          <p:cNvPr id="144" name="PlaceHolder 1"/>
+          <p:cNvPr id="143" name="PlaceHolder 1"/>
           <p:cNvSpPr>
             <a:spLocks noGrp="1"/>
           </p:cNvSpPr>
@@ -4267,17 +5222,25 @@
         </p:nvSpPr>
         <p:spPr>
           <a:xfrm>
-            <a:off x="2762280" y="273600"/>
-            <a:ext cx="8397720" cy="1144800"/>
-          </a:xfrm>
-          <a:prstGeom prst="rect">
-            <a:avLst/>
-          </a:prstGeom>
-        </p:spPr>
-        <p:txBody>
-          <a:bodyPr lIns="0" rIns="0" tIns="0" bIns="0" anchor="ctr"/>
-          <a:p>
-            <a:pPr algn="ctr"/>
+            <a:off x="609480" y="273600"/>
+            <a:ext cx="10972440" cy="1144800"/>
+          </a:xfrm>
+          <a:prstGeom prst="rect">
+            <a:avLst/>
+          </a:prstGeom>
+          <a:noFill/>
+          <a:ln w="0">
+            <a:noFill/>
+          </a:ln>
+        </p:spPr>
+        <p:txBody>
+          <a:bodyPr lIns="0" rIns="0" tIns="0" bIns="0" anchor="ctr">
+            <a:noAutofit/>
+          </a:bodyPr>
+          <a:p>
+            <a:pPr algn="ctr">
+              <a:buNone/>
+            </a:pPr>
             <a:endParaRPr b="0" lang="es-AR" sz="4400" spc="-1" strike="noStrike">
               <a:latin typeface="Arial"/>
             </a:endParaRPr>
@@ -4308,7 +5271,7 @@
       </p:grpSpPr>
       <p:sp>
         <p:nvSpPr>
-          <p:cNvPr id="145" name="PlaceHolder 1"/>
+          <p:cNvPr id="144" name="PlaceHolder 1"/>
           <p:cNvSpPr>
             <a:spLocks noGrp="1"/>
           </p:cNvSpPr>
@@ -4318,17 +5281,25 @@
         </p:nvSpPr>
         <p:spPr>
           <a:xfrm>
-            <a:off x="2762280" y="273600"/>
-            <a:ext cx="8397720" cy="5307840"/>
-          </a:xfrm>
-          <a:prstGeom prst="rect">
-            <a:avLst/>
-          </a:prstGeom>
-        </p:spPr>
-        <p:txBody>
-          <a:bodyPr lIns="0" rIns="0" tIns="0" bIns="0" anchor="ctr"/>
-          <a:p>
-            <a:pPr algn="ctr"/>
+            <a:off x="609480" y="273600"/>
+            <a:ext cx="10972440" cy="5307840"/>
+          </a:xfrm>
+          <a:prstGeom prst="rect">
+            <a:avLst/>
+          </a:prstGeom>
+          <a:noFill/>
+          <a:ln w="0">
+            <a:noFill/>
+          </a:ln>
+        </p:spPr>
+        <p:txBody>
+          <a:bodyPr lIns="0" rIns="0" tIns="0" bIns="0" anchor="ctr">
+            <a:noAutofit/>
+          </a:bodyPr>
+          <a:p>
+            <a:pPr algn="ctr">
+              <a:buNone/>
+            </a:pPr>
             <a:endParaRPr b="0" lang="es-AR" sz="3200" spc="-1" strike="noStrike">
               <a:latin typeface="Arial"/>
             </a:endParaRPr>
@@ -4359,7 +5330,7 @@
       </p:grpSpPr>
       <p:sp>
         <p:nvSpPr>
-          <p:cNvPr id="146" name="PlaceHolder 1"/>
+          <p:cNvPr id="145" name="PlaceHolder 1"/>
           <p:cNvSpPr>
             <a:spLocks noGrp="1"/>
           </p:cNvSpPr>
@@ -4369,17 +5340,25 @@
         </p:nvSpPr>
         <p:spPr>
           <a:xfrm>
-            <a:off x="2762280" y="273600"/>
-            <a:ext cx="8397720" cy="1144800"/>
-          </a:xfrm>
-          <a:prstGeom prst="rect">
-            <a:avLst/>
-          </a:prstGeom>
-        </p:spPr>
-        <p:txBody>
-          <a:bodyPr lIns="0" rIns="0" tIns="0" bIns="0" anchor="ctr"/>
-          <a:p>
-            <a:pPr algn="ctr"/>
+            <a:off x="609480" y="273600"/>
+            <a:ext cx="10972440" cy="1144800"/>
+          </a:xfrm>
+          <a:prstGeom prst="rect">
+            <a:avLst/>
+          </a:prstGeom>
+          <a:noFill/>
+          <a:ln w="0">
+            <a:noFill/>
+          </a:ln>
+        </p:spPr>
+        <p:txBody>
+          <a:bodyPr lIns="0" rIns="0" tIns="0" bIns="0" anchor="ctr">
+            <a:noAutofit/>
+          </a:bodyPr>
+          <a:p>
+            <a:pPr algn="ctr">
+              <a:buNone/>
+            </a:pPr>
             <a:endParaRPr b="0" lang="es-AR" sz="4400" spc="-1" strike="noStrike">
               <a:latin typeface="Arial"/>
             </a:endParaRPr>
@@ -4388,25 +5367,29 @@
       </p:sp>
       <p:sp>
         <p:nvSpPr>
-          <p:cNvPr id="147" name="PlaceHolder 2"/>
-          <p:cNvSpPr>
-            <a:spLocks noGrp="1"/>
-          </p:cNvSpPr>
-          <p:nvPr>
-            <p:ph type="body"/>
-          </p:nvPr>
-        </p:nvSpPr>
-        <p:spPr>
-          <a:xfrm>
-            <a:off x="2304000" y="1512000"/>
-            <a:ext cx="4637880" cy="2232000"/>
-          </a:xfrm>
-          <a:prstGeom prst="rect">
-            <a:avLst/>
-          </a:prstGeom>
-        </p:spPr>
-        <p:txBody>
-          <a:bodyPr lIns="0" rIns="0" tIns="0" bIns="0">
+          <p:cNvPr id="146" name="PlaceHolder 2"/>
+          <p:cNvSpPr>
+            <a:spLocks noGrp="1"/>
+          </p:cNvSpPr>
+          <p:nvPr>
+            <p:ph/>
+          </p:nvPr>
+        </p:nvSpPr>
+        <p:spPr>
+          <a:xfrm>
+            <a:off x="609480" y="1604520"/>
+            <a:ext cx="5354280" cy="1896840"/>
+          </a:xfrm>
+          <a:prstGeom prst="rect">
+            <a:avLst/>
+          </a:prstGeom>
+          <a:noFill/>
+          <a:ln w="0">
+            <a:noFill/>
+          </a:ln>
+        </p:spPr>
+        <p:txBody>
+          <a:bodyPr lIns="0" rIns="0" tIns="0" bIns="0" anchor="t">
             <a:normAutofit/>
           </a:bodyPr>
           <a:p>
@@ -4418,25 +5401,29 @@
       </p:sp>
       <p:sp>
         <p:nvSpPr>
-          <p:cNvPr id="148" name="PlaceHolder 3"/>
-          <p:cNvSpPr>
-            <a:spLocks noGrp="1"/>
-          </p:cNvSpPr>
-          <p:nvPr>
-            <p:ph type="body"/>
-          </p:nvPr>
-        </p:nvSpPr>
-        <p:spPr>
-          <a:xfrm>
-            <a:off x="7174080" y="1512000"/>
-            <a:ext cx="4637880" cy="4680000"/>
-          </a:xfrm>
-          <a:prstGeom prst="rect">
-            <a:avLst/>
-          </a:prstGeom>
-        </p:spPr>
-        <p:txBody>
-          <a:bodyPr lIns="0" rIns="0" tIns="0" bIns="0">
+          <p:cNvPr id="147" name="PlaceHolder 3"/>
+          <p:cNvSpPr>
+            <a:spLocks noGrp="1"/>
+          </p:cNvSpPr>
+          <p:nvPr>
+            <p:ph/>
+          </p:nvPr>
+        </p:nvSpPr>
+        <p:spPr>
+          <a:xfrm>
+            <a:off x="6231960" y="1604520"/>
+            <a:ext cx="5354280" cy="3977280"/>
+          </a:xfrm>
+          <a:prstGeom prst="rect">
+            <a:avLst/>
+          </a:prstGeom>
+          <a:noFill/>
+          <a:ln w="0">
+            <a:noFill/>
+          </a:ln>
+        </p:spPr>
+        <p:txBody>
+          <a:bodyPr lIns="0" rIns="0" tIns="0" bIns="0" anchor="t">
             <a:normAutofit/>
           </a:bodyPr>
           <a:p>
@@ -4448,25 +5435,29 @@
       </p:sp>
       <p:sp>
         <p:nvSpPr>
-          <p:cNvPr id="149" name="PlaceHolder 4"/>
-          <p:cNvSpPr>
-            <a:spLocks noGrp="1"/>
-          </p:cNvSpPr>
-          <p:nvPr>
-            <p:ph type="body"/>
-          </p:nvPr>
-        </p:nvSpPr>
-        <p:spPr>
-          <a:xfrm>
-            <a:off x="2304000" y="3956400"/>
-            <a:ext cx="4637880" cy="2232000"/>
-          </a:xfrm>
-          <a:prstGeom prst="rect">
-            <a:avLst/>
-          </a:prstGeom>
-        </p:spPr>
-        <p:txBody>
-          <a:bodyPr lIns="0" rIns="0" tIns="0" bIns="0">
+          <p:cNvPr id="148" name="PlaceHolder 4"/>
+          <p:cNvSpPr>
+            <a:spLocks noGrp="1"/>
+          </p:cNvSpPr>
+          <p:nvPr>
+            <p:ph/>
+          </p:nvPr>
+        </p:nvSpPr>
+        <p:spPr>
+          <a:xfrm>
+            <a:off x="609480" y="3682080"/>
+            <a:ext cx="5354280" cy="1896840"/>
+          </a:xfrm>
+          <a:prstGeom prst="rect">
+            <a:avLst/>
+          </a:prstGeom>
+          <a:noFill/>
+          <a:ln w="0">
+            <a:noFill/>
+          </a:ln>
+        </p:spPr>
+        <p:txBody>
+          <a:bodyPr lIns="0" rIns="0" tIns="0" bIns="0" anchor="t">
             <a:normAutofit/>
           </a:bodyPr>
           <a:p>
@@ -4500,7 +5491,7 @@
       </p:grpSpPr>
       <p:sp>
         <p:nvSpPr>
-          <p:cNvPr id="150" name="PlaceHolder 1"/>
+          <p:cNvPr id="149" name="PlaceHolder 1"/>
           <p:cNvSpPr>
             <a:spLocks noGrp="1"/>
           </p:cNvSpPr>
@@ -4510,17 +5501,25 @@
         </p:nvSpPr>
         <p:spPr>
           <a:xfrm>
-            <a:off x="2762280" y="273600"/>
-            <a:ext cx="8397720" cy="1144800"/>
-          </a:xfrm>
-          <a:prstGeom prst="rect">
-            <a:avLst/>
-          </a:prstGeom>
-        </p:spPr>
-        <p:txBody>
-          <a:bodyPr lIns="0" rIns="0" tIns="0" bIns="0" anchor="ctr"/>
-          <a:p>
-            <a:pPr algn="ctr"/>
+            <a:off x="609480" y="273600"/>
+            <a:ext cx="10972440" cy="1144800"/>
+          </a:xfrm>
+          <a:prstGeom prst="rect">
+            <a:avLst/>
+          </a:prstGeom>
+          <a:noFill/>
+          <a:ln w="0">
+            <a:noFill/>
+          </a:ln>
+        </p:spPr>
+        <p:txBody>
+          <a:bodyPr lIns="0" rIns="0" tIns="0" bIns="0" anchor="ctr">
+            <a:noAutofit/>
+          </a:bodyPr>
+          <a:p>
+            <a:pPr algn="ctr">
+              <a:buNone/>
+            </a:pPr>
             <a:endParaRPr b="0" lang="es-AR" sz="4400" spc="-1" strike="noStrike">
               <a:latin typeface="Arial"/>
             </a:endParaRPr>
@@ -4529,25 +5528,29 @@
       </p:sp>
       <p:sp>
         <p:nvSpPr>
-          <p:cNvPr id="151" name="PlaceHolder 2"/>
-          <p:cNvSpPr>
-            <a:spLocks noGrp="1"/>
-          </p:cNvSpPr>
-          <p:nvPr>
-            <p:ph type="body"/>
-          </p:nvPr>
-        </p:nvSpPr>
-        <p:spPr>
-          <a:xfrm>
-            <a:off x="2304000" y="1512000"/>
-            <a:ext cx="4637880" cy="4680000"/>
-          </a:xfrm>
-          <a:prstGeom prst="rect">
-            <a:avLst/>
-          </a:prstGeom>
-        </p:spPr>
-        <p:txBody>
-          <a:bodyPr lIns="0" rIns="0" tIns="0" bIns="0">
+          <p:cNvPr id="150" name="PlaceHolder 2"/>
+          <p:cNvSpPr>
+            <a:spLocks noGrp="1"/>
+          </p:cNvSpPr>
+          <p:nvPr>
+            <p:ph/>
+          </p:nvPr>
+        </p:nvSpPr>
+        <p:spPr>
+          <a:xfrm>
+            <a:off x="609480" y="1604520"/>
+            <a:ext cx="5354280" cy="3977280"/>
+          </a:xfrm>
+          <a:prstGeom prst="rect">
+            <a:avLst/>
+          </a:prstGeom>
+          <a:noFill/>
+          <a:ln w="0">
+            <a:noFill/>
+          </a:ln>
+        </p:spPr>
+        <p:txBody>
+          <a:bodyPr lIns="0" rIns="0" tIns="0" bIns="0" anchor="t">
             <a:normAutofit/>
           </a:bodyPr>
           <a:p>
@@ -4559,25 +5562,29 @@
       </p:sp>
       <p:sp>
         <p:nvSpPr>
-          <p:cNvPr id="152" name="PlaceHolder 3"/>
-          <p:cNvSpPr>
-            <a:spLocks noGrp="1"/>
-          </p:cNvSpPr>
-          <p:nvPr>
-            <p:ph type="body"/>
-          </p:nvPr>
-        </p:nvSpPr>
-        <p:spPr>
-          <a:xfrm>
-            <a:off x="7174080" y="1512000"/>
-            <a:ext cx="4637880" cy="2232000"/>
-          </a:xfrm>
-          <a:prstGeom prst="rect">
-            <a:avLst/>
-          </a:prstGeom>
-        </p:spPr>
-        <p:txBody>
-          <a:bodyPr lIns="0" rIns="0" tIns="0" bIns="0">
+          <p:cNvPr id="151" name="PlaceHolder 3"/>
+          <p:cNvSpPr>
+            <a:spLocks noGrp="1"/>
+          </p:cNvSpPr>
+          <p:nvPr>
+            <p:ph/>
+          </p:nvPr>
+        </p:nvSpPr>
+        <p:spPr>
+          <a:xfrm>
+            <a:off x="6231960" y="1604520"/>
+            <a:ext cx="5354280" cy="1896840"/>
+          </a:xfrm>
+          <a:prstGeom prst="rect">
+            <a:avLst/>
+          </a:prstGeom>
+          <a:noFill/>
+          <a:ln w="0">
+            <a:noFill/>
+          </a:ln>
+        </p:spPr>
+        <p:txBody>
+          <a:bodyPr lIns="0" rIns="0" tIns="0" bIns="0" anchor="t">
             <a:normAutofit/>
           </a:bodyPr>
           <a:p>
@@ -4589,25 +5596,29 @@
       </p:sp>
       <p:sp>
         <p:nvSpPr>
-          <p:cNvPr id="153" name="PlaceHolder 4"/>
-          <p:cNvSpPr>
-            <a:spLocks noGrp="1"/>
-          </p:cNvSpPr>
-          <p:nvPr>
-            <p:ph type="body"/>
-          </p:nvPr>
-        </p:nvSpPr>
-        <p:spPr>
-          <a:xfrm>
-            <a:off x="7174080" y="3956400"/>
-            <a:ext cx="4637880" cy="2232000"/>
-          </a:xfrm>
-          <a:prstGeom prst="rect">
-            <a:avLst/>
-          </a:prstGeom>
-        </p:spPr>
-        <p:txBody>
-          <a:bodyPr lIns="0" rIns="0" tIns="0" bIns="0">
+          <p:cNvPr id="152" name="PlaceHolder 4"/>
+          <p:cNvSpPr>
+            <a:spLocks noGrp="1"/>
+          </p:cNvSpPr>
+          <p:nvPr>
+            <p:ph/>
+          </p:nvPr>
+        </p:nvSpPr>
+        <p:spPr>
+          <a:xfrm>
+            <a:off x="6231960" y="3682080"/>
+            <a:ext cx="5354280" cy="1896840"/>
+          </a:xfrm>
+          <a:prstGeom prst="rect">
+            <a:avLst/>
+          </a:prstGeom>
+          <a:noFill/>
+          <a:ln w="0">
+            <a:noFill/>
+          </a:ln>
+        </p:spPr>
+        <p:txBody>
+          <a:bodyPr lIns="0" rIns="0" tIns="0" bIns="0" anchor="t">
             <a:normAutofit/>
           </a:bodyPr>
           <a:p>
@@ -4641,7 +5652,7 @@
       </p:grpSpPr>
       <p:sp>
         <p:nvSpPr>
-          <p:cNvPr id="154" name="PlaceHolder 1"/>
+          <p:cNvPr id="153" name="PlaceHolder 1"/>
           <p:cNvSpPr>
             <a:spLocks noGrp="1"/>
           </p:cNvSpPr>
@@ -4651,17 +5662,25 @@
         </p:nvSpPr>
         <p:spPr>
           <a:xfrm>
-            <a:off x="2762280" y="273600"/>
-            <a:ext cx="8397720" cy="1144800"/>
-          </a:xfrm>
-          <a:prstGeom prst="rect">
-            <a:avLst/>
-          </a:prstGeom>
-        </p:spPr>
-        <p:txBody>
-          <a:bodyPr lIns="0" rIns="0" tIns="0" bIns="0" anchor="ctr"/>
-          <a:p>
-            <a:pPr algn="ctr"/>
+            <a:off x="609480" y="273600"/>
+            <a:ext cx="10972440" cy="1144800"/>
+          </a:xfrm>
+          <a:prstGeom prst="rect">
+            <a:avLst/>
+          </a:prstGeom>
+          <a:noFill/>
+          <a:ln w="0">
+            <a:noFill/>
+          </a:ln>
+        </p:spPr>
+        <p:txBody>
+          <a:bodyPr lIns="0" rIns="0" tIns="0" bIns="0" anchor="ctr">
+            <a:noAutofit/>
+          </a:bodyPr>
+          <a:p>
+            <a:pPr algn="ctr">
+              <a:buNone/>
+            </a:pPr>
             <a:endParaRPr b="0" lang="es-AR" sz="4400" spc="-1" strike="noStrike">
               <a:latin typeface="Arial"/>
             </a:endParaRPr>
@@ -4670,25 +5689,29 @@
       </p:sp>
       <p:sp>
         <p:nvSpPr>
-          <p:cNvPr id="155" name="PlaceHolder 2"/>
-          <p:cNvSpPr>
-            <a:spLocks noGrp="1"/>
-          </p:cNvSpPr>
-          <p:nvPr>
-            <p:ph type="body"/>
-          </p:nvPr>
-        </p:nvSpPr>
-        <p:spPr>
-          <a:xfrm>
-            <a:off x="2304000" y="1512000"/>
-            <a:ext cx="4637880" cy="2232000"/>
-          </a:xfrm>
-          <a:prstGeom prst="rect">
-            <a:avLst/>
-          </a:prstGeom>
-        </p:spPr>
-        <p:txBody>
-          <a:bodyPr lIns="0" rIns="0" tIns="0" bIns="0">
+          <p:cNvPr id="154" name="PlaceHolder 2"/>
+          <p:cNvSpPr>
+            <a:spLocks noGrp="1"/>
+          </p:cNvSpPr>
+          <p:nvPr>
+            <p:ph/>
+          </p:nvPr>
+        </p:nvSpPr>
+        <p:spPr>
+          <a:xfrm>
+            <a:off x="609480" y="1604520"/>
+            <a:ext cx="5354280" cy="1896840"/>
+          </a:xfrm>
+          <a:prstGeom prst="rect">
+            <a:avLst/>
+          </a:prstGeom>
+          <a:noFill/>
+          <a:ln w="0">
+            <a:noFill/>
+          </a:ln>
+        </p:spPr>
+        <p:txBody>
+          <a:bodyPr lIns="0" rIns="0" tIns="0" bIns="0" anchor="t">
             <a:normAutofit/>
           </a:bodyPr>
           <a:p>
@@ -4700,25 +5723,29 @@
       </p:sp>
       <p:sp>
         <p:nvSpPr>
-          <p:cNvPr id="156" name="PlaceHolder 3"/>
-          <p:cNvSpPr>
-            <a:spLocks noGrp="1"/>
-          </p:cNvSpPr>
-          <p:nvPr>
-            <p:ph type="body"/>
-          </p:nvPr>
-        </p:nvSpPr>
-        <p:spPr>
-          <a:xfrm>
-            <a:off x="7174080" y="1512000"/>
-            <a:ext cx="4637880" cy="2232000"/>
-          </a:xfrm>
-          <a:prstGeom prst="rect">
-            <a:avLst/>
-          </a:prstGeom>
-        </p:spPr>
-        <p:txBody>
-          <a:bodyPr lIns="0" rIns="0" tIns="0" bIns="0">
+          <p:cNvPr id="155" name="PlaceHolder 3"/>
+          <p:cNvSpPr>
+            <a:spLocks noGrp="1"/>
+          </p:cNvSpPr>
+          <p:nvPr>
+            <p:ph/>
+          </p:nvPr>
+        </p:nvSpPr>
+        <p:spPr>
+          <a:xfrm>
+            <a:off x="6231960" y="1604520"/>
+            <a:ext cx="5354280" cy="1896840"/>
+          </a:xfrm>
+          <a:prstGeom prst="rect">
+            <a:avLst/>
+          </a:prstGeom>
+          <a:noFill/>
+          <a:ln w="0">
+            <a:noFill/>
+          </a:ln>
+        </p:spPr>
+        <p:txBody>
+          <a:bodyPr lIns="0" rIns="0" tIns="0" bIns="0" anchor="t">
             <a:normAutofit/>
           </a:bodyPr>
           <a:p>
@@ -4730,25 +5757,29 @@
       </p:sp>
       <p:sp>
         <p:nvSpPr>
-          <p:cNvPr id="157" name="PlaceHolder 4"/>
-          <p:cNvSpPr>
-            <a:spLocks noGrp="1"/>
-          </p:cNvSpPr>
-          <p:nvPr>
-            <p:ph type="body"/>
-          </p:nvPr>
-        </p:nvSpPr>
-        <p:spPr>
-          <a:xfrm>
-            <a:off x="2304000" y="3956400"/>
-            <a:ext cx="9504000" cy="2232000"/>
-          </a:xfrm>
-          <a:prstGeom prst="rect">
-            <a:avLst/>
-          </a:prstGeom>
-        </p:spPr>
-        <p:txBody>
-          <a:bodyPr lIns="0" rIns="0" tIns="0" bIns="0">
+          <p:cNvPr id="156" name="PlaceHolder 4"/>
+          <p:cNvSpPr>
+            <a:spLocks noGrp="1"/>
+          </p:cNvSpPr>
+          <p:nvPr>
+            <p:ph/>
+          </p:nvPr>
+        </p:nvSpPr>
+        <p:spPr>
+          <a:xfrm>
+            <a:off x="609480" y="3682080"/>
+            <a:ext cx="10972440" cy="1896840"/>
+          </a:xfrm>
+          <a:prstGeom prst="rect">
+            <a:avLst/>
+          </a:prstGeom>
+          <a:noFill/>
+          <a:ln w="0">
+            <a:noFill/>
+          </a:ln>
+        </p:spPr>
+        <p:txBody>
+          <a:bodyPr lIns="0" rIns="0" tIns="0" bIns="0" anchor="t">
             <a:normAutofit/>
           </a:bodyPr>
           <a:p>
@@ -4782,7 +5813,7 @@
       </p:grpSpPr>
       <p:sp>
         <p:nvSpPr>
-          <p:cNvPr id="158" name="PlaceHolder 1"/>
+          <p:cNvPr id="157" name="PlaceHolder 1"/>
           <p:cNvSpPr>
             <a:spLocks noGrp="1"/>
           </p:cNvSpPr>
@@ -4792,17 +5823,25 @@
         </p:nvSpPr>
         <p:spPr>
           <a:xfrm>
-            <a:off x="2762280" y="273600"/>
-            <a:ext cx="8397720" cy="1144800"/>
-          </a:xfrm>
-          <a:prstGeom prst="rect">
-            <a:avLst/>
-          </a:prstGeom>
-        </p:spPr>
-        <p:txBody>
-          <a:bodyPr lIns="0" rIns="0" tIns="0" bIns="0" anchor="ctr"/>
-          <a:p>
-            <a:pPr algn="ctr"/>
+            <a:off x="609480" y="273600"/>
+            <a:ext cx="10972440" cy="1144800"/>
+          </a:xfrm>
+          <a:prstGeom prst="rect">
+            <a:avLst/>
+          </a:prstGeom>
+          <a:noFill/>
+          <a:ln w="0">
+            <a:noFill/>
+          </a:ln>
+        </p:spPr>
+        <p:txBody>
+          <a:bodyPr lIns="0" rIns="0" tIns="0" bIns="0" anchor="ctr">
+            <a:noAutofit/>
+          </a:bodyPr>
+          <a:p>
+            <a:pPr algn="ctr">
+              <a:buNone/>
+            </a:pPr>
             <a:endParaRPr b="0" lang="es-AR" sz="4400" spc="-1" strike="noStrike">
               <a:latin typeface="Arial"/>
             </a:endParaRPr>
@@ -4811,25 +5850,29 @@
       </p:sp>
       <p:sp>
         <p:nvSpPr>
-          <p:cNvPr id="159" name="PlaceHolder 2"/>
-          <p:cNvSpPr>
-            <a:spLocks noGrp="1"/>
-          </p:cNvSpPr>
-          <p:nvPr>
-            <p:ph type="body"/>
-          </p:nvPr>
-        </p:nvSpPr>
-        <p:spPr>
-          <a:xfrm>
-            <a:off x="2304000" y="1512000"/>
-            <a:ext cx="9504000" cy="2232000"/>
-          </a:xfrm>
-          <a:prstGeom prst="rect">
-            <a:avLst/>
-          </a:prstGeom>
-        </p:spPr>
-        <p:txBody>
-          <a:bodyPr lIns="0" rIns="0" tIns="0" bIns="0">
+          <p:cNvPr id="158" name="PlaceHolder 2"/>
+          <p:cNvSpPr>
+            <a:spLocks noGrp="1"/>
+          </p:cNvSpPr>
+          <p:nvPr>
+            <p:ph/>
+          </p:nvPr>
+        </p:nvSpPr>
+        <p:spPr>
+          <a:xfrm>
+            <a:off x="609480" y="1604520"/>
+            <a:ext cx="10972440" cy="1896840"/>
+          </a:xfrm>
+          <a:prstGeom prst="rect">
+            <a:avLst/>
+          </a:prstGeom>
+          <a:noFill/>
+          <a:ln w="0">
+            <a:noFill/>
+          </a:ln>
+        </p:spPr>
+        <p:txBody>
+          <a:bodyPr lIns="0" rIns="0" tIns="0" bIns="0" anchor="t">
             <a:normAutofit/>
           </a:bodyPr>
           <a:p>
@@ -4841,25 +5884,29 @@
       </p:sp>
       <p:sp>
         <p:nvSpPr>
-          <p:cNvPr id="160" name="PlaceHolder 3"/>
-          <p:cNvSpPr>
-            <a:spLocks noGrp="1"/>
-          </p:cNvSpPr>
-          <p:nvPr>
-            <p:ph type="body"/>
-          </p:nvPr>
-        </p:nvSpPr>
-        <p:spPr>
-          <a:xfrm>
-            <a:off x="2304000" y="3956400"/>
-            <a:ext cx="9504000" cy="2232000"/>
-          </a:xfrm>
-          <a:prstGeom prst="rect">
-            <a:avLst/>
-          </a:prstGeom>
-        </p:spPr>
-        <p:txBody>
-          <a:bodyPr lIns="0" rIns="0" tIns="0" bIns="0">
+          <p:cNvPr id="159" name="PlaceHolder 3"/>
+          <p:cNvSpPr>
+            <a:spLocks noGrp="1"/>
+          </p:cNvSpPr>
+          <p:nvPr>
+            <p:ph/>
+          </p:nvPr>
+        </p:nvSpPr>
+        <p:spPr>
+          <a:xfrm>
+            <a:off x="609480" y="3682080"/>
+            <a:ext cx="10972440" cy="1896840"/>
+          </a:xfrm>
+          <a:prstGeom prst="rect">
+            <a:avLst/>
+          </a:prstGeom>
+          <a:noFill/>
+          <a:ln w="0">
+            <a:noFill/>
+          </a:ln>
+        </p:spPr>
+        <p:txBody>
+          <a:bodyPr lIns="0" rIns="0" tIns="0" bIns="0" anchor="t">
             <a:normAutofit/>
           </a:bodyPr>
           <a:p>
@@ -4893,7 +5940,7 @@
       </p:grpSpPr>
       <p:sp>
         <p:nvSpPr>
-          <p:cNvPr id="161" name="PlaceHolder 1"/>
+          <p:cNvPr id="160" name="PlaceHolder 1"/>
           <p:cNvSpPr>
             <a:spLocks noGrp="1"/>
           </p:cNvSpPr>
@@ -4903,17 +5950,25 @@
         </p:nvSpPr>
         <p:spPr>
           <a:xfrm>
-            <a:off x="2762280" y="273600"/>
-            <a:ext cx="8397720" cy="1144800"/>
-          </a:xfrm>
-          <a:prstGeom prst="rect">
-            <a:avLst/>
-          </a:prstGeom>
-        </p:spPr>
-        <p:txBody>
-          <a:bodyPr lIns="0" rIns="0" tIns="0" bIns="0" anchor="ctr"/>
-          <a:p>
-            <a:pPr algn="ctr"/>
+            <a:off x="609480" y="273600"/>
+            <a:ext cx="10972440" cy="1144800"/>
+          </a:xfrm>
+          <a:prstGeom prst="rect">
+            <a:avLst/>
+          </a:prstGeom>
+          <a:noFill/>
+          <a:ln w="0">
+            <a:noFill/>
+          </a:ln>
+        </p:spPr>
+        <p:txBody>
+          <a:bodyPr lIns="0" rIns="0" tIns="0" bIns="0" anchor="ctr">
+            <a:noAutofit/>
+          </a:bodyPr>
+          <a:p>
+            <a:pPr algn="ctr">
+              <a:buNone/>
+            </a:pPr>
             <a:endParaRPr b="0" lang="es-AR" sz="4400" spc="-1" strike="noStrike">
               <a:latin typeface="Arial"/>
             </a:endParaRPr>
@@ -4922,25 +5977,29 @@
       </p:sp>
       <p:sp>
         <p:nvSpPr>
-          <p:cNvPr id="162" name="PlaceHolder 2"/>
-          <p:cNvSpPr>
-            <a:spLocks noGrp="1"/>
-          </p:cNvSpPr>
-          <p:nvPr>
-            <p:ph type="body"/>
-          </p:nvPr>
-        </p:nvSpPr>
-        <p:spPr>
-          <a:xfrm>
-            <a:off x="2304000" y="1512000"/>
-            <a:ext cx="4637880" cy="2232000"/>
-          </a:xfrm>
-          <a:prstGeom prst="rect">
-            <a:avLst/>
-          </a:prstGeom>
-        </p:spPr>
-        <p:txBody>
-          <a:bodyPr lIns="0" rIns="0" tIns="0" bIns="0">
+          <p:cNvPr id="161" name="PlaceHolder 2"/>
+          <p:cNvSpPr>
+            <a:spLocks noGrp="1"/>
+          </p:cNvSpPr>
+          <p:nvPr>
+            <p:ph/>
+          </p:nvPr>
+        </p:nvSpPr>
+        <p:spPr>
+          <a:xfrm>
+            <a:off x="609480" y="1604520"/>
+            <a:ext cx="5354280" cy="1896840"/>
+          </a:xfrm>
+          <a:prstGeom prst="rect">
+            <a:avLst/>
+          </a:prstGeom>
+          <a:noFill/>
+          <a:ln w="0">
+            <a:noFill/>
+          </a:ln>
+        </p:spPr>
+        <p:txBody>
+          <a:bodyPr lIns="0" rIns="0" tIns="0" bIns="0" anchor="t">
             <a:normAutofit/>
           </a:bodyPr>
           <a:p>
@@ -4952,25 +6011,29 @@
       </p:sp>
       <p:sp>
         <p:nvSpPr>
-          <p:cNvPr id="163" name="PlaceHolder 3"/>
-          <p:cNvSpPr>
-            <a:spLocks noGrp="1"/>
-          </p:cNvSpPr>
-          <p:nvPr>
-            <p:ph type="body"/>
-          </p:nvPr>
-        </p:nvSpPr>
-        <p:spPr>
-          <a:xfrm>
-            <a:off x="7174080" y="1512000"/>
-            <a:ext cx="4637880" cy="2232000"/>
-          </a:xfrm>
-          <a:prstGeom prst="rect">
-            <a:avLst/>
-          </a:prstGeom>
-        </p:spPr>
-        <p:txBody>
-          <a:bodyPr lIns="0" rIns="0" tIns="0" bIns="0">
+          <p:cNvPr id="162" name="PlaceHolder 3"/>
+          <p:cNvSpPr>
+            <a:spLocks noGrp="1"/>
+          </p:cNvSpPr>
+          <p:nvPr>
+            <p:ph/>
+          </p:nvPr>
+        </p:nvSpPr>
+        <p:spPr>
+          <a:xfrm>
+            <a:off x="6231960" y="1604520"/>
+            <a:ext cx="5354280" cy="1896840"/>
+          </a:xfrm>
+          <a:prstGeom prst="rect">
+            <a:avLst/>
+          </a:prstGeom>
+          <a:noFill/>
+          <a:ln w="0">
+            <a:noFill/>
+          </a:ln>
+        </p:spPr>
+        <p:txBody>
+          <a:bodyPr lIns="0" rIns="0" tIns="0" bIns="0" anchor="t">
             <a:normAutofit/>
           </a:bodyPr>
           <a:p>
@@ -4982,25 +6045,29 @@
       </p:sp>
       <p:sp>
         <p:nvSpPr>
-          <p:cNvPr id="164" name="PlaceHolder 4"/>
-          <p:cNvSpPr>
-            <a:spLocks noGrp="1"/>
-          </p:cNvSpPr>
-          <p:nvPr>
-            <p:ph type="body"/>
-          </p:nvPr>
-        </p:nvSpPr>
-        <p:spPr>
-          <a:xfrm>
-            <a:off x="2304000" y="3956400"/>
-            <a:ext cx="4637880" cy="2232000"/>
-          </a:xfrm>
-          <a:prstGeom prst="rect">
-            <a:avLst/>
-          </a:prstGeom>
-        </p:spPr>
-        <p:txBody>
-          <a:bodyPr lIns="0" rIns="0" tIns="0" bIns="0">
+          <p:cNvPr id="163" name="PlaceHolder 4"/>
+          <p:cNvSpPr>
+            <a:spLocks noGrp="1"/>
+          </p:cNvSpPr>
+          <p:nvPr>
+            <p:ph/>
+          </p:nvPr>
+        </p:nvSpPr>
+        <p:spPr>
+          <a:xfrm>
+            <a:off x="609480" y="3682080"/>
+            <a:ext cx="5354280" cy="1896840"/>
+          </a:xfrm>
+          <a:prstGeom prst="rect">
+            <a:avLst/>
+          </a:prstGeom>
+          <a:noFill/>
+          <a:ln w="0">
+            <a:noFill/>
+          </a:ln>
+        </p:spPr>
+        <p:txBody>
+          <a:bodyPr lIns="0" rIns="0" tIns="0" bIns="0" anchor="t">
             <a:normAutofit/>
           </a:bodyPr>
           <a:p>
@@ -5012,25 +6079,29 @@
       </p:sp>
       <p:sp>
         <p:nvSpPr>
-          <p:cNvPr id="165" name="PlaceHolder 5"/>
-          <p:cNvSpPr>
-            <a:spLocks noGrp="1"/>
-          </p:cNvSpPr>
-          <p:nvPr>
-            <p:ph type="body"/>
-          </p:nvPr>
-        </p:nvSpPr>
-        <p:spPr>
-          <a:xfrm>
-            <a:off x="7174080" y="3956400"/>
-            <a:ext cx="4637880" cy="2232000"/>
-          </a:xfrm>
-          <a:prstGeom prst="rect">
-            <a:avLst/>
-          </a:prstGeom>
-        </p:spPr>
-        <p:txBody>
-          <a:bodyPr lIns="0" rIns="0" tIns="0" bIns="0">
+          <p:cNvPr id="164" name="PlaceHolder 5"/>
+          <p:cNvSpPr>
+            <a:spLocks noGrp="1"/>
+          </p:cNvSpPr>
+          <p:nvPr>
+            <p:ph/>
+          </p:nvPr>
+        </p:nvSpPr>
+        <p:spPr>
+          <a:xfrm>
+            <a:off x="6231960" y="3682080"/>
+            <a:ext cx="5354280" cy="1896840"/>
+          </a:xfrm>
+          <a:prstGeom prst="rect">
+            <a:avLst/>
+          </a:prstGeom>
+          <a:noFill/>
+          <a:ln w="0">
+            <a:noFill/>
+          </a:ln>
+        </p:spPr>
+        <p:txBody>
+          <a:bodyPr lIns="0" rIns="0" tIns="0" bIns="0" anchor="t">
             <a:normAutofit/>
           </a:bodyPr>
           <a:p>
@@ -5064,7 +6135,7 @@
       </p:grpSpPr>
       <p:sp>
         <p:nvSpPr>
-          <p:cNvPr id="166" name="PlaceHolder 1"/>
+          <p:cNvPr id="165" name="PlaceHolder 1"/>
           <p:cNvSpPr>
             <a:spLocks noGrp="1"/>
           </p:cNvSpPr>
@@ -5074,17 +6145,25 @@
         </p:nvSpPr>
         <p:spPr>
           <a:xfrm>
-            <a:off x="2762280" y="273600"/>
-            <a:ext cx="8397720" cy="1144800"/>
-          </a:xfrm>
-          <a:prstGeom prst="rect">
-            <a:avLst/>
-          </a:prstGeom>
-        </p:spPr>
-        <p:txBody>
-          <a:bodyPr lIns="0" rIns="0" tIns="0" bIns="0" anchor="ctr"/>
-          <a:p>
-            <a:pPr algn="ctr"/>
+            <a:off x="609480" y="273600"/>
+            <a:ext cx="10972440" cy="1144800"/>
+          </a:xfrm>
+          <a:prstGeom prst="rect">
+            <a:avLst/>
+          </a:prstGeom>
+          <a:noFill/>
+          <a:ln w="0">
+            <a:noFill/>
+          </a:ln>
+        </p:spPr>
+        <p:txBody>
+          <a:bodyPr lIns="0" rIns="0" tIns="0" bIns="0" anchor="ctr">
+            <a:noAutofit/>
+          </a:bodyPr>
+          <a:p>
+            <a:pPr algn="ctr">
+              <a:buNone/>
+            </a:pPr>
             <a:endParaRPr b="0" lang="es-AR" sz="4400" spc="-1" strike="noStrike">
               <a:latin typeface="Arial"/>
             </a:endParaRPr>
@@ -5093,25 +6172,29 @@
       </p:sp>
       <p:sp>
         <p:nvSpPr>
-          <p:cNvPr id="167" name="PlaceHolder 2"/>
-          <p:cNvSpPr>
-            <a:spLocks noGrp="1"/>
-          </p:cNvSpPr>
-          <p:nvPr>
-            <p:ph type="body"/>
-          </p:nvPr>
-        </p:nvSpPr>
-        <p:spPr>
-          <a:xfrm>
-            <a:off x="2304000" y="1512000"/>
-            <a:ext cx="3060000" cy="2232000"/>
-          </a:xfrm>
-          <a:prstGeom prst="rect">
-            <a:avLst/>
-          </a:prstGeom>
-        </p:spPr>
-        <p:txBody>
-          <a:bodyPr lIns="0" rIns="0" tIns="0" bIns="0">
+          <p:cNvPr id="166" name="PlaceHolder 2"/>
+          <p:cNvSpPr>
+            <a:spLocks noGrp="1"/>
+          </p:cNvSpPr>
+          <p:nvPr>
+            <p:ph/>
+          </p:nvPr>
+        </p:nvSpPr>
+        <p:spPr>
+          <a:xfrm>
+            <a:off x="609480" y="1604520"/>
+            <a:ext cx="3533040" cy="1896840"/>
+          </a:xfrm>
+          <a:prstGeom prst="rect">
+            <a:avLst/>
+          </a:prstGeom>
+          <a:noFill/>
+          <a:ln w="0">
+            <a:noFill/>
+          </a:ln>
+        </p:spPr>
+        <p:txBody>
+          <a:bodyPr lIns="0" rIns="0" tIns="0" bIns="0" anchor="t">
             <a:normAutofit/>
           </a:bodyPr>
           <a:p>
@@ -5123,25 +6206,29 @@
       </p:sp>
       <p:sp>
         <p:nvSpPr>
-          <p:cNvPr id="168" name="PlaceHolder 3"/>
-          <p:cNvSpPr>
-            <a:spLocks noGrp="1"/>
-          </p:cNvSpPr>
-          <p:nvPr>
-            <p:ph type="body"/>
-          </p:nvPr>
-        </p:nvSpPr>
-        <p:spPr>
-          <a:xfrm>
-            <a:off x="5517360" y="1512000"/>
-            <a:ext cx="3060000" cy="2232000"/>
-          </a:xfrm>
-          <a:prstGeom prst="rect">
-            <a:avLst/>
-          </a:prstGeom>
-        </p:spPr>
-        <p:txBody>
-          <a:bodyPr lIns="0" rIns="0" tIns="0" bIns="0">
+          <p:cNvPr id="167" name="PlaceHolder 3"/>
+          <p:cNvSpPr>
+            <a:spLocks noGrp="1"/>
+          </p:cNvSpPr>
+          <p:nvPr>
+            <p:ph/>
+          </p:nvPr>
+        </p:nvSpPr>
+        <p:spPr>
+          <a:xfrm>
+            <a:off x="4319640" y="1604520"/>
+            <a:ext cx="3533040" cy="1896840"/>
+          </a:xfrm>
+          <a:prstGeom prst="rect">
+            <a:avLst/>
+          </a:prstGeom>
+          <a:noFill/>
+          <a:ln w="0">
+            <a:noFill/>
+          </a:ln>
+        </p:spPr>
+        <p:txBody>
+          <a:bodyPr lIns="0" rIns="0" tIns="0" bIns="0" anchor="t">
             <a:normAutofit/>
           </a:bodyPr>
           <a:p>
@@ -5153,25 +6240,29 @@
       </p:sp>
       <p:sp>
         <p:nvSpPr>
-          <p:cNvPr id="169" name="PlaceHolder 4"/>
-          <p:cNvSpPr>
-            <a:spLocks noGrp="1"/>
-          </p:cNvSpPr>
-          <p:nvPr>
-            <p:ph type="body"/>
-          </p:nvPr>
-        </p:nvSpPr>
-        <p:spPr>
-          <a:xfrm>
-            <a:off x="8730720" y="1512000"/>
-            <a:ext cx="3060000" cy="2232000"/>
-          </a:xfrm>
-          <a:prstGeom prst="rect">
-            <a:avLst/>
-          </a:prstGeom>
-        </p:spPr>
-        <p:txBody>
-          <a:bodyPr lIns="0" rIns="0" tIns="0" bIns="0">
+          <p:cNvPr id="168" name="PlaceHolder 4"/>
+          <p:cNvSpPr>
+            <a:spLocks noGrp="1"/>
+          </p:cNvSpPr>
+          <p:nvPr>
+            <p:ph/>
+          </p:nvPr>
+        </p:nvSpPr>
+        <p:spPr>
+          <a:xfrm>
+            <a:off x="8029800" y="1604520"/>
+            <a:ext cx="3533040" cy="1896840"/>
+          </a:xfrm>
+          <a:prstGeom prst="rect">
+            <a:avLst/>
+          </a:prstGeom>
+          <a:noFill/>
+          <a:ln w="0">
+            <a:noFill/>
+          </a:ln>
+        </p:spPr>
+        <p:txBody>
+          <a:bodyPr lIns="0" rIns="0" tIns="0" bIns="0" anchor="t">
             <a:normAutofit/>
           </a:bodyPr>
           <a:p>
@@ -5183,25 +6274,29 @@
       </p:sp>
       <p:sp>
         <p:nvSpPr>
-          <p:cNvPr id="170" name="PlaceHolder 5"/>
-          <p:cNvSpPr>
-            <a:spLocks noGrp="1"/>
-          </p:cNvSpPr>
-          <p:nvPr>
-            <p:ph type="body"/>
-          </p:nvPr>
-        </p:nvSpPr>
-        <p:spPr>
-          <a:xfrm>
-            <a:off x="2304000" y="3956400"/>
-            <a:ext cx="3060000" cy="2232000"/>
-          </a:xfrm>
-          <a:prstGeom prst="rect">
-            <a:avLst/>
-          </a:prstGeom>
-        </p:spPr>
-        <p:txBody>
-          <a:bodyPr lIns="0" rIns="0" tIns="0" bIns="0">
+          <p:cNvPr id="169" name="PlaceHolder 5"/>
+          <p:cNvSpPr>
+            <a:spLocks noGrp="1"/>
+          </p:cNvSpPr>
+          <p:nvPr>
+            <p:ph/>
+          </p:nvPr>
+        </p:nvSpPr>
+        <p:spPr>
+          <a:xfrm>
+            <a:off x="609480" y="3682080"/>
+            <a:ext cx="3533040" cy="1896840"/>
+          </a:xfrm>
+          <a:prstGeom prst="rect">
+            <a:avLst/>
+          </a:prstGeom>
+          <a:noFill/>
+          <a:ln w="0">
+            <a:noFill/>
+          </a:ln>
+        </p:spPr>
+        <p:txBody>
+          <a:bodyPr lIns="0" rIns="0" tIns="0" bIns="0" anchor="t">
             <a:normAutofit/>
           </a:bodyPr>
           <a:p>
@@ -5213,25 +6308,29 @@
       </p:sp>
       <p:sp>
         <p:nvSpPr>
-          <p:cNvPr id="171" name="PlaceHolder 6"/>
-          <p:cNvSpPr>
-            <a:spLocks noGrp="1"/>
-          </p:cNvSpPr>
-          <p:nvPr>
-            <p:ph type="body"/>
-          </p:nvPr>
-        </p:nvSpPr>
-        <p:spPr>
-          <a:xfrm>
-            <a:off x="5517360" y="3956400"/>
-            <a:ext cx="3060000" cy="2232000"/>
-          </a:xfrm>
-          <a:prstGeom prst="rect">
-            <a:avLst/>
-          </a:prstGeom>
-        </p:spPr>
-        <p:txBody>
-          <a:bodyPr lIns="0" rIns="0" tIns="0" bIns="0">
+          <p:cNvPr id="170" name="PlaceHolder 6"/>
+          <p:cNvSpPr>
+            <a:spLocks noGrp="1"/>
+          </p:cNvSpPr>
+          <p:nvPr>
+            <p:ph/>
+          </p:nvPr>
+        </p:nvSpPr>
+        <p:spPr>
+          <a:xfrm>
+            <a:off x="4319640" y="3682080"/>
+            <a:ext cx="3533040" cy="1896840"/>
+          </a:xfrm>
+          <a:prstGeom prst="rect">
+            <a:avLst/>
+          </a:prstGeom>
+          <a:noFill/>
+          <a:ln w="0">
+            <a:noFill/>
+          </a:ln>
+        </p:spPr>
+        <p:txBody>
+          <a:bodyPr lIns="0" rIns="0" tIns="0" bIns="0" anchor="t">
             <a:normAutofit/>
           </a:bodyPr>
           <a:p>
@@ -5243,25 +6342,29 @@
       </p:sp>
       <p:sp>
         <p:nvSpPr>
-          <p:cNvPr id="172" name="PlaceHolder 7"/>
-          <p:cNvSpPr>
-            <a:spLocks noGrp="1"/>
-          </p:cNvSpPr>
-          <p:nvPr>
-            <p:ph type="body"/>
-          </p:nvPr>
-        </p:nvSpPr>
-        <p:spPr>
-          <a:xfrm>
-            <a:off x="8730720" y="3956400"/>
-            <a:ext cx="3060000" cy="2232000"/>
-          </a:xfrm>
-          <a:prstGeom prst="rect">
-            <a:avLst/>
-          </a:prstGeom>
-        </p:spPr>
-        <p:txBody>
-          <a:bodyPr lIns="0" rIns="0" tIns="0" bIns="0">
+          <p:cNvPr id="171" name="PlaceHolder 7"/>
+          <p:cNvSpPr>
+            <a:spLocks noGrp="1"/>
+          </p:cNvSpPr>
+          <p:nvPr>
+            <p:ph/>
+          </p:nvPr>
+        </p:nvSpPr>
+        <p:spPr>
+          <a:xfrm>
+            <a:off x="8029800" y="3682080"/>
+            <a:ext cx="3533040" cy="1896840"/>
+          </a:xfrm>
+          <a:prstGeom prst="rect">
+            <a:avLst/>
+          </a:prstGeom>
+          <a:noFill/>
+          <a:ln w="0">
+            <a:noFill/>
+          </a:ln>
+        </p:spPr>
+        <p:txBody>
+          <a:bodyPr lIns="0" rIns="0" tIns="0" bIns="0" anchor="t">
             <a:normAutofit/>
           </a:bodyPr>
           <a:p>
@@ -5736,7 +6839,7 @@
       </p:grpSpPr>
       <p:sp>
         <p:nvSpPr>
-          <p:cNvPr id="179" name="PlaceHolder 1"/>
+          <p:cNvPr id="178" name="PlaceHolder 1"/>
           <p:cNvSpPr>
             <a:spLocks noGrp="1"/>
           </p:cNvSpPr>
@@ -5746,17 +6849,25 @@
         </p:nvSpPr>
         <p:spPr>
           <a:xfrm>
-            <a:off x="2762280" y="273600"/>
-            <a:ext cx="8397720" cy="1144800"/>
-          </a:xfrm>
-          <a:prstGeom prst="rect">
-            <a:avLst/>
-          </a:prstGeom>
-        </p:spPr>
-        <p:txBody>
-          <a:bodyPr lIns="0" rIns="0" tIns="0" bIns="0" anchor="ctr"/>
-          <a:p>
-            <a:pPr algn="ctr"/>
+            <a:off x="609480" y="273600"/>
+            <a:ext cx="10972440" cy="1144800"/>
+          </a:xfrm>
+          <a:prstGeom prst="rect">
+            <a:avLst/>
+          </a:prstGeom>
+          <a:noFill/>
+          <a:ln w="0">
+            <a:noFill/>
+          </a:ln>
+        </p:spPr>
+        <p:txBody>
+          <a:bodyPr lIns="0" rIns="0" tIns="0" bIns="0" anchor="ctr">
+            <a:noAutofit/>
+          </a:bodyPr>
+          <a:p>
+            <a:pPr algn="ctr">
+              <a:buNone/>
+            </a:pPr>
             <a:endParaRPr b="0" lang="es-AR" sz="4400" spc="-1" strike="noStrike">
               <a:latin typeface="Arial"/>
             </a:endParaRPr>
@@ -5765,7 +6876,7 @@
       </p:sp>
       <p:sp>
         <p:nvSpPr>
-          <p:cNvPr id="180" name="PlaceHolder 2"/>
+          <p:cNvPr id="179" name="PlaceHolder 2"/>
           <p:cNvSpPr>
             <a:spLocks noGrp="1"/>
           </p:cNvSpPr>
@@ -5775,17 +6886,25 @@
         </p:nvSpPr>
         <p:spPr>
           <a:xfrm>
-            <a:off x="2304000" y="1512000"/>
-            <a:ext cx="9504000" cy="4680000"/>
-          </a:xfrm>
-          <a:prstGeom prst="rect">
-            <a:avLst/>
-          </a:prstGeom>
-        </p:spPr>
-        <p:txBody>
-          <a:bodyPr lIns="0" rIns="0" tIns="0" bIns="0" anchor="ctr"/>
-          <a:p>
-            <a:pPr algn="ctr"/>
+            <a:off x="609480" y="1604520"/>
+            <a:ext cx="10972440" cy="3977280"/>
+          </a:xfrm>
+          <a:prstGeom prst="rect">
+            <a:avLst/>
+          </a:prstGeom>
+          <a:noFill/>
+          <a:ln w="0">
+            <a:noFill/>
+          </a:ln>
+        </p:spPr>
+        <p:txBody>
+          <a:bodyPr lIns="0" rIns="0" tIns="0" bIns="0" anchor="ctr">
+            <a:noAutofit/>
+          </a:bodyPr>
+          <a:p>
+            <a:pPr algn="ctr">
+              <a:buNone/>
+            </a:pPr>
             <a:endParaRPr b="0" lang="es-AR" sz="3200" spc="-1" strike="noStrike">
               <a:latin typeface="Arial"/>
             </a:endParaRPr>
@@ -5816,7 +6935,7 @@
       </p:grpSpPr>
       <p:sp>
         <p:nvSpPr>
-          <p:cNvPr id="181" name="PlaceHolder 1"/>
+          <p:cNvPr id="180" name="PlaceHolder 1"/>
           <p:cNvSpPr>
             <a:spLocks noGrp="1"/>
           </p:cNvSpPr>
@@ -5826,17 +6945,25 @@
         </p:nvSpPr>
         <p:spPr>
           <a:xfrm>
-            <a:off x="2762280" y="273600"/>
-            <a:ext cx="8397720" cy="1144800"/>
-          </a:xfrm>
-          <a:prstGeom prst="rect">
-            <a:avLst/>
-          </a:prstGeom>
-        </p:spPr>
-        <p:txBody>
-          <a:bodyPr lIns="0" rIns="0" tIns="0" bIns="0" anchor="ctr"/>
-          <a:p>
-            <a:pPr algn="ctr"/>
+            <a:off x="609480" y="273600"/>
+            <a:ext cx="10972440" cy="1144800"/>
+          </a:xfrm>
+          <a:prstGeom prst="rect">
+            <a:avLst/>
+          </a:prstGeom>
+          <a:noFill/>
+          <a:ln w="0">
+            <a:noFill/>
+          </a:ln>
+        </p:spPr>
+        <p:txBody>
+          <a:bodyPr lIns="0" rIns="0" tIns="0" bIns="0" anchor="ctr">
+            <a:noAutofit/>
+          </a:bodyPr>
+          <a:p>
+            <a:pPr algn="ctr">
+              <a:buNone/>
+            </a:pPr>
             <a:endParaRPr b="0" lang="es-AR" sz="4400" spc="-1" strike="noStrike">
               <a:latin typeface="Arial"/>
             </a:endParaRPr>
@@ -5845,25 +6972,29 @@
       </p:sp>
       <p:sp>
         <p:nvSpPr>
-          <p:cNvPr id="182" name="PlaceHolder 2"/>
-          <p:cNvSpPr>
-            <a:spLocks noGrp="1"/>
-          </p:cNvSpPr>
-          <p:nvPr>
-            <p:ph type="body"/>
-          </p:nvPr>
-        </p:nvSpPr>
-        <p:spPr>
-          <a:xfrm>
-            <a:off x="2304000" y="1512000"/>
-            <a:ext cx="9504000" cy="4680000"/>
-          </a:xfrm>
-          <a:prstGeom prst="rect">
-            <a:avLst/>
-          </a:prstGeom>
-        </p:spPr>
-        <p:txBody>
-          <a:bodyPr lIns="0" rIns="0" tIns="0" bIns="0">
+          <p:cNvPr id="181" name="PlaceHolder 2"/>
+          <p:cNvSpPr>
+            <a:spLocks noGrp="1"/>
+          </p:cNvSpPr>
+          <p:nvPr>
+            <p:ph/>
+          </p:nvPr>
+        </p:nvSpPr>
+        <p:spPr>
+          <a:xfrm>
+            <a:off x="609480" y="1604520"/>
+            <a:ext cx="10972440" cy="3977280"/>
+          </a:xfrm>
+          <a:prstGeom prst="rect">
+            <a:avLst/>
+          </a:prstGeom>
+          <a:noFill/>
+          <a:ln w="0">
+            <a:noFill/>
+          </a:ln>
+        </p:spPr>
+        <p:txBody>
+          <a:bodyPr lIns="0" rIns="0" tIns="0" bIns="0" anchor="t">
             <a:normAutofit/>
           </a:bodyPr>
           <a:p>
@@ -5897,7 +7028,7 @@
       </p:grpSpPr>
       <p:sp>
         <p:nvSpPr>
-          <p:cNvPr id="183" name="PlaceHolder 1"/>
+          <p:cNvPr id="182" name="PlaceHolder 1"/>
           <p:cNvSpPr>
             <a:spLocks noGrp="1"/>
           </p:cNvSpPr>
@@ -5907,17 +7038,25 @@
         </p:nvSpPr>
         <p:spPr>
           <a:xfrm>
-            <a:off x="2762280" y="273600"/>
-            <a:ext cx="8397720" cy="1144800"/>
-          </a:xfrm>
-          <a:prstGeom prst="rect">
-            <a:avLst/>
-          </a:prstGeom>
-        </p:spPr>
-        <p:txBody>
-          <a:bodyPr lIns="0" rIns="0" tIns="0" bIns="0" anchor="ctr"/>
-          <a:p>
-            <a:pPr algn="ctr"/>
+            <a:off x="609480" y="273600"/>
+            <a:ext cx="10972440" cy="1144800"/>
+          </a:xfrm>
+          <a:prstGeom prst="rect">
+            <a:avLst/>
+          </a:prstGeom>
+          <a:noFill/>
+          <a:ln w="0">
+            <a:noFill/>
+          </a:ln>
+        </p:spPr>
+        <p:txBody>
+          <a:bodyPr lIns="0" rIns="0" tIns="0" bIns="0" anchor="ctr">
+            <a:noAutofit/>
+          </a:bodyPr>
+          <a:p>
+            <a:pPr algn="ctr">
+              <a:buNone/>
+            </a:pPr>
             <a:endParaRPr b="0" lang="es-AR" sz="4400" spc="-1" strike="noStrike">
               <a:latin typeface="Arial"/>
             </a:endParaRPr>
@@ -5926,25 +7065,29 @@
       </p:sp>
       <p:sp>
         <p:nvSpPr>
-          <p:cNvPr id="184" name="PlaceHolder 2"/>
-          <p:cNvSpPr>
-            <a:spLocks noGrp="1"/>
-          </p:cNvSpPr>
-          <p:nvPr>
-            <p:ph type="body"/>
-          </p:nvPr>
-        </p:nvSpPr>
-        <p:spPr>
-          <a:xfrm>
-            <a:off x="2304000" y="1512000"/>
-            <a:ext cx="4637880" cy="4680000"/>
-          </a:xfrm>
-          <a:prstGeom prst="rect">
-            <a:avLst/>
-          </a:prstGeom>
-        </p:spPr>
-        <p:txBody>
-          <a:bodyPr lIns="0" rIns="0" tIns="0" bIns="0">
+          <p:cNvPr id="183" name="PlaceHolder 2"/>
+          <p:cNvSpPr>
+            <a:spLocks noGrp="1"/>
+          </p:cNvSpPr>
+          <p:nvPr>
+            <p:ph/>
+          </p:nvPr>
+        </p:nvSpPr>
+        <p:spPr>
+          <a:xfrm>
+            <a:off x="609480" y="1604520"/>
+            <a:ext cx="5354280" cy="3977280"/>
+          </a:xfrm>
+          <a:prstGeom prst="rect">
+            <a:avLst/>
+          </a:prstGeom>
+          <a:noFill/>
+          <a:ln w="0">
+            <a:noFill/>
+          </a:ln>
+        </p:spPr>
+        <p:txBody>
+          <a:bodyPr lIns="0" rIns="0" tIns="0" bIns="0" anchor="t">
             <a:normAutofit/>
           </a:bodyPr>
           <a:p>
@@ -5956,25 +7099,29 @@
       </p:sp>
       <p:sp>
         <p:nvSpPr>
-          <p:cNvPr id="185" name="PlaceHolder 3"/>
-          <p:cNvSpPr>
-            <a:spLocks noGrp="1"/>
-          </p:cNvSpPr>
-          <p:nvPr>
-            <p:ph type="body"/>
-          </p:nvPr>
-        </p:nvSpPr>
-        <p:spPr>
-          <a:xfrm>
-            <a:off x="7174080" y="1512000"/>
-            <a:ext cx="4637880" cy="4680000"/>
-          </a:xfrm>
-          <a:prstGeom prst="rect">
-            <a:avLst/>
-          </a:prstGeom>
-        </p:spPr>
-        <p:txBody>
-          <a:bodyPr lIns="0" rIns="0" tIns="0" bIns="0">
+          <p:cNvPr id="184" name="PlaceHolder 3"/>
+          <p:cNvSpPr>
+            <a:spLocks noGrp="1"/>
+          </p:cNvSpPr>
+          <p:nvPr>
+            <p:ph/>
+          </p:nvPr>
+        </p:nvSpPr>
+        <p:spPr>
+          <a:xfrm>
+            <a:off x="6231960" y="1604520"/>
+            <a:ext cx="5354280" cy="3977280"/>
+          </a:xfrm>
+          <a:prstGeom prst="rect">
+            <a:avLst/>
+          </a:prstGeom>
+          <a:noFill/>
+          <a:ln w="0">
+            <a:noFill/>
+          </a:ln>
+        </p:spPr>
+        <p:txBody>
+          <a:bodyPr lIns="0" rIns="0" tIns="0" bIns="0" anchor="t">
             <a:normAutofit/>
           </a:bodyPr>
           <a:p>
@@ -6008,7 +7155,7 @@
       </p:grpSpPr>
       <p:sp>
         <p:nvSpPr>
-          <p:cNvPr id="186" name="PlaceHolder 1"/>
+          <p:cNvPr id="185" name="PlaceHolder 1"/>
           <p:cNvSpPr>
             <a:spLocks noGrp="1"/>
           </p:cNvSpPr>
@@ -6018,17 +7165,25 @@
         </p:nvSpPr>
         <p:spPr>
           <a:xfrm>
-            <a:off x="2762280" y="273600"/>
-            <a:ext cx="8397720" cy="1144800"/>
-          </a:xfrm>
-          <a:prstGeom prst="rect">
-            <a:avLst/>
-          </a:prstGeom>
-        </p:spPr>
-        <p:txBody>
-          <a:bodyPr lIns="0" rIns="0" tIns="0" bIns="0" anchor="ctr"/>
-          <a:p>
-            <a:pPr algn="ctr"/>
+            <a:off x="609480" y="273600"/>
+            <a:ext cx="10972440" cy="1144800"/>
+          </a:xfrm>
+          <a:prstGeom prst="rect">
+            <a:avLst/>
+          </a:prstGeom>
+          <a:noFill/>
+          <a:ln w="0">
+            <a:noFill/>
+          </a:ln>
+        </p:spPr>
+        <p:txBody>
+          <a:bodyPr lIns="0" rIns="0" tIns="0" bIns="0" anchor="ctr">
+            <a:noAutofit/>
+          </a:bodyPr>
+          <a:p>
+            <a:pPr algn="ctr">
+              <a:buNone/>
+            </a:pPr>
             <a:endParaRPr b="0" lang="es-AR" sz="4400" spc="-1" strike="noStrike">
               <a:latin typeface="Arial"/>
             </a:endParaRPr>
@@ -6059,7 +7214,7 @@
       </p:grpSpPr>
       <p:sp>
         <p:nvSpPr>
-          <p:cNvPr id="187" name="PlaceHolder 1"/>
+          <p:cNvPr id="186" name="PlaceHolder 1"/>
           <p:cNvSpPr>
             <a:spLocks noGrp="1"/>
           </p:cNvSpPr>
@@ -6069,17 +7224,25 @@
         </p:nvSpPr>
         <p:spPr>
           <a:xfrm>
-            <a:off x="2762280" y="273600"/>
-            <a:ext cx="8397720" cy="5307840"/>
-          </a:xfrm>
-          <a:prstGeom prst="rect">
-            <a:avLst/>
-          </a:prstGeom>
-        </p:spPr>
-        <p:txBody>
-          <a:bodyPr lIns="0" rIns="0" tIns="0" bIns="0" anchor="ctr"/>
-          <a:p>
-            <a:pPr algn="ctr"/>
+            <a:off x="609480" y="273600"/>
+            <a:ext cx="10972440" cy="5307840"/>
+          </a:xfrm>
+          <a:prstGeom prst="rect">
+            <a:avLst/>
+          </a:prstGeom>
+          <a:noFill/>
+          <a:ln w="0">
+            <a:noFill/>
+          </a:ln>
+        </p:spPr>
+        <p:txBody>
+          <a:bodyPr lIns="0" rIns="0" tIns="0" bIns="0" anchor="ctr">
+            <a:noAutofit/>
+          </a:bodyPr>
+          <a:p>
+            <a:pPr algn="ctr">
+              <a:buNone/>
+            </a:pPr>
             <a:endParaRPr b="0" lang="es-AR" sz="3200" spc="-1" strike="noStrike">
               <a:latin typeface="Arial"/>
             </a:endParaRPr>
@@ -6110,7 +7273,7 @@
       </p:grpSpPr>
       <p:sp>
         <p:nvSpPr>
-          <p:cNvPr id="188" name="PlaceHolder 1"/>
+          <p:cNvPr id="187" name="PlaceHolder 1"/>
           <p:cNvSpPr>
             <a:spLocks noGrp="1"/>
           </p:cNvSpPr>
@@ -6120,17 +7283,25 @@
         </p:nvSpPr>
         <p:spPr>
           <a:xfrm>
-            <a:off x="2762280" y="273600"/>
-            <a:ext cx="8397720" cy="1144800"/>
-          </a:xfrm>
-          <a:prstGeom prst="rect">
-            <a:avLst/>
-          </a:prstGeom>
-        </p:spPr>
-        <p:txBody>
-          <a:bodyPr lIns="0" rIns="0" tIns="0" bIns="0" anchor="ctr"/>
-          <a:p>
-            <a:pPr algn="ctr"/>
+            <a:off x="609480" y="273600"/>
+            <a:ext cx="10972440" cy="1144800"/>
+          </a:xfrm>
+          <a:prstGeom prst="rect">
+            <a:avLst/>
+          </a:prstGeom>
+          <a:noFill/>
+          <a:ln w="0">
+            <a:noFill/>
+          </a:ln>
+        </p:spPr>
+        <p:txBody>
+          <a:bodyPr lIns="0" rIns="0" tIns="0" bIns="0" anchor="ctr">
+            <a:noAutofit/>
+          </a:bodyPr>
+          <a:p>
+            <a:pPr algn="ctr">
+              <a:buNone/>
+            </a:pPr>
             <a:endParaRPr b="0" lang="es-AR" sz="4400" spc="-1" strike="noStrike">
               <a:latin typeface="Arial"/>
             </a:endParaRPr>
@@ -6139,25 +7310,29 @@
       </p:sp>
       <p:sp>
         <p:nvSpPr>
-          <p:cNvPr id="189" name="PlaceHolder 2"/>
-          <p:cNvSpPr>
-            <a:spLocks noGrp="1"/>
-          </p:cNvSpPr>
-          <p:nvPr>
-            <p:ph type="body"/>
-          </p:nvPr>
-        </p:nvSpPr>
-        <p:spPr>
-          <a:xfrm>
-            <a:off x="2304000" y="1512000"/>
-            <a:ext cx="4637880" cy="2232000"/>
-          </a:xfrm>
-          <a:prstGeom prst="rect">
-            <a:avLst/>
-          </a:prstGeom>
-        </p:spPr>
-        <p:txBody>
-          <a:bodyPr lIns="0" rIns="0" tIns="0" bIns="0">
+          <p:cNvPr id="188" name="PlaceHolder 2"/>
+          <p:cNvSpPr>
+            <a:spLocks noGrp="1"/>
+          </p:cNvSpPr>
+          <p:nvPr>
+            <p:ph/>
+          </p:nvPr>
+        </p:nvSpPr>
+        <p:spPr>
+          <a:xfrm>
+            <a:off x="609480" y="1604520"/>
+            <a:ext cx="5354280" cy="1896840"/>
+          </a:xfrm>
+          <a:prstGeom prst="rect">
+            <a:avLst/>
+          </a:prstGeom>
+          <a:noFill/>
+          <a:ln w="0">
+            <a:noFill/>
+          </a:ln>
+        </p:spPr>
+        <p:txBody>
+          <a:bodyPr lIns="0" rIns="0" tIns="0" bIns="0" anchor="t">
             <a:normAutofit/>
           </a:bodyPr>
           <a:p>
@@ -6169,25 +7344,29 @@
       </p:sp>
       <p:sp>
         <p:nvSpPr>
-          <p:cNvPr id="190" name="PlaceHolder 3"/>
-          <p:cNvSpPr>
-            <a:spLocks noGrp="1"/>
-          </p:cNvSpPr>
-          <p:nvPr>
-            <p:ph type="body"/>
-          </p:nvPr>
-        </p:nvSpPr>
-        <p:spPr>
-          <a:xfrm>
-            <a:off x="7174080" y="1512000"/>
-            <a:ext cx="4637880" cy="4680000"/>
-          </a:xfrm>
-          <a:prstGeom prst="rect">
-            <a:avLst/>
-          </a:prstGeom>
-        </p:spPr>
-        <p:txBody>
-          <a:bodyPr lIns="0" rIns="0" tIns="0" bIns="0">
+          <p:cNvPr id="189" name="PlaceHolder 3"/>
+          <p:cNvSpPr>
+            <a:spLocks noGrp="1"/>
+          </p:cNvSpPr>
+          <p:nvPr>
+            <p:ph/>
+          </p:nvPr>
+        </p:nvSpPr>
+        <p:spPr>
+          <a:xfrm>
+            <a:off x="6231960" y="1604520"/>
+            <a:ext cx="5354280" cy="3977280"/>
+          </a:xfrm>
+          <a:prstGeom prst="rect">
+            <a:avLst/>
+          </a:prstGeom>
+          <a:noFill/>
+          <a:ln w="0">
+            <a:noFill/>
+          </a:ln>
+        </p:spPr>
+        <p:txBody>
+          <a:bodyPr lIns="0" rIns="0" tIns="0" bIns="0" anchor="t">
             <a:normAutofit/>
           </a:bodyPr>
           <a:p>
@@ -6199,25 +7378,29 @@
       </p:sp>
       <p:sp>
         <p:nvSpPr>
-          <p:cNvPr id="191" name="PlaceHolder 4"/>
-          <p:cNvSpPr>
-            <a:spLocks noGrp="1"/>
-          </p:cNvSpPr>
-          <p:nvPr>
-            <p:ph type="body"/>
-          </p:nvPr>
-        </p:nvSpPr>
-        <p:spPr>
-          <a:xfrm>
-            <a:off x="2304000" y="3956400"/>
-            <a:ext cx="4637880" cy="2232000"/>
-          </a:xfrm>
-          <a:prstGeom prst="rect">
-            <a:avLst/>
-          </a:prstGeom>
-        </p:spPr>
-        <p:txBody>
-          <a:bodyPr lIns="0" rIns="0" tIns="0" bIns="0">
+          <p:cNvPr id="190" name="PlaceHolder 4"/>
+          <p:cNvSpPr>
+            <a:spLocks noGrp="1"/>
+          </p:cNvSpPr>
+          <p:nvPr>
+            <p:ph/>
+          </p:nvPr>
+        </p:nvSpPr>
+        <p:spPr>
+          <a:xfrm>
+            <a:off x="609480" y="3682080"/>
+            <a:ext cx="5354280" cy="1896840"/>
+          </a:xfrm>
+          <a:prstGeom prst="rect">
+            <a:avLst/>
+          </a:prstGeom>
+          <a:noFill/>
+          <a:ln w="0">
+            <a:noFill/>
+          </a:ln>
+        </p:spPr>
+        <p:txBody>
+          <a:bodyPr lIns="0" rIns="0" tIns="0" bIns="0" anchor="t">
             <a:normAutofit/>
           </a:bodyPr>
           <a:p>
@@ -6251,7 +7434,7 @@
       </p:grpSpPr>
       <p:sp>
         <p:nvSpPr>
-          <p:cNvPr id="192" name="PlaceHolder 1"/>
+          <p:cNvPr id="191" name="PlaceHolder 1"/>
           <p:cNvSpPr>
             <a:spLocks noGrp="1"/>
           </p:cNvSpPr>
@@ -6261,17 +7444,25 @@
         </p:nvSpPr>
         <p:spPr>
           <a:xfrm>
-            <a:off x="2762280" y="273600"/>
-            <a:ext cx="8397720" cy="1144800"/>
-          </a:xfrm>
-          <a:prstGeom prst="rect">
-            <a:avLst/>
-          </a:prstGeom>
-        </p:spPr>
-        <p:txBody>
-          <a:bodyPr lIns="0" rIns="0" tIns="0" bIns="0" anchor="ctr"/>
-          <a:p>
-            <a:pPr algn="ctr"/>
+            <a:off x="609480" y="273600"/>
+            <a:ext cx="10972440" cy="1144800"/>
+          </a:xfrm>
+          <a:prstGeom prst="rect">
+            <a:avLst/>
+          </a:prstGeom>
+          <a:noFill/>
+          <a:ln w="0">
+            <a:noFill/>
+          </a:ln>
+        </p:spPr>
+        <p:txBody>
+          <a:bodyPr lIns="0" rIns="0" tIns="0" bIns="0" anchor="ctr">
+            <a:noAutofit/>
+          </a:bodyPr>
+          <a:p>
+            <a:pPr algn="ctr">
+              <a:buNone/>
+            </a:pPr>
             <a:endParaRPr b="0" lang="es-AR" sz="4400" spc="-1" strike="noStrike">
               <a:latin typeface="Arial"/>
             </a:endParaRPr>
@@ -6280,25 +7471,29 @@
       </p:sp>
       <p:sp>
         <p:nvSpPr>
-          <p:cNvPr id="193" name="PlaceHolder 2"/>
-          <p:cNvSpPr>
-            <a:spLocks noGrp="1"/>
-          </p:cNvSpPr>
-          <p:nvPr>
-            <p:ph type="body"/>
-          </p:nvPr>
-        </p:nvSpPr>
-        <p:spPr>
-          <a:xfrm>
-            <a:off x="2304000" y="1512000"/>
-            <a:ext cx="4637880" cy="4680000"/>
-          </a:xfrm>
-          <a:prstGeom prst="rect">
-            <a:avLst/>
-          </a:prstGeom>
-        </p:spPr>
-        <p:txBody>
-          <a:bodyPr lIns="0" rIns="0" tIns="0" bIns="0">
+          <p:cNvPr id="192" name="PlaceHolder 2"/>
+          <p:cNvSpPr>
+            <a:spLocks noGrp="1"/>
+          </p:cNvSpPr>
+          <p:nvPr>
+            <p:ph/>
+          </p:nvPr>
+        </p:nvSpPr>
+        <p:spPr>
+          <a:xfrm>
+            <a:off x="609480" y="1604520"/>
+            <a:ext cx="5354280" cy="3977280"/>
+          </a:xfrm>
+          <a:prstGeom prst="rect">
+            <a:avLst/>
+          </a:prstGeom>
+          <a:noFill/>
+          <a:ln w="0">
+            <a:noFill/>
+          </a:ln>
+        </p:spPr>
+        <p:txBody>
+          <a:bodyPr lIns="0" rIns="0" tIns="0" bIns="0" anchor="t">
             <a:normAutofit/>
           </a:bodyPr>
           <a:p>
@@ -6310,25 +7505,29 @@
       </p:sp>
       <p:sp>
         <p:nvSpPr>
-          <p:cNvPr id="194" name="PlaceHolder 3"/>
-          <p:cNvSpPr>
-            <a:spLocks noGrp="1"/>
-          </p:cNvSpPr>
-          <p:nvPr>
-            <p:ph type="body"/>
-          </p:nvPr>
-        </p:nvSpPr>
-        <p:spPr>
-          <a:xfrm>
-            <a:off x="7174080" y="1512000"/>
-            <a:ext cx="4637880" cy="2232000"/>
-          </a:xfrm>
-          <a:prstGeom prst="rect">
-            <a:avLst/>
-          </a:prstGeom>
-        </p:spPr>
-        <p:txBody>
-          <a:bodyPr lIns="0" rIns="0" tIns="0" bIns="0">
+          <p:cNvPr id="193" name="PlaceHolder 3"/>
+          <p:cNvSpPr>
+            <a:spLocks noGrp="1"/>
+          </p:cNvSpPr>
+          <p:nvPr>
+            <p:ph/>
+          </p:nvPr>
+        </p:nvSpPr>
+        <p:spPr>
+          <a:xfrm>
+            <a:off x="6231960" y="1604520"/>
+            <a:ext cx="5354280" cy="1896840"/>
+          </a:xfrm>
+          <a:prstGeom prst="rect">
+            <a:avLst/>
+          </a:prstGeom>
+          <a:noFill/>
+          <a:ln w="0">
+            <a:noFill/>
+          </a:ln>
+        </p:spPr>
+        <p:txBody>
+          <a:bodyPr lIns="0" rIns="0" tIns="0" bIns="0" anchor="t">
             <a:normAutofit/>
           </a:bodyPr>
           <a:p>
@@ -6340,25 +7539,29 @@
       </p:sp>
       <p:sp>
         <p:nvSpPr>
-          <p:cNvPr id="195" name="PlaceHolder 4"/>
-          <p:cNvSpPr>
-            <a:spLocks noGrp="1"/>
-          </p:cNvSpPr>
-          <p:nvPr>
-            <p:ph type="body"/>
-          </p:nvPr>
-        </p:nvSpPr>
-        <p:spPr>
-          <a:xfrm>
-            <a:off x="7174080" y="3956400"/>
-            <a:ext cx="4637880" cy="2232000"/>
-          </a:xfrm>
-          <a:prstGeom prst="rect">
-            <a:avLst/>
-          </a:prstGeom>
-        </p:spPr>
-        <p:txBody>
-          <a:bodyPr lIns="0" rIns="0" tIns="0" bIns="0">
+          <p:cNvPr id="194" name="PlaceHolder 4"/>
+          <p:cNvSpPr>
+            <a:spLocks noGrp="1"/>
+          </p:cNvSpPr>
+          <p:nvPr>
+            <p:ph/>
+          </p:nvPr>
+        </p:nvSpPr>
+        <p:spPr>
+          <a:xfrm>
+            <a:off x="6231960" y="3682080"/>
+            <a:ext cx="5354280" cy="1896840"/>
+          </a:xfrm>
+          <a:prstGeom prst="rect">
+            <a:avLst/>
+          </a:prstGeom>
+          <a:noFill/>
+          <a:ln w="0">
+            <a:noFill/>
+          </a:ln>
+        </p:spPr>
+        <p:txBody>
+          <a:bodyPr lIns="0" rIns="0" tIns="0" bIns="0" anchor="t">
             <a:normAutofit/>
           </a:bodyPr>
           <a:p>
@@ -6392,7 +7595,7 @@
       </p:grpSpPr>
       <p:sp>
         <p:nvSpPr>
-          <p:cNvPr id="196" name="PlaceHolder 1"/>
+          <p:cNvPr id="195" name="PlaceHolder 1"/>
           <p:cNvSpPr>
             <a:spLocks noGrp="1"/>
           </p:cNvSpPr>
@@ -6402,17 +7605,25 @@
         </p:nvSpPr>
         <p:spPr>
           <a:xfrm>
-            <a:off x="2762280" y="273600"/>
-            <a:ext cx="8397720" cy="1144800"/>
-          </a:xfrm>
-          <a:prstGeom prst="rect">
-            <a:avLst/>
-          </a:prstGeom>
-        </p:spPr>
-        <p:txBody>
-          <a:bodyPr lIns="0" rIns="0" tIns="0" bIns="0" anchor="ctr"/>
-          <a:p>
-            <a:pPr algn="ctr"/>
+            <a:off x="609480" y="273600"/>
+            <a:ext cx="10972440" cy="1144800"/>
+          </a:xfrm>
+          <a:prstGeom prst="rect">
+            <a:avLst/>
+          </a:prstGeom>
+          <a:noFill/>
+          <a:ln w="0">
+            <a:noFill/>
+          </a:ln>
+        </p:spPr>
+        <p:txBody>
+          <a:bodyPr lIns="0" rIns="0" tIns="0" bIns="0" anchor="ctr">
+            <a:noAutofit/>
+          </a:bodyPr>
+          <a:p>
+            <a:pPr algn="ctr">
+              <a:buNone/>
+            </a:pPr>
             <a:endParaRPr b="0" lang="es-AR" sz="4400" spc="-1" strike="noStrike">
               <a:latin typeface="Arial"/>
             </a:endParaRPr>
@@ -6421,25 +7632,29 @@
       </p:sp>
       <p:sp>
         <p:nvSpPr>
-          <p:cNvPr id="197" name="PlaceHolder 2"/>
-          <p:cNvSpPr>
-            <a:spLocks noGrp="1"/>
-          </p:cNvSpPr>
-          <p:nvPr>
-            <p:ph type="body"/>
-          </p:nvPr>
-        </p:nvSpPr>
-        <p:spPr>
-          <a:xfrm>
-            <a:off x="2304000" y="1512000"/>
-            <a:ext cx="4637880" cy="2232000"/>
-          </a:xfrm>
-          <a:prstGeom prst="rect">
-            <a:avLst/>
-          </a:prstGeom>
-        </p:spPr>
-        <p:txBody>
-          <a:bodyPr lIns="0" rIns="0" tIns="0" bIns="0">
+          <p:cNvPr id="196" name="PlaceHolder 2"/>
+          <p:cNvSpPr>
+            <a:spLocks noGrp="1"/>
+          </p:cNvSpPr>
+          <p:nvPr>
+            <p:ph/>
+          </p:nvPr>
+        </p:nvSpPr>
+        <p:spPr>
+          <a:xfrm>
+            <a:off x="609480" y="1604520"/>
+            <a:ext cx="5354280" cy="1896840"/>
+          </a:xfrm>
+          <a:prstGeom prst="rect">
+            <a:avLst/>
+          </a:prstGeom>
+          <a:noFill/>
+          <a:ln w="0">
+            <a:noFill/>
+          </a:ln>
+        </p:spPr>
+        <p:txBody>
+          <a:bodyPr lIns="0" rIns="0" tIns="0" bIns="0" anchor="t">
             <a:normAutofit/>
           </a:bodyPr>
           <a:p>
@@ -6451,25 +7666,29 @@
       </p:sp>
       <p:sp>
         <p:nvSpPr>
-          <p:cNvPr id="198" name="PlaceHolder 3"/>
-          <p:cNvSpPr>
-            <a:spLocks noGrp="1"/>
-          </p:cNvSpPr>
-          <p:nvPr>
-            <p:ph type="body"/>
-          </p:nvPr>
-        </p:nvSpPr>
-        <p:spPr>
-          <a:xfrm>
-            <a:off x="7174080" y="1512000"/>
-            <a:ext cx="4637880" cy="2232000"/>
-          </a:xfrm>
-          <a:prstGeom prst="rect">
-            <a:avLst/>
-          </a:prstGeom>
-        </p:spPr>
-        <p:txBody>
-          <a:bodyPr lIns="0" rIns="0" tIns="0" bIns="0">
+          <p:cNvPr id="197" name="PlaceHolder 3"/>
+          <p:cNvSpPr>
+            <a:spLocks noGrp="1"/>
+          </p:cNvSpPr>
+          <p:nvPr>
+            <p:ph/>
+          </p:nvPr>
+        </p:nvSpPr>
+        <p:spPr>
+          <a:xfrm>
+            <a:off x="6231960" y="1604520"/>
+            <a:ext cx="5354280" cy="1896840"/>
+          </a:xfrm>
+          <a:prstGeom prst="rect">
+            <a:avLst/>
+          </a:prstGeom>
+          <a:noFill/>
+          <a:ln w="0">
+            <a:noFill/>
+          </a:ln>
+        </p:spPr>
+        <p:txBody>
+          <a:bodyPr lIns="0" rIns="0" tIns="0" bIns="0" anchor="t">
             <a:normAutofit/>
           </a:bodyPr>
           <a:p>
@@ -6481,25 +7700,29 @@
       </p:sp>
       <p:sp>
         <p:nvSpPr>
-          <p:cNvPr id="199" name="PlaceHolder 4"/>
-          <p:cNvSpPr>
-            <a:spLocks noGrp="1"/>
-          </p:cNvSpPr>
-          <p:nvPr>
-            <p:ph type="body"/>
-          </p:nvPr>
-        </p:nvSpPr>
-        <p:spPr>
-          <a:xfrm>
-            <a:off x="2304000" y="3956400"/>
-            <a:ext cx="9504000" cy="2232000"/>
-          </a:xfrm>
-          <a:prstGeom prst="rect">
-            <a:avLst/>
-          </a:prstGeom>
-        </p:spPr>
-        <p:txBody>
-          <a:bodyPr lIns="0" rIns="0" tIns="0" bIns="0">
+          <p:cNvPr id="198" name="PlaceHolder 4"/>
+          <p:cNvSpPr>
+            <a:spLocks noGrp="1"/>
+          </p:cNvSpPr>
+          <p:nvPr>
+            <p:ph/>
+          </p:nvPr>
+        </p:nvSpPr>
+        <p:spPr>
+          <a:xfrm>
+            <a:off x="609480" y="3682080"/>
+            <a:ext cx="10972440" cy="1896840"/>
+          </a:xfrm>
+          <a:prstGeom prst="rect">
+            <a:avLst/>
+          </a:prstGeom>
+          <a:noFill/>
+          <a:ln w="0">
+            <a:noFill/>
+          </a:ln>
+        </p:spPr>
+        <p:txBody>
+          <a:bodyPr lIns="0" rIns="0" tIns="0" bIns="0" anchor="t">
             <a:normAutofit/>
           </a:bodyPr>
           <a:p>
@@ -6533,7 +7756,7 @@
       </p:grpSpPr>
       <p:sp>
         <p:nvSpPr>
-          <p:cNvPr id="200" name="PlaceHolder 1"/>
+          <p:cNvPr id="199" name="PlaceHolder 1"/>
           <p:cNvSpPr>
             <a:spLocks noGrp="1"/>
           </p:cNvSpPr>
@@ -6543,17 +7766,25 @@
         </p:nvSpPr>
         <p:spPr>
           <a:xfrm>
-            <a:off x="2762280" y="273600"/>
-            <a:ext cx="8397720" cy="1144800"/>
-          </a:xfrm>
-          <a:prstGeom prst="rect">
-            <a:avLst/>
-          </a:prstGeom>
-        </p:spPr>
-        <p:txBody>
-          <a:bodyPr lIns="0" rIns="0" tIns="0" bIns="0" anchor="ctr"/>
-          <a:p>
-            <a:pPr algn="ctr"/>
+            <a:off x="609480" y="273600"/>
+            <a:ext cx="10972440" cy="1144800"/>
+          </a:xfrm>
+          <a:prstGeom prst="rect">
+            <a:avLst/>
+          </a:prstGeom>
+          <a:noFill/>
+          <a:ln w="0">
+            <a:noFill/>
+          </a:ln>
+        </p:spPr>
+        <p:txBody>
+          <a:bodyPr lIns="0" rIns="0" tIns="0" bIns="0" anchor="ctr">
+            <a:noAutofit/>
+          </a:bodyPr>
+          <a:p>
+            <a:pPr algn="ctr">
+              <a:buNone/>
+            </a:pPr>
             <a:endParaRPr b="0" lang="es-AR" sz="4400" spc="-1" strike="noStrike">
               <a:latin typeface="Arial"/>
             </a:endParaRPr>
@@ -6562,25 +7793,29 @@
       </p:sp>
       <p:sp>
         <p:nvSpPr>
-          <p:cNvPr id="201" name="PlaceHolder 2"/>
-          <p:cNvSpPr>
-            <a:spLocks noGrp="1"/>
-          </p:cNvSpPr>
-          <p:nvPr>
-            <p:ph type="body"/>
-          </p:nvPr>
-        </p:nvSpPr>
-        <p:spPr>
-          <a:xfrm>
-            <a:off x="2304000" y="1512000"/>
-            <a:ext cx="9504000" cy="2232000"/>
-          </a:xfrm>
-          <a:prstGeom prst="rect">
-            <a:avLst/>
-          </a:prstGeom>
-        </p:spPr>
-        <p:txBody>
-          <a:bodyPr lIns="0" rIns="0" tIns="0" bIns="0">
+          <p:cNvPr id="200" name="PlaceHolder 2"/>
+          <p:cNvSpPr>
+            <a:spLocks noGrp="1"/>
+          </p:cNvSpPr>
+          <p:nvPr>
+            <p:ph/>
+          </p:nvPr>
+        </p:nvSpPr>
+        <p:spPr>
+          <a:xfrm>
+            <a:off x="609480" y="1604520"/>
+            <a:ext cx="10972440" cy="1896840"/>
+          </a:xfrm>
+          <a:prstGeom prst="rect">
+            <a:avLst/>
+          </a:prstGeom>
+          <a:noFill/>
+          <a:ln w="0">
+            <a:noFill/>
+          </a:ln>
+        </p:spPr>
+        <p:txBody>
+          <a:bodyPr lIns="0" rIns="0" tIns="0" bIns="0" anchor="t">
             <a:normAutofit/>
           </a:bodyPr>
           <a:p>
@@ -6592,25 +7827,29 @@
       </p:sp>
       <p:sp>
         <p:nvSpPr>
-          <p:cNvPr id="202" name="PlaceHolder 3"/>
-          <p:cNvSpPr>
-            <a:spLocks noGrp="1"/>
-          </p:cNvSpPr>
-          <p:nvPr>
-            <p:ph type="body"/>
-          </p:nvPr>
-        </p:nvSpPr>
-        <p:spPr>
-          <a:xfrm>
-            <a:off x="2304000" y="3956400"/>
-            <a:ext cx="9504000" cy="2232000"/>
-          </a:xfrm>
-          <a:prstGeom prst="rect">
-            <a:avLst/>
-          </a:prstGeom>
-        </p:spPr>
-        <p:txBody>
-          <a:bodyPr lIns="0" rIns="0" tIns="0" bIns="0">
+          <p:cNvPr id="201" name="PlaceHolder 3"/>
+          <p:cNvSpPr>
+            <a:spLocks noGrp="1"/>
+          </p:cNvSpPr>
+          <p:nvPr>
+            <p:ph/>
+          </p:nvPr>
+        </p:nvSpPr>
+        <p:spPr>
+          <a:xfrm>
+            <a:off x="609480" y="3682080"/>
+            <a:ext cx="10972440" cy="1896840"/>
+          </a:xfrm>
+          <a:prstGeom prst="rect">
+            <a:avLst/>
+          </a:prstGeom>
+          <a:noFill/>
+          <a:ln w="0">
+            <a:noFill/>
+          </a:ln>
+        </p:spPr>
+        <p:txBody>
+          <a:bodyPr lIns="0" rIns="0" tIns="0" bIns="0" anchor="t">
             <a:normAutofit/>
           </a:bodyPr>
           <a:p>
@@ -6644,7 +7883,7 @@
       </p:grpSpPr>
       <p:sp>
         <p:nvSpPr>
-          <p:cNvPr id="203" name="PlaceHolder 1"/>
+          <p:cNvPr id="202" name="PlaceHolder 1"/>
           <p:cNvSpPr>
             <a:spLocks noGrp="1"/>
           </p:cNvSpPr>
@@ -6654,17 +7893,25 @@
         </p:nvSpPr>
         <p:spPr>
           <a:xfrm>
-            <a:off x="2762280" y="273600"/>
-            <a:ext cx="8397720" cy="1144800"/>
-          </a:xfrm>
-          <a:prstGeom prst="rect">
-            <a:avLst/>
-          </a:prstGeom>
-        </p:spPr>
-        <p:txBody>
-          <a:bodyPr lIns="0" rIns="0" tIns="0" bIns="0" anchor="ctr"/>
-          <a:p>
-            <a:pPr algn="ctr"/>
+            <a:off x="609480" y="273600"/>
+            <a:ext cx="10972440" cy="1144800"/>
+          </a:xfrm>
+          <a:prstGeom prst="rect">
+            <a:avLst/>
+          </a:prstGeom>
+          <a:noFill/>
+          <a:ln w="0">
+            <a:noFill/>
+          </a:ln>
+        </p:spPr>
+        <p:txBody>
+          <a:bodyPr lIns="0" rIns="0" tIns="0" bIns="0" anchor="ctr">
+            <a:noAutofit/>
+          </a:bodyPr>
+          <a:p>
+            <a:pPr algn="ctr">
+              <a:buNone/>
+            </a:pPr>
             <a:endParaRPr b="0" lang="es-AR" sz="4400" spc="-1" strike="noStrike">
               <a:latin typeface="Arial"/>
             </a:endParaRPr>
@@ -6673,25 +7920,29 @@
       </p:sp>
       <p:sp>
         <p:nvSpPr>
-          <p:cNvPr id="204" name="PlaceHolder 2"/>
-          <p:cNvSpPr>
-            <a:spLocks noGrp="1"/>
-          </p:cNvSpPr>
-          <p:nvPr>
-            <p:ph type="body"/>
-          </p:nvPr>
-        </p:nvSpPr>
-        <p:spPr>
-          <a:xfrm>
-            <a:off x="2304000" y="1512000"/>
-            <a:ext cx="4637880" cy="2232000"/>
-          </a:xfrm>
-          <a:prstGeom prst="rect">
-            <a:avLst/>
-          </a:prstGeom>
-        </p:spPr>
-        <p:txBody>
-          <a:bodyPr lIns="0" rIns="0" tIns="0" bIns="0">
+          <p:cNvPr id="203" name="PlaceHolder 2"/>
+          <p:cNvSpPr>
+            <a:spLocks noGrp="1"/>
+          </p:cNvSpPr>
+          <p:nvPr>
+            <p:ph/>
+          </p:nvPr>
+        </p:nvSpPr>
+        <p:spPr>
+          <a:xfrm>
+            <a:off x="609480" y="1604520"/>
+            <a:ext cx="5354280" cy="1896840"/>
+          </a:xfrm>
+          <a:prstGeom prst="rect">
+            <a:avLst/>
+          </a:prstGeom>
+          <a:noFill/>
+          <a:ln w="0">
+            <a:noFill/>
+          </a:ln>
+        </p:spPr>
+        <p:txBody>
+          <a:bodyPr lIns="0" rIns="0" tIns="0" bIns="0" anchor="t">
             <a:normAutofit/>
           </a:bodyPr>
           <a:p>
@@ -6703,25 +7954,29 @@
       </p:sp>
       <p:sp>
         <p:nvSpPr>
-          <p:cNvPr id="205" name="PlaceHolder 3"/>
-          <p:cNvSpPr>
-            <a:spLocks noGrp="1"/>
-          </p:cNvSpPr>
-          <p:nvPr>
-            <p:ph type="body"/>
-          </p:nvPr>
-        </p:nvSpPr>
-        <p:spPr>
-          <a:xfrm>
-            <a:off x="7174080" y="1512000"/>
-            <a:ext cx="4637880" cy="2232000"/>
-          </a:xfrm>
-          <a:prstGeom prst="rect">
-            <a:avLst/>
-          </a:prstGeom>
-        </p:spPr>
-        <p:txBody>
-          <a:bodyPr lIns="0" rIns="0" tIns="0" bIns="0">
+          <p:cNvPr id="204" name="PlaceHolder 3"/>
+          <p:cNvSpPr>
+            <a:spLocks noGrp="1"/>
+          </p:cNvSpPr>
+          <p:nvPr>
+            <p:ph/>
+          </p:nvPr>
+        </p:nvSpPr>
+        <p:spPr>
+          <a:xfrm>
+            <a:off x="6231960" y="1604520"/>
+            <a:ext cx="5354280" cy="1896840"/>
+          </a:xfrm>
+          <a:prstGeom prst="rect">
+            <a:avLst/>
+          </a:prstGeom>
+          <a:noFill/>
+          <a:ln w="0">
+            <a:noFill/>
+          </a:ln>
+        </p:spPr>
+        <p:txBody>
+          <a:bodyPr lIns="0" rIns="0" tIns="0" bIns="0" anchor="t">
             <a:normAutofit/>
           </a:bodyPr>
           <a:p>
@@ -6733,25 +7988,29 @@
       </p:sp>
       <p:sp>
         <p:nvSpPr>
-          <p:cNvPr id="206" name="PlaceHolder 4"/>
-          <p:cNvSpPr>
-            <a:spLocks noGrp="1"/>
-          </p:cNvSpPr>
-          <p:nvPr>
-            <p:ph type="body"/>
-          </p:nvPr>
-        </p:nvSpPr>
-        <p:spPr>
-          <a:xfrm>
-            <a:off x="2304000" y="3956400"/>
-            <a:ext cx="4637880" cy="2232000"/>
-          </a:xfrm>
-          <a:prstGeom prst="rect">
-            <a:avLst/>
-          </a:prstGeom>
-        </p:spPr>
-        <p:txBody>
-          <a:bodyPr lIns="0" rIns="0" tIns="0" bIns="0">
+          <p:cNvPr id="205" name="PlaceHolder 4"/>
+          <p:cNvSpPr>
+            <a:spLocks noGrp="1"/>
+          </p:cNvSpPr>
+          <p:nvPr>
+            <p:ph/>
+          </p:nvPr>
+        </p:nvSpPr>
+        <p:spPr>
+          <a:xfrm>
+            <a:off x="609480" y="3682080"/>
+            <a:ext cx="5354280" cy="1896840"/>
+          </a:xfrm>
+          <a:prstGeom prst="rect">
+            <a:avLst/>
+          </a:prstGeom>
+          <a:noFill/>
+          <a:ln w="0">
+            <a:noFill/>
+          </a:ln>
+        </p:spPr>
+        <p:txBody>
+          <a:bodyPr lIns="0" rIns="0" tIns="0" bIns="0" anchor="t">
             <a:normAutofit/>
           </a:bodyPr>
           <a:p>
@@ -6763,25 +8022,29 @@
       </p:sp>
       <p:sp>
         <p:nvSpPr>
-          <p:cNvPr id="207" name="PlaceHolder 5"/>
-          <p:cNvSpPr>
-            <a:spLocks noGrp="1"/>
-          </p:cNvSpPr>
-          <p:nvPr>
-            <p:ph type="body"/>
-          </p:nvPr>
-        </p:nvSpPr>
-        <p:spPr>
-          <a:xfrm>
-            <a:off x="7174080" y="3956400"/>
-            <a:ext cx="4637880" cy="2232000"/>
-          </a:xfrm>
-          <a:prstGeom prst="rect">
-            <a:avLst/>
-          </a:prstGeom>
-        </p:spPr>
-        <p:txBody>
-          <a:bodyPr lIns="0" rIns="0" tIns="0" bIns="0">
+          <p:cNvPr id="206" name="PlaceHolder 5"/>
+          <p:cNvSpPr>
+            <a:spLocks noGrp="1"/>
+          </p:cNvSpPr>
+          <p:nvPr>
+            <p:ph/>
+          </p:nvPr>
+        </p:nvSpPr>
+        <p:spPr>
+          <a:xfrm>
+            <a:off x="6231960" y="3682080"/>
+            <a:ext cx="5354280" cy="1896840"/>
+          </a:xfrm>
+          <a:prstGeom prst="rect">
+            <a:avLst/>
+          </a:prstGeom>
+          <a:noFill/>
+          <a:ln w="0">
+            <a:noFill/>
+          </a:ln>
+        </p:spPr>
+        <p:txBody>
+          <a:bodyPr lIns="0" rIns="0" tIns="0" bIns="0" anchor="t">
             <a:normAutofit/>
           </a:bodyPr>
           <a:p>
@@ -6825,17 +8088,25 @@
         </p:nvSpPr>
         <p:spPr>
           <a:xfrm>
-            <a:off x="2762280" y="273600"/>
-            <a:ext cx="8397720" cy="5307840"/>
-          </a:xfrm>
-          <a:prstGeom prst="rect">
-            <a:avLst/>
-          </a:prstGeom>
-        </p:spPr>
-        <p:txBody>
-          <a:bodyPr lIns="0" rIns="0" tIns="0" bIns="0" anchor="ctr"/>
-          <a:p>
-            <a:pPr algn="ctr"/>
+            <a:off x="609480" y="273600"/>
+            <a:ext cx="10972440" cy="5307840"/>
+          </a:xfrm>
+          <a:prstGeom prst="rect">
+            <a:avLst/>
+          </a:prstGeom>
+          <a:noFill/>
+          <a:ln w="0">
+            <a:noFill/>
+          </a:ln>
+        </p:spPr>
+        <p:txBody>
+          <a:bodyPr lIns="0" rIns="0" tIns="0" bIns="0" anchor="ctr">
+            <a:noAutofit/>
+          </a:bodyPr>
+          <a:p>
+            <a:pPr algn="ctr">
+              <a:buNone/>
+            </a:pPr>
             <a:endParaRPr b="0" lang="es-AR" sz="3200" spc="-1" strike="noStrike">
               <a:latin typeface="Arial"/>
             </a:endParaRPr>
@@ -6866,7 +8137,7 @@
       </p:grpSpPr>
       <p:sp>
         <p:nvSpPr>
-          <p:cNvPr id="208" name="PlaceHolder 1"/>
+          <p:cNvPr id="207" name="PlaceHolder 1"/>
           <p:cNvSpPr>
             <a:spLocks noGrp="1"/>
           </p:cNvSpPr>
@@ -6876,17 +8147,25 @@
         </p:nvSpPr>
         <p:spPr>
           <a:xfrm>
-            <a:off x="2762280" y="273600"/>
-            <a:ext cx="8397720" cy="1144800"/>
-          </a:xfrm>
-          <a:prstGeom prst="rect">
-            <a:avLst/>
-          </a:prstGeom>
-        </p:spPr>
-        <p:txBody>
-          <a:bodyPr lIns="0" rIns="0" tIns="0" bIns="0" anchor="ctr"/>
-          <a:p>
-            <a:pPr algn="ctr"/>
+            <a:off x="609480" y="273600"/>
+            <a:ext cx="10972440" cy="1144800"/>
+          </a:xfrm>
+          <a:prstGeom prst="rect">
+            <a:avLst/>
+          </a:prstGeom>
+          <a:noFill/>
+          <a:ln w="0">
+            <a:noFill/>
+          </a:ln>
+        </p:spPr>
+        <p:txBody>
+          <a:bodyPr lIns="0" rIns="0" tIns="0" bIns="0" anchor="ctr">
+            <a:noAutofit/>
+          </a:bodyPr>
+          <a:p>
+            <a:pPr algn="ctr">
+              <a:buNone/>
+            </a:pPr>
             <a:endParaRPr b="0" lang="es-AR" sz="4400" spc="-1" strike="noStrike">
               <a:latin typeface="Arial"/>
             </a:endParaRPr>
@@ -6895,25 +8174,29 @@
       </p:sp>
       <p:sp>
         <p:nvSpPr>
-          <p:cNvPr id="209" name="PlaceHolder 2"/>
-          <p:cNvSpPr>
-            <a:spLocks noGrp="1"/>
-          </p:cNvSpPr>
-          <p:nvPr>
-            <p:ph type="body"/>
-          </p:nvPr>
-        </p:nvSpPr>
-        <p:spPr>
-          <a:xfrm>
-            <a:off x="2304000" y="1512000"/>
-            <a:ext cx="3060000" cy="2232000"/>
-          </a:xfrm>
-          <a:prstGeom prst="rect">
-            <a:avLst/>
-          </a:prstGeom>
-        </p:spPr>
-        <p:txBody>
-          <a:bodyPr lIns="0" rIns="0" tIns="0" bIns="0">
+          <p:cNvPr id="208" name="PlaceHolder 2"/>
+          <p:cNvSpPr>
+            <a:spLocks noGrp="1"/>
+          </p:cNvSpPr>
+          <p:nvPr>
+            <p:ph/>
+          </p:nvPr>
+        </p:nvSpPr>
+        <p:spPr>
+          <a:xfrm>
+            <a:off x="609480" y="1604520"/>
+            <a:ext cx="3533040" cy="1896840"/>
+          </a:xfrm>
+          <a:prstGeom prst="rect">
+            <a:avLst/>
+          </a:prstGeom>
+          <a:noFill/>
+          <a:ln w="0">
+            <a:noFill/>
+          </a:ln>
+        </p:spPr>
+        <p:txBody>
+          <a:bodyPr lIns="0" rIns="0" tIns="0" bIns="0" anchor="t">
             <a:normAutofit/>
           </a:bodyPr>
           <a:p>
@@ -6925,25 +8208,29 @@
       </p:sp>
       <p:sp>
         <p:nvSpPr>
-          <p:cNvPr id="210" name="PlaceHolder 3"/>
-          <p:cNvSpPr>
-            <a:spLocks noGrp="1"/>
-          </p:cNvSpPr>
-          <p:nvPr>
-            <p:ph type="body"/>
-          </p:nvPr>
-        </p:nvSpPr>
-        <p:spPr>
-          <a:xfrm>
-            <a:off x="5517360" y="1512000"/>
-            <a:ext cx="3060000" cy="2232000"/>
-          </a:xfrm>
-          <a:prstGeom prst="rect">
-            <a:avLst/>
-          </a:prstGeom>
-        </p:spPr>
-        <p:txBody>
-          <a:bodyPr lIns="0" rIns="0" tIns="0" bIns="0">
+          <p:cNvPr id="209" name="PlaceHolder 3"/>
+          <p:cNvSpPr>
+            <a:spLocks noGrp="1"/>
+          </p:cNvSpPr>
+          <p:nvPr>
+            <p:ph/>
+          </p:nvPr>
+        </p:nvSpPr>
+        <p:spPr>
+          <a:xfrm>
+            <a:off x="4319640" y="1604520"/>
+            <a:ext cx="3533040" cy="1896840"/>
+          </a:xfrm>
+          <a:prstGeom prst="rect">
+            <a:avLst/>
+          </a:prstGeom>
+          <a:noFill/>
+          <a:ln w="0">
+            <a:noFill/>
+          </a:ln>
+        </p:spPr>
+        <p:txBody>
+          <a:bodyPr lIns="0" rIns="0" tIns="0" bIns="0" anchor="t">
             <a:normAutofit/>
           </a:bodyPr>
           <a:p>
@@ -6955,25 +8242,29 @@
       </p:sp>
       <p:sp>
         <p:nvSpPr>
-          <p:cNvPr id="211" name="PlaceHolder 4"/>
-          <p:cNvSpPr>
-            <a:spLocks noGrp="1"/>
-          </p:cNvSpPr>
-          <p:nvPr>
-            <p:ph type="body"/>
-          </p:nvPr>
-        </p:nvSpPr>
-        <p:spPr>
-          <a:xfrm>
-            <a:off x="8730720" y="1512000"/>
-            <a:ext cx="3060000" cy="2232000"/>
-          </a:xfrm>
-          <a:prstGeom prst="rect">
-            <a:avLst/>
-          </a:prstGeom>
-        </p:spPr>
-        <p:txBody>
-          <a:bodyPr lIns="0" rIns="0" tIns="0" bIns="0">
+          <p:cNvPr id="210" name="PlaceHolder 4"/>
+          <p:cNvSpPr>
+            <a:spLocks noGrp="1"/>
+          </p:cNvSpPr>
+          <p:nvPr>
+            <p:ph/>
+          </p:nvPr>
+        </p:nvSpPr>
+        <p:spPr>
+          <a:xfrm>
+            <a:off x="8029800" y="1604520"/>
+            <a:ext cx="3533040" cy="1896840"/>
+          </a:xfrm>
+          <a:prstGeom prst="rect">
+            <a:avLst/>
+          </a:prstGeom>
+          <a:noFill/>
+          <a:ln w="0">
+            <a:noFill/>
+          </a:ln>
+        </p:spPr>
+        <p:txBody>
+          <a:bodyPr lIns="0" rIns="0" tIns="0" bIns="0" anchor="t">
             <a:normAutofit/>
           </a:bodyPr>
           <a:p>
@@ -6985,25 +8276,29 @@
       </p:sp>
       <p:sp>
         <p:nvSpPr>
-          <p:cNvPr id="212" name="PlaceHolder 5"/>
-          <p:cNvSpPr>
-            <a:spLocks noGrp="1"/>
-          </p:cNvSpPr>
-          <p:nvPr>
-            <p:ph type="body"/>
-          </p:nvPr>
-        </p:nvSpPr>
-        <p:spPr>
-          <a:xfrm>
-            <a:off x="2304000" y="3956400"/>
-            <a:ext cx="3060000" cy="2232000"/>
-          </a:xfrm>
-          <a:prstGeom prst="rect">
-            <a:avLst/>
-          </a:prstGeom>
-        </p:spPr>
-        <p:txBody>
-          <a:bodyPr lIns="0" rIns="0" tIns="0" bIns="0">
+          <p:cNvPr id="211" name="PlaceHolder 5"/>
+          <p:cNvSpPr>
+            <a:spLocks noGrp="1"/>
+          </p:cNvSpPr>
+          <p:nvPr>
+            <p:ph/>
+          </p:nvPr>
+        </p:nvSpPr>
+        <p:spPr>
+          <a:xfrm>
+            <a:off x="609480" y="3682080"/>
+            <a:ext cx="3533040" cy="1896840"/>
+          </a:xfrm>
+          <a:prstGeom prst="rect">
+            <a:avLst/>
+          </a:prstGeom>
+          <a:noFill/>
+          <a:ln w="0">
+            <a:noFill/>
+          </a:ln>
+        </p:spPr>
+        <p:txBody>
+          <a:bodyPr lIns="0" rIns="0" tIns="0" bIns="0" anchor="t">
             <a:normAutofit/>
           </a:bodyPr>
           <a:p>
@@ -7015,25 +8310,29 @@
       </p:sp>
       <p:sp>
         <p:nvSpPr>
-          <p:cNvPr id="213" name="PlaceHolder 6"/>
-          <p:cNvSpPr>
-            <a:spLocks noGrp="1"/>
-          </p:cNvSpPr>
-          <p:nvPr>
-            <p:ph type="body"/>
-          </p:nvPr>
-        </p:nvSpPr>
-        <p:spPr>
-          <a:xfrm>
-            <a:off x="5517360" y="3956400"/>
-            <a:ext cx="3060000" cy="2232000"/>
-          </a:xfrm>
-          <a:prstGeom prst="rect">
-            <a:avLst/>
-          </a:prstGeom>
-        </p:spPr>
-        <p:txBody>
-          <a:bodyPr lIns="0" rIns="0" tIns="0" bIns="0">
+          <p:cNvPr id="212" name="PlaceHolder 6"/>
+          <p:cNvSpPr>
+            <a:spLocks noGrp="1"/>
+          </p:cNvSpPr>
+          <p:nvPr>
+            <p:ph/>
+          </p:nvPr>
+        </p:nvSpPr>
+        <p:spPr>
+          <a:xfrm>
+            <a:off x="4319640" y="3682080"/>
+            <a:ext cx="3533040" cy="1896840"/>
+          </a:xfrm>
+          <a:prstGeom prst="rect">
+            <a:avLst/>
+          </a:prstGeom>
+          <a:noFill/>
+          <a:ln w="0">
+            <a:noFill/>
+          </a:ln>
+        </p:spPr>
+        <p:txBody>
+          <a:bodyPr lIns="0" rIns="0" tIns="0" bIns="0" anchor="t">
             <a:normAutofit/>
           </a:bodyPr>
           <a:p>
@@ -7045,844 +8344,29 @@
       </p:sp>
       <p:sp>
         <p:nvSpPr>
-          <p:cNvPr id="214" name="PlaceHolder 7"/>
-          <p:cNvSpPr>
-            <a:spLocks noGrp="1"/>
-          </p:cNvSpPr>
-          <p:nvPr>
-            <p:ph type="body"/>
-          </p:nvPr>
-        </p:nvSpPr>
-        <p:spPr>
-          <a:xfrm>
-            <a:off x="8730720" y="3956400"/>
-            <a:ext cx="3060000" cy="2232000"/>
-          </a:xfrm>
-          <a:prstGeom prst="rect">
-            <a:avLst/>
-          </a:prstGeom>
-        </p:spPr>
-        <p:txBody>
-          <a:bodyPr lIns="0" rIns="0" tIns="0" bIns="0">
-            <a:normAutofit/>
-          </a:bodyPr>
-          <a:p>
-            <a:endParaRPr b="0" lang="es-AR" sz="3200" spc="-1" strike="noStrike">
-              <a:latin typeface="Arial"/>
-            </a:endParaRPr>
-          </a:p>
-        </p:txBody>
-      </p:sp>
-    </p:spTree>
-  </p:cSld>
-</p:sldLayout>
-</file>
-
-<file path=ppt/slideLayouts/slideLayout61.xml><?xml version="1.0" encoding="utf-8"?>
-<p:sldLayout xmlns:a="http://schemas.openxmlformats.org/drawingml/2006/main" xmlns:p="http://schemas.openxmlformats.org/presentationml/2006/main" xmlns:r="http://schemas.openxmlformats.org/officeDocument/2006/relationships" xmlns:p14="http://schemas.microsoft.com/office/powerpoint/2010/main" xmlns:p15="http://schemas.microsoft.com/office/powerpoint/2012/main" xmlns:mc="http://schemas.openxmlformats.org/markup-compatibility/2006" type="blank" preserve="1">
-  <p:cSld name="Blank Slide">
-    <p:spTree>
-      <p:nvGrpSpPr>
-        <p:cNvPr id="1" name=""/>
-        <p:cNvGrpSpPr/>
-        <p:nvPr/>
-      </p:nvGrpSpPr>
-      <p:grpSpPr>
-        <a:xfrm>
-          <a:off x="0" y="0"/>
-          <a:ext cx="0" cy="0"/>
-          <a:chOff x="0" y="0"/>
-          <a:chExt cx="0" cy="0"/>
-        </a:xfrm>
-      </p:grpSpPr>
-    </p:spTree>
-  </p:cSld>
-</p:sldLayout>
-</file>
-
-<file path=ppt/slideLayouts/slideLayout62.xml><?xml version="1.0" encoding="utf-8"?>
-<p:sldLayout xmlns:a="http://schemas.openxmlformats.org/drawingml/2006/main" xmlns:p="http://schemas.openxmlformats.org/presentationml/2006/main" xmlns:r="http://schemas.openxmlformats.org/officeDocument/2006/relationships" xmlns:p14="http://schemas.microsoft.com/office/powerpoint/2010/main" xmlns:p15="http://schemas.microsoft.com/office/powerpoint/2012/main" xmlns:mc="http://schemas.openxmlformats.org/markup-compatibility/2006" type="tx" preserve="1">
-  <p:cSld name="Title Slide">
-    <p:spTree>
-      <p:nvGrpSpPr>
-        <p:cNvPr id="1" name=""/>
-        <p:cNvGrpSpPr/>
-        <p:nvPr/>
-      </p:nvGrpSpPr>
-      <p:grpSpPr>
-        <a:xfrm>
-          <a:off x="0" y="0"/>
-          <a:ext cx="0" cy="0"/>
-          <a:chOff x="0" y="0"/>
-          <a:chExt cx="0" cy="0"/>
-        </a:xfrm>
-      </p:grpSpPr>
-      <p:sp>
-        <p:nvSpPr>
-          <p:cNvPr id="221" name="PlaceHolder 1"/>
-          <p:cNvSpPr>
-            <a:spLocks noGrp="1"/>
-          </p:cNvSpPr>
-          <p:nvPr>
-            <p:ph type="title"/>
-          </p:nvPr>
-        </p:nvSpPr>
-        <p:spPr>
-          <a:xfrm>
-            <a:off x="2762280" y="273600"/>
-            <a:ext cx="8397720" cy="1144800"/>
-          </a:xfrm>
-          <a:prstGeom prst="rect">
-            <a:avLst/>
-          </a:prstGeom>
-        </p:spPr>
-        <p:txBody>
-          <a:bodyPr lIns="0" rIns="0" tIns="0" bIns="0" anchor="ctr"/>
-          <a:p>
-            <a:pPr algn="ctr"/>
-            <a:endParaRPr b="0" lang="es-AR" sz="4400" spc="-1" strike="noStrike">
-              <a:latin typeface="Arial"/>
-            </a:endParaRPr>
-          </a:p>
-        </p:txBody>
-      </p:sp>
-      <p:sp>
-        <p:nvSpPr>
-          <p:cNvPr id="222" name="PlaceHolder 2"/>
-          <p:cNvSpPr>
-            <a:spLocks noGrp="1"/>
-          </p:cNvSpPr>
-          <p:nvPr>
-            <p:ph type="subTitle"/>
-          </p:nvPr>
-        </p:nvSpPr>
-        <p:spPr>
-          <a:xfrm>
-            <a:off x="2304000" y="1512000"/>
-            <a:ext cx="9504000" cy="4680000"/>
-          </a:xfrm>
-          <a:prstGeom prst="rect">
-            <a:avLst/>
-          </a:prstGeom>
-        </p:spPr>
-        <p:txBody>
-          <a:bodyPr lIns="0" rIns="0" tIns="0" bIns="0" anchor="ctr"/>
-          <a:p>
-            <a:pPr algn="ctr"/>
-            <a:endParaRPr b="0" lang="es-AR" sz="3200" spc="-1" strike="noStrike">
-              <a:latin typeface="Arial"/>
-            </a:endParaRPr>
-          </a:p>
-        </p:txBody>
-      </p:sp>
-    </p:spTree>
-  </p:cSld>
-</p:sldLayout>
-</file>
-
-<file path=ppt/slideLayouts/slideLayout63.xml><?xml version="1.0" encoding="utf-8"?>
-<p:sldLayout xmlns:a="http://schemas.openxmlformats.org/drawingml/2006/main" xmlns:p="http://schemas.openxmlformats.org/presentationml/2006/main" xmlns:r="http://schemas.openxmlformats.org/officeDocument/2006/relationships" xmlns:p14="http://schemas.microsoft.com/office/powerpoint/2010/main" xmlns:p15="http://schemas.microsoft.com/office/powerpoint/2012/main" xmlns:mc="http://schemas.openxmlformats.org/markup-compatibility/2006" type="obj" preserve="1">
-  <p:cSld name="Title, Content">
-    <p:spTree>
-      <p:nvGrpSpPr>
-        <p:cNvPr id="1" name=""/>
-        <p:cNvGrpSpPr/>
-        <p:nvPr/>
-      </p:nvGrpSpPr>
-      <p:grpSpPr>
-        <a:xfrm>
-          <a:off x="0" y="0"/>
-          <a:ext cx="0" cy="0"/>
-          <a:chOff x="0" y="0"/>
-          <a:chExt cx="0" cy="0"/>
-        </a:xfrm>
-      </p:grpSpPr>
-      <p:sp>
-        <p:nvSpPr>
-          <p:cNvPr id="223" name="PlaceHolder 1"/>
-          <p:cNvSpPr>
-            <a:spLocks noGrp="1"/>
-          </p:cNvSpPr>
-          <p:nvPr>
-            <p:ph type="title"/>
-          </p:nvPr>
-        </p:nvSpPr>
-        <p:spPr>
-          <a:xfrm>
-            <a:off x="2762280" y="273600"/>
-            <a:ext cx="8397720" cy="1144800"/>
-          </a:xfrm>
-          <a:prstGeom prst="rect">
-            <a:avLst/>
-          </a:prstGeom>
-        </p:spPr>
-        <p:txBody>
-          <a:bodyPr lIns="0" rIns="0" tIns="0" bIns="0" anchor="ctr"/>
-          <a:p>
-            <a:pPr algn="ctr"/>
-            <a:endParaRPr b="0" lang="es-AR" sz="4400" spc="-1" strike="noStrike">
-              <a:latin typeface="Arial"/>
-            </a:endParaRPr>
-          </a:p>
-        </p:txBody>
-      </p:sp>
-      <p:sp>
-        <p:nvSpPr>
-          <p:cNvPr id="224" name="PlaceHolder 2"/>
-          <p:cNvSpPr>
-            <a:spLocks noGrp="1"/>
-          </p:cNvSpPr>
-          <p:nvPr>
-            <p:ph type="body"/>
-          </p:nvPr>
-        </p:nvSpPr>
-        <p:spPr>
-          <a:xfrm>
-            <a:off x="2304000" y="1512000"/>
-            <a:ext cx="9504000" cy="4680000"/>
-          </a:xfrm>
-          <a:prstGeom prst="rect">
-            <a:avLst/>
-          </a:prstGeom>
-        </p:spPr>
-        <p:txBody>
-          <a:bodyPr lIns="0" rIns="0" tIns="0" bIns="0">
-            <a:normAutofit/>
-          </a:bodyPr>
-          <a:p>
-            <a:endParaRPr b="0" lang="es-AR" sz="3200" spc="-1" strike="noStrike">
-              <a:latin typeface="Arial"/>
-            </a:endParaRPr>
-          </a:p>
-        </p:txBody>
-      </p:sp>
-    </p:spTree>
-  </p:cSld>
-</p:sldLayout>
-</file>
-
-<file path=ppt/slideLayouts/slideLayout64.xml><?xml version="1.0" encoding="utf-8"?>
-<p:sldLayout xmlns:a="http://schemas.openxmlformats.org/drawingml/2006/main" xmlns:p="http://schemas.openxmlformats.org/presentationml/2006/main" xmlns:r="http://schemas.openxmlformats.org/officeDocument/2006/relationships" xmlns:p14="http://schemas.microsoft.com/office/powerpoint/2010/main" xmlns:p15="http://schemas.microsoft.com/office/powerpoint/2012/main" xmlns:mc="http://schemas.openxmlformats.org/markup-compatibility/2006" type="twoObj" preserve="1">
-  <p:cSld name="Title, 2 Content">
-    <p:spTree>
-      <p:nvGrpSpPr>
-        <p:cNvPr id="1" name=""/>
-        <p:cNvGrpSpPr/>
-        <p:nvPr/>
-      </p:nvGrpSpPr>
-      <p:grpSpPr>
-        <a:xfrm>
-          <a:off x="0" y="0"/>
-          <a:ext cx="0" cy="0"/>
-          <a:chOff x="0" y="0"/>
-          <a:chExt cx="0" cy="0"/>
-        </a:xfrm>
-      </p:grpSpPr>
-      <p:sp>
-        <p:nvSpPr>
-          <p:cNvPr id="225" name="PlaceHolder 1"/>
-          <p:cNvSpPr>
-            <a:spLocks noGrp="1"/>
-          </p:cNvSpPr>
-          <p:nvPr>
-            <p:ph type="title"/>
-          </p:nvPr>
-        </p:nvSpPr>
-        <p:spPr>
-          <a:xfrm>
-            <a:off x="2762280" y="273600"/>
-            <a:ext cx="8397720" cy="1144800"/>
-          </a:xfrm>
-          <a:prstGeom prst="rect">
-            <a:avLst/>
-          </a:prstGeom>
-        </p:spPr>
-        <p:txBody>
-          <a:bodyPr lIns="0" rIns="0" tIns="0" bIns="0" anchor="ctr"/>
-          <a:p>
-            <a:pPr algn="ctr"/>
-            <a:endParaRPr b="0" lang="es-AR" sz="4400" spc="-1" strike="noStrike">
-              <a:latin typeface="Arial"/>
-            </a:endParaRPr>
-          </a:p>
-        </p:txBody>
-      </p:sp>
-      <p:sp>
-        <p:nvSpPr>
-          <p:cNvPr id="226" name="PlaceHolder 2"/>
-          <p:cNvSpPr>
-            <a:spLocks noGrp="1"/>
-          </p:cNvSpPr>
-          <p:nvPr>
-            <p:ph type="body"/>
-          </p:nvPr>
-        </p:nvSpPr>
-        <p:spPr>
-          <a:xfrm>
-            <a:off x="2304000" y="1512000"/>
-            <a:ext cx="4637880" cy="4680000"/>
-          </a:xfrm>
-          <a:prstGeom prst="rect">
-            <a:avLst/>
-          </a:prstGeom>
-        </p:spPr>
-        <p:txBody>
-          <a:bodyPr lIns="0" rIns="0" tIns="0" bIns="0">
-            <a:normAutofit/>
-          </a:bodyPr>
-          <a:p>
-            <a:endParaRPr b="0" lang="es-AR" sz="3200" spc="-1" strike="noStrike">
-              <a:latin typeface="Arial"/>
-            </a:endParaRPr>
-          </a:p>
-        </p:txBody>
-      </p:sp>
-      <p:sp>
-        <p:nvSpPr>
-          <p:cNvPr id="227" name="PlaceHolder 3"/>
-          <p:cNvSpPr>
-            <a:spLocks noGrp="1"/>
-          </p:cNvSpPr>
-          <p:nvPr>
-            <p:ph type="body"/>
-          </p:nvPr>
-        </p:nvSpPr>
-        <p:spPr>
-          <a:xfrm>
-            <a:off x="7174080" y="1512000"/>
-            <a:ext cx="4637880" cy="4680000"/>
-          </a:xfrm>
-          <a:prstGeom prst="rect">
-            <a:avLst/>
-          </a:prstGeom>
-        </p:spPr>
-        <p:txBody>
-          <a:bodyPr lIns="0" rIns="0" tIns="0" bIns="0">
-            <a:normAutofit/>
-          </a:bodyPr>
-          <a:p>
-            <a:endParaRPr b="0" lang="es-AR" sz="3200" spc="-1" strike="noStrike">
-              <a:latin typeface="Arial"/>
-            </a:endParaRPr>
-          </a:p>
-        </p:txBody>
-      </p:sp>
-    </p:spTree>
-  </p:cSld>
-</p:sldLayout>
-</file>
-
-<file path=ppt/slideLayouts/slideLayout65.xml><?xml version="1.0" encoding="utf-8"?>
-<p:sldLayout xmlns:a="http://schemas.openxmlformats.org/drawingml/2006/main" xmlns:p="http://schemas.openxmlformats.org/presentationml/2006/main" xmlns:r="http://schemas.openxmlformats.org/officeDocument/2006/relationships" xmlns:p14="http://schemas.microsoft.com/office/powerpoint/2010/main" xmlns:p15="http://schemas.microsoft.com/office/powerpoint/2012/main" xmlns:mc="http://schemas.openxmlformats.org/markup-compatibility/2006" type="titleOnly" preserve="1">
-  <p:cSld name="Title Only">
-    <p:spTree>
-      <p:nvGrpSpPr>
-        <p:cNvPr id="1" name=""/>
-        <p:cNvGrpSpPr/>
-        <p:nvPr/>
-      </p:nvGrpSpPr>
-      <p:grpSpPr>
-        <a:xfrm>
-          <a:off x="0" y="0"/>
-          <a:ext cx="0" cy="0"/>
-          <a:chOff x="0" y="0"/>
-          <a:chExt cx="0" cy="0"/>
-        </a:xfrm>
-      </p:grpSpPr>
-      <p:sp>
-        <p:nvSpPr>
-          <p:cNvPr id="228" name="PlaceHolder 1"/>
-          <p:cNvSpPr>
-            <a:spLocks noGrp="1"/>
-          </p:cNvSpPr>
-          <p:nvPr>
-            <p:ph type="title"/>
-          </p:nvPr>
-        </p:nvSpPr>
-        <p:spPr>
-          <a:xfrm>
-            <a:off x="2762280" y="273600"/>
-            <a:ext cx="8397720" cy="1144800"/>
-          </a:xfrm>
-          <a:prstGeom prst="rect">
-            <a:avLst/>
-          </a:prstGeom>
-        </p:spPr>
-        <p:txBody>
-          <a:bodyPr lIns="0" rIns="0" tIns="0" bIns="0" anchor="ctr"/>
-          <a:p>
-            <a:pPr algn="ctr"/>
-            <a:endParaRPr b="0" lang="es-AR" sz="4400" spc="-1" strike="noStrike">
-              <a:latin typeface="Arial"/>
-            </a:endParaRPr>
-          </a:p>
-        </p:txBody>
-      </p:sp>
-    </p:spTree>
-  </p:cSld>
-</p:sldLayout>
-</file>
-
-<file path=ppt/slideLayouts/slideLayout66.xml><?xml version="1.0" encoding="utf-8"?>
-<p:sldLayout xmlns:a="http://schemas.openxmlformats.org/drawingml/2006/main" xmlns:p="http://schemas.openxmlformats.org/presentationml/2006/main" xmlns:r="http://schemas.openxmlformats.org/officeDocument/2006/relationships" xmlns:p14="http://schemas.microsoft.com/office/powerpoint/2010/main" xmlns:p15="http://schemas.microsoft.com/office/powerpoint/2012/main" xmlns:mc="http://schemas.openxmlformats.org/markup-compatibility/2006" type="objOnly" preserve="1">
-  <p:cSld name="Centered Text">
-    <p:spTree>
-      <p:nvGrpSpPr>
-        <p:cNvPr id="1" name=""/>
-        <p:cNvGrpSpPr/>
-        <p:nvPr/>
-      </p:nvGrpSpPr>
-      <p:grpSpPr>
-        <a:xfrm>
-          <a:off x="0" y="0"/>
-          <a:ext cx="0" cy="0"/>
-          <a:chOff x="0" y="0"/>
-          <a:chExt cx="0" cy="0"/>
-        </a:xfrm>
-      </p:grpSpPr>
-      <p:sp>
-        <p:nvSpPr>
-          <p:cNvPr id="229" name="PlaceHolder 1"/>
-          <p:cNvSpPr>
-            <a:spLocks noGrp="1"/>
-          </p:cNvSpPr>
-          <p:nvPr>
-            <p:ph type="subTitle"/>
-          </p:nvPr>
-        </p:nvSpPr>
-        <p:spPr>
-          <a:xfrm>
-            <a:off x="2762280" y="273600"/>
-            <a:ext cx="8397720" cy="5307840"/>
-          </a:xfrm>
-          <a:prstGeom prst="rect">
-            <a:avLst/>
-          </a:prstGeom>
-        </p:spPr>
-        <p:txBody>
-          <a:bodyPr lIns="0" rIns="0" tIns="0" bIns="0" anchor="ctr"/>
-          <a:p>
-            <a:pPr algn="ctr"/>
-            <a:endParaRPr b="0" lang="es-AR" sz="3200" spc="-1" strike="noStrike">
-              <a:latin typeface="Arial"/>
-            </a:endParaRPr>
-          </a:p>
-        </p:txBody>
-      </p:sp>
-    </p:spTree>
-  </p:cSld>
-</p:sldLayout>
-</file>
-
-<file path=ppt/slideLayouts/slideLayout67.xml><?xml version="1.0" encoding="utf-8"?>
-<p:sldLayout xmlns:a="http://schemas.openxmlformats.org/drawingml/2006/main" xmlns:p="http://schemas.openxmlformats.org/presentationml/2006/main" xmlns:r="http://schemas.openxmlformats.org/officeDocument/2006/relationships" xmlns:p14="http://schemas.microsoft.com/office/powerpoint/2010/main" xmlns:p15="http://schemas.microsoft.com/office/powerpoint/2012/main" xmlns:mc="http://schemas.openxmlformats.org/markup-compatibility/2006" type="twoObjAndObj" preserve="1">
-  <p:cSld name="Title, 2 Content and Content">
-    <p:spTree>
-      <p:nvGrpSpPr>
-        <p:cNvPr id="1" name=""/>
-        <p:cNvGrpSpPr/>
-        <p:nvPr/>
-      </p:nvGrpSpPr>
-      <p:grpSpPr>
-        <a:xfrm>
-          <a:off x="0" y="0"/>
-          <a:ext cx="0" cy="0"/>
-          <a:chOff x="0" y="0"/>
-          <a:chExt cx="0" cy="0"/>
-        </a:xfrm>
-      </p:grpSpPr>
-      <p:sp>
-        <p:nvSpPr>
-          <p:cNvPr id="230" name="PlaceHolder 1"/>
-          <p:cNvSpPr>
-            <a:spLocks noGrp="1"/>
-          </p:cNvSpPr>
-          <p:nvPr>
-            <p:ph type="title"/>
-          </p:nvPr>
-        </p:nvSpPr>
-        <p:spPr>
-          <a:xfrm>
-            <a:off x="2762280" y="273600"/>
-            <a:ext cx="8397720" cy="1144800"/>
-          </a:xfrm>
-          <a:prstGeom prst="rect">
-            <a:avLst/>
-          </a:prstGeom>
-        </p:spPr>
-        <p:txBody>
-          <a:bodyPr lIns="0" rIns="0" tIns="0" bIns="0" anchor="ctr"/>
-          <a:p>
-            <a:pPr algn="ctr"/>
-            <a:endParaRPr b="0" lang="es-AR" sz="4400" spc="-1" strike="noStrike">
-              <a:latin typeface="Arial"/>
-            </a:endParaRPr>
-          </a:p>
-        </p:txBody>
-      </p:sp>
-      <p:sp>
-        <p:nvSpPr>
-          <p:cNvPr id="231" name="PlaceHolder 2"/>
-          <p:cNvSpPr>
-            <a:spLocks noGrp="1"/>
-          </p:cNvSpPr>
-          <p:nvPr>
-            <p:ph type="body"/>
-          </p:nvPr>
-        </p:nvSpPr>
-        <p:spPr>
-          <a:xfrm>
-            <a:off x="2304000" y="1512000"/>
-            <a:ext cx="4637880" cy="2232000"/>
-          </a:xfrm>
-          <a:prstGeom prst="rect">
-            <a:avLst/>
-          </a:prstGeom>
-        </p:spPr>
-        <p:txBody>
-          <a:bodyPr lIns="0" rIns="0" tIns="0" bIns="0">
-            <a:normAutofit/>
-          </a:bodyPr>
-          <a:p>
-            <a:endParaRPr b="0" lang="es-AR" sz="3200" spc="-1" strike="noStrike">
-              <a:latin typeface="Arial"/>
-            </a:endParaRPr>
-          </a:p>
-        </p:txBody>
-      </p:sp>
-      <p:sp>
-        <p:nvSpPr>
-          <p:cNvPr id="232" name="PlaceHolder 3"/>
-          <p:cNvSpPr>
-            <a:spLocks noGrp="1"/>
-          </p:cNvSpPr>
-          <p:nvPr>
-            <p:ph type="body"/>
-          </p:nvPr>
-        </p:nvSpPr>
-        <p:spPr>
-          <a:xfrm>
-            <a:off x="7174080" y="1512000"/>
-            <a:ext cx="4637880" cy="4680000"/>
-          </a:xfrm>
-          <a:prstGeom prst="rect">
-            <a:avLst/>
-          </a:prstGeom>
-        </p:spPr>
-        <p:txBody>
-          <a:bodyPr lIns="0" rIns="0" tIns="0" bIns="0">
-            <a:normAutofit/>
-          </a:bodyPr>
-          <a:p>
-            <a:endParaRPr b="0" lang="es-AR" sz="3200" spc="-1" strike="noStrike">
-              <a:latin typeface="Arial"/>
-            </a:endParaRPr>
-          </a:p>
-        </p:txBody>
-      </p:sp>
-      <p:sp>
-        <p:nvSpPr>
-          <p:cNvPr id="233" name="PlaceHolder 4"/>
-          <p:cNvSpPr>
-            <a:spLocks noGrp="1"/>
-          </p:cNvSpPr>
-          <p:nvPr>
-            <p:ph type="body"/>
-          </p:nvPr>
-        </p:nvSpPr>
-        <p:spPr>
-          <a:xfrm>
-            <a:off x="2304000" y="3956400"/>
-            <a:ext cx="4637880" cy="2232000"/>
-          </a:xfrm>
-          <a:prstGeom prst="rect">
-            <a:avLst/>
-          </a:prstGeom>
-        </p:spPr>
-        <p:txBody>
-          <a:bodyPr lIns="0" rIns="0" tIns="0" bIns="0">
-            <a:normAutofit/>
-          </a:bodyPr>
-          <a:p>
-            <a:endParaRPr b="0" lang="es-AR" sz="3200" spc="-1" strike="noStrike">
-              <a:latin typeface="Arial"/>
-            </a:endParaRPr>
-          </a:p>
-        </p:txBody>
-      </p:sp>
-    </p:spTree>
-  </p:cSld>
-</p:sldLayout>
-</file>
-
-<file path=ppt/slideLayouts/slideLayout68.xml><?xml version="1.0" encoding="utf-8"?>
-<p:sldLayout xmlns:a="http://schemas.openxmlformats.org/drawingml/2006/main" xmlns:p="http://schemas.openxmlformats.org/presentationml/2006/main" xmlns:r="http://schemas.openxmlformats.org/officeDocument/2006/relationships" xmlns:p14="http://schemas.microsoft.com/office/powerpoint/2010/main" xmlns:p15="http://schemas.microsoft.com/office/powerpoint/2012/main" xmlns:mc="http://schemas.openxmlformats.org/markup-compatibility/2006" type="objAndTwoObj" preserve="1">
-  <p:cSld name="Title Content and 2 Content">
-    <p:spTree>
-      <p:nvGrpSpPr>
-        <p:cNvPr id="1" name=""/>
-        <p:cNvGrpSpPr/>
-        <p:nvPr/>
-      </p:nvGrpSpPr>
-      <p:grpSpPr>
-        <a:xfrm>
-          <a:off x="0" y="0"/>
-          <a:ext cx="0" cy="0"/>
-          <a:chOff x="0" y="0"/>
-          <a:chExt cx="0" cy="0"/>
-        </a:xfrm>
-      </p:grpSpPr>
-      <p:sp>
-        <p:nvSpPr>
-          <p:cNvPr id="234" name="PlaceHolder 1"/>
-          <p:cNvSpPr>
-            <a:spLocks noGrp="1"/>
-          </p:cNvSpPr>
-          <p:nvPr>
-            <p:ph type="title"/>
-          </p:nvPr>
-        </p:nvSpPr>
-        <p:spPr>
-          <a:xfrm>
-            <a:off x="2762280" y="273600"/>
-            <a:ext cx="8397720" cy="1144800"/>
-          </a:xfrm>
-          <a:prstGeom prst="rect">
-            <a:avLst/>
-          </a:prstGeom>
-        </p:spPr>
-        <p:txBody>
-          <a:bodyPr lIns="0" rIns="0" tIns="0" bIns="0" anchor="ctr"/>
-          <a:p>
-            <a:pPr algn="ctr"/>
-            <a:endParaRPr b="0" lang="es-AR" sz="4400" spc="-1" strike="noStrike">
-              <a:latin typeface="Arial"/>
-            </a:endParaRPr>
-          </a:p>
-        </p:txBody>
-      </p:sp>
-      <p:sp>
-        <p:nvSpPr>
-          <p:cNvPr id="235" name="PlaceHolder 2"/>
-          <p:cNvSpPr>
-            <a:spLocks noGrp="1"/>
-          </p:cNvSpPr>
-          <p:nvPr>
-            <p:ph type="body"/>
-          </p:nvPr>
-        </p:nvSpPr>
-        <p:spPr>
-          <a:xfrm>
-            <a:off x="2304000" y="1512000"/>
-            <a:ext cx="4637880" cy="4680000"/>
-          </a:xfrm>
-          <a:prstGeom prst="rect">
-            <a:avLst/>
-          </a:prstGeom>
-        </p:spPr>
-        <p:txBody>
-          <a:bodyPr lIns="0" rIns="0" tIns="0" bIns="0">
-            <a:normAutofit/>
-          </a:bodyPr>
-          <a:p>
-            <a:endParaRPr b="0" lang="es-AR" sz="3200" spc="-1" strike="noStrike">
-              <a:latin typeface="Arial"/>
-            </a:endParaRPr>
-          </a:p>
-        </p:txBody>
-      </p:sp>
-      <p:sp>
-        <p:nvSpPr>
-          <p:cNvPr id="236" name="PlaceHolder 3"/>
-          <p:cNvSpPr>
-            <a:spLocks noGrp="1"/>
-          </p:cNvSpPr>
-          <p:nvPr>
-            <p:ph type="body"/>
-          </p:nvPr>
-        </p:nvSpPr>
-        <p:spPr>
-          <a:xfrm>
-            <a:off x="7174080" y="1512000"/>
-            <a:ext cx="4637880" cy="2232000"/>
-          </a:xfrm>
-          <a:prstGeom prst="rect">
-            <a:avLst/>
-          </a:prstGeom>
-        </p:spPr>
-        <p:txBody>
-          <a:bodyPr lIns="0" rIns="0" tIns="0" bIns="0">
-            <a:normAutofit/>
-          </a:bodyPr>
-          <a:p>
-            <a:endParaRPr b="0" lang="es-AR" sz="3200" spc="-1" strike="noStrike">
-              <a:latin typeface="Arial"/>
-            </a:endParaRPr>
-          </a:p>
-        </p:txBody>
-      </p:sp>
-      <p:sp>
-        <p:nvSpPr>
-          <p:cNvPr id="237" name="PlaceHolder 4"/>
-          <p:cNvSpPr>
-            <a:spLocks noGrp="1"/>
-          </p:cNvSpPr>
-          <p:nvPr>
-            <p:ph type="body"/>
-          </p:nvPr>
-        </p:nvSpPr>
-        <p:spPr>
-          <a:xfrm>
-            <a:off x="7174080" y="3956400"/>
-            <a:ext cx="4637880" cy="2232000"/>
-          </a:xfrm>
-          <a:prstGeom prst="rect">
-            <a:avLst/>
-          </a:prstGeom>
-        </p:spPr>
-        <p:txBody>
-          <a:bodyPr lIns="0" rIns="0" tIns="0" bIns="0">
-            <a:normAutofit/>
-          </a:bodyPr>
-          <a:p>
-            <a:endParaRPr b="0" lang="es-AR" sz="3200" spc="-1" strike="noStrike">
-              <a:latin typeface="Arial"/>
-            </a:endParaRPr>
-          </a:p>
-        </p:txBody>
-      </p:sp>
-    </p:spTree>
-  </p:cSld>
-</p:sldLayout>
-</file>
-
-<file path=ppt/slideLayouts/slideLayout69.xml><?xml version="1.0" encoding="utf-8"?>
-<p:sldLayout xmlns:a="http://schemas.openxmlformats.org/drawingml/2006/main" xmlns:p="http://schemas.openxmlformats.org/presentationml/2006/main" xmlns:r="http://schemas.openxmlformats.org/officeDocument/2006/relationships" xmlns:p14="http://schemas.microsoft.com/office/powerpoint/2010/main" xmlns:p15="http://schemas.microsoft.com/office/powerpoint/2012/main" xmlns:mc="http://schemas.openxmlformats.org/markup-compatibility/2006" type="twoObjOverTx" preserve="1">
-  <p:cSld name="Title, 2 Content over Content">
-    <p:spTree>
-      <p:nvGrpSpPr>
-        <p:cNvPr id="1" name=""/>
-        <p:cNvGrpSpPr/>
-        <p:nvPr/>
-      </p:nvGrpSpPr>
-      <p:grpSpPr>
-        <a:xfrm>
-          <a:off x="0" y="0"/>
-          <a:ext cx="0" cy="0"/>
-          <a:chOff x="0" y="0"/>
-          <a:chExt cx="0" cy="0"/>
-        </a:xfrm>
-      </p:grpSpPr>
-      <p:sp>
-        <p:nvSpPr>
-          <p:cNvPr id="238" name="PlaceHolder 1"/>
-          <p:cNvSpPr>
-            <a:spLocks noGrp="1"/>
-          </p:cNvSpPr>
-          <p:nvPr>
-            <p:ph type="title"/>
-          </p:nvPr>
-        </p:nvSpPr>
-        <p:spPr>
-          <a:xfrm>
-            <a:off x="2762280" y="273600"/>
-            <a:ext cx="8397720" cy="1144800"/>
-          </a:xfrm>
-          <a:prstGeom prst="rect">
-            <a:avLst/>
-          </a:prstGeom>
-        </p:spPr>
-        <p:txBody>
-          <a:bodyPr lIns="0" rIns="0" tIns="0" bIns="0" anchor="ctr"/>
-          <a:p>
-            <a:pPr algn="ctr"/>
-            <a:endParaRPr b="0" lang="es-AR" sz="4400" spc="-1" strike="noStrike">
-              <a:latin typeface="Arial"/>
-            </a:endParaRPr>
-          </a:p>
-        </p:txBody>
-      </p:sp>
-      <p:sp>
-        <p:nvSpPr>
-          <p:cNvPr id="239" name="PlaceHolder 2"/>
-          <p:cNvSpPr>
-            <a:spLocks noGrp="1"/>
-          </p:cNvSpPr>
-          <p:nvPr>
-            <p:ph type="body"/>
-          </p:nvPr>
-        </p:nvSpPr>
-        <p:spPr>
-          <a:xfrm>
-            <a:off x="2304000" y="1512000"/>
-            <a:ext cx="4637880" cy="2232000"/>
-          </a:xfrm>
-          <a:prstGeom prst="rect">
-            <a:avLst/>
-          </a:prstGeom>
-        </p:spPr>
-        <p:txBody>
-          <a:bodyPr lIns="0" rIns="0" tIns="0" bIns="0">
-            <a:normAutofit/>
-          </a:bodyPr>
-          <a:p>
-            <a:endParaRPr b="0" lang="es-AR" sz="3200" spc="-1" strike="noStrike">
-              <a:latin typeface="Arial"/>
-            </a:endParaRPr>
-          </a:p>
-        </p:txBody>
-      </p:sp>
-      <p:sp>
-        <p:nvSpPr>
-          <p:cNvPr id="240" name="PlaceHolder 3"/>
-          <p:cNvSpPr>
-            <a:spLocks noGrp="1"/>
-          </p:cNvSpPr>
-          <p:nvPr>
-            <p:ph type="body"/>
-          </p:nvPr>
-        </p:nvSpPr>
-        <p:spPr>
-          <a:xfrm>
-            <a:off x="7174080" y="1512000"/>
-            <a:ext cx="4637880" cy="2232000"/>
-          </a:xfrm>
-          <a:prstGeom prst="rect">
-            <a:avLst/>
-          </a:prstGeom>
-        </p:spPr>
-        <p:txBody>
-          <a:bodyPr lIns="0" rIns="0" tIns="0" bIns="0">
-            <a:normAutofit/>
-          </a:bodyPr>
-          <a:p>
-            <a:endParaRPr b="0" lang="es-AR" sz="3200" spc="-1" strike="noStrike">
-              <a:latin typeface="Arial"/>
-            </a:endParaRPr>
-          </a:p>
-        </p:txBody>
-      </p:sp>
-      <p:sp>
-        <p:nvSpPr>
-          <p:cNvPr id="241" name="PlaceHolder 4"/>
-          <p:cNvSpPr>
-            <a:spLocks noGrp="1"/>
-          </p:cNvSpPr>
-          <p:nvPr>
-            <p:ph type="body"/>
-          </p:nvPr>
-        </p:nvSpPr>
-        <p:spPr>
-          <a:xfrm>
-            <a:off x="2304000" y="3956400"/>
-            <a:ext cx="9504000" cy="2232000"/>
-          </a:xfrm>
-          <a:prstGeom prst="rect">
-            <a:avLst/>
-          </a:prstGeom>
-        </p:spPr>
-        <p:txBody>
-          <a:bodyPr lIns="0" rIns="0" tIns="0" bIns="0">
+          <p:cNvPr id="213" name="PlaceHolder 7"/>
+          <p:cNvSpPr>
+            <a:spLocks noGrp="1"/>
+          </p:cNvSpPr>
+          <p:nvPr>
+            <p:ph/>
+          </p:nvPr>
+        </p:nvSpPr>
+        <p:spPr>
+          <a:xfrm>
+            <a:off x="8029800" y="3682080"/>
+            <a:ext cx="3533040" cy="1896840"/>
+          </a:xfrm>
+          <a:prstGeom prst="rect">
+            <a:avLst/>
+          </a:prstGeom>
+          <a:noFill/>
+          <a:ln w="0">
+            <a:noFill/>
+          </a:ln>
+        </p:spPr>
+        <p:txBody>
+          <a:bodyPr lIns="0" rIns="0" tIns="0" bIns="0" anchor="t">
             <a:normAutofit/>
           </a:bodyPr>
           <a:p>
@@ -7989,519 +8473,6 @@
   <p:clrMapOvr>
     <a:masterClrMapping/>
   </p:clrMapOvr>
-</p:sldLayout>
-</file>
-
-<file path=ppt/slideLayouts/slideLayout70.xml><?xml version="1.0" encoding="utf-8"?>
-<p:sldLayout xmlns:a="http://schemas.openxmlformats.org/drawingml/2006/main" xmlns:p="http://schemas.openxmlformats.org/presentationml/2006/main" xmlns:r="http://schemas.openxmlformats.org/officeDocument/2006/relationships" xmlns:p14="http://schemas.microsoft.com/office/powerpoint/2010/main" xmlns:p15="http://schemas.microsoft.com/office/powerpoint/2012/main" xmlns:mc="http://schemas.openxmlformats.org/markup-compatibility/2006" type="objOverTx" preserve="1">
-  <p:cSld name="Title, Content over Content">
-    <p:spTree>
-      <p:nvGrpSpPr>
-        <p:cNvPr id="1" name=""/>
-        <p:cNvGrpSpPr/>
-        <p:nvPr/>
-      </p:nvGrpSpPr>
-      <p:grpSpPr>
-        <a:xfrm>
-          <a:off x="0" y="0"/>
-          <a:ext cx="0" cy="0"/>
-          <a:chOff x="0" y="0"/>
-          <a:chExt cx="0" cy="0"/>
-        </a:xfrm>
-      </p:grpSpPr>
-      <p:sp>
-        <p:nvSpPr>
-          <p:cNvPr id="242" name="PlaceHolder 1"/>
-          <p:cNvSpPr>
-            <a:spLocks noGrp="1"/>
-          </p:cNvSpPr>
-          <p:nvPr>
-            <p:ph type="title"/>
-          </p:nvPr>
-        </p:nvSpPr>
-        <p:spPr>
-          <a:xfrm>
-            <a:off x="2762280" y="273600"/>
-            <a:ext cx="8397720" cy="1144800"/>
-          </a:xfrm>
-          <a:prstGeom prst="rect">
-            <a:avLst/>
-          </a:prstGeom>
-        </p:spPr>
-        <p:txBody>
-          <a:bodyPr lIns="0" rIns="0" tIns="0" bIns="0" anchor="ctr"/>
-          <a:p>
-            <a:pPr algn="ctr"/>
-            <a:endParaRPr b="0" lang="es-AR" sz="4400" spc="-1" strike="noStrike">
-              <a:latin typeface="Arial"/>
-            </a:endParaRPr>
-          </a:p>
-        </p:txBody>
-      </p:sp>
-      <p:sp>
-        <p:nvSpPr>
-          <p:cNvPr id="243" name="PlaceHolder 2"/>
-          <p:cNvSpPr>
-            <a:spLocks noGrp="1"/>
-          </p:cNvSpPr>
-          <p:nvPr>
-            <p:ph type="body"/>
-          </p:nvPr>
-        </p:nvSpPr>
-        <p:spPr>
-          <a:xfrm>
-            <a:off x="2304000" y="1512000"/>
-            <a:ext cx="9504000" cy="2232000"/>
-          </a:xfrm>
-          <a:prstGeom prst="rect">
-            <a:avLst/>
-          </a:prstGeom>
-        </p:spPr>
-        <p:txBody>
-          <a:bodyPr lIns="0" rIns="0" tIns="0" bIns="0">
-            <a:normAutofit/>
-          </a:bodyPr>
-          <a:p>
-            <a:endParaRPr b="0" lang="es-AR" sz="3200" spc="-1" strike="noStrike">
-              <a:latin typeface="Arial"/>
-            </a:endParaRPr>
-          </a:p>
-        </p:txBody>
-      </p:sp>
-      <p:sp>
-        <p:nvSpPr>
-          <p:cNvPr id="244" name="PlaceHolder 3"/>
-          <p:cNvSpPr>
-            <a:spLocks noGrp="1"/>
-          </p:cNvSpPr>
-          <p:nvPr>
-            <p:ph type="body"/>
-          </p:nvPr>
-        </p:nvSpPr>
-        <p:spPr>
-          <a:xfrm>
-            <a:off x="2304000" y="3956400"/>
-            <a:ext cx="9504000" cy="2232000"/>
-          </a:xfrm>
-          <a:prstGeom prst="rect">
-            <a:avLst/>
-          </a:prstGeom>
-        </p:spPr>
-        <p:txBody>
-          <a:bodyPr lIns="0" rIns="0" tIns="0" bIns="0">
-            <a:normAutofit/>
-          </a:bodyPr>
-          <a:p>
-            <a:endParaRPr b="0" lang="es-AR" sz="3200" spc="-1" strike="noStrike">
-              <a:latin typeface="Arial"/>
-            </a:endParaRPr>
-          </a:p>
-        </p:txBody>
-      </p:sp>
-    </p:spTree>
-  </p:cSld>
-</p:sldLayout>
-</file>
-
-<file path=ppt/slideLayouts/slideLayout71.xml><?xml version="1.0" encoding="utf-8"?>
-<p:sldLayout xmlns:a="http://schemas.openxmlformats.org/drawingml/2006/main" xmlns:p="http://schemas.openxmlformats.org/presentationml/2006/main" xmlns:r="http://schemas.openxmlformats.org/officeDocument/2006/relationships" xmlns:p14="http://schemas.microsoft.com/office/powerpoint/2010/main" xmlns:p15="http://schemas.microsoft.com/office/powerpoint/2012/main" xmlns:mc="http://schemas.openxmlformats.org/markup-compatibility/2006" type="fourObj" preserve="1">
-  <p:cSld name="Title, 4 Content">
-    <p:spTree>
-      <p:nvGrpSpPr>
-        <p:cNvPr id="1" name=""/>
-        <p:cNvGrpSpPr/>
-        <p:nvPr/>
-      </p:nvGrpSpPr>
-      <p:grpSpPr>
-        <a:xfrm>
-          <a:off x="0" y="0"/>
-          <a:ext cx="0" cy="0"/>
-          <a:chOff x="0" y="0"/>
-          <a:chExt cx="0" cy="0"/>
-        </a:xfrm>
-      </p:grpSpPr>
-      <p:sp>
-        <p:nvSpPr>
-          <p:cNvPr id="245" name="PlaceHolder 1"/>
-          <p:cNvSpPr>
-            <a:spLocks noGrp="1"/>
-          </p:cNvSpPr>
-          <p:nvPr>
-            <p:ph type="title"/>
-          </p:nvPr>
-        </p:nvSpPr>
-        <p:spPr>
-          <a:xfrm>
-            <a:off x="2762280" y="273600"/>
-            <a:ext cx="8397720" cy="1144800"/>
-          </a:xfrm>
-          <a:prstGeom prst="rect">
-            <a:avLst/>
-          </a:prstGeom>
-        </p:spPr>
-        <p:txBody>
-          <a:bodyPr lIns="0" rIns="0" tIns="0" bIns="0" anchor="ctr"/>
-          <a:p>
-            <a:pPr algn="ctr"/>
-            <a:endParaRPr b="0" lang="es-AR" sz="4400" spc="-1" strike="noStrike">
-              <a:latin typeface="Arial"/>
-            </a:endParaRPr>
-          </a:p>
-        </p:txBody>
-      </p:sp>
-      <p:sp>
-        <p:nvSpPr>
-          <p:cNvPr id="246" name="PlaceHolder 2"/>
-          <p:cNvSpPr>
-            <a:spLocks noGrp="1"/>
-          </p:cNvSpPr>
-          <p:nvPr>
-            <p:ph type="body"/>
-          </p:nvPr>
-        </p:nvSpPr>
-        <p:spPr>
-          <a:xfrm>
-            <a:off x="2304000" y="1512000"/>
-            <a:ext cx="4637880" cy="2232000"/>
-          </a:xfrm>
-          <a:prstGeom prst="rect">
-            <a:avLst/>
-          </a:prstGeom>
-        </p:spPr>
-        <p:txBody>
-          <a:bodyPr lIns="0" rIns="0" tIns="0" bIns="0">
-            <a:normAutofit/>
-          </a:bodyPr>
-          <a:p>
-            <a:endParaRPr b="0" lang="es-AR" sz="3200" spc="-1" strike="noStrike">
-              <a:latin typeface="Arial"/>
-            </a:endParaRPr>
-          </a:p>
-        </p:txBody>
-      </p:sp>
-      <p:sp>
-        <p:nvSpPr>
-          <p:cNvPr id="247" name="PlaceHolder 3"/>
-          <p:cNvSpPr>
-            <a:spLocks noGrp="1"/>
-          </p:cNvSpPr>
-          <p:nvPr>
-            <p:ph type="body"/>
-          </p:nvPr>
-        </p:nvSpPr>
-        <p:spPr>
-          <a:xfrm>
-            <a:off x="7174080" y="1512000"/>
-            <a:ext cx="4637880" cy="2232000"/>
-          </a:xfrm>
-          <a:prstGeom prst="rect">
-            <a:avLst/>
-          </a:prstGeom>
-        </p:spPr>
-        <p:txBody>
-          <a:bodyPr lIns="0" rIns="0" tIns="0" bIns="0">
-            <a:normAutofit/>
-          </a:bodyPr>
-          <a:p>
-            <a:endParaRPr b="0" lang="es-AR" sz="3200" spc="-1" strike="noStrike">
-              <a:latin typeface="Arial"/>
-            </a:endParaRPr>
-          </a:p>
-        </p:txBody>
-      </p:sp>
-      <p:sp>
-        <p:nvSpPr>
-          <p:cNvPr id="248" name="PlaceHolder 4"/>
-          <p:cNvSpPr>
-            <a:spLocks noGrp="1"/>
-          </p:cNvSpPr>
-          <p:nvPr>
-            <p:ph type="body"/>
-          </p:nvPr>
-        </p:nvSpPr>
-        <p:spPr>
-          <a:xfrm>
-            <a:off x="2304000" y="3956400"/>
-            <a:ext cx="4637880" cy="2232000"/>
-          </a:xfrm>
-          <a:prstGeom prst="rect">
-            <a:avLst/>
-          </a:prstGeom>
-        </p:spPr>
-        <p:txBody>
-          <a:bodyPr lIns="0" rIns="0" tIns="0" bIns="0">
-            <a:normAutofit/>
-          </a:bodyPr>
-          <a:p>
-            <a:endParaRPr b="0" lang="es-AR" sz="3200" spc="-1" strike="noStrike">
-              <a:latin typeface="Arial"/>
-            </a:endParaRPr>
-          </a:p>
-        </p:txBody>
-      </p:sp>
-      <p:sp>
-        <p:nvSpPr>
-          <p:cNvPr id="249" name="PlaceHolder 5"/>
-          <p:cNvSpPr>
-            <a:spLocks noGrp="1"/>
-          </p:cNvSpPr>
-          <p:nvPr>
-            <p:ph type="body"/>
-          </p:nvPr>
-        </p:nvSpPr>
-        <p:spPr>
-          <a:xfrm>
-            <a:off x="7174080" y="3956400"/>
-            <a:ext cx="4637880" cy="2232000"/>
-          </a:xfrm>
-          <a:prstGeom prst="rect">
-            <a:avLst/>
-          </a:prstGeom>
-        </p:spPr>
-        <p:txBody>
-          <a:bodyPr lIns="0" rIns="0" tIns="0" bIns="0">
-            <a:normAutofit/>
-          </a:bodyPr>
-          <a:p>
-            <a:endParaRPr b="0" lang="es-AR" sz="3200" spc="-1" strike="noStrike">
-              <a:latin typeface="Arial"/>
-            </a:endParaRPr>
-          </a:p>
-        </p:txBody>
-      </p:sp>
-    </p:spTree>
-  </p:cSld>
-</p:sldLayout>
-</file>
-
-<file path=ppt/slideLayouts/slideLayout72.xml><?xml version="1.0" encoding="utf-8"?>
-<p:sldLayout xmlns:a="http://schemas.openxmlformats.org/drawingml/2006/main" xmlns:p="http://schemas.openxmlformats.org/presentationml/2006/main" xmlns:r="http://schemas.openxmlformats.org/officeDocument/2006/relationships" xmlns:p14="http://schemas.microsoft.com/office/powerpoint/2010/main" xmlns:p15="http://schemas.microsoft.com/office/powerpoint/2012/main" xmlns:mc="http://schemas.openxmlformats.org/markup-compatibility/2006" type="blank" preserve="1">
-  <p:cSld name="Title, 6 Content">
-    <p:spTree>
-      <p:nvGrpSpPr>
-        <p:cNvPr id="1" name=""/>
-        <p:cNvGrpSpPr/>
-        <p:nvPr/>
-      </p:nvGrpSpPr>
-      <p:grpSpPr>
-        <a:xfrm>
-          <a:off x="0" y="0"/>
-          <a:ext cx="0" cy="0"/>
-          <a:chOff x="0" y="0"/>
-          <a:chExt cx="0" cy="0"/>
-        </a:xfrm>
-      </p:grpSpPr>
-      <p:sp>
-        <p:nvSpPr>
-          <p:cNvPr id="250" name="PlaceHolder 1"/>
-          <p:cNvSpPr>
-            <a:spLocks noGrp="1"/>
-          </p:cNvSpPr>
-          <p:nvPr>
-            <p:ph type="title"/>
-          </p:nvPr>
-        </p:nvSpPr>
-        <p:spPr>
-          <a:xfrm>
-            <a:off x="2762280" y="273600"/>
-            <a:ext cx="8397720" cy="1144800"/>
-          </a:xfrm>
-          <a:prstGeom prst="rect">
-            <a:avLst/>
-          </a:prstGeom>
-        </p:spPr>
-        <p:txBody>
-          <a:bodyPr lIns="0" rIns="0" tIns="0" bIns="0" anchor="ctr"/>
-          <a:p>
-            <a:pPr algn="ctr"/>
-            <a:endParaRPr b="0" lang="es-AR" sz="4400" spc="-1" strike="noStrike">
-              <a:latin typeface="Arial"/>
-            </a:endParaRPr>
-          </a:p>
-        </p:txBody>
-      </p:sp>
-      <p:sp>
-        <p:nvSpPr>
-          <p:cNvPr id="251" name="PlaceHolder 2"/>
-          <p:cNvSpPr>
-            <a:spLocks noGrp="1"/>
-          </p:cNvSpPr>
-          <p:nvPr>
-            <p:ph type="body"/>
-          </p:nvPr>
-        </p:nvSpPr>
-        <p:spPr>
-          <a:xfrm>
-            <a:off x="2304000" y="1512000"/>
-            <a:ext cx="3060000" cy="2232000"/>
-          </a:xfrm>
-          <a:prstGeom prst="rect">
-            <a:avLst/>
-          </a:prstGeom>
-        </p:spPr>
-        <p:txBody>
-          <a:bodyPr lIns="0" rIns="0" tIns="0" bIns="0">
-            <a:normAutofit/>
-          </a:bodyPr>
-          <a:p>
-            <a:endParaRPr b="0" lang="es-AR" sz="3200" spc="-1" strike="noStrike">
-              <a:latin typeface="Arial"/>
-            </a:endParaRPr>
-          </a:p>
-        </p:txBody>
-      </p:sp>
-      <p:sp>
-        <p:nvSpPr>
-          <p:cNvPr id="252" name="PlaceHolder 3"/>
-          <p:cNvSpPr>
-            <a:spLocks noGrp="1"/>
-          </p:cNvSpPr>
-          <p:nvPr>
-            <p:ph type="body"/>
-          </p:nvPr>
-        </p:nvSpPr>
-        <p:spPr>
-          <a:xfrm>
-            <a:off x="5517360" y="1512000"/>
-            <a:ext cx="3060000" cy="2232000"/>
-          </a:xfrm>
-          <a:prstGeom prst="rect">
-            <a:avLst/>
-          </a:prstGeom>
-        </p:spPr>
-        <p:txBody>
-          <a:bodyPr lIns="0" rIns="0" tIns="0" bIns="0">
-            <a:normAutofit/>
-          </a:bodyPr>
-          <a:p>
-            <a:endParaRPr b="0" lang="es-AR" sz="3200" spc="-1" strike="noStrike">
-              <a:latin typeface="Arial"/>
-            </a:endParaRPr>
-          </a:p>
-        </p:txBody>
-      </p:sp>
-      <p:sp>
-        <p:nvSpPr>
-          <p:cNvPr id="253" name="PlaceHolder 4"/>
-          <p:cNvSpPr>
-            <a:spLocks noGrp="1"/>
-          </p:cNvSpPr>
-          <p:nvPr>
-            <p:ph type="body"/>
-          </p:nvPr>
-        </p:nvSpPr>
-        <p:spPr>
-          <a:xfrm>
-            <a:off x="8730720" y="1512000"/>
-            <a:ext cx="3060000" cy="2232000"/>
-          </a:xfrm>
-          <a:prstGeom prst="rect">
-            <a:avLst/>
-          </a:prstGeom>
-        </p:spPr>
-        <p:txBody>
-          <a:bodyPr lIns="0" rIns="0" tIns="0" bIns="0">
-            <a:normAutofit/>
-          </a:bodyPr>
-          <a:p>
-            <a:endParaRPr b="0" lang="es-AR" sz="3200" spc="-1" strike="noStrike">
-              <a:latin typeface="Arial"/>
-            </a:endParaRPr>
-          </a:p>
-        </p:txBody>
-      </p:sp>
-      <p:sp>
-        <p:nvSpPr>
-          <p:cNvPr id="254" name="PlaceHolder 5"/>
-          <p:cNvSpPr>
-            <a:spLocks noGrp="1"/>
-          </p:cNvSpPr>
-          <p:nvPr>
-            <p:ph type="body"/>
-          </p:nvPr>
-        </p:nvSpPr>
-        <p:spPr>
-          <a:xfrm>
-            <a:off x="2304000" y="3956400"/>
-            <a:ext cx="3060000" cy="2232000"/>
-          </a:xfrm>
-          <a:prstGeom prst="rect">
-            <a:avLst/>
-          </a:prstGeom>
-        </p:spPr>
-        <p:txBody>
-          <a:bodyPr lIns="0" rIns="0" tIns="0" bIns="0">
-            <a:normAutofit/>
-          </a:bodyPr>
-          <a:p>
-            <a:endParaRPr b="0" lang="es-AR" sz="3200" spc="-1" strike="noStrike">
-              <a:latin typeface="Arial"/>
-            </a:endParaRPr>
-          </a:p>
-        </p:txBody>
-      </p:sp>
-      <p:sp>
-        <p:nvSpPr>
-          <p:cNvPr id="255" name="PlaceHolder 6"/>
-          <p:cNvSpPr>
-            <a:spLocks noGrp="1"/>
-          </p:cNvSpPr>
-          <p:nvPr>
-            <p:ph type="body"/>
-          </p:nvPr>
-        </p:nvSpPr>
-        <p:spPr>
-          <a:xfrm>
-            <a:off x="5517360" y="3956400"/>
-            <a:ext cx="3060000" cy="2232000"/>
-          </a:xfrm>
-          <a:prstGeom prst="rect">
-            <a:avLst/>
-          </a:prstGeom>
-        </p:spPr>
-        <p:txBody>
-          <a:bodyPr lIns="0" rIns="0" tIns="0" bIns="0">
-            <a:normAutofit/>
-          </a:bodyPr>
-          <a:p>
-            <a:endParaRPr b="0" lang="es-AR" sz="3200" spc="-1" strike="noStrike">
-              <a:latin typeface="Arial"/>
-            </a:endParaRPr>
-          </a:p>
-        </p:txBody>
-      </p:sp>
-      <p:sp>
-        <p:nvSpPr>
-          <p:cNvPr id="256" name="PlaceHolder 7"/>
-          <p:cNvSpPr>
-            <a:spLocks noGrp="1"/>
-          </p:cNvSpPr>
-          <p:nvPr>
-            <p:ph type="body"/>
-          </p:nvPr>
-        </p:nvSpPr>
-        <p:spPr>
-          <a:xfrm>
-            <a:off x="8730720" y="3956400"/>
-            <a:ext cx="3060000" cy="2232000"/>
-          </a:xfrm>
-          <a:prstGeom prst="rect">
-            <a:avLst/>
-          </a:prstGeom>
-        </p:spPr>
-        <p:txBody>
-          <a:bodyPr lIns="0" rIns="0" tIns="0" bIns="0">
-            <a:normAutofit/>
-          </a:bodyPr>
-          <a:p>
-            <a:endParaRPr b="0" lang="es-AR" sz="3200" spc="-1" strike="noStrike">
-              <a:latin typeface="Arial"/>
-            </a:endParaRPr>
-          </a:p>
-        </p:txBody>
-      </p:sp>
-    </p:spTree>
-  </p:cSld>
 </p:sldLayout>
 </file>
 
@@ -8809,17 +8780,25 @@
         </p:nvSpPr>
         <p:spPr>
           <a:xfrm>
-            <a:off x="2762280" y="273600"/>
-            <a:ext cx="8397720" cy="1144800"/>
-          </a:xfrm>
-          <a:prstGeom prst="rect">
-            <a:avLst/>
-          </a:prstGeom>
-        </p:spPr>
-        <p:txBody>
-          <a:bodyPr lIns="0" rIns="0" tIns="0" bIns="0" anchor="ctr"/>
-          <a:p>
-            <a:pPr algn="ctr"/>
+            <a:off x="609480" y="273600"/>
+            <a:ext cx="10972440" cy="1144800"/>
+          </a:xfrm>
+          <a:prstGeom prst="rect">
+            <a:avLst/>
+          </a:prstGeom>
+          <a:noFill/>
+          <a:ln w="0">
+            <a:noFill/>
+          </a:ln>
+        </p:spPr>
+        <p:txBody>
+          <a:bodyPr lIns="0" rIns="0" tIns="0" bIns="0" anchor="ctr">
+            <a:noAutofit/>
+          </a:bodyPr>
+          <a:p>
+            <a:pPr algn="ctr">
+              <a:buNone/>
+            </a:pPr>
             <a:endParaRPr b="0" lang="es-AR" sz="4400" spc="-1" strike="noStrike">
               <a:latin typeface="Arial"/>
             </a:endParaRPr>
@@ -8833,20 +8812,24 @@
             <a:spLocks noGrp="1"/>
           </p:cNvSpPr>
           <p:nvPr>
-            <p:ph type="body"/>
-          </p:nvPr>
-        </p:nvSpPr>
-        <p:spPr>
-          <a:xfrm>
-            <a:off x="2304000" y="1512000"/>
-            <a:ext cx="4637880" cy="2232000"/>
-          </a:xfrm>
-          <a:prstGeom prst="rect">
-            <a:avLst/>
-          </a:prstGeom>
-        </p:spPr>
-        <p:txBody>
-          <a:bodyPr lIns="0" rIns="0" tIns="0" bIns="0">
+            <p:ph/>
+          </p:nvPr>
+        </p:nvSpPr>
+        <p:spPr>
+          <a:xfrm>
+            <a:off x="609480" y="1604520"/>
+            <a:ext cx="5354280" cy="1896840"/>
+          </a:xfrm>
+          <a:prstGeom prst="rect">
+            <a:avLst/>
+          </a:prstGeom>
+          <a:noFill/>
+          <a:ln w="0">
+            <a:noFill/>
+          </a:ln>
+        </p:spPr>
+        <p:txBody>
+          <a:bodyPr lIns="0" rIns="0" tIns="0" bIns="0" anchor="t">
             <a:normAutofit/>
           </a:bodyPr>
           <a:p>
@@ -8863,20 +8846,24 @@
             <a:spLocks noGrp="1"/>
           </p:cNvSpPr>
           <p:nvPr>
-            <p:ph type="body"/>
-          </p:nvPr>
-        </p:nvSpPr>
-        <p:spPr>
-          <a:xfrm>
-            <a:off x="7174080" y="1512000"/>
-            <a:ext cx="4637880" cy="2232000"/>
-          </a:xfrm>
-          <a:prstGeom prst="rect">
-            <a:avLst/>
-          </a:prstGeom>
-        </p:spPr>
-        <p:txBody>
-          <a:bodyPr lIns="0" rIns="0" tIns="0" bIns="0">
+            <p:ph/>
+          </p:nvPr>
+        </p:nvSpPr>
+        <p:spPr>
+          <a:xfrm>
+            <a:off x="6231960" y="1604520"/>
+            <a:ext cx="5354280" cy="1896840"/>
+          </a:xfrm>
+          <a:prstGeom prst="rect">
+            <a:avLst/>
+          </a:prstGeom>
+          <a:noFill/>
+          <a:ln w="0">
+            <a:noFill/>
+          </a:ln>
+        </p:spPr>
+        <p:txBody>
+          <a:bodyPr lIns="0" rIns="0" tIns="0" bIns="0" anchor="t">
             <a:normAutofit/>
           </a:bodyPr>
           <a:p>
@@ -8893,20 +8880,24 @@
             <a:spLocks noGrp="1"/>
           </p:cNvSpPr>
           <p:nvPr>
-            <p:ph type="body"/>
-          </p:nvPr>
-        </p:nvSpPr>
-        <p:spPr>
-          <a:xfrm>
-            <a:off x="2304000" y="3956400"/>
-            <a:ext cx="9504000" cy="2232000"/>
-          </a:xfrm>
-          <a:prstGeom prst="rect">
-            <a:avLst/>
-          </a:prstGeom>
-        </p:spPr>
-        <p:txBody>
-          <a:bodyPr lIns="0" rIns="0" tIns="0" bIns="0">
+            <p:ph/>
+          </p:nvPr>
+        </p:nvSpPr>
+        <p:spPr>
+          <a:xfrm>
+            <a:off x="609480" y="3682080"/>
+            <a:ext cx="10972440" cy="1896840"/>
+          </a:xfrm>
+          <a:prstGeom prst="rect">
+            <a:avLst/>
+          </a:prstGeom>
+          <a:noFill/>
+          <a:ln w="0">
+            <a:noFill/>
+          </a:ln>
+        </p:spPr>
+        <p:txBody>
+          <a:bodyPr lIns="0" rIns="0" tIns="0" bIns="0" anchor="t">
             <a:normAutofit/>
           </a:bodyPr>
           <a:p>
@@ -8928,9 +8919,7 @@
       <p:bgPr>
         <a:blipFill rotWithShape="0">
           <a:blip r:embed="rId2"/>
-          <a:stretch>
-            <a:fillRect/>
-          </a:stretch>
+          <a:stretch/>
         </a:blipFill>
       </p:bgPr>
     </p:bg>
@@ -8961,12 +8950,12 @@
         <p:spPr>
           <a:xfrm>
             <a:off x="11041200" y="-75960"/>
-            <a:ext cx="921600" cy="1181880"/>
-          </a:xfrm>
-          <a:prstGeom prst="rect">
-            <a:avLst/>
-          </a:prstGeom>
-          <a:ln>
+            <a:ext cx="920880" cy="1181160"/>
+          </a:xfrm>
+          <a:prstGeom prst="rect">
+            <a:avLst/>
+          </a:prstGeom>
+          <a:ln w="0">
             <a:noFill/>
           </a:ln>
         </p:spPr>
@@ -8984,12 +8973,12 @@
         <p:spPr>
           <a:xfrm>
             <a:off x="690120" y="5774400"/>
-            <a:ext cx="2641320" cy="609480"/>
-          </a:xfrm>
-          <a:prstGeom prst="rect">
-            <a:avLst/>
-          </a:prstGeom>
-          <a:ln>
+            <a:ext cx="2640600" cy="608760"/>
+          </a:xfrm>
+          <a:prstGeom prst="rect">
+            <a:avLst/>
+          </a:prstGeom>
+          <a:ln w="0">
             <a:noFill/>
           </a:ln>
         </p:spPr>
@@ -9007,12 +8996,12 @@
         <p:spPr>
           <a:xfrm>
             <a:off x="9820440" y="5774400"/>
-            <a:ext cx="713160" cy="565200"/>
-          </a:xfrm>
-          <a:prstGeom prst="rect">
-            <a:avLst/>
-          </a:prstGeom>
-          <a:ln>
+            <a:ext cx="712440" cy="564480"/>
+          </a:xfrm>
+          <a:prstGeom prst="rect">
+            <a:avLst/>
+          </a:prstGeom>
+          <a:ln w="0">
             <a:noFill/>
           </a:ln>
         </p:spPr>
@@ -9032,12 +9021,12 @@
         <p:spPr>
           <a:xfrm>
             <a:off x="10671840" y="5774400"/>
-            <a:ext cx="587160" cy="516600"/>
-          </a:xfrm>
-          <a:prstGeom prst="rect">
-            <a:avLst/>
-          </a:prstGeom>
-          <a:ln>
+            <a:ext cx="586440" cy="515880"/>
+          </a:xfrm>
+          <a:prstGeom prst="rect">
+            <a:avLst/>
+          </a:prstGeom>
+          <a:ln w="0">
             <a:noFill/>
           </a:ln>
         </p:spPr>
@@ -9055,12 +9044,12 @@
         <p:spPr>
           <a:xfrm>
             <a:off x="542520" y="417960"/>
-            <a:ext cx="1374840" cy="1238040"/>
-          </a:xfrm>
-          <a:prstGeom prst="rect">
-            <a:avLst/>
-          </a:prstGeom>
-          <a:ln>
+            <a:ext cx="1374120" cy="1237320"/>
+          </a:xfrm>
+          <a:prstGeom prst="rect">
+            <a:avLst/>
+          </a:prstGeom>
+          <a:ln w="0">
             <a:noFill/>
           </a:ln>
         </p:spPr>
@@ -9074,13 +9063,13 @@
         <p:spPr>
           <a:xfrm>
             <a:off x="6264000" y="3600000"/>
-            <a:ext cx="5039640" cy="345960"/>
-          </a:xfrm>
-          <a:prstGeom prst="rect">
-            <a:avLst/>
-          </a:prstGeom>
-          <a:noFill/>
-          <a:ln>
+            <a:ext cx="5038920" cy="345240"/>
+          </a:xfrm>
+          <a:prstGeom prst="rect">
+            <a:avLst/>
+          </a:prstGeom>
+          <a:noFill/>
+          <a:ln w="0">
             <a:noFill/>
           </a:ln>
         </p:spPr>
@@ -9093,7 +9082,7 @@
       </p:sp>
       <p:sp>
         <p:nvSpPr>
-          <p:cNvPr id="6" name="PlaceHolder 2"/>
+          <p:cNvPr id="6" name="PlaceHolder 1"/>
           <p:cNvSpPr>
             <a:spLocks noGrp="1"/>
           </p:cNvSpPr>
@@ -9103,22 +9092,288 @@
         </p:nvSpPr>
         <p:spPr>
           <a:xfrm>
-            <a:off x="2016000" y="144000"/>
-            <a:ext cx="9288000" cy="1440000"/>
-          </a:xfrm>
-          <a:prstGeom prst="rect">
-            <a:avLst/>
-          </a:prstGeom>
-        </p:spPr>
-        <p:txBody>
-          <a:bodyPr anchor="ctr" bIns="0" lIns="0" rIns="0" tIns="0"/>
-          <a:p>
-            <a:pPr algn="ctr"/>
+            <a:off x="2520000" y="180000"/>
+            <a:ext cx="8639640" cy="1079640"/>
+          </a:xfrm>
+          <a:prstGeom prst="rect">
+            <a:avLst/>
+          </a:prstGeom>
+          <a:noFill/>
+          <a:ln w="0">
+            <a:noFill/>
+          </a:ln>
+        </p:spPr>
+        <p:txBody>
+          <a:bodyPr anchor="ctr" bIns="0" lIns="0" rIns="0" tIns="0">
+            <a:noAutofit/>
+          </a:bodyPr>
+          <a:p>
+            <a:pPr algn="ctr">
+              <a:buNone/>
+            </a:pPr>
             <a:r>
               <a:rPr b="0" lang="es-AR" spc="-1" strike="noStrike" sz="4400">
                 <a:latin typeface="Arial"/>
               </a:rPr>
-              <a:t>Pulse para editar el formato del texto de título</a:t>
+              <a:t>P</a:t>
+            </a:r>
+            <a:r>
+              <a:rPr b="0" lang="es-AR" spc="-1" strike="noStrike" sz="4400">
+                <a:latin typeface="Arial"/>
+              </a:rPr>
+              <a:t>u</a:t>
+            </a:r>
+            <a:r>
+              <a:rPr b="0" lang="es-AR" spc="-1" strike="noStrike" sz="4400">
+                <a:latin typeface="Arial"/>
+              </a:rPr>
+              <a:t>l</a:t>
+            </a:r>
+            <a:r>
+              <a:rPr b="0" lang="es-AR" spc="-1" strike="noStrike" sz="4400">
+                <a:latin typeface="Arial"/>
+              </a:rPr>
+              <a:t>s</a:t>
+            </a:r>
+            <a:r>
+              <a:rPr b="0" lang="es-AR" spc="-1" strike="noStrike" sz="4400">
+                <a:latin typeface="Arial"/>
+              </a:rPr>
+              <a:t>e</a:t>
+            </a:r>
+            <a:r>
+              <a:rPr b="0" lang="es-AR" spc="-1" strike="noStrike" sz="4400">
+                <a:latin typeface="Arial"/>
+              </a:rPr>
+              <a:t> </a:t>
+            </a:r>
+            <a:r>
+              <a:rPr b="0" lang="es-AR" spc="-1" strike="noStrike" sz="4400">
+                <a:latin typeface="Arial"/>
+              </a:rPr>
+              <a:t>p</a:t>
+            </a:r>
+            <a:r>
+              <a:rPr b="0" lang="es-AR" spc="-1" strike="noStrike" sz="4400">
+                <a:latin typeface="Arial"/>
+              </a:rPr>
+              <a:t>a</a:t>
+            </a:r>
+            <a:r>
+              <a:rPr b="0" lang="es-AR" spc="-1" strike="noStrike" sz="4400">
+                <a:latin typeface="Arial"/>
+              </a:rPr>
+              <a:t>r</a:t>
+            </a:r>
+            <a:r>
+              <a:rPr b="0" lang="es-AR" spc="-1" strike="noStrike" sz="4400">
+                <a:latin typeface="Arial"/>
+              </a:rPr>
+              <a:t>a</a:t>
+            </a:r>
+            <a:r>
+              <a:rPr b="0" lang="es-AR" spc="-1" strike="noStrike" sz="4400">
+                <a:latin typeface="Arial"/>
+              </a:rPr>
+              <a:t> </a:t>
+            </a:r>
+            <a:r>
+              <a:rPr b="0" lang="es-AR" spc="-1" strike="noStrike" sz="4400">
+                <a:latin typeface="Arial"/>
+              </a:rPr>
+              <a:t>e</a:t>
+            </a:r>
+            <a:r>
+              <a:rPr b="0" lang="es-AR" spc="-1" strike="noStrike" sz="4400">
+                <a:latin typeface="Arial"/>
+              </a:rPr>
+              <a:t>d</a:t>
+            </a:r>
+            <a:r>
+              <a:rPr b="0" lang="es-AR" spc="-1" strike="noStrike" sz="4400">
+                <a:latin typeface="Arial"/>
+              </a:rPr>
+              <a:t>it</a:t>
+            </a:r>
+            <a:r>
+              <a:rPr b="0" lang="es-AR" spc="-1" strike="noStrike" sz="4400">
+                <a:latin typeface="Arial"/>
+              </a:rPr>
+              <a:t>a</a:t>
+            </a:r>
+            <a:r>
+              <a:rPr b="0" lang="es-AR" spc="-1" strike="noStrike" sz="4400">
+                <a:latin typeface="Arial"/>
+              </a:rPr>
+              <a:t>r </a:t>
+            </a:r>
+            <a:r>
+              <a:rPr b="0" lang="es-AR" spc="-1" strike="noStrike" sz="4400">
+                <a:latin typeface="Arial"/>
+              </a:rPr>
+              <a:t>e</a:t>
+            </a:r>
+            <a:r>
+              <a:rPr b="0" lang="es-AR" spc="-1" strike="noStrike" sz="4400">
+                <a:latin typeface="Arial"/>
+              </a:rPr>
+              <a:t>l </a:t>
+            </a:r>
+            <a:r>
+              <a:rPr b="0" lang="es-AR" spc="-1" strike="noStrike" sz="4400">
+                <a:latin typeface="Arial"/>
+              </a:rPr>
+              <a:t>f</a:t>
+            </a:r>
+            <a:r>
+              <a:rPr b="0" lang="es-AR" spc="-1" strike="noStrike" sz="4400">
+                <a:latin typeface="Arial"/>
+              </a:rPr>
+              <a:t>o</a:t>
+            </a:r>
+            <a:r>
+              <a:rPr b="0" lang="es-AR" spc="-1" strike="noStrike" sz="4400">
+                <a:latin typeface="Arial"/>
+              </a:rPr>
+              <a:t>r</a:t>
+            </a:r>
+            <a:r>
+              <a:rPr b="0" lang="es-AR" spc="-1" strike="noStrike" sz="4400">
+                <a:latin typeface="Arial"/>
+              </a:rPr>
+              <a:t>m</a:t>
+            </a:r>
+            <a:r>
+              <a:rPr b="0" lang="es-AR" spc="-1" strike="noStrike" sz="4400">
+                <a:latin typeface="Arial"/>
+              </a:rPr>
+              <a:t>a</a:t>
+            </a:r>
+            <a:r>
+              <a:rPr b="0" lang="es-AR" spc="-1" strike="noStrike" sz="4400">
+                <a:latin typeface="Arial"/>
+              </a:rPr>
+              <a:t>t</a:t>
+            </a:r>
+            <a:r>
+              <a:rPr b="0" lang="es-AR" spc="-1" strike="noStrike" sz="4400">
+                <a:latin typeface="Arial"/>
+              </a:rPr>
+              <a:t>o</a:t>
+            </a:r>
+            <a:r>
+              <a:rPr b="0" lang="es-AR" spc="-1" strike="noStrike" sz="4400">
+                <a:latin typeface="Arial"/>
+              </a:rPr>
+              <a:t> </a:t>
+            </a:r>
+            <a:r>
+              <a:rPr b="0" lang="es-AR" spc="-1" strike="noStrike" sz="4400">
+                <a:latin typeface="Arial"/>
+              </a:rPr>
+              <a:t>d</a:t>
+            </a:r>
+            <a:r>
+              <a:rPr b="0" lang="es-AR" spc="-1" strike="noStrike" sz="4400">
+                <a:latin typeface="Arial"/>
+              </a:rPr>
+              <a:t>e</a:t>
+            </a:r>
+            <a:r>
+              <a:rPr b="0" lang="es-AR" spc="-1" strike="noStrike" sz="4400">
+                <a:latin typeface="Arial"/>
+              </a:rPr>
+              <a:t>l </a:t>
+            </a:r>
+            <a:r>
+              <a:rPr b="0" lang="es-AR" spc="-1" strike="noStrike" sz="4400">
+                <a:latin typeface="Arial"/>
+              </a:rPr>
+              <a:t>t</a:t>
+            </a:r>
+            <a:r>
+              <a:rPr b="0" lang="es-AR" spc="-1" strike="noStrike" sz="4400">
+                <a:latin typeface="Arial"/>
+              </a:rPr>
+              <a:t>e</a:t>
+            </a:r>
+            <a:r>
+              <a:rPr b="0" lang="es-AR" spc="-1" strike="noStrike" sz="4400">
+                <a:latin typeface="Arial"/>
+              </a:rPr>
+              <a:t>x</a:t>
+            </a:r>
+            <a:r>
+              <a:rPr b="0" lang="es-AR" spc="-1" strike="noStrike" sz="4400">
+                <a:latin typeface="Arial"/>
+              </a:rPr>
+              <a:t>t</a:t>
+            </a:r>
+            <a:r>
+              <a:rPr b="0" lang="es-AR" spc="-1" strike="noStrike" sz="4400">
+                <a:latin typeface="Arial"/>
+              </a:rPr>
+              <a:t>o</a:t>
+            </a:r>
+            <a:r>
+              <a:rPr b="0" lang="es-AR" spc="-1" strike="noStrike" sz="4400">
+                <a:latin typeface="Arial"/>
+              </a:rPr>
+              <a:t> </a:t>
+            </a:r>
+            <a:r>
+              <a:rPr b="0" lang="es-AR" spc="-1" strike="noStrike" sz="4400">
+                <a:latin typeface="Arial"/>
+              </a:rPr>
+              <a:t>d</a:t>
+            </a:r>
+            <a:r>
+              <a:rPr b="0" lang="es-AR" spc="-1" strike="noStrike" sz="4400">
+                <a:latin typeface="Arial"/>
+              </a:rPr>
+              <a:t>e</a:t>
+            </a:r>
+            <a:r>
+              <a:rPr b="0" lang="es-AR" spc="-1" strike="noStrike" sz="4400">
+                <a:latin typeface="Arial"/>
+              </a:rPr>
+              <a:t> </a:t>
+            </a:r>
+            <a:r>
+              <a:rPr b="0" lang="es-AR" spc="-1" strike="noStrike" sz="4400">
+                <a:latin typeface="Arial"/>
+              </a:rPr>
+              <a:t>t</a:t>
+            </a:r>
+            <a:r>
+              <a:rPr b="0" lang="es-AR" spc="-1" strike="noStrike" sz="4400">
+                <a:latin typeface="Arial"/>
+              </a:rPr>
+              <a:t>í</a:t>
+            </a:r>
+            <a:r>
+              <a:rPr b="0" lang="es-AR" spc="-1" strike="noStrike" sz="4400">
+                <a:latin typeface="Arial"/>
+              </a:rPr>
+              <a:t>t</a:t>
+            </a:r>
+            <a:r>
+              <a:rPr b="0" lang="es-AR" spc="-1" strike="noStrike" sz="4400">
+                <a:latin typeface="Arial"/>
+              </a:rPr>
+              <a:t>u</a:t>
+            </a:r>
+            <a:r>
+              <a:rPr b="0" lang="es-AR" spc="-1" strike="noStrike" sz="4400">
+                <a:latin typeface="Arial"/>
+              </a:rPr>
+              <a:t>l</a:t>
+            </a:r>
+            <a:r>
+              <a:rPr b="0" lang="es-AR" spc="-1" strike="noStrike" sz="4400">
+                <a:latin typeface="Arial"/>
+              </a:rPr>
+              <a:t>o</a:t>
             </a:r>
             <a:endParaRPr b="0" lang="es-AR" spc="-1" strike="noStrike" sz="4400">
               <a:latin typeface="Arial"/>
@@ -9128,7 +9383,7 @@
       </p:sp>
       <p:sp>
         <p:nvSpPr>
-          <p:cNvPr id="7" name="PlaceHolder 3"/>
+          <p:cNvPr id="7" name="PlaceHolder 2"/>
           <p:cNvSpPr>
             <a:spLocks noGrp="1"/>
           </p:cNvSpPr>
@@ -9138,15 +9393,19 @@
         </p:nvSpPr>
         <p:spPr>
           <a:xfrm>
-            <a:off x="648000" y="1584000"/>
-            <a:ext cx="10933920" cy="4680000"/>
-          </a:xfrm>
-          <a:prstGeom prst="rect">
-            <a:avLst/>
-          </a:prstGeom>
-        </p:spPr>
-        <p:txBody>
-          <a:bodyPr bIns="0" lIns="0" rIns="0" tIns="0">
+            <a:off x="609480" y="1604520"/>
+            <a:ext cx="10972440" cy="3977280"/>
+          </a:xfrm>
+          <a:prstGeom prst="rect">
+            <a:avLst/>
+          </a:prstGeom>
+          <a:noFill/>
+          <a:ln w="0">
+            <a:noFill/>
+          </a:ln>
+        </p:spPr>
+        <p:txBody>
+          <a:bodyPr anchor="t" bIns="0" lIns="0" rIns="0" tIns="0">
             <a:normAutofit/>
           </a:bodyPr>
           <a:p>
@@ -9165,19 +9424,7 @@
               <a:rPr b="0" lang="es-AR" spc="-1" strike="noStrike" sz="3200">
                 <a:latin typeface="Arial"/>
               </a:rPr>
-              <a:t>Pulse para editar el </a:t>
-            </a:r>
-            <a:r>
-              <a:rPr b="0" lang="es-AR" spc="-1" strike="noStrike" sz="3200">
-                <a:latin typeface="Arial"/>
-              </a:rPr>
-              <a:t>formato de esquema </a:t>
-            </a:r>
-            <a:r>
-              <a:rPr b="0" lang="es-AR" spc="-1" strike="noStrike" sz="3200">
-                <a:latin typeface="Arial"/>
-              </a:rPr>
-              <a:t>del texto</a:t>
+              <a:t>Pulse para editar el formato de texto del esquema</a:t>
             </a:r>
             <a:endParaRPr b="0" lang="es-AR" spc="-1" strike="noStrike" sz="3200">
               <a:latin typeface="Arial"/>
@@ -9199,13 +9446,7 @@
               <a:rPr b="0" lang="es-AR" spc="-1" strike="noStrike" sz="2800">
                 <a:latin typeface="Arial"/>
               </a:rPr>
-              <a:t>Segundo nivel del </a:t>
-            </a:r>
-            <a:r>
-              <a:rPr b="0" lang="es-AR" spc="-1" strike="noStrike" sz="2800">
-                <a:latin typeface="Arial"/>
-              </a:rPr>
-              <a:t>esquema</a:t>
+              <a:t>Segundo nivel del esquema</a:t>
             </a:r>
             <a:endParaRPr b="0" lang="es-AR" spc="-1" strike="noStrike" sz="2800">
               <a:latin typeface="Arial"/>
@@ -9227,13 +9468,7 @@
               <a:rPr b="0" lang="es-AR" spc="-1" strike="noStrike" sz="2400">
                 <a:latin typeface="Arial"/>
               </a:rPr>
-              <a:t>Tercer nivel del </a:t>
-            </a:r>
-            <a:r>
-              <a:rPr b="0" lang="es-AR" spc="-1" strike="noStrike" sz="2400">
-                <a:latin typeface="Arial"/>
-              </a:rPr>
-              <a:t>esquema</a:t>
+              <a:t>Tercer nivel del esquema</a:t>
             </a:r>
             <a:endParaRPr b="0" lang="es-AR" spc="-1" strike="noStrike" sz="2400">
               <a:latin typeface="Arial"/>
@@ -9255,13 +9490,7 @@
               <a:rPr b="0" lang="es-AR" spc="-1" strike="noStrike" sz="2000">
                 <a:latin typeface="Arial"/>
               </a:rPr>
-              <a:t>Cuarto nivel del </a:t>
-            </a:r>
-            <a:r>
-              <a:rPr b="0" lang="es-AR" spc="-1" strike="noStrike" sz="2000">
-                <a:latin typeface="Arial"/>
-              </a:rPr>
-              <a:t>esquema</a:t>
+              <a:t>Cuarto nivel del esquema</a:t>
             </a:r>
             <a:endParaRPr b="0" lang="es-AR" spc="-1" strike="noStrike" sz="2000">
               <a:latin typeface="Arial"/>
@@ -9283,13 +9512,7 @@
               <a:rPr b="0" lang="es-AR" spc="-1" strike="noStrike" sz="2000">
                 <a:latin typeface="Arial"/>
               </a:rPr>
-              <a:t>Quinto nivel del </a:t>
-            </a:r>
-            <a:r>
-              <a:rPr b="0" lang="es-AR" spc="-1" strike="noStrike" sz="2000">
-                <a:latin typeface="Arial"/>
-              </a:rPr>
-              <a:t>esquema</a:t>
+              <a:t>Quinto nivel del esquema</a:t>
             </a:r>
             <a:endParaRPr b="0" lang="es-AR" spc="-1" strike="noStrike" sz="2000">
               <a:latin typeface="Arial"/>
@@ -9311,13 +9534,7 @@
               <a:rPr b="0" lang="es-AR" spc="-1" strike="noStrike" sz="2000">
                 <a:latin typeface="Arial"/>
               </a:rPr>
-              <a:t>Sexto nivel </a:t>
-            </a:r>
-            <a:r>
-              <a:rPr b="0" lang="es-AR" spc="-1" strike="noStrike" sz="2000">
-                <a:latin typeface="Arial"/>
-              </a:rPr>
-              <a:t>del esquema</a:t>
+              <a:t>Sexto nivel del esquema</a:t>
             </a:r>
             <a:endParaRPr b="0" lang="es-AR" spc="-1" strike="noStrike" sz="2000">
               <a:latin typeface="Arial"/>
@@ -9339,19 +9556,7 @@
               <a:rPr b="0" lang="es-AR" spc="-1" strike="noStrike" sz="2000">
                 <a:latin typeface="Arial"/>
               </a:rPr>
-              <a:t>Séptimo </a:t>
-            </a:r>
-            <a:r>
-              <a:rPr b="0" lang="es-AR" spc="-1" strike="noStrike" sz="2000">
-                <a:latin typeface="Arial"/>
-              </a:rPr>
-              <a:t>nivel del </a:t>
-            </a:r>
-            <a:r>
-              <a:rPr b="0" lang="es-AR" spc="-1" strike="noStrike" sz="2000">
-                <a:latin typeface="Arial"/>
-              </a:rPr>
-              <a:t>esquema</a:t>
+              <a:t>Séptimo nivel del esquema</a:t>
             </a:r>
             <a:endParaRPr b="0" lang="es-AR" spc="-1" strike="noStrike" sz="2000">
               <a:latin typeface="Arial"/>
@@ -9399,7 +9604,7 @@
       <p:sp/>
       <p:sp>
         <p:nvSpPr>
-          <p:cNvPr id="222" name="PlaceHolder 2"/>
+          <p:cNvPr id="179" name="PlaceHolder 2"/>
           <p:cNvSpPr>
             <a:spLocks noGrp="1"/>
           </p:cNvSpPr>
@@ -9409,12 +9614,16 @@
         </p:nvSpPr>
         <p:spPr>
           <a:xfrm>
-            <a:off x="2304000" y="1512000"/>
-            <a:ext cx="9504000" cy="4680000"/>
-          </a:xfrm>
-          <a:prstGeom prst="rect">
-            <a:avLst/>
-          </a:prstGeom>
+            <a:off x="609480" y="1604520"/>
+            <a:ext cx="10972440" cy="3977280"/>
+          </a:xfrm>
+          <a:prstGeom prst="rect">
+            <a:avLst/>
+          </a:prstGeom>
+          <a:noFill/>
+          <a:ln w="0">
+            <a:noFill/>
+          </a:ln>
         </p:spPr>
         <p:txBody>
           <a:bodyPr/>
@@ -11864,32 +12073,32 @@
             <a:pPr lvl="0"/>
             <a:r>
               <a:rPr/>
-              <a:t>Urbano</a:t>
-            </a:r>
-          </a:p>
-          <a:p>
-            <a:pPr lvl="0" indent="0" marL="0">
+              <a:t>Urbano:</a:t>
+            </a:r>
+          </a:p>
+          <a:p>
+            <a:pPr lvl="1">
               <a:buNone/>
             </a:pPr>
             <a:r>
               <a:rPr/>
-              <a:t>— población agrupada únicamente, y conformado por manzanas y/o sectores pertenecientes a una localidad. —</a:t>
+              <a:t>población agrupada únicamente</a:t>
             </a:r>
           </a:p>
           <a:p>
             <a:pPr lvl="0"/>
             <a:r>
               <a:rPr/>
-              <a:t>Suburbano</a:t>
-            </a:r>
-          </a:p>
-          <a:p>
-            <a:pPr lvl="0" indent="0" marL="0">
+              <a:t>Suburbano:</a:t>
+            </a:r>
+          </a:p>
+          <a:p>
+            <a:pPr lvl="1">
               <a:buNone/>
             </a:pPr>
             <a:r>
               <a:rPr/>
-              <a:t>— agrupada en pequeños poblados o en bordes amanzanados de localidades. —</a:t>
+              <a:t>población agrupada en pequeños poblados o en bordes amanzanados</a:t>
             </a:r>
           </a:p>
         </p:txBody>
@@ -12473,18 +12682,21 @@
             </a:schemeClr>
           </a:solidFill>
           <a:prstDash val="solid"/>
+          <a:miter/>
         </a:ln>
         <a:ln w="25400" cap="flat" cmpd="sng" algn="ctr">
           <a:solidFill>
             <a:schemeClr val="phClr"/>
           </a:solidFill>
           <a:prstDash val="solid"/>
+          <a:miter/>
         </a:ln>
         <a:ln w="38100" cap="flat" cmpd="sng" algn="ctr">
           <a:solidFill>
             <a:schemeClr val="phClr"/>
           </a:solidFill>
           <a:prstDash val="solid"/>
+          <a:miter/>
         </a:ln>
       </a:lnStyleLst>
       <a:effectStyleLst>
@@ -12696,18 +12908,21 @@
             </a:schemeClr>
           </a:solidFill>
           <a:prstDash val="solid"/>
+          <a:miter/>
         </a:ln>
         <a:ln w="25400" cap="flat" cmpd="sng" algn="ctr">
           <a:solidFill>
             <a:schemeClr val="phClr"/>
           </a:solidFill>
           <a:prstDash val="solid"/>
+          <a:miter/>
         </a:ln>
         <a:ln w="38100" cap="flat" cmpd="sng" algn="ctr">
           <a:solidFill>
             <a:schemeClr val="phClr"/>
           </a:solidFill>
           <a:prstDash val="solid"/>
+          <a:miter/>
         </a:ln>
       </a:lnStyleLst>
       <a:effectStyleLst>
@@ -12919,18 +13134,21 @@
             </a:schemeClr>
           </a:solidFill>
           <a:prstDash val="solid"/>
+          <a:miter/>
         </a:ln>
         <a:ln w="25400" cap="flat" cmpd="sng" algn="ctr">
           <a:solidFill>
             <a:schemeClr val="phClr"/>
           </a:solidFill>
           <a:prstDash val="solid"/>
+          <a:miter/>
         </a:ln>
         <a:ln w="38100" cap="flat" cmpd="sng" algn="ctr">
           <a:solidFill>
             <a:schemeClr val="phClr"/>
           </a:solidFill>
           <a:prstDash val="solid"/>
+          <a:miter/>
         </a:ln>
       </a:lnStyleLst>
       <a:effectStyleLst>
@@ -13142,18 +13360,21 @@
             </a:schemeClr>
           </a:solidFill>
           <a:prstDash val="solid"/>
+          <a:miter/>
         </a:ln>
         <a:ln w="25400" cap="flat" cmpd="sng" algn="ctr">
           <a:solidFill>
             <a:schemeClr val="phClr"/>
           </a:solidFill>
           <a:prstDash val="solid"/>
+          <a:miter/>
         </a:ln>
         <a:ln w="38100" cap="flat" cmpd="sng" algn="ctr">
           <a:solidFill>
             <a:schemeClr val="phClr"/>
           </a:solidFill>
           <a:prstDash val="solid"/>
+          <a:miter/>
         </a:ln>
       </a:lnStyleLst>
       <a:effectStyleLst>
@@ -13365,241 +13586,21 @@
             </a:schemeClr>
           </a:solidFill>
           <a:prstDash val="solid"/>
+          <a:miter/>
         </a:ln>
         <a:ln w="25400" cap="flat" cmpd="sng" algn="ctr">
           <a:solidFill>
             <a:schemeClr val="phClr"/>
           </a:solidFill>
           <a:prstDash val="solid"/>
+          <a:miter/>
         </a:ln>
         <a:ln w="38100" cap="flat" cmpd="sng" algn="ctr">
           <a:solidFill>
             <a:schemeClr val="phClr"/>
           </a:solidFill>
           <a:prstDash val="solid"/>
-        </a:ln>
-      </a:lnStyleLst>
-      <a:effectStyleLst>
-        <a:effectStyle>
-          <a:effectLst>
-            <a:outerShdw blurRad="40000" dist="20000" dir="5400000" rotWithShape="0">
-              <a:srgbClr val="000000">
-                <a:alpha val="38000"/>
-              </a:srgbClr>
-            </a:outerShdw>
-          </a:effectLst>
-        </a:effectStyle>
-        <a:effectStyle>
-          <a:effectLst>
-            <a:outerShdw blurRad="40000" dist="23000" dir="5400000" rotWithShape="0">
-              <a:srgbClr val="000000">
-                <a:alpha val="35000"/>
-              </a:srgbClr>
-            </a:outerShdw>
-          </a:effectLst>
-        </a:effectStyle>
-        <a:effectStyle>
-          <a:effectLst>
-            <a:outerShdw blurRad="40000" dist="23000" dir="5400000" rotWithShape="0">
-              <a:srgbClr val="000000">
-                <a:alpha val="35000"/>
-              </a:srgbClr>
-            </a:outerShdw>
-          </a:effectLst>
-          <a:scene3d>
-            <a:camera prst="orthographicFront">
-              <a:rot lat="0" lon="0" rev="0"/>
-            </a:camera>
-            <a:lightRig rig="threePt" dir="t">
-              <a:rot lat="0" lon="0" rev="1200000"/>
-            </a:lightRig>
-          </a:scene3d>
-          <a:sp3d>
-            <a:bevelT w="63500" h="25400"/>
-          </a:sp3d>
-        </a:effectStyle>
-      </a:effectStyleLst>
-      <a:bgFillStyleLst>
-        <a:solidFill>
-          <a:schemeClr val="phClr"/>
-        </a:solidFill>
-        <a:gradFill rotWithShape="1">
-          <a:gsLst>
-            <a:gs pos="0">
-              <a:schemeClr val="phClr">
-                <a:tint val="40000"/>
-                <a:satMod val="350000"/>
-              </a:schemeClr>
-            </a:gs>
-            <a:gs pos="40000">
-              <a:schemeClr val="phClr">
-                <a:tint val="45000"/>
-                <a:shade val="99000"/>
-                <a:satMod val="350000"/>
-              </a:schemeClr>
-            </a:gs>
-            <a:gs pos="100000">
-              <a:schemeClr val="phClr">
-                <a:shade val="20000"/>
-                <a:satMod val="255000"/>
-              </a:schemeClr>
-            </a:gs>
-          </a:gsLst>
-          <a:path path="circle">
-            <a:fillToRect l="50000" t="-80000" r="50000" b="180000"/>
-          </a:path>
-        </a:gradFill>
-        <a:gradFill rotWithShape="1">
-          <a:gsLst>
-            <a:gs pos="0">
-              <a:schemeClr val="phClr">
-                <a:tint val="80000"/>
-                <a:satMod val="300000"/>
-              </a:schemeClr>
-            </a:gs>
-            <a:gs pos="100000">
-              <a:schemeClr val="phClr">
-                <a:shade val="30000"/>
-                <a:satMod val="200000"/>
-              </a:schemeClr>
-            </a:gs>
-          </a:gsLst>
-          <a:path path="circle">
-            <a:fillToRect l="50000" t="50000" r="50000" b="50000"/>
-          </a:path>
-        </a:gradFill>
-      </a:bgFillStyleLst>
-    </a:fmtScheme>
-  </a:themeElements>
-</a:theme>
-</file>
-
-<file path=ppt/theme/theme6.xml><?xml version="1.0" encoding="utf-8"?>
-<a:theme xmlns:a="http://schemas.openxmlformats.org/drawingml/2006/main" name="Office Theme">
-  <a:themeElements>
-    <a:clrScheme name="Office">
-      <a:dk1>
-        <a:sysClr val="windowText" lastClr="000000"/>
-      </a:dk1>
-      <a:lt1>
-        <a:sysClr val="window" lastClr="FFFFFF"/>
-      </a:lt1>
-      <a:dk2>
-        <a:srgbClr val="44546a"/>
-      </a:dk2>
-      <a:lt2>
-        <a:srgbClr val="e7e6e6"/>
-      </a:lt2>
-      <a:accent1>
-        <a:srgbClr val="5b9bd5"/>
-      </a:accent1>
-      <a:accent2>
-        <a:srgbClr val="ed7d31"/>
-      </a:accent2>
-      <a:accent3>
-        <a:srgbClr val="a5a5a5"/>
-      </a:accent3>
-      <a:accent4>
-        <a:srgbClr val="ffc000"/>
-      </a:accent4>
-      <a:accent5>
-        <a:srgbClr val="4472c4"/>
-      </a:accent5>
-      <a:accent6>
-        <a:srgbClr val="70ad47"/>
-      </a:accent6>
-      <a:hlink>
-        <a:srgbClr val="0563c1"/>
-      </a:hlink>
-      <a:folHlink>
-        <a:srgbClr val="954f72"/>
-      </a:folHlink>
-    </a:clrScheme>
-    <a:fontScheme name="Office">
-      <a:majorFont>
-        <a:latin typeface="Arial"/>
-        <a:ea typeface="DejaVu Sans"/>
-        <a:cs typeface="DejaVu Sans"/>
-      </a:majorFont>
-      <a:minorFont>
-        <a:latin typeface="Arial"/>
-        <a:ea typeface="DejaVu Sans"/>
-        <a:cs typeface="DejaVu Sans"/>
-      </a:minorFont>
-    </a:fontScheme>
-    <a:fmtScheme name="Office">
-      <a:fillStyleLst>
-        <a:solidFill>
-          <a:schemeClr val="phClr"/>
-        </a:solidFill>
-        <a:gradFill rotWithShape="1">
-          <a:gsLst>
-            <a:gs pos="0">
-              <a:schemeClr val="phClr">
-                <a:tint val="50000"/>
-                <a:satMod val="300000"/>
-              </a:schemeClr>
-            </a:gs>
-            <a:gs pos="35000">
-              <a:schemeClr val="phClr">
-                <a:tint val="37000"/>
-                <a:satMod val="300000"/>
-              </a:schemeClr>
-            </a:gs>
-            <a:gs pos="100000">
-              <a:schemeClr val="phClr">
-                <a:tint val="15000"/>
-                <a:satMod val="350000"/>
-              </a:schemeClr>
-            </a:gs>
-          </a:gsLst>
-          <a:lin ang="16200000" scaled="1"/>
-        </a:gradFill>
-        <a:gradFill rotWithShape="1">
-          <a:gsLst>
-            <a:gs pos="0">
-              <a:schemeClr val="phClr">
-                <a:shade val="51000"/>
-                <a:satMod val="130000"/>
-              </a:schemeClr>
-            </a:gs>
-            <a:gs pos="80000">
-              <a:schemeClr val="phClr">
-                <a:shade val="93000"/>
-                <a:satMod val="130000"/>
-              </a:schemeClr>
-            </a:gs>
-            <a:gs pos="100000">
-              <a:schemeClr val="phClr">
-                <a:shade val="94000"/>
-                <a:satMod val="135000"/>
-              </a:schemeClr>
-            </a:gs>
-          </a:gsLst>
-          <a:lin ang="16200000" scaled="0"/>
-        </a:gradFill>
-      </a:fillStyleLst>
-      <a:lnStyleLst>
-        <a:ln w="9525" cap="flat" cmpd="sng" algn="ctr">
-          <a:solidFill>
-            <a:schemeClr val="phClr">
-              <a:shade val="95000"/>
-              <a:satMod val="105000"/>
-            </a:schemeClr>
-          </a:solidFill>
-          <a:prstDash val="solid"/>
-        </a:ln>
-        <a:ln w="25400" cap="flat" cmpd="sng" algn="ctr">
-          <a:solidFill>
-            <a:schemeClr val="phClr"/>
-          </a:solidFill>
-          <a:prstDash val="solid"/>
-        </a:ln>
-        <a:ln w="38100" cap="flat" cmpd="sng" algn="ctr">
-          <a:solidFill>
-            <a:schemeClr val="phClr"/>
-          </a:solidFill>
-          <a:prstDash val="solid"/>
+          <a:miter/>
         </a:ln>
       </a:lnStyleLst>
       <a:effectStyleLst>
